--- a/需求规格说明.pptx
+++ b/需求规格说明.pptx
@@ -7154,13 +7154,13 @@
   <p:clrMapOvr>
     <a:masterClrMapping/>
   </p:clrMapOvr>
-  <mc:AlternateContent xmlns:mc="http://schemas.openxmlformats.org/markup-compatibility/2006">
-    <mc:Choice xmlns:p14="http://schemas.microsoft.com/office/powerpoint/2010/main" Requires="p14">
+  <mc:AlternateContent xmlns:mc="http://schemas.openxmlformats.org/markup-compatibility/2006" xmlns:p14="http://schemas.microsoft.com/office/powerpoint/2010/main">
+    <mc:Choice Requires="p14">
       <p:transition spd="slow" p14:dur="1600">
         <p14:gallery dir="l"/>
       </p:transition>
     </mc:Choice>
-    <mc:Fallback>
+    <mc:Fallback xmlns="">
       <p:transition spd="slow">
         <p:fade/>
       </p:transition>
@@ -9662,13 +9662,13 @@
   <p:clrMapOvr>
     <a:masterClrMapping/>
   </p:clrMapOvr>
-  <mc:AlternateContent xmlns:mc="http://schemas.openxmlformats.org/markup-compatibility/2006">
-    <mc:Choice xmlns:p14="http://schemas.microsoft.com/office/powerpoint/2010/main" Requires="p14">
+  <mc:AlternateContent xmlns:mc="http://schemas.openxmlformats.org/markup-compatibility/2006" xmlns:p14="http://schemas.microsoft.com/office/powerpoint/2010/main">
+    <mc:Choice Requires="p14">
       <p:transition spd="slow" p14:dur="800">
         <p:circle/>
       </p:transition>
     </mc:Choice>
-    <mc:Fallback>
+    <mc:Fallback xmlns="">
       <p:transition spd="slow">
         <p:circle/>
       </p:transition>
@@ -9779,13 +9779,13 @@
   <p:clrMapOvr>
     <a:masterClrMapping/>
   </p:clrMapOvr>
-  <mc:AlternateContent xmlns:mc="http://schemas.openxmlformats.org/markup-compatibility/2006">
-    <mc:Choice xmlns:p14="http://schemas.microsoft.com/office/powerpoint/2010/main" Requires="p14">
+  <mc:AlternateContent xmlns:mc="http://schemas.openxmlformats.org/markup-compatibility/2006" xmlns:p14="http://schemas.microsoft.com/office/powerpoint/2010/main">
+    <mc:Choice Requires="p14">
       <p:transition spd="slow" p14:dur="800">
         <p:circle/>
       </p:transition>
     </mc:Choice>
-    <mc:Fallback>
+    <mc:Fallback xmlns="">
       <p:transition spd="slow">
         <p:circle/>
       </p:transition>
@@ -13390,6 +13390,14 @@
               <a:rPr lang="zh-CN" altLang="zh-CN" dirty="0"/>
               <a:t>明确用户类别和用户代表</a:t>
             </a:r>
+            <a:r>
+              <a:rPr lang="en-US" altLang="zh-CN" dirty="0"/>
+              <a:t>	80</a:t>
+            </a:r>
+            <a:r>
+              <a:rPr lang="zh-CN" altLang="en-US" dirty="0"/>
+              <a:t>分</a:t>
+            </a:r>
             <a:endParaRPr lang="en-US" altLang="zh-CN" sz="2400" dirty="0"/>
           </a:p>
           <a:p>
@@ -13413,6 +13421,14 @@
               <a:rPr lang="zh-CN" altLang="en-US" dirty="0"/>
               <a:t>制作</a:t>
             </a:r>
+            <a:r>
+              <a:rPr lang="en-US" altLang="zh-CN" dirty="0"/>
+              <a:t>	85</a:t>
+            </a:r>
+            <a:r>
+              <a:rPr lang="zh-CN" altLang="en-US" dirty="0"/>
+              <a:t>分</a:t>
+            </a:r>
             <a:endParaRPr lang="en-US" altLang="zh-CN" sz="2400" dirty="0"/>
           </a:p>
           <a:p>
@@ -13444,7 +13460,14 @@
               <a:rPr lang="zh-CN" altLang="zh-CN" dirty="0"/>
               <a:t>制作</a:t>
             </a:r>
-            <a:endParaRPr lang="zh-CN" altLang="en-US" dirty="0"/>
+            <a:r>
+              <a:rPr lang="en-US" altLang="zh-CN" dirty="0"/>
+              <a:t>	88</a:t>
+            </a:r>
+            <a:r>
+              <a:rPr lang="zh-CN" altLang="en-US" dirty="0"/>
+              <a:t>分</a:t>
+            </a:r>
           </a:p>
         </p:txBody>
       </p:sp>
@@ -13489,7 +13512,7 @@
                 <a:ea typeface="Microsoft YaHei UI" panose="020B0503020204020204" pitchFamily="34" charset="-122"/>
                 <a:cs typeface="Times New Roman" panose="02020603050405020304" pitchFamily="18" charset="0"/>
               </a:rPr>
-              <a:t>组内成员说明自己在此次项目计划制定中担当的角色，然后小组内部互相匿名打分，取平均值。</a:t>
+              <a:t>组内成员说明自己在此次项目计划制定中担当的角色，然后小组内部互相打分，取平均值。</a:t>
             </a:r>
             <a:endParaRPr lang="zh-CN" altLang="en-US" dirty="0"/>
           </a:p>
@@ -16354,13 +16377,13 @@
   <p:clrMapOvr>
     <a:masterClrMapping/>
   </p:clrMapOvr>
-  <mc:AlternateContent xmlns:mc="http://schemas.openxmlformats.org/markup-compatibility/2006">
-    <mc:Choice xmlns:p14="http://schemas.microsoft.com/office/powerpoint/2010/main" Requires="p14">
+  <mc:AlternateContent xmlns:mc="http://schemas.openxmlformats.org/markup-compatibility/2006" xmlns:p14="http://schemas.microsoft.com/office/powerpoint/2010/main">
+    <mc:Choice Requires="p14">
       <p:transition spd="med" p14:dur="700">
         <p:fade/>
       </p:transition>
     </mc:Choice>
-    <mc:Fallback>
+    <mc:Fallback xmlns="">
       <p:transition spd="med">
         <p:fade/>
       </p:transition>

--- a/需求规格说明.pptx
+++ b/需求规格说明.pptx
@@ -13379,39 +13379,51 @@
               <a:t>吴联想：</a:t>
             </a:r>
             <a:r>
+              <a:rPr lang="zh-CN" altLang="en-US" dirty="0"/>
+              <a:t>系统综合要求前四部分、</a:t>
+            </a:r>
+            <a:r>
+              <a:rPr lang="en-US" altLang="zh-CN" dirty="0"/>
+              <a:t>SRS</a:t>
+            </a:r>
+            <a:r>
+              <a:rPr lang="zh-CN" altLang="en-US" dirty="0"/>
+              <a:t>引言部分、</a:t>
+            </a:r>
+            <a:r>
+              <a:rPr lang="zh-CN" altLang="zh-CN" dirty="0"/>
+              <a:t>明确用户类别和用户代表</a:t>
+            </a:r>
+            <a:r>
+              <a:rPr lang="en-US" altLang="zh-CN" dirty="0"/>
+              <a:t>	80</a:t>
+            </a:r>
+            <a:r>
+              <a:rPr lang="zh-CN" altLang="en-US" dirty="0"/>
+              <a:t>分</a:t>
+            </a:r>
+            <a:endParaRPr lang="en-US" altLang="zh-CN" sz="2400" dirty="0"/>
+          </a:p>
+          <a:p>
+            <a:r>
+              <a:rPr lang="zh-CN" altLang="en-US" sz="2400" dirty="0"/>
+              <a:t>郑航舰：</a:t>
+            </a:r>
+            <a:r>
               <a:rPr lang="zh-CN" altLang="zh-CN" dirty="0"/>
               <a:t>系统的综合要求</a:t>
             </a:r>
             <a:r>
               <a:rPr lang="zh-CN" altLang="en-US" dirty="0"/>
-              <a:t>、需求规格说明、</a:t>
-            </a:r>
-            <a:r>
-              <a:rPr lang="zh-CN" altLang="zh-CN" dirty="0"/>
-              <a:t>明确用户类别和用户代表</a:t>
+              <a:t>后四部分、</a:t>
             </a:r>
             <a:r>
               <a:rPr lang="en-US" altLang="zh-CN" dirty="0"/>
-              <a:t>	80</a:t>
+              <a:t>word</a:t>
             </a:r>
             <a:r>
               <a:rPr lang="zh-CN" altLang="en-US" dirty="0"/>
-              <a:t>分</a:t>
-            </a:r>
-            <a:endParaRPr lang="en-US" altLang="zh-CN" sz="2400" dirty="0"/>
-          </a:p>
-          <a:p>
-            <a:r>
-              <a:rPr lang="zh-CN" altLang="en-US" sz="2400" dirty="0"/>
-              <a:t>郑航舰：</a:t>
-            </a:r>
-            <a:r>
-              <a:rPr lang="zh-CN" altLang="zh-CN" dirty="0"/>
-              <a:t>系统的综合要求</a:t>
-            </a:r>
-            <a:r>
-              <a:rPr lang="zh-CN" altLang="en-US" dirty="0"/>
-              <a:t>、需求规格说明、</a:t>
+              <a:t>相关内容整合、</a:t>
             </a:r>
             <a:r>
               <a:rPr lang="zh-CN" altLang="zh-CN" dirty="0"/>

--- a/需求规格说明.pptx
+++ b/需求规格说明.pptx
@@ -5,7 +5,7 @@
     <p:sldMasterId id="2147483648" r:id="rId1"/>
   </p:sldMasterIdLst>
   <p:notesMasterIdLst>
-    <p:notesMasterId r:id="rId27"/>
+    <p:notesMasterId r:id="rId28"/>
   </p:notesMasterIdLst>
   <p:sldIdLst>
     <p:sldId id="258" r:id="rId2"/>
@@ -22,22 +22,23 @@
     <p:sldId id="1015" r:id="rId13"/>
     <p:sldId id="1016" r:id="rId14"/>
     <p:sldId id="1017" r:id="rId15"/>
-    <p:sldId id="1018" r:id="rId16"/>
-    <p:sldId id="1019" r:id="rId17"/>
-    <p:sldId id="1020" r:id="rId18"/>
-    <p:sldId id="1021" r:id="rId19"/>
-    <p:sldId id="1008" r:id="rId20"/>
-    <p:sldId id="1002" r:id="rId21"/>
-    <p:sldId id="994" r:id="rId22"/>
-    <p:sldId id="325" r:id="rId23"/>
-    <p:sldId id="481" r:id="rId24"/>
-    <p:sldId id="995" r:id="rId25"/>
-    <p:sldId id="326" r:id="rId26"/>
+    <p:sldId id="1024" r:id="rId16"/>
+    <p:sldId id="1018" r:id="rId17"/>
+    <p:sldId id="1019" r:id="rId18"/>
+    <p:sldId id="1020" r:id="rId19"/>
+    <p:sldId id="1021" r:id="rId20"/>
+    <p:sldId id="1008" r:id="rId21"/>
+    <p:sldId id="1002" r:id="rId22"/>
+    <p:sldId id="994" r:id="rId23"/>
+    <p:sldId id="325" r:id="rId24"/>
+    <p:sldId id="481" r:id="rId25"/>
+    <p:sldId id="995" r:id="rId26"/>
+    <p:sldId id="326" r:id="rId27"/>
   </p:sldIdLst>
   <p:sldSz cx="12192000" cy="6858000"/>
   <p:notesSz cx="6858000" cy="9144000"/>
   <p:custDataLst>
-    <p:tags r:id="rId28"/>
+    <p:tags r:id="rId29"/>
   </p:custDataLst>
   <p:defaultTextStyle>
     <a:defPPr>
@@ -224,7 +225,7 @@
           <a:p>
             <a:fld id="{11E1A13A-D60A-422D-BAA6-E4E7ADFA2A21}" type="datetimeFigureOut">
               <a:rPr lang="zh-CN" altLang="en-US" smtClean="0"/>
-              <a:t>2021/10/24</a:t>
+              <a:t>2021/10/27</a:t>
             </a:fld>
             <a:endParaRPr lang="zh-CN" altLang="en-US"/>
           </a:p>
@@ -641,7 +642,7 @@
             <a:fld id="{3849D3E0-124D-4DFF-AE99-4EA4CC201DB4}" type="slidenum">
               <a:rPr lang="zh-CN" altLang="en-US" smtClean="0"/>
               <a:pPr/>
-              <a:t>21</a:t>
+              <a:t>22</a:t>
             </a:fld>
             <a:endParaRPr lang="zh-CN" altLang="en-US"/>
           </a:p>
@@ -725,7 +726,7 @@
           <a:p>
             <a:fld id="{1C85B925-22C6-43BA-9A74-53F784B92F66}" type="slidenum">
               <a:rPr lang="zh-CN" altLang="en-US" smtClean="0"/>
-              <a:t>22</a:t>
+              <a:t>23</a:t>
             </a:fld>
             <a:endParaRPr lang="zh-CN" altLang="en-US"/>
           </a:p>
@@ -826,7 +827,7 @@
           <a:p>
             <a:fld id="{26AC16BF-CAEE-4604-890E-226F01BB8BA8}" type="slidenum">
               <a:rPr lang="en-IN" smtClean="0"/>
-              <a:t>23</a:t>
+              <a:t>24</a:t>
             </a:fld>
             <a:endParaRPr lang="en-IN" dirty="0"/>
           </a:p>
@@ -927,7 +928,7 @@
           <a:p>
             <a:fld id="{26AC16BF-CAEE-4604-890E-226F01BB8BA8}" type="slidenum">
               <a:rPr lang="en-IN" smtClean="0"/>
-              <a:t>24</a:t>
+              <a:t>25</a:t>
             </a:fld>
             <a:endParaRPr lang="en-IN" dirty="0"/>
           </a:p>
@@ -1011,7 +1012,7 @@
           <a:p>
             <a:fld id="{1C85B925-22C6-43BA-9A74-53F784B92F66}" type="slidenum">
               <a:rPr lang="zh-CN" altLang="en-US" smtClean="0"/>
-              <a:t>25</a:t>
+              <a:t>26</a:t>
             </a:fld>
             <a:endParaRPr lang="zh-CN" altLang="en-US"/>
           </a:p>
@@ -1864,7 +1865,7 @@
           <a:p>
             <a:fld id="{BBC58E1B-5923-4CAF-B9CC-D14A574623CF}" type="datetimeFigureOut">
               <a:rPr lang="zh-CN" altLang="en-US" smtClean="0"/>
-              <a:t>2021/10/24</a:t>
+              <a:t>2021/10/27</a:t>
             </a:fld>
             <a:endParaRPr lang="zh-CN" altLang="en-US"/>
           </a:p>
@@ -2062,7 +2063,7 @@
           <a:p>
             <a:fld id="{BBC58E1B-5923-4CAF-B9CC-D14A574623CF}" type="datetimeFigureOut">
               <a:rPr lang="zh-CN" altLang="en-US" smtClean="0"/>
-              <a:t>2021/10/24</a:t>
+              <a:t>2021/10/27</a:t>
             </a:fld>
             <a:endParaRPr lang="zh-CN" altLang="en-US"/>
           </a:p>
@@ -2270,7 +2271,7 @@
           <a:p>
             <a:fld id="{BBC58E1B-5923-4CAF-B9CC-D14A574623CF}" type="datetimeFigureOut">
               <a:rPr lang="zh-CN" altLang="en-US" smtClean="0"/>
-              <a:t>2021/10/24</a:t>
+              <a:t>2021/10/27</a:t>
             </a:fld>
             <a:endParaRPr lang="zh-CN" altLang="en-US"/>
           </a:p>
@@ -2608,7 +2609,7 @@
               <a:pPr>
                 <a:defRPr/>
               </a:pPr>
-              <a:t>2021/10/24</a:t>
+              <a:t>2021/10/27</a:t>
             </a:fld>
             <a:endParaRPr lang="zh-CN" altLang="en-US"/>
           </a:p>
@@ -2811,7 +2812,7 @@
           <a:p>
             <a:fld id="{BBC58E1B-5923-4CAF-B9CC-D14A574623CF}" type="datetimeFigureOut">
               <a:rPr lang="zh-CN" altLang="en-US" smtClean="0"/>
-              <a:t>2021/10/24</a:t>
+              <a:t>2021/10/27</a:t>
             </a:fld>
             <a:endParaRPr lang="zh-CN" altLang="en-US"/>
           </a:p>
@@ -3086,7 +3087,7 @@
           <a:p>
             <a:fld id="{BBC58E1B-5923-4CAF-B9CC-D14A574623CF}" type="datetimeFigureOut">
               <a:rPr lang="zh-CN" altLang="en-US" smtClean="0"/>
-              <a:t>2021/10/24</a:t>
+              <a:t>2021/10/27</a:t>
             </a:fld>
             <a:endParaRPr lang="zh-CN" altLang="en-US"/>
           </a:p>
@@ -3351,7 +3352,7 @@
           <a:p>
             <a:fld id="{BBC58E1B-5923-4CAF-B9CC-D14A574623CF}" type="datetimeFigureOut">
               <a:rPr lang="zh-CN" altLang="en-US" smtClean="0"/>
-              <a:t>2021/10/24</a:t>
+              <a:t>2021/10/27</a:t>
             </a:fld>
             <a:endParaRPr lang="zh-CN" altLang="en-US"/>
           </a:p>
@@ -3763,7 +3764,7 @@
           <a:p>
             <a:fld id="{BBC58E1B-5923-4CAF-B9CC-D14A574623CF}" type="datetimeFigureOut">
               <a:rPr lang="zh-CN" altLang="en-US" smtClean="0"/>
-              <a:t>2021/10/24</a:t>
+              <a:t>2021/10/27</a:t>
             </a:fld>
             <a:endParaRPr lang="zh-CN" altLang="en-US"/>
           </a:p>
@@ -3904,7 +3905,7 @@
           <a:p>
             <a:fld id="{BBC58E1B-5923-4CAF-B9CC-D14A574623CF}" type="datetimeFigureOut">
               <a:rPr lang="zh-CN" altLang="en-US" smtClean="0"/>
-              <a:t>2021/10/24</a:t>
+              <a:t>2021/10/27</a:t>
             </a:fld>
             <a:endParaRPr lang="zh-CN" altLang="en-US"/>
           </a:p>
@@ -4017,7 +4018,7 @@
           <a:p>
             <a:fld id="{BBC58E1B-5923-4CAF-B9CC-D14A574623CF}" type="datetimeFigureOut">
               <a:rPr lang="zh-CN" altLang="en-US" smtClean="0"/>
-              <a:t>2021/10/24</a:t>
+              <a:t>2021/10/27</a:t>
             </a:fld>
             <a:endParaRPr lang="zh-CN" altLang="en-US"/>
           </a:p>
@@ -4328,7 +4329,7 @@
           <a:p>
             <a:fld id="{BBC58E1B-5923-4CAF-B9CC-D14A574623CF}" type="datetimeFigureOut">
               <a:rPr lang="zh-CN" altLang="en-US" smtClean="0"/>
-              <a:t>2021/10/24</a:t>
+              <a:t>2021/10/27</a:t>
             </a:fld>
             <a:endParaRPr lang="zh-CN" altLang="en-US"/>
           </a:p>
@@ -4616,7 +4617,7 @@
           <a:p>
             <a:fld id="{BBC58E1B-5923-4CAF-B9CC-D14A574623CF}" type="datetimeFigureOut">
               <a:rPr lang="zh-CN" altLang="en-US" smtClean="0"/>
-              <a:t>2021/10/24</a:t>
+              <a:t>2021/10/27</a:t>
             </a:fld>
             <a:endParaRPr lang="zh-CN" altLang="en-US"/>
           </a:p>
@@ -4892,7 +4893,7 @@
           <a:p>
             <a:fld id="{BBC58E1B-5923-4CAF-B9CC-D14A574623CF}" type="datetimeFigureOut">
               <a:rPr lang="zh-CN" altLang="en-US" smtClean="0"/>
-              <a:t>2021/10/24</a:t>
+              <a:t>2021/10/27</a:t>
             </a:fld>
             <a:endParaRPr lang="zh-CN" altLang="en-US"/>
           </a:p>
@@ -7154,13 +7155,13 @@
   <p:clrMapOvr>
     <a:masterClrMapping/>
   </p:clrMapOvr>
-  <mc:AlternateContent xmlns:mc="http://schemas.openxmlformats.org/markup-compatibility/2006">
-    <mc:Choice xmlns:p14="http://schemas.microsoft.com/office/powerpoint/2010/main" Requires="p14">
+  <mc:AlternateContent xmlns:mc="http://schemas.openxmlformats.org/markup-compatibility/2006" xmlns:p14="http://schemas.microsoft.com/office/powerpoint/2010/main">
+    <mc:Choice Requires="p14">
       <p:transition spd="slow" p14:dur="1600">
         <p14:gallery dir="l"/>
       </p:transition>
     </mc:Choice>
-    <mc:Fallback>
+    <mc:Fallback xmlns="">
       <p:transition spd="slow">
         <p:fade/>
       </p:transition>
@@ -8395,49 +8396,6 @@
           <a:chExt cx="0" cy="0"/>
         </a:xfrm>
       </p:grpSpPr>
-      <p:pic>
-        <p:nvPicPr>
-          <p:cNvPr id="4" name="内容占位符 3">
-            <a:extLst>
-              <a:ext uri="{FF2B5EF4-FFF2-40B4-BE49-F238E27FC236}">
-                <a16:creationId xmlns:a16="http://schemas.microsoft.com/office/drawing/2014/main" id="{59817227-89B1-41F8-8C87-16B32EB57EC1}"/>
-              </a:ext>
-            </a:extLst>
-          </p:cNvPr>
-          <p:cNvPicPr>
-            <a:picLocks noGrp="1"/>
-          </p:cNvPicPr>
-          <p:nvPr>
-            <p:ph idx="1"/>
-          </p:nvPr>
-        </p:nvPicPr>
-        <p:blipFill>
-          <a:blip r:embed="rId2">
-            <a:extLst>
-              <a:ext uri="{28A0092B-C50C-407E-A947-70E740481C1C}">
-                <a14:useLocalDpi xmlns:a14="http://schemas.microsoft.com/office/drawing/2010/main" val="0"/>
-              </a:ext>
-            </a:extLst>
-          </a:blip>
-          <a:srcRect/>
-          <a:stretch>
-            <a:fillRect/>
-          </a:stretch>
-        </p:blipFill>
-        <p:spPr bwMode="auto">
-          <a:xfrm>
-            <a:off x="2447072" y="1555802"/>
-            <a:ext cx="7297856" cy="4351338"/>
-          </a:xfrm>
-          <a:prstGeom prst="rect">
-            <a:avLst/>
-          </a:prstGeom>
-          <a:noFill/>
-          <a:ln>
-            <a:noFill/>
-          </a:ln>
-        </p:spPr>
-      </p:pic>
       <p:sp>
         <p:nvSpPr>
           <p:cNvPr id="5" name="文本框 4">
@@ -8474,6 +8432,152 @@
           </a:p>
         </p:txBody>
       </p:sp>
+      <p:pic>
+        <p:nvPicPr>
+          <p:cNvPr id="9" name="图片 8">
+            <a:extLst>
+              <a:ext uri="{FF2B5EF4-FFF2-40B4-BE49-F238E27FC236}">
+                <a16:creationId xmlns:a16="http://schemas.microsoft.com/office/drawing/2014/main" id="{81F1122D-9BE6-4CC0-A19B-D66875C85D3E}"/>
+              </a:ext>
+            </a:extLst>
+          </p:cNvPr>
+          <p:cNvPicPr>
+            <a:picLocks noChangeAspect="1"/>
+          </p:cNvPicPr>
+          <p:nvPr/>
+        </p:nvPicPr>
+        <p:blipFill>
+          <a:blip r:embed="rId2">
+            <a:extLst>
+              <a:ext uri="{28A0092B-C50C-407E-A947-70E740481C1C}">
+                <a14:useLocalDpi xmlns:a14="http://schemas.microsoft.com/office/drawing/2010/main" val="0"/>
+              </a:ext>
+            </a:extLst>
+          </a:blip>
+          <a:stretch>
+            <a:fillRect/>
+          </a:stretch>
+        </p:blipFill>
+        <p:spPr>
+          <a:xfrm>
+            <a:off x="1596079" y="3630508"/>
+            <a:ext cx="9172575" cy="2505075"/>
+          </a:xfrm>
+          <a:prstGeom prst="rect">
+            <a:avLst/>
+          </a:prstGeom>
+        </p:spPr>
+      </p:pic>
+      <p:pic>
+        <p:nvPicPr>
+          <p:cNvPr id="11" name="图片 10">
+            <a:extLst>
+              <a:ext uri="{FF2B5EF4-FFF2-40B4-BE49-F238E27FC236}">
+                <a16:creationId xmlns:a16="http://schemas.microsoft.com/office/drawing/2014/main" id="{FA165876-1B4B-4DDC-B577-B4D1FAF33CE0}"/>
+              </a:ext>
+            </a:extLst>
+          </p:cNvPr>
+          <p:cNvPicPr>
+            <a:picLocks noChangeAspect="1"/>
+          </p:cNvPicPr>
+          <p:nvPr/>
+        </p:nvPicPr>
+        <p:blipFill>
+          <a:blip r:embed="rId3">
+            <a:extLst>
+              <a:ext uri="{28A0092B-C50C-407E-A947-70E740481C1C}">
+                <a14:useLocalDpi xmlns:a14="http://schemas.microsoft.com/office/drawing/2010/main" val="0"/>
+              </a:ext>
+            </a:extLst>
+          </a:blip>
+          <a:stretch>
+            <a:fillRect/>
+          </a:stretch>
+        </p:blipFill>
+        <p:spPr>
+          <a:xfrm>
+            <a:off x="1596079" y="2017432"/>
+            <a:ext cx="8239125" cy="1143000"/>
+          </a:xfrm>
+          <a:prstGeom prst="rect">
+            <a:avLst/>
+          </a:prstGeom>
+        </p:spPr>
+      </p:pic>
+      <p:sp>
+        <p:nvSpPr>
+          <p:cNvPr id="12" name="文本框 11">
+            <a:extLst>
+              <a:ext uri="{FF2B5EF4-FFF2-40B4-BE49-F238E27FC236}">
+                <a16:creationId xmlns:a16="http://schemas.microsoft.com/office/drawing/2014/main" id="{0782D809-15B5-4CD5-B595-EEABAAA954C6}"/>
+              </a:ext>
+            </a:extLst>
+          </p:cNvPr>
+          <p:cNvSpPr txBox="1"/>
+          <p:nvPr/>
+        </p:nvSpPr>
+        <p:spPr>
+          <a:xfrm>
+            <a:off x="876693" y="2404266"/>
+            <a:ext cx="1046375" cy="369332"/>
+          </a:xfrm>
+          <a:prstGeom prst="rect">
+            <a:avLst/>
+          </a:prstGeom>
+          <a:noFill/>
+        </p:spPr>
+        <p:txBody>
+          <a:bodyPr wrap="square" rtlCol="0">
+            <a:spAutoFit/>
+          </a:bodyPr>
+          <a:lstStyle/>
+          <a:p>
+            <a:r>
+              <a:rPr lang="zh-CN" altLang="en-US" dirty="0"/>
+              <a:t>顶层</a:t>
+            </a:r>
+          </a:p>
+        </p:txBody>
+      </p:sp>
+      <p:sp>
+        <p:nvSpPr>
+          <p:cNvPr id="13" name="文本框 12">
+            <a:extLst>
+              <a:ext uri="{FF2B5EF4-FFF2-40B4-BE49-F238E27FC236}">
+                <a16:creationId xmlns:a16="http://schemas.microsoft.com/office/drawing/2014/main" id="{F3F9CD56-C0F7-461D-9D15-C68FFBD0AE7E}"/>
+              </a:ext>
+            </a:extLst>
+          </p:cNvPr>
+          <p:cNvSpPr txBox="1"/>
+          <p:nvPr/>
+        </p:nvSpPr>
+        <p:spPr>
+          <a:xfrm>
+            <a:off x="952108" y="4053526"/>
+            <a:ext cx="719386" cy="369332"/>
+          </a:xfrm>
+          <a:prstGeom prst="rect">
+            <a:avLst/>
+          </a:prstGeom>
+          <a:noFill/>
+        </p:spPr>
+        <p:txBody>
+          <a:bodyPr wrap="square" rtlCol="0">
+            <a:spAutoFit/>
+          </a:bodyPr>
+          <a:lstStyle/>
+          <a:p>
+            <a:r>
+              <a:rPr lang="en-US" altLang="zh-CN" dirty="0"/>
+              <a:t>0</a:t>
+            </a:r>
+            <a:r>
+              <a:rPr lang="zh-CN" altLang="en-US" dirty="0"/>
+              <a:t>层</a:t>
+            </a:r>
+          </a:p>
+        </p:txBody>
+      </p:sp>
     </p:spTree>
     <p:extLst>
       <p:ext uri="{BB962C8B-B14F-4D97-AF65-F5344CB8AC3E}">
@@ -8491,6 +8595,111 @@
 </file>
 
 <file path=ppt/slides/slide15.xml><?xml version="1.0" encoding="utf-8"?>
+<p:sld xmlns:a="http://schemas.openxmlformats.org/drawingml/2006/main" xmlns:r="http://schemas.openxmlformats.org/officeDocument/2006/relationships" xmlns:p="http://schemas.openxmlformats.org/presentationml/2006/main">
+  <p:cSld>
+    <p:spTree>
+      <p:nvGrpSpPr>
+        <p:cNvPr id="1" name=""/>
+        <p:cNvGrpSpPr/>
+        <p:nvPr/>
+      </p:nvGrpSpPr>
+      <p:grpSpPr>
+        <a:xfrm>
+          <a:off x="0" y="0"/>
+          <a:ext cx="0" cy="0"/>
+          <a:chOff x="0" y="0"/>
+          <a:chExt cx="0" cy="0"/>
+        </a:xfrm>
+      </p:grpSpPr>
+      <p:sp>
+        <p:nvSpPr>
+          <p:cNvPr id="5" name="文本框 4">
+            <a:extLst>
+              <a:ext uri="{FF2B5EF4-FFF2-40B4-BE49-F238E27FC236}">
+                <a16:creationId xmlns:a16="http://schemas.microsoft.com/office/drawing/2014/main" id="{3CD2D3F4-1808-4161-93BD-B2357AC7FED7}"/>
+              </a:ext>
+            </a:extLst>
+          </p:cNvPr>
+          <p:cNvSpPr txBox="1"/>
+          <p:nvPr/>
+        </p:nvSpPr>
+        <p:spPr>
+          <a:xfrm>
+            <a:off x="556181" y="452487"/>
+            <a:ext cx="4336330" cy="646331"/>
+          </a:xfrm>
+          <a:prstGeom prst="rect">
+            <a:avLst/>
+          </a:prstGeom>
+          <a:noFill/>
+        </p:spPr>
+        <p:txBody>
+          <a:bodyPr wrap="square" rtlCol="0">
+            <a:spAutoFit/>
+          </a:bodyPr>
+          <a:lstStyle/>
+          <a:p>
+            <a:r>
+              <a:rPr lang="zh-CN" altLang="en-US" sz="3600" b="1" dirty="0"/>
+              <a:t>数据流图</a:t>
+            </a:r>
+            <a:endParaRPr lang="zh-CN" altLang="en-US" b="1" dirty="0"/>
+          </a:p>
+        </p:txBody>
+      </p:sp>
+      <p:pic>
+        <p:nvPicPr>
+          <p:cNvPr id="3" name="图片 2">
+            <a:extLst>
+              <a:ext uri="{FF2B5EF4-FFF2-40B4-BE49-F238E27FC236}">
+                <a16:creationId xmlns:a16="http://schemas.microsoft.com/office/drawing/2014/main" id="{105841BA-5CC5-427D-B9EB-D5B4C3BAE0A5}"/>
+              </a:ext>
+            </a:extLst>
+          </p:cNvPr>
+          <p:cNvPicPr>
+            <a:picLocks noChangeAspect="1"/>
+          </p:cNvPicPr>
+          <p:nvPr/>
+        </p:nvPicPr>
+        <p:blipFill>
+          <a:blip r:embed="rId2">
+            <a:extLst>
+              <a:ext uri="{28A0092B-C50C-407E-A947-70E740481C1C}">
+                <a14:useLocalDpi xmlns:a14="http://schemas.microsoft.com/office/drawing/2010/main" val="0"/>
+              </a:ext>
+            </a:extLst>
+          </a:blip>
+          <a:stretch>
+            <a:fillRect/>
+          </a:stretch>
+        </p:blipFill>
+        <p:spPr>
+          <a:xfrm>
+            <a:off x="1457325" y="1467864"/>
+            <a:ext cx="9277350" cy="4371975"/>
+          </a:xfrm>
+          <a:prstGeom prst="rect">
+            <a:avLst/>
+          </a:prstGeom>
+        </p:spPr>
+      </p:pic>
+    </p:spTree>
+    <p:extLst>
+      <p:ext uri="{BB962C8B-B14F-4D97-AF65-F5344CB8AC3E}">
+        <p14:creationId xmlns:p14="http://schemas.microsoft.com/office/powerpoint/2010/main" val="1649121439"/>
+      </p:ext>
+    </p:extLst>
+  </p:cSld>
+  <p:clrMapOvr>
+    <a:masterClrMapping/>
+  </p:clrMapOvr>
+  <p:transition spd="slow">
+    <p:push dir="u"/>
+  </p:transition>
+</p:sld>
+</file>
+
+<file path=ppt/slides/slide16.xml><?xml version="1.0" encoding="utf-8"?>
 <p:sld xmlns:a="http://schemas.openxmlformats.org/drawingml/2006/main" xmlns:r="http://schemas.openxmlformats.org/officeDocument/2006/relationships" xmlns:p="http://schemas.openxmlformats.org/presentationml/2006/main">
   <p:cSld>
     <p:spTree>
@@ -8841,8 +9050,8 @@
         </p:nvSpPr>
         <p:spPr>
           <a:xfrm>
-            <a:off x="725188" y="1017037"/>
-            <a:ext cx="5038940" cy="5355312"/>
+            <a:off x="670300" y="952335"/>
+            <a:ext cx="5038940" cy="5632311"/>
           </a:xfrm>
           <a:prstGeom prst="rect">
             <a:avLst/>
@@ -8860,7 +9069,7 @@
                 <a:latin typeface="黑体" panose="02010609060101010101" pitchFamily="49" charset="-122"/>
                 <a:ea typeface="黑体" panose="02010609060101010101" pitchFamily="49" charset="-122"/>
               </a:rPr>
-              <a:t>名字：表白内容</a:t>
+              <a:t>名字：输入的表白墙内容</a:t>
             </a:r>
           </a:p>
           <a:p>
@@ -8887,7 +9096,7 @@
                 <a:latin typeface="黑体" panose="02010609060101010101" pitchFamily="49" charset="-122"/>
                 <a:ea typeface="黑体" panose="02010609060101010101" pitchFamily="49" charset="-122"/>
               </a:rPr>
-              <a:t>定义：表白内容</a:t>
+              <a:t>定义：输入的表白墙内容</a:t>
             </a:r>
             <a:r>
               <a:rPr lang="en-US" altLang="zh-CN" dirty="0">
@@ -8901,7 +9110,7 @@
                 <a:latin typeface="黑体" panose="02010609060101010101" pitchFamily="49" charset="-122"/>
                 <a:ea typeface="黑体" panose="02010609060101010101" pitchFamily="49" charset="-122"/>
               </a:rPr>
-              <a:t>表白内容</a:t>
+              <a:t>输入的表白墙内容</a:t>
             </a:r>
           </a:p>
           <a:p>
@@ -8910,36 +9119,22 @@
                 <a:latin typeface="黑体" panose="02010609060101010101" pitchFamily="49" charset="-122"/>
                 <a:ea typeface="黑体" panose="02010609060101010101" pitchFamily="49" charset="-122"/>
               </a:rPr>
-              <a:t>位置：存储至数据库</a:t>
-            </a:r>
-            <a:r>
-              <a:rPr lang="en-US" altLang="zh-CN" dirty="0">
-                <a:latin typeface="黑体" panose="02010609060101010101" pitchFamily="49" charset="-122"/>
-                <a:ea typeface="黑体" panose="02010609060101010101" pitchFamily="49" charset="-122"/>
-              </a:rPr>
-              <a:t>wall</a:t>
-            </a:r>
+              <a:t>位置：与违规字符匹配</a:t>
+            </a:r>
+          </a:p>
+          <a:p>
+            <a:endParaRPr lang="en-US" altLang="zh-CN" dirty="0">
+              <a:latin typeface="黑体" panose="02010609060101010101" pitchFamily="49" charset="-122"/>
+              <a:ea typeface="黑体" panose="02010609060101010101" pitchFamily="49" charset="-122"/>
+            </a:endParaRPr>
+          </a:p>
+          <a:p>
             <a:r>
               <a:rPr lang="zh-CN" altLang="en-US" dirty="0">
                 <a:latin typeface="黑体" panose="02010609060101010101" pitchFamily="49" charset="-122"/>
                 <a:ea typeface="黑体" panose="02010609060101010101" pitchFamily="49" charset="-122"/>
               </a:rPr>
-              <a:t>表</a:t>
-            </a:r>
-          </a:p>
-          <a:p>
-            <a:endParaRPr lang="en-US" altLang="zh-CN" dirty="0">
-              <a:latin typeface="黑体" panose="02010609060101010101" pitchFamily="49" charset="-122"/>
-              <a:ea typeface="黑体" panose="02010609060101010101" pitchFamily="49" charset="-122"/>
-            </a:endParaRPr>
-          </a:p>
-          <a:p>
-            <a:r>
-              <a:rPr lang="zh-CN" altLang="en-US" dirty="0">
-                <a:latin typeface="黑体" panose="02010609060101010101" pitchFamily="49" charset="-122"/>
-                <a:ea typeface="黑体" panose="02010609060101010101" pitchFamily="49" charset="-122"/>
-              </a:rPr>
-              <a:t>名字：表白墙浏览界面</a:t>
+              <a:t>名字：违规字符内容</a:t>
             </a:r>
           </a:p>
           <a:p>
@@ -8957,7 +9152,7 @@
                 <a:latin typeface="黑体" panose="02010609060101010101" pitchFamily="49" charset="-122"/>
                 <a:ea typeface="黑体" panose="02010609060101010101" pitchFamily="49" charset="-122"/>
               </a:rPr>
-              <a:t>描述：用户浏览表白墙时打开的界面</a:t>
+              <a:t>描述：违规字符库内的字符。</a:t>
             </a:r>
           </a:p>
           <a:p>
@@ -8966,7 +9161,7 @@
                 <a:latin typeface="黑体" panose="02010609060101010101" pitchFamily="49" charset="-122"/>
                 <a:ea typeface="黑体" panose="02010609060101010101" pitchFamily="49" charset="-122"/>
               </a:rPr>
-              <a:t>定义：表白墙浏览界面</a:t>
+              <a:t>定义：违规字符内容</a:t>
             </a:r>
             <a:r>
               <a:rPr lang="en-US" altLang="zh-CN" dirty="0">
@@ -8980,7 +9175,78 @@
                 <a:latin typeface="黑体" panose="02010609060101010101" pitchFamily="49" charset="-122"/>
                 <a:ea typeface="黑体" panose="02010609060101010101" pitchFamily="49" charset="-122"/>
               </a:rPr>
-              <a:t>表白内容</a:t>
+              <a:t>违规字符内容</a:t>
+            </a:r>
+          </a:p>
+          <a:p>
+            <a:r>
+              <a:rPr lang="zh-CN" altLang="en-US" dirty="0">
+                <a:latin typeface="黑体" panose="02010609060101010101" pitchFamily="49" charset="-122"/>
+                <a:ea typeface="黑体" panose="02010609060101010101" pitchFamily="49" charset="-122"/>
+              </a:rPr>
+              <a:t>位置：与输入的表白墙内容匹配</a:t>
+            </a:r>
+          </a:p>
+          <a:p>
+            <a:endParaRPr lang="en-US" altLang="zh-CN" dirty="0">
+              <a:latin typeface="黑体" panose="02010609060101010101" pitchFamily="49" charset="-122"/>
+              <a:ea typeface="黑体" panose="02010609060101010101" pitchFamily="49" charset="-122"/>
+            </a:endParaRPr>
+          </a:p>
+          <a:p>
+            <a:endParaRPr lang="en-US" altLang="zh-CN" dirty="0">
+              <a:latin typeface="黑体" panose="02010609060101010101" pitchFamily="49" charset="-122"/>
+              <a:ea typeface="黑体" panose="02010609060101010101" pitchFamily="49" charset="-122"/>
+            </a:endParaRPr>
+          </a:p>
+          <a:p>
+            <a:r>
+              <a:rPr lang="zh-CN" altLang="en-US" dirty="0">
+                <a:latin typeface="黑体" panose="02010609060101010101" pitchFamily="49" charset="-122"/>
+                <a:ea typeface="黑体" panose="02010609060101010101" pitchFamily="49" charset="-122"/>
+              </a:rPr>
+              <a:t>名字：违规警告</a:t>
+            </a:r>
+          </a:p>
+          <a:p>
+            <a:r>
+              <a:rPr lang="zh-CN" altLang="en-US" dirty="0">
+                <a:latin typeface="黑体" panose="02010609060101010101" pitchFamily="49" charset="-122"/>
+                <a:ea typeface="黑体" panose="02010609060101010101" pitchFamily="49" charset="-122"/>
+              </a:rPr>
+              <a:t>别名：无</a:t>
+            </a:r>
+          </a:p>
+          <a:p>
+            <a:r>
+              <a:rPr lang="zh-CN" altLang="en-US" dirty="0">
+                <a:latin typeface="黑体" panose="02010609060101010101" pitchFamily="49" charset="-122"/>
+                <a:ea typeface="黑体" panose="02010609060101010101" pitchFamily="49" charset="-122"/>
+              </a:rPr>
+              <a:t>描述：输入的表白墙内容出现违规字符，发出警告信息</a:t>
+            </a:r>
+          </a:p>
+          <a:p>
+            <a:r>
+              <a:rPr lang="zh-CN" altLang="en-US" dirty="0">
+                <a:latin typeface="黑体" panose="02010609060101010101" pitchFamily="49" charset="-122"/>
+                <a:ea typeface="黑体" panose="02010609060101010101" pitchFamily="49" charset="-122"/>
+              </a:rPr>
+              <a:t>定义：违规警告</a:t>
+            </a:r>
+            <a:r>
+              <a:rPr lang="en-US" altLang="zh-CN" dirty="0">
+                <a:latin typeface="黑体" panose="02010609060101010101" pitchFamily="49" charset="-122"/>
+                <a:ea typeface="黑体" panose="02010609060101010101" pitchFamily="49" charset="-122"/>
+              </a:rPr>
+              <a:t>=</a:t>
+            </a:r>
+            <a:r>
+              <a:rPr lang="zh-CN" altLang="en-US" dirty="0">
+                <a:latin typeface="黑体" panose="02010609060101010101" pitchFamily="49" charset="-122"/>
+                <a:ea typeface="黑体" panose="02010609060101010101" pitchFamily="49" charset="-122"/>
+              </a:rPr>
+              <a:t>违规字符内容</a:t>
             </a:r>
             <a:r>
               <a:rPr lang="en-US" altLang="zh-CN" dirty="0">
@@ -8994,7 +9260,7 @@
                 <a:latin typeface="黑体" panose="02010609060101010101" pitchFamily="49" charset="-122"/>
                 <a:ea typeface="黑体" panose="02010609060101010101" pitchFamily="49" charset="-122"/>
               </a:rPr>
-              <a:t>网站浏览界面</a:t>
+              <a:t>警告</a:t>
             </a:r>
           </a:p>
           <a:p>
@@ -9003,106 +9269,7 @@
                 <a:latin typeface="黑体" panose="02010609060101010101" pitchFamily="49" charset="-122"/>
                 <a:ea typeface="黑体" panose="02010609060101010101" pitchFamily="49" charset="-122"/>
               </a:rPr>
-              <a:t>位置：输出至网站</a:t>
-            </a:r>
-          </a:p>
-          <a:p>
-            <a:endParaRPr lang="en-US" altLang="zh-CN" dirty="0">
-              <a:latin typeface="黑体" panose="02010609060101010101" pitchFamily="49" charset="-122"/>
-              <a:ea typeface="黑体" panose="02010609060101010101" pitchFamily="49" charset="-122"/>
-            </a:endParaRPr>
-          </a:p>
-          <a:p>
-            <a:endParaRPr lang="en-US" altLang="zh-CN" dirty="0">
-              <a:latin typeface="黑体" panose="02010609060101010101" pitchFamily="49" charset="-122"/>
-              <a:ea typeface="黑体" panose="02010609060101010101" pitchFamily="49" charset="-122"/>
-            </a:endParaRPr>
-          </a:p>
-          <a:p>
-            <a:r>
-              <a:rPr lang="zh-CN" altLang="en-US" dirty="0">
-                <a:latin typeface="黑体" panose="02010609060101010101" pitchFamily="49" charset="-122"/>
-                <a:ea typeface="黑体" panose="02010609060101010101" pitchFamily="49" charset="-122"/>
-              </a:rPr>
-              <a:t>名字：更新过的个人信息</a:t>
-            </a:r>
-          </a:p>
-          <a:p>
-            <a:r>
-              <a:rPr lang="zh-CN" altLang="en-US" dirty="0">
-                <a:latin typeface="黑体" panose="02010609060101010101" pitchFamily="49" charset="-122"/>
-                <a:ea typeface="黑体" panose="02010609060101010101" pitchFamily="49" charset="-122"/>
-              </a:rPr>
-              <a:t>别名：无</a:t>
-            </a:r>
-          </a:p>
-          <a:p>
-            <a:r>
-              <a:rPr lang="zh-CN" altLang="en-US" dirty="0">
-                <a:latin typeface="黑体" panose="02010609060101010101" pitchFamily="49" charset="-122"/>
-                <a:ea typeface="黑体" panose="02010609060101010101" pitchFamily="49" charset="-122"/>
-              </a:rPr>
-              <a:t>描述：经过用户编辑过的个人信息</a:t>
-            </a:r>
-          </a:p>
-          <a:p>
-            <a:r>
-              <a:rPr lang="zh-CN" altLang="en-US" dirty="0">
-                <a:latin typeface="黑体" panose="02010609060101010101" pitchFamily="49" charset="-122"/>
-                <a:ea typeface="黑体" panose="02010609060101010101" pitchFamily="49" charset="-122"/>
-              </a:rPr>
-              <a:t>定义：更新过的个人信</a:t>
-            </a:r>
-            <a:r>
-              <a:rPr lang="en-US" altLang="zh-CN" dirty="0">
-                <a:latin typeface="黑体" panose="02010609060101010101" pitchFamily="49" charset="-122"/>
-                <a:ea typeface="黑体" panose="02010609060101010101" pitchFamily="49" charset="-122"/>
-              </a:rPr>
-              <a:t>=</a:t>
-            </a:r>
-            <a:r>
-              <a:rPr lang="zh-CN" altLang="en-US" dirty="0">
-                <a:latin typeface="黑体" panose="02010609060101010101" pitchFamily="49" charset="-122"/>
-                <a:ea typeface="黑体" panose="02010609060101010101" pitchFamily="49" charset="-122"/>
-              </a:rPr>
-              <a:t>用户昵称</a:t>
-            </a:r>
-            <a:r>
-              <a:rPr lang="en-US" altLang="zh-CN" dirty="0">
-                <a:latin typeface="黑体" panose="02010609060101010101" pitchFamily="49" charset="-122"/>
-                <a:ea typeface="黑体" panose="02010609060101010101" pitchFamily="49" charset="-122"/>
-              </a:rPr>
-              <a:t>+</a:t>
-            </a:r>
-            <a:r>
-              <a:rPr lang="zh-CN" altLang="en-US" dirty="0">
-                <a:latin typeface="黑体" panose="02010609060101010101" pitchFamily="49" charset="-122"/>
-                <a:ea typeface="黑体" panose="02010609060101010101" pitchFamily="49" charset="-122"/>
-              </a:rPr>
-              <a:t>用户密码</a:t>
-            </a:r>
-          </a:p>
-          <a:p>
-            <a:r>
-              <a:rPr lang="zh-CN" altLang="en-US" dirty="0">
-                <a:latin typeface="黑体" panose="02010609060101010101" pitchFamily="49" charset="-122"/>
-                <a:ea typeface="黑体" panose="02010609060101010101" pitchFamily="49" charset="-122"/>
-              </a:rPr>
-              <a:t>位置：存储至数据库</a:t>
-            </a:r>
-            <a:r>
-              <a:rPr lang="en-US" altLang="zh-CN" dirty="0">
-                <a:latin typeface="黑体" panose="02010609060101010101" pitchFamily="49" charset="-122"/>
-                <a:ea typeface="黑体" panose="02010609060101010101" pitchFamily="49" charset="-122"/>
-              </a:rPr>
-              <a:t>user</a:t>
-            </a:r>
-            <a:r>
-              <a:rPr lang="zh-CN" altLang="en-US" dirty="0">
-                <a:latin typeface="黑体" panose="02010609060101010101" pitchFamily="49" charset="-122"/>
-                <a:ea typeface="黑体" panose="02010609060101010101" pitchFamily="49" charset="-122"/>
-              </a:rPr>
-              <a:t>表</a:t>
+              <a:t>位置：输出至弹窗</a:t>
             </a:r>
           </a:p>
           <a:p>
@@ -9143,7 +9310,7 @@
                 <a:latin typeface="黑体" panose="02010609060101010101" pitchFamily="49" charset="-122"/>
                 <a:ea typeface="黑体" panose="02010609060101010101" pitchFamily="49" charset="-122"/>
               </a:rPr>
-              <a:t>名字：个人信息</a:t>
+              <a:t>名字：表白墙记录</a:t>
             </a:r>
           </a:p>
           <a:p>
@@ -9168,14 +9335,14 @@
                 <a:latin typeface="黑体" panose="02010609060101010101" pitchFamily="49" charset="-122"/>
                 <a:ea typeface="黑体" panose="02010609060101010101" pitchFamily="49" charset="-122"/>
               </a:rPr>
-              <a:t>user</a:t>
+              <a:t>wall</a:t>
             </a:r>
             <a:r>
               <a:rPr lang="zh-CN" altLang="en-US" dirty="0">
                 <a:latin typeface="黑体" panose="02010609060101010101" pitchFamily="49" charset="-122"/>
                 <a:ea typeface="黑体" panose="02010609060101010101" pitchFamily="49" charset="-122"/>
               </a:rPr>
-              <a:t>表中个人信息部分</a:t>
+              <a:t>表中的记录</a:t>
             </a:r>
           </a:p>
           <a:p>
@@ -9184,7 +9351,7 @@
                 <a:latin typeface="黑体" panose="02010609060101010101" pitchFamily="49" charset="-122"/>
                 <a:ea typeface="黑体" panose="02010609060101010101" pitchFamily="49" charset="-122"/>
               </a:rPr>
-              <a:t>定义：个人信息</a:t>
+              <a:t>定义：表白墙记录</a:t>
             </a:r>
             <a:r>
               <a:rPr lang="en-US" altLang="zh-CN" dirty="0">
@@ -9198,7 +9365,7 @@
                 <a:latin typeface="黑体" panose="02010609060101010101" pitchFamily="49" charset="-122"/>
                 <a:ea typeface="黑体" panose="02010609060101010101" pitchFamily="49" charset="-122"/>
               </a:rPr>
-              <a:t>用户编号</a:t>
+              <a:t>表白墙编号</a:t>
             </a:r>
             <a:r>
               <a:rPr lang="en-US" altLang="zh-CN" dirty="0">
@@ -9212,7 +9379,7 @@
                 <a:latin typeface="黑体" panose="02010609060101010101" pitchFamily="49" charset="-122"/>
                 <a:ea typeface="黑体" panose="02010609060101010101" pitchFamily="49" charset="-122"/>
               </a:rPr>
-              <a:t>用户昵称</a:t>
+              <a:t>表白墙内容</a:t>
             </a:r>
             <a:r>
               <a:rPr lang="en-US" altLang="zh-CN" dirty="0">
@@ -9226,7 +9393,7 @@
                 <a:latin typeface="黑体" panose="02010609060101010101" pitchFamily="49" charset="-122"/>
                 <a:ea typeface="黑体" panose="02010609060101010101" pitchFamily="49" charset="-122"/>
               </a:rPr>
-              <a:t>用户密码</a:t>
+              <a:t>表白墙日期</a:t>
             </a:r>
             <a:r>
               <a:rPr lang="en-US" altLang="zh-CN" dirty="0">
@@ -9240,16 +9407,21 @@
                 <a:latin typeface="黑体" panose="02010609060101010101" pitchFamily="49" charset="-122"/>
                 <a:ea typeface="黑体" panose="02010609060101010101" pitchFamily="49" charset="-122"/>
               </a:rPr>
-              <a:t>用户状态</a:t>
-            </a:r>
-          </a:p>
-          <a:p>
+              <a:t>表白墙状态</a:t>
+            </a:r>
+            <a:r>
+              <a:rPr lang="en-US" altLang="zh-CN" dirty="0">
+                <a:latin typeface="黑体" panose="02010609060101010101" pitchFamily="49" charset="-122"/>
+                <a:ea typeface="黑体" panose="02010609060101010101" pitchFamily="49" charset="-122"/>
+              </a:rPr>
+              <a:t>+</a:t>
+            </a:r>
             <a:r>
               <a:rPr lang="zh-CN" altLang="en-US" dirty="0">
                 <a:latin typeface="黑体" panose="02010609060101010101" pitchFamily="49" charset="-122"/>
                 <a:ea typeface="黑体" panose="02010609060101010101" pitchFamily="49" charset="-122"/>
               </a:rPr>
-              <a:t>位置：被读取后更新网站个人中心信息</a:t>
+              <a:t>表白墙作者</a:t>
             </a:r>
           </a:p>
           <a:p>
@@ -9259,12 +9431,18 @@
             </a:endParaRPr>
           </a:p>
           <a:p>
+            <a:endParaRPr lang="en-US" altLang="zh-CN" dirty="0">
+              <a:latin typeface="黑体" panose="02010609060101010101" pitchFamily="49" charset="-122"/>
+              <a:ea typeface="黑体" panose="02010609060101010101" pitchFamily="49" charset="-122"/>
+            </a:endParaRPr>
+          </a:p>
+          <a:p>
             <a:r>
               <a:rPr lang="zh-CN" altLang="en-US" dirty="0">
                 <a:latin typeface="黑体" panose="02010609060101010101" pitchFamily="49" charset="-122"/>
                 <a:ea typeface="黑体" panose="02010609060101010101" pitchFamily="49" charset="-122"/>
               </a:rPr>
-              <a:t>名字：按顺序读取的表白墙</a:t>
+              <a:t>名字：表白墙信息</a:t>
             </a:r>
           </a:p>
           <a:p>
@@ -9282,30 +9460,16 @@
                 <a:latin typeface="黑体" panose="02010609060101010101" pitchFamily="49" charset="-122"/>
                 <a:ea typeface="黑体" panose="02010609060101010101" pitchFamily="49" charset="-122"/>
               </a:rPr>
-              <a:t>描述：按某种顺序读取</a:t>
-            </a:r>
-            <a:r>
-              <a:rPr lang="en-US" altLang="zh-CN" dirty="0">
-                <a:latin typeface="黑体" panose="02010609060101010101" pitchFamily="49" charset="-122"/>
-                <a:ea typeface="黑体" panose="02010609060101010101" pitchFamily="49" charset="-122"/>
-              </a:rPr>
-              <a:t>wall</a:t>
-            </a:r>
+              <a:t>描述：被选择的表白墙记录</a:t>
+            </a:r>
+          </a:p>
+          <a:p>
             <a:r>
               <a:rPr lang="zh-CN" altLang="en-US" dirty="0">
                 <a:latin typeface="黑体" panose="02010609060101010101" pitchFamily="49" charset="-122"/>
                 <a:ea typeface="黑体" panose="02010609060101010101" pitchFamily="49" charset="-122"/>
               </a:rPr>
-              <a:t>表中的表白墙信息</a:t>
-            </a:r>
-          </a:p>
-          <a:p>
-            <a:r>
-              <a:rPr lang="zh-CN" altLang="en-US" dirty="0">
-                <a:latin typeface="黑体" panose="02010609060101010101" pitchFamily="49" charset="-122"/>
-                <a:ea typeface="黑体" panose="02010609060101010101" pitchFamily="49" charset="-122"/>
-              </a:rPr>
-              <a:t>定义：按顺序读取的表白墙</a:t>
+              <a:t>定义：表白墙信息</a:t>
             </a:r>
             <a:r>
               <a:rPr lang="en-US" altLang="zh-CN" dirty="0">
@@ -9319,7 +9483,7 @@
                 <a:latin typeface="黑体" panose="02010609060101010101" pitchFamily="49" charset="-122"/>
                 <a:ea typeface="黑体" panose="02010609060101010101" pitchFamily="49" charset="-122"/>
               </a:rPr>
-              <a:t>表白墙内容</a:t>
+              <a:t>表白墙编号</a:t>
             </a:r>
             <a:r>
               <a:rPr lang="en-US" altLang="zh-CN" dirty="0">
@@ -9333,7 +9497,7 @@
                 <a:latin typeface="黑体" panose="02010609060101010101" pitchFamily="49" charset="-122"/>
                 <a:ea typeface="黑体" panose="02010609060101010101" pitchFamily="49" charset="-122"/>
               </a:rPr>
-              <a:t>表白墙建立时间</a:t>
+              <a:t>表白墙内容</a:t>
             </a:r>
             <a:r>
               <a:rPr lang="en-US" altLang="zh-CN" dirty="0">
@@ -9347,7 +9511,7 @@
                 <a:latin typeface="黑体" panose="02010609060101010101" pitchFamily="49" charset="-122"/>
                 <a:ea typeface="黑体" panose="02010609060101010101" pitchFamily="49" charset="-122"/>
               </a:rPr>
-              <a:t>表白墙编号</a:t>
+              <a:t>表白墙日期</a:t>
             </a:r>
             <a:r>
               <a:rPr lang="en-US" altLang="zh-CN" dirty="0">
@@ -9361,7 +9525,7 @@
                 <a:latin typeface="黑体" panose="02010609060101010101" pitchFamily="49" charset="-122"/>
                 <a:ea typeface="黑体" panose="02010609060101010101" pitchFamily="49" charset="-122"/>
               </a:rPr>
-              <a:t>表白墙作者编号</a:t>
+              <a:t>表白墙状态</a:t>
             </a:r>
             <a:r>
               <a:rPr lang="en-US" altLang="zh-CN" dirty="0">
@@ -9375,7 +9539,7 @@
                 <a:latin typeface="黑体" panose="02010609060101010101" pitchFamily="49" charset="-122"/>
                 <a:ea typeface="黑体" panose="02010609060101010101" pitchFamily="49" charset="-122"/>
               </a:rPr>
-              <a:t>表白墙状态</a:t>
+              <a:t>表白墙作者</a:t>
             </a:r>
           </a:p>
           <a:p>
@@ -9384,7 +9548,7 @@
                 <a:latin typeface="黑体" panose="02010609060101010101" pitchFamily="49" charset="-122"/>
                 <a:ea typeface="黑体" panose="02010609060101010101" pitchFamily="49" charset="-122"/>
               </a:rPr>
-              <a:t>位置：被读取后更新网站个人中心信息</a:t>
+              <a:t>位置：输出至网站</a:t>
             </a:r>
           </a:p>
           <a:p>
@@ -9444,7 +9608,7 @@
 </p:sld>
 </file>
 
-<file path=ppt/slides/slide16.xml><?xml version="1.0" encoding="utf-8"?>
+<file path=ppt/slides/slide17.xml><?xml version="1.0" encoding="utf-8"?>
 <p:sld xmlns:a="http://schemas.openxmlformats.org/drawingml/2006/main" xmlns:r="http://schemas.openxmlformats.org/officeDocument/2006/relationships" xmlns:p="http://schemas.openxmlformats.org/presentationml/2006/main">
   <p:cSld>
     <p:spTree>
@@ -9560,7 +9724,7 @@
 </p:sld>
 </file>
 
-<file path=ppt/slides/slide17.xml><?xml version="1.0" encoding="utf-8"?>
+<file path=ppt/slides/slide18.xml><?xml version="1.0" encoding="utf-8"?>
 <p:sld xmlns:a="http://schemas.openxmlformats.org/drawingml/2006/main" xmlns:r="http://schemas.openxmlformats.org/officeDocument/2006/relationships" xmlns:p="http://schemas.openxmlformats.org/presentationml/2006/main">
   <p:cSld>
     <p:spTree>
@@ -9662,13 +9826,13 @@
   <p:clrMapOvr>
     <a:masterClrMapping/>
   </p:clrMapOvr>
-  <mc:AlternateContent xmlns:mc="http://schemas.openxmlformats.org/markup-compatibility/2006">
-    <mc:Choice xmlns:p14="http://schemas.microsoft.com/office/powerpoint/2010/main" Requires="p14">
+  <mc:AlternateContent xmlns:mc="http://schemas.openxmlformats.org/markup-compatibility/2006" xmlns:p14="http://schemas.microsoft.com/office/powerpoint/2010/main">
+    <mc:Choice Requires="p14">
       <p:transition spd="slow" p14:dur="800">
         <p:circle/>
       </p:transition>
     </mc:Choice>
-    <mc:Fallback>
+    <mc:Fallback xmlns="">
       <p:transition spd="slow">
         <p:circle/>
       </p:transition>
@@ -9677,7 +9841,7 @@
 </p:sld>
 </file>
 
-<file path=ppt/slides/slide18.xml><?xml version="1.0" encoding="utf-8"?>
+<file path=ppt/slides/slide19.xml><?xml version="1.0" encoding="utf-8"?>
 <p:sld xmlns:a="http://schemas.openxmlformats.org/drawingml/2006/main" xmlns:r="http://schemas.openxmlformats.org/officeDocument/2006/relationships" xmlns:p="http://schemas.openxmlformats.org/presentationml/2006/main">
   <p:cSld>
     <p:spTree>
@@ -9779,13 +9943,13 @@
   <p:clrMapOvr>
     <a:masterClrMapping/>
   </p:clrMapOvr>
-  <mc:AlternateContent xmlns:mc="http://schemas.openxmlformats.org/markup-compatibility/2006">
-    <mc:Choice xmlns:p14="http://schemas.microsoft.com/office/powerpoint/2010/main" Requires="p14">
+  <mc:AlternateContent xmlns:mc="http://schemas.openxmlformats.org/markup-compatibility/2006" xmlns:p14="http://schemas.microsoft.com/office/powerpoint/2010/main">
+    <mc:Choice Requires="p14">
       <p:transition spd="slow" p14:dur="800">
         <p:circle/>
       </p:transition>
     </mc:Choice>
-    <mc:Fallback>
+    <mc:Fallback xmlns="">
       <p:transition spd="slow">
         <p:circle/>
       </p:transition>
@@ -9794,7 +9958,1464 @@
 </p:sld>
 </file>
 
-<file path=ppt/slides/slide19.xml><?xml version="1.0" encoding="utf-8"?>
+<file path=ppt/slides/slide2.xml><?xml version="1.0" encoding="utf-8"?>
+<p:sld xmlns:a="http://schemas.openxmlformats.org/drawingml/2006/main" xmlns:r="http://schemas.openxmlformats.org/officeDocument/2006/relationships" xmlns:p="http://schemas.openxmlformats.org/presentationml/2006/main">
+  <p:cSld>
+    <p:spTree>
+      <p:nvGrpSpPr>
+        <p:cNvPr id="1" name=""/>
+        <p:cNvGrpSpPr/>
+        <p:nvPr/>
+      </p:nvGrpSpPr>
+      <p:grpSpPr>
+        <a:xfrm>
+          <a:off x="0" y="0"/>
+          <a:ext cx="0" cy="0"/>
+          <a:chOff x="0" y="0"/>
+          <a:chExt cx="0" cy="0"/>
+        </a:xfrm>
+      </p:grpSpPr>
+      <p:sp>
+        <p:nvSpPr>
+          <p:cNvPr id="9" name="矩形 8">
+            <a:extLst>
+              <a:ext uri="{FF2B5EF4-FFF2-40B4-BE49-F238E27FC236}">
+                <a16:creationId xmlns:a16="http://schemas.microsoft.com/office/drawing/2014/main" id="{D25DF643-1448-4FE0-B3E8-30157E2DF971}"/>
+              </a:ext>
+            </a:extLst>
+          </p:cNvPr>
+          <p:cNvSpPr/>
+          <p:nvPr/>
+        </p:nvSpPr>
+        <p:spPr>
+          <a:xfrm>
+            <a:off x="0" y="0"/>
+            <a:ext cx="12192000" cy="6858000"/>
+          </a:xfrm>
+          <a:prstGeom prst="rect">
+            <a:avLst/>
+          </a:prstGeom>
+          <a:solidFill>
+            <a:srgbClr val="FDE6BD"/>
+          </a:solidFill>
+          <a:ln>
+            <a:noFill/>
+          </a:ln>
+        </p:spPr>
+        <p:style>
+          <a:lnRef idx="2">
+            <a:schemeClr val="accent1">
+              <a:shade val="50000"/>
+            </a:schemeClr>
+          </a:lnRef>
+          <a:fillRef idx="1">
+            <a:schemeClr val="accent1"/>
+          </a:fillRef>
+          <a:effectRef idx="0">
+            <a:schemeClr val="accent1"/>
+          </a:effectRef>
+          <a:fontRef idx="minor">
+            <a:schemeClr val="lt1"/>
+          </a:fontRef>
+        </p:style>
+        <p:txBody>
+          <a:bodyPr rtlCol="0" anchor="ctr"/>
+          <a:lstStyle/>
+          <a:p>
+            <a:pPr algn="ctr"/>
+            <a:endParaRPr lang="zh-CN" altLang="en-US"/>
+          </a:p>
+        </p:txBody>
+      </p:sp>
+      <p:sp>
+        <p:nvSpPr>
+          <p:cNvPr id="2" name="矩形 1">
+            <a:extLst>
+              <a:ext uri="{FF2B5EF4-FFF2-40B4-BE49-F238E27FC236}">
+                <a16:creationId xmlns:a16="http://schemas.microsoft.com/office/drawing/2014/main" id="{0D196905-CB7F-4474-BD1F-8044FBBFAEE7}"/>
+              </a:ext>
+            </a:extLst>
+          </p:cNvPr>
+          <p:cNvSpPr/>
+          <p:nvPr/>
+        </p:nvSpPr>
+        <p:spPr>
+          <a:xfrm>
+            <a:off x="5103340" y="351615"/>
+            <a:ext cx="6598516" cy="6289386"/>
+          </a:xfrm>
+          <a:prstGeom prst="rect">
+            <a:avLst/>
+          </a:prstGeom>
+          <a:solidFill>
+            <a:srgbClr val="F6F6F6"/>
+          </a:solidFill>
+          <a:ln>
+            <a:noFill/>
+          </a:ln>
+          <a:effectLst>
+            <a:innerShdw blurRad="114300">
+              <a:prstClr val="black"/>
+            </a:innerShdw>
+          </a:effectLst>
+        </p:spPr>
+        <p:style>
+          <a:lnRef idx="2">
+            <a:schemeClr val="accent1">
+              <a:shade val="50000"/>
+            </a:schemeClr>
+          </a:lnRef>
+          <a:fillRef idx="1">
+            <a:schemeClr val="accent1"/>
+          </a:fillRef>
+          <a:effectRef idx="0">
+            <a:schemeClr val="accent1"/>
+          </a:effectRef>
+          <a:fontRef idx="minor">
+            <a:schemeClr val="lt1"/>
+          </a:fontRef>
+        </p:style>
+        <p:txBody>
+          <a:bodyPr rtlCol="0" anchor="ctr"/>
+          <a:lstStyle/>
+          <a:p>
+            <a:pPr algn="ctr"/>
+            <a:endParaRPr lang="zh-CN" altLang="en-US"/>
+          </a:p>
+        </p:txBody>
+      </p:sp>
+      <p:sp>
+        <p:nvSpPr>
+          <p:cNvPr id="44" name="Freeform 169">
+            <a:extLst>
+              <a:ext uri="{FF2B5EF4-FFF2-40B4-BE49-F238E27FC236}">
+                <a16:creationId xmlns:a16="http://schemas.microsoft.com/office/drawing/2014/main" id="{AB00688E-1524-4021-8138-7664AE172649}"/>
+              </a:ext>
+            </a:extLst>
+          </p:cNvPr>
+          <p:cNvSpPr/>
+          <p:nvPr/>
+        </p:nvSpPr>
+        <p:spPr bwMode="auto">
+          <a:xfrm rot="5400000">
+            <a:off x="960925" y="1959576"/>
+            <a:ext cx="6307752" cy="3073465"/>
+          </a:xfrm>
+          <a:custGeom>
+            <a:avLst/>
+            <a:gdLst>
+              <a:gd name="T0" fmla="*/ 0 w 3595"/>
+              <a:gd name="T1" fmla="*/ 154 h 608"/>
+              <a:gd name="T2" fmla="*/ 542 w 3595"/>
+              <a:gd name="T3" fmla="*/ 27 h 608"/>
+              <a:gd name="T4" fmla="*/ 1075 w 3595"/>
+              <a:gd name="T5" fmla="*/ 96 h 608"/>
+              <a:gd name="T6" fmla="*/ 1385 w 3595"/>
+              <a:gd name="T7" fmla="*/ 16 h 608"/>
+              <a:gd name="T8" fmla="*/ 1846 w 3595"/>
+              <a:gd name="T9" fmla="*/ 88 h 608"/>
+              <a:gd name="T10" fmla="*/ 2418 w 3595"/>
+              <a:gd name="T11" fmla="*/ 29 h 608"/>
+              <a:gd name="T12" fmla="*/ 2860 w 3595"/>
+              <a:gd name="T13" fmla="*/ 83 h 608"/>
+              <a:gd name="T14" fmla="*/ 3578 w 3595"/>
+              <a:gd name="T15" fmla="*/ 116 h 608"/>
+              <a:gd name="T16" fmla="*/ 3595 w 3595"/>
+              <a:gd name="T17" fmla="*/ 608 h 608"/>
+              <a:gd name="T18" fmla="*/ 0 w 3595"/>
+              <a:gd name="T19" fmla="*/ 588 h 608"/>
+              <a:gd name="T20" fmla="*/ 0 w 3595"/>
+              <a:gd name="T21" fmla="*/ 154 h 608"/>
+            </a:gdLst>
+            <a:ahLst/>
+            <a:cxnLst>
+              <a:cxn ang="0">
+                <a:pos x="T0" y="T1"/>
+              </a:cxn>
+              <a:cxn ang="0">
+                <a:pos x="T2" y="T3"/>
+              </a:cxn>
+              <a:cxn ang="0">
+                <a:pos x="T4" y="T5"/>
+              </a:cxn>
+              <a:cxn ang="0">
+                <a:pos x="T6" y="T7"/>
+              </a:cxn>
+              <a:cxn ang="0">
+                <a:pos x="T8" y="T9"/>
+              </a:cxn>
+              <a:cxn ang="0">
+                <a:pos x="T10" y="T11"/>
+              </a:cxn>
+              <a:cxn ang="0">
+                <a:pos x="T12" y="T13"/>
+              </a:cxn>
+              <a:cxn ang="0">
+                <a:pos x="T14" y="T15"/>
+              </a:cxn>
+              <a:cxn ang="0">
+                <a:pos x="T16" y="T17"/>
+              </a:cxn>
+              <a:cxn ang="0">
+                <a:pos x="T18" y="T19"/>
+              </a:cxn>
+              <a:cxn ang="0">
+                <a:pos x="T20" y="T21"/>
+              </a:cxn>
+            </a:cxnLst>
+            <a:rect l="0" t="0" r="r" b="b"/>
+            <a:pathLst>
+              <a:path w="3595" h="608">
+                <a:moveTo>
+                  <a:pt x="0" y="154"/>
+                </a:moveTo>
+                <a:cubicBezTo>
+                  <a:pt x="160" y="52"/>
+                  <a:pt x="354" y="7"/>
+                  <a:pt x="542" y="27"/>
+                </a:cubicBezTo>
+                <a:cubicBezTo>
+                  <a:pt x="721" y="47"/>
+                  <a:pt x="897" y="124"/>
+                  <a:pt x="1075" y="96"/>
+                </a:cubicBezTo>
+                <a:cubicBezTo>
+                  <a:pt x="1181" y="80"/>
+                  <a:pt x="1279" y="27"/>
+                  <a:pt x="1385" y="16"/>
+                </a:cubicBezTo>
+                <a:cubicBezTo>
+                  <a:pt x="1540" y="0"/>
+                  <a:pt x="1690" y="74"/>
+                  <a:pt x="1846" y="88"/>
+                </a:cubicBezTo>
+                <a:cubicBezTo>
+                  <a:pt x="2037" y="105"/>
+                  <a:pt x="2226" y="30"/>
+                  <a:pt x="2418" y="29"/>
+                </a:cubicBezTo>
+                <a:cubicBezTo>
+                  <a:pt x="2566" y="28"/>
+                  <a:pt x="2712" y="71"/>
+                  <a:pt x="2860" y="83"/>
+                </a:cubicBezTo>
+                <a:cubicBezTo>
+                  <a:pt x="3100" y="102"/>
+                  <a:pt x="3349" y="40"/>
+                  <a:pt x="3578" y="116"/>
+                </a:cubicBezTo>
+                <a:cubicBezTo>
+                  <a:pt x="3595" y="608"/>
+                  <a:pt x="3595" y="608"/>
+                  <a:pt x="3595" y="608"/>
+                </a:cubicBezTo>
+                <a:cubicBezTo>
+                  <a:pt x="0" y="588"/>
+                  <a:pt x="0" y="588"/>
+                  <a:pt x="0" y="588"/>
+                </a:cubicBezTo>
+                <a:lnTo>
+                  <a:pt x="0" y="154"/>
+                </a:lnTo>
+                <a:close/>
+              </a:path>
+            </a:pathLst>
+          </a:custGeom>
+          <a:solidFill>
+            <a:srgbClr val="F4F4F4"/>
+          </a:solidFill>
+          <a:ln>
+            <a:noFill/>
+          </a:ln>
+          <a:effectLst>
+            <a:outerShdw blurRad="50800" dist="38100" dir="16200000" rotWithShape="0">
+              <a:prstClr val="black">
+                <a:alpha val="40000"/>
+              </a:prstClr>
+            </a:outerShdw>
+          </a:effectLst>
+        </p:spPr>
+        <p:txBody>
+          <a:bodyPr/>
+          <a:lstStyle/>
+          <a:p>
+            <a:pPr>
+              <a:defRPr/>
+            </a:pPr>
+            <a:endParaRPr lang="zh-CN" altLang="en-US" sz="2365">
+              <a:latin typeface="Noto Sans S Chinese Thin" panose="020B0200000000000000" pitchFamily="34" charset="-122"/>
+              <a:ea typeface="Noto Sans S Chinese Thin" panose="020B0200000000000000" pitchFamily="34" charset="-122"/>
+            </a:endParaRPr>
+          </a:p>
+        </p:txBody>
+      </p:sp>
+      <p:sp>
+        <p:nvSpPr>
+          <p:cNvPr id="14" name="矩形 13">
+            <a:extLst>
+              <a:ext uri="{FF2B5EF4-FFF2-40B4-BE49-F238E27FC236}">
+                <a16:creationId xmlns:a16="http://schemas.microsoft.com/office/drawing/2014/main" id="{7FA5455B-AF04-457B-863C-7ADDD89C9AFB}"/>
+              </a:ext>
+            </a:extLst>
+          </p:cNvPr>
+          <p:cNvSpPr/>
+          <p:nvPr/>
+        </p:nvSpPr>
+        <p:spPr>
+          <a:xfrm>
+            <a:off x="9692969" y="694342"/>
+            <a:ext cx="1952625" cy="923330"/>
+          </a:xfrm>
+          <a:prstGeom prst="rect">
+            <a:avLst/>
+          </a:prstGeom>
+        </p:spPr>
+        <p:txBody>
+          <a:bodyPr wrap="square">
+            <a:spAutoFit/>
+          </a:bodyPr>
+          <a:lstStyle/>
+          <a:p>
+            <a:r>
+              <a:rPr lang="zh-CN" altLang="en-US" sz="5400" dirty="0">
+                <a:solidFill>
+                  <a:schemeClr val="tx1">
+                    <a:lumMod val="85000"/>
+                    <a:lumOff val="15000"/>
+                  </a:schemeClr>
+                </a:solidFill>
+                <a:latin typeface="Noto Sans S Chinese Medium" panose="020B0600000000000000" pitchFamily="34" charset="-122"/>
+                <a:ea typeface="Noto Sans S Chinese Medium" panose="020B0600000000000000" pitchFamily="34" charset="-122"/>
+              </a:rPr>
+              <a:t>目录</a:t>
+            </a:r>
+          </a:p>
+        </p:txBody>
+      </p:sp>
+      <p:grpSp>
+        <p:nvGrpSpPr>
+          <p:cNvPr id="15" name="组合 14">
+            <a:extLst>
+              <a:ext uri="{FF2B5EF4-FFF2-40B4-BE49-F238E27FC236}">
+                <a16:creationId xmlns:a16="http://schemas.microsoft.com/office/drawing/2014/main" id="{9FEA297F-C026-4D43-BAC3-098131148F1F}"/>
+              </a:ext>
+            </a:extLst>
+          </p:cNvPr>
+          <p:cNvGrpSpPr/>
+          <p:nvPr/>
+        </p:nvGrpSpPr>
+        <p:grpSpPr>
+          <a:xfrm>
+            <a:off x="9690965" y="1827356"/>
+            <a:ext cx="1397454" cy="123825"/>
+            <a:chOff x="10086975" y="2133600"/>
+            <a:chExt cx="752475" cy="66675"/>
+          </a:xfrm>
+          <a:solidFill>
+            <a:srgbClr val="DB8A49"/>
+          </a:solidFill>
+        </p:grpSpPr>
+        <p:sp>
+          <p:nvSpPr>
+            <p:cNvPr id="13" name="椭圆 12">
+              <a:extLst>
+                <a:ext uri="{FF2B5EF4-FFF2-40B4-BE49-F238E27FC236}">
+                  <a16:creationId xmlns:a16="http://schemas.microsoft.com/office/drawing/2014/main" id="{5AE675F3-05A8-49C9-9231-9CDDFB3AA42C}"/>
+                </a:ext>
+              </a:extLst>
+            </p:cNvPr>
+            <p:cNvSpPr/>
+            <p:nvPr/>
+          </p:nvSpPr>
+          <p:spPr>
+            <a:xfrm>
+              <a:off x="10086975" y="2133600"/>
+              <a:ext cx="66675" cy="66675"/>
+            </a:xfrm>
+            <a:prstGeom prst="ellipse">
+              <a:avLst/>
+            </a:prstGeom>
+            <a:grpFill/>
+            <a:ln>
+              <a:solidFill>
+                <a:schemeClr val="bg1">
+                  <a:lumMod val="85000"/>
+                </a:schemeClr>
+              </a:solidFill>
+            </a:ln>
+          </p:spPr>
+          <p:style>
+            <a:lnRef idx="2">
+              <a:schemeClr val="accent1">
+                <a:shade val="50000"/>
+              </a:schemeClr>
+            </a:lnRef>
+            <a:fillRef idx="1">
+              <a:schemeClr val="accent1"/>
+            </a:fillRef>
+            <a:effectRef idx="0">
+              <a:schemeClr val="accent1"/>
+            </a:effectRef>
+            <a:fontRef idx="minor">
+              <a:schemeClr val="lt1"/>
+            </a:fontRef>
+          </p:style>
+          <p:txBody>
+            <a:bodyPr rtlCol="0" anchor="ctr"/>
+            <a:lstStyle/>
+            <a:p>
+              <a:pPr algn="ctr"/>
+              <a:endParaRPr lang="zh-CN" altLang="en-US"/>
+            </a:p>
+          </p:txBody>
+        </p:sp>
+        <p:sp>
+          <p:nvSpPr>
+            <p:cNvPr id="23" name="椭圆 22">
+              <a:extLst>
+                <a:ext uri="{FF2B5EF4-FFF2-40B4-BE49-F238E27FC236}">
+                  <a16:creationId xmlns:a16="http://schemas.microsoft.com/office/drawing/2014/main" id="{F63797CE-5E20-4251-8384-08E1A888AF0E}"/>
+                </a:ext>
+              </a:extLst>
+            </p:cNvPr>
+            <p:cNvSpPr/>
+            <p:nvPr/>
+          </p:nvSpPr>
+          <p:spPr>
+            <a:xfrm>
+              <a:off x="10220325" y="2133600"/>
+              <a:ext cx="66675" cy="66675"/>
+            </a:xfrm>
+            <a:prstGeom prst="ellipse">
+              <a:avLst/>
+            </a:prstGeom>
+            <a:grpFill/>
+            <a:ln>
+              <a:solidFill>
+                <a:schemeClr val="bg1">
+                  <a:lumMod val="85000"/>
+                </a:schemeClr>
+              </a:solidFill>
+            </a:ln>
+          </p:spPr>
+          <p:style>
+            <a:lnRef idx="2">
+              <a:schemeClr val="accent1">
+                <a:shade val="50000"/>
+              </a:schemeClr>
+            </a:lnRef>
+            <a:fillRef idx="1">
+              <a:schemeClr val="accent1"/>
+            </a:fillRef>
+            <a:effectRef idx="0">
+              <a:schemeClr val="accent1"/>
+            </a:effectRef>
+            <a:fontRef idx="minor">
+              <a:schemeClr val="lt1"/>
+            </a:fontRef>
+          </p:style>
+          <p:txBody>
+            <a:bodyPr rtlCol="0" anchor="ctr"/>
+            <a:lstStyle/>
+            <a:p>
+              <a:pPr algn="ctr"/>
+              <a:endParaRPr lang="zh-CN" altLang="en-US"/>
+            </a:p>
+          </p:txBody>
+        </p:sp>
+        <p:sp>
+          <p:nvSpPr>
+            <p:cNvPr id="24" name="椭圆 23">
+              <a:extLst>
+                <a:ext uri="{FF2B5EF4-FFF2-40B4-BE49-F238E27FC236}">
+                  <a16:creationId xmlns:a16="http://schemas.microsoft.com/office/drawing/2014/main" id="{055EF271-119F-46B8-AD49-135277FE2503}"/>
+                </a:ext>
+              </a:extLst>
+            </p:cNvPr>
+            <p:cNvSpPr/>
+            <p:nvPr/>
+          </p:nvSpPr>
+          <p:spPr>
+            <a:xfrm>
+              <a:off x="10372725" y="2133600"/>
+              <a:ext cx="66675" cy="66675"/>
+            </a:xfrm>
+            <a:prstGeom prst="ellipse">
+              <a:avLst/>
+            </a:prstGeom>
+            <a:grpFill/>
+            <a:ln>
+              <a:solidFill>
+                <a:schemeClr val="bg1">
+                  <a:lumMod val="85000"/>
+                </a:schemeClr>
+              </a:solidFill>
+            </a:ln>
+          </p:spPr>
+          <p:style>
+            <a:lnRef idx="2">
+              <a:schemeClr val="accent1">
+                <a:shade val="50000"/>
+              </a:schemeClr>
+            </a:lnRef>
+            <a:fillRef idx="1">
+              <a:schemeClr val="accent1"/>
+            </a:fillRef>
+            <a:effectRef idx="0">
+              <a:schemeClr val="accent1"/>
+            </a:effectRef>
+            <a:fontRef idx="minor">
+              <a:schemeClr val="lt1"/>
+            </a:fontRef>
+          </p:style>
+          <p:txBody>
+            <a:bodyPr rtlCol="0" anchor="ctr"/>
+            <a:lstStyle/>
+            <a:p>
+              <a:pPr algn="ctr"/>
+              <a:endParaRPr lang="zh-CN" altLang="en-US"/>
+            </a:p>
+          </p:txBody>
+        </p:sp>
+        <p:sp>
+          <p:nvSpPr>
+            <p:cNvPr id="25" name="椭圆 24">
+              <a:extLst>
+                <a:ext uri="{FF2B5EF4-FFF2-40B4-BE49-F238E27FC236}">
+                  <a16:creationId xmlns:a16="http://schemas.microsoft.com/office/drawing/2014/main" id="{61A3AE1E-4484-4478-BBBB-EE631F86DF1E}"/>
+                </a:ext>
+              </a:extLst>
+            </p:cNvPr>
+            <p:cNvSpPr/>
+            <p:nvPr/>
+          </p:nvSpPr>
+          <p:spPr>
+            <a:xfrm>
+              <a:off x="10506075" y="2133600"/>
+              <a:ext cx="66675" cy="66675"/>
+            </a:xfrm>
+            <a:prstGeom prst="ellipse">
+              <a:avLst/>
+            </a:prstGeom>
+            <a:grpFill/>
+            <a:ln>
+              <a:solidFill>
+                <a:schemeClr val="bg1">
+                  <a:lumMod val="85000"/>
+                </a:schemeClr>
+              </a:solidFill>
+            </a:ln>
+          </p:spPr>
+          <p:style>
+            <a:lnRef idx="2">
+              <a:schemeClr val="accent1">
+                <a:shade val="50000"/>
+              </a:schemeClr>
+            </a:lnRef>
+            <a:fillRef idx="1">
+              <a:schemeClr val="accent1"/>
+            </a:fillRef>
+            <a:effectRef idx="0">
+              <a:schemeClr val="accent1"/>
+            </a:effectRef>
+            <a:fontRef idx="minor">
+              <a:schemeClr val="lt1"/>
+            </a:fontRef>
+          </p:style>
+          <p:txBody>
+            <a:bodyPr rtlCol="0" anchor="ctr"/>
+            <a:lstStyle/>
+            <a:p>
+              <a:pPr algn="ctr"/>
+              <a:endParaRPr lang="zh-CN" altLang="en-US"/>
+            </a:p>
+          </p:txBody>
+        </p:sp>
+        <p:sp>
+          <p:nvSpPr>
+            <p:cNvPr id="26" name="椭圆 25">
+              <a:extLst>
+                <a:ext uri="{FF2B5EF4-FFF2-40B4-BE49-F238E27FC236}">
+                  <a16:creationId xmlns:a16="http://schemas.microsoft.com/office/drawing/2014/main" id="{07C5155A-34BF-48BC-AF23-92D724046535}"/>
+                </a:ext>
+              </a:extLst>
+            </p:cNvPr>
+            <p:cNvSpPr/>
+            <p:nvPr/>
+          </p:nvSpPr>
+          <p:spPr>
+            <a:xfrm>
+              <a:off x="10639425" y="2133600"/>
+              <a:ext cx="66675" cy="66675"/>
+            </a:xfrm>
+            <a:prstGeom prst="ellipse">
+              <a:avLst/>
+            </a:prstGeom>
+            <a:grpFill/>
+            <a:ln>
+              <a:solidFill>
+                <a:schemeClr val="bg1">
+                  <a:lumMod val="85000"/>
+                </a:schemeClr>
+              </a:solidFill>
+            </a:ln>
+          </p:spPr>
+          <p:style>
+            <a:lnRef idx="2">
+              <a:schemeClr val="accent1">
+                <a:shade val="50000"/>
+              </a:schemeClr>
+            </a:lnRef>
+            <a:fillRef idx="1">
+              <a:schemeClr val="accent1"/>
+            </a:fillRef>
+            <a:effectRef idx="0">
+              <a:schemeClr val="accent1"/>
+            </a:effectRef>
+            <a:fontRef idx="minor">
+              <a:schemeClr val="lt1"/>
+            </a:fontRef>
+          </p:style>
+          <p:txBody>
+            <a:bodyPr rtlCol="0" anchor="ctr"/>
+            <a:lstStyle/>
+            <a:p>
+              <a:pPr algn="ctr"/>
+              <a:endParaRPr lang="zh-CN" altLang="en-US"/>
+            </a:p>
+          </p:txBody>
+        </p:sp>
+        <p:sp>
+          <p:nvSpPr>
+            <p:cNvPr id="27" name="椭圆 26">
+              <a:extLst>
+                <a:ext uri="{FF2B5EF4-FFF2-40B4-BE49-F238E27FC236}">
+                  <a16:creationId xmlns:a16="http://schemas.microsoft.com/office/drawing/2014/main" id="{B7B08889-9717-4470-A2BB-5F71CE18B95B}"/>
+                </a:ext>
+              </a:extLst>
+            </p:cNvPr>
+            <p:cNvSpPr/>
+            <p:nvPr/>
+          </p:nvSpPr>
+          <p:spPr>
+            <a:xfrm>
+              <a:off x="10772775" y="2133600"/>
+              <a:ext cx="66675" cy="66675"/>
+            </a:xfrm>
+            <a:prstGeom prst="ellipse">
+              <a:avLst/>
+            </a:prstGeom>
+            <a:grpFill/>
+            <a:ln>
+              <a:solidFill>
+                <a:schemeClr val="bg1">
+                  <a:lumMod val="85000"/>
+                </a:schemeClr>
+              </a:solidFill>
+            </a:ln>
+          </p:spPr>
+          <p:style>
+            <a:lnRef idx="2">
+              <a:schemeClr val="accent1">
+                <a:shade val="50000"/>
+              </a:schemeClr>
+            </a:lnRef>
+            <a:fillRef idx="1">
+              <a:schemeClr val="accent1"/>
+            </a:fillRef>
+            <a:effectRef idx="0">
+              <a:schemeClr val="accent1"/>
+            </a:effectRef>
+            <a:fontRef idx="minor">
+              <a:schemeClr val="lt1"/>
+            </a:fontRef>
+          </p:style>
+          <p:txBody>
+            <a:bodyPr rtlCol="0" anchor="ctr"/>
+            <a:lstStyle/>
+            <a:p>
+              <a:pPr algn="ctr"/>
+              <a:endParaRPr lang="zh-CN" altLang="en-US"/>
+            </a:p>
+          </p:txBody>
+        </p:sp>
+      </p:grpSp>
+      <p:pic>
+        <p:nvPicPr>
+          <p:cNvPr id="4" name="图片 3">
+            <a:extLst>
+              <a:ext uri="{FF2B5EF4-FFF2-40B4-BE49-F238E27FC236}">
+                <a16:creationId xmlns:a16="http://schemas.microsoft.com/office/drawing/2014/main" id="{97388D58-6222-4F45-97AB-510377E80D4C}"/>
+              </a:ext>
+            </a:extLst>
+          </p:cNvPr>
+          <p:cNvPicPr>
+            <a:picLocks noChangeAspect="1"/>
+          </p:cNvPicPr>
+          <p:nvPr/>
+        </p:nvPicPr>
+        <p:blipFill>
+          <a:blip r:embed="rId3">
+            <a:extLst>
+              <a:ext uri="{28A0092B-C50C-407E-A947-70E740481C1C}">
+                <a14:useLocalDpi xmlns:a14="http://schemas.microsoft.com/office/drawing/2010/main" val="0"/>
+              </a:ext>
+            </a:extLst>
+          </a:blip>
+          <a:stretch>
+            <a:fillRect/>
+          </a:stretch>
+        </p:blipFill>
+        <p:spPr>
+          <a:xfrm>
+            <a:off x="0" y="-7613"/>
+            <a:ext cx="5135418" cy="6865613"/>
+          </a:xfrm>
+          <a:prstGeom prst="rect">
+            <a:avLst/>
+          </a:prstGeom>
+        </p:spPr>
+      </p:pic>
+      <p:sp>
+        <p:nvSpPr>
+          <p:cNvPr id="21" name="淘宝网Chenying0907出品 18">
+            <a:extLst>
+              <a:ext uri="{FF2B5EF4-FFF2-40B4-BE49-F238E27FC236}">
+                <a16:creationId xmlns:a16="http://schemas.microsoft.com/office/drawing/2014/main" id="{4E575650-53B0-4FB9-BF05-DA25B28444B5}"/>
+              </a:ext>
+            </a:extLst>
+          </p:cNvPr>
+          <p:cNvSpPr/>
+          <p:nvPr/>
+        </p:nvSpPr>
+        <p:spPr bwMode="auto">
+          <a:xfrm rot="5400000" flipV="1">
+            <a:off x="4906628" y="3669635"/>
+            <a:ext cx="469963" cy="473154"/>
+          </a:xfrm>
+          <a:prstGeom prst="ellipse">
+            <a:avLst/>
+          </a:prstGeom>
+          <a:solidFill>
+            <a:srgbClr val="BE6B41"/>
+          </a:solidFill>
+          <a:ln w="57150">
+            <a:solidFill>
+              <a:schemeClr val="bg1"/>
+            </a:solidFill>
+          </a:ln>
+          <a:effectLst>
+            <a:outerShdw blurRad="279400" dist="190500" dir="8100000" algn="tr" rotWithShape="0">
+              <a:prstClr val="black">
+                <a:alpha val="40000"/>
+              </a:prstClr>
+            </a:outerShdw>
+          </a:effectLst>
+        </p:spPr>
+        <p:style>
+          <a:lnRef idx="2">
+            <a:schemeClr val="accent1">
+              <a:shade val="50000"/>
+            </a:schemeClr>
+          </a:lnRef>
+          <a:fillRef idx="1">
+            <a:schemeClr val="accent1"/>
+          </a:fillRef>
+          <a:effectRef idx="0">
+            <a:schemeClr val="accent1"/>
+          </a:effectRef>
+          <a:fontRef idx="minor">
+            <a:schemeClr val="lt1"/>
+          </a:fontRef>
+        </p:style>
+        <p:txBody>
+          <a:bodyPr anchor="ctr"/>
+          <a:lstStyle/>
+          <a:p>
+            <a:pPr algn="ctr"/>
+            <a:endParaRPr lang="zh-CN" altLang="en-US" sz="2400">
+              <a:solidFill>
+                <a:schemeClr val="bg1"/>
+              </a:solidFill>
+              <a:latin typeface="Noto Sans S Chinese Thin" panose="020B0200000000000000" pitchFamily="34" charset="-122"/>
+              <a:ea typeface="Noto Sans S Chinese Thin" panose="020B0200000000000000" pitchFamily="34" charset="-122"/>
+            </a:endParaRPr>
+          </a:p>
+        </p:txBody>
+      </p:sp>
+      <p:sp>
+        <p:nvSpPr>
+          <p:cNvPr id="28" name="淘宝网Chenying0907出品 21">
+            <a:extLst>
+              <a:ext uri="{FF2B5EF4-FFF2-40B4-BE49-F238E27FC236}">
+                <a16:creationId xmlns:a16="http://schemas.microsoft.com/office/drawing/2014/main" id="{6F20E619-D7DD-441B-A527-70F0820D1C7E}"/>
+              </a:ext>
+            </a:extLst>
+          </p:cNvPr>
+          <p:cNvSpPr/>
+          <p:nvPr/>
+        </p:nvSpPr>
+        <p:spPr bwMode="auto">
+          <a:xfrm rot="5400000" flipV="1">
+            <a:off x="4926379" y="4467961"/>
+            <a:ext cx="469963" cy="473154"/>
+          </a:xfrm>
+          <a:prstGeom prst="ellipse">
+            <a:avLst/>
+          </a:prstGeom>
+          <a:solidFill>
+            <a:srgbClr val="BE6B41"/>
+          </a:solidFill>
+          <a:ln w="57150">
+            <a:solidFill>
+              <a:schemeClr val="bg1"/>
+            </a:solidFill>
+          </a:ln>
+          <a:effectLst>
+            <a:outerShdw blurRad="279400" dist="190500" dir="8100000" algn="tr" rotWithShape="0">
+              <a:prstClr val="black">
+                <a:alpha val="40000"/>
+              </a:prstClr>
+            </a:outerShdw>
+          </a:effectLst>
+        </p:spPr>
+        <p:style>
+          <a:lnRef idx="2">
+            <a:schemeClr val="accent1">
+              <a:shade val="50000"/>
+            </a:schemeClr>
+          </a:lnRef>
+          <a:fillRef idx="1">
+            <a:schemeClr val="accent1"/>
+          </a:fillRef>
+          <a:effectRef idx="0">
+            <a:schemeClr val="accent1"/>
+          </a:effectRef>
+          <a:fontRef idx="minor">
+            <a:schemeClr val="lt1"/>
+          </a:fontRef>
+        </p:style>
+        <p:txBody>
+          <a:bodyPr anchor="ctr"/>
+          <a:lstStyle/>
+          <a:p>
+            <a:pPr algn="ctr"/>
+            <a:endParaRPr lang="zh-CN" altLang="en-US" sz="2400">
+              <a:solidFill>
+                <a:schemeClr val="bg1"/>
+              </a:solidFill>
+              <a:latin typeface="Noto Sans S Chinese Thin" panose="020B0200000000000000" pitchFamily="34" charset="-122"/>
+              <a:ea typeface="Noto Sans S Chinese Thin" panose="020B0200000000000000" pitchFamily="34" charset="-122"/>
+            </a:endParaRPr>
+          </a:p>
+        </p:txBody>
+      </p:sp>
+      <p:sp>
+        <p:nvSpPr>
+          <p:cNvPr id="29" name="淘宝网Chenying0907出品 22">
+            <a:extLst>
+              <a:ext uri="{FF2B5EF4-FFF2-40B4-BE49-F238E27FC236}">
+                <a16:creationId xmlns:a16="http://schemas.microsoft.com/office/drawing/2014/main" id="{6E2323A1-6721-4CB9-A8D5-830F520BF1F8}"/>
+              </a:ext>
+            </a:extLst>
+          </p:cNvPr>
+          <p:cNvSpPr/>
+          <p:nvPr/>
+        </p:nvSpPr>
+        <p:spPr bwMode="auto">
+          <a:xfrm rot="5400000" flipV="1">
+            <a:off x="4926380" y="5276551"/>
+            <a:ext cx="469961" cy="473152"/>
+          </a:xfrm>
+          <a:prstGeom prst="ellipse">
+            <a:avLst/>
+          </a:prstGeom>
+          <a:solidFill>
+            <a:srgbClr val="BE6B41"/>
+          </a:solidFill>
+          <a:ln w="57150">
+            <a:solidFill>
+              <a:schemeClr val="bg1"/>
+            </a:solidFill>
+          </a:ln>
+          <a:effectLst>
+            <a:outerShdw blurRad="279400" dist="190500" dir="8100000" algn="tr" rotWithShape="0">
+              <a:prstClr val="black">
+                <a:alpha val="40000"/>
+              </a:prstClr>
+            </a:outerShdw>
+          </a:effectLst>
+        </p:spPr>
+        <p:style>
+          <a:lnRef idx="2">
+            <a:schemeClr val="accent1">
+              <a:shade val="50000"/>
+            </a:schemeClr>
+          </a:lnRef>
+          <a:fillRef idx="1">
+            <a:schemeClr val="accent1"/>
+          </a:fillRef>
+          <a:effectRef idx="0">
+            <a:schemeClr val="accent1"/>
+          </a:effectRef>
+          <a:fontRef idx="minor">
+            <a:schemeClr val="lt1"/>
+          </a:fontRef>
+        </p:style>
+        <p:txBody>
+          <a:bodyPr anchor="ctr"/>
+          <a:lstStyle/>
+          <a:p>
+            <a:pPr algn="ctr"/>
+            <a:endParaRPr lang="zh-CN" altLang="en-US" sz="2400">
+              <a:solidFill>
+                <a:schemeClr val="bg1"/>
+              </a:solidFill>
+              <a:latin typeface="Noto Sans S Chinese Thin" panose="020B0200000000000000" pitchFamily="34" charset="-122"/>
+              <a:ea typeface="Noto Sans S Chinese Thin" panose="020B0200000000000000" pitchFamily="34" charset="-122"/>
+            </a:endParaRPr>
+          </a:p>
+        </p:txBody>
+      </p:sp>
+      <p:sp>
+        <p:nvSpPr>
+          <p:cNvPr id="31" name="文本框 30">
+            <a:extLst>
+              <a:ext uri="{FF2B5EF4-FFF2-40B4-BE49-F238E27FC236}">
+                <a16:creationId xmlns:a16="http://schemas.microsoft.com/office/drawing/2014/main" id="{E014860F-B41D-44E1-9A4C-0D1CF9EA6FE7}"/>
+              </a:ext>
+            </a:extLst>
+          </p:cNvPr>
+          <p:cNvSpPr txBox="1"/>
+          <p:nvPr/>
+        </p:nvSpPr>
+        <p:spPr>
+          <a:xfrm>
+            <a:off x="4948251" y="3767001"/>
+            <a:ext cx="387512" cy="276999"/>
+          </a:xfrm>
+          <a:prstGeom prst="rect">
+            <a:avLst/>
+          </a:prstGeom>
+          <a:noFill/>
+        </p:spPr>
+        <p:txBody>
+          <a:bodyPr wrap="square" rtlCol="0">
+            <a:spAutoFit/>
+          </a:bodyPr>
+          <a:lstStyle/>
+          <a:p>
+            <a:r>
+              <a:rPr lang="en-US" altLang="zh-CN" sz="1200" b="1" dirty="0">
+                <a:solidFill>
+                  <a:schemeClr val="bg1"/>
+                </a:solidFill>
+                <a:latin typeface="Noto Sans S Chinese Thin" panose="020B0200000000000000" pitchFamily="34" charset="-122"/>
+                <a:ea typeface="Noto Sans S Chinese Thin" panose="020B0200000000000000" pitchFamily="34" charset="-122"/>
+                <a:sym typeface="+mn-ea"/>
+              </a:rPr>
+              <a:t>02</a:t>
+            </a:r>
+            <a:endParaRPr lang="zh-CN" altLang="en-US" sz="1200" b="1" dirty="0">
+              <a:solidFill>
+                <a:schemeClr val="bg1"/>
+              </a:solidFill>
+              <a:latin typeface="Noto Sans S Chinese Thin" panose="020B0200000000000000" pitchFamily="34" charset="-122"/>
+              <a:ea typeface="Noto Sans S Chinese Thin" panose="020B0200000000000000" pitchFamily="34" charset="-122"/>
+              <a:sym typeface="+mn-ea"/>
+            </a:endParaRPr>
+          </a:p>
+        </p:txBody>
+      </p:sp>
+      <p:sp>
+        <p:nvSpPr>
+          <p:cNvPr id="32" name="文本框 31">
+            <a:extLst>
+              <a:ext uri="{FF2B5EF4-FFF2-40B4-BE49-F238E27FC236}">
+                <a16:creationId xmlns:a16="http://schemas.microsoft.com/office/drawing/2014/main" id="{2EB1B09E-80AA-429E-9302-A30616A9B1DD}"/>
+              </a:ext>
+            </a:extLst>
+          </p:cNvPr>
+          <p:cNvSpPr txBox="1"/>
+          <p:nvPr/>
+        </p:nvSpPr>
+        <p:spPr>
+          <a:xfrm>
+            <a:off x="4963143" y="4564805"/>
+            <a:ext cx="387512" cy="276999"/>
+          </a:xfrm>
+          <a:prstGeom prst="rect">
+            <a:avLst/>
+          </a:prstGeom>
+          <a:noFill/>
+        </p:spPr>
+        <p:txBody>
+          <a:bodyPr wrap="square" rtlCol="0">
+            <a:spAutoFit/>
+          </a:bodyPr>
+          <a:lstStyle/>
+          <a:p>
+            <a:r>
+              <a:rPr lang="en-US" altLang="zh-CN" sz="1200" b="1" dirty="0">
+                <a:solidFill>
+                  <a:schemeClr val="bg1"/>
+                </a:solidFill>
+                <a:latin typeface="Noto Sans S Chinese Thin" panose="020B0200000000000000" pitchFamily="34" charset="-122"/>
+                <a:ea typeface="Noto Sans S Chinese Thin" panose="020B0200000000000000" pitchFamily="34" charset="-122"/>
+                <a:sym typeface="+mn-ea"/>
+              </a:rPr>
+              <a:t>03</a:t>
+            </a:r>
+            <a:endParaRPr lang="zh-CN" altLang="en-US" sz="1200" b="1" dirty="0">
+              <a:solidFill>
+                <a:schemeClr val="bg1"/>
+              </a:solidFill>
+              <a:latin typeface="Noto Sans S Chinese Thin" panose="020B0200000000000000" pitchFamily="34" charset="-122"/>
+              <a:ea typeface="Noto Sans S Chinese Thin" panose="020B0200000000000000" pitchFamily="34" charset="-122"/>
+              <a:sym typeface="+mn-ea"/>
+            </a:endParaRPr>
+          </a:p>
+        </p:txBody>
+      </p:sp>
+      <p:sp>
+        <p:nvSpPr>
+          <p:cNvPr id="33" name="文本框 32">
+            <a:extLst>
+              <a:ext uri="{FF2B5EF4-FFF2-40B4-BE49-F238E27FC236}">
+                <a16:creationId xmlns:a16="http://schemas.microsoft.com/office/drawing/2014/main" id="{401ED2FE-A29F-458C-A009-438BB7DE1616}"/>
+              </a:ext>
+            </a:extLst>
+          </p:cNvPr>
+          <p:cNvSpPr txBox="1"/>
+          <p:nvPr/>
+        </p:nvSpPr>
+        <p:spPr>
+          <a:xfrm>
+            <a:off x="4963143" y="5382127"/>
+            <a:ext cx="387512" cy="276999"/>
+          </a:xfrm>
+          <a:prstGeom prst="rect">
+            <a:avLst/>
+          </a:prstGeom>
+          <a:noFill/>
+        </p:spPr>
+        <p:txBody>
+          <a:bodyPr wrap="square" rtlCol="0">
+            <a:spAutoFit/>
+          </a:bodyPr>
+          <a:lstStyle/>
+          <a:p>
+            <a:r>
+              <a:rPr lang="en-US" altLang="zh-CN" sz="1200" b="1" dirty="0">
+                <a:solidFill>
+                  <a:schemeClr val="bg1"/>
+                </a:solidFill>
+                <a:latin typeface="Noto Sans S Chinese Thin" panose="020B0200000000000000" pitchFamily="34" charset="-122"/>
+                <a:ea typeface="Noto Sans S Chinese Thin" panose="020B0200000000000000" pitchFamily="34" charset="-122"/>
+                <a:sym typeface="+mn-ea"/>
+              </a:rPr>
+              <a:t>04</a:t>
+            </a:r>
+            <a:endParaRPr lang="zh-CN" altLang="en-US" sz="1200" b="1" dirty="0">
+              <a:solidFill>
+                <a:schemeClr val="bg1"/>
+              </a:solidFill>
+              <a:latin typeface="Noto Sans S Chinese Thin" panose="020B0200000000000000" pitchFamily="34" charset="-122"/>
+              <a:ea typeface="Noto Sans S Chinese Thin" panose="020B0200000000000000" pitchFamily="34" charset="-122"/>
+              <a:sym typeface="+mn-ea"/>
+            </a:endParaRPr>
+          </a:p>
+        </p:txBody>
+      </p:sp>
+      <p:sp>
+        <p:nvSpPr>
+          <p:cNvPr id="35" name="矩形 34">
+            <a:extLst>
+              <a:ext uri="{FF2B5EF4-FFF2-40B4-BE49-F238E27FC236}">
+                <a16:creationId xmlns:a16="http://schemas.microsoft.com/office/drawing/2014/main" id="{0D1A2974-6446-4E86-B1F3-DDFD50FA5434}"/>
+              </a:ext>
+            </a:extLst>
+          </p:cNvPr>
+          <p:cNvSpPr/>
+          <p:nvPr/>
+        </p:nvSpPr>
+        <p:spPr>
+          <a:xfrm>
+            <a:off x="6617217" y="4466445"/>
+            <a:ext cx="1127232" cy="375359"/>
+          </a:xfrm>
+          <a:prstGeom prst="rect">
+            <a:avLst/>
+          </a:prstGeom>
+        </p:spPr>
+        <p:txBody>
+          <a:bodyPr wrap="none">
+            <a:spAutoFit/>
+            <a:scene3d>
+              <a:camera prst="orthographicFront"/>
+              <a:lightRig rig="threePt" dir="t"/>
+            </a:scene3d>
+            <a:sp3d contourW="12700"/>
+          </a:bodyPr>
+          <a:lstStyle/>
+          <a:p>
+            <a:pPr algn="ctr"/>
+            <a:r>
+              <a:rPr lang="zh-CN" altLang="en-US" sz="1839" b="1" dirty="0">
+                <a:solidFill>
+                  <a:schemeClr val="tx1">
+                    <a:lumMod val="85000"/>
+                    <a:lumOff val="15000"/>
+                  </a:schemeClr>
+                </a:solidFill>
+                <a:latin typeface="Noto Sans S Chinese Regular" panose="020B0500000000000000" pitchFamily="34" charset="-122"/>
+                <a:ea typeface="Noto Sans S Chinese Regular" panose="020B0500000000000000" pitchFamily="34" charset="-122"/>
+              </a:rPr>
+              <a:t>数据字典</a:t>
+            </a:r>
+          </a:p>
+        </p:txBody>
+      </p:sp>
+      <p:sp>
+        <p:nvSpPr>
+          <p:cNvPr id="36" name="矩形 35">
+            <a:extLst>
+              <a:ext uri="{FF2B5EF4-FFF2-40B4-BE49-F238E27FC236}">
+                <a16:creationId xmlns:a16="http://schemas.microsoft.com/office/drawing/2014/main" id="{66A45F8F-D86C-4275-ABD6-A0C2CBF05826}"/>
+              </a:ext>
+            </a:extLst>
+          </p:cNvPr>
+          <p:cNvSpPr/>
+          <p:nvPr/>
+        </p:nvSpPr>
+        <p:spPr>
+          <a:xfrm>
+            <a:off x="6570520" y="3687874"/>
+            <a:ext cx="1127232" cy="375359"/>
+          </a:xfrm>
+          <a:prstGeom prst="rect">
+            <a:avLst/>
+          </a:prstGeom>
+        </p:spPr>
+        <p:txBody>
+          <a:bodyPr wrap="none">
+            <a:spAutoFit/>
+            <a:scene3d>
+              <a:camera prst="orthographicFront"/>
+              <a:lightRig rig="threePt" dir="t"/>
+            </a:scene3d>
+            <a:sp3d contourW="12700"/>
+          </a:bodyPr>
+          <a:lstStyle/>
+          <a:p>
+            <a:pPr algn="ctr"/>
+            <a:r>
+              <a:rPr lang="zh-CN" altLang="en-US" sz="1839" b="1" dirty="0">
+                <a:solidFill>
+                  <a:schemeClr val="tx1">
+                    <a:lumMod val="85000"/>
+                    <a:lumOff val="15000"/>
+                  </a:schemeClr>
+                </a:solidFill>
+                <a:latin typeface="Noto Sans S Chinese Regular" panose="020B0500000000000000" pitchFamily="34" charset="-122"/>
+                <a:ea typeface="Noto Sans S Chinese Regular" panose="020B0500000000000000" pitchFamily="34" charset="-122"/>
+              </a:rPr>
+              <a:t>界面原型</a:t>
+            </a:r>
+          </a:p>
+        </p:txBody>
+      </p:sp>
+      <p:sp>
+        <p:nvSpPr>
+          <p:cNvPr id="37" name="矩形 36">
+            <a:extLst>
+              <a:ext uri="{FF2B5EF4-FFF2-40B4-BE49-F238E27FC236}">
+                <a16:creationId xmlns:a16="http://schemas.microsoft.com/office/drawing/2014/main" id="{8E2A71BD-30B5-485E-985C-5A38A845D15C}"/>
+              </a:ext>
+            </a:extLst>
+          </p:cNvPr>
+          <p:cNvSpPr/>
+          <p:nvPr/>
+        </p:nvSpPr>
+        <p:spPr>
+          <a:xfrm>
+            <a:off x="5990738" y="5283767"/>
+            <a:ext cx="2305439" cy="375359"/>
+          </a:xfrm>
+          <a:prstGeom prst="rect">
+            <a:avLst/>
+          </a:prstGeom>
+        </p:spPr>
+        <p:txBody>
+          <a:bodyPr wrap="none">
+            <a:spAutoFit/>
+            <a:scene3d>
+              <a:camera prst="orthographicFront"/>
+              <a:lightRig rig="threePt" dir="t"/>
+            </a:scene3d>
+            <a:sp3d contourW="12700"/>
+          </a:bodyPr>
+          <a:lstStyle/>
+          <a:p>
+            <a:pPr algn="ctr"/>
+            <a:r>
+              <a:rPr lang="zh-CN" altLang="en-US" sz="1839" b="1" dirty="0">
+                <a:solidFill>
+                  <a:schemeClr val="tx1">
+                    <a:lumMod val="85000"/>
+                    <a:lumOff val="15000"/>
+                  </a:schemeClr>
+                </a:solidFill>
+                <a:latin typeface="Noto Sans S Chinese Regular" panose="020B0500000000000000" pitchFamily="34" charset="-122"/>
+                <a:ea typeface="Noto Sans S Chinese Regular" panose="020B0500000000000000" pitchFamily="34" charset="-122"/>
+              </a:rPr>
+              <a:t>参考资料与小组分工</a:t>
+            </a:r>
+          </a:p>
+        </p:txBody>
+      </p:sp>
+      <p:sp>
+        <p:nvSpPr>
+          <p:cNvPr id="38" name="淘宝网Chenying0907出品 22">
+            <a:extLst>
+              <a:ext uri="{FF2B5EF4-FFF2-40B4-BE49-F238E27FC236}">
+                <a16:creationId xmlns:a16="http://schemas.microsoft.com/office/drawing/2014/main" id="{DD54CCA6-56E3-4EC0-8DD6-0A75AD155861}"/>
+              </a:ext>
+            </a:extLst>
+          </p:cNvPr>
+          <p:cNvSpPr/>
+          <p:nvPr/>
+        </p:nvSpPr>
+        <p:spPr bwMode="auto">
+          <a:xfrm rot="5400000" flipV="1">
+            <a:off x="4900438" y="2867690"/>
+            <a:ext cx="469961" cy="473152"/>
+          </a:xfrm>
+          <a:prstGeom prst="ellipse">
+            <a:avLst/>
+          </a:prstGeom>
+          <a:solidFill>
+            <a:srgbClr val="BE6B41"/>
+          </a:solidFill>
+          <a:ln w="57150">
+            <a:solidFill>
+              <a:schemeClr val="bg1"/>
+            </a:solidFill>
+          </a:ln>
+          <a:effectLst>
+            <a:outerShdw blurRad="279400" dist="190500" dir="8100000" algn="tr" rotWithShape="0">
+              <a:prstClr val="black">
+                <a:alpha val="40000"/>
+              </a:prstClr>
+            </a:outerShdw>
+          </a:effectLst>
+        </p:spPr>
+        <p:style>
+          <a:lnRef idx="2">
+            <a:schemeClr val="accent1">
+              <a:shade val="50000"/>
+            </a:schemeClr>
+          </a:lnRef>
+          <a:fillRef idx="1">
+            <a:schemeClr val="accent1"/>
+          </a:fillRef>
+          <a:effectRef idx="0">
+            <a:schemeClr val="accent1"/>
+          </a:effectRef>
+          <a:fontRef idx="minor">
+            <a:schemeClr val="lt1"/>
+          </a:fontRef>
+        </p:style>
+        <p:txBody>
+          <a:bodyPr anchor="ctr"/>
+          <a:lstStyle/>
+          <a:p>
+            <a:pPr algn="ctr"/>
+            <a:endParaRPr lang="zh-CN" altLang="en-US" sz="2400">
+              <a:solidFill>
+                <a:schemeClr val="bg1"/>
+              </a:solidFill>
+              <a:latin typeface="Noto Sans S Chinese Thin" panose="020B0200000000000000" pitchFamily="34" charset="-122"/>
+              <a:ea typeface="Noto Sans S Chinese Thin" panose="020B0200000000000000" pitchFamily="34" charset="-122"/>
+            </a:endParaRPr>
+          </a:p>
+        </p:txBody>
+      </p:sp>
+      <p:sp>
+        <p:nvSpPr>
+          <p:cNvPr id="39" name="文本框 38">
+            <a:extLst>
+              <a:ext uri="{FF2B5EF4-FFF2-40B4-BE49-F238E27FC236}">
+                <a16:creationId xmlns:a16="http://schemas.microsoft.com/office/drawing/2014/main" id="{6BF7D359-726A-471D-A194-AF5106E79710}"/>
+              </a:ext>
+            </a:extLst>
+          </p:cNvPr>
+          <p:cNvSpPr txBox="1"/>
+          <p:nvPr/>
+        </p:nvSpPr>
+        <p:spPr>
+          <a:xfrm>
+            <a:off x="4937201" y="2973266"/>
+            <a:ext cx="387512" cy="276999"/>
+          </a:xfrm>
+          <a:prstGeom prst="rect">
+            <a:avLst/>
+          </a:prstGeom>
+          <a:noFill/>
+        </p:spPr>
+        <p:txBody>
+          <a:bodyPr wrap="square" rtlCol="0">
+            <a:spAutoFit/>
+          </a:bodyPr>
+          <a:lstStyle/>
+          <a:p>
+            <a:r>
+              <a:rPr lang="en-US" altLang="zh-CN" sz="1200" b="1" dirty="0">
+                <a:solidFill>
+                  <a:schemeClr val="bg1"/>
+                </a:solidFill>
+                <a:latin typeface="Noto Sans S Chinese Thin" panose="020B0200000000000000" pitchFamily="34" charset="-122"/>
+                <a:ea typeface="Noto Sans S Chinese Thin" panose="020B0200000000000000" pitchFamily="34" charset="-122"/>
+                <a:sym typeface="+mn-ea"/>
+              </a:rPr>
+              <a:t>01</a:t>
+            </a:r>
+            <a:endParaRPr lang="zh-CN" altLang="en-US" sz="1200" b="1" dirty="0">
+              <a:solidFill>
+                <a:schemeClr val="bg1"/>
+              </a:solidFill>
+              <a:latin typeface="Noto Sans S Chinese Thin" panose="020B0200000000000000" pitchFamily="34" charset="-122"/>
+              <a:ea typeface="Noto Sans S Chinese Thin" panose="020B0200000000000000" pitchFamily="34" charset="-122"/>
+              <a:sym typeface="+mn-ea"/>
+            </a:endParaRPr>
+          </a:p>
+        </p:txBody>
+      </p:sp>
+      <p:sp>
+        <p:nvSpPr>
+          <p:cNvPr id="40" name="矩形 39">
+            <a:extLst>
+              <a:ext uri="{FF2B5EF4-FFF2-40B4-BE49-F238E27FC236}">
+                <a16:creationId xmlns:a16="http://schemas.microsoft.com/office/drawing/2014/main" id="{D1524506-DC14-465E-991A-F3BAA6D83DA6}"/>
+              </a:ext>
+            </a:extLst>
+          </p:cNvPr>
+          <p:cNvSpPr/>
+          <p:nvPr/>
+        </p:nvSpPr>
+        <p:spPr>
+          <a:xfrm>
+            <a:off x="6591517" y="2909171"/>
+            <a:ext cx="1127232" cy="375359"/>
+          </a:xfrm>
+          <a:prstGeom prst="rect">
+            <a:avLst/>
+          </a:prstGeom>
+        </p:spPr>
+        <p:txBody>
+          <a:bodyPr wrap="none">
+            <a:spAutoFit/>
+            <a:scene3d>
+              <a:camera prst="orthographicFront"/>
+              <a:lightRig rig="threePt" dir="t"/>
+            </a:scene3d>
+            <a:sp3d contourW="12700"/>
+          </a:bodyPr>
+          <a:lstStyle/>
+          <a:p>
+            <a:pPr algn="ctr"/>
+            <a:r>
+              <a:rPr lang="zh-CN" altLang="en-US" sz="1839" b="1" dirty="0">
+                <a:solidFill>
+                  <a:schemeClr val="tx1">
+                    <a:lumMod val="85000"/>
+                    <a:lumOff val="15000"/>
+                  </a:schemeClr>
+                </a:solidFill>
+                <a:latin typeface="Noto Sans S Chinese Regular" panose="020B0500000000000000" pitchFamily="34" charset="-122"/>
+                <a:ea typeface="Noto Sans S Chinese Regular" panose="020B0500000000000000" pitchFamily="34" charset="-122"/>
+              </a:rPr>
+              <a:t>产品描述</a:t>
+            </a:r>
+          </a:p>
+        </p:txBody>
+      </p:sp>
+      <p:sp>
+        <p:nvSpPr>
+          <p:cNvPr id="42" name="文本框 41">
+            <a:extLst>
+              <a:ext uri="{FF2B5EF4-FFF2-40B4-BE49-F238E27FC236}">
+                <a16:creationId xmlns:a16="http://schemas.microsoft.com/office/drawing/2014/main" id="{34E931A8-D550-4F1B-88E1-56E27D7F4959}"/>
+              </a:ext>
+            </a:extLst>
+          </p:cNvPr>
+          <p:cNvSpPr txBox="1"/>
+          <p:nvPr/>
+        </p:nvSpPr>
+        <p:spPr>
+          <a:xfrm>
+            <a:off x="8673741" y="2502570"/>
+            <a:ext cx="387512" cy="276999"/>
+          </a:xfrm>
+          <a:prstGeom prst="rect">
+            <a:avLst/>
+          </a:prstGeom>
+          <a:noFill/>
+        </p:spPr>
+        <p:txBody>
+          <a:bodyPr wrap="square" rtlCol="0">
+            <a:spAutoFit/>
+          </a:bodyPr>
+          <a:lstStyle/>
+          <a:p>
+            <a:r>
+              <a:rPr lang="en-US" altLang="zh-CN" sz="1200" b="1" dirty="0">
+                <a:solidFill>
+                  <a:schemeClr val="bg1"/>
+                </a:solidFill>
+                <a:latin typeface="Noto Sans S Chinese Thin" panose="020B0200000000000000" pitchFamily="34" charset="-122"/>
+                <a:ea typeface="Noto Sans S Chinese Thin" panose="020B0200000000000000" pitchFamily="34" charset="-122"/>
+                <a:sym typeface="+mn-ea"/>
+              </a:rPr>
+              <a:t>04</a:t>
+            </a:r>
+            <a:endParaRPr lang="zh-CN" altLang="en-US" sz="1200" b="1" dirty="0">
+              <a:solidFill>
+                <a:schemeClr val="bg1"/>
+              </a:solidFill>
+              <a:latin typeface="Noto Sans S Chinese Thin" panose="020B0200000000000000" pitchFamily="34" charset="-122"/>
+              <a:ea typeface="Noto Sans S Chinese Thin" panose="020B0200000000000000" pitchFamily="34" charset="-122"/>
+              <a:sym typeface="+mn-ea"/>
+            </a:endParaRPr>
+          </a:p>
+        </p:txBody>
+      </p:sp>
+    </p:spTree>
+    <p:extLst>
+      <p:ext uri="{BB962C8B-B14F-4D97-AF65-F5344CB8AC3E}">
+        <p14:creationId xmlns:p14="http://schemas.microsoft.com/office/powerpoint/2010/main" val="2368394455"/>
+      </p:ext>
+    </p:extLst>
+  </p:cSld>
+  <p:clrMapOvr>
+    <a:masterClrMapping/>
+  </p:clrMapOvr>
+  <mc:AlternateContent xmlns:mc="http://schemas.openxmlformats.org/markup-compatibility/2006" xmlns:p15="http://schemas.microsoft.com/office/powerpoint/2012/main">
+    <mc:Choice Requires="p15">
+      <p:transition xmlns:p14="http://schemas.microsoft.com/office/powerpoint/2010/main" spd="slow" p14:dur="1250">
+        <p15:prstTrans prst="pageCurlDouble"/>
+      </p:transition>
+    </mc:Choice>
+    <mc:Fallback xmlns="">
+      <p:transition spd="slow">
+        <p:fade/>
+      </p:transition>
+    </mc:Fallback>
+  </mc:AlternateContent>
+</p:sld>
+</file>
+
+<file path=ppt/slides/slide20.xml><?xml version="1.0" encoding="utf-8"?>
 <p:sld xmlns:a="http://schemas.openxmlformats.org/drawingml/2006/main" xmlns:r="http://schemas.openxmlformats.org/officeDocument/2006/relationships" xmlns:p="http://schemas.openxmlformats.org/presentationml/2006/main">
   <p:cSld>
     <p:spTree>
@@ -10334,1464 +11955,7 @@
 </p:sld>
 </file>
 
-<file path=ppt/slides/slide2.xml><?xml version="1.0" encoding="utf-8"?>
-<p:sld xmlns:a="http://schemas.openxmlformats.org/drawingml/2006/main" xmlns:r="http://schemas.openxmlformats.org/officeDocument/2006/relationships" xmlns:p="http://schemas.openxmlformats.org/presentationml/2006/main">
-  <p:cSld>
-    <p:spTree>
-      <p:nvGrpSpPr>
-        <p:cNvPr id="1" name=""/>
-        <p:cNvGrpSpPr/>
-        <p:nvPr/>
-      </p:nvGrpSpPr>
-      <p:grpSpPr>
-        <a:xfrm>
-          <a:off x="0" y="0"/>
-          <a:ext cx="0" cy="0"/>
-          <a:chOff x="0" y="0"/>
-          <a:chExt cx="0" cy="0"/>
-        </a:xfrm>
-      </p:grpSpPr>
-      <p:sp>
-        <p:nvSpPr>
-          <p:cNvPr id="9" name="矩形 8">
-            <a:extLst>
-              <a:ext uri="{FF2B5EF4-FFF2-40B4-BE49-F238E27FC236}">
-                <a16:creationId xmlns:a16="http://schemas.microsoft.com/office/drawing/2014/main" id="{D25DF643-1448-4FE0-B3E8-30157E2DF971}"/>
-              </a:ext>
-            </a:extLst>
-          </p:cNvPr>
-          <p:cNvSpPr/>
-          <p:nvPr/>
-        </p:nvSpPr>
-        <p:spPr>
-          <a:xfrm>
-            <a:off x="0" y="0"/>
-            <a:ext cx="12192000" cy="6858000"/>
-          </a:xfrm>
-          <a:prstGeom prst="rect">
-            <a:avLst/>
-          </a:prstGeom>
-          <a:solidFill>
-            <a:srgbClr val="FDE6BD"/>
-          </a:solidFill>
-          <a:ln>
-            <a:noFill/>
-          </a:ln>
-        </p:spPr>
-        <p:style>
-          <a:lnRef idx="2">
-            <a:schemeClr val="accent1">
-              <a:shade val="50000"/>
-            </a:schemeClr>
-          </a:lnRef>
-          <a:fillRef idx="1">
-            <a:schemeClr val="accent1"/>
-          </a:fillRef>
-          <a:effectRef idx="0">
-            <a:schemeClr val="accent1"/>
-          </a:effectRef>
-          <a:fontRef idx="minor">
-            <a:schemeClr val="lt1"/>
-          </a:fontRef>
-        </p:style>
-        <p:txBody>
-          <a:bodyPr rtlCol="0" anchor="ctr"/>
-          <a:lstStyle/>
-          <a:p>
-            <a:pPr algn="ctr"/>
-            <a:endParaRPr lang="zh-CN" altLang="en-US"/>
-          </a:p>
-        </p:txBody>
-      </p:sp>
-      <p:sp>
-        <p:nvSpPr>
-          <p:cNvPr id="2" name="矩形 1">
-            <a:extLst>
-              <a:ext uri="{FF2B5EF4-FFF2-40B4-BE49-F238E27FC236}">
-                <a16:creationId xmlns:a16="http://schemas.microsoft.com/office/drawing/2014/main" id="{0D196905-CB7F-4474-BD1F-8044FBBFAEE7}"/>
-              </a:ext>
-            </a:extLst>
-          </p:cNvPr>
-          <p:cNvSpPr/>
-          <p:nvPr/>
-        </p:nvSpPr>
-        <p:spPr>
-          <a:xfrm>
-            <a:off x="5103340" y="351615"/>
-            <a:ext cx="6598516" cy="6289386"/>
-          </a:xfrm>
-          <a:prstGeom prst="rect">
-            <a:avLst/>
-          </a:prstGeom>
-          <a:solidFill>
-            <a:srgbClr val="F6F6F6"/>
-          </a:solidFill>
-          <a:ln>
-            <a:noFill/>
-          </a:ln>
-          <a:effectLst>
-            <a:innerShdw blurRad="114300">
-              <a:prstClr val="black"/>
-            </a:innerShdw>
-          </a:effectLst>
-        </p:spPr>
-        <p:style>
-          <a:lnRef idx="2">
-            <a:schemeClr val="accent1">
-              <a:shade val="50000"/>
-            </a:schemeClr>
-          </a:lnRef>
-          <a:fillRef idx="1">
-            <a:schemeClr val="accent1"/>
-          </a:fillRef>
-          <a:effectRef idx="0">
-            <a:schemeClr val="accent1"/>
-          </a:effectRef>
-          <a:fontRef idx="minor">
-            <a:schemeClr val="lt1"/>
-          </a:fontRef>
-        </p:style>
-        <p:txBody>
-          <a:bodyPr rtlCol="0" anchor="ctr"/>
-          <a:lstStyle/>
-          <a:p>
-            <a:pPr algn="ctr"/>
-            <a:endParaRPr lang="zh-CN" altLang="en-US"/>
-          </a:p>
-        </p:txBody>
-      </p:sp>
-      <p:sp>
-        <p:nvSpPr>
-          <p:cNvPr id="44" name="Freeform 169">
-            <a:extLst>
-              <a:ext uri="{FF2B5EF4-FFF2-40B4-BE49-F238E27FC236}">
-                <a16:creationId xmlns:a16="http://schemas.microsoft.com/office/drawing/2014/main" id="{AB00688E-1524-4021-8138-7664AE172649}"/>
-              </a:ext>
-            </a:extLst>
-          </p:cNvPr>
-          <p:cNvSpPr/>
-          <p:nvPr/>
-        </p:nvSpPr>
-        <p:spPr bwMode="auto">
-          <a:xfrm rot="5400000">
-            <a:off x="960925" y="1959576"/>
-            <a:ext cx="6307752" cy="3073465"/>
-          </a:xfrm>
-          <a:custGeom>
-            <a:avLst/>
-            <a:gdLst>
-              <a:gd name="T0" fmla="*/ 0 w 3595"/>
-              <a:gd name="T1" fmla="*/ 154 h 608"/>
-              <a:gd name="T2" fmla="*/ 542 w 3595"/>
-              <a:gd name="T3" fmla="*/ 27 h 608"/>
-              <a:gd name="T4" fmla="*/ 1075 w 3595"/>
-              <a:gd name="T5" fmla="*/ 96 h 608"/>
-              <a:gd name="T6" fmla="*/ 1385 w 3595"/>
-              <a:gd name="T7" fmla="*/ 16 h 608"/>
-              <a:gd name="T8" fmla="*/ 1846 w 3595"/>
-              <a:gd name="T9" fmla="*/ 88 h 608"/>
-              <a:gd name="T10" fmla="*/ 2418 w 3595"/>
-              <a:gd name="T11" fmla="*/ 29 h 608"/>
-              <a:gd name="T12" fmla="*/ 2860 w 3595"/>
-              <a:gd name="T13" fmla="*/ 83 h 608"/>
-              <a:gd name="T14" fmla="*/ 3578 w 3595"/>
-              <a:gd name="T15" fmla="*/ 116 h 608"/>
-              <a:gd name="T16" fmla="*/ 3595 w 3595"/>
-              <a:gd name="T17" fmla="*/ 608 h 608"/>
-              <a:gd name="T18" fmla="*/ 0 w 3595"/>
-              <a:gd name="T19" fmla="*/ 588 h 608"/>
-              <a:gd name="T20" fmla="*/ 0 w 3595"/>
-              <a:gd name="T21" fmla="*/ 154 h 608"/>
-            </a:gdLst>
-            <a:ahLst/>
-            <a:cxnLst>
-              <a:cxn ang="0">
-                <a:pos x="T0" y="T1"/>
-              </a:cxn>
-              <a:cxn ang="0">
-                <a:pos x="T2" y="T3"/>
-              </a:cxn>
-              <a:cxn ang="0">
-                <a:pos x="T4" y="T5"/>
-              </a:cxn>
-              <a:cxn ang="0">
-                <a:pos x="T6" y="T7"/>
-              </a:cxn>
-              <a:cxn ang="0">
-                <a:pos x="T8" y="T9"/>
-              </a:cxn>
-              <a:cxn ang="0">
-                <a:pos x="T10" y="T11"/>
-              </a:cxn>
-              <a:cxn ang="0">
-                <a:pos x="T12" y="T13"/>
-              </a:cxn>
-              <a:cxn ang="0">
-                <a:pos x="T14" y="T15"/>
-              </a:cxn>
-              <a:cxn ang="0">
-                <a:pos x="T16" y="T17"/>
-              </a:cxn>
-              <a:cxn ang="0">
-                <a:pos x="T18" y="T19"/>
-              </a:cxn>
-              <a:cxn ang="0">
-                <a:pos x="T20" y="T21"/>
-              </a:cxn>
-            </a:cxnLst>
-            <a:rect l="0" t="0" r="r" b="b"/>
-            <a:pathLst>
-              <a:path w="3595" h="608">
-                <a:moveTo>
-                  <a:pt x="0" y="154"/>
-                </a:moveTo>
-                <a:cubicBezTo>
-                  <a:pt x="160" y="52"/>
-                  <a:pt x="354" y="7"/>
-                  <a:pt x="542" y="27"/>
-                </a:cubicBezTo>
-                <a:cubicBezTo>
-                  <a:pt x="721" y="47"/>
-                  <a:pt x="897" y="124"/>
-                  <a:pt x="1075" y="96"/>
-                </a:cubicBezTo>
-                <a:cubicBezTo>
-                  <a:pt x="1181" y="80"/>
-                  <a:pt x="1279" y="27"/>
-                  <a:pt x="1385" y="16"/>
-                </a:cubicBezTo>
-                <a:cubicBezTo>
-                  <a:pt x="1540" y="0"/>
-                  <a:pt x="1690" y="74"/>
-                  <a:pt x="1846" y="88"/>
-                </a:cubicBezTo>
-                <a:cubicBezTo>
-                  <a:pt x="2037" y="105"/>
-                  <a:pt x="2226" y="30"/>
-                  <a:pt x="2418" y="29"/>
-                </a:cubicBezTo>
-                <a:cubicBezTo>
-                  <a:pt x="2566" y="28"/>
-                  <a:pt x="2712" y="71"/>
-                  <a:pt x="2860" y="83"/>
-                </a:cubicBezTo>
-                <a:cubicBezTo>
-                  <a:pt x="3100" y="102"/>
-                  <a:pt x="3349" y="40"/>
-                  <a:pt x="3578" y="116"/>
-                </a:cubicBezTo>
-                <a:cubicBezTo>
-                  <a:pt x="3595" y="608"/>
-                  <a:pt x="3595" y="608"/>
-                  <a:pt x="3595" y="608"/>
-                </a:cubicBezTo>
-                <a:cubicBezTo>
-                  <a:pt x="0" y="588"/>
-                  <a:pt x="0" y="588"/>
-                  <a:pt x="0" y="588"/>
-                </a:cubicBezTo>
-                <a:lnTo>
-                  <a:pt x="0" y="154"/>
-                </a:lnTo>
-                <a:close/>
-              </a:path>
-            </a:pathLst>
-          </a:custGeom>
-          <a:solidFill>
-            <a:srgbClr val="F4F4F4"/>
-          </a:solidFill>
-          <a:ln>
-            <a:noFill/>
-          </a:ln>
-          <a:effectLst>
-            <a:outerShdw blurRad="50800" dist="38100" dir="16200000" rotWithShape="0">
-              <a:prstClr val="black">
-                <a:alpha val="40000"/>
-              </a:prstClr>
-            </a:outerShdw>
-          </a:effectLst>
-        </p:spPr>
-        <p:txBody>
-          <a:bodyPr/>
-          <a:lstStyle/>
-          <a:p>
-            <a:pPr>
-              <a:defRPr/>
-            </a:pPr>
-            <a:endParaRPr lang="zh-CN" altLang="en-US" sz="2365">
-              <a:latin typeface="Noto Sans S Chinese Thin" panose="020B0200000000000000" pitchFamily="34" charset="-122"/>
-              <a:ea typeface="Noto Sans S Chinese Thin" panose="020B0200000000000000" pitchFamily="34" charset="-122"/>
-            </a:endParaRPr>
-          </a:p>
-        </p:txBody>
-      </p:sp>
-      <p:sp>
-        <p:nvSpPr>
-          <p:cNvPr id="14" name="矩形 13">
-            <a:extLst>
-              <a:ext uri="{FF2B5EF4-FFF2-40B4-BE49-F238E27FC236}">
-                <a16:creationId xmlns:a16="http://schemas.microsoft.com/office/drawing/2014/main" id="{7FA5455B-AF04-457B-863C-7ADDD89C9AFB}"/>
-              </a:ext>
-            </a:extLst>
-          </p:cNvPr>
-          <p:cNvSpPr/>
-          <p:nvPr/>
-        </p:nvSpPr>
-        <p:spPr>
-          <a:xfrm>
-            <a:off x="9692969" y="694342"/>
-            <a:ext cx="1952625" cy="923330"/>
-          </a:xfrm>
-          <a:prstGeom prst="rect">
-            <a:avLst/>
-          </a:prstGeom>
-        </p:spPr>
-        <p:txBody>
-          <a:bodyPr wrap="square">
-            <a:spAutoFit/>
-          </a:bodyPr>
-          <a:lstStyle/>
-          <a:p>
-            <a:r>
-              <a:rPr lang="zh-CN" altLang="en-US" sz="5400" dirty="0">
-                <a:solidFill>
-                  <a:schemeClr val="tx1">
-                    <a:lumMod val="85000"/>
-                    <a:lumOff val="15000"/>
-                  </a:schemeClr>
-                </a:solidFill>
-                <a:latin typeface="Noto Sans S Chinese Medium" panose="020B0600000000000000" pitchFamily="34" charset="-122"/>
-                <a:ea typeface="Noto Sans S Chinese Medium" panose="020B0600000000000000" pitchFamily="34" charset="-122"/>
-              </a:rPr>
-              <a:t>目录</a:t>
-            </a:r>
-          </a:p>
-        </p:txBody>
-      </p:sp>
-      <p:grpSp>
-        <p:nvGrpSpPr>
-          <p:cNvPr id="15" name="组合 14">
-            <a:extLst>
-              <a:ext uri="{FF2B5EF4-FFF2-40B4-BE49-F238E27FC236}">
-                <a16:creationId xmlns:a16="http://schemas.microsoft.com/office/drawing/2014/main" id="{9FEA297F-C026-4D43-BAC3-098131148F1F}"/>
-              </a:ext>
-            </a:extLst>
-          </p:cNvPr>
-          <p:cNvGrpSpPr/>
-          <p:nvPr/>
-        </p:nvGrpSpPr>
-        <p:grpSpPr>
-          <a:xfrm>
-            <a:off x="9690965" y="1827356"/>
-            <a:ext cx="1397454" cy="123825"/>
-            <a:chOff x="10086975" y="2133600"/>
-            <a:chExt cx="752475" cy="66675"/>
-          </a:xfrm>
-          <a:solidFill>
-            <a:srgbClr val="DB8A49"/>
-          </a:solidFill>
-        </p:grpSpPr>
-        <p:sp>
-          <p:nvSpPr>
-            <p:cNvPr id="13" name="椭圆 12">
-              <a:extLst>
-                <a:ext uri="{FF2B5EF4-FFF2-40B4-BE49-F238E27FC236}">
-                  <a16:creationId xmlns:a16="http://schemas.microsoft.com/office/drawing/2014/main" id="{5AE675F3-05A8-49C9-9231-9CDDFB3AA42C}"/>
-                </a:ext>
-              </a:extLst>
-            </p:cNvPr>
-            <p:cNvSpPr/>
-            <p:nvPr/>
-          </p:nvSpPr>
-          <p:spPr>
-            <a:xfrm>
-              <a:off x="10086975" y="2133600"/>
-              <a:ext cx="66675" cy="66675"/>
-            </a:xfrm>
-            <a:prstGeom prst="ellipse">
-              <a:avLst/>
-            </a:prstGeom>
-            <a:grpFill/>
-            <a:ln>
-              <a:solidFill>
-                <a:schemeClr val="bg1">
-                  <a:lumMod val="85000"/>
-                </a:schemeClr>
-              </a:solidFill>
-            </a:ln>
-          </p:spPr>
-          <p:style>
-            <a:lnRef idx="2">
-              <a:schemeClr val="accent1">
-                <a:shade val="50000"/>
-              </a:schemeClr>
-            </a:lnRef>
-            <a:fillRef idx="1">
-              <a:schemeClr val="accent1"/>
-            </a:fillRef>
-            <a:effectRef idx="0">
-              <a:schemeClr val="accent1"/>
-            </a:effectRef>
-            <a:fontRef idx="minor">
-              <a:schemeClr val="lt1"/>
-            </a:fontRef>
-          </p:style>
-          <p:txBody>
-            <a:bodyPr rtlCol="0" anchor="ctr"/>
-            <a:lstStyle/>
-            <a:p>
-              <a:pPr algn="ctr"/>
-              <a:endParaRPr lang="zh-CN" altLang="en-US"/>
-            </a:p>
-          </p:txBody>
-        </p:sp>
-        <p:sp>
-          <p:nvSpPr>
-            <p:cNvPr id="23" name="椭圆 22">
-              <a:extLst>
-                <a:ext uri="{FF2B5EF4-FFF2-40B4-BE49-F238E27FC236}">
-                  <a16:creationId xmlns:a16="http://schemas.microsoft.com/office/drawing/2014/main" id="{F63797CE-5E20-4251-8384-08E1A888AF0E}"/>
-                </a:ext>
-              </a:extLst>
-            </p:cNvPr>
-            <p:cNvSpPr/>
-            <p:nvPr/>
-          </p:nvSpPr>
-          <p:spPr>
-            <a:xfrm>
-              <a:off x="10220325" y="2133600"/>
-              <a:ext cx="66675" cy="66675"/>
-            </a:xfrm>
-            <a:prstGeom prst="ellipse">
-              <a:avLst/>
-            </a:prstGeom>
-            <a:grpFill/>
-            <a:ln>
-              <a:solidFill>
-                <a:schemeClr val="bg1">
-                  <a:lumMod val="85000"/>
-                </a:schemeClr>
-              </a:solidFill>
-            </a:ln>
-          </p:spPr>
-          <p:style>
-            <a:lnRef idx="2">
-              <a:schemeClr val="accent1">
-                <a:shade val="50000"/>
-              </a:schemeClr>
-            </a:lnRef>
-            <a:fillRef idx="1">
-              <a:schemeClr val="accent1"/>
-            </a:fillRef>
-            <a:effectRef idx="0">
-              <a:schemeClr val="accent1"/>
-            </a:effectRef>
-            <a:fontRef idx="minor">
-              <a:schemeClr val="lt1"/>
-            </a:fontRef>
-          </p:style>
-          <p:txBody>
-            <a:bodyPr rtlCol="0" anchor="ctr"/>
-            <a:lstStyle/>
-            <a:p>
-              <a:pPr algn="ctr"/>
-              <a:endParaRPr lang="zh-CN" altLang="en-US"/>
-            </a:p>
-          </p:txBody>
-        </p:sp>
-        <p:sp>
-          <p:nvSpPr>
-            <p:cNvPr id="24" name="椭圆 23">
-              <a:extLst>
-                <a:ext uri="{FF2B5EF4-FFF2-40B4-BE49-F238E27FC236}">
-                  <a16:creationId xmlns:a16="http://schemas.microsoft.com/office/drawing/2014/main" id="{055EF271-119F-46B8-AD49-135277FE2503}"/>
-                </a:ext>
-              </a:extLst>
-            </p:cNvPr>
-            <p:cNvSpPr/>
-            <p:nvPr/>
-          </p:nvSpPr>
-          <p:spPr>
-            <a:xfrm>
-              <a:off x="10372725" y="2133600"/>
-              <a:ext cx="66675" cy="66675"/>
-            </a:xfrm>
-            <a:prstGeom prst="ellipse">
-              <a:avLst/>
-            </a:prstGeom>
-            <a:grpFill/>
-            <a:ln>
-              <a:solidFill>
-                <a:schemeClr val="bg1">
-                  <a:lumMod val="85000"/>
-                </a:schemeClr>
-              </a:solidFill>
-            </a:ln>
-          </p:spPr>
-          <p:style>
-            <a:lnRef idx="2">
-              <a:schemeClr val="accent1">
-                <a:shade val="50000"/>
-              </a:schemeClr>
-            </a:lnRef>
-            <a:fillRef idx="1">
-              <a:schemeClr val="accent1"/>
-            </a:fillRef>
-            <a:effectRef idx="0">
-              <a:schemeClr val="accent1"/>
-            </a:effectRef>
-            <a:fontRef idx="minor">
-              <a:schemeClr val="lt1"/>
-            </a:fontRef>
-          </p:style>
-          <p:txBody>
-            <a:bodyPr rtlCol="0" anchor="ctr"/>
-            <a:lstStyle/>
-            <a:p>
-              <a:pPr algn="ctr"/>
-              <a:endParaRPr lang="zh-CN" altLang="en-US"/>
-            </a:p>
-          </p:txBody>
-        </p:sp>
-        <p:sp>
-          <p:nvSpPr>
-            <p:cNvPr id="25" name="椭圆 24">
-              <a:extLst>
-                <a:ext uri="{FF2B5EF4-FFF2-40B4-BE49-F238E27FC236}">
-                  <a16:creationId xmlns:a16="http://schemas.microsoft.com/office/drawing/2014/main" id="{61A3AE1E-4484-4478-BBBB-EE631F86DF1E}"/>
-                </a:ext>
-              </a:extLst>
-            </p:cNvPr>
-            <p:cNvSpPr/>
-            <p:nvPr/>
-          </p:nvSpPr>
-          <p:spPr>
-            <a:xfrm>
-              <a:off x="10506075" y="2133600"/>
-              <a:ext cx="66675" cy="66675"/>
-            </a:xfrm>
-            <a:prstGeom prst="ellipse">
-              <a:avLst/>
-            </a:prstGeom>
-            <a:grpFill/>
-            <a:ln>
-              <a:solidFill>
-                <a:schemeClr val="bg1">
-                  <a:lumMod val="85000"/>
-                </a:schemeClr>
-              </a:solidFill>
-            </a:ln>
-          </p:spPr>
-          <p:style>
-            <a:lnRef idx="2">
-              <a:schemeClr val="accent1">
-                <a:shade val="50000"/>
-              </a:schemeClr>
-            </a:lnRef>
-            <a:fillRef idx="1">
-              <a:schemeClr val="accent1"/>
-            </a:fillRef>
-            <a:effectRef idx="0">
-              <a:schemeClr val="accent1"/>
-            </a:effectRef>
-            <a:fontRef idx="minor">
-              <a:schemeClr val="lt1"/>
-            </a:fontRef>
-          </p:style>
-          <p:txBody>
-            <a:bodyPr rtlCol="0" anchor="ctr"/>
-            <a:lstStyle/>
-            <a:p>
-              <a:pPr algn="ctr"/>
-              <a:endParaRPr lang="zh-CN" altLang="en-US"/>
-            </a:p>
-          </p:txBody>
-        </p:sp>
-        <p:sp>
-          <p:nvSpPr>
-            <p:cNvPr id="26" name="椭圆 25">
-              <a:extLst>
-                <a:ext uri="{FF2B5EF4-FFF2-40B4-BE49-F238E27FC236}">
-                  <a16:creationId xmlns:a16="http://schemas.microsoft.com/office/drawing/2014/main" id="{07C5155A-34BF-48BC-AF23-92D724046535}"/>
-                </a:ext>
-              </a:extLst>
-            </p:cNvPr>
-            <p:cNvSpPr/>
-            <p:nvPr/>
-          </p:nvSpPr>
-          <p:spPr>
-            <a:xfrm>
-              <a:off x="10639425" y="2133600"/>
-              <a:ext cx="66675" cy="66675"/>
-            </a:xfrm>
-            <a:prstGeom prst="ellipse">
-              <a:avLst/>
-            </a:prstGeom>
-            <a:grpFill/>
-            <a:ln>
-              <a:solidFill>
-                <a:schemeClr val="bg1">
-                  <a:lumMod val="85000"/>
-                </a:schemeClr>
-              </a:solidFill>
-            </a:ln>
-          </p:spPr>
-          <p:style>
-            <a:lnRef idx="2">
-              <a:schemeClr val="accent1">
-                <a:shade val="50000"/>
-              </a:schemeClr>
-            </a:lnRef>
-            <a:fillRef idx="1">
-              <a:schemeClr val="accent1"/>
-            </a:fillRef>
-            <a:effectRef idx="0">
-              <a:schemeClr val="accent1"/>
-            </a:effectRef>
-            <a:fontRef idx="minor">
-              <a:schemeClr val="lt1"/>
-            </a:fontRef>
-          </p:style>
-          <p:txBody>
-            <a:bodyPr rtlCol="0" anchor="ctr"/>
-            <a:lstStyle/>
-            <a:p>
-              <a:pPr algn="ctr"/>
-              <a:endParaRPr lang="zh-CN" altLang="en-US"/>
-            </a:p>
-          </p:txBody>
-        </p:sp>
-        <p:sp>
-          <p:nvSpPr>
-            <p:cNvPr id="27" name="椭圆 26">
-              <a:extLst>
-                <a:ext uri="{FF2B5EF4-FFF2-40B4-BE49-F238E27FC236}">
-                  <a16:creationId xmlns:a16="http://schemas.microsoft.com/office/drawing/2014/main" id="{B7B08889-9717-4470-A2BB-5F71CE18B95B}"/>
-                </a:ext>
-              </a:extLst>
-            </p:cNvPr>
-            <p:cNvSpPr/>
-            <p:nvPr/>
-          </p:nvSpPr>
-          <p:spPr>
-            <a:xfrm>
-              <a:off x="10772775" y="2133600"/>
-              <a:ext cx="66675" cy="66675"/>
-            </a:xfrm>
-            <a:prstGeom prst="ellipse">
-              <a:avLst/>
-            </a:prstGeom>
-            <a:grpFill/>
-            <a:ln>
-              <a:solidFill>
-                <a:schemeClr val="bg1">
-                  <a:lumMod val="85000"/>
-                </a:schemeClr>
-              </a:solidFill>
-            </a:ln>
-          </p:spPr>
-          <p:style>
-            <a:lnRef idx="2">
-              <a:schemeClr val="accent1">
-                <a:shade val="50000"/>
-              </a:schemeClr>
-            </a:lnRef>
-            <a:fillRef idx="1">
-              <a:schemeClr val="accent1"/>
-            </a:fillRef>
-            <a:effectRef idx="0">
-              <a:schemeClr val="accent1"/>
-            </a:effectRef>
-            <a:fontRef idx="minor">
-              <a:schemeClr val="lt1"/>
-            </a:fontRef>
-          </p:style>
-          <p:txBody>
-            <a:bodyPr rtlCol="0" anchor="ctr"/>
-            <a:lstStyle/>
-            <a:p>
-              <a:pPr algn="ctr"/>
-              <a:endParaRPr lang="zh-CN" altLang="en-US"/>
-            </a:p>
-          </p:txBody>
-        </p:sp>
-      </p:grpSp>
-      <p:pic>
-        <p:nvPicPr>
-          <p:cNvPr id="4" name="图片 3">
-            <a:extLst>
-              <a:ext uri="{FF2B5EF4-FFF2-40B4-BE49-F238E27FC236}">
-                <a16:creationId xmlns:a16="http://schemas.microsoft.com/office/drawing/2014/main" id="{97388D58-6222-4F45-97AB-510377E80D4C}"/>
-              </a:ext>
-            </a:extLst>
-          </p:cNvPr>
-          <p:cNvPicPr>
-            <a:picLocks noChangeAspect="1"/>
-          </p:cNvPicPr>
-          <p:nvPr/>
-        </p:nvPicPr>
-        <p:blipFill>
-          <a:blip r:embed="rId3">
-            <a:extLst>
-              <a:ext uri="{28A0092B-C50C-407E-A947-70E740481C1C}">
-                <a14:useLocalDpi xmlns:a14="http://schemas.microsoft.com/office/drawing/2010/main" val="0"/>
-              </a:ext>
-            </a:extLst>
-          </a:blip>
-          <a:stretch>
-            <a:fillRect/>
-          </a:stretch>
-        </p:blipFill>
-        <p:spPr>
-          <a:xfrm>
-            <a:off x="0" y="-7613"/>
-            <a:ext cx="5135418" cy="6865613"/>
-          </a:xfrm>
-          <a:prstGeom prst="rect">
-            <a:avLst/>
-          </a:prstGeom>
-        </p:spPr>
-      </p:pic>
-      <p:sp>
-        <p:nvSpPr>
-          <p:cNvPr id="21" name="淘宝网Chenying0907出品 18">
-            <a:extLst>
-              <a:ext uri="{FF2B5EF4-FFF2-40B4-BE49-F238E27FC236}">
-                <a16:creationId xmlns:a16="http://schemas.microsoft.com/office/drawing/2014/main" id="{4E575650-53B0-4FB9-BF05-DA25B28444B5}"/>
-              </a:ext>
-            </a:extLst>
-          </p:cNvPr>
-          <p:cNvSpPr/>
-          <p:nvPr/>
-        </p:nvSpPr>
-        <p:spPr bwMode="auto">
-          <a:xfrm rot="5400000" flipV="1">
-            <a:off x="4906628" y="3669635"/>
-            <a:ext cx="469963" cy="473154"/>
-          </a:xfrm>
-          <a:prstGeom prst="ellipse">
-            <a:avLst/>
-          </a:prstGeom>
-          <a:solidFill>
-            <a:srgbClr val="BE6B41"/>
-          </a:solidFill>
-          <a:ln w="57150">
-            <a:solidFill>
-              <a:schemeClr val="bg1"/>
-            </a:solidFill>
-          </a:ln>
-          <a:effectLst>
-            <a:outerShdw blurRad="279400" dist="190500" dir="8100000" algn="tr" rotWithShape="0">
-              <a:prstClr val="black">
-                <a:alpha val="40000"/>
-              </a:prstClr>
-            </a:outerShdw>
-          </a:effectLst>
-        </p:spPr>
-        <p:style>
-          <a:lnRef idx="2">
-            <a:schemeClr val="accent1">
-              <a:shade val="50000"/>
-            </a:schemeClr>
-          </a:lnRef>
-          <a:fillRef idx="1">
-            <a:schemeClr val="accent1"/>
-          </a:fillRef>
-          <a:effectRef idx="0">
-            <a:schemeClr val="accent1"/>
-          </a:effectRef>
-          <a:fontRef idx="minor">
-            <a:schemeClr val="lt1"/>
-          </a:fontRef>
-        </p:style>
-        <p:txBody>
-          <a:bodyPr anchor="ctr"/>
-          <a:lstStyle/>
-          <a:p>
-            <a:pPr algn="ctr"/>
-            <a:endParaRPr lang="zh-CN" altLang="en-US" sz="2400">
-              <a:solidFill>
-                <a:schemeClr val="bg1"/>
-              </a:solidFill>
-              <a:latin typeface="Noto Sans S Chinese Thin" panose="020B0200000000000000" pitchFamily="34" charset="-122"/>
-              <a:ea typeface="Noto Sans S Chinese Thin" panose="020B0200000000000000" pitchFamily="34" charset="-122"/>
-            </a:endParaRPr>
-          </a:p>
-        </p:txBody>
-      </p:sp>
-      <p:sp>
-        <p:nvSpPr>
-          <p:cNvPr id="28" name="淘宝网Chenying0907出品 21">
-            <a:extLst>
-              <a:ext uri="{FF2B5EF4-FFF2-40B4-BE49-F238E27FC236}">
-                <a16:creationId xmlns:a16="http://schemas.microsoft.com/office/drawing/2014/main" id="{6F20E619-D7DD-441B-A527-70F0820D1C7E}"/>
-              </a:ext>
-            </a:extLst>
-          </p:cNvPr>
-          <p:cNvSpPr/>
-          <p:nvPr/>
-        </p:nvSpPr>
-        <p:spPr bwMode="auto">
-          <a:xfrm rot="5400000" flipV="1">
-            <a:off x="4926379" y="4467961"/>
-            <a:ext cx="469963" cy="473154"/>
-          </a:xfrm>
-          <a:prstGeom prst="ellipse">
-            <a:avLst/>
-          </a:prstGeom>
-          <a:solidFill>
-            <a:srgbClr val="BE6B41"/>
-          </a:solidFill>
-          <a:ln w="57150">
-            <a:solidFill>
-              <a:schemeClr val="bg1"/>
-            </a:solidFill>
-          </a:ln>
-          <a:effectLst>
-            <a:outerShdw blurRad="279400" dist="190500" dir="8100000" algn="tr" rotWithShape="0">
-              <a:prstClr val="black">
-                <a:alpha val="40000"/>
-              </a:prstClr>
-            </a:outerShdw>
-          </a:effectLst>
-        </p:spPr>
-        <p:style>
-          <a:lnRef idx="2">
-            <a:schemeClr val="accent1">
-              <a:shade val="50000"/>
-            </a:schemeClr>
-          </a:lnRef>
-          <a:fillRef idx="1">
-            <a:schemeClr val="accent1"/>
-          </a:fillRef>
-          <a:effectRef idx="0">
-            <a:schemeClr val="accent1"/>
-          </a:effectRef>
-          <a:fontRef idx="minor">
-            <a:schemeClr val="lt1"/>
-          </a:fontRef>
-        </p:style>
-        <p:txBody>
-          <a:bodyPr anchor="ctr"/>
-          <a:lstStyle/>
-          <a:p>
-            <a:pPr algn="ctr"/>
-            <a:endParaRPr lang="zh-CN" altLang="en-US" sz="2400">
-              <a:solidFill>
-                <a:schemeClr val="bg1"/>
-              </a:solidFill>
-              <a:latin typeface="Noto Sans S Chinese Thin" panose="020B0200000000000000" pitchFamily="34" charset="-122"/>
-              <a:ea typeface="Noto Sans S Chinese Thin" panose="020B0200000000000000" pitchFamily="34" charset="-122"/>
-            </a:endParaRPr>
-          </a:p>
-        </p:txBody>
-      </p:sp>
-      <p:sp>
-        <p:nvSpPr>
-          <p:cNvPr id="29" name="淘宝网Chenying0907出品 22">
-            <a:extLst>
-              <a:ext uri="{FF2B5EF4-FFF2-40B4-BE49-F238E27FC236}">
-                <a16:creationId xmlns:a16="http://schemas.microsoft.com/office/drawing/2014/main" id="{6E2323A1-6721-4CB9-A8D5-830F520BF1F8}"/>
-              </a:ext>
-            </a:extLst>
-          </p:cNvPr>
-          <p:cNvSpPr/>
-          <p:nvPr/>
-        </p:nvSpPr>
-        <p:spPr bwMode="auto">
-          <a:xfrm rot="5400000" flipV="1">
-            <a:off x="4926380" y="5276551"/>
-            <a:ext cx="469961" cy="473152"/>
-          </a:xfrm>
-          <a:prstGeom prst="ellipse">
-            <a:avLst/>
-          </a:prstGeom>
-          <a:solidFill>
-            <a:srgbClr val="BE6B41"/>
-          </a:solidFill>
-          <a:ln w="57150">
-            <a:solidFill>
-              <a:schemeClr val="bg1"/>
-            </a:solidFill>
-          </a:ln>
-          <a:effectLst>
-            <a:outerShdw blurRad="279400" dist="190500" dir="8100000" algn="tr" rotWithShape="0">
-              <a:prstClr val="black">
-                <a:alpha val="40000"/>
-              </a:prstClr>
-            </a:outerShdw>
-          </a:effectLst>
-        </p:spPr>
-        <p:style>
-          <a:lnRef idx="2">
-            <a:schemeClr val="accent1">
-              <a:shade val="50000"/>
-            </a:schemeClr>
-          </a:lnRef>
-          <a:fillRef idx="1">
-            <a:schemeClr val="accent1"/>
-          </a:fillRef>
-          <a:effectRef idx="0">
-            <a:schemeClr val="accent1"/>
-          </a:effectRef>
-          <a:fontRef idx="minor">
-            <a:schemeClr val="lt1"/>
-          </a:fontRef>
-        </p:style>
-        <p:txBody>
-          <a:bodyPr anchor="ctr"/>
-          <a:lstStyle/>
-          <a:p>
-            <a:pPr algn="ctr"/>
-            <a:endParaRPr lang="zh-CN" altLang="en-US" sz="2400">
-              <a:solidFill>
-                <a:schemeClr val="bg1"/>
-              </a:solidFill>
-              <a:latin typeface="Noto Sans S Chinese Thin" panose="020B0200000000000000" pitchFamily="34" charset="-122"/>
-              <a:ea typeface="Noto Sans S Chinese Thin" panose="020B0200000000000000" pitchFamily="34" charset="-122"/>
-            </a:endParaRPr>
-          </a:p>
-        </p:txBody>
-      </p:sp>
-      <p:sp>
-        <p:nvSpPr>
-          <p:cNvPr id="31" name="文本框 30">
-            <a:extLst>
-              <a:ext uri="{FF2B5EF4-FFF2-40B4-BE49-F238E27FC236}">
-                <a16:creationId xmlns:a16="http://schemas.microsoft.com/office/drawing/2014/main" id="{E014860F-B41D-44E1-9A4C-0D1CF9EA6FE7}"/>
-              </a:ext>
-            </a:extLst>
-          </p:cNvPr>
-          <p:cNvSpPr txBox="1"/>
-          <p:nvPr/>
-        </p:nvSpPr>
-        <p:spPr>
-          <a:xfrm>
-            <a:off x="4948251" y="3767001"/>
-            <a:ext cx="387512" cy="276999"/>
-          </a:xfrm>
-          <a:prstGeom prst="rect">
-            <a:avLst/>
-          </a:prstGeom>
-          <a:noFill/>
-        </p:spPr>
-        <p:txBody>
-          <a:bodyPr wrap="square" rtlCol="0">
-            <a:spAutoFit/>
-          </a:bodyPr>
-          <a:lstStyle/>
-          <a:p>
-            <a:r>
-              <a:rPr lang="en-US" altLang="zh-CN" sz="1200" b="1" dirty="0">
-                <a:solidFill>
-                  <a:schemeClr val="bg1"/>
-                </a:solidFill>
-                <a:latin typeface="Noto Sans S Chinese Thin" panose="020B0200000000000000" pitchFamily="34" charset="-122"/>
-                <a:ea typeface="Noto Sans S Chinese Thin" panose="020B0200000000000000" pitchFamily="34" charset="-122"/>
-                <a:sym typeface="+mn-ea"/>
-              </a:rPr>
-              <a:t>02</a:t>
-            </a:r>
-            <a:endParaRPr lang="zh-CN" altLang="en-US" sz="1200" b="1" dirty="0">
-              <a:solidFill>
-                <a:schemeClr val="bg1"/>
-              </a:solidFill>
-              <a:latin typeface="Noto Sans S Chinese Thin" panose="020B0200000000000000" pitchFamily="34" charset="-122"/>
-              <a:ea typeface="Noto Sans S Chinese Thin" panose="020B0200000000000000" pitchFamily="34" charset="-122"/>
-              <a:sym typeface="+mn-ea"/>
-            </a:endParaRPr>
-          </a:p>
-        </p:txBody>
-      </p:sp>
-      <p:sp>
-        <p:nvSpPr>
-          <p:cNvPr id="32" name="文本框 31">
-            <a:extLst>
-              <a:ext uri="{FF2B5EF4-FFF2-40B4-BE49-F238E27FC236}">
-                <a16:creationId xmlns:a16="http://schemas.microsoft.com/office/drawing/2014/main" id="{2EB1B09E-80AA-429E-9302-A30616A9B1DD}"/>
-              </a:ext>
-            </a:extLst>
-          </p:cNvPr>
-          <p:cNvSpPr txBox="1"/>
-          <p:nvPr/>
-        </p:nvSpPr>
-        <p:spPr>
-          <a:xfrm>
-            <a:off x="4963143" y="4564805"/>
-            <a:ext cx="387512" cy="276999"/>
-          </a:xfrm>
-          <a:prstGeom prst="rect">
-            <a:avLst/>
-          </a:prstGeom>
-          <a:noFill/>
-        </p:spPr>
-        <p:txBody>
-          <a:bodyPr wrap="square" rtlCol="0">
-            <a:spAutoFit/>
-          </a:bodyPr>
-          <a:lstStyle/>
-          <a:p>
-            <a:r>
-              <a:rPr lang="en-US" altLang="zh-CN" sz="1200" b="1" dirty="0">
-                <a:solidFill>
-                  <a:schemeClr val="bg1"/>
-                </a:solidFill>
-                <a:latin typeface="Noto Sans S Chinese Thin" panose="020B0200000000000000" pitchFamily="34" charset="-122"/>
-                <a:ea typeface="Noto Sans S Chinese Thin" panose="020B0200000000000000" pitchFamily="34" charset="-122"/>
-                <a:sym typeface="+mn-ea"/>
-              </a:rPr>
-              <a:t>03</a:t>
-            </a:r>
-            <a:endParaRPr lang="zh-CN" altLang="en-US" sz="1200" b="1" dirty="0">
-              <a:solidFill>
-                <a:schemeClr val="bg1"/>
-              </a:solidFill>
-              <a:latin typeface="Noto Sans S Chinese Thin" panose="020B0200000000000000" pitchFamily="34" charset="-122"/>
-              <a:ea typeface="Noto Sans S Chinese Thin" panose="020B0200000000000000" pitchFamily="34" charset="-122"/>
-              <a:sym typeface="+mn-ea"/>
-            </a:endParaRPr>
-          </a:p>
-        </p:txBody>
-      </p:sp>
-      <p:sp>
-        <p:nvSpPr>
-          <p:cNvPr id="33" name="文本框 32">
-            <a:extLst>
-              <a:ext uri="{FF2B5EF4-FFF2-40B4-BE49-F238E27FC236}">
-                <a16:creationId xmlns:a16="http://schemas.microsoft.com/office/drawing/2014/main" id="{401ED2FE-A29F-458C-A009-438BB7DE1616}"/>
-              </a:ext>
-            </a:extLst>
-          </p:cNvPr>
-          <p:cNvSpPr txBox="1"/>
-          <p:nvPr/>
-        </p:nvSpPr>
-        <p:spPr>
-          <a:xfrm>
-            <a:off x="4963143" y="5382127"/>
-            <a:ext cx="387512" cy="276999"/>
-          </a:xfrm>
-          <a:prstGeom prst="rect">
-            <a:avLst/>
-          </a:prstGeom>
-          <a:noFill/>
-        </p:spPr>
-        <p:txBody>
-          <a:bodyPr wrap="square" rtlCol="0">
-            <a:spAutoFit/>
-          </a:bodyPr>
-          <a:lstStyle/>
-          <a:p>
-            <a:r>
-              <a:rPr lang="en-US" altLang="zh-CN" sz="1200" b="1" dirty="0">
-                <a:solidFill>
-                  <a:schemeClr val="bg1"/>
-                </a:solidFill>
-                <a:latin typeface="Noto Sans S Chinese Thin" panose="020B0200000000000000" pitchFamily="34" charset="-122"/>
-                <a:ea typeface="Noto Sans S Chinese Thin" panose="020B0200000000000000" pitchFamily="34" charset="-122"/>
-                <a:sym typeface="+mn-ea"/>
-              </a:rPr>
-              <a:t>04</a:t>
-            </a:r>
-            <a:endParaRPr lang="zh-CN" altLang="en-US" sz="1200" b="1" dirty="0">
-              <a:solidFill>
-                <a:schemeClr val="bg1"/>
-              </a:solidFill>
-              <a:latin typeface="Noto Sans S Chinese Thin" panose="020B0200000000000000" pitchFamily="34" charset="-122"/>
-              <a:ea typeface="Noto Sans S Chinese Thin" panose="020B0200000000000000" pitchFamily="34" charset="-122"/>
-              <a:sym typeface="+mn-ea"/>
-            </a:endParaRPr>
-          </a:p>
-        </p:txBody>
-      </p:sp>
-      <p:sp>
-        <p:nvSpPr>
-          <p:cNvPr id="35" name="矩形 34">
-            <a:extLst>
-              <a:ext uri="{FF2B5EF4-FFF2-40B4-BE49-F238E27FC236}">
-                <a16:creationId xmlns:a16="http://schemas.microsoft.com/office/drawing/2014/main" id="{0D1A2974-6446-4E86-B1F3-DDFD50FA5434}"/>
-              </a:ext>
-            </a:extLst>
-          </p:cNvPr>
-          <p:cNvSpPr/>
-          <p:nvPr/>
-        </p:nvSpPr>
-        <p:spPr>
-          <a:xfrm>
-            <a:off x="6617217" y="4466445"/>
-            <a:ext cx="1127232" cy="375359"/>
-          </a:xfrm>
-          <a:prstGeom prst="rect">
-            <a:avLst/>
-          </a:prstGeom>
-        </p:spPr>
-        <p:txBody>
-          <a:bodyPr wrap="none">
-            <a:spAutoFit/>
-            <a:scene3d>
-              <a:camera prst="orthographicFront"/>
-              <a:lightRig rig="threePt" dir="t"/>
-            </a:scene3d>
-            <a:sp3d contourW="12700"/>
-          </a:bodyPr>
-          <a:lstStyle/>
-          <a:p>
-            <a:pPr algn="ctr"/>
-            <a:r>
-              <a:rPr lang="zh-CN" altLang="en-US" sz="1839" b="1" dirty="0">
-                <a:solidFill>
-                  <a:schemeClr val="tx1">
-                    <a:lumMod val="85000"/>
-                    <a:lumOff val="15000"/>
-                  </a:schemeClr>
-                </a:solidFill>
-                <a:latin typeface="Noto Sans S Chinese Regular" panose="020B0500000000000000" pitchFamily="34" charset="-122"/>
-                <a:ea typeface="Noto Sans S Chinese Regular" panose="020B0500000000000000" pitchFamily="34" charset="-122"/>
-              </a:rPr>
-              <a:t>数据字典</a:t>
-            </a:r>
-          </a:p>
-        </p:txBody>
-      </p:sp>
-      <p:sp>
-        <p:nvSpPr>
-          <p:cNvPr id="36" name="矩形 35">
-            <a:extLst>
-              <a:ext uri="{FF2B5EF4-FFF2-40B4-BE49-F238E27FC236}">
-                <a16:creationId xmlns:a16="http://schemas.microsoft.com/office/drawing/2014/main" id="{66A45F8F-D86C-4275-ABD6-A0C2CBF05826}"/>
-              </a:ext>
-            </a:extLst>
-          </p:cNvPr>
-          <p:cNvSpPr/>
-          <p:nvPr/>
-        </p:nvSpPr>
-        <p:spPr>
-          <a:xfrm>
-            <a:off x="6570520" y="3687874"/>
-            <a:ext cx="1127232" cy="375359"/>
-          </a:xfrm>
-          <a:prstGeom prst="rect">
-            <a:avLst/>
-          </a:prstGeom>
-        </p:spPr>
-        <p:txBody>
-          <a:bodyPr wrap="none">
-            <a:spAutoFit/>
-            <a:scene3d>
-              <a:camera prst="orthographicFront"/>
-              <a:lightRig rig="threePt" dir="t"/>
-            </a:scene3d>
-            <a:sp3d contourW="12700"/>
-          </a:bodyPr>
-          <a:lstStyle/>
-          <a:p>
-            <a:pPr algn="ctr"/>
-            <a:r>
-              <a:rPr lang="zh-CN" altLang="en-US" sz="1839" b="1" dirty="0">
-                <a:solidFill>
-                  <a:schemeClr val="tx1">
-                    <a:lumMod val="85000"/>
-                    <a:lumOff val="15000"/>
-                  </a:schemeClr>
-                </a:solidFill>
-                <a:latin typeface="Noto Sans S Chinese Regular" panose="020B0500000000000000" pitchFamily="34" charset="-122"/>
-                <a:ea typeface="Noto Sans S Chinese Regular" panose="020B0500000000000000" pitchFamily="34" charset="-122"/>
-              </a:rPr>
-              <a:t>界面原型</a:t>
-            </a:r>
-          </a:p>
-        </p:txBody>
-      </p:sp>
-      <p:sp>
-        <p:nvSpPr>
-          <p:cNvPr id="37" name="矩形 36">
-            <a:extLst>
-              <a:ext uri="{FF2B5EF4-FFF2-40B4-BE49-F238E27FC236}">
-                <a16:creationId xmlns:a16="http://schemas.microsoft.com/office/drawing/2014/main" id="{8E2A71BD-30B5-485E-985C-5A38A845D15C}"/>
-              </a:ext>
-            </a:extLst>
-          </p:cNvPr>
-          <p:cNvSpPr/>
-          <p:nvPr/>
-        </p:nvSpPr>
-        <p:spPr>
-          <a:xfrm>
-            <a:off x="5990738" y="5283767"/>
-            <a:ext cx="2305439" cy="375359"/>
-          </a:xfrm>
-          <a:prstGeom prst="rect">
-            <a:avLst/>
-          </a:prstGeom>
-        </p:spPr>
-        <p:txBody>
-          <a:bodyPr wrap="none">
-            <a:spAutoFit/>
-            <a:scene3d>
-              <a:camera prst="orthographicFront"/>
-              <a:lightRig rig="threePt" dir="t"/>
-            </a:scene3d>
-            <a:sp3d contourW="12700"/>
-          </a:bodyPr>
-          <a:lstStyle/>
-          <a:p>
-            <a:pPr algn="ctr"/>
-            <a:r>
-              <a:rPr lang="zh-CN" altLang="en-US" sz="1839" b="1" dirty="0">
-                <a:solidFill>
-                  <a:schemeClr val="tx1">
-                    <a:lumMod val="85000"/>
-                    <a:lumOff val="15000"/>
-                  </a:schemeClr>
-                </a:solidFill>
-                <a:latin typeface="Noto Sans S Chinese Regular" panose="020B0500000000000000" pitchFamily="34" charset="-122"/>
-                <a:ea typeface="Noto Sans S Chinese Regular" panose="020B0500000000000000" pitchFamily="34" charset="-122"/>
-              </a:rPr>
-              <a:t>参考资料与小组分工</a:t>
-            </a:r>
-          </a:p>
-        </p:txBody>
-      </p:sp>
-      <p:sp>
-        <p:nvSpPr>
-          <p:cNvPr id="38" name="淘宝网Chenying0907出品 22">
-            <a:extLst>
-              <a:ext uri="{FF2B5EF4-FFF2-40B4-BE49-F238E27FC236}">
-                <a16:creationId xmlns:a16="http://schemas.microsoft.com/office/drawing/2014/main" id="{DD54CCA6-56E3-4EC0-8DD6-0A75AD155861}"/>
-              </a:ext>
-            </a:extLst>
-          </p:cNvPr>
-          <p:cNvSpPr/>
-          <p:nvPr/>
-        </p:nvSpPr>
-        <p:spPr bwMode="auto">
-          <a:xfrm rot="5400000" flipV="1">
-            <a:off x="4900438" y="2867690"/>
-            <a:ext cx="469961" cy="473152"/>
-          </a:xfrm>
-          <a:prstGeom prst="ellipse">
-            <a:avLst/>
-          </a:prstGeom>
-          <a:solidFill>
-            <a:srgbClr val="BE6B41"/>
-          </a:solidFill>
-          <a:ln w="57150">
-            <a:solidFill>
-              <a:schemeClr val="bg1"/>
-            </a:solidFill>
-          </a:ln>
-          <a:effectLst>
-            <a:outerShdw blurRad="279400" dist="190500" dir="8100000" algn="tr" rotWithShape="0">
-              <a:prstClr val="black">
-                <a:alpha val="40000"/>
-              </a:prstClr>
-            </a:outerShdw>
-          </a:effectLst>
-        </p:spPr>
-        <p:style>
-          <a:lnRef idx="2">
-            <a:schemeClr val="accent1">
-              <a:shade val="50000"/>
-            </a:schemeClr>
-          </a:lnRef>
-          <a:fillRef idx="1">
-            <a:schemeClr val="accent1"/>
-          </a:fillRef>
-          <a:effectRef idx="0">
-            <a:schemeClr val="accent1"/>
-          </a:effectRef>
-          <a:fontRef idx="minor">
-            <a:schemeClr val="lt1"/>
-          </a:fontRef>
-        </p:style>
-        <p:txBody>
-          <a:bodyPr anchor="ctr"/>
-          <a:lstStyle/>
-          <a:p>
-            <a:pPr algn="ctr"/>
-            <a:endParaRPr lang="zh-CN" altLang="en-US" sz="2400">
-              <a:solidFill>
-                <a:schemeClr val="bg1"/>
-              </a:solidFill>
-              <a:latin typeface="Noto Sans S Chinese Thin" panose="020B0200000000000000" pitchFamily="34" charset="-122"/>
-              <a:ea typeface="Noto Sans S Chinese Thin" panose="020B0200000000000000" pitchFamily="34" charset="-122"/>
-            </a:endParaRPr>
-          </a:p>
-        </p:txBody>
-      </p:sp>
-      <p:sp>
-        <p:nvSpPr>
-          <p:cNvPr id="39" name="文本框 38">
-            <a:extLst>
-              <a:ext uri="{FF2B5EF4-FFF2-40B4-BE49-F238E27FC236}">
-                <a16:creationId xmlns:a16="http://schemas.microsoft.com/office/drawing/2014/main" id="{6BF7D359-726A-471D-A194-AF5106E79710}"/>
-              </a:ext>
-            </a:extLst>
-          </p:cNvPr>
-          <p:cNvSpPr txBox="1"/>
-          <p:nvPr/>
-        </p:nvSpPr>
-        <p:spPr>
-          <a:xfrm>
-            <a:off x="4937201" y="2973266"/>
-            <a:ext cx="387512" cy="276999"/>
-          </a:xfrm>
-          <a:prstGeom prst="rect">
-            <a:avLst/>
-          </a:prstGeom>
-          <a:noFill/>
-        </p:spPr>
-        <p:txBody>
-          <a:bodyPr wrap="square" rtlCol="0">
-            <a:spAutoFit/>
-          </a:bodyPr>
-          <a:lstStyle/>
-          <a:p>
-            <a:r>
-              <a:rPr lang="en-US" altLang="zh-CN" sz="1200" b="1" dirty="0">
-                <a:solidFill>
-                  <a:schemeClr val="bg1"/>
-                </a:solidFill>
-                <a:latin typeface="Noto Sans S Chinese Thin" panose="020B0200000000000000" pitchFamily="34" charset="-122"/>
-                <a:ea typeface="Noto Sans S Chinese Thin" panose="020B0200000000000000" pitchFamily="34" charset="-122"/>
-                <a:sym typeface="+mn-ea"/>
-              </a:rPr>
-              <a:t>01</a:t>
-            </a:r>
-            <a:endParaRPr lang="zh-CN" altLang="en-US" sz="1200" b="1" dirty="0">
-              <a:solidFill>
-                <a:schemeClr val="bg1"/>
-              </a:solidFill>
-              <a:latin typeface="Noto Sans S Chinese Thin" panose="020B0200000000000000" pitchFamily="34" charset="-122"/>
-              <a:ea typeface="Noto Sans S Chinese Thin" panose="020B0200000000000000" pitchFamily="34" charset="-122"/>
-              <a:sym typeface="+mn-ea"/>
-            </a:endParaRPr>
-          </a:p>
-        </p:txBody>
-      </p:sp>
-      <p:sp>
-        <p:nvSpPr>
-          <p:cNvPr id="40" name="矩形 39">
-            <a:extLst>
-              <a:ext uri="{FF2B5EF4-FFF2-40B4-BE49-F238E27FC236}">
-                <a16:creationId xmlns:a16="http://schemas.microsoft.com/office/drawing/2014/main" id="{D1524506-DC14-465E-991A-F3BAA6D83DA6}"/>
-              </a:ext>
-            </a:extLst>
-          </p:cNvPr>
-          <p:cNvSpPr/>
-          <p:nvPr/>
-        </p:nvSpPr>
-        <p:spPr>
-          <a:xfrm>
-            <a:off x="6591517" y="2909171"/>
-            <a:ext cx="1127232" cy="375359"/>
-          </a:xfrm>
-          <a:prstGeom prst="rect">
-            <a:avLst/>
-          </a:prstGeom>
-        </p:spPr>
-        <p:txBody>
-          <a:bodyPr wrap="none">
-            <a:spAutoFit/>
-            <a:scene3d>
-              <a:camera prst="orthographicFront"/>
-              <a:lightRig rig="threePt" dir="t"/>
-            </a:scene3d>
-            <a:sp3d contourW="12700"/>
-          </a:bodyPr>
-          <a:lstStyle/>
-          <a:p>
-            <a:pPr algn="ctr"/>
-            <a:r>
-              <a:rPr lang="zh-CN" altLang="en-US" sz="1839" b="1" dirty="0">
-                <a:solidFill>
-                  <a:schemeClr val="tx1">
-                    <a:lumMod val="85000"/>
-                    <a:lumOff val="15000"/>
-                  </a:schemeClr>
-                </a:solidFill>
-                <a:latin typeface="Noto Sans S Chinese Regular" panose="020B0500000000000000" pitchFamily="34" charset="-122"/>
-                <a:ea typeface="Noto Sans S Chinese Regular" panose="020B0500000000000000" pitchFamily="34" charset="-122"/>
-              </a:rPr>
-              <a:t>产品描述</a:t>
-            </a:r>
-          </a:p>
-        </p:txBody>
-      </p:sp>
-      <p:sp>
-        <p:nvSpPr>
-          <p:cNvPr id="42" name="文本框 41">
-            <a:extLst>
-              <a:ext uri="{FF2B5EF4-FFF2-40B4-BE49-F238E27FC236}">
-                <a16:creationId xmlns:a16="http://schemas.microsoft.com/office/drawing/2014/main" id="{34E931A8-D550-4F1B-88E1-56E27D7F4959}"/>
-              </a:ext>
-            </a:extLst>
-          </p:cNvPr>
-          <p:cNvSpPr txBox="1"/>
-          <p:nvPr/>
-        </p:nvSpPr>
-        <p:spPr>
-          <a:xfrm>
-            <a:off x="8673741" y="2502570"/>
-            <a:ext cx="387512" cy="276999"/>
-          </a:xfrm>
-          <a:prstGeom prst="rect">
-            <a:avLst/>
-          </a:prstGeom>
-          <a:noFill/>
-        </p:spPr>
-        <p:txBody>
-          <a:bodyPr wrap="square" rtlCol="0">
-            <a:spAutoFit/>
-          </a:bodyPr>
-          <a:lstStyle/>
-          <a:p>
-            <a:r>
-              <a:rPr lang="en-US" altLang="zh-CN" sz="1200" b="1" dirty="0">
-                <a:solidFill>
-                  <a:schemeClr val="bg1"/>
-                </a:solidFill>
-                <a:latin typeface="Noto Sans S Chinese Thin" panose="020B0200000000000000" pitchFamily="34" charset="-122"/>
-                <a:ea typeface="Noto Sans S Chinese Thin" panose="020B0200000000000000" pitchFamily="34" charset="-122"/>
-                <a:sym typeface="+mn-ea"/>
-              </a:rPr>
-              <a:t>04</a:t>
-            </a:r>
-            <a:endParaRPr lang="zh-CN" altLang="en-US" sz="1200" b="1" dirty="0">
-              <a:solidFill>
-                <a:schemeClr val="bg1"/>
-              </a:solidFill>
-              <a:latin typeface="Noto Sans S Chinese Thin" panose="020B0200000000000000" pitchFamily="34" charset="-122"/>
-              <a:ea typeface="Noto Sans S Chinese Thin" panose="020B0200000000000000" pitchFamily="34" charset="-122"/>
-              <a:sym typeface="+mn-ea"/>
-            </a:endParaRPr>
-          </a:p>
-        </p:txBody>
-      </p:sp>
-    </p:spTree>
-    <p:extLst>
-      <p:ext uri="{BB962C8B-B14F-4D97-AF65-F5344CB8AC3E}">
-        <p14:creationId xmlns:p14="http://schemas.microsoft.com/office/powerpoint/2010/main" val="2368394455"/>
-      </p:ext>
-    </p:extLst>
-  </p:cSld>
-  <p:clrMapOvr>
-    <a:masterClrMapping/>
-  </p:clrMapOvr>
-  <mc:AlternateContent xmlns:mc="http://schemas.openxmlformats.org/markup-compatibility/2006" xmlns:p15="http://schemas.microsoft.com/office/powerpoint/2012/main">
-    <mc:Choice Requires="p15">
-      <p:transition xmlns:p14="http://schemas.microsoft.com/office/powerpoint/2010/main" spd="slow" p14:dur="1250">
-        <p15:prstTrans prst="pageCurlDouble"/>
-      </p:transition>
-    </mc:Choice>
-    <mc:Fallback xmlns="">
-      <p:transition spd="slow">
-        <p:fade/>
-      </p:transition>
-    </mc:Fallback>
-  </mc:AlternateContent>
-</p:sld>
-</file>
-
-<file path=ppt/slides/slide20.xml><?xml version="1.0" encoding="utf-8"?>
+<file path=ppt/slides/slide21.xml><?xml version="1.0" encoding="utf-8"?>
 <p:sld xmlns:a="http://schemas.openxmlformats.org/drawingml/2006/main" xmlns:r="http://schemas.openxmlformats.org/officeDocument/2006/relationships" xmlns:p="http://schemas.openxmlformats.org/presentationml/2006/main">
   <p:cSld>
     <p:spTree>
@@ -11914,7 +12078,7 @@
 </p:sld>
 </file>
 
-<file path=ppt/slides/slide21.xml><?xml version="1.0" encoding="utf-8"?>
+<file path=ppt/slides/slide22.xml><?xml version="1.0" encoding="utf-8"?>
 <p:sld xmlns:a="http://schemas.openxmlformats.org/drawingml/2006/main" xmlns:r="http://schemas.openxmlformats.org/officeDocument/2006/relationships" xmlns:p="http://schemas.openxmlformats.org/presentationml/2006/main">
   <p:cSld>
     <p:spTree>
@@ -12028,7 +12192,7 @@
 </p:sld>
 </file>
 
-<file path=ppt/slides/slide22.xml><?xml version="1.0" encoding="utf-8"?>
+<file path=ppt/slides/slide23.xml><?xml version="1.0" encoding="utf-8"?>
 <p:sld xmlns:a="http://schemas.openxmlformats.org/drawingml/2006/main" xmlns:r="http://schemas.openxmlformats.org/officeDocument/2006/relationships" xmlns:p="http://schemas.openxmlformats.org/presentationml/2006/main">
   <p:cSld>
     <p:spTree>
@@ -12956,276 +13120,6 @@
 </p:sld>
 </file>
 
-<file path=ppt/slides/slide23.xml><?xml version="1.0" encoding="utf-8"?>
-<p:sld xmlns:a="http://schemas.openxmlformats.org/drawingml/2006/main" xmlns:r="http://schemas.openxmlformats.org/officeDocument/2006/relationships" xmlns:p="http://schemas.openxmlformats.org/presentationml/2006/main">
-  <p:cSld>
-    <p:spTree>
-      <p:nvGrpSpPr>
-        <p:cNvPr id="1" name=""/>
-        <p:cNvGrpSpPr/>
-        <p:nvPr/>
-      </p:nvGrpSpPr>
-      <p:grpSpPr>
-        <a:xfrm>
-          <a:off x="0" y="0"/>
-          <a:ext cx="0" cy="0"/>
-          <a:chOff x="0" y="0"/>
-          <a:chExt cx="0" cy="0"/>
-        </a:xfrm>
-      </p:grpSpPr>
-      <p:sp>
-        <p:nvSpPr>
-          <p:cNvPr id="83" name="Rectangle 82"/>
-          <p:cNvSpPr/>
-          <p:nvPr/>
-        </p:nvSpPr>
-        <p:spPr>
-          <a:xfrm>
-            <a:off x="950784" y="2456478"/>
-            <a:ext cx="10290431" cy="3509892"/>
-          </a:xfrm>
-          <a:prstGeom prst="rect">
-            <a:avLst/>
-          </a:prstGeom>
-          <a:solidFill>
-            <a:schemeClr val="bg1"/>
-          </a:solidFill>
-          <a:ln w="6350">
-            <a:noFill/>
-          </a:ln>
-          <a:effectLst>
-            <a:outerShdw blurRad="254000" dist="38100" dir="5400000" algn="t" rotWithShape="0">
-              <a:schemeClr val="bg1">
-                <a:lumMod val="65000"/>
-                <a:alpha val="40000"/>
-              </a:schemeClr>
-            </a:outerShdw>
-          </a:effectLst>
-        </p:spPr>
-        <p:style>
-          <a:lnRef idx="2">
-            <a:schemeClr val="accent1">
-              <a:shade val="50000"/>
-            </a:schemeClr>
-          </a:lnRef>
-          <a:fillRef idx="1">
-            <a:schemeClr val="accent1"/>
-          </a:fillRef>
-          <a:effectRef idx="0">
-            <a:schemeClr val="accent1"/>
-          </a:effectRef>
-          <a:fontRef idx="minor">
-            <a:schemeClr val="lt1"/>
-          </a:fontRef>
-        </p:style>
-        <p:txBody>
-          <a:bodyPr rtlCol="0" anchor="ctr"/>
-          <a:lstStyle/>
-          <a:p>
-            <a:pPr algn="ctr"/>
-            <a:endParaRPr lang="en-IN" dirty="0">
-              <a:latin typeface="Noto Sans S Chinese Light" panose="020B0300000000000000" pitchFamily="34" charset="-122"/>
-              <a:ea typeface="Noto Sans S Chinese Light" panose="020B0300000000000000" pitchFamily="34" charset="-122"/>
-              <a:sym typeface="Arial"/>
-            </a:endParaRPr>
-          </a:p>
-        </p:txBody>
-      </p:sp>
-      <p:sp>
-        <p:nvSpPr>
-          <p:cNvPr id="24" name="文本框 23">
-            <a:extLst>
-              <a:ext uri="{FF2B5EF4-FFF2-40B4-BE49-F238E27FC236}">
-                <a16:creationId xmlns:a16="http://schemas.microsoft.com/office/drawing/2014/main" id="{D65A0DC7-6054-411B-9916-9AEB33AB60A1}"/>
-              </a:ext>
-            </a:extLst>
-          </p:cNvPr>
-          <p:cNvSpPr txBox="1"/>
-          <p:nvPr/>
-        </p:nvSpPr>
-        <p:spPr>
-          <a:xfrm>
-            <a:off x="950784" y="1106804"/>
-            <a:ext cx="6099142" cy="646331"/>
-          </a:xfrm>
-          <a:prstGeom prst="rect">
-            <a:avLst/>
-          </a:prstGeom>
-          <a:noFill/>
-        </p:spPr>
-        <p:txBody>
-          <a:bodyPr wrap="square">
-            <a:spAutoFit/>
-          </a:bodyPr>
-          <a:lstStyle/>
-          <a:p>
-            <a:r>
-              <a:rPr lang="zh-CN" altLang="en-US" sz="3600" b="1" dirty="0">
-                <a:solidFill>
-                  <a:schemeClr val="tx1">
-                    <a:lumMod val="85000"/>
-                    <a:lumOff val="15000"/>
-                  </a:schemeClr>
-                </a:solidFill>
-                <a:latin typeface="Noto Sans S Chinese Regular" panose="020B0500000000000000" pitchFamily="34" charset="-122"/>
-                <a:ea typeface="Noto Sans S Chinese Regular" panose="020B0500000000000000" pitchFamily="34" charset="-122"/>
-              </a:rPr>
-              <a:t>参考资料</a:t>
-            </a:r>
-            <a:endParaRPr lang="zh-CN" altLang="en-US" sz="3600" dirty="0"/>
-          </a:p>
-        </p:txBody>
-      </p:sp>
-      <p:sp>
-        <p:nvSpPr>
-          <p:cNvPr id="4" name="文本框 3">
-            <a:extLst>
-              <a:ext uri="{FF2B5EF4-FFF2-40B4-BE49-F238E27FC236}">
-                <a16:creationId xmlns:a16="http://schemas.microsoft.com/office/drawing/2014/main" id="{5FD3EB94-EC3A-4413-A61A-65BDD2F3AA66}"/>
-              </a:ext>
-            </a:extLst>
-          </p:cNvPr>
-          <p:cNvSpPr txBox="1"/>
-          <p:nvPr/>
-        </p:nvSpPr>
-        <p:spPr>
-          <a:xfrm>
-            <a:off x="1178351" y="2780907"/>
-            <a:ext cx="9624767" cy="2585323"/>
-          </a:xfrm>
-          <a:prstGeom prst="rect">
-            <a:avLst/>
-          </a:prstGeom>
-          <a:noFill/>
-        </p:spPr>
-        <p:txBody>
-          <a:bodyPr wrap="square" rtlCol="0">
-            <a:spAutoFit/>
-          </a:bodyPr>
-          <a:lstStyle/>
-          <a:p>
-            <a:r>
-              <a:rPr lang="en-US" altLang="zh-CN" sz="2400" dirty="0"/>
-              <a:t>1.《</a:t>
-            </a:r>
-            <a:r>
-              <a:rPr lang="zh-CN" altLang="en-US" sz="2400" dirty="0"/>
-              <a:t>计算机软件需求规格说明规范</a:t>
-            </a:r>
-            <a:r>
-              <a:rPr lang="en-US" altLang="zh-CN" sz="2400" dirty="0"/>
-              <a:t>》</a:t>
-            </a:r>
-            <a:r>
-              <a:rPr lang="zh-CN" altLang="en-US" sz="2400" dirty="0"/>
-              <a:t>（</a:t>
-            </a:r>
-            <a:r>
-              <a:rPr lang="en-US" altLang="zh-CN" sz="2400" dirty="0"/>
-              <a:t>GB/T9385-2008</a:t>
-            </a:r>
-            <a:r>
-              <a:rPr lang="zh-CN" altLang="en-US" sz="2400" dirty="0"/>
-              <a:t>）</a:t>
-            </a:r>
-          </a:p>
-          <a:p>
-            <a:r>
-              <a:rPr lang="en-US" altLang="zh-CN" sz="2400" dirty="0"/>
-              <a:t>2.《</a:t>
-            </a:r>
-            <a:r>
-              <a:rPr lang="zh-CN" altLang="en-US" sz="2400" dirty="0"/>
-              <a:t>表白墙网站项目开发计划书</a:t>
-            </a:r>
-            <a:r>
-              <a:rPr lang="en-US" altLang="zh-CN" sz="2400" dirty="0"/>
-              <a:t>》</a:t>
-            </a:r>
-          </a:p>
-          <a:p>
-            <a:r>
-              <a:rPr lang="en-US" altLang="zh-CN" sz="2400" dirty="0"/>
-              <a:t>3.《</a:t>
-            </a:r>
-            <a:r>
-              <a:rPr lang="zh-CN" altLang="en-US" sz="2400" dirty="0"/>
-              <a:t>表白墙网站项目开发可行性分析报告</a:t>
-            </a:r>
-            <a:r>
-              <a:rPr lang="en-US" altLang="zh-CN" sz="2400" dirty="0"/>
-              <a:t>》</a:t>
-            </a:r>
-          </a:p>
-          <a:p>
-            <a:r>
-              <a:rPr lang="en-US" altLang="zh-CN" sz="2400" dirty="0"/>
-              <a:t>4.《</a:t>
-            </a:r>
-            <a:r>
-              <a:rPr lang="zh-CN" altLang="en-US" sz="2400" dirty="0"/>
-              <a:t>软件工程导论</a:t>
-            </a:r>
-            <a:r>
-              <a:rPr lang="en-US" altLang="zh-CN" sz="2400" dirty="0"/>
-              <a:t>》</a:t>
-            </a:r>
-            <a:r>
-              <a:rPr lang="zh-CN" altLang="en-US" sz="2400" dirty="0"/>
-              <a:t>（张海藩、牟永敏编著第六版）</a:t>
-            </a:r>
-          </a:p>
-          <a:p>
-            <a:r>
-              <a:rPr lang="en-US" altLang="zh-CN" sz="2400" dirty="0"/>
-              <a:t>5.《</a:t>
-            </a:r>
-            <a:r>
-              <a:rPr lang="zh-CN" altLang="en-US" sz="2400" dirty="0"/>
-              <a:t>计算机软件产品开发文件编制指南</a:t>
-            </a:r>
-            <a:r>
-              <a:rPr lang="en-US" altLang="zh-CN" sz="2400" dirty="0"/>
-              <a:t>》(GB8567—88</a:t>
-            </a:r>
-            <a:r>
-              <a:rPr lang="zh-CN" altLang="en-US" sz="2400" dirty="0"/>
-              <a:t>）</a:t>
-            </a:r>
-          </a:p>
-          <a:p>
-            <a:endParaRPr lang="zh-CN" altLang="en-US" sz="2400" dirty="0"/>
-          </a:p>
-          <a:p>
-            <a:endParaRPr lang="zh-CN" altLang="en-US" dirty="0"/>
-          </a:p>
-        </p:txBody>
-      </p:sp>
-    </p:spTree>
-    <p:extLst>
-      <p:ext uri="{BB962C8B-B14F-4D97-AF65-F5344CB8AC3E}">
-        <p14:creationId xmlns:p14="http://schemas.microsoft.com/office/powerpoint/2010/main" val="13046691"/>
-      </p:ext>
-    </p:extLst>
-  </p:cSld>
-  <p:clrMapOvr>
-    <a:masterClrMapping/>
-  </p:clrMapOvr>
-  <mc:AlternateContent xmlns:mc="http://schemas.openxmlformats.org/markup-compatibility/2006" xmlns:p14="http://schemas.microsoft.com/office/powerpoint/2010/main">
-    <mc:Choice Requires="p14">
-      <p:transition spd="slow" p14:dur="1600">
-        <p14:gallery dir="l"/>
-      </p:transition>
-    </mc:Choice>
-    <mc:Fallback xmlns="">
-      <p:transition spd="slow">
-        <p:fade/>
-      </p:transition>
-    </mc:Fallback>
-  </mc:AlternateContent>
-</p:sld>
-</file>
-
 <file path=ppt/slides/slide24.xml><?xml version="1.0" encoding="utf-8"?>
 <p:sld xmlns:a="http://schemas.openxmlformats.org/drawingml/2006/main" xmlns:r="http://schemas.openxmlformats.org/officeDocument/2006/relationships" xmlns:p="http://schemas.openxmlformats.org/presentationml/2006/main">
   <p:cSld>
@@ -13340,6 +13234,287 @@
                 <a:latin typeface="Noto Sans S Chinese Regular" panose="020B0500000000000000" pitchFamily="34" charset="-122"/>
                 <a:ea typeface="Noto Sans S Chinese Regular" panose="020B0500000000000000" pitchFamily="34" charset="-122"/>
               </a:rPr>
+              <a:t>参考资料</a:t>
+            </a:r>
+            <a:endParaRPr lang="zh-CN" altLang="en-US" sz="3600" dirty="0"/>
+          </a:p>
+        </p:txBody>
+      </p:sp>
+      <p:sp>
+        <p:nvSpPr>
+          <p:cNvPr id="4" name="文本框 3">
+            <a:extLst>
+              <a:ext uri="{FF2B5EF4-FFF2-40B4-BE49-F238E27FC236}">
+                <a16:creationId xmlns:a16="http://schemas.microsoft.com/office/drawing/2014/main" id="{5FD3EB94-EC3A-4413-A61A-65BDD2F3AA66}"/>
+              </a:ext>
+            </a:extLst>
+          </p:cNvPr>
+          <p:cNvSpPr txBox="1"/>
+          <p:nvPr/>
+        </p:nvSpPr>
+        <p:spPr>
+          <a:xfrm>
+            <a:off x="1178351" y="2780907"/>
+            <a:ext cx="9624767" cy="3323987"/>
+          </a:xfrm>
+          <a:prstGeom prst="rect">
+            <a:avLst/>
+          </a:prstGeom>
+          <a:noFill/>
+        </p:spPr>
+        <p:txBody>
+          <a:bodyPr wrap="square" rtlCol="0">
+            <a:spAutoFit/>
+          </a:bodyPr>
+          <a:lstStyle/>
+          <a:p>
+            <a:r>
+              <a:rPr lang="zh-CN" altLang="en-US" sz="2400" dirty="0"/>
+              <a:t>整体：</a:t>
+            </a:r>
+            <a:endParaRPr lang="en-US" altLang="zh-CN" sz="2400" dirty="0"/>
+          </a:p>
+          <a:p>
+            <a:r>
+              <a:rPr lang="en-US" altLang="zh-CN" sz="2400" dirty="0"/>
+              <a:t>1.《</a:t>
+            </a:r>
+            <a:r>
+              <a:rPr lang="zh-CN" altLang="en-US" sz="2400" dirty="0"/>
+              <a:t>计算机软件需求规格说明规范</a:t>
+            </a:r>
+            <a:r>
+              <a:rPr lang="en-US" altLang="zh-CN" sz="2400" dirty="0"/>
+              <a:t>》</a:t>
+            </a:r>
+            <a:r>
+              <a:rPr lang="zh-CN" altLang="en-US" sz="2400" dirty="0"/>
+              <a:t>（</a:t>
+            </a:r>
+            <a:r>
+              <a:rPr lang="en-US" altLang="zh-CN" sz="2400" dirty="0"/>
+              <a:t>GB/T9385-2008</a:t>
+            </a:r>
+            <a:r>
+              <a:rPr lang="zh-CN" altLang="en-US" sz="2400" dirty="0"/>
+              <a:t>）</a:t>
+            </a:r>
+          </a:p>
+          <a:p>
+            <a:r>
+              <a:rPr lang="en-US" altLang="zh-CN" sz="2400" dirty="0"/>
+              <a:t>2.《</a:t>
+            </a:r>
+            <a:r>
+              <a:rPr lang="zh-CN" altLang="en-US" sz="2400" dirty="0"/>
+              <a:t>表白墙网站项目开发计划书</a:t>
+            </a:r>
+            <a:r>
+              <a:rPr lang="en-US" altLang="zh-CN" sz="2400" dirty="0"/>
+              <a:t>》</a:t>
+            </a:r>
+          </a:p>
+          <a:p>
+            <a:r>
+              <a:rPr lang="en-US" altLang="zh-CN" sz="2400" dirty="0"/>
+              <a:t>3.《</a:t>
+            </a:r>
+            <a:r>
+              <a:rPr lang="zh-CN" altLang="en-US" sz="2400" dirty="0"/>
+              <a:t>表白墙网站项目开发可行性分析报告</a:t>
+            </a:r>
+            <a:r>
+              <a:rPr lang="en-US" altLang="zh-CN" sz="2400" dirty="0"/>
+              <a:t>》</a:t>
+            </a:r>
+          </a:p>
+          <a:p>
+            <a:r>
+              <a:rPr lang="en-US" altLang="zh-CN" sz="2400" dirty="0"/>
+              <a:t>4.《</a:t>
+            </a:r>
+            <a:r>
+              <a:rPr lang="zh-CN" altLang="en-US" sz="2400" dirty="0"/>
+              <a:t>软件工程导论</a:t>
+            </a:r>
+            <a:r>
+              <a:rPr lang="en-US" altLang="zh-CN" sz="2400" dirty="0"/>
+              <a:t>》</a:t>
+            </a:r>
+            <a:r>
+              <a:rPr lang="zh-CN" altLang="en-US" sz="2400" dirty="0"/>
+              <a:t>（张海藩、牟永敏编著第六版）</a:t>
+            </a:r>
+          </a:p>
+          <a:p>
+            <a:r>
+              <a:rPr lang="en-US" altLang="zh-CN" sz="2400" dirty="0"/>
+              <a:t>5.《</a:t>
+            </a:r>
+            <a:r>
+              <a:rPr lang="zh-CN" altLang="en-US" sz="2400" dirty="0"/>
+              <a:t>计算机软件产品开发文件编制指南</a:t>
+            </a:r>
+            <a:r>
+              <a:rPr lang="en-US" altLang="zh-CN" sz="2400" dirty="0"/>
+              <a:t>》(GB8567—88</a:t>
+            </a:r>
+            <a:r>
+              <a:rPr lang="zh-CN" altLang="en-US" sz="2400" dirty="0"/>
+              <a:t>）</a:t>
+            </a:r>
+            <a:endParaRPr lang="en-US" altLang="zh-CN" sz="2400" dirty="0"/>
+          </a:p>
+          <a:p>
+            <a:endParaRPr lang="zh-CN" altLang="en-US" sz="2400" dirty="0"/>
+          </a:p>
+          <a:p>
+            <a:endParaRPr lang="zh-CN" altLang="en-US" sz="2400" dirty="0"/>
+          </a:p>
+          <a:p>
+            <a:endParaRPr lang="zh-CN" altLang="en-US" dirty="0"/>
+          </a:p>
+        </p:txBody>
+      </p:sp>
+    </p:spTree>
+    <p:extLst>
+      <p:ext uri="{BB962C8B-B14F-4D97-AF65-F5344CB8AC3E}">
+        <p14:creationId xmlns:p14="http://schemas.microsoft.com/office/powerpoint/2010/main" val="13046691"/>
+      </p:ext>
+    </p:extLst>
+  </p:cSld>
+  <p:clrMapOvr>
+    <a:masterClrMapping/>
+  </p:clrMapOvr>
+  <mc:AlternateContent xmlns:mc="http://schemas.openxmlformats.org/markup-compatibility/2006" xmlns:p14="http://schemas.microsoft.com/office/powerpoint/2010/main">
+    <mc:Choice Requires="p14">
+      <p:transition spd="slow" p14:dur="1600">
+        <p14:gallery dir="l"/>
+      </p:transition>
+    </mc:Choice>
+    <mc:Fallback xmlns="">
+      <p:transition spd="slow">
+        <p:fade/>
+      </p:transition>
+    </mc:Fallback>
+  </mc:AlternateContent>
+</p:sld>
+</file>
+
+<file path=ppt/slides/slide25.xml><?xml version="1.0" encoding="utf-8"?>
+<p:sld xmlns:a="http://schemas.openxmlformats.org/drawingml/2006/main" xmlns:r="http://schemas.openxmlformats.org/officeDocument/2006/relationships" xmlns:p="http://schemas.openxmlformats.org/presentationml/2006/main">
+  <p:cSld>
+    <p:spTree>
+      <p:nvGrpSpPr>
+        <p:cNvPr id="1" name=""/>
+        <p:cNvGrpSpPr/>
+        <p:nvPr/>
+      </p:nvGrpSpPr>
+      <p:grpSpPr>
+        <a:xfrm>
+          <a:off x="0" y="0"/>
+          <a:ext cx="0" cy="0"/>
+          <a:chOff x="0" y="0"/>
+          <a:chExt cx="0" cy="0"/>
+        </a:xfrm>
+      </p:grpSpPr>
+      <p:sp>
+        <p:nvSpPr>
+          <p:cNvPr id="83" name="Rectangle 82"/>
+          <p:cNvSpPr/>
+          <p:nvPr/>
+        </p:nvSpPr>
+        <p:spPr>
+          <a:xfrm>
+            <a:off x="950784" y="2456478"/>
+            <a:ext cx="10290431" cy="3509892"/>
+          </a:xfrm>
+          <a:prstGeom prst="rect">
+            <a:avLst/>
+          </a:prstGeom>
+          <a:solidFill>
+            <a:schemeClr val="bg1"/>
+          </a:solidFill>
+          <a:ln w="6350">
+            <a:noFill/>
+          </a:ln>
+          <a:effectLst>
+            <a:outerShdw blurRad="254000" dist="38100" dir="5400000" algn="t" rotWithShape="0">
+              <a:schemeClr val="bg1">
+                <a:lumMod val="65000"/>
+                <a:alpha val="40000"/>
+              </a:schemeClr>
+            </a:outerShdw>
+          </a:effectLst>
+        </p:spPr>
+        <p:style>
+          <a:lnRef idx="2">
+            <a:schemeClr val="accent1">
+              <a:shade val="50000"/>
+            </a:schemeClr>
+          </a:lnRef>
+          <a:fillRef idx="1">
+            <a:schemeClr val="accent1"/>
+          </a:fillRef>
+          <a:effectRef idx="0">
+            <a:schemeClr val="accent1"/>
+          </a:effectRef>
+          <a:fontRef idx="minor">
+            <a:schemeClr val="lt1"/>
+          </a:fontRef>
+        </p:style>
+        <p:txBody>
+          <a:bodyPr rtlCol="0" anchor="ctr"/>
+          <a:lstStyle/>
+          <a:p>
+            <a:pPr algn="ctr"/>
+            <a:endParaRPr lang="en-IN" dirty="0">
+              <a:latin typeface="Noto Sans S Chinese Light" panose="020B0300000000000000" pitchFamily="34" charset="-122"/>
+              <a:ea typeface="Noto Sans S Chinese Light" panose="020B0300000000000000" pitchFamily="34" charset="-122"/>
+              <a:sym typeface="Arial"/>
+            </a:endParaRPr>
+          </a:p>
+        </p:txBody>
+      </p:sp>
+      <p:sp>
+        <p:nvSpPr>
+          <p:cNvPr id="24" name="文本框 23">
+            <a:extLst>
+              <a:ext uri="{FF2B5EF4-FFF2-40B4-BE49-F238E27FC236}">
+                <a16:creationId xmlns:a16="http://schemas.microsoft.com/office/drawing/2014/main" id="{D65A0DC7-6054-411B-9916-9AEB33AB60A1}"/>
+              </a:ext>
+            </a:extLst>
+          </p:cNvPr>
+          <p:cNvSpPr txBox="1"/>
+          <p:nvPr/>
+        </p:nvSpPr>
+        <p:spPr>
+          <a:xfrm>
+            <a:off x="950784" y="1106804"/>
+            <a:ext cx="6099142" cy="646331"/>
+          </a:xfrm>
+          <a:prstGeom prst="rect">
+            <a:avLst/>
+          </a:prstGeom>
+          <a:noFill/>
+        </p:spPr>
+        <p:txBody>
+          <a:bodyPr wrap="square">
+            <a:spAutoFit/>
+          </a:bodyPr>
+          <a:lstStyle/>
+          <a:p>
+            <a:r>
+              <a:rPr lang="zh-CN" altLang="en-US" sz="3600" b="1" dirty="0">
+                <a:solidFill>
+                  <a:schemeClr val="tx1">
+                    <a:lumMod val="85000"/>
+                    <a:lumOff val="15000"/>
+                  </a:schemeClr>
+                </a:solidFill>
+                <a:latin typeface="Noto Sans S Chinese Regular" panose="020B0500000000000000" pitchFamily="34" charset="-122"/>
+                <a:ea typeface="Noto Sans S Chinese Regular" panose="020B0500000000000000" pitchFamily="34" charset="-122"/>
+              </a:rPr>
               <a:t>小组分工</a:t>
             </a:r>
             <a:endParaRPr lang="zh-CN" altLang="en-US" sz="3600" dirty="0"/>
@@ -13520,7 +13695,7 @@
 </p:sld>
 </file>
 
-<file path=ppt/slides/slide25.xml><?xml version="1.0" encoding="utf-8"?>
+<file path=ppt/slides/slide26.xml><?xml version="1.0" encoding="utf-8"?>
 <p:sld xmlns:a="http://schemas.openxmlformats.org/drawingml/2006/main" xmlns:r="http://schemas.openxmlformats.org/officeDocument/2006/relationships" xmlns:p="http://schemas.openxmlformats.org/presentationml/2006/main">
   <p:cSld>
     <p:spTree>
@@ -16354,13 +16529,13 @@
   <p:clrMapOvr>
     <a:masterClrMapping/>
   </p:clrMapOvr>
-  <mc:AlternateContent xmlns:mc="http://schemas.openxmlformats.org/markup-compatibility/2006">
-    <mc:Choice xmlns:p14="http://schemas.microsoft.com/office/powerpoint/2010/main" Requires="p14">
+  <mc:AlternateContent xmlns:mc="http://schemas.openxmlformats.org/markup-compatibility/2006" xmlns:p14="http://schemas.microsoft.com/office/powerpoint/2010/main">
+    <mc:Choice Requires="p14">
       <p:transition spd="med" p14:dur="700">
         <p:fade/>
       </p:transition>
     </mc:Choice>
-    <mc:Fallback>
+    <mc:Fallback xmlns="">
       <p:transition spd="med">
         <p:fade/>
       </p:transition>

--- a/需求规格说明.pptx
+++ b/需求规格说明.pptx
@@ -5,7 +5,7 @@
     <p:sldMasterId id="2147483648" r:id="rId1"/>
   </p:sldMasterIdLst>
   <p:notesMasterIdLst>
-    <p:notesMasterId r:id="rId28"/>
+    <p:notesMasterId r:id="rId30"/>
   </p:notesMasterIdLst>
   <p:sldIdLst>
     <p:sldId id="258" r:id="rId2"/>
@@ -20,25 +20,27 @@
     <p:sldId id="1010" r:id="rId11"/>
     <p:sldId id="323" r:id="rId12"/>
     <p:sldId id="1015" r:id="rId13"/>
-    <p:sldId id="1016" r:id="rId14"/>
-    <p:sldId id="1017" r:id="rId15"/>
-    <p:sldId id="1024" r:id="rId16"/>
-    <p:sldId id="1018" r:id="rId17"/>
-    <p:sldId id="1019" r:id="rId18"/>
-    <p:sldId id="1020" r:id="rId19"/>
-    <p:sldId id="1021" r:id="rId20"/>
-    <p:sldId id="1008" r:id="rId21"/>
-    <p:sldId id="1002" r:id="rId22"/>
-    <p:sldId id="994" r:id="rId23"/>
-    <p:sldId id="325" r:id="rId24"/>
-    <p:sldId id="481" r:id="rId25"/>
-    <p:sldId id="995" r:id="rId26"/>
-    <p:sldId id="326" r:id="rId27"/>
+    <p:sldId id="1025" r:id="rId14"/>
+    <p:sldId id="1026" r:id="rId15"/>
+    <p:sldId id="1016" r:id="rId16"/>
+    <p:sldId id="1017" r:id="rId17"/>
+    <p:sldId id="1024" r:id="rId18"/>
+    <p:sldId id="1018" r:id="rId19"/>
+    <p:sldId id="1019" r:id="rId20"/>
+    <p:sldId id="1020" r:id="rId21"/>
+    <p:sldId id="1021" r:id="rId22"/>
+    <p:sldId id="1008" r:id="rId23"/>
+    <p:sldId id="1002" r:id="rId24"/>
+    <p:sldId id="994" r:id="rId25"/>
+    <p:sldId id="325" r:id="rId26"/>
+    <p:sldId id="481" r:id="rId27"/>
+    <p:sldId id="995" r:id="rId28"/>
+    <p:sldId id="326" r:id="rId29"/>
   </p:sldIdLst>
   <p:sldSz cx="12192000" cy="6858000"/>
   <p:notesSz cx="6858000" cy="9144000"/>
   <p:custDataLst>
-    <p:tags r:id="rId29"/>
+    <p:tags r:id="rId31"/>
   </p:custDataLst>
   <p:defaultTextStyle>
     <a:defPPr>
@@ -642,7 +644,7 @@
             <a:fld id="{3849D3E0-124D-4DFF-AE99-4EA4CC201DB4}" type="slidenum">
               <a:rPr lang="zh-CN" altLang="en-US" smtClean="0"/>
               <a:pPr/>
-              <a:t>22</a:t>
+              <a:t>24</a:t>
             </a:fld>
             <a:endParaRPr lang="zh-CN" altLang="en-US"/>
           </a:p>
@@ -726,7 +728,7 @@
           <a:p>
             <a:fld id="{1C85B925-22C6-43BA-9A74-53F784B92F66}" type="slidenum">
               <a:rPr lang="zh-CN" altLang="en-US" smtClean="0"/>
-              <a:t>23</a:t>
+              <a:t>25</a:t>
             </a:fld>
             <a:endParaRPr lang="zh-CN" altLang="en-US"/>
           </a:p>
@@ -827,7 +829,7 @@
           <a:p>
             <a:fld id="{26AC16BF-CAEE-4604-890E-226F01BB8BA8}" type="slidenum">
               <a:rPr lang="en-IN" smtClean="0"/>
-              <a:t>24</a:t>
+              <a:t>26</a:t>
             </a:fld>
             <a:endParaRPr lang="en-IN" dirty="0"/>
           </a:p>
@@ -928,7 +930,7 @@
           <a:p>
             <a:fld id="{26AC16BF-CAEE-4604-890E-226F01BB8BA8}" type="slidenum">
               <a:rPr lang="en-IN" smtClean="0"/>
-              <a:t>25</a:t>
+              <a:t>27</a:t>
             </a:fld>
             <a:endParaRPr lang="en-IN" dirty="0"/>
           </a:p>
@@ -1012,7 +1014,7 @@
           <a:p>
             <a:fld id="{1C85B925-22C6-43BA-9A74-53F784B92F66}" type="slidenum">
               <a:rPr lang="zh-CN" altLang="en-US" smtClean="0"/>
-              <a:t>26</a:t>
+              <a:t>28</a:t>
             </a:fld>
             <a:endParaRPr lang="zh-CN" altLang="en-US"/>
           </a:p>
@@ -1699,7 +1701,7 @@
           <a:p>
             <a:fld id="{1C85B925-22C6-43BA-9A74-53F784B92F66}" type="slidenum">
               <a:rPr lang="zh-CN" altLang="en-US" smtClean="0"/>
-              <a:t>13</a:t>
+              <a:t>15</a:t>
             </a:fld>
             <a:endParaRPr lang="zh-CN" altLang="en-US"/>
           </a:p>
@@ -7013,46 +7015,19 @@
           <a:chExt cx="0" cy="0"/>
         </a:xfrm>
       </p:grpSpPr>
-      <p:sp>
-        <p:nvSpPr>
-          <p:cNvPr id="2" name="标题 1">
-            <a:extLst>
-              <a:ext uri="{FF2B5EF4-FFF2-40B4-BE49-F238E27FC236}">
-                <a16:creationId xmlns:a16="http://schemas.microsoft.com/office/drawing/2014/main" id="{D52DCB8F-75F4-44BA-BC3E-0B508D78526C}"/>
-              </a:ext>
-            </a:extLst>
-          </p:cNvPr>
-          <p:cNvSpPr>
-            <a:spLocks noGrp="1"/>
-          </p:cNvSpPr>
-          <p:nvPr>
-            <p:ph type="title"/>
-          </p:nvPr>
-        </p:nvSpPr>
-        <p:spPr/>
-        <p:txBody>
-          <a:bodyPr/>
-          <a:lstStyle/>
-          <a:p>
-            <a:endParaRPr lang="zh-CN" altLang="en-US"/>
-          </a:p>
-        </p:txBody>
-      </p:sp>
       <p:pic>
         <p:nvPicPr>
-          <p:cNvPr id="5" name="内容占位符 4">
+          <p:cNvPr id="7" name="图片 6">
             <a:extLst>
               <a:ext uri="{FF2B5EF4-FFF2-40B4-BE49-F238E27FC236}">
-                <a16:creationId xmlns:a16="http://schemas.microsoft.com/office/drawing/2014/main" id="{15510EF3-DBFE-4F58-8095-BCD68BEBE6D1}"/>
+                <a16:creationId xmlns:a16="http://schemas.microsoft.com/office/drawing/2014/main" id="{7171C1C1-70BD-48A9-9707-623A13BDBF33}"/>
               </a:ext>
             </a:extLst>
           </p:cNvPr>
           <p:cNvPicPr>
-            <a:picLocks noGrp="1" noChangeAspect="1"/>
+            <a:picLocks noChangeAspect="1"/>
           </p:cNvPicPr>
-          <p:nvPr>
-            <p:ph idx="1"/>
-          </p:nvPr>
+          <p:nvPr/>
         </p:nvPicPr>
         <p:blipFill>
           <a:blip r:embed="rId2">
@@ -7068,40 +7043,7 @@
         </p:blipFill>
         <p:spPr>
           <a:xfrm>
-            <a:off x="698241" y="523081"/>
-            <a:ext cx="10248092" cy="5811838"/>
-          </a:xfrm>
-        </p:spPr>
-      </p:pic>
-      <p:pic>
-        <p:nvPicPr>
-          <p:cNvPr id="7" name="图片 6">
-            <a:extLst>
-              <a:ext uri="{FF2B5EF4-FFF2-40B4-BE49-F238E27FC236}">
-                <a16:creationId xmlns:a16="http://schemas.microsoft.com/office/drawing/2014/main" id="{7171C1C1-70BD-48A9-9707-623A13BDBF33}"/>
-              </a:ext>
-            </a:extLst>
-          </p:cNvPr>
-          <p:cNvPicPr>
-            <a:picLocks noChangeAspect="1"/>
-          </p:cNvPicPr>
-          <p:nvPr/>
-        </p:nvPicPr>
-        <p:blipFill>
-          <a:blip r:embed="rId3">
-            <a:extLst>
-              <a:ext uri="{28A0092B-C50C-407E-A947-70E740481C1C}">
-                <a14:useLocalDpi xmlns:a14="http://schemas.microsoft.com/office/drawing/2010/main" val="0"/>
-              </a:ext>
-            </a:extLst>
-          </a:blip>
-          <a:stretch>
-            <a:fillRect/>
-          </a:stretch>
-        </p:blipFill>
-        <p:spPr>
-          <a:xfrm>
-            <a:off x="2944857" y="254995"/>
+            <a:off x="2734459" y="254995"/>
             <a:ext cx="6302286" cy="6348010"/>
           </a:xfrm>
           <a:prstGeom prst="rect">
@@ -7111,10 +7053,10 @@
       </p:pic>
       <p:pic>
         <p:nvPicPr>
-          <p:cNvPr id="9" name="图片 8">
+          <p:cNvPr id="4" name="图片 3">
             <a:extLst>
               <a:ext uri="{FF2B5EF4-FFF2-40B4-BE49-F238E27FC236}">
-                <a16:creationId xmlns:a16="http://schemas.microsoft.com/office/drawing/2014/main" id="{4CF512D7-AEA4-4634-9D9E-BA5B9E120DC5}"/>
+                <a16:creationId xmlns:a16="http://schemas.microsoft.com/office/drawing/2014/main" id="{873C8F52-BA5B-4FB4-9BB5-BBD42E74E28A}"/>
               </a:ext>
             </a:extLst>
           </p:cNvPr>
@@ -7124,7 +7066,7 @@
           <p:nvPr/>
         </p:nvPicPr>
         <p:blipFill>
-          <a:blip r:embed="rId4">
+          <a:blip r:embed="rId3">
             <a:extLst>
               <a:ext uri="{28A0092B-C50C-407E-A947-70E740481C1C}">
                 <a14:useLocalDpi xmlns:a14="http://schemas.microsoft.com/office/drawing/2010/main" val="0"/>
@@ -7137,14 +7079,50 @@
         </p:blipFill>
         <p:spPr>
           <a:xfrm>
-            <a:off x="698241" y="254995"/>
-            <a:ext cx="10996613" cy="6325148"/>
+            <a:off x="212358" y="141656"/>
+            <a:ext cx="11767284" cy="6574687"/>
           </a:xfrm>
           <a:prstGeom prst="rect">
             <a:avLst/>
           </a:prstGeom>
         </p:spPr>
       </p:pic>
+      <p:sp>
+        <p:nvSpPr>
+          <p:cNvPr id="10" name="文本框 9">
+            <a:extLst>
+              <a:ext uri="{FF2B5EF4-FFF2-40B4-BE49-F238E27FC236}">
+                <a16:creationId xmlns:a16="http://schemas.microsoft.com/office/drawing/2014/main" id="{939034CA-16E1-4F9B-BF7E-B3762862B4D4}"/>
+              </a:ext>
+            </a:extLst>
+          </p:cNvPr>
+          <p:cNvSpPr txBox="1"/>
+          <p:nvPr/>
+        </p:nvSpPr>
+        <p:spPr>
+          <a:xfrm>
+            <a:off x="556181" y="452487"/>
+            <a:ext cx="4336330" cy="646331"/>
+          </a:xfrm>
+          <a:prstGeom prst="rect">
+            <a:avLst/>
+          </a:prstGeom>
+          <a:noFill/>
+        </p:spPr>
+        <p:txBody>
+          <a:bodyPr wrap="square" rtlCol="0">
+            <a:spAutoFit/>
+          </a:bodyPr>
+          <a:lstStyle/>
+          <a:p>
+            <a:r>
+              <a:rPr lang="zh-CN" altLang="en-US" sz="3600" b="1" dirty="0"/>
+              <a:t>原效果</a:t>
+            </a:r>
+            <a:endParaRPr lang="zh-CN" altLang="en-US" b="1" dirty="0"/>
+          </a:p>
+        </p:txBody>
+      </p:sp>
     </p:spTree>
     <p:extLst>
       <p:ext uri="{BB962C8B-B14F-4D97-AF65-F5344CB8AC3E}">
@@ -7188,7 +7166,7 @@
                             </p:stCondLst>
                             <p:childTnLst>
                               <p:par>
-                                <p:cTn id="5" presetID="10" presetClass="entr" presetSubtype="0" fill="hold" nodeType="clickEffect">
+                                <p:cTn id="5" presetID="42" presetClass="entr" presetSubtype="0" fill="hold" nodeType="clickEffect">
                                   <p:stCondLst>
                                     <p:cond delay="0"/>
                                   </p:stCondLst>
@@ -7196,59 +7174,6 @@
                                     <p:set>
                                       <p:cBhvr>
                                         <p:cTn id="6" dur="1" fill="hold">
-                                          <p:stCondLst>
-                                            <p:cond delay="0"/>
-                                          </p:stCondLst>
-                                        </p:cTn>
-                                        <p:tgtEl>
-                                          <p:spTgt spid="5"/>
-                                        </p:tgtEl>
-                                        <p:attrNameLst>
-                                          <p:attrName>style.visibility</p:attrName>
-                                        </p:attrNameLst>
-                                      </p:cBhvr>
-                                      <p:to>
-                                        <p:strVal val="visible"/>
-                                      </p:to>
-                                    </p:set>
-                                    <p:animEffect transition="in" filter="fade">
-                                      <p:cBhvr>
-                                        <p:cTn id="7" dur="500"/>
-                                        <p:tgtEl>
-                                          <p:spTgt spid="5"/>
-                                        </p:tgtEl>
-                                      </p:cBhvr>
-                                    </p:animEffect>
-                                  </p:childTnLst>
-                                </p:cTn>
-                              </p:par>
-                            </p:childTnLst>
-                          </p:cTn>
-                        </p:par>
-                      </p:childTnLst>
-                    </p:cTn>
-                  </p:par>
-                  <p:par>
-                    <p:cTn id="8" fill="hold">
-                      <p:stCondLst>
-                        <p:cond delay="indefinite"/>
-                      </p:stCondLst>
-                      <p:childTnLst>
-                        <p:par>
-                          <p:cTn id="9" fill="hold">
-                            <p:stCondLst>
-                              <p:cond delay="0"/>
-                            </p:stCondLst>
-                            <p:childTnLst>
-                              <p:par>
-                                <p:cTn id="10" presetID="42" presetClass="entr" presetSubtype="0" fill="hold" nodeType="clickEffect">
-                                  <p:stCondLst>
-                                    <p:cond delay="0"/>
-                                  </p:stCondLst>
-                                  <p:childTnLst>
-                                    <p:set>
-                                      <p:cBhvr>
-                                        <p:cTn id="11" dur="1" fill="hold">
                                           <p:stCondLst>
                                             <p:cond delay="0"/>
                                           </p:stCondLst>
@@ -7266,7 +7191,7 @@
                                     </p:set>
                                     <p:animEffect transition="in" filter="fade">
                                       <p:cBhvr>
-                                        <p:cTn id="12" dur="1000"/>
+                                        <p:cTn id="7" dur="1000"/>
                                         <p:tgtEl>
                                           <p:spTgt spid="7"/>
                                         </p:tgtEl>
@@ -7274,7 +7199,7 @@
                                     </p:animEffect>
                                     <p:anim calcmode="lin" valueType="num">
                                       <p:cBhvr>
-                                        <p:cTn id="13" dur="1000" fill="hold"/>
+                                        <p:cTn id="8" dur="1000" fill="hold"/>
                                         <p:tgtEl>
                                           <p:spTgt spid="7"/>
                                         </p:tgtEl>
@@ -7297,7 +7222,7 @@
                                     </p:anim>
                                     <p:anim calcmode="lin" valueType="num">
                                       <p:cBhvr>
-                                        <p:cTn id="14" dur="1000" fill="hold"/>
+                                        <p:cTn id="9" dur="1000" fill="hold"/>
                                         <p:tgtEl>
                                           <p:spTgt spid="7"/>
                                         </p:tgtEl>
@@ -7328,32 +7253,32 @@
                     </p:cTn>
                   </p:par>
                   <p:par>
-                    <p:cTn id="15" fill="hold">
+                    <p:cTn id="10" fill="hold">
                       <p:stCondLst>
                         <p:cond delay="indefinite"/>
                       </p:stCondLst>
                       <p:childTnLst>
                         <p:par>
-                          <p:cTn id="16" fill="hold">
+                          <p:cTn id="11" fill="hold">
                             <p:stCondLst>
                               <p:cond delay="0"/>
                             </p:stCondLst>
                             <p:childTnLst>
                               <p:par>
-                                <p:cTn id="17" presetID="42" presetClass="entr" presetSubtype="0" fill="hold" nodeType="clickEffect">
+                                <p:cTn id="12" presetID="2" presetClass="entr" presetSubtype="4" fill="hold" nodeType="clickEffect">
                                   <p:stCondLst>
                                     <p:cond delay="0"/>
                                   </p:stCondLst>
                                   <p:childTnLst>
                                     <p:set>
                                       <p:cBhvr>
-                                        <p:cTn id="18" dur="1" fill="hold">
+                                        <p:cTn id="13" dur="1" fill="hold">
                                           <p:stCondLst>
                                             <p:cond delay="0"/>
                                           </p:stCondLst>
                                         </p:cTn>
                                         <p:tgtEl>
-                                          <p:spTgt spid="9"/>
+                                          <p:spTgt spid="4"/>
                                         </p:tgtEl>
                                         <p:attrNameLst>
                                           <p:attrName>style.visibility</p:attrName>
@@ -7363,19 +7288,11 @@
                                         <p:strVal val="visible"/>
                                       </p:to>
                                     </p:set>
-                                    <p:animEffect transition="in" filter="fade">
-                                      <p:cBhvr>
-                                        <p:cTn id="19" dur="1000"/>
+                                    <p:anim calcmode="lin" valueType="num">
+                                      <p:cBhvr additive="base">
+                                        <p:cTn id="14" dur="500" fill="hold"/>
                                         <p:tgtEl>
-                                          <p:spTgt spid="9"/>
-                                        </p:tgtEl>
-                                      </p:cBhvr>
-                                    </p:animEffect>
-                                    <p:anim calcmode="lin" valueType="num">
-                                      <p:cBhvr>
-                                        <p:cTn id="20" dur="1000" fill="hold"/>
-                                        <p:tgtEl>
-                                          <p:spTgt spid="9"/>
+                                          <p:spTgt spid="4"/>
                                         </p:tgtEl>
                                         <p:attrNameLst>
                                           <p:attrName>ppt_x</p:attrName>
@@ -7395,10 +7312,10 @@
                                       </p:tavLst>
                                     </p:anim>
                                     <p:anim calcmode="lin" valueType="num">
-                                      <p:cBhvr>
-                                        <p:cTn id="21" dur="1000" fill="hold"/>
+                                      <p:cBhvr additive="base">
+                                        <p:cTn id="15" dur="500" fill="hold"/>
                                         <p:tgtEl>
-                                          <p:spTgt spid="9"/>
+                                          <p:spTgt spid="4"/>
                                         </p:tgtEl>
                                         <p:attrNameLst>
                                           <p:attrName>ppt_y</p:attrName>
@@ -7407,7 +7324,7 @@
                                       <p:tavLst>
                                         <p:tav tm="0">
                                           <p:val>
-                                            <p:strVal val="#ppt_y+.1"/>
+                                            <p:strVal val="1+#ppt_h/2"/>
                                           </p:val>
                                         </p:tav>
                                         <p:tav tm="100000">
@@ -7452,6 +7369,464 @@
 </file>
 
 <file path=ppt/slides/slide13.xml><?xml version="1.0" encoding="utf-8"?>
+<p:sld xmlns:a="http://schemas.openxmlformats.org/drawingml/2006/main" xmlns:r="http://schemas.openxmlformats.org/officeDocument/2006/relationships" xmlns:p="http://schemas.openxmlformats.org/presentationml/2006/main">
+  <p:cSld>
+    <p:spTree>
+      <p:nvGrpSpPr>
+        <p:cNvPr id="1" name=""/>
+        <p:cNvGrpSpPr/>
+        <p:nvPr/>
+      </p:nvGrpSpPr>
+      <p:grpSpPr>
+        <a:xfrm>
+          <a:off x="0" y="0"/>
+          <a:ext cx="0" cy="0"/>
+          <a:chOff x="0" y="0"/>
+          <a:chExt cx="0" cy="0"/>
+        </a:xfrm>
+      </p:grpSpPr>
+      <p:pic>
+        <p:nvPicPr>
+          <p:cNvPr id="5" name="内容占位符 4">
+            <a:extLst>
+              <a:ext uri="{FF2B5EF4-FFF2-40B4-BE49-F238E27FC236}">
+                <a16:creationId xmlns:a16="http://schemas.microsoft.com/office/drawing/2014/main" id="{4733DD24-86A1-4506-A6EB-9996001FC3D8}"/>
+              </a:ext>
+            </a:extLst>
+          </p:cNvPr>
+          <p:cNvPicPr>
+            <a:picLocks noGrp="1" noChangeAspect="1"/>
+          </p:cNvPicPr>
+          <p:nvPr>
+            <p:ph idx="1"/>
+          </p:nvPr>
+        </p:nvPicPr>
+        <p:blipFill>
+          <a:blip r:embed="rId2">
+            <a:extLst>
+              <a:ext uri="{28A0092B-C50C-407E-A947-70E740481C1C}">
+                <a14:useLocalDpi xmlns:a14="http://schemas.microsoft.com/office/drawing/2010/main" val="0"/>
+              </a:ext>
+            </a:extLst>
+          </a:blip>
+          <a:stretch>
+            <a:fillRect/>
+          </a:stretch>
+        </p:blipFill>
+        <p:spPr>
+          <a:xfrm>
+            <a:off x="683638" y="3240740"/>
+            <a:ext cx="4933127" cy="3018031"/>
+          </a:xfrm>
+        </p:spPr>
+      </p:pic>
+      <p:pic>
+        <p:nvPicPr>
+          <p:cNvPr id="7" name="图片 6">
+            <a:extLst>
+              <a:ext uri="{FF2B5EF4-FFF2-40B4-BE49-F238E27FC236}">
+                <a16:creationId xmlns:a16="http://schemas.microsoft.com/office/drawing/2014/main" id="{1F7FCFA6-EA76-40E5-976A-6FE49E49FD0A}"/>
+              </a:ext>
+            </a:extLst>
+          </p:cNvPr>
+          <p:cNvPicPr>
+            <a:picLocks noChangeAspect="1"/>
+          </p:cNvPicPr>
+          <p:nvPr/>
+        </p:nvPicPr>
+        <p:blipFill>
+          <a:blip r:embed="rId3">
+            <a:extLst>
+              <a:ext uri="{28A0092B-C50C-407E-A947-70E740481C1C}">
+                <a14:useLocalDpi xmlns:a14="http://schemas.microsoft.com/office/drawing/2010/main" val="0"/>
+              </a:ext>
+            </a:extLst>
+          </a:blip>
+          <a:stretch>
+            <a:fillRect/>
+          </a:stretch>
+        </p:blipFill>
+        <p:spPr>
+          <a:xfrm>
+            <a:off x="8343131" y="365125"/>
+            <a:ext cx="3165231" cy="5889000"/>
+          </a:xfrm>
+          <a:prstGeom prst="rect">
+            <a:avLst/>
+          </a:prstGeom>
+        </p:spPr>
+      </p:pic>
+      <p:pic>
+        <p:nvPicPr>
+          <p:cNvPr id="9" name="图片 8">
+            <a:extLst>
+              <a:ext uri="{FF2B5EF4-FFF2-40B4-BE49-F238E27FC236}">
+                <a16:creationId xmlns:a16="http://schemas.microsoft.com/office/drawing/2014/main" id="{23CF79D0-9AC0-41A9-AC2A-4D9CF1D9B3DC}"/>
+              </a:ext>
+            </a:extLst>
+          </p:cNvPr>
+          <p:cNvPicPr>
+            <a:picLocks noChangeAspect="1"/>
+          </p:cNvPicPr>
+          <p:nvPr/>
+        </p:nvPicPr>
+        <p:blipFill>
+          <a:blip r:embed="rId4">
+            <a:extLst>
+              <a:ext uri="{28A0092B-C50C-407E-A947-70E740481C1C}">
+                <a14:useLocalDpi xmlns:a14="http://schemas.microsoft.com/office/drawing/2010/main" val="0"/>
+              </a:ext>
+            </a:extLst>
+          </a:blip>
+          <a:stretch>
+            <a:fillRect/>
+          </a:stretch>
+        </p:blipFill>
+        <p:spPr>
+          <a:xfrm>
+            <a:off x="2507570" y="690253"/>
+            <a:ext cx="5651543" cy="2855643"/>
+          </a:xfrm>
+          <a:prstGeom prst="rect">
+            <a:avLst/>
+          </a:prstGeom>
+        </p:spPr>
+      </p:pic>
+      <p:sp>
+        <p:nvSpPr>
+          <p:cNvPr id="10" name="文本框 9">
+            <a:extLst>
+              <a:ext uri="{FF2B5EF4-FFF2-40B4-BE49-F238E27FC236}">
+                <a16:creationId xmlns:a16="http://schemas.microsoft.com/office/drawing/2014/main" id="{53A4C7EC-2FDF-4E9E-8AA2-DD7F5FC64882}"/>
+              </a:ext>
+            </a:extLst>
+          </p:cNvPr>
+          <p:cNvSpPr txBox="1"/>
+          <p:nvPr/>
+        </p:nvSpPr>
+        <p:spPr>
+          <a:xfrm>
+            <a:off x="339405" y="527865"/>
+            <a:ext cx="4336330" cy="646331"/>
+          </a:xfrm>
+          <a:prstGeom prst="rect">
+            <a:avLst/>
+          </a:prstGeom>
+          <a:noFill/>
+        </p:spPr>
+        <p:txBody>
+          <a:bodyPr wrap="square" rtlCol="0">
+            <a:spAutoFit/>
+          </a:bodyPr>
+          <a:lstStyle/>
+          <a:p>
+            <a:r>
+              <a:rPr lang="zh-CN" altLang="en-US" sz="3600" b="1" dirty="0"/>
+              <a:t>目标用户反馈</a:t>
+            </a:r>
+            <a:endParaRPr lang="zh-CN" altLang="en-US" b="1" dirty="0"/>
+          </a:p>
+        </p:txBody>
+      </p:sp>
+    </p:spTree>
+    <p:extLst>
+      <p:ext uri="{BB962C8B-B14F-4D97-AF65-F5344CB8AC3E}">
+        <p14:creationId xmlns:p14="http://schemas.microsoft.com/office/powerpoint/2010/main" val="732616721"/>
+      </p:ext>
+    </p:extLst>
+  </p:cSld>
+  <p:clrMapOvr>
+    <a:masterClrMapping/>
+  </p:clrMapOvr>
+  <mc:AlternateContent xmlns:mc="http://schemas.openxmlformats.org/markup-compatibility/2006">
+    <mc:Choice xmlns:p14="http://schemas.microsoft.com/office/powerpoint/2010/main" Requires="p14">
+      <p:transition spd="med" p14:dur="700">
+        <p:fade/>
+      </p:transition>
+    </mc:Choice>
+    <mc:Fallback>
+      <p:transition spd="med">
+        <p:fade/>
+      </p:transition>
+    </mc:Fallback>
+  </mc:AlternateContent>
+</p:sld>
+</file>
+
+<file path=ppt/slides/slide14.xml><?xml version="1.0" encoding="utf-8"?>
+<p:sld xmlns:a="http://schemas.openxmlformats.org/drawingml/2006/main" xmlns:r="http://schemas.openxmlformats.org/officeDocument/2006/relationships" xmlns:p="http://schemas.openxmlformats.org/presentationml/2006/main">
+  <p:cSld>
+    <p:spTree>
+      <p:nvGrpSpPr>
+        <p:cNvPr id="1" name=""/>
+        <p:cNvGrpSpPr/>
+        <p:nvPr/>
+      </p:nvGrpSpPr>
+      <p:grpSpPr>
+        <a:xfrm>
+          <a:off x="0" y="0"/>
+          <a:ext cx="0" cy="0"/>
+          <a:chOff x="0" y="0"/>
+          <a:chExt cx="0" cy="0"/>
+        </a:xfrm>
+      </p:grpSpPr>
+      <p:pic>
+        <p:nvPicPr>
+          <p:cNvPr id="9" name="内容占位符 8">
+            <a:extLst>
+              <a:ext uri="{FF2B5EF4-FFF2-40B4-BE49-F238E27FC236}">
+                <a16:creationId xmlns:a16="http://schemas.microsoft.com/office/drawing/2014/main" id="{3600B02D-EF6B-4102-B26B-E794D933D045}"/>
+              </a:ext>
+            </a:extLst>
+          </p:cNvPr>
+          <p:cNvPicPr>
+            <a:picLocks noGrp="1" noChangeAspect="1"/>
+          </p:cNvPicPr>
+          <p:nvPr>
+            <p:ph idx="1"/>
+          </p:nvPr>
+        </p:nvPicPr>
+        <p:blipFill>
+          <a:blip r:embed="rId2">
+            <a:extLst>
+              <a:ext uri="{28A0092B-C50C-407E-A947-70E740481C1C}">
+                <a14:useLocalDpi xmlns:a14="http://schemas.microsoft.com/office/drawing/2010/main" val="0"/>
+              </a:ext>
+            </a:extLst>
+          </a:blip>
+          <a:stretch>
+            <a:fillRect/>
+          </a:stretch>
+        </p:blipFill>
+        <p:spPr>
+          <a:xfrm>
+            <a:off x="968739" y="605583"/>
+            <a:ext cx="10254521" cy="5784946"/>
+          </a:xfrm>
+        </p:spPr>
+      </p:pic>
+      <p:pic>
+        <p:nvPicPr>
+          <p:cNvPr id="11" name="图片 10">
+            <a:extLst>
+              <a:ext uri="{FF2B5EF4-FFF2-40B4-BE49-F238E27FC236}">
+                <a16:creationId xmlns:a16="http://schemas.microsoft.com/office/drawing/2014/main" id="{87948ADF-15FE-4521-9765-5FB72E102305}"/>
+              </a:ext>
+            </a:extLst>
+          </p:cNvPr>
+          <p:cNvPicPr>
+            <a:picLocks noChangeAspect="1"/>
+          </p:cNvPicPr>
+          <p:nvPr/>
+        </p:nvPicPr>
+        <p:blipFill>
+          <a:blip r:embed="rId3">
+            <a:extLst>
+              <a:ext uri="{28A0092B-C50C-407E-A947-70E740481C1C}">
+                <a14:useLocalDpi xmlns:a14="http://schemas.microsoft.com/office/drawing/2010/main" val="0"/>
+              </a:ext>
+            </a:extLst>
+          </a:blip>
+          <a:stretch>
+            <a:fillRect/>
+          </a:stretch>
+        </p:blipFill>
+        <p:spPr>
+          <a:xfrm>
+            <a:off x="266194" y="247844"/>
+            <a:ext cx="11659610" cy="6500423"/>
+          </a:xfrm>
+          <a:prstGeom prst="rect">
+            <a:avLst/>
+          </a:prstGeom>
+        </p:spPr>
+      </p:pic>
+      <p:sp>
+        <p:nvSpPr>
+          <p:cNvPr id="12" name="文本框 11">
+            <a:extLst>
+              <a:ext uri="{FF2B5EF4-FFF2-40B4-BE49-F238E27FC236}">
+                <a16:creationId xmlns:a16="http://schemas.microsoft.com/office/drawing/2014/main" id="{510E1BA0-FDE5-48FE-8722-D49743CCE8B0}"/>
+              </a:ext>
+            </a:extLst>
+          </p:cNvPr>
+          <p:cNvSpPr txBox="1"/>
+          <p:nvPr/>
+        </p:nvSpPr>
+        <p:spPr>
+          <a:xfrm>
+            <a:off x="511211" y="467471"/>
+            <a:ext cx="4336330" cy="646331"/>
+          </a:xfrm>
+          <a:prstGeom prst="rect">
+            <a:avLst/>
+          </a:prstGeom>
+          <a:noFill/>
+        </p:spPr>
+        <p:txBody>
+          <a:bodyPr wrap="square" rtlCol="0">
+            <a:spAutoFit/>
+          </a:bodyPr>
+          <a:lstStyle/>
+          <a:p>
+            <a:r>
+              <a:rPr lang="zh-CN" altLang="en-US" sz="3600" b="1" dirty="0"/>
+              <a:t>修改后</a:t>
+            </a:r>
+            <a:endParaRPr lang="zh-CN" altLang="en-US" b="1" dirty="0"/>
+          </a:p>
+        </p:txBody>
+      </p:sp>
+    </p:spTree>
+    <p:extLst>
+      <p:ext uri="{BB962C8B-B14F-4D97-AF65-F5344CB8AC3E}">
+        <p14:creationId xmlns:p14="http://schemas.microsoft.com/office/powerpoint/2010/main" val="374044181"/>
+      </p:ext>
+    </p:extLst>
+  </p:cSld>
+  <p:clrMapOvr>
+    <a:masterClrMapping/>
+  </p:clrMapOvr>
+  <p:timing>
+    <p:tnLst>
+      <p:par>
+        <p:cTn id="1" dur="indefinite" restart="never" nodeType="tmRoot">
+          <p:childTnLst>
+            <p:seq concurrent="1" nextAc="seek">
+              <p:cTn id="2" dur="indefinite" nodeType="mainSeq">
+                <p:childTnLst>
+                  <p:par>
+                    <p:cTn id="3" fill="hold">
+                      <p:stCondLst>
+                        <p:cond delay="indefinite"/>
+                      </p:stCondLst>
+                      <p:childTnLst>
+                        <p:par>
+                          <p:cTn id="4" fill="hold">
+                            <p:stCondLst>
+                              <p:cond delay="0"/>
+                            </p:stCondLst>
+                            <p:childTnLst>
+                              <p:par>
+                                <p:cTn id="5" presetID="10" presetClass="entr" presetSubtype="0" fill="hold" nodeType="clickEffect">
+                                  <p:stCondLst>
+                                    <p:cond delay="0"/>
+                                  </p:stCondLst>
+                                  <p:childTnLst>
+                                    <p:set>
+                                      <p:cBhvr>
+                                        <p:cTn id="6" dur="1" fill="hold">
+                                          <p:stCondLst>
+                                            <p:cond delay="0"/>
+                                          </p:stCondLst>
+                                        </p:cTn>
+                                        <p:tgtEl>
+                                          <p:spTgt spid="9"/>
+                                        </p:tgtEl>
+                                        <p:attrNameLst>
+                                          <p:attrName>style.visibility</p:attrName>
+                                        </p:attrNameLst>
+                                      </p:cBhvr>
+                                      <p:to>
+                                        <p:strVal val="visible"/>
+                                      </p:to>
+                                    </p:set>
+                                    <p:animEffect transition="in" filter="fade">
+                                      <p:cBhvr>
+                                        <p:cTn id="7" dur="500"/>
+                                        <p:tgtEl>
+                                          <p:spTgt spid="9"/>
+                                        </p:tgtEl>
+                                      </p:cBhvr>
+                                    </p:animEffect>
+                                  </p:childTnLst>
+                                </p:cTn>
+                              </p:par>
+                            </p:childTnLst>
+                          </p:cTn>
+                        </p:par>
+                      </p:childTnLst>
+                    </p:cTn>
+                  </p:par>
+                  <p:par>
+                    <p:cTn id="8" fill="hold">
+                      <p:stCondLst>
+                        <p:cond delay="indefinite"/>
+                      </p:stCondLst>
+                      <p:childTnLst>
+                        <p:par>
+                          <p:cTn id="9" fill="hold">
+                            <p:stCondLst>
+                              <p:cond delay="0"/>
+                            </p:stCondLst>
+                            <p:childTnLst>
+                              <p:par>
+                                <p:cTn id="10" presetID="10" presetClass="entr" presetSubtype="0" fill="hold" nodeType="clickEffect">
+                                  <p:stCondLst>
+                                    <p:cond delay="0"/>
+                                  </p:stCondLst>
+                                  <p:childTnLst>
+                                    <p:set>
+                                      <p:cBhvr>
+                                        <p:cTn id="11" dur="1" fill="hold">
+                                          <p:stCondLst>
+                                            <p:cond delay="0"/>
+                                          </p:stCondLst>
+                                        </p:cTn>
+                                        <p:tgtEl>
+                                          <p:spTgt spid="11"/>
+                                        </p:tgtEl>
+                                        <p:attrNameLst>
+                                          <p:attrName>style.visibility</p:attrName>
+                                        </p:attrNameLst>
+                                      </p:cBhvr>
+                                      <p:to>
+                                        <p:strVal val="visible"/>
+                                      </p:to>
+                                    </p:set>
+                                    <p:animEffect transition="in" filter="fade">
+                                      <p:cBhvr>
+                                        <p:cTn id="12" dur="500"/>
+                                        <p:tgtEl>
+                                          <p:spTgt spid="11"/>
+                                        </p:tgtEl>
+                                      </p:cBhvr>
+                                    </p:animEffect>
+                                  </p:childTnLst>
+                                </p:cTn>
+                              </p:par>
+                            </p:childTnLst>
+                          </p:cTn>
+                        </p:par>
+                      </p:childTnLst>
+                    </p:cTn>
+                  </p:par>
+                </p:childTnLst>
+              </p:cTn>
+              <p:prevCondLst>
+                <p:cond evt="onPrev" delay="0">
+                  <p:tgtEl>
+                    <p:sldTgt/>
+                  </p:tgtEl>
+                </p:cond>
+              </p:prevCondLst>
+              <p:nextCondLst>
+                <p:cond evt="onNext" delay="0">
+                  <p:tgtEl>
+                    <p:sldTgt/>
+                  </p:tgtEl>
+                </p:cond>
+              </p:nextCondLst>
+            </p:seq>
+          </p:childTnLst>
+        </p:cTn>
+      </p:par>
+    </p:tnLst>
+  </p:timing>
+</p:sld>
+</file>
+
+<file path=ppt/slides/slide15.xml><?xml version="1.0" encoding="utf-8"?>
 <p:sld xmlns:a="http://schemas.openxmlformats.org/drawingml/2006/main" xmlns:r="http://schemas.openxmlformats.org/officeDocument/2006/relationships" xmlns:p="http://schemas.openxmlformats.org/presentationml/2006/main">
   <p:cSld>
     <p:spTree>
@@ -8379,7 +8754,7 @@
 </p:sld>
 </file>
 
-<file path=ppt/slides/slide14.xml><?xml version="1.0" encoding="utf-8"?>
+<file path=ppt/slides/slide16.xml><?xml version="1.0" encoding="utf-8"?>
 <p:sld xmlns:a="http://schemas.openxmlformats.org/drawingml/2006/main" xmlns:r="http://schemas.openxmlformats.org/officeDocument/2006/relationships" xmlns:p="http://schemas.openxmlformats.org/presentationml/2006/main">
   <p:cSld>
     <p:spTree>
@@ -8594,7 +8969,7 @@
 </p:sld>
 </file>
 
-<file path=ppt/slides/slide15.xml><?xml version="1.0" encoding="utf-8"?>
+<file path=ppt/slides/slide17.xml><?xml version="1.0" encoding="utf-8"?>
 <p:sld xmlns:a="http://schemas.openxmlformats.org/drawingml/2006/main" xmlns:r="http://schemas.openxmlformats.org/officeDocument/2006/relationships" xmlns:p="http://schemas.openxmlformats.org/presentationml/2006/main">
   <p:cSld>
     <p:spTree>
@@ -8699,7 +9074,7 @@
 </p:sld>
 </file>
 
-<file path=ppt/slides/slide16.xml><?xml version="1.0" encoding="utf-8"?>
+<file path=ppt/slides/slide18.xml><?xml version="1.0" encoding="utf-8"?>
 <p:sld xmlns:a="http://schemas.openxmlformats.org/drawingml/2006/main" xmlns:r="http://schemas.openxmlformats.org/officeDocument/2006/relationships" xmlns:p="http://schemas.openxmlformats.org/presentationml/2006/main">
   <p:cSld>
     <p:spTree>
@@ -9608,7 +9983,7 @@
 </p:sld>
 </file>
 
-<file path=ppt/slides/slide17.xml><?xml version="1.0" encoding="utf-8"?>
+<file path=ppt/slides/slide19.xml><?xml version="1.0" encoding="utf-8"?>
 <p:sld xmlns:a="http://schemas.openxmlformats.org/drawingml/2006/main" xmlns:r="http://schemas.openxmlformats.org/officeDocument/2006/relationships" xmlns:p="http://schemas.openxmlformats.org/presentationml/2006/main">
   <p:cSld>
     <p:spTree>
@@ -9721,240 +10096,6 @@
   <p:transition spd="med">
     <p:pull/>
   </p:transition>
-</p:sld>
-</file>
-
-<file path=ppt/slides/slide18.xml><?xml version="1.0" encoding="utf-8"?>
-<p:sld xmlns:a="http://schemas.openxmlformats.org/drawingml/2006/main" xmlns:r="http://schemas.openxmlformats.org/officeDocument/2006/relationships" xmlns:p="http://schemas.openxmlformats.org/presentationml/2006/main">
-  <p:cSld>
-    <p:spTree>
-      <p:nvGrpSpPr>
-        <p:cNvPr id="1" name=""/>
-        <p:cNvGrpSpPr/>
-        <p:nvPr/>
-      </p:nvGrpSpPr>
-      <p:grpSpPr>
-        <a:xfrm>
-          <a:off x="0" y="0"/>
-          <a:ext cx="0" cy="0"/>
-          <a:chOff x="0" y="0"/>
-          <a:chExt cx="0" cy="0"/>
-        </a:xfrm>
-      </p:grpSpPr>
-      <p:pic>
-        <p:nvPicPr>
-          <p:cNvPr id="4" name="图片 3">
-            <a:extLst>
-              <a:ext uri="{FF2B5EF4-FFF2-40B4-BE49-F238E27FC236}">
-                <a16:creationId xmlns:a16="http://schemas.microsoft.com/office/drawing/2014/main" id="{6F1F5C21-FB6C-4EE0-B8DC-FE856CA4D11B}"/>
-              </a:ext>
-            </a:extLst>
-          </p:cNvPr>
-          <p:cNvPicPr/>
-          <p:nvPr/>
-        </p:nvPicPr>
-        <p:blipFill>
-          <a:blip r:embed="rId2">
-            <a:extLst>
-              <a:ext uri="{28A0092B-C50C-407E-A947-70E740481C1C}">
-                <a14:useLocalDpi xmlns:a14="http://schemas.microsoft.com/office/drawing/2010/main" val="0"/>
-              </a:ext>
-            </a:extLst>
-          </a:blip>
-          <a:srcRect/>
-          <a:stretch>
-            <a:fillRect/>
-          </a:stretch>
-        </p:blipFill>
-        <p:spPr bwMode="auto">
-          <a:xfrm>
-            <a:off x="3459479" y="1341119"/>
-            <a:ext cx="6888169" cy="5013027"/>
-          </a:xfrm>
-          <a:prstGeom prst="rect">
-            <a:avLst/>
-          </a:prstGeom>
-          <a:noFill/>
-          <a:ln>
-            <a:noFill/>
-          </a:ln>
-        </p:spPr>
-      </p:pic>
-      <p:sp>
-        <p:nvSpPr>
-          <p:cNvPr id="5" name="文本框 4">
-            <a:extLst>
-              <a:ext uri="{FF2B5EF4-FFF2-40B4-BE49-F238E27FC236}">
-                <a16:creationId xmlns:a16="http://schemas.microsoft.com/office/drawing/2014/main" id="{85D595A6-9543-4919-AD30-FEA2AB3960D8}"/>
-              </a:ext>
-            </a:extLst>
-          </p:cNvPr>
-          <p:cNvSpPr txBox="1"/>
-          <p:nvPr/>
-        </p:nvSpPr>
-        <p:spPr>
-          <a:xfrm>
-            <a:off x="556181" y="452487"/>
-            <a:ext cx="4336330" cy="646331"/>
-          </a:xfrm>
-          <a:prstGeom prst="rect">
-            <a:avLst/>
-          </a:prstGeom>
-          <a:noFill/>
-        </p:spPr>
-        <p:txBody>
-          <a:bodyPr wrap="square" rtlCol="0">
-            <a:spAutoFit/>
-          </a:bodyPr>
-          <a:lstStyle/>
-          <a:p>
-            <a:r>
-              <a:rPr lang="zh-CN" altLang="en-US" sz="3600" b="1" dirty="0"/>
-              <a:t>层次方框图</a:t>
-            </a:r>
-            <a:endParaRPr lang="zh-CN" altLang="en-US" b="1" dirty="0"/>
-          </a:p>
-        </p:txBody>
-      </p:sp>
-    </p:spTree>
-    <p:extLst>
-      <p:ext uri="{BB962C8B-B14F-4D97-AF65-F5344CB8AC3E}">
-        <p14:creationId xmlns:p14="http://schemas.microsoft.com/office/powerpoint/2010/main" val="470010874"/>
-      </p:ext>
-    </p:extLst>
-  </p:cSld>
-  <p:clrMapOvr>
-    <a:masterClrMapping/>
-  </p:clrMapOvr>
-  <mc:AlternateContent xmlns:mc="http://schemas.openxmlformats.org/markup-compatibility/2006" xmlns:p14="http://schemas.microsoft.com/office/powerpoint/2010/main">
-    <mc:Choice Requires="p14">
-      <p:transition spd="slow" p14:dur="800">
-        <p:circle/>
-      </p:transition>
-    </mc:Choice>
-    <mc:Fallback xmlns="">
-      <p:transition spd="slow">
-        <p:circle/>
-      </p:transition>
-    </mc:Fallback>
-  </mc:AlternateContent>
-</p:sld>
-</file>
-
-<file path=ppt/slides/slide19.xml><?xml version="1.0" encoding="utf-8"?>
-<p:sld xmlns:a="http://schemas.openxmlformats.org/drawingml/2006/main" xmlns:r="http://schemas.openxmlformats.org/officeDocument/2006/relationships" xmlns:p="http://schemas.openxmlformats.org/presentationml/2006/main">
-  <p:cSld>
-    <p:spTree>
-      <p:nvGrpSpPr>
-        <p:cNvPr id="1" name=""/>
-        <p:cNvGrpSpPr/>
-        <p:nvPr/>
-      </p:nvGrpSpPr>
-      <p:grpSpPr>
-        <a:xfrm>
-          <a:off x="0" y="0"/>
-          <a:ext cx="0" cy="0"/>
-          <a:chOff x="0" y="0"/>
-          <a:chExt cx="0" cy="0"/>
-        </a:xfrm>
-      </p:grpSpPr>
-      <p:pic>
-        <p:nvPicPr>
-          <p:cNvPr id="4" name="图片 3">
-            <a:extLst>
-              <a:ext uri="{FF2B5EF4-FFF2-40B4-BE49-F238E27FC236}">
-                <a16:creationId xmlns:a16="http://schemas.microsoft.com/office/drawing/2014/main" id="{7149751B-51A7-4D21-A19E-05BC0843ED9F}"/>
-              </a:ext>
-            </a:extLst>
-          </p:cNvPr>
-          <p:cNvPicPr/>
-          <p:nvPr/>
-        </p:nvPicPr>
-        <p:blipFill>
-          <a:blip r:embed="rId2">
-            <a:extLst>
-              <a:ext uri="{28A0092B-C50C-407E-A947-70E740481C1C}">
-                <a14:useLocalDpi xmlns:a14="http://schemas.microsoft.com/office/drawing/2010/main" val="0"/>
-              </a:ext>
-            </a:extLst>
-          </a:blip>
-          <a:srcRect/>
-          <a:stretch>
-            <a:fillRect/>
-          </a:stretch>
-        </p:blipFill>
-        <p:spPr bwMode="auto">
-          <a:xfrm>
-            <a:off x="4308564" y="905303"/>
-            <a:ext cx="5936447" cy="5439514"/>
-          </a:xfrm>
-          <a:prstGeom prst="rect">
-            <a:avLst/>
-          </a:prstGeom>
-          <a:noFill/>
-          <a:ln>
-            <a:noFill/>
-          </a:ln>
-        </p:spPr>
-      </p:pic>
-      <p:sp>
-        <p:nvSpPr>
-          <p:cNvPr id="5" name="文本框 4">
-            <a:extLst>
-              <a:ext uri="{FF2B5EF4-FFF2-40B4-BE49-F238E27FC236}">
-                <a16:creationId xmlns:a16="http://schemas.microsoft.com/office/drawing/2014/main" id="{76470C62-A7B9-4936-A0FA-0C8BAD234527}"/>
-              </a:ext>
-            </a:extLst>
-          </p:cNvPr>
-          <p:cNvSpPr txBox="1"/>
-          <p:nvPr/>
-        </p:nvSpPr>
-        <p:spPr>
-          <a:xfrm>
-            <a:off x="556181" y="452487"/>
-            <a:ext cx="4336330" cy="646331"/>
-          </a:xfrm>
-          <a:prstGeom prst="rect">
-            <a:avLst/>
-          </a:prstGeom>
-          <a:noFill/>
-        </p:spPr>
-        <p:txBody>
-          <a:bodyPr wrap="square" rtlCol="0">
-            <a:spAutoFit/>
-          </a:bodyPr>
-          <a:lstStyle/>
-          <a:p>
-            <a:r>
-              <a:rPr lang="zh-CN" altLang="en-US" sz="3600" b="1" dirty="0"/>
-              <a:t>状态图</a:t>
-            </a:r>
-            <a:endParaRPr lang="zh-CN" altLang="en-US" b="1" dirty="0"/>
-          </a:p>
-        </p:txBody>
-      </p:sp>
-    </p:spTree>
-    <p:extLst>
-      <p:ext uri="{BB962C8B-B14F-4D97-AF65-F5344CB8AC3E}">
-        <p14:creationId xmlns:p14="http://schemas.microsoft.com/office/powerpoint/2010/main" val="3139613117"/>
-      </p:ext>
-    </p:extLst>
-  </p:cSld>
-  <p:clrMapOvr>
-    <a:masterClrMapping/>
-  </p:clrMapOvr>
-  <mc:AlternateContent xmlns:mc="http://schemas.openxmlformats.org/markup-compatibility/2006" xmlns:p14="http://schemas.microsoft.com/office/powerpoint/2010/main">
-    <mc:Choice Requires="p14">
-      <p:transition spd="slow" p14:dur="800">
-        <p:circle/>
-      </p:transition>
-    </mc:Choice>
-    <mc:Fallback xmlns="">
-      <p:transition spd="slow">
-        <p:circle/>
-      </p:transition>
-    </mc:Fallback>
-  </mc:AlternateContent>
 </p:sld>
 </file>
 
@@ -11416,6 +11557,240 @@
 </file>
 
 <file path=ppt/slides/slide20.xml><?xml version="1.0" encoding="utf-8"?>
+<p:sld xmlns:a="http://schemas.openxmlformats.org/drawingml/2006/main" xmlns:r="http://schemas.openxmlformats.org/officeDocument/2006/relationships" xmlns:p="http://schemas.openxmlformats.org/presentationml/2006/main">
+  <p:cSld>
+    <p:spTree>
+      <p:nvGrpSpPr>
+        <p:cNvPr id="1" name=""/>
+        <p:cNvGrpSpPr/>
+        <p:nvPr/>
+      </p:nvGrpSpPr>
+      <p:grpSpPr>
+        <a:xfrm>
+          <a:off x="0" y="0"/>
+          <a:ext cx="0" cy="0"/>
+          <a:chOff x="0" y="0"/>
+          <a:chExt cx="0" cy="0"/>
+        </a:xfrm>
+      </p:grpSpPr>
+      <p:pic>
+        <p:nvPicPr>
+          <p:cNvPr id="4" name="图片 3">
+            <a:extLst>
+              <a:ext uri="{FF2B5EF4-FFF2-40B4-BE49-F238E27FC236}">
+                <a16:creationId xmlns:a16="http://schemas.microsoft.com/office/drawing/2014/main" id="{6F1F5C21-FB6C-4EE0-B8DC-FE856CA4D11B}"/>
+              </a:ext>
+            </a:extLst>
+          </p:cNvPr>
+          <p:cNvPicPr/>
+          <p:nvPr/>
+        </p:nvPicPr>
+        <p:blipFill>
+          <a:blip r:embed="rId2">
+            <a:extLst>
+              <a:ext uri="{28A0092B-C50C-407E-A947-70E740481C1C}">
+                <a14:useLocalDpi xmlns:a14="http://schemas.microsoft.com/office/drawing/2010/main" val="0"/>
+              </a:ext>
+            </a:extLst>
+          </a:blip>
+          <a:srcRect/>
+          <a:stretch>
+            <a:fillRect/>
+          </a:stretch>
+        </p:blipFill>
+        <p:spPr bwMode="auto">
+          <a:xfrm>
+            <a:off x="3459479" y="1341119"/>
+            <a:ext cx="6888169" cy="5013027"/>
+          </a:xfrm>
+          <a:prstGeom prst="rect">
+            <a:avLst/>
+          </a:prstGeom>
+          <a:noFill/>
+          <a:ln>
+            <a:noFill/>
+          </a:ln>
+        </p:spPr>
+      </p:pic>
+      <p:sp>
+        <p:nvSpPr>
+          <p:cNvPr id="5" name="文本框 4">
+            <a:extLst>
+              <a:ext uri="{FF2B5EF4-FFF2-40B4-BE49-F238E27FC236}">
+                <a16:creationId xmlns:a16="http://schemas.microsoft.com/office/drawing/2014/main" id="{85D595A6-9543-4919-AD30-FEA2AB3960D8}"/>
+              </a:ext>
+            </a:extLst>
+          </p:cNvPr>
+          <p:cNvSpPr txBox="1"/>
+          <p:nvPr/>
+        </p:nvSpPr>
+        <p:spPr>
+          <a:xfrm>
+            <a:off x="556181" y="452487"/>
+            <a:ext cx="4336330" cy="646331"/>
+          </a:xfrm>
+          <a:prstGeom prst="rect">
+            <a:avLst/>
+          </a:prstGeom>
+          <a:noFill/>
+        </p:spPr>
+        <p:txBody>
+          <a:bodyPr wrap="square" rtlCol="0">
+            <a:spAutoFit/>
+          </a:bodyPr>
+          <a:lstStyle/>
+          <a:p>
+            <a:r>
+              <a:rPr lang="zh-CN" altLang="en-US" sz="3600" b="1" dirty="0"/>
+              <a:t>层次方框图</a:t>
+            </a:r>
+            <a:endParaRPr lang="zh-CN" altLang="en-US" b="1" dirty="0"/>
+          </a:p>
+        </p:txBody>
+      </p:sp>
+    </p:spTree>
+    <p:extLst>
+      <p:ext uri="{BB962C8B-B14F-4D97-AF65-F5344CB8AC3E}">
+        <p14:creationId xmlns:p14="http://schemas.microsoft.com/office/powerpoint/2010/main" val="470010874"/>
+      </p:ext>
+    </p:extLst>
+  </p:cSld>
+  <p:clrMapOvr>
+    <a:masterClrMapping/>
+  </p:clrMapOvr>
+  <mc:AlternateContent xmlns:mc="http://schemas.openxmlformats.org/markup-compatibility/2006" xmlns:p14="http://schemas.microsoft.com/office/powerpoint/2010/main">
+    <mc:Choice Requires="p14">
+      <p:transition spd="slow" p14:dur="800">
+        <p:circle/>
+      </p:transition>
+    </mc:Choice>
+    <mc:Fallback xmlns="">
+      <p:transition spd="slow">
+        <p:circle/>
+      </p:transition>
+    </mc:Fallback>
+  </mc:AlternateContent>
+</p:sld>
+</file>
+
+<file path=ppt/slides/slide21.xml><?xml version="1.0" encoding="utf-8"?>
+<p:sld xmlns:a="http://schemas.openxmlformats.org/drawingml/2006/main" xmlns:r="http://schemas.openxmlformats.org/officeDocument/2006/relationships" xmlns:p="http://schemas.openxmlformats.org/presentationml/2006/main">
+  <p:cSld>
+    <p:spTree>
+      <p:nvGrpSpPr>
+        <p:cNvPr id="1" name=""/>
+        <p:cNvGrpSpPr/>
+        <p:nvPr/>
+      </p:nvGrpSpPr>
+      <p:grpSpPr>
+        <a:xfrm>
+          <a:off x="0" y="0"/>
+          <a:ext cx="0" cy="0"/>
+          <a:chOff x="0" y="0"/>
+          <a:chExt cx="0" cy="0"/>
+        </a:xfrm>
+      </p:grpSpPr>
+      <p:pic>
+        <p:nvPicPr>
+          <p:cNvPr id="4" name="图片 3">
+            <a:extLst>
+              <a:ext uri="{FF2B5EF4-FFF2-40B4-BE49-F238E27FC236}">
+                <a16:creationId xmlns:a16="http://schemas.microsoft.com/office/drawing/2014/main" id="{7149751B-51A7-4D21-A19E-05BC0843ED9F}"/>
+              </a:ext>
+            </a:extLst>
+          </p:cNvPr>
+          <p:cNvPicPr/>
+          <p:nvPr/>
+        </p:nvPicPr>
+        <p:blipFill>
+          <a:blip r:embed="rId2">
+            <a:extLst>
+              <a:ext uri="{28A0092B-C50C-407E-A947-70E740481C1C}">
+                <a14:useLocalDpi xmlns:a14="http://schemas.microsoft.com/office/drawing/2010/main" val="0"/>
+              </a:ext>
+            </a:extLst>
+          </a:blip>
+          <a:srcRect/>
+          <a:stretch>
+            <a:fillRect/>
+          </a:stretch>
+        </p:blipFill>
+        <p:spPr bwMode="auto">
+          <a:xfrm>
+            <a:off x="4308564" y="905303"/>
+            <a:ext cx="5936447" cy="5439514"/>
+          </a:xfrm>
+          <a:prstGeom prst="rect">
+            <a:avLst/>
+          </a:prstGeom>
+          <a:noFill/>
+          <a:ln>
+            <a:noFill/>
+          </a:ln>
+        </p:spPr>
+      </p:pic>
+      <p:sp>
+        <p:nvSpPr>
+          <p:cNvPr id="5" name="文本框 4">
+            <a:extLst>
+              <a:ext uri="{FF2B5EF4-FFF2-40B4-BE49-F238E27FC236}">
+                <a16:creationId xmlns:a16="http://schemas.microsoft.com/office/drawing/2014/main" id="{76470C62-A7B9-4936-A0FA-0C8BAD234527}"/>
+              </a:ext>
+            </a:extLst>
+          </p:cNvPr>
+          <p:cNvSpPr txBox="1"/>
+          <p:nvPr/>
+        </p:nvSpPr>
+        <p:spPr>
+          <a:xfrm>
+            <a:off x="556181" y="452487"/>
+            <a:ext cx="4336330" cy="646331"/>
+          </a:xfrm>
+          <a:prstGeom prst="rect">
+            <a:avLst/>
+          </a:prstGeom>
+          <a:noFill/>
+        </p:spPr>
+        <p:txBody>
+          <a:bodyPr wrap="square" rtlCol="0">
+            <a:spAutoFit/>
+          </a:bodyPr>
+          <a:lstStyle/>
+          <a:p>
+            <a:r>
+              <a:rPr lang="zh-CN" altLang="en-US" sz="3600" b="1" dirty="0"/>
+              <a:t>状态图</a:t>
+            </a:r>
+            <a:endParaRPr lang="zh-CN" altLang="en-US" b="1" dirty="0"/>
+          </a:p>
+        </p:txBody>
+      </p:sp>
+    </p:spTree>
+    <p:extLst>
+      <p:ext uri="{BB962C8B-B14F-4D97-AF65-F5344CB8AC3E}">
+        <p14:creationId xmlns:p14="http://schemas.microsoft.com/office/powerpoint/2010/main" val="3139613117"/>
+      </p:ext>
+    </p:extLst>
+  </p:cSld>
+  <p:clrMapOvr>
+    <a:masterClrMapping/>
+  </p:clrMapOvr>
+  <mc:AlternateContent xmlns:mc="http://schemas.openxmlformats.org/markup-compatibility/2006" xmlns:p14="http://schemas.microsoft.com/office/powerpoint/2010/main">
+    <mc:Choice Requires="p14">
+      <p:transition spd="slow" p14:dur="800">
+        <p:circle/>
+      </p:transition>
+    </mc:Choice>
+    <mc:Fallback xmlns="">
+      <p:transition spd="slow">
+        <p:circle/>
+      </p:transition>
+    </mc:Fallback>
+  </mc:AlternateContent>
+</p:sld>
+</file>
+
+<file path=ppt/slides/slide22.xml><?xml version="1.0" encoding="utf-8"?>
 <p:sld xmlns:a="http://schemas.openxmlformats.org/drawingml/2006/main" xmlns:r="http://schemas.openxmlformats.org/officeDocument/2006/relationships" xmlns:p="http://schemas.openxmlformats.org/presentationml/2006/main">
   <p:cSld>
     <p:spTree>
@@ -11955,7 +12330,7 @@
 </p:sld>
 </file>
 
-<file path=ppt/slides/slide21.xml><?xml version="1.0" encoding="utf-8"?>
+<file path=ppt/slides/slide23.xml><?xml version="1.0" encoding="utf-8"?>
 <p:sld xmlns:a="http://schemas.openxmlformats.org/drawingml/2006/main" xmlns:r="http://schemas.openxmlformats.org/officeDocument/2006/relationships" xmlns:p="http://schemas.openxmlformats.org/presentationml/2006/main">
   <p:cSld>
     <p:spTree>
@@ -12078,7 +12453,7 @@
 </p:sld>
 </file>
 
-<file path=ppt/slides/slide22.xml><?xml version="1.0" encoding="utf-8"?>
+<file path=ppt/slides/slide24.xml><?xml version="1.0" encoding="utf-8"?>
 <p:sld xmlns:a="http://schemas.openxmlformats.org/drawingml/2006/main" xmlns:r="http://schemas.openxmlformats.org/officeDocument/2006/relationships" xmlns:p="http://schemas.openxmlformats.org/presentationml/2006/main">
   <p:cSld>
     <p:spTree>
@@ -12133,10 +12508,10 @@
       </p:sp>
       <p:pic>
         <p:nvPicPr>
-          <p:cNvPr id="4" name="图片 3">
+          <p:cNvPr id="3" name="图片 2">
             <a:extLst>
               <a:ext uri="{FF2B5EF4-FFF2-40B4-BE49-F238E27FC236}">
-                <a16:creationId xmlns:a16="http://schemas.microsoft.com/office/drawing/2014/main" id="{4D681D0E-BE77-496D-9711-8AD0A3753824}"/>
+                <a16:creationId xmlns:a16="http://schemas.microsoft.com/office/drawing/2014/main" id="{31F29CCE-7D62-4716-82EB-52E32F30FA70}"/>
               </a:ext>
             </a:extLst>
           </p:cNvPr>
@@ -12159,8 +12534,8 @@
         </p:blipFill>
         <p:spPr>
           <a:xfrm>
-            <a:off x="387026" y="1098818"/>
-            <a:ext cx="11417948" cy="4999278"/>
+            <a:off x="556181" y="1422032"/>
+            <a:ext cx="11053342" cy="4004407"/>
           </a:xfrm>
           <a:prstGeom prst="rect">
             <a:avLst/>
@@ -12192,7 +12567,7 @@
 </p:sld>
 </file>
 
-<file path=ppt/slides/slide23.xml><?xml version="1.0" encoding="utf-8"?>
+<file path=ppt/slides/slide25.xml><?xml version="1.0" encoding="utf-8"?>
 <p:sld xmlns:a="http://schemas.openxmlformats.org/drawingml/2006/main" xmlns:r="http://schemas.openxmlformats.org/officeDocument/2006/relationships" xmlns:p="http://schemas.openxmlformats.org/presentationml/2006/main">
   <p:cSld>
     <p:spTree>
@@ -13120,7 +13495,7 @@
 </p:sld>
 </file>
 
-<file path=ppt/slides/slide24.xml><?xml version="1.0" encoding="utf-8"?>
+<file path=ppt/slides/slide26.xml><?xml version="1.0" encoding="utf-8"?>
 <p:sld xmlns:a="http://schemas.openxmlformats.org/drawingml/2006/main" xmlns:r="http://schemas.openxmlformats.org/officeDocument/2006/relationships" xmlns:p="http://schemas.openxmlformats.org/presentationml/2006/main">
   <p:cSld>
     <p:spTree>
@@ -13401,7 +13776,7 @@
 </p:sld>
 </file>
 
-<file path=ppt/slides/slide25.xml><?xml version="1.0" encoding="utf-8"?>
+<file path=ppt/slides/slide27.xml><?xml version="1.0" encoding="utf-8"?>
 <p:sld xmlns:a="http://schemas.openxmlformats.org/drawingml/2006/main" xmlns:r="http://schemas.openxmlformats.org/officeDocument/2006/relationships" xmlns:p="http://schemas.openxmlformats.org/presentationml/2006/main">
   <p:cSld>
     <p:spTree>
@@ -13695,7 +14070,7 @@
 </p:sld>
 </file>
 
-<file path=ppt/slides/slide26.xml><?xml version="1.0" encoding="utf-8"?>
+<file path=ppt/slides/slide28.xml><?xml version="1.0" encoding="utf-8"?>
 <p:sld xmlns:a="http://schemas.openxmlformats.org/drawingml/2006/main" xmlns:r="http://schemas.openxmlformats.org/officeDocument/2006/relationships" xmlns:p="http://schemas.openxmlformats.org/presentationml/2006/main">
   <p:cSld>
     <p:spTree>

--- a/需求规格说明.pptx
+++ b/需求规格说明.pptx
@@ -7538,13 +7538,13 @@
   <p:clrMapOvr>
     <a:masterClrMapping/>
   </p:clrMapOvr>
-  <mc:AlternateContent xmlns:mc="http://schemas.openxmlformats.org/markup-compatibility/2006">
-    <mc:Choice xmlns:p14="http://schemas.microsoft.com/office/powerpoint/2010/main" Requires="p14">
+  <mc:AlternateContent xmlns:mc="http://schemas.openxmlformats.org/markup-compatibility/2006" xmlns:p14="http://schemas.microsoft.com/office/powerpoint/2010/main">
+    <mc:Choice Requires="p14">
       <p:transition spd="med" p14:dur="700">
         <p:fade/>
       </p:transition>
     </mc:Choice>
-    <mc:Fallback>
+    <mc:Fallback xmlns="">
       <p:transition spd="med">
         <p:fade/>
       </p:transition>
@@ -13940,6 +13940,14 @@
               <a:rPr lang="zh-CN" altLang="zh-CN" dirty="0"/>
               <a:t>明确用户类别和用户代表</a:t>
             </a:r>
+            <a:r>
+              <a:rPr lang="en-US" altLang="zh-CN" dirty="0"/>
+              <a:t> 80</a:t>
+            </a:r>
+            <a:r>
+              <a:rPr lang="zh-CN" altLang="en-US" dirty="0"/>
+              <a:t>分</a:t>
+            </a:r>
             <a:endParaRPr lang="en-US" altLang="zh-CN" sz="2400" dirty="0"/>
           </a:p>
           <a:p>
@@ -13961,7 +13969,15 @@
             </a:r>
             <a:r>
               <a:rPr lang="zh-CN" altLang="en-US" dirty="0"/>
-              <a:t>制作</a:t>
+              <a:t>制作  </a:t>
+            </a:r>
+            <a:r>
+              <a:rPr lang="en-US" altLang="zh-CN" dirty="0"/>
+              <a:t>85</a:t>
+            </a:r>
+            <a:r>
+              <a:rPr lang="zh-CN" altLang="en-US" dirty="0"/>
+              <a:t>分</a:t>
             </a:r>
             <a:endParaRPr lang="en-US" altLang="zh-CN" sz="2400" dirty="0"/>
           </a:p>
@@ -13994,7 +14010,14 @@
               <a:rPr lang="zh-CN" altLang="zh-CN" dirty="0"/>
               <a:t>制作</a:t>
             </a:r>
-            <a:endParaRPr lang="zh-CN" altLang="en-US" dirty="0"/>
+            <a:r>
+              <a:rPr lang="en-US" altLang="zh-CN" dirty="0"/>
+              <a:t>  88</a:t>
+            </a:r>
+            <a:r>
+              <a:rPr lang="zh-CN" altLang="en-US" dirty="0"/>
+              <a:t>分</a:t>
+            </a:r>
           </a:p>
         </p:txBody>
       </p:sp>

--- a/需求规格说明.pptx
+++ b/需求规格说明.pptx
@@ -13934,7 +13934,7 @@
             </a:r>
             <a:r>
               <a:rPr lang="zh-CN" altLang="en-US" dirty="0"/>
-              <a:t>、需求规格说明、</a:t>
+              <a:t>、</a:t>
             </a:r>
             <a:r>
               <a:rPr lang="zh-CN" altLang="zh-CN" dirty="0"/>
@@ -13953,15 +13953,19 @@
           <a:p>
             <a:r>
               <a:rPr lang="zh-CN" altLang="en-US" sz="2400" dirty="0"/>
-              <a:t>郑航舰：</a:t>
-            </a:r>
-            <a:r>
-              <a:rPr lang="zh-CN" altLang="zh-CN" dirty="0"/>
-              <a:t>系统的综合要求</a:t>
+              <a:t>郑航</a:t>
+            </a:r>
+            <a:r>
+              <a:rPr lang="zh-CN" altLang="en-US" sz="2400"/>
+              <a:t>舰：</a:t>
+            </a:r>
+            <a:r>
+              <a:rPr lang="zh-CN" altLang="en-US"/>
+              <a:t>需求规格</a:t>
             </a:r>
             <a:r>
               <a:rPr lang="zh-CN" altLang="en-US" dirty="0"/>
-              <a:t>、需求规格说明、</a:t>
+              <a:t>说明、</a:t>
             </a:r>
             <a:r>
               <a:rPr lang="zh-CN" altLang="zh-CN" dirty="0"/>

--- a/需求规格说明.pptx
+++ b/需求规格说明.pptx
@@ -13934,7 +13934,15 @@
             </a:r>
             <a:r>
               <a:rPr lang="zh-CN" altLang="en-US" dirty="0"/>
-              <a:t>、</a:t>
+              <a:t>前四部分、</a:t>
+            </a:r>
+            <a:r>
+              <a:rPr lang="en-US" altLang="zh-CN" dirty="0"/>
+              <a:t>SRS</a:t>
+            </a:r>
+            <a:r>
+              <a:rPr lang="zh-CN" altLang="en-US" dirty="0"/>
+              <a:t>引言部分、</a:t>
             </a:r>
             <a:r>
               <a:rPr lang="zh-CN" altLang="zh-CN" dirty="0"/>
@@ -13953,23 +13961,27 @@
           <a:p>
             <a:r>
               <a:rPr lang="zh-CN" altLang="en-US" sz="2400" dirty="0"/>
-              <a:t>郑航</a:t>
-            </a:r>
-            <a:r>
-              <a:rPr lang="zh-CN" altLang="en-US" sz="2400"/>
-              <a:t>舰：</a:t>
+              <a:t>郑航舰：</a:t>
+            </a:r>
+            <a:r>
+              <a:rPr lang="zh-CN" altLang="en-US" dirty="0"/>
+              <a:t>系统的综合要求后四部分、</a:t>
+            </a:r>
+            <a:r>
+              <a:rPr lang="en-US" altLang="zh-CN" dirty="0"/>
+              <a:t>word</a:t>
             </a:r>
             <a:r>
               <a:rPr lang="zh-CN" altLang="en-US"/>
-              <a:t>需求规格</a:t>
-            </a:r>
-            <a:r>
-              <a:rPr lang="zh-CN" altLang="en-US" dirty="0"/>
-              <a:t>说明、</a:t>
+              <a:t>相关内容整合、</a:t>
+            </a:r>
+            <a:r>
+              <a:rPr lang="zh-CN" altLang="zh-CN"/>
+              <a:t>界面</a:t>
             </a:r>
             <a:r>
               <a:rPr lang="zh-CN" altLang="zh-CN" dirty="0"/>
-              <a:t>界面原型</a:t>
+              <a:t>原型</a:t>
             </a:r>
             <a:r>
               <a:rPr lang="zh-CN" altLang="en-US" dirty="0"/>

--- a/需求规格说明.pptx
+++ b/需求规格说明.pptx
@@ -5,7 +5,7 @@
     <p:sldMasterId id="2147483648" r:id="rId1"/>
   </p:sldMasterIdLst>
   <p:notesMasterIdLst>
-    <p:notesMasterId r:id="rId30"/>
+    <p:notesMasterId r:id="rId28"/>
   </p:notesMasterIdLst>
   <p:sldIdLst>
     <p:sldId id="258" r:id="rId2"/>
@@ -19,28 +19,26 @@
     <p:sldId id="1014" r:id="rId10"/>
     <p:sldId id="1010" r:id="rId11"/>
     <p:sldId id="323" r:id="rId12"/>
-    <p:sldId id="1015" r:id="rId13"/>
-    <p:sldId id="1025" r:id="rId14"/>
-    <p:sldId id="1026" r:id="rId15"/>
-    <p:sldId id="1016" r:id="rId16"/>
-    <p:sldId id="1017" r:id="rId17"/>
-    <p:sldId id="1024" r:id="rId18"/>
-    <p:sldId id="1018" r:id="rId19"/>
-    <p:sldId id="1019" r:id="rId20"/>
-    <p:sldId id="1020" r:id="rId21"/>
-    <p:sldId id="1021" r:id="rId22"/>
-    <p:sldId id="1008" r:id="rId23"/>
-    <p:sldId id="1002" r:id="rId24"/>
-    <p:sldId id="994" r:id="rId25"/>
-    <p:sldId id="325" r:id="rId26"/>
-    <p:sldId id="481" r:id="rId27"/>
-    <p:sldId id="995" r:id="rId28"/>
-    <p:sldId id="326" r:id="rId29"/>
+    <p:sldId id="1025" r:id="rId13"/>
+    <p:sldId id="1026" r:id="rId14"/>
+    <p:sldId id="1016" r:id="rId15"/>
+    <p:sldId id="1024" r:id="rId16"/>
+    <p:sldId id="1018" r:id="rId17"/>
+    <p:sldId id="1019" r:id="rId18"/>
+    <p:sldId id="1020" r:id="rId19"/>
+    <p:sldId id="1021" r:id="rId20"/>
+    <p:sldId id="1008" r:id="rId21"/>
+    <p:sldId id="1002" r:id="rId22"/>
+    <p:sldId id="994" r:id="rId23"/>
+    <p:sldId id="325" r:id="rId24"/>
+    <p:sldId id="481" r:id="rId25"/>
+    <p:sldId id="995" r:id="rId26"/>
+    <p:sldId id="326" r:id="rId27"/>
   </p:sldIdLst>
   <p:sldSz cx="12192000" cy="6858000"/>
   <p:notesSz cx="6858000" cy="9144000"/>
   <p:custDataLst>
-    <p:tags r:id="rId31"/>
+    <p:tags r:id="rId29"/>
   </p:custDataLst>
   <p:defaultTextStyle>
     <a:defPPr>
@@ -227,7 +225,7 @@
           <a:p>
             <a:fld id="{11E1A13A-D60A-422D-BAA6-E4E7ADFA2A21}" type="datetimeFigureOut">
               <a:rPr lang="zh-CN" altLang="en-US" smtClean="0"/>
-              <a:t>2021/10/27</a:t>
+              <a:t>2021/10/31</a:t>
             </a:fld>
             <a:endParaRPr lang="zh-CN" altLang="en-US"/>
           </a:p>
@@ -644,7 +642,7 @@
             <a:fld id="{3849D3E0-124D-4DFF-AE99-4EA4CC201DB4}" type="slidenum">
               <a:rPr lang="zh-CN" altLang="en-US" smtClean="0"/>
               <a:pPr/>
-              <a:t>24</a:t>
+              <a:t>22</a:t>
             </a:fld>
             <a:endParaRPr lang="zh-CN" altLang="en-US"/>
           </a:p>
@@ -728,7 +726,7 @@
           <a:p>
             <a:fld id="{1C85B925-22C6-43BA-9A74-53F784B92F66}" type="slidenum">
               <a:rPr lang="zh-CN" altLang="en-US" smtClean="0"/>
-              <a:t>25</a:t>
+              <a:t>23</a:t>
             </a:fld>
             <a:endParaRPr lang="zh-CN" altLang="en-US"/>
           </a:p>
@@ -829,7 +827,7 @@
           <a:p>
             <a:fld id="{26AC16BF-CAEE-4604-890E-226F01BB8BA8}" type="slidenum">
               <a:rPr lang="en-IN" smtClean="0"/>
-              <a:t>26</a:t>
+              <a:t>24</a:t>
             </a:fld>
             <a:endParaRPr lang="en-IN" dirty="0"/>
           </a:p>
@@ -930,7 +928,7 @@
           <a:p>
             <a:fld id="{26AC16BF-CAEE-4604-890E-226F01BB8BA8}" type="slidenum">
               <a:rPr lang="en-IN" smtClean="0"/>
-              <a:t>27</a:t>
+              <a:t>25</a:t>
             </a:fld>
             <a:endParaRPr lang="en-IN" dirty="0"/>
           </a:p>
@@ -1014,7 +1012,7 @@
           <a:p>
             <a:fld id="{1C85B925-22C6-43BA-9A74-53F784B92F66}" type="slidenum">
               <a:rPr lang="zh-CN" altLang="en-US" smtClean="0"/>
-              <a:t>28</a:t>
+              <a:t>26</a:t>
             </a:fld>
             <a:endParaRPr lang="zh-CN" altLang="en-US"/>
           </a:p>
@@ -1701,7 +1699,7 @@
           <a:p>
             <a:fld id="{1C85B925-22C6-43BA-9A74-53F784B92F66}" type="slidenum">
               <a:rPr lang="zh-CN" altLang="en-US" smtClean="0"/>
-              <a:t>15</a:t>
+              <a:t>14</a:t>
             </a:fld>
             <a:endParaRPr lang="zh-CN" altLang="en-US"/>
           </a:p>
@@ -1867,7 +1865,7 @@
           <a:p>
             <a:fld id="{BBC58E1B-5923-4CAF-B9CC-D14A574623CF}" type="datetimeFigureOut">
               <a:rPr lang="zh-CN" altLang="en-US" smtClean="0"/>
-              <a:t>2021/10/27</a:t>
+              <a:t>2021/10/31</a:t>
             </a:fld>
             <a:endParaRPr lang="zh-CN" altLang="en-US"/>
           </a:p>
@@ -2065,7 +2063,7 @@
           <a:p>
             <a:fld id="{BBC58E1B-5923-4CAF-B9CC-D14A574623CF}" type="datetimeFigureOut">
               <a:rPr lang="zh-CN" altLang="en-US" smtClean="0"/>
-              <a:t>2021/10/27</a:t>
+              <a:t>2021/10/31</a:t>
             </a:fld>
             <a:endParaRPr lang="zh-CN" altLang="en-US"/>
           </a:p>
@@ -2273,7 +2271,7 @@
           <a:p>
             <a:fld id="{BBC58E1B-5923-4CAF-B9CC-D14A574623CF}" type="datetimeFigureOut">
               <a:rPr lang="zh-CN" altLang="en-US" smtClean="0"/>
-              <a:t>2021/10/27</a:t>
+              <a:t>2021/10/31</a:t>
             </a:fld>
             <a:endParaRPr lang="zh-CN" altLang="en-US"/>
           </a:p>
@@ -2611,7 +2609,7 @@
               <a:pPr>
                 <a:defRPr/>
               </a:pPr>
-              <a:t>2021/10/27</a:t>
+              <a:t>2021/10/31</a:t>
             </a:fld>
             <a:endParaRPr lang="zh-CN" altLang="en-US"/>
           </a:p>
@@ -2814,7 +2812,7 @@
           <a:p>
             <a:fld id="{BBC58E1B-5923-4CAF-B9CC-D14A574623CF}" type="datetimeFigureOut">
               <a:rPr lang="zh-CN" altLang="en-US" smtClean="0"/>
-              <a:t>2021/10/27</a:t>
+              <a:t>2021/10/31</a:t>
             </a:fld>
             <a:endParaRPr lang="zh-CN" altLang="en-US"/>
           </a:p>
@@ -3089,7 +3087,7 @@
           <a:p>
             <a:fld id="{BBC58E1B-5923-4CAF-B9CC-D14A574623CF}" type="datetimeFigureOut">
               <a:rPr lang="zh-CN" altLang="en-US" smtClean="0"/>
-              <a:t>2021/10/27</a:t>
+              <a:t>2021/10/31</a:t>
             </a:fld>
             <a:endParaRPr lang="zh-CN" altLang="en-US"/>
           </a:p>
@@ -3354,7 +3352,7 @@
           <a:p>
             <a:fld id="{BBC58E1B-5923-4CAF-B9CC-D14A574623CF}" type="datetimeFigureOut">
               <a:rPr lang="zh-CN" altLang="en-US" smtClean="0"/>
-              <a:t>2021/10/27</a:t>
+              <a:t>2021/10/31</a:t>
             </a:fld>
             <a:endParaRPr lang="zh-CN" altLang="en-US"/>
           </a:p>
@@ -3766,7 +3764,7 @@
           <a:p>
             <a:fld id="{BBC58E1B-5923-4CAF-B9CC-D14A574623CF}" type="datetimeFigureOut">
               <a:rPr lang="zh-CN" altLang="en-US" smtClean="0"/>
-              <a:t>2021/10/27</a:t>
+              <a:t>2021/10/31</a:t>
             </a:fld>
             <a:endParaRPr lang="zh-CN" altLang="en-US"/>
           </a:p>
@@ -3907,7 +3905,7 @@
           <a:p>
             <a:fld id="{BBC58E1B-5923-4CAF-B9CC-D14A574623CF}" type="datetimeFigureOut">
               <a:rPr lang="zh-CN" altLang="en-US" smtClean="0"/>
-              <a:t>2021/10/27</a:t>
+              <a:t>2021/10/31</a:t>
             </a:fld>
             <a:endParaRPr lang="zh-CN" altLang="en-US"/>
           </a:p>
@@ -4020,7 +4018,7 @@
           <a:p>
             <a:fld id="{BBC58E1B-5923-4CAF-B9CC-D14A574623CF}" type="datetimeFigureOut">
               <a:rPr lang="zh-CN" altLang="en-US" smtClean="0"/>
-              <a:t>2021/10/27</a:t>
+              <a:t>2021/10/31</a:t>
             </a:fld>
             <a:endParaRPr lang="zh-CN" altLang="en-US"/>
           </a:p>
@@ -4331,7 +4329,7 @@
           <a:p>
             <a:fld id="{BBC58E1B-5923-4CAF-B9CC-D14A574623CF}" type="datetimeFigureOut">
               <a:rPr lang="zh-CN" altLang="en-US" smtClean="0"/>
-              <a:t>2021/10/27</a:t>
+              <a:t>2021/10/31</a:t>
             </a:fld>
             <a:endParaRPr lang="zh-CN" altLang="en-US"/>
           </a:p>
@@ -4619,7 +4617,7 @@
           <a:p>
             <a:fld id="{BBC58E1B-5923-4CAF-B9CC-D14A574623CF}" type="datetimeFigureOut">
               <a:rPr lang="zh-CN" altLang="en-US" smtClean="0"/>
-              <a:t>2021/10/27</a:t>
+              <a:t>2021/10/31</a:t>
             </a:fld>
             <a:endParaRPr lang="zh-CN" altLang="en-US"/>
           </a:p>
@@ -4895,7 +4893,7 @@
           <a:p>
             <a:fld id="{BBC58E1B-5923-4CAF-B9CC-D14A574623CF}" type="datetimeFigureOut">
               <a:rPr lang="zh-CN" altLang="en-US" smtClean="0"/>
-              <a:t>2021/10/27</a:t>
+              <a:t>2021/10/31</a:t>
             </a:fld>
             <a:endParaRPr lang="zh-CN" altLang="en-US"/>
           </a:p>
@@ -7017,17 +7015,19 @@
       </p:grpSpPr>
       <p:pic>
         <p:nvPicPr>
-          <p:cNvPr id="7" name="图片 6">
+          <p:cNvPr id="5" name="内容占位符 4">
             <a:extLst>
               <a:ext uri="{FF2B5EF4-FFF2-40B4-BE49-F238E27FC236}">
-                <a16:creationId xmlns:a16="http://schemas.microsoft.com/office/drawing/2014/main" id="{7171C1C1-70BD-48A9-9707-623A13BDBF33}"/>
+                <a16:creationId xmlns:a16="http://schemas.microsoft.com/office/drawing/2014/main" id="{4733DD24-86A1-4506-A6EB-9996001FC3D8}"/>
               </a:ext>
             </a:extLst>
           </p:cNvPr>
           <p:cNvPicPr>
-            <a:picLocks noChangeAspect="1"/>
+            <a:picLocks noGrp="1" noChangeAspect="1"/>
           </p:cNvPicPr>
-          <p:nvPr/>
+          <p:nvPr>
+            <p:ph idx="1"/>
+          </p:nvPr>
         </p:nvPicPr>
         <p:blipFill>
           <a:blip r:embed="rId2">
@@ -7043,20 +7043,17 @@
         </p:blipFill>
         <p:spPr>
           <a:xfrm>
-            <a:off x="2734459" y="254995"/>
-            <a:ext cx="6302286" cy="6348010"/>
+            <a:off x="4108003" y="2705763"/>
+            <a:ext cx="4933127" cy="3018031"/>
           </a:xfrm>
-          <a:prstGeom prst="rect">
-            <a:avLst/>
-          </a:prstGeom>
         </p:spPr>
       </p:pic>
       <p:pic>
         <p:nvPicPr>
-          <p:cNvPr id="4" name="图片 3">
+          <p:cNvPr id="7" name="图片 6">
             <a:extLst>
               <a:ext uri="{FF2B5EF4-FFF2-40B4-BE49-F238E27FC236}">
-                <a16:creationId xmlns:a16="http://schemas.microsoft.com/office/drawing/2014/main" id="{873C8F52-BA5B-4FB4-9BB5-BBD42E74E28A}"/>
+                <a16:creationId xmlns:a16="http://schemas.microsoft.com/office/drawing/2014/main" id="{1F7FCFA6-EA76-40E5-976A-6FE49E49FD0A}"/>
               </a:ext>
             </a:extLst>
           </p:cNvPr>
@@ -7079,8 +7076,44 @@
         </p:blipFill>
         <p:spPr>
           <a:xfrm>
-            <a:off x="212358" y="141656"/>
-            <a:ext cx="11767284" cy="6574687"/>
+            <a:off x="8473397" y="527865"/>
+            <a:ext cx="3165231" cy="5889000"/>
+          </a:xfrm>
+          <a:prstGeom prst="rect">
+            <a:avLst/>
+          </a:prstGeom>
+        </p:spPr>
+      </p:pic>
+      <p:pic>
+        <p:nvPicPr>
+          <p:cNvPr id="9" name="图片 8">
+            <a:extLst>
+              <a:ext uri="{FF2B5EF4-FFF2-40B4-BE49-F238E27FC236}">
+                <a16:creationId xmlns:a16="http://schemas.microsoft.com/office/drawing/2014/main" id="{23CF79D0-9AC0-41A9-AC2A-4D9CF1D9B3DC}"/>
+              </a:ext>
+            </a:extLst>
+          </p:cNvPr>
+          <p:cNvPicPr>
+            <a:picLocks noChangeAspect="1"/>
+          </p:cNvPicPr>
+          <p:nvPr/>
+        </p:nvPicPr>
+        <p:blipFill>
+          <a:blip r:embed="rId4">
+            <a:extLst>
+              <a:ext uri="{28A0092B-C50C-407E-A947-70E740481C1C}">
+                <a14:useLocalDpi xmlns:a14="http://schemas.microsoft.com/office/drawing/2010/main" val="0"/>
+              </a:ext>
+            </a:extLst>
+          </a:blip>
+          <a:stretch>
+            <a:fillRect/>
+          </a:stretch>
+        </p:blipFill>
+        <p:spPr>
+          <a:xfrm>
+            <a:off x="4137067" y="527865"/>
+            <a:ext cx="4336330" cy="2191085"/>
           </a:xfrm>
           <a:prstGeom prst="rect">
             <a:avLst/>
@@ -7092,7 +7125,7 @@
           <p:cNvPr id="10" name="文本框 9">
             <a:extLst>
               <a:ext uri="{FF2B5EF4-FFF2-40B4-BE49-F238E27FC236}">
-                <a16:creationId xmlns:a16="http://schemas.microsoft.com/office/drawing/2014/main" id="{939034CA-16E1-4F9B-BF7E-B3762862B4D4}"/>
+                <a16:creationId xmlns:a16="http://schemas.microsoft.com/office/drawing/2014/main" id="{53A4C7EC-2FDF-4E9E-8AA2-DD7F5FC64882}"/>
               </a:ext>
             </a:extLst>
           </p:cNvPr>
@@ -7101,7 +7134,7 @@
         </p:nvSpPr>
         <p:spPr>
           <a:xfrm>
-            <a:off x="556181" y="452487"/>
+            <a:off x="339405" y="527865"/>
             <a:ext cx="4336330" cy="646331"/>
           </a:xfrm>
           <a:prstGeom prst="rect">
@@ -7117,16 +7150,76 @@
           <a:p>
             <a:r>
               <a:rPr lang="zh-CN" altLang="en-US" sz="3600" b="1" dirty="0"/>
-              <a:t>原效果</a:t>
+              <a:t>目标用户反馈</a:t>
             </a:r>
             <a:endParaRPr lang="zh-CN" altLang="en-US" b="1" dirty="0"/>
           </a:p>
         </p:txBody>
       </p:sp>
+      <p:pic>
+        <p:nvPicPr>
+          <p:cNvPr id="3" name="图片 2">
+            <a:extLst>
+              <a:ext uri="{FF2B5EF4-FFF2-40B4-BE49-F238E27FC236}">
+                <a16:creationId xmlns:a16="http://schemas.microsoft.com/office/drawing/2014/main" id="{4C8E93F9-D67C-4133-ABCB-601360942FB5}"/>
+              </a:ext>
+            </a:extLst>
+          </p:cNvPr>
+          <p:cNvPicPr>
+            <a:picLocks noChangeAspect="1"/>
+          </p:cNvPicPr>
+          <p:nvPr/>
+        </p:nvPicPr>
+        <p:blipFill>
+          <a:blip r:embed="rId5"/>
+          <a:stretch>
+            <a:fillRect/>
+          </a:stretch>
+        </p:blipFill>
+        <p:spPr>
+          <a:xfrm>
+            <a:off x="485445" y="1623407"/>
+            <a:ext cx="8380580" cy="4095750"/>
+          </a:xfrm>
+          <a:prstGeom prst="rect">
+            <a:avLst/>
+          </a:prstGeom>
+        </p:spPr>
+      </p:pic>
+      <p:pic>
+        <p:nvPicPr>
+          <p:cNvPr id="2" name="图片 1">
+            <a:extLst>
+              <a:ext uri="{FF2B5EF4-FFF2-40B4-BE49-F238E27FC236}">
+                <a16:creationId xmlns:a16="http://schemas.microsoft.com/office/drawing/2014/main" id="{B3B61510-112A-4F0B-8509-53D4122A28F8}"/>
+              </a:ext>
+            </a:extLst>
+          </p:cNvPr>
+          <p:cNvPicPr>
+            <a:picLocks noChangeAspect="1"/>
+          </p:cNvPicPr>
+          <p:nvPr/>
+        </p:nvPicPr>
+        <p:blipFill>
+          <a:blip r:embed="rId6"/>
+          <a:stretch>
+            <a:fillRect/>
+          </a:stretch>
+        </p:blipFill>
+        <p:spPr>
+          <a:xfrm>
+            <a:off x="6480012" y="1930526"/>
+            <a:ext cx="4772025" cy="3790950"/>
+          </a:xfrm>
+          <a:prstGeom prst="rect">
+            <a:avLst/>
+          </a:prstGeom>
+        </p:spPr>
+      </p:pic>
     </p:spTree>
     <p:extLst>
       <p:ext uri="{BB962C8B-B14F-4D97-AF65-F5344CB8AC3E}">
-        <p14:creationId xmlns:p14="http://schemas.microsoft.com/office/powerpoint/2010/main" val="1759736586"/>
+        <p14:creationId xmlns:p14="http://schemas.microsoft.com/office/powerpoint/2010/main" val="732616721"/>
       </p:ext>
     </p:extLst>
   </p:cSld>
@@ -7135,12 +7228,12 @@
   </p:clrMapOvr>
   <mc:AlternateContent xmlns:mc="http://schemas.openxmlformats.org/markup-compatibility/2006" xmlns:p14="http://schemas.microsoft.com/office/powerpoint/2010/main">
     <mc:Choice Requires="p14">
-      <p:transition spd="slow" p14:dur="1600">
-        <p14:gallery dir="l"/>
+      <p:transition spd="med" p14:dur="700">
+        <p:fade/>
       </p:transition>
     </mc:Choice>
     <mc:Fallback xmlns="">
-      <p:transition spd="slow">
+      <p:transition spd="med">
         <p:fade/>
       </p:transition>
     </mc:Fallback>
@@ -7166,7 +7259,7 @@
                             </p:stCondLst>
                             <p:childTnLst>
                               <p:par>
-                                <p:cTn id="5" presetID="42" presetClass="entr" presetSubtype="0" fill="hold" nodeType="clickEffect">
+                                <p:cTn id="5" presetID="10" presetClass="entr" presetSubtype="0" fill="hold" nodeType="clickEffect">
                                   <p:stCondLst>
                                     <p:cond delay="0"/>
                                   </p:stCondLst>
@@ -7191,58 +7284,82 @@
                                     </p:set>
                                     <p:animEffect transition="in" filter="fade">
                                       <p:cBhvr>
-                                        <p:cTn id="7" dur="1000"/>
+                                        <p:cTn id="7" dur="500"/>
                                         <p:tgtEl>
                                           <p:spTgt spid="7"/>
                                         </p:tgtEl>
                                       </p:cBhvr>
                                     </p:animEffect>
-                                    <p:anim calcmode="lin" valueType="num">
+                                  </p:childTnLst>
+                                </p:cTn>
+                              </p:par>
+                              <p:par>
+                                <p:cTn id="8" presetID="10" presetClass="entr" presetSubtype="0" fill="hold" nodeType="withEffect">
+                                  <p:stCondLst>
+                                    <p:cond delay="0"/>
+                                  </p:stCondLst>
+                                  <p:childTnLst>
+                                    <p:set>
                                       <p:cBhvr>
-                                        <p:cTn id="8" dur="1000" fill="hold"/>
+                                        <p:cTn id="9" dur="1" fill="hold">
+                                          <p:stCondLst>
+                                            <p:cond delay="0"/>
+                                          </p:stCondLst>
+                                        </p:cTn>
                                         <p:tgtEl>
-                                          <p:spTgt spid="7"/>
+                                          <p:spTgt spid="9"/>
                                         </p:tgtEl>
                                         <p:attrNameLst>
-                                          <p:attrName>ppt_x</p:attrName>
+                                          <p:attrName>style.visibility</p:attrName>
                                         </p:attrNameLst>
                                       </p:cBhvr>
-                                      <p:tavLst>
-                                        <p:tav tm="0">
-                                          <p:val>
-                                            <p:strVal val="#ppt_x"/>
-                                          </p:val>
-                                        </p:tav>
-                                        <p:tav tm="100000">
-                                          <p:val>
-                                            <p:strVal val="#ppt_x"/>
-                                          </p:val>
-                                        </p:tav>
-                                      </p:tavLst>
-                                    </p:anim>
-                                    <p:anim calcmode="lin" valueType="num">
+                                      <p:to>
+                                        <p:strVal val="visible"/>
+                                      </p:to>
+                                    </p:set>
+                                    <p:animEffect transition="in" filter="fade">
                                       <p:cBhvr>
-                                        <p:cTn id="9" dur="1000" fill="hold"/>
+                                        <p:cTn id="10" dur="500"/>
                                         <p:tgtEl>
-                                          <p:spTgt spid="7"/>
+                                          <p:spTgt spid="9"/>
+                                        </p:tgtEl>
+                                      </p:cBhvr>
+                                    </p:animEffect>
+                                  </p:childTnLst>
+                                </p:cTn>
+                              </p:par>
+                              <p:par>
+                                <p:cTn id="11" presetID="10" presetClass="entr" presetSubtype="0" fill="hold" nodeType="withEffect">
+                                  <p:stCondLst>
+                                    <p:cond delay="0"/>
+                                  </p:stCondLst>
+                                  <p:childTnLst>
+                                    <p:set>
+                                      <p:cBhvr>
+                                        <p:cTn id="12" dur="1" fill="hold">
+                                          <p:stCondLst>
+                                            <p:cond delay="0"/>
+                                          </p:stCondLst>
+                                        </p:cTn>
+                                        <p:tgtEl>
+                                          <p:spTgt spid="5"/>
                                         </p:tgtEl>
                                         <p:attrNameLst>
-                                          <p:attrName>ppt_y</p:attrName>
+                                          <p:attrName>style.visibility</p:attrName>
                                         </p:attrNameLst>
                                       </p:cBhvr>
-                                      <p:tavLst>
-                                        <p:tav tm="0">
-                                          <p:val>
-                                            <p:strVal val="#ppt_y+.1"/>
-                                          </p:val>
-                                        </p:tav>
-                                        <p:tav tm="100000">
-                                          <p:val>
-                                            <p:strVal val="#ppt_y"/>
-                                          </p:val>
-                                        </p:tav>
-                                      </p:tavLst>
-                                    </p:anim>
+                                      <p:to>
+                                        <p:strVal val="visible"/>
+                                      </p:to>
+                                    </p:set>
+                                    <p:animEffect transition="in" filter="fade">
+                                      <p:cBhvr>
+                                        <p:cTn id="13" dur="500"/>
+                                        <p:tgtEl>
+                                          <p:spTgt spid="5"/>
+                                        </p:tgtEl>
+                                      </p:cBhvr>
+                                    </p:animEffect>
                                   </p:childTnLst>
                                 </p:cTn>
                               </p:par>
@@ -7253,32 +7370,32 @@
                     </p:cTn>
                   </p:par>
                   <p:par>
-                    <p:cTn id="10" fill="hold">
+                    <p:cTn id="14" fill="hold">
                       <p:stCondLst>
                         <p:cond delay="indefinite"/>
                       </p:stCondLst>
                       <p:childTnLst>
                         <p:par>
-                          <p:cTn id="11" fill="hold">
+                          <p:cTn id="15" fill="hold">
                             <p:stCondLst>
                               <p:cond delay="0"/>
                             </p:stCondLst>
                             <p:childTnLst>
                               <p:par>
-                                <p:cTn id="12" presetID="2" presetClass="entr" presetSubtype="4" fill="hold" nodeType="clickEffect">
+                                <p:cTn id="16" presetID="10" presetClass="entr" presetSubtype="0" fill="hold" nodeType="clickEffect">
                                   <p:stCondLst>
                                     <p:cond delay="0"/>
                                   </p:stCondLst>
                                   <p:childTnLst>
                                     <p:set>
                                       <p:cBhvr>
-                                        <p:cTn id="13" dur="1" fill="hold">
+                                        <p:cTn id="17" dur="1" fill="hold">
                                           <p:stCondLst>
                                             <p:cond delay="0"/>
                                           </p:stCondLst>
                                         </p:cTn>
                                         <p:tgtEl>
-                                          <p:spTgt spid="4"/>
+                                          <p:spTgt spid="2"/>
                                         </p:tgtEl>
                                         <p:attrNameLst>
                                           <p:attrName>style.visibility</p:attrName>
@@ -7288,52 +7405,49 @@
                                         <p:strVal val="visible"/>
                                       </p:to>
                                     </p:set>
-                                    <p:anim calcmode="lin" valueType="num">
-                                      <p:cBhvr additive="base">
-                                        <p:cTn id="14" dur="500" fill="hold"/>
+                                    <p:animEffect transition="in" filter="fade">
+                                      <p:cBhvr>
+                                        <p:cTn id="18" dur="500"/>
                                         <p:tgtEl>
-                                          <p:spTgt spid="4"/>
+                                          <p:spTgt spid="2"/>
+                                        </p:tgtEl>
+                                      </p:cBhvr>
+                                    </p:animEffect>
+                                  </p:childTnLst>
+                                </p:cTn>
+                              </p:par>
+                              <p:par>
+                                <p:cTn id="19" presetID="10" presetClass="entr" presetSubtype="0" fill="hold" nodeType="withEffect">
+                                  <p:stCondLst>
+                                    <p:cond delay="0"/>
+                                  </p:stCondLst>
+                                  <p:childTnLst>
+                                    <p:set>
+                                      <p:cBhvr>
+                                        <p:cTn id="20" dur="1" fill="hold">
+                                          <p:stCondLst>
+                                            <p:cond delay="0"/>
+                                          </p:stCondLst>
+                                        </p:cTn>
+                                        <p:tgtEl>
+                                          <p:spTgt spid="3"/>
                                         </p:tgtEl>
                                         <p:attrNameLst>
-                                          <p:attrName>ppt_x</p:attrName>
+                                          <p:attrName>style.visibility</p:attrName>
                                         </p:attrNameLst>
                                       </p:cBhvr>
-                                      <p:tavLst>
-                                        <p:tav tm="0">
-                                          <p:val>
-                                            <p:strVal val="#ppt_x"/>
-                                          </p:val>
-                                        </p:tav>
-                                        <p:tav tm="100000">
-                                          <p:val>
-                                            <p:strVal val="#ppt_x"/>
-                                          </p:val>
-                                        </p:tav>
-                                      </p:tavLst>
-                                    </p:anim>
-                                    <p:anim calcmode="lin" valueType="num">
-                                      <p:cBhvr additive="base">
-                                        <p:cTn id="15" dur="500" fill="hold"/>
+                                      <p:to>
+                                        <p:strVal val="visible"/>
+                                      </p:to>
+                                    </p:set>
+                                    <p:animEffect transition="in" filter="fade">
+                                      <p:cBhvr>
+                                        <p:cTn id="21" dur="500"/>
                                         <p:tgtEl>
-                                          <p:spTgt spid="4"/>
+                                          <p:spTgt spid="3"/>
                                         </p:tgtEl>
-                                        <p:attrNameLst>
-                                          <p:attrName>ppt_y</p:attrName>
-                                        </p:attrNameLst>
                                       </p:cBhvr>
-                                      <p:tavLst>
-                                        <p:tav tm="0">
-                                          <p:val>
-                                            <p:strVal val="1+#ppt_h/2"/>
-                                          </p:val>
-                                        </p:tav>
-                                        <p:tav tm="100000">
-                                          <p:val>
-                                            <p:strVal val="#ppt_y"/>
-                                          </p:val>
-                                        </p:tav>
-                                      </p:tavLst>
-                                    </p:anim>
+                                    </p:animEffect>
                                   </p:childTnLst>
                                 </p:cTn>
                               </p:par>
@@ -7385,298 +7499,6 @@
           <a:chExt cx="0" cy="0"/>
         </a:xfrm>
       </p:grpSpPr>
-      <p:pic>
-        <p:nvPicPr>
-          <p:cNvPr id="5" name="内容占位符 4">
-            <a:extLst>
-              <a:ext uri="{FF2B5EF4-FFF2-40B4-BE49-F238E27FC236}">
-                <a16:creationId xmlns:a16="http://schemas.microsoft.com/office/drawing/2014/main" id="{4733DD24-86A1-4506-A6EB-9996001FC3D8}"/>
-              </a:ext>
-            </a:extLst>
-          </p:cNvPr>
-          <p:cNvPicPr>
-            <a:picLocks noGrp="1" noChangeAspect="1"/>
-          </p:cNvPicPr>
-          <p:nvPr>
-            <p:ph idx="1"/>
-          </p:nvPr>
-        </p:nvPicPr>
-        <p:blipFill>
-          <a:blip r:embed="rId2">
-            <a:extLst>
-              <a:ext uri="{28A0092B-C50C-407E-A947-70E740481C1C}">
-                <a14:useLocalDpi xmlns:a14="http://schemas.microsoft.com/office/drawing/2010/main" val="0"/>
-              </a:ext>
-            </a:extLst>
-          </a:blip>
-          <a:stretch>
-            <a:fillRect/>
-          </a:stretch>
-        </p:blipFill>
-        <p:spPr>
-          <a:xfrm>
-            <a:off x="683638" y="3240740"/>
-            <a:ext cx="4933127" cy="3018031"/>
-          </a:xfrm>
-        </p:spPr>
-      </p:pic>
-      <p:pic>
-        <p:nvPicPr>
-          <p:cNvPr id="7" name="图片 6">
-            <a:extLst>
-              <a:ext uri="{FF2B5EF4-FFF2-40B4-BE49-F238E27FC236}">
-                <a16:creationId xmlns:a16="http://schemas.microsoft.com/office/drawing/2014/main" id="{1F7FCFA6-EA76-40E5-976A-6FE49E49FD0A}"/>
-              </a:ext>
-            </a:extLst>
-          </p:cNvPr>
-          <p:cNvPicPr>
-            <a:picLocks noChangeAspect="1"/>
-          </p:cNvPicPr>
-          <p:nvPr/>
-        </p:nvPicPr>
-        <p:blipFill>
-          <a:blip r:embed="rId3">
-            <a:extLst>
-              <a:ext uri="{28A0092B-C50C-407E-A947-70E740481C1C}">
-                <a14:useLocalDpi xmlns:a14="http://schemas.microsoft.com/office/drawing/2010/main" val="0"/>
-              </a:ext>
-            </a:extLst>
-          </a:blip>
-          <a:stretch>
-            <a:fillRect/>
-          </a:stretch>
-        </p:blipFill>
-        <p:spPr>
-          <a:xfrm>
-            <a:off x="8343131" y="365125"/>
-            <a:ext cx="3165231" cy="5889000"/>
-          </a:xfrm>
-          <a:prstGeom prst="rect">
-            <a:avLst/>
-          </a:prstGeom>
-        </p:spPr>
-      </p:pic>
-      <p:pic>
-        <p:nvPicPr>
-          <p:cNvPr id="9" name="图片 8">
-            <a:extLst>
-              <a:ext uri="{FF2B5EF4-FFF2-40B4-BE49-F238E27FC236}">
-                <a16:creationId xmlns:a16="http://schemas.microsoft.com/office/drawing/2014/main" id="{23CF79D0-9AC0-41A9-AC2A-4D9CF1D9B3DC}"/>
-              </a:ext>
-            </a:extLst>
-          </p:cNvPr>
-          <p:cNvPicPr>
-            <a:picLocks noChangeAspect="1"/>
-          </p:cNvPicPr>
-          <p:nvPr/>
-        </p:nvPicPr>
-        <p:blipFill>
-          <a:blip r:embed="rId4">
-            <a:extLst>
-              <a:ext uri="{28A0092B-C50C-407E-A947-70E740481C1C}">
-                <a14:useLocalDpi xmlns:a14="http://schemas.microsoft.com/office/drawing/2010/main" val="0"/>
-              </a:ext>
-            </a:extLst>
-          </a:blip>
-          <a:stretch>
-            <a:fillRect/>
-          </a:stretch>
-        </p:blipFill>
-        <p:spPr>
-          <a:xfrm>
-            <a:off x="2507570" y="690253"/>
-            <a:ext cx="5651543" cy="2855643"/>
-          </a:xfrm>
-          <a:prstGeom prst="rect">
-            <a:avLst/>
-          </a:prstGeom>
-        </p:spPr>
-      </p:pic>
-      <p:sp>
-        <p:nvSpPr>
-          <p:cNvPr id="10" name="文本框 9">
-            <a:extLst>
-              <a:ext uri="{FF2B5EF4-FFF2-40B4-BE49-F238E27FC236}">
-                <a16:creationId xmlns:a16="http://schemas.microsoft.com/office/drawing/2014/main" id="{53A4C7EC-2FDF-4E9E-8AA2-DD7F5FC64882}"/>
-              </a:ext>
-            </a:extLst>
-          </p:cNvPr>
-          <p:cNvSpPr txBox="1"/>
-          <p:nvPr/>
-        </p:nvSpPr>
-        <p:spPr>
-          <a:xfrm>
-            <a:off x="339405" y="527865"/>
-            <a:ext cx="4336330" cy="646331"/>
-          </a:xfrm>
-          <a:prstGeom prst="rect">
-            <a:avLst/>
-          </a:prstGeom>
-          <a:noFill/>
-        </p:spPr>
-        <p:txBody>
-          <a:bodyPr wrap="square" rtlCol="0">
-            <a:spAutoFit/>
-          </a:bodyPr>
-          <a:lstStyle/>
-          <a:p>
-            <a:r>
-              <a:rPr lang="zh-CN" altLang="en-US" sz="3600" b="1" dirty="0"/>
-              <a:t>目标用户反馈</a:t>
-            </a:r>
-            <a:endParaRPr lang="zh-CN" altLang="en-US" b="1" dirty="0"/>
-          </a:p>
-        </p:txBody>
-      </p:sp>
-    </p:spTree>
-    <p:extLst>
-      <p:ext uri="{BB962C8B-B14F-4D97-AF65-F5344CB8AC3E}">
-        <p14:creationId xmlns:p14="http://schemas.microsoft.com/office/powerpoint/2010/main" val="732616721"/>
-      </p:ext>
-    </p:extLst>
-  </p:cSld>
-  <p:clrMapOvr>
-    <a:masterClrMapping/>
-  </p:clrMapOvr>
-  <mc:AlternateContent xmlns:mc="http://schemas.openxmlformats.org/markup-compatibility/2006" xmlns:p14="http://schemas.microsoft.com/office/powerpoint/2010/main">
-    <mc:Choice Requires="p14">
-      <p:transition spd="med" p14:dur="700">
-        <p:fade/>
-      </p:transition>
-    </mc:Choice>
-    <mc:Fallback xmlns="">
-      <p:transition spd="med">
-        <p:fade/>
-      </p:transition>
-    </mc:Fallback>
-  </mc:AlternateContent>
-</p:sld>
-</file>
-
-<file path=ppt/slides/slide14.xml><?xml version="1.0" encoding="utf-8"?>
-<p:sld xmlns:a="http://schemas.openxmlformats.org/drawingml/2006/main" xmlns:r="http://schemas.openxmlformats.org/officeDocument/2006/relationships" xmlns:p="http://schemas.openxmlformats.org/presentationml/2006/main">
-  <p:cSld>
-    <p:spTree>
-      <p:nvGrpSpPr>
-        <p:cNvPr id="1" name=""/>
-        <p:cNvGrpSpPr/>
-        <p:nvPr/>
-      </p:nvGrpSpPr>
-      <p:grpSpPr>
-        <a:xfrm>
-          <a:off x="0" y="0"/>
-          <a:ext cx="0" cy="0"/>
-          <a:chOff x="0" y="0"/>
-          <a:chExt cx="0" cy="0"/>
-        </a:xfrm>
-      </p:grpSpPr>
-      <p:pic>
-        <p:nvPicPr>
-          <p:cNvPr id="9" name="内容占位符 8">
-            <a:extLst>
-              <a:ext uri="{FF2B5EF4-FFF2-40B4-BE49-F238E27FC236}">
-                <a16:creationId xmlns:a16="http://schemas.microsoft.com/office/drawing/2014/main" id="{3600B02D-EF6B-4102-B26B-E794D933D045}"/>
-              </a:ext>
-            </a:extLst>
-          </p:cNvPr>
-          <p:cNvPicPr>
-            <a:picLocks noGrp="1" noChangeAspect="1"/>
-          </p:cNvPicPr>
-          <p:nvPr>
-            <p:ph idx="1"/>
-          </p:nvPr>
-        </p:nvPicPr>
-        <p:blipFill>
-          <a:blip r:embed="rId2">
-            <a:extLst>
-              <a:ext uri="{28A0092B-C50C-407E-A947-70E740481C1C}">
-                <a14:useLocalDpi xmlns:a14="http://schemas.microsoft.com/office/drawing/2010/main" val="0"/>
-              </a:ext>
-            </a:extLst>
-          </a:blip>
-          <a:stretch>
-            <a:fillRect/>
-          </a:stretch>
-        </p:blipFill>
-        <p:spPr>
-          <a:xfrm>
-            <a:off x="968739" y="605583"/>
-            <a:ext cx="10254521" cy="5784946"/>
-          </a:xfrm>
-        </p:spPr>
-      </p:pic>
-      <p:pic>
-        <p:nvPicPr>
-          <p:cNvPr id="11" name="图片 10">
-            <a:extLst>
-              <a:ext uri="{FF2B5EF4-FFF2-40B4-BE49-F238E27FC236}">
-                <a16:creationId xmlns:a16="http://schemas.microsoft.com/office/drawing/2014/main" id="{87948ADF-15FE-4521-9765-5FB72E102305}"/>
-              </a:ext>
-            </a:extLst>
-          </p:cNvPr>
-          <p:cNvPicPr>
-            <a:picLocks noChangeAspect="1"/>
-          </p:cNvPicPr>
-          <p:nvPr/>
-        </p:nvPicPr>
-        <p:blipFill>
-          <a:blip r:embed="rId3">
-            <a:extLst>
-              <a:ext uri="{28A0092B-C50C-407E-A947-70E740481C1C}">
-                <a14:useLocalDpi xmlns:a14="http://schemas.microsoft.com/office/drawing/2010/main" val="0"/>
-              </a:ext>
-            </a:extLst>
-          </a:blip>
-          <a:stretch>
-            <a:fillRect/>
-          </a:stretch>
-        </p:blipFill>
-        <p:spPr>
-          <a:xfrm>
-            <a:off x="266194" y="247844"/>
-            <a:ext cx="11659610" cy="6500423"/>
-          </a:xfrm>
-          <a:prstGeom prst="rect">
-            <a:avLst/>
-          </a:prstGeom>
-        </p:spPr>
-      </p:pic>
-      <p:sp>
-        <p:nvSpPr>
-          <p:cNvPr id="12" name="文本框 11">
-            <a:extLst>
-              <a:ext uri="{FF2B5EF4-FFF2-40B4-BE49-F238E27FC236}">
-                <a16:creationId xmlns:a16="http://schemas.microsoft.com/office/drawing/2014/main" id="{510E1BA0-FDE5-48FE-8722-D49743CCE8B0}"/>
-              </a:ext>
-            </a:extLst>
-          </p:cNvPr>
-          <p:cNvSpPr txBox="1"/>
-          <p:nvPr/>
-        </p:nvSpPr>
-        <p:spPr>
-          <a:xfrm>
-            <a:off x="511211" y="467471"/>
-            <a:ext cx="4336330" cy="646331"/>
-          </a:xfrm>
-          <a:prstGeom prst="rect">
-            <a:avLst/>
-          </a:prstGeom>
-          <a:noFill/>
-        </p:spPr>
-        <p:txBody>
-          <a:bodyPr wrap="square" rtlCol="0">
-            <a:spAutoFit/>
-          </a:bodyPr>
-          <a:lstStyle/>
-          <a:p>
-            <a:r>
-              <a:rPr lang="zh-CN" altLang="en-US" sz="3600" b="1" dirty="0"/>
-              <a:t>修改后</a:t>
-            </a:r>
-            <a:endParaRPr lang="zh-CN" altLang="en-US" b="1" dirty="0"/>
-          </a:p>
-        </p:txBody>
-      </p:sp>
     </p:spTree>
     <p:extLst>
       <p:ext uri="{BB962C8B-B14F-4D97-AF65-F5344CB8AC3E}">
@@ -7687,146 +7509,10 @@
   <p:clrMapOvr>
     <a:masterClrMapping/>
   </p:clrMapOvr>
-  <p:timing>
-    <p:tnLst>
-      <p:par>
-        <p:cTn id="1" dur="indefinite" restart="never" nodeType="tmRoot">
-          <p:childTnLst>
-            <p:seq concurrent="1" nextAc="seek">
-              <p:cTn id="2" dur="indefinite" nodeType="mainSeq">
-                <p:childTnLst>
-                  <p:par>
-                    <p:cTn id="3" fill="hold">
-                      <p:stCondLst>
-                        <p:cond delay="indefinite"/>
-                      </p:stCondLst>
-                      <p:childTnLst>
-                        <p:par>
-                          <p:cTn id="4" fill="hold">
-                            <p:stCondLst>
-                              <p:cond delay="0"/>
-                            </p:stCondLst>
-                            <p:childTnLst>
-                              <p:par>
-                                <p:cTn id="5" presetID="10" presetClass="entr" presetSubtype="0" fill="hold" nodeType="clickEffect">
-                                  <p:stCondLst>
-                                    <p:cond delay="0"/>
-                                  </p:stCondLst>
-                                  <p:childTnLst>
-                                    <p:set>
-                                      <p:cBhvr>
-                                        <p:cTn id="6" dur="1" fill="hold">
-                                          <p:stCondLst>
-                                            <p:cond delay="0"/>
-                                          </p:stCondLst>
-                                        </p:cTn>
-                                        <p:tgtEl>
-                                          <p:spTgt spid="9"/>
-                                        </p:tgtEl>
-                                        <p:attrNameLst>
-                                          <p:attrName>style.visibility</p:attrName>
-                                        </p:attrNameLst>
-                                      </p:cBhvr>
-                                      <p:to>
-                                        <p:strVal val="visible"/>
-                                      </p:to>
-                                    </p:set>
-                                    <p:animEffect transition="in" filter="fade">
-                                      <p:cBhvr>
-                                        <p:cTn id="7" dur="500"/>
-                                        <p:tgtEl>
-                                          <p:spTgt spid="9"/>
-                                        </p:tgtEl>
-                                      </p:cBhvr>
-                                    </p:animEffect>
-                                  </p:childTnLst>
-                                </p:cTn>
-                              </p:par>
-                            </p:childTnLst>
-                          </p:cTn>
-                        </p:par>
-                      </p:childTnLst>
-                    </p:cTn>
-                  </p:par>
-                  <p:par>
-                    <p:cTn id="8" fill="hold">
-                      <p:stCondLst>
-                        <p:cond delay="indefinite"/>
-                      </p:stCondLst>
-                      <p:childTnLst>
-                        <p:par>
-                          <p:cTn id="9" fill="hold">
-                            <p:stCondLst>
-                              <p:cond delay="0"/>
-                            </p:stCondLst>
-                            <p:childTnLst>
-                              <p:par>
-                                <p:cTn id="10" presetID="10" presetClass="entr" presetSubtype="0" fill="hold" nodeType="clickEffect">
-                                  <p:stCondLst>
-                                    <p:cond delay="0"/>
-                                  </p:stCondLst>
-                                  <p:childTnLst>
-                                    <p:set>
-                                      <p:cBhvr>
-                                        <p:cTn id="11" dur="1" fill="hold">
-                                          <p:stCondLst>
-                                            <p:cond delay="0"/>
-                                          </p:stCondLst>
-                                        </p:cTn>
-                                        <p:tgtEl>
-                                          <p:spTgt spid="11"/>
-                                        </p:tgtEl>
-                                        <p:attrNameLst>
-                                          <p:attrName>style.visibility</p:attrName>
-                                        </p:attrNameLst>
-                                      </p:cBhvr>
-                                      <p:to>
-                                        <p:strVal val="visible"/>
-                                      </p:to>
-                                    </p:set>
-                                    <p:animEffect transition="in" filter="fade">
-                                      <p:cBhvr>
-                                        <p:cTn id="12" dur="500"/>
-                                        <p:tgtEl>
-                                          <p:spTgt spid="11"/>
-                                        </p:tgtEl>
-                                      </p:cBhvr>
-                                    </p:animEffect>
-                                  </p:childTnLst>
-                                </p:cTn>
-                              </p:par>
-                            </p:childTnLst>
-                          </p:cTn>
-                        </p:par>
-                      </p:childTnLst>
-                    </p:cTn>
-                  </p:par>
-                </p:childTnLst>
-              </p:cTn>
-              <p:prevCondLst>
-                <p:cond evt="onPrev" delay="0">
-                  <p:tgtEl>
-                    <p:sldTgt/>
-                  </p:tgtEl>
-                </p:cond>
-              </p:prevCondLst>
-              <p:nextCondLst>
-                <p:cond evt="onNext" delay="0">
-                  <p:tgtEl>
-                    <p:sldTgt/>
-                  </p:tgtEl>
-                </p:cond>
-              </p:nextCondLst>
-            </p:seq>
-          </p:childTnLst>
-        </p:cTn>
-      </p:par>
-    </p:tnLst>
-  </p:timing>
 </p:sld>
 </file>
 
-<file path=ppt/slides/slide15.xml><?xml version="1.0" encoding="utf-8"?>
+<file path=ppt/slides/slide14.xml><?xml version="1.0" encoding="utf-8"?>
 <p:sld xmlns:a="http://schemas.openxmlformats.org/drawingml/2006/main" xmlns:r="http://schemas.openxmlformats.org/officeDocument/2006/relationships" xmlns:p="http://schemas.openxmlformats.org/presentationml/2006/main">
   <p:cSld>
     <p:spTree>
@@ -8754,222 +8440,7 @@
 </p:sld>
 </file>
 
-<file path=ppt/slides/slide16.xml><?xml version="1.0" encoding="utf-8"?>
-<p:sld xmlns:a="http://schemas.openxmlformats.org/drawingml/2006/main" xmlns:r="http://schemas.openxmlformats.org/officeDocument/2006/relationships" xmlns:p="http://schemas.openxmlformats.org/presentationml/2006/main">
-  <p:cSld>
-    <p:spTree>
-      <p:nvGrpSpPr>
-        <p:cNvPr id="1" name=""/>
-        <p:cNvGrpSpPr/>
-        <p:nvPr/>
-      </p:nvGrpSpPr>
-      <p:grpSpPr>
-        <a:xfrm>
-          <a:off x="0" y="0"/>
-          <a:ext cx="0" cy="0"/>
-          <a:chOff x="0" y="0"/>
-          <a:chExt cx="0" cy="0"/>
-        </a:xfrm>
-      </p:grpSpPr>
-      <p:sp>
-        <p:nvSpPr>
-          <p:cNvPr id="5" name="文本框 4">
-            <a:extLst>
-              <a:ext uri="{FF2B5EF4-FFF2-40B4-BE49-F238E27FC236}">
-                <a16:creationId xmlns:a16="http://schemas.microsoft.com/office/drawing/2014/main" id="{3CD2D3F4-1808-4161-93BD-B2357AC7FED7}"/>
-              </a:ext>
-            </a:extLst>
-          </p:cNvPr>
-          <p:cNvSpPr txBox="1"/>
-          <p:nvPr/>
-        </p:nvSpPr>
-        <p:spPr>
-          <a:xfrm>
-            <a:off x="556181" y="452487"/>
-            <a:ext cx="4336330" cy="646331"/>
-          </a:xfrm>
-          <a:prstGeom prst="rect">
-            <a:avLst/>
-          </a:prstGeom>
-          <a:noFill/>
-        </p:spPr>
-        <p:txBody>
-          <a:bodyPr wrap="square" rtlCol="0">
-            <a:spAutoFit/>
-          </a:bodyPr>
-          <a:lstStyle/>
-          <a:p>
-            <a:r>
-              <a:rPr lang="zh-CN" altLang="en-US" sz="3600" b="1" dirty="0"/>
-              <a:t>数据流图</a:t>
-            </a:r>
-            <a:endParaRPr lang="zh-CN" altLang="en-US" b="1" dirty="0"/>
-          </a:p>
-        </p:txBody>
-      </p:sp>
-      <p:pic>
-        <p:nvPicPr>
-          <p:cNvPr id="9" name="图片 8">
-            <a:extLst>
-              <a:ext uri="{FF2B5EF4-FFF2-40B4-BE49-F238E27FC236}">
-                <a16:creationId xmlns:a16="http://schemas.microsoft.com/office/drawing/2014/main" id="{81F1122D-9BE6-4CC0-A19B-D66875C85D3E}"/>
-              </a:ext>
-            </a:extLst>
-          </p:cNvPr>
-          <p:cNvPicPr>
-            <a:picLocks noChangeAspect="1"/>
-          </p:cNvPicPr>
-          <p:nvPr/>
-        </p:nvPicPr>
-        <p:blipFill>
-          <a:blip r:embed="rId2">
-            <a:extLst>
-              <a:ext uri="{28A0092B-C50C-407E-A947-70E740481C1C}">
-                <a14:useLocalDpi xmlns:a14="http://schemas.microsoft.com/office/drawing/2010/main" val="0"/>
-              </a:ext>
-            </a:extLst>
-          </a:blip>
-          <a:stretch>
-            <a:fillRect/>
-          </a:stretch>
-        </p:blipFill>
-        <p:spPr>
-          <a:xfrm>
-            <a:off x="1596079" y="3630508"/>
-            <a:ext cx="9172575" cy="2505075"/>
-          </a:xfrm>
-          <a:prstGeom prst="rect">
-            <a:avLst/>
-          </a:prstGeom>
-        </p:spPr>
-      </p:pic>
-      <p:pic>
-        <p:nvPicPr>
-          <p:cNvPr id="11" name="图片 10">
-            <a:extLst>
-              <a:ext uri="{FF2B5EF4-FFF2-40B4-BE49-F238E27FC236}">
-                <a16:creationId xmlns:a16="http://schemas.microsoft.com/office/drawing/2014/main" id="{FA165876-1B4B-4DDC-B577-B4D1FAF33CE0}"/>
-              </a:ext>
-            </a:extLst>
-          </p:cNvPr>
-          <p:cNvPicPr>
-            <a:picLocks noChangeAspect="1"/>
-          </p:cNvPicPr>
-          <p:nvPr/>
-        </p:nvPicPr>
-        <p:blipFill>
-          <a:blip r:embed="rId3">
-            <a:extLst>
-              <a:ext uri="{28A0092B-C50C-407E-A947-70E740481C1C}">
-                <a14:useLocalDpi xmlns:a14="http://schemas.microsoft.com/office/drawing/2010/main" val="0"/>
-              </a:ext>
-            </a:extLst>
-          </a:blip>
-          <a:stretch>
-            <a:fillRect/>
-          </a:stretch>
-        </p:blipFill>
-        <p:spPr>
-          <a:xfrm>
-            <a:off x="1596079" y="2017432"/>
-            <a:ext cx="8239125" cy="1143000"/>
-          </a:xfrm>
-          <a:prstGeom prst="rect">
-            <a:avLst/>
-          </a:prstGeom>
-        </p:spPr>
-      </p:pic>
-      <p:sp>
-        <p:nvSpPr>
-          <p:cNvPr id="12" name="文本框 11">
-            <a:extLst>
-              <a:ext uri="{FF2B5EF4-FFF2-40B4-BE49-F238E27FC236}">
-                <a16:creationId xmlns:a16="http://schemas.microsoft.com/office/drawing/2014/main" id="{0782D809-15B5-4CD5-B595-EEABAAA954C6}"/>
-              </a:ext>
-            </a:extLst>
-          </p:cNvPr>
-          <p:cNvSpPr txBox="1"/>
-          <p:nvPr/>
-        </p:nvSpPr>
-        <p:spPr>
-          <a:xfrm>
-            <a:off x="876693" y="2404266"/>
-            <a:ext cx="1046375" cy="369332"/>
-          </a:xfrm>
-          <a:prstGeom prst="rect">
-            <a:avLst/>
-          </a:prstGeom>
-          <a:noFill/>
-        </p:spPr>
-        <p:txBody>
-          <a:bodyPr wrap="square" rtlCol="0">
-            <a:spAutoFit/>
-          </a:bodyPr>
-          <a:lstStyle/>
-          <a:p>
-            <a:r>
-              <a:rPr lang="zh-CN" altLang="en-US" dirty="0"/>
-              <a:t>顶层</a:t>
-            </a:r>
-          </a:p>
-        </p:txBody>
-      </p:sp>
-      <p:sp>
-        <p:nvSpPr>
-          <p:cNvPr id="13" name="文本框 12">
-            <a:extLst>
-              <a:ext uri="{FF2B5EF4-FFF2-40B4-BE49-F238E27FC236}">
-                <a16:creationId xmlns:a16="http://schemas.microsoft.com/office/drawing/2014/main" id="{F3F9CD56-C0F7-461D-9D15-C68FFBD0AE7E}"/>
-              </a:ext>
-            </a:extLst>
-          </p:cNvPr>
-          <p:cNvSpPr txBox="1"/>
-          <p:nvPr/>
-        </p:nvSpPr>
-        <p:spPr>
-          <a:xfrm>
-            <a:off x="952108" y="4053526"/>
-            <a:ext cx="719386" cy="369332"/>
-          </a:xfrm>
-          <a:prstGeom prst="rect">
-            <a:avLst/>
-          </a:prstGeom>
-          <a:noFill/>
-        </p:spPr>
-        <p:txBody>
-          <a:bodyPr wrap="square" rtlCol="0">
-            <a:spAutoFit/>
-          </a:bodyPr>
-          <a:lstStyle/>
-          <a:p>
-            <a:r>
-              <a:rPr lang="en-US" altLang="zh-CN" dirty="0"/>
-              <a:t>0</a:t>
-            </a:r>
-            <a:r>
-              <a:rPr lang="zh-CN" altLang="en-US" dirty="0"/>
-              <a:t>层</a:t>
-            </a:r>
-          </a:p>
-        </p:txBody>
-      </p:sp>
-    </p:spTree>
-    <p:extLst>
-      <p:ext uri="{BB962C8B-B14F-4D97-AF65-F5344CB8AC3E}">
-        <p14:creationId xmlns:p14="http://schemas.microsoft.com/office/powerpoint/2010/main" val="526531663"/>
-      </p:ext>
-    </p:extLst>
-  </p:cSld>
-  <p:clrMapOvr>
-    <a:masterClrMapping/>
-  </p:clrMapOvr>
-  <p:transition spd="slow">
-    <p:push dir="u"/>
-  </p:transition>
-</p:sld>
-</file>
-
-<file path=ppt/slides/slide17.xml><?xml version="1.0" encoding="utf-8"?>
+<file path=ppt/slides/slide15.xml><?xml version="1.0" encoding="utf-8"?>
 <p:sld xmlns:a="http://schemas.openxmlformats.org/drawingml/2006/main" xmlns:r="http://schemas.openxmlformats.org/officeDocument/2006/relationships" xmlns:p="http://schemas.openxmlformats.org/presentationml/2006/main">
   <p:cSld>
     <p:spTree>
@@ -9074,7 +8545,7 @@
 </p:sld>
 </file>
 
-<file path=ppt/slides/slide18.xml><?xml version="1.0" encoding="utf-8"?>
+<file path=ppt/slides/slide16.xml><?xml version="1.0" encoding="utf-8"?>
 <p:sld xmlns:a="http://schemas.openxmlformats.org/drawingml/2006/main" xmlns:r="http://schemas.openxmlformats.org/officeDocument/2006/relationships" xmlns:p="http://schemas.openxmlformats.org/presentationml/2006/main">
   <p:cSld>
     <p:spTree>
@@ -9983,7 +9454,7 @@
 </p:sld>
 </file>
 
-<file path=ppt/slides/slide19.xml><?xml version="1.0" encoding="utf-8"?>
+<file path=ppt/slides/slide17.xml><?xml version="1.0" encoding="utf-8"?>
 <p:sld xmlns:a="http://schemas.openxmlformats.org/drawingml/2006/main" xmlns:r="http://schemas.openxmlformats.org/officeDocument/2006/relationships" xmlns:p="http://schemas.openxmlformats.org/presentationml/2006/main">
   <p:cSld>
     <p:spTree>
@@ -10096,6 +9567,240 @@
   <p:transition spd="med">
     <p:pull/>
   </p:transition>
+</p:sld>
+</file>
+
+<file path=ppt/slides/slide18.xml><?xml version="1.0" encoding="utf-8"?>
+<p:sld xmlns:a="http://schemas.openxmlformats.org/drawingml/2006/main" xmlns:r="http://schemas.openxmlformats.org/officeDocument/2006/relationships" xmlns:p="http://schemas.openxmlformats.org/presentationml/2006/main">
+  <p:cSld>
+    <p:spTree>
+      <p:nvGrpSpPr>
+        <p:cNvPr id="1" name=""/>
+        <p:cNvGrpSpPr/>
+        <p:nvPr/>
+      </p:nvGrpSpPr>
+      <p:grpSpPr>
+        <a:xfrm>
+          <a:off x="0" y="0"/>
+          <a:ext cx="0" cy="0"/>
+          <a:chOff x="0" y="0"/>
+          <a:chExt cx="0" cy="0"/>
+        </a:xfrm>
+      </p:grpSpPr>
+      <p:pic>
+        <p:nvPicPr>
+          <p:cNvPr id="4" name="图片 3">
+            <a:extLst>
+              <a:ext uri="{FF2B5EF4-FFF2-40B4-BE49-F238E27FC236}">
+                <a16:creationId xmlns:a16="http://schemas.microsoft.com/office/drawing/2014/main" id="{6F1F5C21-FB6C-4EE0-B8DC-FE856CA4D11B}"/>
+              </a:ext>
+            </a:extLst>
+          </p:cNvPr>
+          <p:cNvPicPr/>
+          <p:nvPr/>
+        </p:nvPicPr>
+        <p:blipFill>
+          <a:blip r:embed="rId2">
+            <a:extLst>
+              <a:ext uri="{28A0092B-C50C-407E-A947-70E740481C1C}">
+                <a14:useLocalDpi xmlns:a14="http://schemas.microsoft.com/office/drawing/2010/main" val="0"/>
+              </a:ext>
+            </a:extLst>
+          </a:blip>
+          <a:srcRect/>
+          <a:stretch>
+            <a:fillRect/>
+          </a:stretch>
+        </p:blipFill>
+        <p:spPr bwMode="auto">
+          <a:xfrm>
+            <a:off x="3459479" y="1341119"/>
+            <a:ext cx="6888169" cy="5013027"/>
+          </a:xfrm>
+          <a:prstGeom prst="rect">
+            <a:avLst/>
+          </a:prstGeom>
+          <a:noFill/>
+          <a:ln>
+            <a:noFill/>
+          </a:ln>
+        </p:spPr>
+      </p:pic>
+      <p:sp>
+        <p:nvSpPr>
+          <p:cNvPr id="5" name="文本框 4">
+            <a:extLst>
+              <a:ext uri="{FF2B5EF4-FFF2-40B4-BE49-F238E27FC236}">
+                <a16:creationId xmlns:a16="http://schemas.microsoft.com/office/drawing/2014/main" id="{85D595A6-9543-4919-AD30-FEA2AB3960D8}"/>
+              </a:ext>
+            </a:extLst>
+          </p:cNvPr>
+          <p:cNvSpPr txBox="1"/>
+          <p:nvPr/>
+        </p:nvSpPr>
+        <p:spPr>
+          <a:xfrm>
+            <a:off x="556181" y="452487"/>
+            <a:ext cx="4336330" cy="646331"/>
+          </a:xfrm>
+          <a:prstGeom prst="rect">
+            <a:avLst/>
+          </a:prstGeom>
+          <a:noFill/>
+        </p:spPr>
+        <p:txBody>
+          <a:bodyPr wrap="square" rtlCol="0">
+            <a:spAutoFit/>
+          </a:bodyPr>
+          <a:lstStyle/>
+          <a:p>
+            <a:r>
+              <a:rPr lang="zh-CN" altLang="en-US" sz="3600" b="1" dirty="0"/>
+              <a:t>层次方框图</a:t>
+            </a:r>
+            <a:endParaRPr lang="zh-CN" altLang="en-US" b="1" dirty="0"/>
+          </a:p>
+        </p:txBody>
+      </p:sp>
+    </p:spTree>
+    <p:extLst>
+      <p:ext uri="{BB962C8B-B14F-4D97-AF65-F5344CB8AC3E}">
+        <p14:creationId xmlns:p14="http://schemas.microsoft.com/office/powerpoint/2010/main" val="470010874"/>
+      </p:ext>
+    </p:extLst>
+  </p:cSld>
+  <p:clrMapOvr>
+    <a:masterClrMapping/>
+  </p:clrMapOvr>
+  <mc:AlternateContent xmlns:mc="http://schemas.openxmlformats.org/markup-compatibility/2006" xmlns:p14="http://schemas.microsoft.com/office/powerpoint/2010/main">
+    <mc:Choice Requires="p14">
+      <p:transition spd="slow" p14:dur="800">
+        <p:circle/>
+      </p:transition>
+    </mc:Choice>
+    <mc:Fallback xmlns="">
+      <p:transition spd="slow">
+        <p:circle/>
+      </p:transition>
+    </mc:Fallback>
+  </mc:AlternateContent>
+</p:sld>
+</file>
+
+<file path=ppt/slides/slide19.xml><?xml version="1.0" encoding="utf-8"?>
+<p:sld xmlns:a="http://schemas.openxmlformats.org/drawingml/2006/main" xmlns:r="http://schemas.openxmlformats.org/officeDocument/2006/relationships" xmlns:p="http://schemas.openxmlformats.org/presentationml/2006/main">
+  <p:cSld>
+    <p:spTree>
+      <p:nvGrpSpPr>
+        <p:cNvPr id="1" name=""/>
+        <p:cNvGrpSpPr/>
+        <p:nvPr/>
+      </p:nvGrpSpPr>
+      <p:grpSpPr>
+        <a:xfrm>
+          <a:off x="0" y="0"/>
+          <a:ext cx="0" cy="0"/>
+          <a:chOff x="0" y="0"/>
+          <a:chExt cx="0" cy="0"/>
+        </a:xfrm>
+      </p:grpSpPr>
+      <p:pic>
+        <p:nvPicPr>
+          <p:cNvPr id="4" name="图片 3">
+            <a:extLst>
+              <a:ext uri="{FF2B5EF4-FFF2-40B4-BE49-F238E27FC236}">
+                <a16:creationId xmlns:a16="http://schemas.microsoft.com/office/drawing/2014/main" id="{7149751B-51A7-4D21-A19E-05BC0843ED9F}"/>
+              </a:ext>
+            </a:extLst>
+          </p:cNvPr>
+          <p:cNvPicPr/>
+          <p:nvPr/>
+        </p:nvPicPr>
+        <p:blipFill>
+          <a:blip r:embed="rId2">
+            <a:extLst>
+              <a:ext uri="{28A0092B-C50C-407E-A947-70E740481C1C}">
+                <a14:useLocalDpi xmlns:a14="http://schemas.microsoft.com/office/drawing/2010/main" val="0"/>
+              </a:ext>
+            </a:extLst>
+          </a:blip>
+          <a:srcRect/>
+          <a:stretch>
+            <a:fillRect/>
+          </a:stretch>
+        </p:blipFill>
+        <p:spPr bwMode="auto">
+          <a:xfrm>
+            <a:off x="4308564" y="905303"/>
+            <a:ext cx="5936447" cy="5439514"/>
+          </a:xfrm>
+          <a:prstGeom prst="rect">
+            <a:avLst/>
+          </a:prstGeom>
+          <a:noFill/>
+          <a:ln>
+            <a:noFill/>
+          </a:ln>
+        </p:spPr>
+      </p:pic>
+      <p:sp>
+        <p:nvSpPr>
+          <p:cNvPr id="5" name="文本框 4">
+            <a:extLst>
+              <a:ext uri="{FF2B5EF4-FFF2-40B4-BE49-F238E27FC236}">
+                <a16:creationId xmlns:a16="http://schemas.microsoft.com/office/drawing/2014/main" id="{76470C62-A7B9-4936-A0FA-0C8BAD234527}"/>
+              </a:ext>
+            </a:extLst>
+          </p:cNvPr>
+          <p:cNvSpPr txBox="1"/>
+          <p:nvPr/>
+        </p:nvSpPr>
+        <p:spPr>
+          <a:xfrm>
+            <a:off x="556181" y="452487"/>
+            <a:ext cx="4336330" cy="646331"/>
+          </a:xfrm>
+          <a:prstGeom prst="rect">
+            <a:avLst/>
+          </a:prstGeom>
+          <a:noFill/>
+        </p:spPr>
+        <p:txBody>
+          <a:bodyPr wrap="square" rtlCol="0">
+            <a:spAutoFit/>
+          </a:bodyPr>
+          <a:lstStyle/>
+          <a:p>
+            <a:r>
+              <a:rPr lang="zh-CN" altLang="en-US" sz="3600" b="1" dirty="0"/>
+              <a:t>状态图</a:t>
+            </a:r>
+            <a:endParaRPr lang="zh-CN" altLang="en-US" b="1" dirty="0"/>
+          </a:p>
+        </p:txBody>
+      </p:sp>
+    </p:spTree>
+    <p:extLst>
+      <p:ext uri="{BB962C8B-B14F-4D97-AF65-F5344CB8AC3E}">
+        <p14:creationId xmlns:p14="http://schemas.microsoft.com/office/powerpoint/2010/main" val="3139613117"/>
+      </p:ext>
+    </p:extLst>
+  </p:cSld>
+  <p:clrMapOvr>
+    <a:masterClrMapping/>
+  </p:clrMapOvr>
+  <mc:AlternateContent xmlns:mc="http://schemas.openxmlformats.org/markup-compatibility/2006" xmlns:p14="http://schemas.microsoft.com/office/powerpoint/2010/main">
+    <mc:Choice Requires="p14">
+      <p:transition spd="slow" p14:dur="800">
+        <p:circle/>
+      </p:transition>
+    </mc:Choice>
+    <mc:Fallback xmlns="">
+      <p:transition spd="slow">
+        <p:circle/>
+      </p:transition>
+    </mc:Fallback>
+  </mc:AlternateContent>
 </p:sld>
 </file>
 
@@ -11557,240 +11262,6 @@
 </file>
 
 <file path=ppt/slides/slide20.xml><?xml version="1.0" encoding="utf-8"?>
-<p:sld xmlns:a="http://schemas.openxmlformats.org/drawingml/2006/main" xmlns:r="http://schemas.openxmlformats.org/officeDocument/2006/relationships" xmlns:p="http://schemas.openxmlformats.org/presentationml/2006/main">
-  <p:cSld>
-    <p:spTree>
-      <p:nvGrpSpPr>
-        <p:cNvPr id="1" name=""/>
-        <p:cNvGrpSpPr/>
-        <p:nvPr/>
-      </p:nvGrpSpPr>
-      <p:grpSpPr>
-        <a:xfrm>
-          <a:off x="0" y="0"/>
-          <a:ext cx="0" cy="0"/>
-          <a:chOff x="0" y="0"/>
-          <a:chExt cx="0" cy="0"/>
-        </a:xfrm>
-      </p:grpSpPr>
-      <p:pic>
-        <p:nvPicPr>
-          <p:cNvPr id="4" name="图片 3">
-            <a:extLst>
-              <a:ext uri="{FF2B5EF4-FFF2-40B4-BE49-F238E27FC236}">
-                <a16:creationId xmlns:a16="http://schemas.microsoft.com/office/drawing/2014/main" id="{6F1F5C21-FB6C-4EE0-B8DC-FE856CA4D11B}"/>
-              </a:ext>
-            </a:extLst>
-          </p:cNvPr>
-          <p:cNvPicPr/>
-          <p:nvPr/>
-        </p:nvPicPr>
-        <p:blipFill>
-          <a:blip r:embed="rId2">
-            <a:extLst>
-              <a:ext uri="{28A0092B-C50C-407E-A947-70E740481C1C}">
-                <a14:useLocalDpi xmlns:a14="http://schemas.microsoft.com/office/drawing/2010/main" val="0"/>
-              </a:ext>
-            </a:extLst>
-          </a:blip>
-          <a:srcRect/>
-          <a:stretch>
-            <a:fillRect/>
-          </a:stretch>
-        </p:blipFill>
-        <p:spPr bwMode="auto">
-          <a:xfrm>
-            <a:off x="3459479" y="1341119"/>
-            <a:ext cx="6888169" cy="5013027"/>
-          </a:xfrm>
-          <a:prstGeom prst="rect">
-            <a:avLst/>
-          </a:prstGeom>
-          <a:noFill/>
-          <a:ln>
-            <a:noFill/>
-          </a:ln>
-        </p:spPr>
-      </p:pic>
-      <p:sp>
-        <p:nvSpPr>
-          <p:cNvPr id="5" name="文本框 4">
-            <a:extLst>
-              <a:ext uri="{FF2B5EF4-FFF2-40B4-BE49-F238E27FC236}">
-                <a16:creationId xmlns:a16="http://schemas.microsoft.com/office/drawing/2014/main" id="{85D595A6-9543-4919-AD30-FEA2AB3960D8}"/>
-              </a:ext>
-            </a:extLst>
-          </p:cNvPr>
-          <p:cNvSpPr txBox="1"/>
-          <p:nvPr/>
-        </p:nvSpPr>
-        <p:spPr>
-          <a:xfrm>
-            <a:off x="556181" y="452487"/>
-            <a:ext cx="4336330" cy="646331"/>
-          </a:xfrm>
-          <a:prstGeom prst="rect">
-            <a:avLst/>
-          </a:prstGeom>
-          <a:noFill/>
-        </p:spPr>
-        <p:txBody>
-          <a:bodyPr wrap="square" rtlCol="0">
-            <a:spAutoFit/>
-          </a:bodyPr>
-          <a:lstStyle/>
-          <a:p>
-            <a:r>
-              <a:rPr lang="zh-CN" altLang="en-US" sz="3600" b="1" dirty="0"/>
-              <a:t>层次方框图</a:t>
-            </a:r>
-            <a:endParaRPr lang="zh-CN" altLang="en-US" b="1" dirty="0"/>
-          </a:p>
-        </p:txBody>
-      </p:sp>
-    </p:spTree>
-    <p:extLst>
-      <p:ext uri="{BB962C8B-B14F-4D97-AF65-F5344CB8AC3E}">
-        <p14:creationId xmlns:p14="http://schemas.microsoft.com/office/powerpoint/2010/main" val="470010874"/>
-      </p:ext>
-    </p:extLst>
-  </p:cSld>
-  <p:clrMapOvr>
-    <a:masterClrMapping/>
-  </p:clrMapOvr>
-  <mc:AlternateContent xmlns:mc="http://schemas.openxmlformats.org/markup-compatibility/2006" xmlns:p14="http://schemas.microsoft.com/office/powerpoint/2010/main">
-    <mc:Choice Requires="p14">
-      <p:transition spd="slow" p14:dur="800">
-        <p:circle/>
-      </p:transition>
-    </mc:Choice>
-    <mc:Fallback xmlns="">
-      <p:transition spd="slow">
-        <p:circle/>
-      </p:transition>
-    </mc:Fallback>
-  </mc:AlternateContent>
-</p:sld>
-</file>
-
-<file path=ppt/slides/slide21.xml><?xml version="1.0" encoding="utf-8"?>
-<p:sld xmlns:a="http://schemas.openxmlformats.org/drawingml/2006/main" xmlns:r="http://schemas.openxmlformats.org/officeDocument/2006/relationships" xmlns:p="http://schemas.openxmlformats.org/presentationml/2006/main">
-  <p:cSld>
-    <p:spTree>
-      <p:nvGrpSpPr>
-        <p:cNvPr id="1" name=""/>
-        <p:cNvGrpSpPr/>
-        <p:nvPr/>
-      </p:nvGrpSpPr>
-      <p:grpSpPr>
-        <a:xfrm>
-          <a:off x="0" y="0"/>
-          <a:ext cx="0" cy="0"/>
-          <a:chOff x="0" y="0"/>
-          <a:chExt cx="0" cy="0"/>
-        </a:xfrm>
-      </p:grpSpPr>
-      <p:pic>
-        <p:nvPicPr>
-          <p:cNvPr id="4" name="图片 3">
-            <a:extLst>
-              <a:ext uri="{FF2B5EF4-FFF2-40B4-BE49-F238E27FC236}">
-                <a16:creationId xmlns:a16="http://schemas.microsoft.com/office/drawing/2014/main" id="{7149751B-51A7-4D21-A19E-05BC0843ED9F}"/>
-              </a:ext>
-            </a:extLst>
-          </p:cNvPr>
-          <p:cNvPicPr/>
-          <p:nvPr/>
-        </p:nvPicPr>
-        <p:blipFill>
-          <a:blip r:embed="rId2">
-            <a:extLst>
-              <a:ext uri="{28A0092B-C50C-407E-A947-70E740481C1C}">
-                <a14:useLocalDpi xmlns:a14="http://schemas.microsoft.com/office/drawing/2010/main" val="0"/>
-              </a:ext>
-            </a:extLst>
-          </a:blip>
-          <a:srcRect/>
-          <a:stretch>
-            <a:fillRect/>
-          </a:stretch>
-        </p:blipFill>
-        <p:spPr bwMode="auto">
-          <a:xfrm>
-            <a:off x="4308564" y="905303"/>
-            <a:ext cx="5936447" cy="5439514"/>
-          </a:xfrm>
-          <a:prstGeom prst="rect">
-            <a:avLst/>
-          </a:prstGeom>
-          <a:noFill/>
-          <a:ln>
-            <a:noFill/>
-          </a:ln>
-        </p:spPr>
-      </p:pic>
-      <p:sp>
-        <p:nvSpPr>
-          <p:cNvPr id="5" name="文本框 4">
-            <a:extLst>
-              <a:ext uri="{FF2B5EF4-FFF2-40B4-BE49-F238E27FC236}">
-                <a16:creationId xmlns:a16="http://schemas.microsoft.com/office/drawing/2014/main" id="{76470C62-A7B9-4936-A0FA-0C8BAD234527}"/>
-              </a:ext>
-            </a:extLst>
-          </p:cNvPr>
-          <p:cNvSpPr txBox="1"/>
-          <p:nvPr/>
-        </p:nvSpPr>
-        <p:spPr>
-          <a:xfrm>
-            <a:off x="556181" y="452487"/>
-            <a:ext cx="4336330" cy="646331"/>
-          </a:xfrm>
-          <a:prstGeom prst="rect">
-            <a:avLst/>
-          </a:prstGeom>
-          <a:noFill/>
-        </p:spPr>
-        <p:txBody>
-          <a:bodyPr wrap="square" rtlCol="0">
-            <a:spAutoFit/>
-          </a:bodyPr>
-          <a:lstStyle/>
-          <a:p>
-            <a:r>
-              <a:rPr lang="zh-CN" altLang="en-US" sz="3600" b="1" dirty="0"/>
-              <a:t>状态图</a:t>
-            </a:r>
-            <a:endParaRPr lang="zh-CN" altLang="en-US" b="1" dirty="0"/>
-          </a:p>
-        </p:txBody>
-      </p:sp>
-    </p:spTree>
-    <p:extLst>
-      <p:ext uri="{BB962C8B-B14F-4D97-AF65-F5344CB8AC3E}">
-        <p14:creationId xmlns:p14="http://schemas.microsoft.com/office/powerpoint/2010/main" val="3139613117"/>
-      </p:ext>
-    </p:extLst>
-  </p:cSld>
-  <p:clrMapOvr>
-    <a:masterClrMapping/>
-  </p:clrMapOvr>
-  <mc:AlternateContent xmlns:mc="http://schemas.openxmlformats.org/markup-compatibility/2006" xmlns:p14="http://schemas.microsoft.com/office/powerpoint/2010/main">
-    <mc:Choice Requires="p14">
-      <p:transition spd="slow" p14:dur="800">
-        <p:circle/>
-      </p:transition>
-    </mc:Choice>
-    <mc:Fallback xmlns="">
-      <p:transition spd="slow">
-        <p:circle/>
-      </p:transition>
-    </mc:Fallback>
-  </mc:AlternateContent>
-</p:sld>
-</file>
-
-<file path=ppt/slides/slide22.xml><?xml version="1.0" encoding="utf-8"?>
 <p:sld xmlns:a="http://schemas.openxmlformats.org/drawingml/2006/main" xmlns:r="http://schemas.openxmlformats.org/officeDocument/2006/relationships" xmlns:p="http://schemas.openxmlformats.org/presentationml/2006/main">
   <p:cSld>
     <p:spTree>
@@ -12330,7 +11801,7 @@
 </p:sld>
 </file>
 
-<file path=ppt/slides/slide23.xml><?xml version="1.0" encoding="utf-8"?>
+<file path=ppt/slides/slide21.xml><?xml version="1.0" encoding="utf-8"?>
 <p:sld xmlns:a="http://schemas.openxmlformats.org/drawingml/2006/main" xmlns:r="http://schemas.openxmlformats.org/officeDocument/2006/relationships" xmlns:p="http://schemas.openxmlformats.org/presentationml/2006/main">
   <p:cSld>
     <p:spTree>
@@ -12453,7 +11924,7 @@
 </p:sld>
 </file>
 
-<file path=ppt/slides/slide24.xml><?xml version="1.0" encoding="utf-8"?>
+<file path=ppt/slides/slide22.xml><?xml version="1.0" encoding="utf-8"?>
 <p:sld xmlns:a="http://schemas.openxmlformats.org/drawingml/2006/main" xmlns:r="http://schemas.openxmlformats.org/officeDocument/2006/relationships" xmlns:p="http://schemas.openxmlformats.org/presentationml/2006/main">
   <p:cSld>
     <p:spTree>
@@ -12567,7 +12038,7 @@
 </p:sld>
 </file>
 
-<file path=ppt/slides/slide25.xml><?xml version="1.0" encoding="utf-8"?>
+<file path=ppt/slides/slide23.xml><?xml version="1.0" encoding="utf-8"?>
 <p:sld xmlns:a="http://schemas.openxmlformats.org/drawingml/2006/main" xmlns:r="http://schemas.openxmlformats.org/officeDocument/2006/relationships" xmlns:p="http://schemas.openxmlformats.org/presentationml/2006/main">
   <p:cSld>
     <p:spTree>
@@ -13495,7 +12966,7 @@
 </p:sld>
 </file>
 
-<file path=ppt/slides/slide26.xml><?xml version="1.0" encoding="utf-8"?>
+<file path=ppt/slides/slide24.xml><?xml version="1.0" encoding="utf-8"?>
 <p:sld xmlns:a="http://schemas.openxmlformats.org/drawingml/2006/main" xmlns:r="http://schemas.openxmlformats.org/officeDocument/2006/relationships" xmlns:p="http://schemas.openxmlformats.org/presentationml/2006/main">
   <p:cSld>
     <p:spTree>
@@ -13776,7 +13247,7 @@
 </p:sld>
 </file>
 
-<file path=ppt/slides/slide27.xml><?xml version="1.0" encoding="utf-8"?>
+<file path=ppt/slides/slide25.xml><?xml version="1.0" encoding="utf-8"?>
 <p:sld xmlns:a="http://schemas.openxmlformats.org/drawingml/2006/main" xmlns:r="http://schemas.openxmlformats.org/officeDocument/2006/relationships" xmlns:p="http://schemas.openxmlformats.org/presentationml/2006/main">
   <p:cSld>
     <p:spTree>
@@ -14109,7 +13580,7 @@
 </p:sld>
 </file>
 
-<file path=ppt/slides/slide28.xml><?xml version="1.0" encoding="utf-8"?>
+<file path=ppt/slides/slide26.xml><?xml version="1.0" encoding="utf-8"?>
 <p:sld xmlns:a="http://schemas.openxmlformats.org/drawingml/2006/main" xmlns:r="http://schemas.openxmlformats.org/officeDocument/2006/relationships" xmlns:p="http://schemas.openxmlformats.org/presentationml/2006/main">
   <p:cSld>
     <p:spTree>
@@ -16656,6 +16127,14 @@
               <a:rPr lang="zh-CN" altLang="en-US" dirty="0"/>
               <a:t>用户特点：本项目的主要使用用户为在校的大学生</a:t>
             </a:r>
+            <a:endParaRPr lang="en-US" altLang="zh-CN" dirty="0"/>
+          </a:p>
+          <a:p>
+            <a:r>
+              <a:rPr lang="zh-CN" altLang="en-US" dirty="0"/>
+              <a:t>用户代表：吴登钻、陈文宇、林安晨</a:t>
+            </a:r>
+            <a:endParaRPr lang="zh-CN" altLang="en-US" sz="2800" dirty="0"/>
           </a:p>
           <a:p>
             <a:endParaRPr lang="zh-CN" altLang="en-US" dirty="0"/>
@@ -18228,7 +17707,7 @@
                 <a:latin typeface="Noto Sans S Chinese Light" panose="020B0300000000000000" pitchFamily="34" charset="-122"/>
                 <a:ea typeface="Noto Sans S Chinese Light" panose="020B0300000000000000" pitchFamily="34" charset="-122"/>
               </a:rPr>
-              <a:t>产品描述</a:t>
+              <a:t>产品接口</a:t>
             </a:r>
             <a:endParaRPr lang="en-US" altLang="zh-CN" sz="3687" dirty="0">
               <a:solidFill>

--- a/需求规格说明.pptx
+++ b/需求规格说明.pptx
@@ -5,7 +5,7 @@
     <p:sldMasterId id="2147483648" r:id="rId1"/>
   </p:sldMasterIdLst>
   <p:notesMasterIdLst>
-    <p:notesMasterId r:id="rId28"/>
+    <p:notesMasterId r:id="rId25"/>
   </p:notesMasterIdLst>
   <p:sldIdLst>
     <p:sldId id="258" r:id="rId2"/>
@@ -17,28 +17,25 @@
     <p:sldId id="990" r:id="rId8"/>
     <p:sldId id="1013" r:id="rId9"/>
     <p:sldId id="1014" r:id="rId10"/>
-    <p:sldId id="1010" r:id="rId11"/>
-    <p:sldId id="323" r:id="rId12"/>
-    <p:sldId id="1025" r:id="rId13"/>
-    <p:sldId id="1026" r:id="rId14"/>
-    <p:sldId id="1016" r:id="rId15"/>
-    <p:sldId id="1024" r:id="rId16"/>
-    <p:sldId id="1018" r:id="rId17"/>
-    <p:sldId id="1019" r:id="rId18"/>
-    <p:sldId id="1020" r:id="rId19"/>
-    <p:sldId id="1021" r:id="rId20"/>
-    <p:sldId id="1008" r:id="rId21"/>
-    <p:sldId id="1002" r:id="rId22"/>
-    <p:sldId id="994" r:id="rId23"/>
-    <p:sldId id="325" r:id="rId24"/>
-    <p:sldId id="481" r:id="rId25"/>
-    <p:sldId id="995" r:id="rId26"/>
-    <p:sldId id="326" r:id="rId27"/>
+    <p:sldId id="323" r:id="rId11"/>
+    <p:sldId id="1025" r:id="rId12"/>
+    <p:sldId id="1026" r:id="rId13"/>
+    <p:sldId id="1016" r:id="rId14"/>
+    <p:sldId id="1024" r:id="rId15"/>
+    <p:sldId id="1018" r:id="rId16"/>
+    <p:sldId id="1019" r:id="rId17"/>
+    <p:sldId id="1008" r:id="rId18"/>
+    <p:sldId id="1002" r:id="rId19"/>
+    <p:sldId id="994" r:id="rId20"/>
+    <p:sldId id="325" r:id="rId21"/>
+    <p:sldId id="481" r:id="rId22"/>
+    <p:sldId id="995" r:id="rId23"/>
+    <p:sldId id="326" r:id="rId24"/>
   </p:sldIdLst>
   <p:sldSz cx="12192000" cy="6858000"/>
   <p:notesSz cx="6858000" cy="9144000"/>
   <p:custDataLst>
-    <p:tags r:id="rId29"/>
+    <p:tags r:id="rId26"/>
   </p:custDataLst>
   <p:defaultTextStyle>
     <a:defPPr>
@@ -642,7 +639,7 @@
             <a:fld id="{3849D3E0-124D-4DFF-AE99-4EA4CC201DB4}" type="slidenum">
               <a:rPr lang="zh-CN" altLang="en-US" smtClean="0"/>
               <a:pPr/>
-              <a:t>22</a:t>
+              <a:t>19</a:t>
             </a:fld>
             <a:endParaRPr lang="zh-CN" altLang="en-US"/>
           </a:p>
@@ -726,7 +723,7 @@
           <a:p>
             <a:fld id="{1C85B925-22C6-43BA-9A74-53F784B92F66}" type="slidenum">
               <a:rPr lang="zh-CN" altLang="en-US" smtClean="0"/>
-              <a:t>23</a:t>
+              <a:t>20</a:t>
             </a:fld>
             <a:endParaRPr lang="zh-CN" altLang="en-US"/>
           </a:p>
@@ -827,7 +824,7 @@
           <a:p>
             <a:fld id="{26AC16BF-CAEE-4604-890E-226F01BB8BA8}" type="slidenum">
               <a:rPr lang="en-IN" smtClean="0"/>
-              <a:t>24</a:t>
+              <a:t>21</a:t>
             </a:fld>
             <a:endParaRPr lang="en-IN" dirty="0"/>
           </a:p>
@@ -928,7 +925,7 @@
           <a:p>
             <a:fld id="{26AC16BF-CAEE-4604-890E-226F01BB8BA8}" type="slidenum">
               <a:rPr lang="en-IN" smtClean="0"/>
-              <a:t>25</a:t>
+              <a:t>22</a:t>
             </a:fld>
             <a:endParaRPr lang="en-IN" dirty="0"/>
           </a:p>
@@ -1012,7 +1009,7 @@
           <a:p>
             <a:fld id="{1C85B925-22C6-43BA-9A74-53F784B92F66}" type="slidenum">
               <a:rPr lang="zh-CN" altLang="en-US" smtClean="0"/>
-              <a:t>26</a:t>
+              <a:t>23</a:t>
             </a:fld>
             <a:endParaRPr lang="zh-CN" altLang="en-US"/>
           </a:p>
@@ -1615,7 +1612,7 @@
           <a:p>
             <a:fld id="{1C85B925-22C6-43BA-9A74-53F784B92F66}" type="slidenum">
               <a:rPr lang="zh-CN" altLang="en-US" smtClean="0"/>
-              <a:t>11</a:t>
+              <a:t>10</a:t>
             </a:fld>
             <a:endParaRPr lang="zh-CN" altLang="en-US"/>
           </a:p>
@@ -1699,7 +1696,7 @@
           <a:p>
             <a:fld id="{1C85B925-22C6-43BA-9A74-53F784B92F66}" type="slidenum">
               <a:rPr lang="zh-CN" altLang="en-US" smtClean="0"/>
-              <a:t>14</a:t>
+              <a:t>13</a:t>
             </a:fld>
             <a:endParaRPr lang="zh-CN" altLang="en-US"/>
           </a:p>
@@ -5955,120 +5952,6 @@
 </file>
 
 <file path=ppt/slides/slide10.xml><?xml version="1.0" encoding="utf-8"?>
-<p:sld xmlns:a="http://schemas.openxmlformats.org/drawingml/2006/main" xmlns:r="http://schemas.openxmlformats.org/officeDocument/2006/relationships" xmlns:p="http://schemas.openxmlformats.org/presentationml/2006/main">
-  <p:cSld>
-    <p:spTree>
-      <p:nvGrpSpPr>
-        <p:cNvPr id="1" name=""/>
-        <p:cNvGrpSpPr/>
-        <p:nvPr/>
-      </p:nvGrpSpPr>
-      <p:grpSpPr>
-        <a:xfrm>
-          <a:off x="0" y="0"/>
-          <a:ext cx="0" cy="0"/>
-          <a:chOff x="0" y="0"/>
-          <a:chExt cx="0" cy="0"/>
-        </a:xfrm>
-      </p:grpSpPr>
-      <p:sp>
-        <p:nvSpPr>
-          <p:cNvPr id="4" name="文本框 3">
-            <a:extLst>
-              <a:ext uri="{FF2B5EF4-FFF2-40B4-BE49-F238E27FC236}">
-                <a16:creationId xmlns:a16="http://schemas.microsoft.com/office/drawing/2014/main" id="{1E452084-7DBB-478C-A8C0-4B03946DCE49}"/>
-              </a:ext>
-            </a:extLst>
-          </p:cNvPr>
-          <p:cNvSpPr txBox="1"/>
-          <p:nvPr/>
-        </p:nvSpPr>
-        <p:spPr>
-          <a:xfrm>
-            <a:off x="581133" y="571783"/>
-            <a:ext cx="6099142" cy="646331"/>
-          </a:xfrm>
-          <a:prstGeom prst="rect">
-            <a:avLst/>
-          </a:prstGeom>
-          <a:noFill/>
-        </p:spPr>
-        <p:txBody>
-          <a:bodyPr wrap="square">
-            <a:spAutoFit/>
-          </a:bodyPr>
-          <a:lstStyle/>
-          <a:p>
-            <a:r>
-              <a:rPr lang="zh-CN" altLang="en-US" sz="3600" b="1" dirty="0">
-                <a:solidFill>
-                  <a:schemeClr val="tx1">
-                    <a:lumMod val="85000"/>
-                    <a:lumOff val="15000"/>
-                  </a:schemeClr>
-                </a:solidFill>
-                <a:latin typeface="Noto Sans S Chinese Regular" panose="020B0500000000000000" pitchFamily="34" charset="-122"/>
-                <a:ea typeface="Noto Sans S Chinese Regular" panose="020B0500000000000000" pitchFamily="34" charset="-122"/>
-              </a:rPr>
-              <a:t>版本记录</a:t>
-            </a:r>
-            <a:endParaRPr lang="zh-CN" altLang="en-US" sz="3600" dirty="0"/>
-          </a:p>
-        </p:txBody>
-      </p:sp>
-      <p:pic>
-        <p:nvPicPr>
-          <p:cNvPr id="9" name="图片 8">
-            <a:extLst>
-              <a:ext uri="{FF2B5EF4-FFF2-40B4-BE49-F238E27FC236}">
-                <a16:creationId xmlns:a16="http://schemas.microsoft.com/office/drawing/2014/main" id="{027C8946-7BB4-4EA6-A7EE-8194AD3033CD}"/>
-              </a:ext>
-            </a:extLst>
-          </p:cNvPr>
-          <p:cNvPicPr>
-            <a:picLocks noChangeAspect="1"/>
-          </p:cNvPicPr>
-          <p:nvPr/>
-        </p:nvPicPr>
-        <p:blipFill>
-          <a:blip r:embed="rId2">
-            <a:extLst>
-              <a:ext uri="{28A0092B-C50C-407E-A947-70E740481C1C}">
-                <a14:useLocalDpi xmlns:a14="http://schemas.microsoft.com/office/drawing/2010/main" val="0"/>
-              </a:ext>
-            </a:extLst>
-          </a:blip>
-          <a:stretch>
-            <a:fillRect/>
-          </a:stretch>
-        </p:blipFill>
-        <p:spPr>
-          <a:xfrm>
-            <a:off x="724636" y="1437367"/>
-            <a:ext cx="10742727" cy="4198934"/>
-          </a:xfrm>
-          <a:prstGeom prst="rect">
-            <a:avLst/>
-          </a:prstGeom>
-        </p:spPr>
-      </p:pic>
-    </p:spTree>
-    <p:extLst>
-      <p:ext uri="{BB962C8B-B14F-4D97-AF65-F5344CB8AC3E}">
-        <p14:creationId xmlns:p14="http://schemas.microsoft.com/office/powerpoint/2010/main" val="3252992253"/>
-      </p:ext>
-    </p:extLst>
-  </p:cSld>
-  <p:clrMapOvr>
-    <a:masterClrMapping/>
-  </p:clrMapOvr>
-  <p:transition spd="slow">
-    <p:wipe/>
-  </p:transition>
-</p:sld>
-</file>
-
-<file path=ppt/slides/slide11.xml><?xml version="1.0" encoding="utf-8"?>
 <p:sld xmlns:a="http://schemas.openxmlformats.org/drawingml/2006/main" xmlns:r="http://schemas.openxmlformats.org/officeDocument/2006/relationships" xmlns:p="http://schemas.openxmlformats.org/presentationml/2006/main">
   <p:cSld>
     <p:spTree>
@@ -6996,7 +6879,7 @@
 </p:sld>
 </file>
 
-<file path=ppt/slides/slide12.xml><?xml version="1.0" encoding="utf-8"?>
+<file path=ppt/slides/slide11.xml><?xml version="1.0" encoding="utf-8"?>
 <p:sld xmlns:a="http://schemas.openxmlformats.org/drawingml/2006/main" xmlns:r="http://schemas.openxmlformats.org/officeDocument/2006/relationships" xmlns:p="http://schemas.openxmlformats.org/presentationml/2006/main">
   <p:cSld>
     <p:spTree>
@@ -7482,7 +7365,7 @@
 </p:sld>
 </file>
 
-<file path=ppt/slides/slide13.xml><?xml version="1.0" encoding="utf-8"?>
+<file path=ppt/slides/slide12.xml><?xml version="1.0" encoding="utf-8"?>
 <p:sld xmlns:a="http://schemas.openxmlformats.org/drawingml/2006/main" xmlns:r="http://schemas.openxmlformats.org/officeDocument/2006/relationships" xmlns:p="http://schemas.openxmlformats.org/presentationml/2006/main">
   <p:cSld>
     <p:spTree>
@@ -7499,6 +7382,114 @@
           <a:chExt cx="0" cy="0"/>
         </a:xfrm>
       </p:grpSpPr>
+      <p:pic>
+        <p:nvPicPr>
+          <p:cNvPr id="5" name="图片 4">
+            <a:extLst>
+              <a:ext uri="{FF2B5EF4-FFF2-40B4-BE49-F238E27FC236}">
+                <a16:creationId xmlns:a16="http://schemas.microsoft.com/office/drawing/2014/main" id="{A1B05F13-30DD-4688-BB09-794FD8DFF17F}"/>
+              </a:ext>
+            </a:extLst>
+          </p:cNvPr>
+          <p:cNvPicPr>
+            <a:picLocks noChangeAspect="1"/>
+          </p:cNvPicPr>
+          <p:nvPr/>
+        </p:nvPicPr>
+        <p:blipFill>
+          <a:blip r:embed="rId2">
+            <a:extLst>
+              <a:ext uri="{28A0092B-C50C-407E-A947-70E740481C1C}">
+                <a14:useLocalDpi xmlns:a14="http://schemas.microsoft.com/office/drawing/2010/main" val="0"/>
+              </a:ext>
+            </a:extLst>
+          </a:blip>
+          <a:stretch>
+            <a:fillRect/>
+          </a:stretch>
+        </p:blipFill>
+        <p:spPr>
+          <a:xfrm>
+            <a:off x="-374754" y="1273997"/>
+            <a:ext cx="9906237" cy="5584003"/>
+          </a:xfrm>
+          <a:prstGeom prst="rect">
+            <a:avLst/>
+          </a:prstGeom>
+        </p:spPr>
+      </p:pic>
+      <p:pic>
+        <p:nvPicPr>
+          <p:cNvPr id="3" name="图片 2">
+            <a:extLst>
+              <a:ext uri="{FF2B5EF4-FFF2-40B4-BE49-F238E27FC236}">
+                <a16:creationId xmlns:a16="http://schemas.microsoft.com/office/drawing/2014/main" id="{6F786C0E-3BDC-4CE4-9A3F-F2601D313CF3}"/>
+              </a:ext>
+            </a:extLst>
+          </p:cNvPr>
+          <p:cNvPicPr>
+            <a:picLocks noChangeAspect="1"/>
+          </p:cNvPicPr>
+          <p:nvPr/>
+        </p:nvPicPr>
+        <p:blipFill>
+          <a:blip r:embed="rId3">
+            <a:extLst>
+              <a:ext uri="{28A0092B-C50C-407E-A947-70E740481C1C}">
+                <a14:useLocalDpi xmlns:a14="http://schemas.microsoft.com/office/drawing/2010/main" val="0"/>
+              </a:ext>
+            </a:extLst>
+          </a:blip>
+          <a:stretch>
+            <a:fillRect/>
+          </a:stretch>
+        </p:blipFill>
+        <p:spPr>
+          <a:xfrm>
+            <a:off x="357642" y="323581"/>
+            <a:ext cx="11476715" cy="6210838"/>
+          </a:xfrm>
+          <a:prstGeom prst="rect">
+            <a:avLst/>
+          </a:prstGeom>
+        </p:spPr>
+      </p:pic>
+      <p:pic>
+        <p:nvPicPr>
+          <p:cNvPr id="6" name="图片 5">
+            <a:extLst>
+              <a:ext uri="{FF2B5EF4-FFF2-40B4-BE49-F238E27FC236}">
+                <a16:creationId xmlns:a16="http://schemas.microsoft.com/office/drawing/2014/main" id="{5AD6274D-6188-45D1-B59A-3CCA055ADCCC}"/>
+              </a:ext>
+            </a:extLst>
+          </p:cNvPr>
+          <p:cNvPicPr>
+            <a:picLocks noChangeAspect="1"/>
+          </p:cNvPicPr>
+          <p:nvPr/>
+        </p:nvPicPr>
+        <p:blipFill>
+          <a:blip r:embed="rId4">
+            <a:extLst>
+              <a:ext uri="{28A0092B-C50C-407E-A947-70E740481C1C}">
+                <a14:useLocalDpi xmlns:a14="http://schemas.microsoft.com/office/drawing/2010/main" val="0"/>
+              </a:ext>
+            </a:extLst>
+          </a:blip>
+          <a:stretch>
+            <a:fillRect/>
+          </a:stretch>
+        </p:blipFill>
+        <p:spPr>
+          <a:xfrm>
+            <a:off x="315729" y="449322"/>
+            <a:ext cx="11560542" cy="5959356"/>
+          </a:xfrm>
+          <a:prstGeom prst="rect">
+            <a:avLst/>
+          </a:prstGeom>
+        </p:spPr>
+      </p:pic>
     </p:spTree>
     <p:extLst>
       <p:ext uri="{BB962C8B-B14F-4D97-AF65-F5344CB8AC3E}">
@@ -7509,10 +7500,199 @@
   <p:clrMapOvr>
     <a:masterClrMapping/>
   </p:clrMapOvr>
+  <p:timing>
+    <p:tnLst>
+      <p:par>
+        <p:cTn id="1" dur="indefinite" restart="never" nodeType="tmRoot">
+          <p:childTnLst>
+            <p:seq concurrent="1" nextAc="seek">
+              <p:cTn id="2" dur="indefinite" nodeType="mainSeq">
+                <p:childTnLst>
+                  <p:par>
+                    <p:cTn id="3" fill="hold">
+                      <p:stCondLst>
+                        <p:cond delay="indefinite"/>
+                      </p:stCondLst>
+                      <p:childTnLst>
+                        <p:par>
+                          <p:cTn id="4" fill="hold">
+                            <p:stCondLst>
+                              <p:cond delay="0"/>
+                            </p:stCondLst>
+                            <p:childTnLst>
+                              <p:par>
+                                <p:cTn id="5" presetID="10" presetClass="entr" presetSubtype="0" fill="hold" nodeType="clickEffect">
+                                  <p:stCondLst>
+                                    <p:cond delay="0"/>
+                                  </p:stCondLst>
+                                  <p:childTnLst>
+                                    <p:set>
+                                      <p:cBhvr>
+                                        <p:cTn id="6" dur="1" fill="hold">
+                                          <p:stCondLst>
+                                            <p:cond delay="0"/>
+                                          </p:stCondLst>
+                                        </p:cTn>
+                                        <p:tgtEl>
+                                          <p:spTgt spid="5"/>
+                                        </p:tgtEl>
+                                        <p:attrNameLst>
+                                          <p:attrName>style.visibility</p:attrName>
+                                        </p:attrNameLst>
+                                      </p:cBhvr>
+                                      <p:to>
+                                        <p:strVal val="visible"/>
+                                      </p:to>
+                                    </p:set>
+                                    <p:animEffect transition="in" filter="fade">
+                                      <p:cBhvr>
+                                        <p:cTn id="7" dur="500"/>
+                                        <p:tgtEl>
+                                          <p:spTgt spid="5"/>
+                                        </p:tgtEl>
+                                      </p:cBhvr>
+                                    </p:animEffect>
+                                  </p:childTnLst>
+                                </p:cTn>
+                              </p:par>
+                            </p:childTnLst>
+                          </p:cTn>
+                        </p:par>
+                      </p:childTnLst>
+                    </p:cTn>
+                  </p:par>
+                  <p:par>
+                    <p:cTn id="8" fill="hold">
+                      <p:stCondLst>
+                        <p:cond delay="indefinite"/>
+                      </p:stCondLst>
+                      <p:childTnLst>
+                        <p:par>
+                          <p:cTn id="9" fill="hold">
+                            <p:stCondLst>
+                              <p:cond delay="0"/>
+                            </p:stCondLst>
+                            <p:childTnLst>
+                              <p:par>
+                                <p:cTn id="10" presetID="10" presetClass="entr" presetSubtype="0" fill="hold" nodeType="clickEffect">
+                                  <p:stCondLst>
+                                    <p:cond delay="0"/>
+                                  </p:stCondLst>
+                                  <p:childTnLst>
+                                    <p:set>
+                                      <p:cBhvr>
+                                        <p:cTn id="11" dur="1" fill="hold">
+                                          <p:stCondLst>
+                                            <p:cond delay="0"/>
+                                          </p:stCondLst>
+                                        </p:cTn>
+                                        <p:tgtEl>
+                                          <p:spTgt spid="3"/>
+                                        </p:tgtEl>
+                                        <p:attrNameLst>
+                                          <p:attrName>style.visibility</p:attrName>
+                                        </p:attrNameLst>
+                                      </p:cBhvr>
+                                      <p:to>
+                                        <p:strVal val="visible"/>
+                                      </p:to>
+                                    </p:set>
+                                    <p:animEffect transition="in" filter="fade">
+                                      <p:cBhvr>
+                                        <p:cTn id="12" dur="500"/>
+                                        <p:tgtEl>
+                                          <p:spTgt spid="3"/>
+                                        </p:tgtEl>
+                                      </p:cBhvr>
+                                    </p:animEffect>
+                                  </p:childTnLst>
+                                </p:cTn>
+                              </p:par>
+                            </p:childTnLst>
+                          </p:cTn>
+                        </p:par>
+                      </p:childTnLst>
+                    </p:cTn>
+                  </p:par>
+                  <p:par>
+                    <p:cTn id="13" fill="hold">
+                      <p:stCondLst>
+                        <p:cond delay="indefinite"/>
+                      </p:stCondLst>
+                      <p:childTnLst>
+                        <p:par>
+                          <p:cTn id="14" fill="hold">
+                            <p:stCondLst>
+                              <p:cond delay="0"/>
+                            </p:stCondLst>
+                            <p:childTnLst>
+                              <p:par>
+                                <p:cTn id="15" presetID="10" presetClass="entr" presetSubtype="0" fill="hold" nodeType="clickEffect">
+                                  <p:stCondLst>
+                                    <p:cond delay="0"/>
+                                  </p:stCondLst>
+                                  <p:childTnLst>
+                                    <p:set>
+                                      <p:cBhvr>
+                                        <p:cTn id="16" dur="1" fill="hold">
+                                          <p:stCondLst>
+                                            <p:cond delay="0"/>
+                                          </p:stCondLst>
+                                        </p:cTn>
+                                        <p:tgtEl>
+                                          <p:spTgt spid="6"/>
+                                        </p:tgtEl>
+                                        <p:attrNameLst>
+                                          <p:attrName>style.visibility</p:attrName>
+                                        </p:attrNameLst>
+                                      </p:cBhvr>
+                                      <p:to>
+                                        <p:strVal val="visible"/>
+                                      </p:to>
+                                    </p:set>
+                                    <p:animEffect transition="in" filter="fade">
+                                      <p:cBhvr>
+                                        <p:cTn id="17" dur="500"/>
+                                        <p:tgtEl>
+                                          <p:spTgt spid="6"/>
+                                        </p:tgtEl>
+                                      </p:cBhvr>
+                                    </p:animEffect>
+                                  </p:childTnLst>
+                                </p:cTn>
+                              </p:par>
+                            </p:childTnLst>
+                          </p:cTn>
+                        </p:par>
+                      </p:childTnLst>
+                    </p:cTn>
+                  </p:par>
+                </p:childTnLst>
+              </p:cTn>
+              <p:prevCondLst>
+                <p:cond evt="onPrev" delay="0">
+                  <p:tgtEl>
+                    <p:sldTgt/>
+                  </p:tgtEl>
+                </p:cond>
+              </p:prevCondLst>
+              <p:nextCondLst>
+                <p:cond evt="onNext" delay="0">
+                  <p:tgtEl>
+                    <p:sldTgt/>
+                  </p:tgtEl>
+                </p:cond>
+              </p:nextCondLst>
+            </p:seq>
+          </p:childTnLst>
+        </p:cTn>
+      </p:par>
+    </p:tnLst>
+  </p:timing>
 </p:sld>
 </file>
 
-<file path=ppt/slides/slide14.xml><?xml version="1.0" encoding="utf-8"?>
+<file path=ppt/slides/slide13.xml><?xml version="1.0" encoding="utf-8"?>
 <p:sld xmlns:a="http://schemas.openxmlformats.org/drawingml/2006/main" xmlns:r="http://schemas.openxmlformats.org/officeDocument/2006/relationships" xmlns:p="http://schemas.openxmlformats.org/presentationml/2006/main">
   <p:cSld>
     <p:spTree>
@@ -8440,7 +8620,7 @@
 </p:sld>
 </file>
 
-<file path=ppt/slides/slide15.xml><?xml version="1.0" encoding="utf-8"?>
+<file path=ppt/slides/slide14.xml><?xml version="1.0" encoding="utf-8"?>
 <p:sld xmlns:a="http://schemas.openxmlformats.org/drawingml/2006/main" xmlns:r="http://schemas.openxmlformats.org/officeDocument/2006/relationships" xmlns:p="http://schemas.openxmlformats.org/presentationml/2006/main">
   <p:cSld>
     <p:spTree>
@@ -8545,7 +8725,7 @@
 </p:sld>
 </file>
 
-<file path=ppt/slides/slide16.xml><?xml version="1.0" encoding="utf-8"?>
+<file path=ppt/slides/slide15.xml><?xml version="1.0" encoding="utf-8"?>
 <p:sld xmlns:a="http://schemas.openxmlformats.org/drawingml/2006/main" xmlns:r="http://schemas.openxmlformats.org/officeDocument/2006/relationships" xmlns:p="http://schemas.openxmlformats.org/presentationml/2006/main">
   <p:cSld>
     <p:spTree>
@@ -9454,7 +9634,7 @@
 </p:sld>
 </file>
 
-<file path=ppt/slides/slide17.xml><?xml version="1.0" encoding="utf-8"?>
+<file path=ppt/slides/slide16.xml><?xml version="1.0" encoding="utf-8"?>
 <p:sld xmlns:a="http://schemas.openxmlformats.org/drawingml/2006/main" xmlns:r="http://schemas.openxmlformats.org/officeDocument/2006/relationships" xmlns:p="http://schemas.openxmlformats.org/presentationml/2006/main">
   <p:cSld>
     <p:spTree>
@@ -9570,7 +9750,7 @@
 </p:sld>
 </file>
 
-<file path=ppt/slides/slide18.xml><?xml version="1.0" encoding="utf-8"?>
+<file path=ppt/slides/slide17.xml><?xml version="1.0" encoding="utf-8"?>
 <p:sld xmlns:a="http://schemas.openxmlformats.org/drawingml/2006/main" xmlns:r="http://schemas.openxmlformats.org/officeDocument/2006/relationships" xmlns:p="http://schemas.openxmlformats.org/presentationml/2006/main">
   <p:cSld>
     <p:spTree>
@@ -9592,11 +9772,13 @@
           <p:cNvPr id="4" name="图片 3">
             <a:extLst>
               <a:ext uri="{FF2B5EF4-FFF2-40B4-BE49-F238E27FC236}">
-                <a16:creationId xmlns:a16="http://schemas.microsoft.com/office/drawing/2014/main" id="{6F1F5C21-FB6C-4EE0-B8DC-FE856CA4D11B}"/>
+                <a16:creationId xmlns:a16="http://schemas.microsoft.com/office/drawing/2014/main" id="{6D10AFEB-A694-488A-9B0C-8B2870F3EA97}"/>
               </a:ext>
             </a:extLst>
           </p:cNvPr>
-          <p:cNvPicPr/>
+          <p:cNvPicPr>
+            <a:picLocks noChangeAspect="1"/>
+          </p:cNvPicPr>
           <p:nvPr/>
         </p:nvPicPr>
         <p:blipFill>
@@ -9607,23 +9789,54 @@
               </a:ext>
             </a:extLst>
           </a:blip>
-          <a:srcRect/>
           <a:stretch>
             <a:fillRect/>
           </a:stretch>
         </p:blipFill>
-        <p:spPr bwMode="auto">
+        <p:spPr>
           <a:xfrm>
-            <a:off x="3459479" y="1341119"/>
-            <a:ext cx="6888169" cy="5013027"/>
+            <a:off x="437074" y="495046"/>
+            <a:ext cx="5303980" cy="5867908"/>
           </a:xfrm>
           <a:prstGeom prst="rect">
             <a:avLst/>
           </a:prstGeom>
-          <a:noFill/>
-          <a:ln>
-            <a:noFill/>
-          </a:ln>
+        </p:spPr>
+      </p:pic>
+      <p:pic>
+        <p:nvPicPr>
+          <p:cNvPr id="8" name="图片 7">
+            <a:extLst>
+              <a:ext uri="{FF2B5EF4-FFF2-40B4-BE49-F238E27FC236}">
+                <a16:creationId xmlns:a16="http://schemas.microsoft.com/office/drawing/2014/main" id="{9ABAF1CE-16B0-4DF8-9B90-36DA51855AE8}"/>
+              </a:ext>
+            </a:extLst>
+          </p:cNvPr>
+          <p:cNvPicPr>
+            <a:picLocks noChangeAspect="1"/>
+          </p:cNvPicPr>
+          <p:nvPr/>
+        </p:nvPicPr>
+        <p:blipFill>
+          <a:blip r:embed="rId3">
+            <a:extLst>
+              <a:ext uri="{28A0092B-C50C-407E-A947-70E740481C1C}">
+                <a14:useLocalDpi xmlns:a14="http://schemas.microsoft.com/office/drawing/2010/main" val="0"/>
+              </a:ext>
+            </a:extLst>
+          </a:blip>
+          <a:stretch>
+            <a:fillRect/>
+          </a:stretch>
+        </p:blipFill>
+        <p:spPr>
+          <a:xfrm>
+            <a:off x="5741054" y="719855"/>
+            <a:ext cx="5227773" cy="5418290"/>
+          </a:xfrm>
+          <a:prstGeom prst="rect">
+            <a:avLst/>
+          </a:prstGeom>
         </p:spPr>
       </p:pic>
       <p:sp>
@@ -9631,7 +9844,7 @@
           <p:cNvPr id="5" name="文本框 4">
             <a:extLst>
               <a:ext uri="{FF2B5EF4-FFF2-40B4-BE49-F238E27FC236}">
-                <a16:creationId xmlns:a16="http://schemas.microsoft.com/office/drawing/2014/main" id="{85D595A6-9543-4919-AD30-FEA2AB3960D8}"/>
+                <a16:creationId xmlns:a16="http://schemas.microsoft.com/office/drawing/2014/main" id="{09D6B03B-5695-4BF4-B434-3035D8F190D6}"/>
               </a:ext>
             </a:extLst>
           </p:cNvPr>
@@ -9640,8 +9853,8 @@
         </p:nvSpPr>
         <p:spPr>
           <a:xfrm>
-            <a:off x="556181" y="452487"/>
-            <a:ext cx="4336330" cy="646331"/>
+            <a:off x="581133" y="571783"/>
+            <a:ext cx="6099142" cy="646331"/>
           </a:xfrm>
           <a:prstGeom prst="rect">
             <a:avLst/>
@@ -9649,23 +9862,146 @@
           <a:noFill/>
         </p:spPr>
         <p:txBody>
-          <a:bodyPr wrap="square" rtlCol="0">
+          <a:bodyPr wrap="square">
             <a:spAutoFit/>
           </a:bodyPr>
           <a:lstStyle/>
           <a:p>
             <a:r>
-              <a:rPr lang="zh-CN" altLang="en-US" sz="3600" b="1" dirty="0"/>
-              <a:t>层次方框图</a:t>
-            </a:r>
-            <a:endParaRPr lang="zh-CN" altLang="en-US" b="1" dirty="0"/>
+              <a:rPr lang="zh-CN" altLang="en-US" sz="3600" b="1" dirty="0">
+                <a:solidFill>
+                  <a:schemeClr val="tx1">
+                    <a:lumMod val="85000"/>
+                    <a:lumOff val="15000"/>
+                  </a:schemeClr>
+                </a:solidFill>
+                <a:latin typeface="Noto Sans S Chinese Regular" panose="020B0500000000000000" pitchFamily="34" charset="-122"/>
+                <a:ea typeface="Noto Sans S Chinese Regular" panose="020B0500000000000000" pitchFamily="34" charset="-122"/>
+              </a:rPr>
+              <a:t>会议记录</a:t>
+            </a:r>
+            <a:endParaRPr lang="zh-CN" altLang="en-US" sz="3600" dirty="0"/>
           </a:p>
         </p:txBody>
       </p:sp>
     </p:spTree>
     <p:extLst>
       <p:ext uri="{BB962C8B-B14F-4D97-AF65-F5344CB8AC3E}">
-        <p14:creationId xmlns:p14="http://schemas.microsoft.com/office/powerpoint/2010/main" val="470010874"/>
+        <p14:creationId xmlns:p14="http://schemas.microsoft.com/office/powerpoint/2010/main" val="628349601"/>
+      </p:ext>
+    </p:extLst>
+  </p:cSld>
+  <p:clrMapOvr>
+    <a:masterClrMapping/>
+  </p:clrMapOvr>
+  <p:transition spd="med">
+    <p:pull/>
+  </p:transition>
+</p:sld>
+</file>
+
+<file path=ppt/slides/slide18.xml><?xml version="1.0" encoding="utf-8"?>
+<p:sld xmlns:a="http://schemas.openxmlformats.org/drawingml/2006/main" xmlns:r="http://schemas.openxmlformats.org/officeDocument/2006/relationships" xmlns:p="http://schemas.openxmlformats.org/presentationml/2006/main">
+  <p:cSld>
+    <p:spTree>
+      <p:nvGrpSpPr>
+        <p:cNvPr id="1" name=""/>
+        <p:cNvGrpSpPr/>
+        <p:nvPr/>
+      </p:nvGrpSpPr>
+      <p:grpSpPr>
+        <a:xfrm>
+          <a:off x="0" y="0"/>
+          <a:ext cx="0" cy="0"/>
+          <a:chOff x="0" y="0"/>
+          <a:chExt cx="0" cy="0"/>
+        </a:xfrm>
+      </p:grpSpPr>
+      <p:sp>
+        <p:nvSpPr>
+          <p:cNvPr id="3" name="文本框 2">
+            <a:extLst>
+              <a:ext uri="{FF2B5EF4-FFF2-40B4-BE49-F238E27FC236}">
+                <a16:creationId xmlns:a16="http://schemas.microsoft.com/office/drawing/2014/main" id="{1E756619-0E2A-449A-B97E-23AC45042DAD}"/>
+              </a:ext>
+            </a:extLst>
+          </p:cNvPr>
+          <p:cNvSpPr txBox="1"/>
+          <p:nvPr/>
+        </p:nvSpPr>
+        <p:spPr>
+          <a:xfrm>
+            <a:off x="306972" y="612282"/>
+            <a:ext cx="6099142" cy="646331"/>
+          </a:xfrm>
+          <a:prstGeom prst="rect">
+            <a:avLst/>
+          </a:prstGeom>
+          <a:noFill/>
+        </p:spPr>
+        <p:txBody>
+          <a:bodyPr wrap="square">
+            <a:spAutoFit/>
+          </a:bodyPr>
+          <a:lstStyle/>
+          <a:p>
+            <a:r>
+              <a:rPr lang="zh-CN" altLang="en-US" sz="3600" b="1" dirty="0">
+                <a:solidFill>
+                  <a:schemeClr val="tx1">
+                    <a:lumMod val="85000"/>
+                    <a:lumOff val="15000"/>
+                  </a:schemeClr>
+                </a:solidFill>
+                <a:latin typeface="Noto Sans S Chinese Regular" panose="020B0500000000000000" pitchFamily="34" charset="-122"/>
+                <a:ea typeface="Noto Sans S Chinese Regular" panose="020B0500000000000000" pitchFamily="34" charset="-122"/>
+              </a:rPr>
+              <a:t>项目配置管理</a:t>
+            </a:r>
+            <a:endParaRPr lang="zh-CN" altLang="en-US" sz="3600" dirty="0"/>
+          </a:p>
+        </p:txBody>
+      </p:sp>
+      <p:pic>
+        <p:nvPicPr>
+          <p:cNvPr id="5" name="图片 4">
+            <a:extLst>
+              <a:ext uri="{FF2B5EF4-FFF2-40B4-BE49-F238E27FC236}">
+                <a16:creationId xmlns:a16="http://schemas.microsoft.com/office/drawing/2014/main" id="{1C414758-8083-4023-B6E6-A6AF05FF66F6}"/>
+              </a:ext>
+            </a:extLst>
+          </p:cNvPr>
+          <p:cNvPicPr>
+            <a:picLocks noChangeAspect="1"/>
+          </p:cNvPicPr>
+          <p:nvPr/>
+        </p:nvPicPr>
+        <p:blipFill>
+          <a:blip r:embed="rId2">
+            <a:extLst>
+              <a:ext uri="{28A0092B-C50C-407E-A947-70E740481C1C}">
+                <a14:useLocalDpi xmlns:a14="http://schemas.microsoft.com/office/drawing/2010/main" val="0"/>
+              </a:ext>
+            </a:extLst>
+          </a:blip>
+          <a:stretch>
+            <a:fillRect/>
+          </a:stretch>
+        </p:blipFill>
+        <p:spPr>
+          <a:xfrm>
+            <a:off x="3408839" y="646552"/>
+            <a:ext cx="8175715" cy="5599166"/>
+          </a:xfrm>
+          <a:prstGeom prst="rect">
+            <a:avLst/>
+          </a:prstGeom>
+        </p:spPr>
+      </p:pic>
+    </p:spTree>
+    <p:extLst>
+      <p:ext uri="{BB962C8B-B14F-4D97-AF65-F5344CB8AC3E}">
+        <p14:creationId xmlns:p14="http://schemas.microsoft.com/office/powerpoint/2010/main" val="2010383924"/>
       </p:ext>
     </p:extLst>
   </p:cSld>
@@ -9674,13 +10010,13 @@
   </p:clrMapOvr>
   <mc:AlternateContent xmlns:mc="http://schemas.openxmlformats.org/markup-compatibility/2006" xmlns:p14="http://schemas.microsoft.com/office/powerpoint/2010/main">
     <mc:Choice Requires="p14">
-      <p:transition spd="slow" p14:dur="800">
-        <p:circle/>
+      <p:transition spd="slow" p14:dur="1600">
+        <p14:gallery dir="l"/>
       </p:transition>
     </mc:Choice>
     <mc:Fallback xmlns="">
       <p:transition spd="slow">
-        <p:circle/>
+        <p:fade/>
       </p:transition>
     </mc:Fallback>
   </mc:AlternateContent>
@@ -9704,51 +10040,12 @@
           <a:chExt cx="0" cy="0"/>
         </a:xfrm>
       </p:grpSpPr>
-      <p:pic>
-        <p:nvPicPr>
-          <p:cNvPr id="4" name="图片 3">
-            <a:extLst>
-              <a:ext uri="{FF2B5EF4-FFF2-40B4-BE49-F238E27FC236}">
-                <a16:creationId xmlns:a16="http://schemas.microsoft.com/office/drawing/2014/main" id="{7149751B-51A7-4D21-A19E-05BC0843ED9F}"/>
-              </a:ext>
-            </a:extLst>
-          </p:cNvPr>
-          <p:cNvPicPr/>
-          <p:nvPr/>
-        </p:nvPicPr>
-        <p:blipFill>
-          <a:blip r:embed="rId2">
-            <a:extLst>
-              <a:ext uri="{28A0092B-C50C-407E-A947-70E740481C1C}">
-                <a14:useLocalDpi xmlns:a14="http://schemas.microsoft.com/office/drawing/2010/main" val="0"/>
-              </a:ext>
-            </a:extLst>
-          </a:blip>
-          <a:srcRect/>
-          <a:stretch>
-            <a:fillRect/>
-          </a:stretch>
-        </p:blipFill>
-        <p:spPr bwMode="auto">
-          <a:xfrm>
-            <a:off x="4308564" y="905303"/>
-            <a:ext cx="5936447" cy="5439514"/>
-          </a:xfrm>
-          <a:prstGeom prst="rect">
-            <a:avLst/>
-          </a:prstGeom>
-          <a:noFill/>
-          <a:ln>
-            <a:noFill/>
-          </a:ln>
-        </p:spPr>
-      </p:pic>
       <p:sp>
         <p:nvSpPr>
           <p:cNvPr id="5" name="文本框 4">
             <a:extLst>
               <a:ext uri="{FF2B5EF4-FFF2-40B4-BE49-F238E27FC236}">
-                <a16:creationId xmlns:a16="http://schemas.microsoft.com/office/drawing/2014/main" id="{76470C62-A7B9-4936-A0FA-0C8BAD234527}"/>
+                <a16:creationId xmlns:a16="http://schemas.microsoft.com/office/drawing/2014/main" id="{46F2F982-D674-4BA9-8477-62EF70E455E6}"/>
               </a:ext>
             </a:extLst>
           </p:cNvPr>
@@ -9773,16 +10070,52 @@
           <a:p>
             <a:r>
               <a:rPr lang="zh-CN" altLang="en-US" sz="3600" b="1" dirty="0"/>
-              <a:t>状态图</a:t>
+              <a:t>甘特图</a:t>
             </a:r>
             <a:endParaRPr lang="zh-CN" altLang="en-US" b="1" dirty="0"/>
           </a:p>
         </p:txBody>
       </p:sp>
+      <p:pic>
+        <p:nvPicPr>
+          <p:cNvPr id="4" name="图片 3">
+            <a:extLst>
+              <a:ext uri="{FF2B5EF4-FFF2-40B4-BE49-F238E27FC236}">
+                <a16:creationId xmlns:a16="http://schemas.microsoft.com/office/drawing/2014/main" id="{71E6FF47-C852-4465-8811-6B513D71ED36}"/>
+              </a:ext>
+            </a:extLst>
+          </p:cNvPr>
+          <p:cNvPicPr>
+            <a:picLocks noChangeAspect="1"/>
+          </p:cNvPicPr>
+          <p:nvPr/>
+        </p:nvPicPr>
+        <p:blipFill>
+          <a:blip r:embed="rId3">
+            <a:extLst>
+              <a:ext uri="{28A0092B-C50C-407E-A947-70E740481C1C}">
+                <a14:useLocalDpi xmlns:a14="http://schemas.microsoft.com/office/drawing/2010/main" val="0"/>
+              </a:ext>
+            </a:extLst>
+          </a:blip>
+          <a:stretch>
+            <a:fillRect/>
+          </a:stretch>
+        </p:blipFill>
+        <p:spPr>
+          <a:xfrm>
+            <a:off x="0" y="993949"/>
+            <a:ext cx="12192000" cy="4870101"/>
+          </a:xfrm>
+          <a:prstGeom prst="rect">
+            <a:avLst/>
+          </a:prstGeom>
+        </p:spPr>
+      </p:pic>
     </p:spTree>
     <p:extLst>
       <p:ext uri="{BB962C8B-B14F-4D97-AF65-F5344CB8AC3E}">
-        <p14:creationId xmlns:p14="http://schemas.microsoft.com/office/powerpoint/2010/main" val="3139613117"/>
+        <p14:creationId xmlns:p14="http://schemas.microsoft.com/office/powerpoint/2010/main" val="3682945675"/>
       </p:ext>
     </p:extLst>
   </p:cSld>
@@ -9791,13 +10124,13 @@
   </p:clrMapOvr>
   <mc:AlternateContent xmlns:mc="http://schemas.openxmlformats.org/markup-compatibility/2006" xmlns:p14="http://schemas.microsoft.com/office/powerpoint/2010/main">
     <mc:Choice Requires="p14">
-      <p:transition spd="slow" p14:dur="800">
-        <p:circle/>
+      <p:transition spd="slow" p14:dur="1600">
+        <p14:prism isInverted="1"/>
       </p:transition>
     </mc:Choice>
     <mc:Fallback xmlns="">
       <p:transition spd="slow">
-        <p:circle/>
+        <p:fade/>
       </p:transition>
     </mc:Fallback>
   </mc:AlternateContent>
@@ -11262,783 +11595,6 @@
 </file>
 
 <file path=ppt/slides/slide20.xml><?xml version="1.0" encoding="utf-8"?>
-<p:sld xmlns:a="http://schemas.openxmlformats.org/drawingml/2006/main" xmlns:r="http://schemas.openxmlformats.org/officeDocument/2006/relationships" xmlns:p="http://schemas.openxmlformats.org/presentationml/2006/main">
-  <p:cSld>
-    <p:spTree>
-      <p:nvGrpSpPr>
-        <p:cNvPr id="1" name=""/>
-        <p:cNvGrpSpPr/>
-        <p:nvPr/>
-      </p:nvGrpSpPr>
-      <p:grpSpPr>
-        <a:xfrm>
-          <a:off x="0" y="0"/>
-          <a:ext cx="0" cy="0"/>
-          <a:chOff x="0" y="0"/>
-          <a:chExt cx="0" cy="0"/>
-        </a:xfrm>
-      </p:grpSpPr>
-      <p:sp>
-        <p:nvSpPr>
-          <p:cNvPr id="5" name="文本框 4">
-            <a:extLst>
-              <a:ext uri="{FF2B5EF4-FFF2-40B4-BE49-F238E27FC236}">
-                <a16:creationId xmlns:a16="http://schemas.microsoft.com/office/drawing/2014/main" id="{09D6B03B-5695-4BF4-B434-3035D8F190D6}"/>
-              </a:ext>
-            </a:extLst>
-          </p:cNvPr>
-          <p:cNvSpPr txBox="1"/>
-          <p:nvPr/>
-        </p:nvSpPr>
-        <p:spPr>
-          <a:xfrm>
-            <a:off x="581133" y="571783"/>
-            <a:ext cx="6099142" cy="646331"/>
-          </a:xfrm>
-          <a:prstGeom prst="rect">
-            <a:avLst/>
-          </a:prstGeom>
-          <a:noFill/>
-        </p:spPr>
-        <p:txBody>
-          <a:bodyPr wrap="square">
-            <a:spAutoFit/>
-          </a:bodyPr>
-          <a:lstStyle/>
-          <a:p>
-            <a:r>
-              <a:rPr lang="zh-CN" altLang="en-US" sz="3600" b="1" dirty="0">
-                <a:solidFill>
-                  <a:schemeClr val="tx1">
-                    <a:lumMod val="85000"/>
-                    <a:lumOff val="15000"/>
-                  </a:schemeClr>
-                </a:solidFill>
-                <a:latin typeface="Noto Sans S Chinese Regular" panose="020B0500000000000000" pitchFamily="34" charset="-122"/>
-                <a:ea typeface="Noto Sans S Chinese Regular" panose="020B0500000000000000" pitchFamily="34" charset="-122"/>
-              </a:rPr>
-              <a:t>会议记录</a:t>
-            </a:r>
-            <a:endParaRPr lang="zh-CN" altLang="en-US" sz="3600" dirty="0"/>
-          </a:p>
-        </p:txBody>
-      </p:sp>
-      <p:pic>
-        <p:nvPicPr>
-          <p:cNvPr id="3" name="图片 2">
-            <a:extLst>
-              <a:ext uri="{FF2B5EF4-FFF2-40B4-BE49-F238E27FC236}">
-                <a16:creationId xmlns:a16="http://schemas.microsoft.com/office/drawing/2014/main" id="{F2DC1514-DE56-4058-9021-746170A1C05A}"/>
-              </a:ext>
-            </a:extLst>
-          </p:cNvPr>
-          <p:cNvPicPr>
-            <a:picLocks noChangeAspect="1"/>
-          </p:cNvPicPr>
-          <p:nvPr/>
-        </p:nvPicPr>
-        <p:blipFill>
-          <a:blip r:embed="rId2">
-            <a:extLst>
-              <a:ext uri="{28A0092B-C50C-407E-A947-70E740481C1C}">
-                <a14:useLocalDpi xmlns:a14="http://schemas.microsoft.com/office/drawing/2010/main" val="0"/>
-              </a:ext>
-            </a:extLst>
-          </a:blip>
-          <a:stretch>
-            <a:fillRect/>
-          </a:stretch>
-        </p:blipFill>
-        <p:spPr>
-          <a:xfrm>
-            <a:off x="7078537" y="373115"/>
-            <a:ext cx="5113463" cy="6111770"/>
-          </a:xfrm>
-          <a:prstGeom prst="rect">
-            <a:avLst/>
-          </a:prstGeom>
-        </p:spPr>
-      </p:pic>
-      <p:pic>
-        <p:nvPicPr>
-          <p:cNvPr id="7" name="图片 6">
-            <a:extLst>
-              <a:ext uri="{FF2B5EF4-FFF2-40B4-BE49-F238E27FC236}">
-                <a16:creationId xmlns:a16="http://schemas.microsoft.com/office/drawing/2014/main" id="{F3F2DE9C-0FD4-4B24-82A4-CDFF2F05326A}"/>
-              </a:ext>
-            </a:extLst>
-          </p:cNvPr>
-          <p:cNvPicPr>
-            <a:picLocks noChangeAspect="1"/>
-          </p:cNvPicPr>
-          <p:nvPr/>
-        </p:nvPicPr>
-        <p:blipFill>
-          <a:blip r:embed="rId3">
-            <a:extLst>
-              <a:ext uri="{28A0092B-C50C-407E-A947-70E740481C1C}">
-                <a14:useLocalDpi xmlns:a14="http://schemas.microsoft.com/office/drawing/2010/main" val="0"/>
-              </a:ext>
-            </a:extLst>
-          </a:blip>
-          <a:stretch>
-            <a:fillRect/>
-          </a:stretch>
-        </p:blipFill>
-        <p:spPr>
-          <a:xfrm>
-            <a:off x="6841751" y="373115"/>
-            <a:ext cx="5197290" cy="6149873"/>
-          </a:xfrm>
-          <a:prstGeom prst="rect">
-            <a:avLst/>
-          </a:prstGeom>
-        </p:spPr>
-      </p:pic>
-      <p:pic>
-        <p:nvPicPr>
-          <p:cNvPr id="9" name="图片 8">
-            <a:extLst>
-              <a:ext uri="{FF2B5EF4-FFF2-40B4-BE49-F238E27FC236}">
-                <a16:creationId xmlns:a16="http://schemas.microsoft.com/office/drawing/2014/main" id="{1EF7707A-92E5-462B-AB1D-D0291EAA7C72}"/>
-              </a:ext>
-            </a:extLst>
-          </p:cNvPr>
-          <p:cNvPicPr>
-            <a:picLocks noChangeAspect="1"/>
-          </p:cNvPicPr>
-          <p:nvPr/>
-        </p:nvPicPr>
-        <p:blipFill>
-          <a:blip r:embed="rId4">
-            <a:extLst>
-              <a:ext uri="{28A0092B-C50C-407E-A947-70E740481C1C}">
-                <a14:useLocalDpi xmlns:a14="http://schemas.microsoft.com/office/drawing/2010/main" val="0"/>
-              </a:ext>
-            </a:extLst>
-          </a:blip>
-          <a:stretch>
-            <a:fillRect/>
-          </a:stretch>
-        </p:blipFill>
-        <p:spPr>
-          <a:xfrm>
-            <a:off x="2514819" y="335012"/>
-            <a:ext cx="5197290" cy="6111770"/>
-          </a:xfrm>
-          <a:prstGeom prst="rect">
-            <a:avLst/>
-          </a:prstGeom>
-        </p:spPr>
-      </p:pic>
-      <p:pic>
-        <p:nvPicPr>
-          <p:cNvPr id="11" name="图片 10">
-            <a:extLst>
-              <a:ext uri="{FF2B5EF4-FFF2-40B4-BE49-F238E27FC236}">
-                <a16:creationId xmlns:a16="http://schemas.microsoft.com/office/drawing/2014/main" id="{C5569CA6-D44D-464C-AF83-A47A952A2D43}"/>
-              </a:ext>
-            </a:extLst>
-          </p:cNvPr>
-          <p:cNvPicPr>
-            <a:picLocks noChangeAspect="1"/>
-          </p:cNvPicPr>
-          <p:nvPr/>
-        </p:nvPicPr>
-        <p:blipFill>
-          <a:blip r:embed="rId5">
-            <a:extLst>
-              <a:ext uri="{28A0092B-C50C-407E-A947-70E740481C1C}">
-                <a14:useLocalDpi xmlns:a14="http://schemas.microsoft.com/office/drawing/2010/main" val="0"/>
-              </a:ext>
-            </a:extLst>
-          </a:blip>
-          <a:stretch>
-            <a:fillRect/>
-          </a:stretch>
-        </p:blipFill>
-        <p:spPr>
-          <a:xfrm>
-            <a:off x="6910337" y="449322"/>
-            <a:ext cx="5128704" cy="6073666"/>
-          </a:xfrm>
-          <a:prstGeom prst="rect">
-            <a:avLst/>
-          </a:prstGeom>
-        </p:spPr>
-      </p:pic>
-    </p:spTree>
-    <p:extLst>
-      <p:ext uri="{BB962C8B-B14F-4D97-AF65-F5344CB8AC3E}">
-        <p14:creationId xmlns:p14="http://schemas.microsoft.com/office/powerpoint/2010/main" val="628349601"/>
-      </p:ext>
-    </p:extLst>
-  </p:cSld>
-  <p:clrMapOvr>
-    <a:masterClrMapping/>
-  </p:clrMapOvr>
-  <p:transition spd="med">
-    <p:pull/>
-  </p:transition>
-  <p:timing>
-    <p:tnLst>
-      <p:par>
-        <p:cTn id="1" dur="indefinite" restart="never" nodeType="tmRoot">
-          <p:childTnLst>
-            <p:seq concurrent="1" nextAc="seek">
-              <p:cTn id="2" dur="indefinite" nodeType="mainSeq">
-                <p:childTnLst>
-                  <p:par>
-                    <p:cTn id="3" fill="hold">
-                      <p:stCondLst>
-                        <p:cond delay="indefinite"/>
-                      </p:stCondLst>
-                      <p:childTnLst>
-                        <p:par>
-                          <p:cTn id="4" fill="hold">
-                            <p:stCondLst>
-                              <p:cond delay="0"/>
-                            </p:stCondLst>
-                            <p:childTnLst>
-                              <p:par>
-                                <p:cTn id="5" presetID="10" presetClass="entr" presetSubtype="0" fill="hold" nodeType="clickEffect">
-                                  <p:stCondLst>
-                                    <p:cond delay="0"/>
-                                  </p:stCondLst>
-                                  <p:childTnLst>
-                                    <p:set>
-                                      <p:cBhvr>
-                                        <p:cTn id="6" dur="1" fill="hold">
-                                          <p:stCondLst>
-                                            <p:cond delay="0"/>
-                                          </p:stCondLst>
-                                        </p:cTn>
-                                        <p:tgtEl>
-                                          <p:spTgt spid="3"/>
-                                        </p:tgtEl>
-                                        <p:attrNameLst>
-                                          <p:attrName>style.visibility</p:attrName>
-                                        </p:attrNameLst>
-                                      </p:cBhvr>
-                                      <p:to>
-                                        <p:strVal val="visible"/>
-                                      </p:to>
-                                    </p:set>
-                                    <p:animEffect transition="in" filter="fade">
-                                      <p:cBhvr>
-                                        <p:cTn id="7" dur="500"/>
-                                        <p:tgtEl>
-                                          <p:spTgt spid="3"/>
-                                        </p:tgtEl>
-                                      </p:cBhvr>
-                                    </p:animEffect>
-                                  </p:childTnLst>
-                                </p:cTn>
-                              </p:par>
-                            </p:childTnLst>
-                          </p:cTn>
-                        </p:par>
-                      </p:childTnLst>
-                    </p:cTn>
-                  </p:par>
-                  <p:par>
-                    <p:cTn id="8" fill="hold">
-                      <p:stCondLst>
-                        <p:cond delay="indefinite"/>
-                      </p:stCondLst>
-                      <p:childTnLst>
-                        <p:par>
-                          <p:cTn id="9" fill="hold">
-                            <p:stCondLst>
-                              <p:cond delay="0"/>
-                            </p:stCondLst>
-                            <p:childTnLst>
-                              <p:par>
-                                <p:cTn id="10" presetID="10" presetClass="entr" presetSubtype="0" fill="hold" nodeType="clickEffect">
-                                  <p:stCondLst>
-                                    <p:cond delay="0"/>
-                                  </p:stCondLst>
-                                  <p:childTnLst>
-                                    <p:set>
-                                      <p:cBhvr>
-                                        <p:cTn id="11" dur="1" fill="hold">
-                                          <p:stCondLst>
-                                            <p:cond delay="0"/>
-                                          </p:stCondLst>
-                                        </p:cTn>
-                                        <p:tgtEl>
-                                          <p:spTgt spid="7"/>
-                                        </p:tgtEl>
-                                        <p:attrNameLst>
-                                          <p:attrName>style.visibility</p:attrName>
-                                        </p:attrNameLst>
-                                      </p:cBhvr>
-                                      <p:to>
-                                        <p:strVal val="visible"/>
-                                      </p:to>
-                                    </p:set>
-                                    <p:animEffect transition="in" filter="fade">
-                                      <p:cBhvr>
-                                        <p:cTn id="12" dur="500"/>
-                                        <p:tgtEl>
-                                          <p:spTgt spid="7"/>
-                                        </p:tgtEl>
-                                      </p:cBhvr>
-                                    </p:animEffect>
-                                  </p:childTnLst>
-                                </p:cTn>
-                              </p:par>
-                            </p:childTnLst>
-                          </p:cTn>
-                        </p:par>
-                      </p:childTnLst>
-                    </p:cTn>
-                  </p:par>
-                  <p:par>
-                    <p:cTn id="13" fill="hold">
-                      <p:stCondLst>
-                        <p:cond delay="indefinite"/>
-                      </p:stCondLst>
-                      <p:childTnLst>
-                        <p:par>
-                          <p:cTn id="14" fill="hold">
-                            <p:stCondLst>
-                              <p:cond delay="0"/>
-                            </p:stCondLst>
-                            <p:childTnLst>
-                              <p:par>
-                                <p:cTn id="15" presetID="2" presetClass="entr" presetSubtype="4" fill="hold" nodeType="clickEffect">
-                                  <p:stCondLst>
-                                    <p:cond delay="0"/>
-                                  </p:stCondLst>
-                                  <p:childTnLst>
-                                    <p:set>
-                                      <p:cBhvr>
-                                        <p:cTn id="16" dur="1" fill="hold">
-                                          <p:stCondLst>
-                                            <p:cond delay="0"/>
-                                          </p:stCondLst>
-                                        </p:cTn>
-                                        <p:tgtEl>
-                                          <p:spTgt spid="9"/>
-                                        </p:tgtEl>
-                                        <p:attrNameLst>
-                                          <p:attrName>style.visibility</p:attrName>
-                                        </p:attrNameLst>
-                                      </p:cBhvr>
-                                      <p:to>
-                                        <p:strVal val="visible"/>
-                                      </p:to>
-                                    </p:set>
-                                    <p:anim calcmode="lin" valueType="num">
-                                      <p:cBhvr additive="base">
-                                        <p:cTn id="17" dur="500" fill="hold"/>
-                                        <p:tgtEl>
-                                          <p:spTgt spid="9"/>
-                                        </p:tgtEl>
-                                        <p:attrNameLst>
-                                          <p:attrName>ppt_x</p:attrName>
-                                        </p:attrNameLst>
-                                      </p:cBhvr>
-                                      <p:tavLst>
-                                        <p:tav tm="0">
-                                          <p:val>
-                                            <p:strVal val="#ppt_x"/>
-                                          </p:val>
-                                        </p:tav>
-                                        <p:tav tm="100000">
-                                          <p:val>
-                                            <p:strVal val="#ppt_x"/>
-                                          </p:val>
-                                        </p:tav>
-                                      </p:tavLst>
-                                    </p:anim>
-                                    <p:anim calcmode="lin" valueType="num">
-                                      <p:cBhvr additive="base">
-                                        <p:cTn id="18" dur="500" fill="hold"/>
-                                        <p:tgtEl>
-                                          <p:spTgt spid="9"/>
-                                        </p:tgtEl>
-                                        <p:attrNameLst>
-                                          <p:attrName>ppt_y</p:attrName>
-                                        </p:attrNameLst>
-                                      </p:cBhvr>
-                                      <p:tavLst>
-                                        <p:tav tm="0">
-                                          <p:val>
-                                            <p:strVal val="1+#ppt_h/2"/>
-                                          </p:val>
-                                        </p:tav>
-                                        <p:tav tm="100000">
-                                          <p:val>
-                                            <p:strVal val="#ppt_y"/>
-                                          </p:val>
-                                        </p:tav>
-                                      </p:tavLst>
-                                    </p:anim>
-                                  </p:childTnLst>
-                                </p:cTn>
-                              </p:par>
-                            </p:childTnLst>
-                          </p:cTn>
-                        </p:par>
-                      </p:childTnLst>
-                    </p:cTn>
-                  </p:par>
-                  <p:par>
-                    <p:cTn id="19" fill="hold">
-                      <p:stCondLst>
-                        <p:cond delay="indefinite"/>
-                      </p:stCondLst>
-                      <p:childTnLst>
-                        <p:par>
-                          <p:cTn id="20" fill="hold">
-                            <p:stCondLst>
-                              <p:cond delay="0"/>
-                            </p:stCondLst>
-                            <p:childTnLst>
-                              <p:par>
-                                <p:cTn id="21" presetID="2" presetClass="entr" presetSubtype="4" fill="hold" nodeType="clickEffect">
-                                  <p:stCondLst>
-                                    <p:cond delay="0"/>
-                                  </p:stCondLst>
-                                  <p:childTnLst>
-                                    <p:set>
-                                      <p:cBhvr>
-                                        <p:cTn id="22" dur="1" fill="hold">
-                                          <p:stCondLst>
-                                            <p:cond delay="0"/>
-                                          </p:stCondLst>
-                                        </p:cTn>
-                                        <p:tgtEl>
-                                          <p:spTgt spid="11"/>
-                                        </p:tgtEl>
-                                        <p:attrNameLst>
-                                          <p:attrName>style.visibility</p:attrName>
-                                        </p:attrNameLst>
-                                      </p:cBhvr>
-                                      <p:to>
-                                        <p:strVal val="visible"/>
-                                      </p:to>
-                                    </p:set>
-                                    <p:anim calcmode="lin" valueType="num">
-                                      <p:cBhvr additive="base">
-                                        <p:cTn id="23" dur="500" fill="hold"/>
-                                        <p:tgtEl>
-                                          <p:spTgt spid="11"/>
-                                        </p:tgtEl>
-                                        <p:attrNameLst>
-                                          <p:attrName>ppt_x</p:attrName>
-                                        </p:attrNameLst>
-                                      </p:cBhvr>
-                                      <p:tavLst>
-                                        <p:tav tm="0">
-                                          <p:val>
-                                            <p:strVal val="#ppt_x"/>
-                                          </p:val>
-                                        </p:tav>
-                                        <p:tav tm="100000">
-                                          <p:val>
-                                            <p:strVal val="#ppt_x"/>
-                                          </p:val>
-                                        </p:tav>
-                                      </p:tavLst>
-                                    </p:anim>
-                                    <p:anim calcmode="lin" valueType="num">
-                                      <p:cBhvr additive="base">
-                                        <p:cTn id="24" dur="500" fill="hold"/>
-                                        <p:tgtEl>
-                                          <p:spTgt spid="11"/>
-                                        </p:tgtEl>
-                                        <p:attrNameLst>
-                                          <p:attrName>ppt_y</p:attrName>
-                                        </p:attrNameLst>
-                                      </p:cBhvr>
-                                      <p:tavLst>
-                                        <p:tav tm="0">
-                                          <p:val>
-                                            <p:strVal val="1+#ppt_h/2"/>
-                                          </p:val>
-                                        </p:tav>
-                                        <p:tav tm="100000">
-                                          <p:val>
-                                            <p:strVal val="#ppt_y"/>
-                                          </p:val>
-                                        </p:tav>
-                                      </p:tavLst>
-                                    </p:anim>
-                                  </p:childTnLst>
-                                </p:cTn>
-                              </p:par>
-                            </p:childTnLst>
-                          </p:cTn>
-                        </p:par>
-                      </p:childTnLst>
-                    </p:cTn>
-                  </p:par>
-                </p:childTnLst>
-              </p:cTn>
-              <p:prevCondLst>
-                <p:cond evt="onPrev" delay="0">
-                  <p:tgtEl>
-                    <p:sldTgt/>
-                  </p:tgtEl>
-                </p:cond>
-              </p:prevCondLst>
-              <p:nextCondLst>
-                <p:cond evt="onNext" delay="0">
-                  <p:tgtEl>
-                    <p:sldTgt/>
-                  </p:tgtEl>
-                </p:cond>
-              </p:nextCondLst>
-            </p:seq>
-          </p:childTnLst>
-        </p:cTn>
-      </p:par>
-    </p:tnLst>
-  </p:timing>
-</p:sld>
-</file>
-
-<file path=ppt/slides/slide21.xml><?xml version="1.0" encoding="utf-8"?>
-<p:sld xmlns:a="http://schemas.openxmlformats.org/drawingml/2006/main" xmlns:r="http://schemas.openxmlformats.org/officeDocument/2006/relationships" xmlns:p="http://schemas.openxmlformats.org/presentationml/2006/main">
-  <p:cSld>
-    <p:spTree>
-      <p:nvGrpSpPr>
-        <p:cNvPr id="1" name=""/>
-        <p:cNvGrpSpPr/>
-        <p:nvPr/>
-      </p:nvGrpSpPr>
-      <p:grpSpPr>
-        <a:xfrm>
-          <a:off x="0" y="0"/>
-          <a:ext cx="0" cy="0"/>
-          <a:chOff x="0" y="0"/>
-          <a:chExt cx="0" cy="0"/>
-        </a:xfrm>
-      </p:grpSpPr>
-      <p:sp>
-        <p:nvSpPr>
-          <p:cNvPr id="3" name="文本框 2">
-            <a:extLst>
-              <a:ext uri="{FF2B5EF4-FFF2-40B4-BE49-F238E27FC236}">
-                <a16:creationId xmlns:a16="http://schemas.microsoft.com/office/drawing/2014/main" id="{1E756619-0E2A-449A-B97E-23AC45042DAD}"/>
-              </a:ext>
-            </a:extLst>
-          </p:cNvPr>
-          <p:cNvSpPr txBox="1"/>
-          <p:nvPr/>
-        </p:nvSpPr>
-        <p:spPr>
-          <a:xfrm>
-            <a:off x="306972" y="612282"/>
-            <a:ext cx="6099142" cy="646331"/>
-          </a:xfrm>
-          <a:prstGeom prst="rect">
-            <a:avLst/>
-          </a:prstGeom>
-          <a:noFill/>
-        </p:spPr>
-        <p:txBody>
-          <a:bodyPr wrap="square">
-            <a:spAutoFit/>
-          </a:bodyPr>
-          <a:lstStyle/>
-          <a:p>
-            <a:r>
-              <a:rPr lang="zh-CN" altLang="en-US" sz="3600" b="1" dirty="0">
-                <a:solidFill>
-                  <a:schemeClr val="tx1">
-                    <a:lumMod val="85000"/>
-                    <a:lumOff val="15000"/>
-                  </a:schemeClr>
-                </a:solidFill>
-                <a:latin typeface="Noto Sans S Chinese Regular" panose="020B0500000000000000" pitchFamily="34" charset="-122"/>
-                <a:ea typeface="Noto Sans S Chinese Regular" panose="020B0500000000000000" pitchFamily="34" charset="-122"/>
-              </a:rPr>
-              <a:t>项目配置管理</a:t>
-            </a:r>
-            <a:endParaRPr lang="zh-CN" altLang="en-US" sz="3600" dirty="0"/>
-          </a:p>
-        </p:txBody>
-      </p:sp>
-      <p:pic>
-        <p:nvPicPr>
-          <p:cNvPr id="4" name="图片 3">
-            <a:extLst>
-              <a:ext uri="{FF2B5EF4-FFF2-40B4-BE49-F238E27FC236}">
-                <a16:creationId xmlns:a16="http://schemas.microsoft.com/office/drawing/2014/main" id="{4F0B5CA4-F4A7-41A0-9871-3634FC2E671B}"/>
-              </a:ext>
-            </a:extLst>
-          </p:cNvPr>
-          <p:cNvPicPr>
-            <a:picLocks noChangeAspect="1"/>
-          </p:cNvPicPr>
-          <p:nvPr/>
-        </p:nvPicPr>
-        <p:blipFill>
-          <a:blip r:embed="rId2">
-            <a:extLst>
-              <a:ext uri="{28A0092B-C50C-407E-A947-70E740481C1C}">
-                <a14:useLocalDpi xmlns:a14="http://schemas.microsoft.com/office/drawing/2010/main" val="0"/>
-              </a:ext>
-            </a:extLst>
-          </a:blip>
-          <a:stretch>
-            <a:fillRect/>
-          </a:stretch>
-        </p:blipFill>
-        <p:spPr>
-          <a:xfrm>
-            <a:off x="3210883" y="239753"/>
-            <a:ext cx="9297206" cy="6378493"/>
-          </a:xfrm>
-          <a:prstGeom prst="rect">
-            <a:avLst/>
-          </a:prstGeom>
-        </p:spPr>
-      </p:pic>
-    </p:spTree>
-    <p:extLst>
-      <p:ext uri="{BB962C8B-B14F-4D97-AF65-F5344CB8AC3E}">
-        <p14:creationId xmlns:p14="http://schemas.microsoft.com/office/powerpoint/2010/main" val="2010383924"/>
-      </p:ext>
-    </p:extLst>
-  </p:cSld>
-  <p:clrMapOvr>
-    <a:masterClrMapping/>
-  </p:clrMapOvr>
-  <mc:AlternateContent xmlns:mc="http://schemas.openxmlformats.org/markup-compatibility/2006" xmlns:p14="http://schemas.microsoft.com/office/powerpoint/2010/main">
-    <mc:Choice Requires="p14">
-      <p:transition spd="slow" p14:dur="1600">
-        <p14:gallery dir="l"/>
-      </p:transition>
-    </mc:Choice>
-    <mc:Fallback xmlns="">
-      <p:transition spd="slow">
-        <p:fade/>
-      </p:transition>
-    </mc:Fallback>
-  </mc:AlternateContent>
-</p:sld>
-</file>
-
-<file path=ppt/slides/slide22.xml><?xml version="1.0" encoding="utf-8"?>
-<p:sld xmlns:a="http://schemas.openxmlformats.org/drawingml/2006/main" xmlns:r="http://schemas.openxmlformats.org/officeDocument/2006/relationships" xmlns:p="http://schemas.openxmlformats.org/presentationml/2006/main">
-  <p:cSld>
-    <p:spTree>
-      <p:nvGrpSpPr>
-        <p:cNvPr id="1" name=""/>
-        <p:cNvGrpSpPr/>
-        <p:nvPr/>
-      </p:nvGrpSpPr>
-      <p:grpSpPr>
-        <a:xfrm>
-          <a:off x="0" y="0"/>
-          <a:ext cx="0" cy="0"/>
-          <a:chOff x="0" y="0"/>
-          <a:chExt cx="0" cy="0"/>
-        </a:xfrm>
-      </p:grpSpPr>
-      <p:sp>
-        <p:nvSpPr>
-          <p:cNvPr id="5" name="文本框 4">
-            <a:extLst>
-              <a:ext uri="{FF2B5EF4-FFF2-40B4-BE49-F238E27FC236}">
-                <a16:creationId xmlns:a16="http://schemas.microsoft.com/office/drawing/2014/main" id="{46F2F982-D674-4BA9-8477-62EF70E455E6}"/>
-              </a:ext>
-            </a:extLst>
-          </p:cNvPr>
-          <p:cNvSpPr txBox="1"/>
-          <p:nvPr/>
-        </p:nvSpPr>
-        <p:spPr>
-          <a:xfrm>
-            <a:off x="556181" y="452487"/>
-            <a:ext cx="4336330" cy="646331"/>
-          </a:xfrm>
-          <a:prstGeom prst="rect">
-            <a:avLst/>
-          </a:prstGeom>
-          <a:noFill/>
-        </p:spPr>
-        <p:txBody>
-          <a:bodyPr wrap="square" rtlCol="0">
-            <a:spAutoFit/>
-          </a:bodyPr>
-          <a:lstStyle/>
-          <a:p>
-            <a:r>
-              <a:rPr lang="zh-CN" altLang="en-US" sz="3600" b="1" dirty="0"/>
-              <a:t>甘特图</a:t>
-            </a:r>
-            <a:endParaRPr lang="zh-CN" altLang="en-US" b="1" dirty="0"/>
-          </a:p>
-        </p:txBody>
-      </p:sp>
-      <p:pic>
-        <p:nvPicPr>
-          <p:cNvPr id="3" name="图片 2">
-            <a:extLst>
-              <a:ext uri="{FF2B5EF4-FFF2-40B4-BE49-F238E27FC236}">
-                <a16:creationId xmlns:a16="http://schemas.microsoft.com/office/drawing/2014/main" id="{31F29CCE-7D62-4716-82EB-52E32F30FA70}"/>
-              </a:ext>
-            </a:extLst>
-          </p:cNvPr>
-          <p:cNvPicPr>
-            <a:picLocks noChangeAspect="1"/>
-          </p:cNvPicPr>
-          <p:nvPr/>
-        </p:nvPicPr>
-        <p:blipFill>
-          <a:blip r:embed="rId3">
-            <a:extLst>
-              <a:ext uri="{28A0092B-C50C-407E-A947-70E740481C1C}">
-                <a14:useLocalDpi xmlns:a14="http://schemas.microsoft.com/office/drawing/2010/main" val="0"/>
-              </a:ext>
-            </a:extLst>
-          </a:blip>
-          <a:stretch>
-            <a:fillRect/>
-          </a:stretch>
-        </p:blipFill>
-        <p:spPr>
-          <a:xfrm>
-            <a:off x="556181" y="1422032"/>
-            <a:ext cx="11053342" cy="4004407"/>
-          </a:xfrm>
-          <a:prstGeom prst="rect">
-            <a:avLst/>
-          </a:prstGeom>
-        </p:spPr>
-      </p:pic>
-    </p:spTree>
-    <p:extLst>
-      <p:ext uri="{BB962C8B-B14F-4D97-AF65-F5344CB8AC3E}">
-        <p14:creationId xmlns:p14="http://schemas.microsoft.com/office/powerpoint/2010/main" val="3682945675"/>
-      </p:ext>
-    </p:extLst>
-  </p:cSld>
-  <p:clrMapOvr>
-    <a:masterClrMapping/>
-  </p:clrMapOvr>
-  <mc:AlternateContent xmlns:mc="http://schemas.openxmlformats.org/markup-compatibility/2006" xmlns:p14="http://schemas.microsoft.com/office/powerpoint/2010/main">
-    <mc:Choice Requires="p14">
-      <p:transition spd="slow" p14:dur="1600">
-        <p14:prism isInverted="1"/>
-      </p:transition>
-    </mc:Choice>
-    <mc:Fallback xmlns="">
-      <p:transition spd="slow">
-        <p:fade/>
-      </p:transition>
-    </mc:Fallback>
-  </mc:AlternateContent>
-</p:sld>
-</file>
-
-<file path=ppt/slides/slide23.xml><?xml version="1.0" encoding="utf-8"?>
 <p:sld xmlns:a="http://schemas.openxmlformats.org/drawingml/2006/main" xmlns:r="http://schemas.openxmlformats.org/officeDocument/2006/relationships" xmlns:p="http://schemas.openxmlformats.org/presentationml/2006/main">
   <p:cSld>
     <p:spTree>
@@ -12966,7 +12522,7 @@
 </p:sld>
 </file>
 
-<file path=ppt/slides/slide24.xml><?xml version="1.0" encoding="utf-8"?>
+<file path=ppt/slides/slide21.xml><?xml version="1.0" encoding="utf-8"?>
 <p:sld xmlns:a="http://schemas.openxmlformats.org/drawingml/2006/main" xmlns:r="http://schemas.openxmlformats.org/officeDocument/2006/relationships" xmlns:p="http://schemas.openxmlformats.org/presentationml/2006/main">
   <p:cSld>
     <p:spTree>
@@ -13247,7 +12803,7 @@
 </p:sld>
 </file>
 
-<file path=ppt/slides/slide25.xml><?xml version="1.0" encoding="utf-8"?>
+<file path=ppt/slides/slide22.xml><?xml version="1.0" encoding="utf-8"?>
 <p:sld xmlns:a="http://schemas.openxmlformats.org/drawingml/2006/main" xmlns:r="http://schemas.openxmlformats.org/officeDocument/2006/relationships" xmlns:p="http://schemas.openxmlformats.org/presentationml/2006/main">
   <p:cSld>
     <p:spTree>
@@ -13369,147 +12925,6 @@
       </p:sp>
       <p:sp>
         <p:nvSpPr>
-          <p:cNvPr id="4" name="文本框 3">
-            <a:extLst>
-              <a:ext uri="{FF2B5EF4-FFF2-40B4-BE49-F238E27FC236}">
-                <a16:creationId xmlns:a16="http://schemas.microsoft.com/office/drawing/2014/main" id="{5FD3EB94-EC3A-4413-A61A-65BDD2F3AA66}"/>
-              </a:ext>
-            </a:extLst>
-          </p:cNvPr>
-          <p:cNvSpPr txBox="1"/>
-          <p:nvPr/>
-        </p:nvSpPr>
-        <p:spPr>
-          <a:xfrm>
-            <a:off x="1121790" y="4058290"/>
-            <a:ext cx="9624767" cy="1200329"/>
-          </a:xfrm>
-          <a:prstGeom prst="rect">
-            <a:avLst/>
-          </a:prstGeom>
-          <a:noFill/>
-        </p:spPr>
-        <p:txBody>
-          <a:bodyPr wrap="square" rtlCol="0">
-            <a:spAutoFit/>
-          </a:bodyPr>
-          <a:lstStyle/>
-          <a:p>
-            <a:r>
-              <a:rPr lang="zh-CN" altLang="en-US" sz="2400" dirty="0"/>
-              <a:t>吴联想：</a:t>
-            </a:r>
-            <a:r>
-              <a:rPr lang="zh-CN" altLang="zh-CN" dirty="0"/>
-              <a:t>系统的综合要求</a:t>
-            </a:r>
-            <a:r>
-              <a:rPr lang="zh-CN" altLang="en-US" dirty="0"/>
-              <a:t>前四部分、</a:t>
-            </a:r>
-            <a:r>
-              <a:rPr lang="en-US" altLang="zh-CN" dirty="0"/>
-              <a:t>SRS</a:t>
-            </a:r>
-            <a:r>
-              <a:rPr lang="zh-CN" altLang="en-US" dirty="0"/>
-              <a:t>引言部分、</a:t>
-            </a:r>
-            <a:r>
-              <a:rPr lang="zh-CN" altLang="zh-CN" dirty="0"/>
-              <a:t>明确用户类别和用户代表</a:t>
-            </a:r>
-            <a:r>
-              <a:rPr lang="en-US" altLang="zh-CN" dirty="0"/>
-              <a:t> 80</a:t>
-            </a:r>
-            <a:r>
-              <a:rPr lang="zh-CN" altLang="en-US" dirty="0"/>
-              <a:t>分</a:t>
-            </a:r>
-            <a:endParaRPr lang="en-US" altLang="zh-CN" sz="2400" dirty="0"/>
-          </a:p>
-          <a:p>
-            <a:r>
-              <a:rPr lang="zh-CN" altLang="en-US" sz="2400" dirty="0"/>
-              <a:t>郑航舰：</a:t>
-            </a:r>
-            <a:r>
-              <a:rPr lang="zh-CN" altLang="en-US" dirty="0"/>
-              <a:t>系统的综合要求后四部分、</a:t>
-            </a:r>
-            <a:r>
-              <a:rPr lang="en-US" altLang="zh-CN" dirty="0"/>
-              <a:t>word</a:t>
-            </a:r>
-            <a:r>
-              <a:rPr lang="zh-CN" altLang="en-US"/>
-              <a:t>相关内容整合、</a:t>
-            </a:r>
-            <a:r>
-              <a:rPr lang="zh-CN" altLang="zh-CN"/>
-              <a:t>界面</a:t>
-            </a:r>
-            <a:r>
-              <a:rPr lang="zh-CN" altLang="zh-CN" dirty="0"/>
-              <a:t>原型</a:t>
-            </a:r>
-            <a:r>
-              <a:rPr lang="zh-CN" altLang="en-US" dirty="0"/>
-              <a:t>制作  </a:t>
-            </a:r>
-            <a:r>
-              <a:rPr lang="en-US" altLang="zh-CN" dirty="0"/>
-              <a:t>85</a:t>
-            </a:r>
-            <a:r>
-              <a:rPr lang="zh-CN" altLang="en-US" dirty="0"/>
-              <a:t>分</a:t>
-            </a:r>
-            <a:endParaRPr lang="en-US" altLang="zh-CN" sz="2400" dirty="0"/>
-          </a:p>
-          <a:p>
-            <a:r>
-              <a:rPr lang="zh-CN" altLang="en-US" sz="2400" dirty="0"/>
-              <a:t>王义博：</a:t>
-            </a:r>
-            <a:r>
-              <a:rPr lang="zh-CN" altLang="zh-CN" dirty="0"/>
-              <a:t>系统的数据要求</a:t>
-            </a:r>
-            <a:r>
-              <a:rPr lang="zh-CN" altLang="en-US" dirty="0"/>
-              <a:t>、</a:t>
-            </a:r>
-            <a:r>
-              <a:rPr lang="zh-CN" altLang="zh-CN" dirty="0"/>
-              <a:t>逻辑模型</a:t>
-            </a:r>
-            <a:r>
-              <a:rPr lang="zh-CN" altLang="en-US" dirty="0"/>
-              <a:t>、</a:t>
-            </a:r>
-            <a:r>
-              <a:rPr lang="en-US" altLang="zh-CN" dirty="0"/>
-              <a:t> PPT</a:t>
-            </a:r>
-            <a:r>
-              <a:rPr lang="zh-CN" altLang="zh-CN" dirty="0"/>
-              <a:t>制作</a:t>
-            </a:r>
-            <a:r>
-              <a:rPr lang="en-US" altLang="zh-CN" dirty="0"/>
-              <a:t>  88</a:t>
-            </a:r>
-            <a:r>
-              <a:rPr lang="zh-CN" altLang="en-US" dirty="0"/>
-              <a:t>分</a:t>
-            </a:r>
-          </a:p>
-        </p:txBody>
-      </p:sp>
-      <p:sp>
-        <p:nvSpPr>
           <p:cNvPr id="2" name="文本框 1">
             <a:extLst>
               <a:ext uri="{FF2B5EF4-FFF2-40B4-BE49-F238E27FC236}">
@@ -13549,12 +12964,550 @@
                 <a:ea typeface="Microsoft YaHei UI" panose="020B0503020204020204" pitchFamily="34" charset="-122"/>
                 <a:cs typeface="Times New Roman" panose="02020603050405020304" pitchFamily="18" charset="0"/>
               </a:rPr>
-              <a:t>组内成员说明自己在此次项目计划制定中担当的角色，然后小组内部互相匿名打分，取平均值。</a:t>
+              <a:t>组内成员说明自己在此次项目计划制定中担当的角色，然后小组内部互相匿名</a:t>
+            </a:r>
+            <a:r>
+              <a:rPr lang="zh-CN" altLang="en-US" sz="1800" dirty="0">
+                <a:effectLst/>
+                <a:ea typeface="Microsoft YaHei UI" panose="020B0503020204020204" pitchFamily="34" charset="-122"/>
+                <a:cs typeface="Times New Roman" panose="02020603050405020304" pitchFamily="18" charset="0"/>
+              </a:rPr>
+              <a:t>给各项任务</a:t>
+            </a:r>
+            <a:r>
+              <a:rPr lang="zh-CN" altLang="zh-CN" sz="1800" dirty="0">
+                <a:effectLst/>
+                <a:ea typeface="Microsoft YaHei UI" panose="020B0503020204020204" pitchFamily="34" charset="-122"/>
+                <a:cs typeface="Times New Roman" panose="02020603050405020304" pitchFamily="18" charset="0"/>
+              </a:rPr>
+              <a:t>打分，</a:t>
+            </a:r>
+            <a:r>
+              <a:rPr lang="zh-CN" altLang="en-US" sz="1800" dirty="0">
+                <a:effectLst/>
+                <a:ea typeface="Microsoft YaHei UI" panose="020B0503020204020204" pitchFamily="34" charset="-122"/>
+                <a:cs typeface="Times New Roman" panose="02020603050405020304" pitchFamily="18" charset="0"/>
+              </a:rPr>
+              <a:t>最终</a:t>
+            </a:r>
+            <a:r>
+              <a:rPr lang="zh-CN" altLang="zh-CN" sz="1800" dirty="0">
+                <a:effectLst/>
+                <a:ea typeface="Microsoft YaHei UI" panose="020B0503020204020204" pitchFamily="34" charset="-122"/>
+                <a:cs typeface="Times New Roman" panose="02020603050405020304" pitchFamily="18" charset="0"/>
+              </a:rPr>
+              <a:t>取平均值。</a:t>
             </a:r>
             <a:endParaRPr lang="zh-CN" altLang="en-US" dirty="0"/>
           </a:p>
         </p:txBody>
       </p:sp>
+      <p:graphicFrame>
+        <p:nvGraphicFramePr>
+          <p:cNvPr id="3" name="表格 4">
+            <a:extLst>
+              <a:ext uri="{FF2B5EF4-FFF2-40B4-BE49-F238E27FC236}">
+                <a16:creationId xmlns:a16="http://schemas.microsoft.com/office/drawing/2014/main" id="{8C24B5E7-D35B-4891-BA67-3C43ABF1241B}"/>
+              </a:ext>
+            </a:extLst>
+          </p:cNvPr>
+          <p:cNvGraphicFramePr>
+            <a:graphicFrameLocks noGrp="1"/>
+          </p:cNvGraphicFramePr>
+          <p:nvPr>
+            <p:extLst>
+              <p:ext uri="{D42A27DB-BD31-4B8C-83A1-F6EECF244321}">
+                <p14:modId xmlns:p14="http://schemas.microsoft.com/office/powerpoint/2010/main" val="2431588891"/>
+              </p:ext>
+            </p:extLst>
+          </p:nvPr>
+        </p:nvGraphicFramePr>
+        <p:xfrm>
+          <a:off x="959907" y="3496063"/>
+          <a:ext cx="10281310" cy="2291080"/>
+        </p:xfrm>
+        <a:graphic>
+          <a:graphicData uri="http://schemas.openxmlformats.org/drawingml/2006/table">
+            <a:tbl>
+              <a:tblPr firstRow="1" bandRow="1">
+                <a:tableStyleId>{5C22544A-7EE6-4342-B048-85BDC9FD1C3A}</a:tableStyleId>
+              </a:tblPr>
+              <a:tblGrid>
+                <a:gridCol w="1255392">
+                  <a:extLst>
+                    <a:ext uri="{9D8B030D-6E8A-4147-A177-3AD203B41FA5}">
+                      <a16:colId xmlns:a16="http://schemas.microsoft.com/office/drawing/2014/main" val="1831617522"/>
+                    </a:ext>
+                  </a:extLst>
+                </a:gridCol>
+                <a:gridCol w="3181160">
+                  <a:extLst>
+                    <a:ext uri="{9D8B030D-6E8A-4147-A177-3AD203B41FA5}">
+                      <a16:colId xmlns:a16="http://schemas.microsoft.com/office/drawing/2014/main" val="1004733872"/>
+                    </a:ext>
+                  </a:extLst>
+                </a:gridCol>
+                <a:gridCol w="2248525">
+                  <a:extLst>
+                    <a:ext uri="{9D8B030D-6E8A-4147-A177-3AD203B41FA5}">
+                      <a16:colId xmlns:a16="http://schemas.microsoft.com/office/drawing/2014/main" val="1071015987"/>
+                    </a:ext>
+                  </a:extLst>
+                </a:gridCol>
+                <a:gridCol w="2818769">
+                  <a:extLst>
+                    <a:ext uri="{9D8B030D-6E8A-4147-A177-3AD203B41FA5}">
+                      <a16:colId xmlns:a16="http://schemas.microsoft.com/office/drawing/2014/main" val="905062154"/>
+                    </a:ext>
+                  </a:extLst>
+                </a:gridCol>
+                <a:gridCol w="777464">
+                  <a:extLst>
+                    <a:ext uri="{9D8B030D-6E8A-4147-A177-3AD203B41FA5}">
+                      <a16:colId xmlns:a16="http://schemas.microsoft.com/office/drawing/2014/main" val="3126108067"/>
+                    </a:ext>
+                  </a:extLst>
+                </a:gridCol>
+              </a:tblGrid>
+              <a:tr h="370840">
+                <a:tc>
+                  <a:txBody>
+                    <a:bodyPr/>
+                    <a:lstStyle/>
+                    <a:p>
+                      <a:r>
+                        <a:rPr lang="zh-CN" altLang="en-US" dirty="0"/>
+                        <a:t>任务</a:t>
+                      </a:r>
+                    </a:p>
+                  </a:txBody>
+                  <a:tcPr/>
+                </a:tc>
+                <a:tc>
+                  <a:txBody>
+                    <a:bodyPr/>
+                    <a:lstStyle/>
+                    <a:p>
+                      <a:r>
+                        <a:rPr lang="en-US" altLang="zh-CN" dirty="0"/>
+                        <a:t>1</a:t>
+                      </a:r>
+                      <a:endParaRPr lang="zh-CN" altLang="en-US" dirty="0"/>
+                    </a:p>
+                  </a:txBody>
+                  <a:tcPr/>
+                </a:tc>
+                <a:tc>
+                  <a:txBody>
+                    <a:bodyPr/>
+                    <a:lstStyle/>
+                    <a:p>
+                      <a:r>
+                        <a:rPr lang="en-US" altLang="zh-CN" dirty="0"/>
+                        <a:t>2</a:t>
+                      </a:r>
+                      <a:endParaRPr lang="zh-CN" altLang="en-US" dirty="0"/>
+                    </a:p>
+                  </a:txBody>
+                  <a:tcPr/>
+                </a:tc>
+                <a:tc>
+                  <a:txBody>
+                    <a:bodyPr/>
+                    <a:lstStyle/>
+                    <a:p>
+                      <a:r>
+                        <a:rPr lang="en-US" altLang="zh-CN" dirty="0"/>
+                        <a:t>3</a:t>
+                      </a:r>
+                      <a:endParaRPr lang="zh-CN" altLang="en-US" dirty="0"/>
+                    </a:p>
+                  </a:txBody>
+                  <a:tcPr/>
+                </a:tc>
+                <a:tc>
+                  <a:txBody>
+                    <a:bodyPr/>
+                    <a:lstStyle/>
+                    <a:p>
+                      <a:r>
+                        <a:rPr lang="zh-CN" altLang="en-US" dirty="0"/>
+                        <a:t>最终</a:t>
+                      </a:r>
+                    </a:p>
+                  </a:txBody>
+                  <a:tcPr/>
+                </a:tc>
+                <a:extLst>
+                  <a:ext uri="{0D108BD9-81ED-4DB2-BD59-A6C34878D82A}">
+                    <a16:rowId xmlns:a16="http://schemas.microsoft.com/office/drawing/2014/main" val="1925321790"/>
+                  </a:ext>
+                </a:extLst>
+              </a:tr>
+              <a:tr h="370840">
+                <a:tc>
+                  <a:txBody>
+                    <a:bodyPr/>
+                    <a:lstStyle/>
+                    <a:p>
+                      <a:r>
+                        <a:rPr lang="zh-CN" altLang="en-US" dirty="0"/>
+                        <a:t>吴联想</a:t>
+                      </a:r>
+                    </a:p>
+                  </a:txBody>
+                  <a:tcPr/>
+                </a:tc>
+                <a:tc>
+                  <a:txBody>
+                    <a:bodyPr/>
+                    <a:lstStyle/>
+                    <a:p>
+                      <a:r>
+                        <a:rPr lang="zh-CN" altLang="zh-CN" dirty="0"/>
+                        <a:t>系统的综合要求</a:t>
+                      </a:r>
+                      <a:r>
+                        <a:rPr lang="zh-CN" altLang="en-US" dirty="0"/>
+                        <a:t>前四部分 </a:t>
+                      </a:r>
+                      <a:r>
+                        <a:rPr lang="en-US" altLang="zh-CN" dirty="0"/>
+                        <a:t>80</a:t>
+                      </a:r>
+                      <a:endParaRPr lang="zh-CN" altLang="en-US" dirty="0"/>
+                    </a:p>
+                  </a:txBody>
+                  <a:tcPr/>
+                </a:tc>
+                <a:tc>
+                  <a:txBody>
+                    <a:bodyPr/>
+                    <a:lstStyle/>
+                    <a:p>
+                      <a:r>
+                        <a:rPr lang="en-US" altLang="zh-CN" dirty="0"/>
+                        <a:t>SRS</a:t>
+                      </a:r>
+                      <a:r>
+                        <a:rPr lang="zh-CN" altLang="en-US" dirty="0"/>
+                        <a:t>引言部分</a:t>
+                      </a:r>
+                      <a:endParaRPr lang="en-US" altLang="zh-CN" dirty="0"/>
+                    </a:p>
+                    <a:p>
+                      <a:r>
+                        <a:rPr lang="en-US" altLang="zh-CN" dirty="0"/>
+                        <a:t>75</a:t>
+                      </a:r>
+                      <a:endParaRPr lang="zh-CN" altLang="en-US" dirty="0"/>
+                    </a:p>
+                  </a:txBody>
+                  <a:tcPr/>
+                </a:tc>
+                <a:tc>
+                  <a:txBody>
+                    <a:bodyPr/>
+                    <a:lstStyle/>
+                    <a:p>
+                      <a:r>
+                        <a:rPr lang="zh-CN" altLang="zh-CN" dirty="0"/>
+                        <a:t>明确用户类别和用户代表</a:t>
+                      </a:r>
+                      <a:r>
+                        <a:rPr lang="en-US" altLang="zh-CN" dirty="0"/>
+                        <a:t> </a:t>
+                      </a:r>
+                    </a:p>
+                    <a:p>
+                      <a:r>
+                        <a:rPr lang="en-US" altLang="zh-CN" dirty="0"/>
+                        <a:t>85</a:t>
+                      </a:r>
+                      <a:endParaRPr lang="zh-CN" altLang="en-US" dirty="0"/>
+                    </a:p>
+                  </a:txBody>
+                  <a:tcPr/>
+                </a:tc>
+                <a:tc>
+                  <a:txBody>
+                    <a:bodyPr/>
+                    <a:lstStyle/>
+                    <a:p>
+                      <a:r>
+                        <a:rPr lang="en-US" altLang="zh-CN" dirty="0"/>
+                        <a:t>80</a:t>
+                      </a:r>
+                      <a:endParaRPr lang="zh-CN" altLang="en-US" dirty="0"/>
+                    </a:p>
+                  </a:txBody>
+                  <a:tcPr/>
+                </a:tc>
+                <a:extLst>
+                  <a:ext uri="{0D108BD9-81ED-4DB2-BD59-A6C34878D82A}">
+                    <a16:rowId xmlns:a16="http://schemas.microsoft.com/office/drawing/2014/main" val="2428712632"/>
+                  </a:ext>
+                </a:extLst>
+              </a:tr>
+              <a:tr h="370840">
+                <a:tc>
+                  <a:txBody>
+                    <a:bodyPr/>
+                    <a:lstStyle/>
+                    <a:p>
+                      <a:r>
+                        <a:rPr lang="zh-CN" altLang="en-US" dirty="0"/>
+                        <a:t>郑航舰</a:t>
+                      </a:r>
+                    </a:p>
+                  </a:txBody>
+                  <a:tcPr/>
+                </a:tc>
+                <a:tc>
+                  <a:txBody>
+                    <a:bodyPr/>
+                    <a:lstStyle/>
+                    <a:p>
+                      <a:r>
+                        <a:rPr lang="zh-CN" altLang="en-US" dirty="0"/>
+                        <a:t>系统的综合要求后四部分</a:t>
+                      </a:r>
+                      <a:endParaRPr lang="en-US" altLang="zh-CN" dirty="0"/>
+                    </a:p>
+                    <a:p>
+                      <a:r>
+                        <a:rPr lang="en-US" altLang="zh-CN" dirty="0"/>
+                        <a:t>87</a:t>
+                      </a:r>
+                      <a:endParaRPr lang="zh-CN" altLang="en-US" dirty="0"/>
+                    </a:p>
+                  </a:txBody>
+                  <a:tcPr/>
+                </a:tc>
+                <a:tc>
+                  <a:txBody>
+                    <a:bodyPr/>
+                    <a:lstStyle/>
+                    <a:p>
+                      <a:r>
+                        <a:rPr lang="en-US" altLang="zh-CN" dirty="0"/>
+                        <a:t>word</a:t>
+                      </a:r>
+                      <a:r>
+                        <a:rPr lang="zh-CN" altLang="en-US" dirty="0"/>
+                        <a:t>相关内容整合</a:t>
+                      </a:r>
+                      <a:endParaRPr lang="en-US" altLang="zh-CN" dirty="0"/>
+                    </a:p>
+                    <a:p>
+                      <a:r>
+                        <a:rPr lang="en-US" altLang="zh-CN" dirty="0"/>
+                        <a:t>78</a:t>
+                      </a:r>
+                      <a:endParaRPr lang="zh-CN" altLang="en-US" dirty="0"/>
+                    </a:p>
+                  </a:txBody>
+                  <a:tcPr/>
+                </a:tc>
+                <a:tc>
+                  <a:txBody>
+                    <a:bodyPr/>
+                    <a:lstStyle/>
+                    <a:p>
+                      <a:r>
+                        <a:rPr lang="zh-CN" altLang="zh-CN" dirty="0"/>
+                        <a:t>原型</a:t>
+                      </a:r>
+                      <a:r>
+                        <a:rPr lang="zh-CN" altLang="en-US" dirty="0"/>
+                        <a:t>用户界面制作</a:t>
+                      </a:r>
+                      <a:endParaRPr lang="en-US" altLang="zh-CN" dirty="0"/>
+                    </a:p>
+                    <a:p>
+                      <a:r>
+                        <a:rPr lang="en-US" altLang="zh-CN" dirty="0"/>
+                        <a:t>90</a:t>
+                      </a:r>
+                      <a:endParaRPr lang="zh-CN" altLang="en-US" dirty="0"/>
+                    </a:p>
+                  </a:txBody>
+                  <a:tcPr/>
+                </a:tc>
+                <a:tc>
+                  <a:txBody>
+                    <a:bodyPr/>
+                    <a:lstStyle/>
+                    <a:p>
+                      <a:r>
+                        <a:rPr lang="en-US" altLang="zh-CN" dirty="0"/>
+                        <a:t>85</a:t>
+                      </a:r>
+                      <a:endParaRPr lang="zh-CN" altLang="en-US" dirty="0"/>
+                    </a:p>
+                  </a:txBody>
+                  <a:tcPr/>
+                </a:tc>
+                <a:extLst>
+                  <a:ext uri="{0D108BD9-81ED-4DB2-BD59-A6C34878D82A}">
+                    <a16:rowId xmlns:a16="http://schemas.microsoft.com/office/drawing/2014/main" val="2413075482"/>
+                  </a:ext>
+                </a:extLst>
+              </a:tr>
+              <a:tr h="370840">
+                <a:tc>
+                  <a:txBody>
+                    <a:bodyPr/>
+                    <a:lstStyle/>
+                    <a:p>
+                      <a:r>
+                        <a:rPr lang="zh-CN" altLang="en-US" dirty="0"/>
+                        <a:t>王义博</a:t>
+                      </a:r>
+                    </a:p>
+                  </a:txBody>
+                  <a:tcPr/>
+                </a:tc>
+                <a:tc>
+                  <a:txBody>
+                    <a:bodyPr/>
+                    <a:lstStyle/>
+                    <a:p>
+                      <a:pPr marL="0" marR="0" lvl="0" indent="0" algn="l" defTabSz="914400" rtl="0" eaLnBrk="1" fontAlgn="auto" latinLnBrk="0" hangingPunct="1">
+                        <a:lnSpc>
+                          <a:spcPct val="100000"/>
+                        </a:lnSpc>
+                        <a:spcBef>
+                          <a:spcPts val="0"/>
+                        </a:spcBef>
+                        <a:spcAft>
+                          <a:spcPts val="0"/>
+                        </a:spcAft>
+                        <a:buClrTx/>
+                        <a:buSzTx/>
+                        <a:buFontTx/>
+                        <a:buNone/>
+                        <a:tabLst/>
+                        <a:defRPr/>
+                      </a:pPr>
+                      <a:r>
+                        <a:rPr lang="zh-CN" altLang="zh-CN" dirty="0"/>
+                        <a:t>系统的数据要求</a:t>
+                      </a:r>
+                      <a:r>
+                        <a:rPr lang="zh-CN" altLang="en-US" dirty="0"/>
+                        <a:t>、</a:t>
+                      </a:r>
+                      <a:r>
+                        <a:rPr lang="zh-CN" altLang="zh-CN" dirty="0"/>
+                        <a:t>逻辑模型</a:t>
+                      </a:r>
+                      <a:endParaRPr lang="en-US" altLang="zh-CN" dirty="0"/>
+                    </a:p>
+                    <a:p>
+                      <a:r>
+                        <a:rPr lang="en-US" altLang="zh-CN" dirty="0"/>
+                        <a:t>88</a:t>
+                      </a:r>
+                      <a:endParaRPr lang="zh-CN" altLang="en-US" dirty="0"/>
+                    </a:p>
+                  </a:txBody>
+                  <a:tcPr/>
+                </a:tc>
+                <a:tc>
+                  <a:txBody>
+                    <a:bodyPr/>
+                    <a:lstStyle/>
+                    <a:p>
+                      <a:pPr marL="0" marR="0" lvl="0" indent="0" algn="l" defTabSz="914400" rtl="0" eaLnBrk="1" fontAlgn="auto" latinLnBrk="0" hangingPunct="1">
+                        <a:lnSpc>
+                          <a:spcPct val="100000"/>
+                        </a:lnSpc>
+                        <a:spcBef>
+                          <a:spcPts val="0"/>
+                        </a:spcBef>
+                        <a:spcAft>
+                          <a:spcPts val="0"/>
+                        </a:spcAft>
+                        <a:buClrTx/>
+                        <a:buSzTx/>
+                        <a:buFontTx/>
+                        <a:buNone/>
+                        <a:tabLst/>
+                        <a:defRPr/>
+                      </a:pPr>
+                      <a:r>
+                        <a:rPr lang="zh-CN" altLang="zh-CN" dirty="0"/>
+                        <a:t>原型</a:t>
+                      </a:r>
+                      <a:r>
+                        <a:rPr lang="zh-CN" altLang="en-US" dirty="0"/>
+                        <a:t>管理员界面制作</a:t>
+                      </a:r>
+                      <a:endParaRPr lang="en-US" altLang="zh-CN" dirty="0"/>
+                    </a:p>
+                    <a:p>
+                      <a:r>
+                        <a:rPr lang="en-US" altLang="zh-CN" dirty="0"/>
+                        <a:t>86</a:t>
+                      </a:r>
+                      <a:endParaRPr lang="zh-CN" altLang="en-US" dirty="0"/>
+                    </a:p>
+                  </a:txBody>
+                  <a:tcPr/>
+                </a:tc>
+                <a:tc>
+                  <a:txBody>
+                    <a:bodyPr/>
+                    <a:lstStyle/>
+                    <a:p>
+                      <a:r>
+                        <a:rPr lang="en-US" altLang="zh-CN" dirty="0"/>
+                        <a:t>PPT</a:t>
+                      </a:r>
+                      <a:r>
+                        <a:rPr lang="zh-CN" altLang="en-US" dirty="0"/>
+                        <a:t>制作</a:t>
+                      </a:r>
+                      <a:r>
+                        <a:rPr lang="en-US" altLang="zh-CN" dirty="0"/>
+                        <a:t> </a:t>
+                      </a:r>
+                    </a:p>
+                    <a:p>
+                      <a:r>
+                        <a:rPr lang="en-US" altLang="zh-CN" dirty="0"/>
+                        <a:t>80</a:t>
+                      </a:r>
+                      <a:endParaRPr lang="zh-CN" altLang="en-US" dirty="0"/>
+                    </a:p>
+                  </a:txBody>
+                  <a:tcPr/>
+                </a:tc>
+                <a:tc>
+                  <a:txBody>
+                    <a:bodyPr/>
+                    <a:lstStyle/>
+                    <a:p>
+                      <a:r>
+                        <a:rPr lang="en-US" altLang="zh-CN" dirty="0"/>
+                        <a:t>84</a:t>
+                      </a:r>
+                      <a:endParaRPr lang="zh-CN" altLang="en-US" dirty="0"/>
+                    </a:p>
+                  </a:txBody>
+                  <a:tcPr/>
+                </a:tc>
+                <a:extLst>
+                  <a:ext uri="{0D108BD9-81ED-4DB2-BD59-A6C34878D82A}">
+                    <a16:rowId xmlns:a16="http://schemas.microsoft.com/office/drawing/2014/main" val="2526630349"/>
+                  </a:ext>
+                </a:extLst>
+              </a:tr>
+            </a:tbl>
+          </a:graphicData>
+        </a:graphic>
+      </p:graphicFrame>
     </p:spTree>
     <p:extLst>
       <p:ext uri="{BB962C8B-B14F-4D97-AF65-F5344CB8AC3E}">
@@ -13580,7 +13533,7 @@
 </p:sld>
 </file>
 
-<file path=ppt/slides/slide26.xml><?xml version="1.0" encoding="utf-8"?>
+<file path=ppt/slides/slide23.xml><?xml version="1.0" encoding="utf-8"?>
 <p:sld xmlns:a="http://schemas.openxmlformats.org/drawingml/2006/main" xmlns:r="http://schemas.openxmlformats.org/officeDocument/2006/relationships" xmlns:p="http://schemas.openxmlformats.org/presentationml/2006/main">
   <p:cSld>
     <p:spTree>

--- a/需求规格说明.pptx
+++ b/需求规格说明.pptx
@@ -227,7 +227,7 @@
           <a:p>
             <a:fld id="{11E1A13A-D60A-422D-BAA6-E4E7ADFA2A21}" type="datetimeFigureOut">
               <a:rPr lang="zh-CN" altLang="en-US" smtClean="0"/>
-              <a:t>2021/10/27</a:t>
+              <a:t>2021/10/31</a:t>
             </a:fld>
             <a:endParaRPr lang="zh-CN" altLang="en-US"/>
           </a:p>
@@ -1867,7 +1867,7 @@
           <a:p>
             <a:fld id="{BBC58E1B-5923-4CAF-B9CC-D14A574623CF}" type="datetimeFigureOut">
               <a:rPr lang="zh-CN" altLang="en-US" smtClean="0"/>
-              <a:t>2021/10/27</a:t>
+              <a:t>2021/10/31</a:t>
             </a:fld>
             <a:endParaRPr lang="zh-CN" altLang="en-US"/>
           </a:p>
@@ -2065,7 +2065,7 @@
           <a:p>
             <a:fld id="{BBC58E1B-5923-4CAF-B9CC-D14A574623CF}" type="datetimeFigureOut">
               <a:rPr lang="zh-CN" altLang="en-US" smtClean="0"/>
-              <a:t>2021/10/27</a:t>
+              <a:t>2021/10/31</a:t>
             </a:fld>
             <a:endParaRPr lang="zh-CN" altLang="en-US"/>
           </a:p>
@@ -2273,7 +2273,7 @@
           <a:p>
             <a:fld id="{BBC58E1B-5923-4CAF-B9CC-D14A574623CF}" type="datetimeFigureOut">
               <a:rPr lang="zh-CN" altLang="en-US" smtClean="0"/>
-              <a:t>2021/10/27</a:t>
+              <a:t>2021/10/31</a:t>
             </a:fld>
             <a:endParaRPr lang="zh-CN" altLang="en-US"/>
           </a:p>
@@ -2611,7 +2611,7 @@
               <a:pPr>
                 <a:defRPr/>
               </a:pPr>
-              <a:t>2021/10/27</a:t>
+              <a:t>2021/10/31</a:t>
             </a:fld>
             <a:endParaRPr lang="zh-CN" altLang="en-US"/>
           </a:p>
@@ -2814,7 +2814,7 @@
           <a:p>
             <a:fld id="{BBC58E1B-5923-4CAF-B9CC-D14A574623CF}" type="datetimeFigureOut">
               <a:rPr lang="zh-CN" altLang="en-US" smtClean="0"/>
-              <a:t>2021/10/27</a:t>
+              <a:t>2021/10/31</a:t>
             </a:fld>
             <a:endParaRPr lang="zh-CN" altLang="en-US"/>
           </a:p>
@@ -3089,7 +3089,7 @@
           <a:p>
             <a:fld id="{BBC58E1B-5923-4CAF-B9CC-D14A574623CF}" type="datetimeFigureOut">
               <a:rPr lang="zh-CN" altLang="en-US" smtClean="0"/>
-              <a:t>2021/10/27</a:t>
+              <a:t>2021/10/31</a:t>
             </a:fld>
             <a:endParaRPr lang="zh-CN" altLang="en-US"/>
           </a:p>
@@ -3354,7 +3354,7 @@
           <a:p>
             <a:fld id="{BBC58E1B-5923-4CAF-B9CC-D14A574623CF}" type="datetimeFigureOut">
               <a:rPr lang="zh-CN" altLang="en-US" smtClean="0"/>
-              <a:t>2021/10/27</a:t>
+              <a:t>2021/10/31</a:t>
             </a:fld>
             <a:endParaRPr lang="zh-CN" altLang="en-US"/>
           </a:p>
@@ -3766,7 +3766,7 @@
           <a:p>
             <a:fld id="{BBC58E1B-5923-4CAF-B9CC-D14A574623CF}" type="datetimeFigureOut">
               <a:rPr lang="zh-CN" altLang="en-US" smtClean="0"/>
-              <a:t>2021/10/27</a:t>
+              <a:t>2021/10/31</a:t>
             </a:fld>
             <a:endParaRPr lang="zh-CN" altLang="en-US"/>
           </a:p>
@@ -3907,7 +3907,7 @@
           <a:p>
             <a:fld id="{BBC58E1B-5923-4CAF-B9CC-D14A574623CF}" type="datetimeFigureOut">
               <a:rPr lang="zh-CN" altLang="en-US" smtClean="0"/>
-              <a:t>2021/10/27</a:t>
+              <a:t>2021/10/31</a:t>
             </a:fld>
             <a:endParaRPr lang="zh-CN" altLang="en-US"/>
           </a:p>
@@ -4020,7 +4020,7 @@
           <a:p>
             <a:fld id="{BBC58E1B-5923-4CAF-B9CC-D14A574623CF}" type="datetimeFigureOut">
               <a:rPr lang="zh-CN" altLang="en-US" smtClean="0"/>
-              <a:t>2021/10/27</a:t>
+              <a:t>2021/10/31</a:t>
             </a:fld>
             <a:endParaRPr lang="zh-CN" altLang="en-US"/>
           </a:p>
@@ -4331,7 +4331,7 @@
           <a:p>
             <a:fld id="{BBC58E1B-5923-4CAF-B9CC-D14A574623CF}" type="datetimeFigureOut">
               <a:rPr lang="zh-CN" altLang="en-US" smtClean="0"/>
-              <a:t>2021/10/27</a:t>
+              <a:t>2021/10/31</a:t>
             </a:fld>
             <a:endParaRPr lang="zh-CN" altLang="en-US"/>
           </a:p>
@@ -4619,7 +4619,7 @@
           <a:p>
             <a:fld id="{BBC58E1B-5923-4CAF-B9CC-D14A574623CF}" type="datetimeFigureOut">
               <a:rPr lang="zh-CN" altLang="en-US" smtClean="0"/>
-              <a:t>2021/10/27</a:t>
+              <a:t>2021/10/31</a:t>
             </a:fld>
             <a:endParaRPr lang="zh-CN" altLang="en-US"/>
           </a:p>
@@ -4895,7 +4895,7 @@
           <a:p>
             <a:fld id="{BBC58E1B-5923-4CAF-B9CC-D14A574623CF}" type="datetimeFigureOut">
               <a:rPr lang="zh-CN" altLang="en-US" smtClean="0"/>
-              <a:t>2021/10/27</a:t>
+              <a:t>2021/10/31</a:t>
             </a:fld>
             <a:endParaRPr lang="zh-CN" altLang="en-US"/>
           </a:p>
@@ -5643,7 +5643,7 @@
         <p:spPr bwMode="auto">
           <a:xfrm>
             <a:off x="3139727" y="5361547"/>
-            <a:ext cx="7991693" cy="738664"/>
+            <a:ext cx="9052273" cy="738664"/>
           </a:xfrm>
           <a:prstGeom prst="rect">
             <a:avLst/>
@@ -5841,7 +5841,7 @@
                 <a:ea typeface="Noto Sans S Chinese Medium" panose="020B0600000000000000" pitchFamily="34" charset="-122"/>
                 <a:cs typeface="Arial" panose="020B0604020202020204" pitchFamily="34" charset="0"/>
               </a:rPr>
-              <a:t>校园表白墙 </a:t>
+              <a:t>校园表白墙  </a:t>
             </a:r>
             <a:r>
               <a:rPr lang="en-US" altLang="zh-CN" sz="4800" dirty="0">

--- a/需求规格说明.pptx
+++ b/需求规格说明.pptx
@@ -5,7 +5,7 @@
     <p:sldMasterId id="2147483648" r:id="rId1"/>
   </p:sldMasterIdLst>
   <p:notesMasterIdLst>
-    <p:notesMasterId r:id="rId30"/>
+    <p:notesMasterId r:id="rId25"/>
   </p:notesMasterIdLst>
   <p:sldIdLst>
     <p:sldId id="258" r:id="rId2"/>
@@ -17,30 +17,25 @@
     <p:sldId id="990" r:id="rId8"/>
     <p:sldId id="1013" r:id="rId9"/>
     <p:sldId id="1014" r:id="rId10"/>
-    <p:sldId id="1010" r:id="rId11"/>
-    <p:sldId id="323" r:id="rId12"/>
-    <p:sldId id="1015" r:id="rId13"/>
-    <p:sldId id="1025" r:id="rId14"/>
-    <p:sldId id="1026" r:id="rId15"/>
-    <p:sldId id="1016" r:id="rId16"/>
-    <p:sldId id="1017" r:id="rId17"/>
-    <p:sldId id="1024" r:id="rId18"/>
-    <p:sldId id="1018" r:id="rId19"/>
-    <p:sldId id="1019" r:id="rId20"/>
-    <p:sldId id="1020" r:id="rId21"/>
-    <p:sldId id="1021" r:id="rId22"/>
-    <p:sldId id="1008" r:id="rId23"/>
-    <p:sldId id="1002" r:id="rId24"/>
-    <p:sldId id="994" r:id="rId25"/>
-    <p:sldId id="325" r:id="rId26"/>
-    <p:sldId id="481" r:id="rId27"/>
-    <p:sldId id="995" r:id="rId28"/>
-    <p:sldId id="326" r:id="rId29"/>
+    <p:sldId id="323" r:id="rId11"/>
+    <p:sldId id="1025" r:id="rId12"/>
+    <p:sldId id="1026" r:id="rId13"/>
+    <p:sldId id="1016" r:id="rId14"/>
+    <p:sldId id="1024" r:id="rId15"/>
+    <p:sldId id="1018" r:id="rId16"/>
+    <p:sldId id="1019" r:id="rId17"/>
+    <p:sldId id="1008" r:id="rId18"/>
+    <p:sldId id="1002" r:id="rId19"/>
+    <p:sldId id="994" r:id="rId20"/>
+    <p:sldId id="325" r:id="rId21"/>
+    <p:sldId id="481" r:id="rId22"/>
+    <p:sldId id="995" r:id="rId23"/>
+    <p:sldId id="326" r:id="rId24"/>
   </p:sldIdLst>
   <p:sldSz cx="12192000" cy="6858000"/>
   <p:notesSz cx="6858000" cy="9144000"/>
   <p:custDataLst>
-    <p:tags r:id="rId31"/>
+    <p:tags r:id="rId26"/>
   </p:custDataLst>
   <p:defaultTextStyle>
     <a:defPPr>
@@ -644,7 +639,7 @@
             <a:fld id="{3849D3E0-124D-4DFF-AE99-4EA4CC201DB4}" type="slidenum">
               <a:rPr lang="zh-CN" altLang="en-US" smtClean="0"/>
               <a:pPr/>
-              <a:t>24</a:t>
+              <a:t>19</a:t>
             </a:fld>
             <a:endParaRPr lang="zh-CN" altLang="en-US"/>
           </a:p>
@@ -728,7 +723,7 @@
           <a:p>
             <a:fld id="{1C85B925-22C6-43BA-9A74-53F784B92F66}" type="slidenum">
               <a:rPr lang="zh-CN" altLang="en-US" smtClean="0"/>
-              <a:t>25</a:t>
+              <a:t>20</a:t>
             </a:fld>
             <a:endParaRPr lang="zh-CN" altLang="en-US"/>
           </a:p>
@@ -829,7 +824,7 @@
           <a:p>
             <a:fld id="{26AC16BF-CAEE-4604-890E-226F01BB8BA8}" type="slidenum">
               <a:rPr lang="en-IN" smtClean="0"/>
-              <a:t>26</a:t>
+              <a:t>21</a:t>
             </a:fld>
             <a:endParaRPr lang="en-IN" dirty="0"/>
           </a:p>
@@ -930,7 +925,7 @@
           <a:p>
             <a:fld id="{26AC16BF-CAEE-4604-890E-226F01BB8BA8}" type="slidenum">
               <a:rPr lang="en-IN" smtClean="0"/>
-              <a:t>27</a:t>
+              <a:t>22</a:t>
             </a:fld>
             <a:endParaRPr lang="en-IN" dirty="0"/>
           </a:p>
@@ -1014,7 +1009,7 @@
           <a:p>
             <a:fld id="{1C85B925-22C6-43BA-9A74-53F784B92F66}" type="slidenum">
               <a:rPr lang="zh-CN" altLang="en-US" smtClean="0"/>
-              <a:t>28</a:t>
+              <a:t>23</a:t>
             </a:fld>
             <a:endParaRPr lang="zh-CN" altLang="en-US"/>
           </a:p>
@@ -1617,7 +1612,7 @@
           <a:p>
             <a:fld id="{1C85B925-22C6-43BA-9A74-53F784B92F66}" type="slidenum">
               <a:rPr lang="zh-CN" altLang="en-US" smtClean="0"/>
-              <a:t>11</a:t>
+              <a:t>10</a:t>
             </a:fld>
             <a:endParaRPr lang="zh-CN" altLang="en-US"/>
           </a:p>
@@ -1701,7 +1696,7 @@
           <a:p>
             <a:fld id="{1C85B925-22C6-43BA-9A74-53F784B92F66}" type="slidenum">
               <a:rPr lang="zh-CN" altLang="en-US" smtClean="0"/>
-              <a:t>15</a:t>
+              <a:t>13</a:t>
             </a:fld>
             <a:endParaRPr lang="zh-CN" altLang="en-US"/>
           </a:p>
@@ -5643,7 +5638,7 @@
         <p:spPr bwMode="auto">
           <a:xfrm>
             <a:off x="3139727" y="5361547"/>
-            <a:ext cx="9052273" cy="738664"/>
+            <a:ext cx="7991693" cy="738664"/>
           </a:xfrm>
           <a:prstGeom prst="rect">
             <a:avLst/>
@@ -5841,7 +5836,7 @@
                 <a:ea typeface="Noto Sans S Chinese Medium" panose="020B0600000000000000" pitchFamily="34" charset="-122"/>
                 <a:cs typeface="Arial" panose="020B0604020202020204" pitchFamily="34" charset="0"/>
               </a:rPr>
-              <a:t>校园表白墙  </a:t>
+              <a:t>校园表白墙 </a:t>
             </a:r>
             <a:r>
               <a:rPr lang="en-US" altLang="zh-CN" sz="4800" dirty="0">
@@ -5957,120 +5952,6 @@
 </file>
 
 <file path=ppt/slides/slide10.xml><?xml version="1.0" encoding="utf-8"?>
-<p:sld xmlns:a="http://schemas.openxmlformats.org/drawingml/2006/main" xmlns:r="http://schemas.openxmlformats.org/officeDocument/2006/relationships" xmlns:p="http://schemas.openxmlformats.org/presentationml/2006/main">
-  <p:cSld>
-    <p:spTree>
-      <p:nvGrpSpPr>
-        <p:cNvPr id="1" name=""/>
-        <p:cNvGrpSpPr/>
-        <p:nvPr/>
-      </p:nvGrpSpPr>
-      <p:grpSpPr>
-        <a:xfrm>
-          <a:off x="0" y="0"/>
-          <a:ext cx="0" cy="0"/>
-          <a:chOff x="0" y="0"/>
-          <a:chExt cx="0" cy="0"/>
-        </a:xfrm>
-      </p:grpSpPr>
-      <p:sp>
-        <p:nvSpPr>
-          <p:cNvPr id="4" name="文本框 3">
-            <a:extLst>
-              <a:ext uri="{FF2B5EF4-FFF2-40B4-BE49-F238E27FC236}">
-                <a16:creationId xmlns:a16="http://schemas.microsoft.com/office/drawing/2014/main" id="{1E452084-7DBB-478C-A8C0-4B03946DCE49}"/>
-              </a:ext>
-            </a:extLst>
-          </p:cNvPr>
-          <p:cNvSpPr txBox="1"/>
-          <p:nvPr/>
-        </p:nvSpPr>
-        <p:spPr>
-          <a:xfrm>
-            <a:off x="581133" y="571783"/>
-            <a:ext cx="6099142" cy="646331"/>
-          </a:xfrm>
-          <a:prstGeom prst="rect">
-            <a:avLst/>
-          </a:prstGeom>
-          <a:noFill/>
-        </p:spPr>
-        <p:txBody>
-          <a:bodyPr wrap="square">
-            <a:spAutoFit/>
-          </a:bodyPr>
-          <a:lstStyle/>
-          <a:p>
-            <a:r>
-              <a:rPr lang="zh-CN" altLang="en-US" sz="3600" b="1" dirty="0">
-                <a:solidFill>
-                  <a:schemeClr val="tx1">
-                    <a:lumMod val="85000"/>
-                    <a:lumOff val="15000"/>
-                  </a:schemeClr>
-                </a:solidFill>
-                <a:latin typeface="Noto Sans S Chinese Regular" panose="020B0500000000000000" pitchFamily="34" charset="-122"/>
-                <a:ea typeface="Noto Sans S Chinese Regular" panose="020B0500000000000000" pitchFamily="34" charset="-122"/>
-              </a:rPr>
-              <a:t>版本记录</a:t>
-            </a:r>
-            <a:endParaRPr lang="zh-CN" altLang="en-US" sz="3600" dirty="0"/>
-          </a:p>
-        </p:txBody>
-      </p:sp>
-      <p:pic>
-        <p:nvPicPr>
-          <p:cNvPr id="9" name="图片 8">
-            <a:extLst>
-              <a:ext uri="{FF2B5EF4-FFF2-40B4-BE49-F238E27FC236}">
-                <a16:creationId xmlns:a16="http://schemas.microsoft.com/office/drawing/2014/main" id="{027C8946-7BB4-4EA6-A7EE-8194AD3033CD}"/>
-              </a:ext>
-            </a:extLst>
-          </p:cNvPr>
-          <p:cNvPicPr>
-            <a:picLocks noChangeAspect="1"/>
-          </p:cNvPicPr>
-          <p:nvPr/>
-        </p:nvPicPr>
-        <p:blipFill>
-          <a:blip r:embed="rId2">
-            <a:extLst>
-              <a:ext uri="{28A0092B-C50C-407E-A947-70E740481C1C}">
-                <a14:useLocalDpi xmlns:a14="http://schemas.microsoft.com/office/drawing/2010/main" val="0"/>
-              </a:ext>
-            </a:extLst>
-          </a:blip>
-          <a:stretch>
-            <a:fillRect/>
-          </a:stretch>
-        </p:blipFill>
-        <p:spPr>
-          <a:xfrm>
-            <a:off x="724636" y="1437367"/>
-            <a:ext cx="10742727" cy="4198934"/>
-          </a:xfrm>
-          <a:prstGeom prst="rect">
-            <a:avLst/>
-          </a:prstGeom>
-        </p:spPr>
-      </p:pic>
-    </p:spTree>
-    <p:extLst>
-      <p:ext uri="{BB962C8B-B14F-4D97-AF65-F5344CB8AC3E}">
-        <p14:creationId xmlns:p14="http://schemas.microsoft.com/office/powerpoint/2010/main" val="3252992253"/>
-      </p:ext>
-    </p:extLst>
-  </p:cSld>
-  <p:clrMapOvr>
-    <a:masterClrMapping/>
-  </p:clrMapOvr>
-  <p:transition spd="slow">
-    <p:wipe/>
-  </p:transition>
-</p:sld>
-</file>
-
-<file path=ppt/slides/slide11.xml><?xml version="1.0" encoding="utf-8"?>
 <p:sld xmlns:a="http://schemas.openxmlformats.org/drawingml/2006/main" xmlns:r="http://schemas.openxmlformats.org/officeDocument/2006/relationships" xmlns:p="http://schemas.openxmlformats.org/presentationml/2006/main">
   <p:cSld>
     <p:spTree>
@@ -6998,377 +6879,7 @@
 </p:sld>
 </file>
 
-<file path=ppt/slides/slide12.xml><?xml version="1.0" encoding="utf-8"?>
-<p:sld xmlns:a="http://schemas.openxmlformats.org/drawingml/2006/main" xmlns:r="http://schemas.openxmlformats.org/officeDocument/2006/relationships" xmlns:p="http://schemas.openxmlformats.org/presentationml/2006/main">
-  <p:cSld>
-    <p:spTree>
-      <p:nvGrpSpPr>
-        <p:cNvPr id="1" name=""/>
-        <p:cNvGrpSpPr/>
-        <p:nvPr/>
-      </p:nvGrpSpPr>
-      <p:grpSpPr>
-        <a:xfrm>
-          <a:off x="0" y="0"/>
-          <a:ext cx="0" cy="0"/>
-          <a:chOff x="0" y="0"/>
-          <a:chExt cx="0" cy="0"/>
-        </a:xfrm>
-      </p:grpSpPr>
-      <p:pic>
-        <p:nvPicPr>
-          <p:cNvPr id="7" name="图片 6">
-            <a:extLst>
-              <a:ext uri="{FF2B5EF4-FFF2-40B4-BE49-F238E27FC236}">
-                <a16:creationId xmlns:a16="http://schemas.microsoft.com/office/drawing/2014/main" id="{7171C1C1-70BD-48A9-9707-623A13BDBF33}"/>
-              </a:ext>
-            </a:extLst>
-          </p:cNvPr>
-          <p:cNvPicPr>
-            <a:picLocks noChangeAspect="1"/>
-          </p:cNvPicPr>
-          <p:nvPr/>
-        </p:nvPicPr>
-        <p:blipFill>
-          <a:blip r:embed="rId2">
-            <a:extLst>
-              <a:ext uri="{28A0092B-C50C-407E-A947-70E740481C1C}">
-                <a14:useLocalDpi xmlns:a14="http://schemas.microsoft.com/office/drawing/2010/main" val="0"/>
-              </a:ext>
-            </a:extLst>
-          </a:blip>
-          <a:stretch>
-            <a:fillRect/>
-          </a:stretch>
-        </p:blipFill>
-        <p:spPr>
-          <a:xfrm>
-            <a:off x="2734459" y="254995"/>
-            <a:ext cx="6302286" cy="6348010"/>
-          </a:xfrm>
-          <a:prstGeom prst="rect">
-            <a:avLst/>
-          </a:prstGeom>
-        </p:spPr>
-      </p:pic>
-      <p:pic>
-        <p:nvPicPr>
-          <p:cNvPr id="4" name="图片 3">
-            <a:extLst>
-              <a:ext uri="{FF2B5EF4-FFF2-40B4-BE49-F238E27FC236}">
-                <a16:creationId xmlns:a16="http://schemas.microsoft.com/office/drawing/2014/main" id="{873C8F52-BA5B-4FB4-9BB5-BBD42E74E28A}"/>
-              </a:ext>
-            </a:extLst>
-          </p:cNvPr>
-          <p:cNvPicPr>
-            <a:picLocks noChangeAspect="1"/>
-          </p:cNvPicPr>
-          <p:nvPr/>
-        </p:nvPicPr>
-        <p:blipFill>
-          <a:blip r:embed="rId3">
-            <a:extLst>
-              <a:ext uri="{28A0092B-C50C-407E-A947-70E740481C1C}">
-                <a14:useLocalDpi xmlns:a14="http://schemas.microsoft.com/office/drawing/2010/main" val="0"/>
-              </a:ext>
-            </a:extLst>
-          </a:blip>
-          <a:stretch>
-            <a:fillRect/>
-          </a:stretch>
-        </p:blipFill>
-        <p:spPr>
-          <a:xfrm>
-            <a:off x="212358" y="141656"/>
-            <a:ext cx="11767284" cy="6574687"/>
-          </a:xfrm>
-          <a:prstGeom prst="rect">
-            <a:avLst/>
-          </a:prstGeom>
-        </p:spPr>
-      </p:pic>
-      <p:sp>
-        <p:nvSpPr>
-          <p:cNvPr id="10" name="文本框 9">
-            <a:extLst>
-              <a:ext uri="{FF2B5EF4-FFF2-40B4-BE49-F238E27FC236}">
-                <a16:creationId xmlns:a16="http://schemas.microsoft.com/office/drawing/2014/main" id="{939034CA-16E1-4F9B-BF7E-B3762862B4D4}"/>
-              </a:ext>
-            </a:extLst>
-          </p:cNvPr>
-          <p:cNvSpPr txBox="1"/>
-          <p:nvPr/>
-        </p:nvSpPr>
-        <p:spPr>
-          <a:xfrm>
-            <a:off x="556181" y="452487"/>
-            <a:ext cx="4336330" cy="646331"/>
-          </a:xfrm>
-          <a:prstGeom prst="rect">
-            <a:avLst/>
-          </a:prstGeom>
-          <a:noFill/>
-        </p:spPr>
-        <p:txBody>
-          <a:bodyPr wrap="square" rtlCol="0">
-            <a:spAutoFit/>
-          </a:bodyPr>
-          <a:lstStyle/>
-          <a:p>
-            <a:r>
-              <a:rPr lang="zh-CN" altLang="en-US" sz="3600" b="1" dirty="0"/>
-              <a:t>原效果</a:t>
-            </a:r>
-            <a:endParaRPr lang="zh-CN" altLang="en-US" b="1" dirty="0"/>
-          </a:p>
-        </p:txBody>
-      </p:sp>
-    </p:spTree>
-    <p:extLst>
-      <p:ext uri="{BB962C8B-B14F-4D97-AF65-F5344CB8AC3E}">
-        <p14:creationId xmlns:p14="http://schemas.microsoft.com/office/powerpoint/2010/main" val="1759736586"/>
-      </p:ext>
-    </p:extLst>
-  </p:cSld>
-  <p:clrMapOvr>
-    <a:masterClrMapping/>
-  </p:clrMapOvr>
-  <mc:AlternateContent xmlns:mc="http://schemas.openxmlformats.org/markup-compatibility/2006" xmlns:p14="http://schemas.microsoft.com/office/powerpoint/2010/main">
-    <mc:Choice Requires="p14">
-      <p:transition spd="slow" p14:dur="1600">
-        <p14:gallery dir="l"/>
-      </p:transition>
-    </mc:Choice>
-    <mc:Fallback xmlns="">
-      <p:transition spd="slow">
-        <p:fade/>
-      </p:transition>
-    </mc:Fallback>
-  </mc:AlternateContent>
-  <p:timing>
-    <p:tnLst>
-      <p:par>
-        <p:cTn id="1" dur="indefinite" restart="never" nodeType="tmRoot">
-          <p:childTnLst>
-            <p:seq concurrent="1" nextAc="seek">
-              <p:cTn id="2" dur="indefinite" nodeType="mainSeq">
-                <p:childTnLst>
-                  <p:par>
-                    <p:cTn id="3" fill="hold">
-                      <p:stCondLst>
-                        <p:cond delay="indefinite"/>
-                      </p:stCondLst>
-                      <p:childTnLst>
-                        <p:par>
-                          <p:cTn id="4" fill="hold">
-                            <p:stCondLst>
-                              <p:cond delay="0"/>
-                            </p:stCondLst>
-                            <p:childTnLst>
-                              <p:par>
-                                <p:cTn id="5" presetID="42" presetClass="entr" presetSubtype="0" fill="hold" nodeType="clickEffect">
-                                  <p:stCondLst>
-                                    <p:cond delay="0"/>
-                                  </p:stCondLst>
-                                  <p:childTnLst>
-                                    <p:set>
-                                      <p:cBhvr>
-                                        <p:cTn id="6" dur="1" fill="hold">
-                                          <p:stCondLst>
-                                            <p:cond delay="0"/>
-                                          </p:stCondLst>
-                                        </p:cTn>
-                                        <p:tgtEl>
-                                          <p:spTgt spid="7"/>
-                                        </p:tgtEl>
-                                        <p:attrNameLst>
-                                          <p:attrName>style.visibility</p:attrName>
-                                        </p:attrNameLst>
-                                      </p:cBhvr>
-                                      <p:to>
-                                        <p:strVal val="visible"/>
-                                      </p:to>
-                                    </p:set>
-                                    <p:animEffect transition="in" filter="fade">
-                                      <p:cBhvr>
-                                        <p:cTn id="7" dur="1000"/>
-                                        <p:tgtEl>
-                                          <p:spTgt spid="7"/>
-                                        </p:tgtEl>
-                                      </p:cBhvr>
-                                    </p:animEffect>
-                                    <p:anim calcmode="lin" valueType="num">
-                                      <p:cBhvr>
-                                        <p:cTn id="8" dur="1000" fill="hold"/>
-                                        <p:tgtEl>
-                                          <p:spTgt spid="7"/>
-                                        </p:tgtEl>
-                                        <p:attrNameLst>
-                                          <p:attrName>ppt_x</p:attrName>
-                                        </p:attrNameLst>
-                                      </p:cBhvr>
-                                      <p:tavLst>
-                                        <p:tav tm="0">
-                                          <p:val>
-                                            <p:strVal val="#ppt_x"/>
-                                          </p:val>
-                                        </p:tav>
-                                        <p:tav tm="100000">
-                                          <p:val>
-                                            <p:strVal val="#ppt_x"/>
-                                          </p:val>
-                                        </p:tav>
-                                      </p:tavLst>
-                                    </p:anim>
-                                    <p:anim calcmode="lin" valueType="num">
-                                      <p:cBhvr>
-                                        <p:cTn id="9" dur="1000" fill="hold"/>
-                                        <p:tgtEl>
-                                          <p:spTgt spid="7"/>
-                                        </p:tgtEl>
-                                        <p:attrNameLst>
-                                          <p:attrName>ppt_y</p:attrName>
-                                        </p:attrNameLst>
-                                      </p:cBhvr>
-                                      <p:tavLst>
-                                        <p:tav tm="0">
-                                          <p:val>
-                                            <p:strVal val="#ppt_y+.1"/>
-                                          </p:val>
-                                        </p:tav>
-                                        <p:tav tm="100000">
-                                          <p:val>
-                                            <p:strVal val="#ppt_y"/>
-                                          </p:val>
-                                        </p:tav>
-                                      </p:tavLst>
-                                    </p:anim>
-                                  </p:childTnLst>
-                                </p:cTn>
-                              </p:par>
-                            </p:childTnLst>
-                          </p:cTn>
-                        </p:par>
-                      </p:childTnLst>
-                    </p:cTn>
-                  </p:par>
-                  <p:par>
-                    <p:cTn id="10" fill="hold">
-                      <p:stCondLst>
-                        <p:cond delay="indefinite"/>
-                      </p:stCondLst>
-                      <p:childTnLst>
-                        <p:par>
-                          <p:cTn id="11" fill="hold">
-                            <p:stCondLst>
-                              <p:cond delay="0"/>
-                            </p:stCondLst>
-                            <p:childTnLst>
-                              <p:par>
-                                <p:cTn id="12" presetID="2" presetClass="entr" presetSubtype="4" fill="hold" nodeType="clickEffect">
-                                  <p:stCondLst>
-                                    <p:cond delay="0"/>
-                                  </p:stCondLst>
-                                  <p:childTnLst>
-                                    <p:set>
-                                      <p:cBhvr>
-                                        <p:cTn id="13" dur="1" fill="hold">
-                                          <p:stCondLst>
-                                            <p:cond delay="0"/>
-                                          </p:stCondLst>
-                                        </p:cTn>
-                                        <p:tgtEl>
-                                          <p:spTgt spid="4"/>
-                                        </p:tgtEl>
-                                        <p:attrNameLst>
-                                          <p:attrName>style.visibility</p:attrName>
-                                        </p:attrNameLst>
-                                      </p:cBhvr>
-                                      <p:to>
-                                        <p:strVal val="visible"/>
-                                      </p:to>
-                                    </p:set>
-                                    <p:anim calcmode="lin" valueType="num">
-                                      <p:cBhvr additive="base">
-                                        <p:cTn id="14" dur="500" fill="hold"/>
-                                        <p:tgtEl>
-                                          <p:spTgt spid="4"/>
-                                        </p:tgtEl>
-                                        <p:attrNameLst>
-                                          <p:attrName>ppt_x</p:attrName>
-                                        </p:attrNameLst>
-                                      </p:cBhvr>
-                                      <p:tavLst>
-                                        <p:tav tm="0">
-                                          <p:val>
-                                            <p:strVal val="#ppt_x"/>
-                                          </p:val>
-                                        </p:tav>
-                                        <p:tav tm="100000">
-                                          <p:val>
-                                            <p:strVal val="#ppt_x"/>
-                                          </p:val>
-                                        </p:tav>
-                                      </p:tavLst>
-                                    </p:anim>
-                                    <p:anim calcmode="lin" valueType="num">
-                                      <p:cBhvr additive="base">
-                                        <p:cTn id="15" dur="500" fill="hold"/>
-                                        <p:tgtEl>
-                                          <p:spTgt spid="4"/>
-                                        </p:tgtEl>
-                                        <p:attrNameLst>
-                                          <p:attrName>ppt_y</p:attrName>
-                                        </p:attrNameLst>
-                                      </p:cBhvr>
-                                      <p:tavLst>
-                                        <p:tav tm="0">
-                                          <p:val>
-                                            <p:strVal val="1+#ppt_h/2"/>
-                                          </p:val>
-                                        </p:tav>
-                                        <p:tav tm="100000">
-                                          <p:val>
-                                            <p:strVal val="#ppt_y"/>
-                                          </p:val>
-                                        </p:tav>
-                                      </p:tavLst>
-                                    </p:anim>
-                                  </p:childTnLst>
-                                </p:cTn>
-                              </p:par>
-                            </p:childTnLst>
-                          </p:cTn>
-                        </p:par>
-                      </p:childTnLst>
-                    </p:cTn>
-                  </p:par>
-                </p:childTnLst>
-              </p:cTn>
-              <p:prevCondLst>
-                <p:cond evt="onPrev" delay="0">
-                  <p:tgtEl>
-                    <p:sldTgt/>
-                  </p:tgtEl>
-                </p:cond>
-              </p:prevCondLst>
-              <p:nextCondLst>
-                <p:cond evt="onNext" delay="0">
-                  <p:tgtEl>
-                    <p:sldTgt/>
-                  </p:tgtEl>
-                </p:cond>
-              </p:nextCondLst>
-            </p:seq>
-          </p:childTnLst>
-        </p:cTn>
-      </p:par>
-    </p:tnLst>
-  </p:timing>
-</p:sld>
-</file>
-
-<file path=ppt/slides/slide13.xml><?xml version="1.0" encoding="utf-8"?>
+<file path=ppt/slides/slide11.xml><?xml version="1.0" encoding="utf-8"?>
 <p:sld xmlns:a="http://schemas.openxmlformats.org/drawingml/2006/main" xmlns:r="http://schemas.openxmlformats.org/officeDocument/2006/relationships" xmlns:p="http://schemas.openxmlformats.org/presentationml/2006/main">
   <p:cSld>
     <p:spTree>
@@ -7415,7 +6926,7 @@
         </p:blipFill>
         <p:spPr>
           <a:xfrm>
-            <a:off x="683638" y="3240740"/>
+            <a:off x="4108003" y="2705763"/>
             <a:ext cx="4933127" cy="3018031"/>
           </a:xfrm>
         </p:spPr>
@@ -7448,7 +6959,7 @@
         </p:blipFill>
         <p:spPr>
           <a:xfrm>
-            <a:off x="8343131" y="365125"/>
+            <a:off x="8473397" y="527865"/>
             <a:ext cx="3165231" cy="5889000"/>
           </a:xfrm>
           <a:prstGeom prst="rect">
@@ -7484,8 +6995,8 @@
         </p:blipFill>
         <p:spPr>
           <a:xfrm>
-            <a:off x="2507570" y="690253"/>
-            <a:ext cx="5651543" cy="2855643"/>
+            <a:off x="4137067" y="527865"/>
+            <a:ext cx="4336330" cy="2191085"/>
           </a:xfrm>
           <a:prstGeom prst="rect">
             <a:avLst/>
@@ -7528,6 +7039,66 @@
           </a:p>
         </p:txBody>
       </p:sp>
+      <p:pic>
+        <p:nvPicPr>
+          <p:cNvPr id="3" name="图片 2">
+            <a:extLst>
+              <a:ext uri="{FF2B5EF4-FFF2-40B4-BE49-F238E27FC236}">
+                <a16:creationId xmlns:a16="http://schemas.microsoft.com/office/drawing/2014/main" id="{4C8E93F9-D67C-4133-ABCB-601360942FB5}"/>
+              </a:ext>
+            </a:extLst>
+          </p:cNvPr>
+          <p:cNvPicPr>
+            <a:picLocks noChangeAspect="1"/>
+          </p:cNvPicPr>
+          <p:nvPr/>
+        </p:nvPicPr>
+        <p:blipFill>
+          <a:blip r:embed="rId5"/>
+          <a:stretch>
+            <a:fillRect/>
+          </a:stretch>
+        </p:blipFill>
+        <p:spPr>
+          <a:xfrm>
+            <a:off x="485445" y="1623407"/>
+            <a:ext cx="8380580" cy="4095750"/>
+          </a:xfrm>
+          <a:prstGeom prst="rect">
+            <a:avLst/>
+          </a:prstGeom>
+        </p:spPr>
+      </p:pic>
+      <p:pic>
+        <p:nvPicPr>
+          <p:cNvPr id="2" name="图片 1">
+            <a:extLst>
+              <a:ext uri="{FF2B5EF4-FFF2-40B4-BE49-F238E27FC236}">
+                <a16:creationId xmlns:a16="http://schemas.microsoft.com/office/drawing/2014/main" id="{B3B61510-112A-4F0B-8509-53D4122A28F8}"/>
+              </a:ext>
+            </a:extLst>
+          </p:cNvPr>
+          <p:cNvPicPr>
+            <a:picLocks noChangeAspect="1"/>
+          </p:cNvPicPr>
+          <p:nvPr/>
+        </p:nvPicPr>
+        <p:blipFill>
+          <a:blip r:embed="rId6"/>
+          <a:stretch>
+            <a:fillRect/>
+          </a:stretch>
+        </p:blipFill>
+        <p:spPr>
+          <a:xfrm>
+            <a:off x="6480012" y="1930526"/>
+            <a:ext cx="4772025" cy="3790950"/>
+          </a:xfrm>
+          <a:prstGeom prst="rect">
+            <a:avLst/>
+          </a:prstGeom>
+        </p:spPr>
+      </p:pic>
     </p:spTree>
     <p:extLst>
       <p:ext uri="{BB962C8B-B14F-4D97-AF65-F5344CB8AC3E}">
@@ -7550,10 +7121,251 @@
       </p:transition>
     </mc:Fallback>
   </mc:AlternateContent>
+  <p:timing>
+    <p:tnLst>
+      <p:par>
+        <p:cTn id="1" dur="indefinite" restart="never" nodeType="tmRoot">
+          <p:childTnLst>
+            <p:seq concurrent="1" nextAc="seek">
+              <p:cTn id="2" dur="indefinite" nodeType="mainSeq">
+                <p:childTnLst>
+                  <p:par>
+                    <p:cTn id="3" fill="hold">
+                      <p:stCondLst>
+                        <p:cond delay="indefinite"/>
+                      </p:stCondLst>
+                      <p:childTnLst>
+                        <p:par>
+                          <p:cTn id="4" fill="hold">
+                            <p:stCondLst>
+                              <p:cond delay="0"/>
+                            </p:stCondLst>
+                            <p:childTnLst>
+                              <p:par>
+                                <p:cTn id="5" presetID="10" presetClass="entr" presetSubtype="0" fill="hold" nodeType="clickEffect">
+                                  <p:stCondLst>
+                                    <p:cond delay="0"/>
+                                  </p:stCondLst>
+                                  <p:childTnLst>
+                                    <p:set>
+                                      <p:cBhvr>
+                                        <p:cTn id="6" dur="1" fill="hold">
+                                          <p:stCondLst>
+                                            <p:cond delay="0"/>
+                                          </p:stCondLst>
+                                        </p:cTn>
+                                        <p:tgtEl>
+                                          <p:spTgt spid="7"/>
+                                        </p:tgtEl>
+                                        <p:attrNameLst>
+                                          <p:attrName>style.visibility</p:attrName>
+                                        </p:attrNameLst>
+                                      </p:cBhvr>
+                                      <p:to>
+                                        <p:strVal val="visible"/>
+                                      </p:to>
+                                    </p:set>
+                                    <p:animEffect transition="in" filter="fade">
+                                      <p:cBhvr>
+                                        <p:cTn id="7" dur="500"/>
+                                        <p:tgtEl>
+                                          <p:spTgt spid="7"/>
+                                        </p:tgtEl>
+                                      </p:cBhvr>
+                                    </p:animEffect>
+                                  </p:childTnLst>
+                                </p:cTn>
+                              </p:par>
+                              <p:par>
+                                <p:cTn id="8" presetID="10" presetClass="entr" presetSubtype="0" fill="hold" nodeType="withEffect">
+                                  <p:stCondLst>
+                                    <p:cond delay="0"/>
+                                  </p:stCondLst>
+                                  <p:childTnLst>
+                                    <p:set>
+                                      <p:cBhvr>
+                                        <p:cTn id="9" dur="1" fill="hold">
+                                          <p:stCondLst>
+                                            <p:cond delay="0"/>
+                                          </p:stCondLst>
+                                        </p:cTn>
+                                        <p:tgtEl>
+                                          <p:spTgt spid="9"/>
+                                        </p:tgtEl>
+                                        <p:attrNameLst>
+                                          <p:attrName>style.visibility</p:attrName>
+                                        </p:attrNameLst>
+                                      </p:cBhvr>
+                                      <p:to>
+                                        <p:strVal val="visible"/>
+                                      </p:to>
+                                    </p:set>
+                                    <p:animEffect transition="in" filter="fade">
+                                      <p:cBhvr>
+                                        <p:cTn id="10" dur="500"/>
+                                        <p:tgtEl>
+                                          <p:spTgt spid="9"/>
+                                        </p:tgtEl>
+                                      </p:cBhvr>
+                                    </p:animEffect>
+                                  </p:childTnLst>
+                                </p:cTn>
+                              </p:par>
+                              <p:par>
+                                <p:cTn id="11" presetID="10" presetClass="entr" presetSubtype="0" fill="hold" nodeType="withEffect">
+                                  <p:stCondLst>
+                                    <p:cond delay="0"/>
+                                  </p:stCondLst>
+                                  <p:childTnLst>
+                                    <p:set>
+                                      <p:cBhvr>
+                                        <p:cTn id="12" dur="1" fill="hold">
+                                          <p:stCondLst>
+                                            <p:cond delay="0"/>
+                                          </p:stCondLst>
+                                        </p:cTn>
+                                        <p:tgtEl>
+                                          <p:spTgt spid="5"/>
+                                        </p:tgtEl>
+                                        <p:attrNameLst>
+                                          <p:attrName>style.visibility</p:attrName>
+                                        </p:attrNameLst>
+                                      </p:cBhvr>
+                                      <p:to>
+                                        <p:strVal val="visible"/>
+                                      </p:to>
+                                    </p:set>
+                                    <p:animEffect transition="in" filter="fade">
+                                      <p:cBhvr>
+                                        <p:cTn id="13" dur="500"/>
+                                        <p:tgtEl>
+                                          <p:spTgt spid="5"/>
+                                        </p:tgtEl>
+                                      </p:cBhvr>
+                                    </p:animEffect>
+                                  </p:childTnLst>
+                                </p:cTn>
+                              </p:par>
+                            </p:childTnLst>
+                          </p:cTn>
+                        </p:par>
+                      </p:childTnLst>
+                    </p:cTn>
+                  </p:par>
+                  <p:par>
+                    <p:cTn id="14" fill="hold">
+                      <p:stCondLst>
+                        <p:cond delay="indefinite"/>
+                      </p:stCondLst>
+                      <p:childTnLst>
+                        <p:par>
+                          <p:cTn id="15" fill="hold">
+                            <p:stCondLst>
+                              <p:cond delay="0"/>
+                            </p:stCondLst>
+                            <p:childTnLst>
+                              <p:par>
+                                <p:cTn id="16" presetID="10" presetClass="entr" presetSubtype="0" fill="hold" nodeType="clickEffect">
+                                  <p:stCondLst>
+                                    <p:cond delay="0"/>
+                                  </p:stCondLst>
+                                  <p:childTnLst>
+                                    <p:set>
+                                      <p:cBhvr>
+                                        <p:cTn id="17" dur="1" fill="hold">
+                                          <p:stCondLst>
+                                            <p:cond delay="0"/>
+                                          </p:stCondLst>
+                                        </p:cTn>
+                                        <p:tgtEl>
+                                          <p:spTgt spid="2"/>
+                                        </p:tgtEl>
+                                        <p:attrNameLst>
+                                          <p:attrName>style.visibility</p:attrName>
+                                        </p:attrNameLst>
+                                      </p:cBhvr>
+                                      <p:to>
+                                        <p:strVal val="visible"/>
+                                      </p:to>
+                                    </p:set>
+                                    <p:animEffect transition="in" filter="fade">
+                                      <p:cBhvr>
+                                        <p:cTn id="18" dur="500"/>
+                                        <p:tgtEl>
+                                          <p:spTgt spid="2"/>
+                                        </p:tgtEl>
+                                      </p:cBhvr>
+                                    </p:animEffect>
+                                  </p:childTnLst>
+                                </p:cTn>
+                              </p:par>
+                              <p:par>
+                                <p:cTn id="19" presetID="10" presetClass="entr" presetSubtype="0" fill="hold" nodeType="withEffect">
+                                  <p:stCondLst>
+                                    <p:cond delay="0"/>
+                                  </p:stCondLst>
+                                  <p:childTnLst>
+                                    <p:set>
+                                      <p:cBhvr>
+                                        <p:cTn id="20" dur="1" fill="hold">
+                                          <p:stCondLst>
+                                            <p:cond delay="0"/>
+                                          </p:stCondLst>
+                                        </p:cTn>
+                                        <p:tgtEl>
+                                          <p:spTgt spid="3"/>
+                                        </p:tgtEl>
+                                        <p:attrNameLst>
+                                          <p:attrName>style.visibility</p:attrName>
+                                        </p:attrNameLst>
+                                      </p:cBhvr>
+                                      <p:to>
+                                        <p:strVal val="visible"/>
+                                      </p:to>
+                                    </p:set>
+                                    <p:animEffect transition="in" filter="fade">
+                                      <p:cBhvr>
+                                        <p:cTn id="21" dur="500"/>
+                                        <p:tgtEl>
+                                          <p:spTgt spid="3"/>
+                                        </p:tgtEl>
+                                      </p:cBhvr>
+                                    </p:animEffect>
+                                  </p:childTnLst>
+                                </p:cTn>
+                              </p:par>
+                            </p:childTnLst>
+                          </p:cTn>
+                        </p:par>
+                      </p:childTnLst>
+                    </p:cTn>
+                  </p:par>
+                </p:childTnLst>
+              </p:cTn>
+              <p:prevCondLst>
+                <p:cond evt="onPrev" delay="0">
+                  <p:tgtEl>
+                    <p:sldTgt/>
+                  </p:tgtEl>
+                </p:cond>
+              </p:prevCondLst>
+              <p:nextCondLst>
+                <p:cond evt="onNext" delay="0">
+                  <p:tgtEl>
+                    <p:sldTgt/>
+                  </p:tgtEl>
+                </p:cond>
+              </p:nextCondLst>
+            </p:seq>
+          </p:childTnLst>
+        </p:cTn>
+      </p:par>
+    </p:tnLst>
+  </p:timing>
 </p:sld>
 </file>
 
-<file path=ppt/slides/slide14.xml><?xml version="1.0" encoding="utf-8"?>
+<file path=ppt/slides/slide12.xml><?xml version="1.0" encoding="utf-8"?>
 <p:sld xmlns:a="http://schemas.openxmlformats.org/drawingml/2006/main" xmlns:r="http://schemas.openxmlformats.org/officeDocument/2006/relationships" xmlns:p="http://schemas.openxmlformats.org/presentationml/2006/main">
   <p:cSld>
     <p:spTree>
@@ -7572,19 +7384,17 @@
       </p:grpSpPr>
       <p:pic>
         <p:nvPicPr>
-          <p:cNvPr id="9" name="内容占位符 8">
+          <p:cNvPr id="5" name="图片 4">
             <a:extLst>
               <a:ext uri="{FF2B5EF4-FFF2-40B4-BE49-F238E27FC236}">
-                <a16:creationId xmlns:a16="http://schemas.microsoft.com/office/drawing/2014/main" id="{3600B02D-EF6B-4102-B26B-E794D933D045}"/>
+                <a16:creationId xmlns:a16="http://schemas.microsoft.com/office/drawing/2014/main" id="{A1B05F13-30DD-4688-BB09-794FD8DFF17F}"/>
               </a:ext>
             </a:extLst>
           </p:cNvPr>
           <p:cNvPicPr>
-            <a:picLocks noGrp="1" noChangeAspect="1"/>
+            <a:picLocks noChangeAspect="1"/>
           </p:cNvPicPr>
-          <p:nvPr>
-            <p:ph idx="1"/>
-          </p:nvPr>
+          <p:nvPr/>
         </p:nvPicPr>
         <p:blipFill>
           <a:blip r:embed="rId2">
@@ -7600,17 +7410,20 @@
         </p:blipFill>
         <p:spPr>
           <a:xfrm>
-            <a:off x="968739" y="605583"/>
-            <a:ext cx="10254521" cy="5784946"/>
+            <a:off x="-374754" y="1273997"/>
+            <a:ext cx="9906237" cy="5584003"/>
           </a:xfrm>
+          <a:prstGeom prst="rect">
+            <a:avLst/>
+          </a:prstGeom>
         </p:spPr>
       </p:pic>
       <p:pic>
         <p:nvPicPr>
-          <p:cNvPr id="11" name="图片 10">
+          <p:cNvPr id="3" name="图片 2">
             <a:extLst>
               <a:ext uri="{FF2B5EF4-FFF2-40B4-BE49-F238E27FC236}">
-                <a16:creationId xmlns:a16="http://schemas.microsoft.com/office/drawing/2014/main" id="{87948ADF-15FE-4521-9765-5FB72E102305}"/>
+                <a16:creationId xmlns:a16="http://schemas.microsoft.com/office/drawing/2014/main" id="{6F786C0E-3BDC-4CE4-9A3F-F2601D313CF3}"/>
               </a:ext>
             </a:extLst>
           </p:cNvPr>
@@ -7633,50 +7446,50 @@
         </p:blipFill>
         <p:spPr>
           <a:xfrm>
-            <a:off x="266194" y="247844"/>
-            <a:ext cx="11659610" cy="6500423"/>
+            <a:off x="357642" y="323581"/>
+            <a:ext cx="11476715" cy="6210838"/>
           </a:xfrm>
           <a:prstGeom prst="rect">
             <a:avLst/>
           </a:prstGeom>
         </p:spPr>
       </p:pic>
-      <p:sp>
-        <p:nvSpPr>
-          <p:cNvPr id="12" name="文本框 11">
+      <p:pic>
+        <p:nvPicPr>
+          <p:cNvPr id="6" name="图片 5">
             <a:extLst>
               <a:ext uri="{FF2B5EF4-FFF2-40B4-BE49-F238E27FC236}">
-                <a16:creationId xmlns:a16="http://schemas.microsoft.com/office/drawing/2014/main" id="{510E1BA0-FDE5-48FE-8722-D49743CCE8B0}"/>
+                <a16:creationId xmlns:a16="http://schemas.microsoft.com/office/drawing/2014/main" id="{5AD6274D-6188-45D1-B59A-3CCA055ADCCC}"/>
               </a:ext>
             </a:extLst>
           </p:cNvPr>
-          <p:cNvSpPr txBox="1"/>
+          <p:cNvPicPr>
+            <a:picLocks noChangeAspect="1"/>
+          </p:cNvPicPr>
           <p:nvPr/>
-        </p:nvSpPr>
+        </p:nvPicPr>
+        <p:blipFill>
+          <a:blip r:embed="rId4">
+            <a:extLst>
+              <a:ext uri="{28A0092B-C50C-407E-A947-70E740481C1C}">
+                <a14:useLocalDpi xmlns:a14="http://schemas.microsoft.com/office/drawing/2010/main" val="0"/>
+              </a:ext>
+            </a:extLst>
+          </a:blip>
+          <a:stretch>
+            <a:fillRect/>
+          </a:stretch>
+        </p:blipFill>
         <p:spPr>
           <a:xfrm>
-            <a:off x="511211" y="467471"/>
-            <a:ext cx="4336330" cy="646331"/>
+            <a:off x="315729" y="449322"/>
+            <a:ext cx="11560542" cy="5959356"/>
           </a:xfrm>
           <a:prstGeom prst="rect">
             <a:avLst/>
           </a:prstGeom>
-          <a:noFill/>
         </p:spPr>
-        <p:txBody>
-          <a:bodyPr wrap="square" rtlCol="0">
-            <a:spAutoFit/>
-          </a:bodyPr>
-          <a:lstStyle/>
-          <a:p>
-            <a:r>
-              <a:rPr lang="zh-CN" altLang="en-US" sz="3600" b="1" dirty="0"/>
-              <a:t>修改后</a:t>
-            </a:r>
-            <a:endParaRPr lang="zh-CN" altLang="en-US" b="1" dirty="0"/>
-          </a:p>
-        </p:txBody>
-      </p:sp>
+      </p:pic>
     </p:spTree>
     <p:extLst>
       <p:ext uri="{BB962C8B-B14F-4D97-AF65-F5344CB8AC3E}">
@@ -7721,7 +7534,7 @@
                                           </p:stCondLst>
                                         </p:cTn>
                                         <p:tgtEl>
-                                          <p:spTgt spid="9"/>
+                                          <p:spTgt spid="5"/>
                                         </p:tgtEl>
                                         <p:attrNameLst>
                                           <p:attrName>style.visibility</p:attrName>
@@ -7735,7 +7548,7 @@
                                       <p:cBhvr>
                                         <p:cTn id="7" dur="500"/>
                                         <p:tgtEl>
-                                          <p:spTgt spid="9"/>
+                                          <p:spTgt spid="5"/>
                                         </p:tgtEl>
                                       </p:cBhvr>
                                     </p:animEffect>
@@ -7774,7 +7587,7 @@
                                           </p:stCondLst>
                                         </p:cTn>
                                         <p:tgtEl>
-                                          <p:spTgt spid="11"/>
+                                          <p:spTgt spid="3"/>
                                         </p:tgtEl>
                                         <p:attrNameLst>
                                           <p:attrName>style.visibility</p:attrName>
@@ -7788,7 +7601,60 @@
                                       <p:cBhvr>
                                         <p:cTn id="12" dur="500"/>
                                         <p:tgtEl>
-                                          <p:spTgt spid="11"/>
+                                          <p:spTgt spid="3"/>
+                                        </p:tgtEl>
+                                      </p:cBhvr>
+                                    </p:animEffect>
+                                  </p:childTnLst>
+                                </p:cTn>
+                              </p:par>
+                            </p:childTnLst>
+                          </p:cTn>
+                        </p:par>
+                      </p:childTnLst>
+                    </p:cTn>
+                  </p:par>
+                  <p:par>
+                    <p:cTn id="13" fill="hold">
+                      <p:stCondLst>
+                        <p:cond delay="indefinite"/>
+                      </p:stCondLst>
+                      <p:childTnLst>
+                        <p:par>
+                          <p:cTn id="14" fill="hold">
+                            <p:stCondLst>
+                              <p:cond delay="0"/>
+                            </p:stCondLst>
+                            <p:childTnLst>
+                              <p:par>
+                                <p:cTn id="15" presetID="10" presetClass="entr" presetSubtype="0" fill="hold" nodeType="clickEffect">
+                                  <p:stCondLst>
+                                    <p:cond delay="0"/>
+                                  </p:stCondLst>
+                                  <p:childTnLst>
+                                    <p:set>
+                                      <p:cBhvr>
+                                        <p:cTn id="16" dur="1" fill="hold">
+                                          <p:stCondLst>
+                                            <p:cond delay="0"/>
+                                          </p:stCondLst>
+                                        </p:cTn>
+                                        <p:tgtEl>
+                                          <p:spTgt spid="6"/>
+                                        </p:tgtEl>
+                                        <p:attrNameLst>
+                                          <p:attrName>style.visibility</p:attrName>
+                                        </p:attrNameLst>
+                                      </p:cBhvr>
+                                      <p:to>
+                                        <p:strVal val="visible"/>
+                                      </p:to>
+                                    </p:set>
+                                    <p:animEffect transition="in" filter="fade">
+                                      <p:cBhvr>
+                                        <p:cTn id="17" dur="500"/>
+                                        <p:tgtEl>
+                                          <p:spTgt spid="6"/>
                                         </p:tgtEl>
                                       </p:cBhvr>
                                     </p:animEffect>
@@ -7826,7 +7692,7 @@
 </p:sld>
 </file>
 
-<file path=ppt/slides/slide15.xml><?xml version="1.0" encoding="utf-8"?>
+<file path=ppt/slides/slide13.xml><?xml version="1.0" encoding="utf-8"?>
 <p:sld xmlns:a="http://schemas.openxmlformats.org/drawingml/2006/main" xmlns:r="http://schemas.openxmlformats.org/officeDocument/2006/relationships" xmlns:p="http://schemas.openxmlformats.org/presentationml/2006/main">
   <p:cSld>
     <p:spTree>
@@ -8754,222 +8620,7 @@
 </p:sld>
 </file>
 
-<file path=ppt/slides/slide16.xml><?xml version="1.0" encoding="utf-8"?>
-<p:sld xmlns:a="http://schemas.openxmlformats.org/drawingml/2006/main" xmlns:r="http://schemas.openxmlformats.org/officeDocument/2006/relationships" xmlns:p="http://schemas.openxmlformats.org/presentationml/2006/main">
-  <p:cSld>
-    <p:spTree>
-      <p:nvGrpSpPr>
-        <p:cNvPr id="1" name=""/>
-        <p:cNvGrpSpPr/>
-        <p:nvPr/>
-      </p:nvGrpSpPr>
-      <p:grpSpPr>
-        <a:xfrm>
-          <a:off x="0" y="0"/>
-          <a:ext cx="0" cy="0"/>
-          <a:chOff x="0" y="0"/>
-          <a:chExt cx="0" cy="0"/>
-        </a:xfrm>
-      </p:grpSpPr>
-      <p:sp>
-        <p:nvSpPr>
-          <p:cNvPr id="5" name="文本框 4">
-            <a:extLst>
-              <a:ext uri="{FF2B5EF4-FFF2-40B4-BE49-F238E27FC236}">
-                <a16:creationId xmlns:a16="http://schemas.microsoft.com/office/drawing/2014/main" id="{3CD2D3F4-1808-4161-93BD-B2357AC7FED7}"/>
-              </a:ext>
-            </a:extLst>
-          </p:cNvPr>
-          <p:cNvSpPr txBox="1"/>
-          <p:nvPr/>
-        </p:nvSpPr>
-        <p:spPr>
-          <a:xfrm>
-            <a:off x="556181" y="452487"/>
-            <a:ext cx="4336330" cy="646331"/>
-          </a:xfrm>
-          <a:prstGeom prst="rect">
-            <a:avLst/>
-          </a:prstGeom>
-          <a:noFill/>
-        </p:spPr>
-        <p:txBody>
-          <a:bodyPr wrap="square" rtlCol="0">
-            <a:spAutoFit/>
-          </a:bodyPr>
-          <a:lstStyle/>
-          <a:p>
-            <a:r>
-              <a:rPr lang="zh-CN" altLang="en-US" sz="3600" b="1" dirty="0"/>
-              <a:t>数据流图</a:t>
-            </a:r>
-            <a:endParaRPr lang="zh-CN" altLang="en-US" b="1" dirty="0"/>
-          </a:p>
-        </p:txBody>
-      </p:sp>
-      <p:pic>
-        <p:nvPicPr>
-          <p:cNvPr id="9" name="图片 8">
-            <a:extLst>
-              <a:ext uri="{FF2B5EF4-FFF2-40B4-BE49-F238E27FC236}">
-                <a16:creationId xmlns:a16="http://schemas.microsoft.com/office/drawing/2014/main" id="{81F1122D-9BE6-4CC0-A19B-D66875C85D3E}"/>
-              </a:ext>
-            </a:extLst>
-          </p:cNvPr>
-          <p:cNvPicPr>
-            <a:picLocks noChangeAspect="1"/>
-          </p:cNvPicPr>
-          <p:nvPr/>
-        </p:nvPicPr>
-        <p:blipFill>
-          <a:blip r:embed="rId2">
-            <a:extLst>
-              <a:ext uri="{28A0092B-C50C-407E-A947-70E740481C1C}">
-                <a14:useLocalDpi xmlns:a14="http://schemas.microsoft.com/office/drawing/2010/main" val="0"/>
-              </a:ext>
-            </a:extLst>
-          </a:blip>
-          <a:stretch>
-            <a:fillRect/>
-          </a:stretch>
-        </p:blipFill>
-        <p:spPr>
-          <a:xfrm>
-            <a:off x="1596079" y="3630508"/>
-            <a:ext cx="9172575" cy="2505075"/>
-          </a:xfrm>
-          <a:prstGeom prst="rect">
-            <a:avLst/>
-          </a:prstGeom>
-        </p:spPr>
-      </p:pic>
-      <p:pic>
-        <p:nvPicPr>
-          <p:cNvPr id="11" name="图片 10">
-            <a:extLst>
-              <a:ext uri="{FF2B5EF4-FFF2-40B4-BE49-F238E27FC236}">
-                <a16:creationId xmlns:a16="http://schemas.microsoft.com/office/drawing/2014/main" id="{FA165876-1B4B-4DDC-B577-B4D1FAF33CE0}"/>
-              </a:ext>
-            </a:extLst>
-          </p:cNvPr>
-          <p:cNvPicPr>
-            <a:picLocks noChangeAspect="1"/>
-          </p:cNvPicPr>
-          <p:nvPr/>
-        </p:nvPicPr>
-        <p:blipFill>
-          <a:blip r:embed="rId3">
-            <a:extLst>
-              <a:ext uri="{28A0092B-C50C-407E-A947-70E740481C1C}">
-                <a14:useLocalDpi xmlns:a14="http://schemas.microsoft.com/office/drawing/2010/main" val="0"/>
-              </a:ext>
-            </a:extLst>
-          </a:blip>
-          <a:stretch>
-            <a:fillRect/>
-          </a:stretch>
-        </p:blipFill>
-        <p:spPr>
-          <a:xfrm>
-            <a:off x="1596079" y="2017432"/>
-            <a:ext cx="8239125" cy="1143000"/>
-          </a:xfrm>
-          <a:prstGeom prst="rect">
-            <a:avLst/>
-          </a:prstGeom>
-        </p:spPr>
-      </p:pic>
-      <p:sp>
-        <p:nvSpPr>
-          <p:cNvPr id="12" name="文本框 11">
-            <a:extLst>
-              <a:ext uri="{FF2B5EF4-FFF2-40B4-BE49-F238E27FC236}">
-                <a16:creationId xmlns:a16="http://schemas.microsoft.com/office/drawing/2014/main" id="{0782D809-15B5-4CD5-B595-EEABAAA954C6}"/>
-              </a:ext>
-            </a:extLst>
-          </p:cNvPr>
-          <p:cNvSpPr txBox="1"/>
-          <p:nvPr/>
-        </p:nvSpPr>
-        <p:spPr>
-          <a:xfrm>
-            <a:off x="876693" y="2404266"/>
-            <a:ext cx="1046375" cy="369332"/>
-          </a:xfrm>
-          <a:prstGeom prst="rect">
-            <a:avLst/>
-          </a:prstGeom>
-          <a:noFill/>
-        </p:spPr>
-        <p:txBody>
-          <a:bodyPr wrap="square" rtlCol="0">
-            <a:spAutoFit/>
-          </a:bodyPr>
-          <a:lstStyle/>
-          <a:p>
-            <a:r>
-              <a:rPr lang="zh-CN" altLang="en-US" dirty="0"/>
-              <a:t>顶层</a:t>
-            </a:r>
-          </a:p>
-        </p:txBody>
-      </p:sp>
-      <p:sp>
-        <p:nvSpPr>
-          <p:cNvPr id="13" name="文本框 12">
-            <a:extLst>
-              <a:ext uri="{FF2B5EF4-FFF2-40B4-BE49-F238E27FC236}">
-                <a16:creationId xmlns:a16="http://schemas.microsoft.com/office/drawing/2014/main" id="{F3F9CD56-C0F7-461D-9D15-C68FFBD0AE7E}"/>
-              </a:ext>
-            </a:extLst>
-          </p:cNvPr>
-          <p:cNvSpPr txBox="1"/>
-          <p:nvPr/>
-        </p:nvSpPr>
-        <p:spPr>
-          <a:xfrm>
-            <a:off x="952108" y="4053526"/>
-            <a:ext cx="719386" cy="369332"/>
-          </a:xfrm>
-          <a:prstGeom prst="rect">
-            <a:avLst/>
-          </a:prstGeom>
-          <a:noFill/>
-        </p:spPr>
-        <p:txBody>
-          <a:bodyPr wrap="square" rtlCol="0">
-            <a:spAutoFit/>
-          </a:bodyPr>
-          <a:lstStyle/>
-          <a:p>
-            <a:r>
-              <a:rPr lang="en-US" altLang="zh-CN" dirty="0"/>
-              <a:t>0</a:t>
-            </a:r>
-            <a:r>
-              <a:rPr lang="zh-CN" altLang="en-US" dirty="0"/>
-              <a:t>层</a:t>
-            </a:r>
-          </a:p>
-        </p:txBody>
-      </p:sp>
-    </p:spTree>
-    <p:extLst>
-      <p:ext uri="{BB962C8B-B14F-4D97-AF65-F5344CB8AC3E}">
-        <p14:creationId xmlns:p14="http://schemas.microsoft.com/office/powerpoint/2010/main" val="526531663"/>
-      </p:ext>
-    </p:extLst>
-  </p:cSld>
-  <p:clrMapOvr>
-    <a:masterClrMapping/>
-  </p:clrMapOvr>
-  <p:transition spd="slow">
-    <p:push dir="u"/>
-  </p:transition>
-</p:sld>
-</file>
-
-<file path=ppt/slides/slide17.xml><?xml version="1.0" encoding="utf-8"?>
+<file path=ppt/slides/slide14.xml><?xml version="1.0" encoding="utf-8"?>
 <p:sld xmlns:a="http://schemas.openxmlformats.org/drawingml/2006/main" xmlns:r="http://schemas.openxmlformats.org/officeDocument/2006/relationships" xmlns:p="http://schemas.openxmlformats.org/presentationml/2006/main">
   <p:cSld>
     <p:spTree>
@@ -9074,7 +8725,7 @@
 </p:sld>
 </file>
 
-<file path=ppt/slides/slide18.xml><?xml version="1.0" encoding="utf-8"?>
+<file path=ppt/slides/slide15.xml><?xml version="1.0" encoding="utf-8"?>
 <p:sld xmlns:a="http://schemas.openxmlformats.org/drawingml/2006/main" xmlns:r="http://schemas.openxmlformats.org/officeDocument/2006/relationships" xmlns:p="http://schemas.openxmlformats.org/presentationml/2006/main">
   <p:cSld>
     <p:spTree>
@@ -9983,7 +9634,7 @@
 </p:sld>
 </file>
 
-<file path=ppt/slides/slide19.xml><?xml version="1.0" encoding="utf-8"?>
+<file path=ppt/slides/slide16.xml><?xml version="1.0" encoding="utf-8"?>
 <p:sld xmlns:a="http://schemas.openxmlformats.org/drawingml/2006/main" xmlns:r="http://schemas.openxmlformats.org/officeDocument/2006/relationships" xmlns:p="http://schemas.openxmlformats.org/presentationml/2006/main">
   <p:cSld>
     <p:spTree>
@@ -10096,6 +9747,393 @@
   <p:transition spd="med">
     <p:pull/>
   </p:transition>
+</p:sld>
+</file>
+
+<file path=ppt/slides/slide17.xml><?xml version="1.0" encoding="utf-8"?>
+<p:sld xmlns:a="http://schemas.openxmlformats.org/drawingml/2006/main" xmlns:r="http://schemas.openxmlformats.org/officeDocument/2006/relationships" xmlns:p="http://schemas.openxmlformats.org/presentationml/2006/main">
+  <p:cSld>
+    <p:spTree>
+      <p:nvGrpSpPr>
+        <p:cNvPr id="1" name=""/>
+        <p:cNvGrpSpPr/>
+        <p:nvPr/>
+      </p:nvGrpSpPr>
+      <p:grpSpPr>
+        <a:xfrm>
+          <a:off x="0" y="0"/>
+          <a:ext cx="0" cy="0"/>
+          <a:chOff x="0" y="0"/>
+          <a:chExt cx="0" cy="0"/>
+        </a:xfrm>
+      </p:grpSpPr>
+      <p:pic>
+        <p:nvPicPr>
+          <p:cNvPr id="4" name="图片 3">
+            <a:extLst>
+              <a:ext uri="{FF2B5EF4-FFF2-40B4-BE49-F238E27FC236}">
+                <a16:creationId xmlns:a16="http://schemas.microsoft.com/office/drawing/2014/main" id="{6D10AFEB-A694-488A-9B0C-8B2870F3EA97}"/>
+              </a:ext>
+            </a:extLst>
+          </p:cNvPr>
+          <p:cNvPicPr>
+            <a:picLocks noChangeAspect="1"/>
+          </p:cNvPicPr>
+          <p:nvPr/>
+        </p:nvPicPr>
+        <p:blipFill>
+          <a:blip r:embed="rId2">
+            <a:extLst>
+              <a:ext uri="{28A0092B-C50C-407E-A947-70E740481C1C}">
+                <a14:useLocalDpi xmlns:a14="http://schemas.microsoft.com/office/drawing/2010/main" val="0"/>
+              </a:ext>
+            </a:extLst>
+          </a:blip>
+          <a:stretch>
+            <a:fillRect/>
+          </a:stretch>
+        </p:blipFill>
+        <p:spPr>
+          <a:xfrm>
+            <a:off x="437074" y="495046"/>
+            <a:ext cx="5303980" cy="5867908"/>
+          </a:xfrm>
+          <a:prstGeom prst="rect">
+            <a:avLst/>
+          </a:prstGeom>
+        </p:spPr>
+      </p:pic>
+      <p:pic>
+        <p:nvPicPr>
+          <p:cNvPr id="8" name="图片 7">
+            <a:extLst>
+              <a:ext uri="{FF2B5EF4-FFF2-40B4-BE49-F238E27FC236}">
+                <a16:creationId xmlns:a16="http://schemas.microsoft.com/office/drawing/2014/main" id="{9ABAF1CE-16B0-4DF8-9B90-36DA51855AE8}"/>
+              </a:ext>
+            </a:extLst>
+          </p:cNvPr>
+          <p:cNvPicPr>
+            <a:picLocks noChangeAspect="1"/>
+          </p:cNvPicPr>
+          <p:nvPr/>
+        </p:nvPicPr>
+        <p:blipFill>
+          <a:blip r:embed="rId3">
+            <a:extLst>
+              <a:ext uri="{28A0092B-C50C-407E-A947-70E740481C1C}">
+                <a14:useLocalDpi xmlns:a14="http://schemas.microsoft.com/office/drawing/2010/main" val="0"/>
+              </a:ext>
+            </a:extLst>
+          </a:blip>
+          <a:stretch>
+            <a:fillRect/>
+          </a:stretch>
+        </p:blipFill>
+        <p:spPr>
+          <a:xfrm>
+            <a:off x="5741054" y="719855"/>
+            <a:ext cx="5227773" cy="5418290"/>
+          </a:xfrm>
+          <a:prstGeom prst="rect">
+            <a:avLst/>
+          </a:prstGeom>
+        </p:spPr>
+      </p:pic>
+      <p:sp>
+        <p:nvSpPr>
+          <p:cNvPr id="5" name="文本框 4">
+            <a:extLst>
+              <a:ext uri="{FF2B5EF4-FFF2-40B4-BE49-F238E27FC236}">
+                <a16:creationId xmlns:a16="http://schemas.microsoft.com/office/drawing/2014/main" id="{09D6B03B-5695-4BF4-B434-3035D8F190D6}"/>
+              </a:ext>
+            </a:extLst>
+          </p:cNvPr>
+          <p:cNvSpPr txBox="1"/>
+          <p:nvPr/>
+        </p:nvSpPr>
+        <p:spPr>
+          <a:xfrm>
+            <a:off x="581133" y="571783"/>
+            <a:ext cx="6099142" cy="646331"/>
+          </a:xfrm>
+          <a:prstGeom prst="rect">
+            <a:avLst/>
+          </a:prstGeom>
+          <a:noFill/>
+        </p:spPr>
+        <p:txBody>
+          <a:bodyPr wrap="square">
+            <a:spAutoFit/>
+          </a:bodyPr>
+          <a:lstStyle/>
+          <a:p>
+            <a:r>
+              <a:rPr lang="zh-CN" altLang="en-US" sz="3600" b="1" dirty="0">
+                <a:solidFill>
+                  <a:schemeClr val="tx1">
+                    <a:lumMod val="85000"/>
+                    <a:lumOff val="15000"/>
+                  </a:schemeClr>
+                </a:solidFill>
+                <a:latin typeface="Noto Sans S Chinese Regular" panose="020B0500000000000000" pitchFamily="34" charset="-122"/>
+                <a:ea typeface="Noto Sans S Chinese Regular" panose="020B0500000000000000" pitchFamily="34" charset="-122"/>
+              </a:rPr>
+              <a:t>会议记录</a:t>
+            </a:r>
+            <a:endParaRPr lang="zh-CN" altLang="en-US" sz="3600" dirty="0"/>
+          </a:p>
+        </p:txBody>
+      </p:sp>
+    </p:spTree>
+    <p:extLst>
+      <p:ext uri="{BB962C8B-B14F-4D97-AF65-F5344CB8AC3E}">
+        <p14:creationId xmlns:p14="http://schemas.microsoft.com/office/powerpoint/2010/main" val="628349601"/>
+      </p:ext>
+    </p:extLst>
+  </p:cSld>
+  <p:clrMapOvr>
+    <a:masterClrMapping/>
+  </p:clrMapOvr>
+  <p:transition spd="med">
+    <p:pull/>
+  </p:transition>
+</p:sld>
+</file>
+
+<file path=ppt/slides/slide18.xml><?xml version="1.0" encoding="utf-8"?>
+<p:sld xmlns:a="http://schemas.openxmlformats.org/drawingml/2006/main" xmlns:r="http://schemas.openxmlformats.org/officeDocument/2006/relationships" xmlns:p="http://schemas.openxmlformats.org/presentationml/2006/main">
+  <p:cSld>
+    <p:spTree>
+      <p:nvGrpSpPr>
+        <p:cNvPr id="1" name=""/>
+        <p:cNvGrpSpPr/>
+        <p:nvPr/>
+      </p:nvGrpSpPr>
+      <p:grpSpPr>
+        <a:xfrm>
+          <a:off x="0" y="0"/>
+          <a:ext cx="0" cy="0"/>
+          <a:chOff x="0" y="0"/>
+          <a:chExt cx="0" cy="0"/>
+        </a:xfrm>
+      </p:grpSpPr>
+      <p:sp>
+        <p:nvSpPr>
+          <p:cNvPr id="3" name="文本框 2">
+            <a:extLst>
+              <a:ext uri="{FF2B5EF4-FFF2-40B4-BE49-F238E27FC236}">
+                <a16:creationId xmlns:a16="http://schemas.microsoft.com/office/drawing/2014/main" id="{1E756619-0E2A-449A-B97E-23AC45042DAD}"/>
+              </a:ext>
+            </a:extLst>
+          </p:cNvPr>
+          <p:cNvSpPr txBox="1"/>
+          <p:nvPr/>
+        </p:nvSpPr>
+        <p:spPr>
+          <a:xfrm>
+            <a:off x="306972" y="612282"/>
+            <a:ext cx="6099142" cy="646331"/>
+          </a:xfrm>
+          <a:prstGeom prst="rect">
+            <a:avLst/>
+          </a:prstGeom>
+          <a:noFill/>
+        </p:spPr>
+        <p:txBody>
+          <a:bodyPr wrap="square">
+            <a:spAutoFit/>
+          </a:bodyPr>
+          <a:lstStyle/>
+          <a:p>
+            <a:r>
+              <a:rPr lang="zh-CN" altLang="en-US" sz="3600" b="1" dirty="0">
+                <a:solidFill>
+                  <a:schemeClr val="tx1">
+                    <a:lumMod val="85000"/>
+                    <a:lumOff val="15000"/>
+                  </a:schemeClr>
+                </a:solidFill>
+                <a:latin typeface="Noto Sans S Chinese Regular" panose="020B0500000000000000" pitchFamily="34" charset="-122"/>
+                <a:ea typeface="Noto Sans S Chinese Regular" panose="020B0500000000000000" pitchFamily="34" charset="-122"/>
+              </a:rPr>
+              <a:t>项目配置管理</a:t>
+            </a:r>
+            <a:endParaRPr lang="zh-CN" altLang="en-US" sz="3600" dirty="0"/>
+          </a:p>
+        </p:txBody>
+      </p:sp>
+      <p:pic>
+        <p:nvPicPr>
+          <p:cNvPr id="5" name="图片 4">
+            <a:extLst>
+              <a:ext uri="{FF2B5EF4-FFF2-40B4-BE49-F238E27FC236}">
+                <a16:creationId xmlns:a16="http://schemas.microsoft.com/office/drawing/2014/main" id="{1C414758-8083-4023-B6E6-A6AF05FF66F6}"/>
+              </a:ext>
+            </a:extLst>
+          </p:cNvPr>
+          <p:cNvPicPr>
+            <a:picLocks noChangeAspect="1"/>
+          </p:cNvPicPr>
+          <p:nvPr/>
+        </p:nvPicPr>
+        <p:blipFill>
+          <a:blip r:embed="rId2">
+            <a:extLst>
+              <a:ext uri="{28A0092B-C50C-407E-A947-70E740481C1C}">
+                <a14:useLocalDpi xmlns:a14="http://schemas.microsoft.com/office/drawing/2010/main" val="0"/>
+              </a:ext>
+            </a:extLst>
+          </a:blip>
+          <a:stretch>
+            <a:fillRect/>
+          </a:stretch>
+        </p:blipFill>
+        <p:spPr>
+          <a:xfrm>
+            <a:off x="3408839" y="646552"/>
+            <a:ext cx="8175715" cy="5599166"/>
+          </a:xfrm>
+          <a:prstGeom prst="rect">
+            <a:avLst/>
+          </a:prstGeom>
+        </p:spPr>
+      </p:pic>
+    </p:spTree>
+    <p:extLst>
+      <p:ext uri="{BB962C8B-B14F-4D97-AF65-F5344CB8AC3E}">
+        <p14:creationId xmlns:p14="http://schemas.microsoft.com/office/powerpoint/2010/main" val="2010383924"/>
+      </p:ext>
+    </p:extLst>
+  </p:cSld>
+  <p:clrMapOvr>
+    <a:masterClrMapping/>
+  </p:clrMapOvr>
+  <mc:AlternateContent xmlns:mc="http://schemas.openxmlformats.org/markup-compatibility/2006" xmlns:p14="http://schemas.microsoft.com/office/powerpoint/2010/main">
+    <mc:Choice Requires="p14">
+      <p:transition spd="slow" p14:dur="1600">
+        <p14:gallery dir="l"/>
+      </p:transition>
+    </mc:Choice>
+    <mc:Fallback xmlns="">
+      <p:transition spd="slow">
+        <p:fade/>
+      </p:transition>
+    </mc:Fallback>
+  </mc:AlternateContent>
+</p:sld>
+</file>
+
+<file path=ppt/slides/slide19.xml><?xml version="1.0" encoding="utf-8"?>
+<p:sld xmlns:a="http://schemas.openxmlformats.org/drawingml/2006/main" xmlns:r="http://schemas.openxmlformats.org/officeDocument/2006/relationships" xmlns:p="http://schemas.openxmlformats.org/presentationml/2006/main">
+  <p:cSld>
+    <p:spTree>
+      <p:nvGrpSpPr>
+        <p:cNvPr id="1" name=""/>
+        <p:cNvGrpSpPr/>
+        <p:nvPr/>
+      </p:nvGrpSpPr>
+      <p:grpSpPr>
+        <a:xfrm>
+          <a:off x="0" y="0"/>
+          <a:ext cx="0" cy="0"/>
+          <a:chOff x="0" y="0"/>
+          <a:chExt cx="0" cy="0"/>
+        </a:xfrm>
+      </p:grpSpPr>
+      <p:sp>
+        <p:nvSpPr>
+          <p:cNvPr id="5" name="文本框 4">
+            <a:extLst>
+              <a:ext uri="{FF2B5EF4-FFF2-40B4-BE49-F238E27FC236}">
+                <a16:creationId xmlns:a16="http://schemas.microsoft.com/office/drawing/2014/main" id="{46F2F982-D674-4BA9-8477-62EF70E455E6}"/>
+              </a:ext>
+            </a:extLst>
+          </p:cNvPr>
+          <p:cNvSpPr txBox="1"/>
+          <p:nvPr/>
+        </p:nvSpPr>
+        <p:spPr>
+          <a:xfrm>
+            <a:off x="556181" y="452487"/>
+            <a:ext cx="4336330" cy="646331"/>
+          </a:xfrm>
+          <a:prstGeom prst="rect">
+            <a:avLst/>
+          </a:prstGeom>
+          <a:noFill/>
+        </p:spPr>
+        <p:txBody>
+          <a:bodyPr wrap="square" rtlCol="0">
+            <a:spAutoFit/>
+          </a:bodyPr>
+          <a:lstStyle/>
+          <a:p>
+            <a:r>
+              <a:rPr lang="zh-CN" altLang="en-US" sz="3600" b="1" dirty="0"/>
+              <a:t>甘特图</a:t>
+            </a:r>
+            <a:endParaRPr lang="zh-CN" altLang="en-US" b="1" dirty="0"/>
+          </a:p>
+        </p:txBody>
+      </p:sp>
+      <p:pic>
+        <p:nvPicPr>
+          <p:cNvPr id="4" name="图片 3">
+            <a:extLst>
+              <a:ext uri="{FF2B5EF4-FFF2-40B4-BE49-F238E27FC236}">
+                <a16:creationId xmlns:a16="http://schemas.microsoft.com/office/drawing/2014/main" id="{71E6FF47-C852-4465-8811-6B513D71ED36}"/>
+              </a:ext>
+            </a:extLst>
+          </p:cNvPr>
+          <p:cNvPicPr>
+            <a:picLocks noChangeAspect="1"/>
+          </p:cNvPicPr>
+          <p:nvPr/>
+        </p:nvPicPr>
+        <p:blipFill>
+          <a:blip r:embed="rId3">
+            <a:extLst>
+              <a:ext uri="{28A0092B-C50C-407E-A947-70E740481C1C}">
+                <a14:useLocalDpi xmlns:a14="http://schemas.microsoft.com/office/drawing/2010/main" val="0"/>
+              </a:ext>
+            </a:extLst>
+          </a:blip>
+          <a:stretch>
+            <a:fillRect/>
+          </a:stretch>
+        </p:blipFill>
+        <p:spPr>
+          <a:xfrm>
+            <a:off x="0" y="993949"/>
+            <a:ext cx="12192000" cy="4870101"/>
+          </a:xfrm>
+          <a:prstGeom prst="rect">
+            <a:avLst/>
+          </a:prstGeom>
+        </p:spPr>
+      </p:pic>
+    </p:spTree>
+    <p:extLst>
+      <p:ext uri="{BB962C8B-B14F-4D97-AF65-F5344CB8AC3E}">
+        <p14:creationId xmlns:p14="http://schemas.microsoft.com/office/powerpoint/2010/main" val="3682945675"/>
+      </p:ext>
+    </p:extLst>
+  </p:cSld>
+  <p:clrMapOvr>
+    <a:masterClrMapping/>
+  </p:clrMapOvr>
+  <mc:AlternateContent xmlns:mc="http://schemas.openxmlformats.org/markup-compatibility/2006" xmlns:p14="http://schemas.microsoft.com/office/powerpoint/2010/main">
+    <mc:Choice Requires="p14">
+      <p:transition spd="slow" p14:dur="1600">
+        <p14:prism isInverted="1"/>
+      </p:transition>
+    </mc:Choice>
+    <mc:Fallback xmlns="">
+      <p:transition spd="slow">
+        <p:fade/>
+      </p:transition>
+    </mc:Fallback>
+  </mc:AlternateContent>
 </p:sld>
 </file>
 
@@ -11557,1017 +11595,6 @@
 </file>
 
 <file path=ppt/slides/slide20.xml><?xml version="1.0" encoding="utf-8"?>
-<p:sld xmlns:a="http://schemas.openxmlformats.org/drawingml/2006/main" xmlns:r="http://schemas.openxmlformats.org/officeDocument/2006/relationships" xmlns:p="http://schemas.openxmlformats.org/presentationml/2006/main">
-  <p:cSld>
-    <p:spTree>
-      <p:nvGrpSpPr>
-        <p:cNvPr id="1" name=""/>
-        <p:cNvGrpSpPr/>
-        <p:nvPr/>
-      </p:nvGrpSpPr>
-      <p:grpSpPr>
-        <a:xfrm>
-          <a:off x="0" y="0"/>
-          <a:ext cx="0" cy="0"/>
-          <a:chOff x="0" y="0"/>
-          <a:chExt cx="0" cy="0"/>
-        </a:xfrm>
-      </p:grpSpPr>
-      <p:pic>
-        <p:nvPicPr>
-          <p:cNvPr id="4" name="图片 3">
-            <a:extLst>
-              <a:ext uri="{FF2B5EF4-FFF2-40B4-BE49-F238E27FC236}">
-                <a16:creationId xmlns:a16="http://schemas.microsoft.com/office/drawing/2014/main" id="{6F1F5C21-FB6C-4EE0-B8DC-FE856CA4D11B}"/>
-              </a:ext>
-            </a:extLst>
-          </p:cNvPr>
-          <p:cNvPicPr/>
-          <p:nvPr/>
-        </p:nvPicPr>
-        <p:blipFill>
-          <a:blip r:embed="rId2">
-            <a:extLst>
-              <a:ext uri="{28A0092B-C50C-407E-A947-70E740481C1C}">
-                <a14:useLocalDpi xmlns:a14="http://schemas.microsoft.com/office/drawing/2010/main" val="0"/>
-              </a:ext>
-            </a:extLst>
-          </a:blip>
-          <a:srcRect/>
-          <a:stretch>
-            <a:fillRect/>
-          </a:stretch>
-        </p:blipFill>
-        <p:spPr bwMode="auto">
-          <a:xfrm>
-            <a:off x="3459479" y="1341119"/>
-            <a:ext cx="6888169" cy="5013027"/>
-          </a:xfrm>
-          <a:prstGeom prst="rect">
-            <a:avLst/>
-          </a:prstGeom>
-          <a:noFill/>
-          <a:ln>
-            <a:noFill/>
-          </a:ln>
-        </p:spPr>
-      </p:pic>
-      <p:sp>
-        <p:nvSpPr>
-          <p:cNvPr id="5" name="文本框 4">
-            <a:extLst>
-              <a:ext uri="{FF2B5EF4-FFF2-40B4-BE49-F238E27FC236}">
-                <a16:creationId xmlns:a16="http://schemas.microsoft.com/office/drawing/2014/main" id="{85D595A6-9543-4919-AD30-FEA2AB3960D8}"/>
-              </a:ext>
-            </a:extLst>
-          </p:cNvPr>
-          <p:cNvSpPr txBox="1"/>
-          <p:nvPr/>
-        </p:nvSpPr>
-        <p:spPr>
-          <a:xfrm>
-            <a:off x="556181" y="452487"/>
-            <a:ext cx="4336330" cy="646331"/>
-          </a:xfrm>
-          <a:prstGeom prst="rect">
-            <a:avLst/>
-          </a:prstGeom>
-          <a:noFill/>
-        </p:spPr>
-        <p:txBody>
-          <a:bodyPr wrap="square" rtlCol="0">
-            <a:spAutoFit/>
-          </a:bodyPr>
-          <a:lstStyle/>
-          <a:p>
-            <a:r>
-              <a:rPr lang="zh-CN" altLang="en-US" sz="3600" b="1" dirty="0"/>
-              <a:t>层次方框图</a:t>
-            </a:r>
-            <a:endParaRPr lang="zh-CN" altLang="en-US" b="1" dirty="0"/>
-          </a:p>
-        </p:txBody>
-      </p:sp>
-    </p:spTree>
-    <p:extLst>
-      <p:ext uri="{BB962C8B-B14F-4D97-AF65-F5344CB8AC3E}">
-        <p14:creationId xmlns:p14="http://schemas.microsoft.com/office/powerpoint/2010/main" val="470010874"/>
-      </p:ext>
-    </p:extLst>
-  </p:cSld>
-  <p:clrMapOvr>
-    <a:masterClrMapping/>
-  </p:clrMapOvr>
-  <mc:AlternateContent xmlns:mc="http://schemas.openxmlformats.org/markup-compatibility/2006" xmlns:p14="http://schemas.microsoft.com/office/powerpoint/2010/main">
-    <mc:Choice Requires="p14">
-      <p:transition spd="slow" p14:dur="800">
-        <p:circle/>
-      </p:transition>
-    </mc:Choice>
-    <mc:Fallback xmlns="">
-      <p:transition spd="slow">
-        <p:circle/>
-      </p:transition>
-    </mc:Fallback>
-  </mc:AlternateContent>
-</p:sld>
-</file>
-
-<file path=ppt/slides/slide21.xml><?xml version="1.0" encoding="utf-8"?>
-<p:sld xmlns:a="http://schemas.openxmlformats.org/drawingml/2006/main" xmlns:r="http://schemas.openxmlformats.org/officeDocument/2006/relationships" xmlns:p="http://schemas.openxmlformats.org/presentationml/2006/main">
-  <p:cSld>
-    <p:spTree>
-      <p:nvGrpSpPr>
-        <p:cNvPr id="1" name=""/>
-        <p:cNvGrpSpPr/>
-        <p:nvPr/>
-      </p:nvGrpSpPr>
-      <p:grpSpPr>
-        <a:xfrm>
-          <a:off x="0" y="0"/>
-          <a:ext cx="0" cy="0"/>
-          <a:chOff x="0" y="0"/>
-          <a:chExt cx="0" cy="0"/>
-        </a:xfrm>
-      </p:grpSpPr>
-      <p:pic>
-        <p:nvPicPr>
-          <p:cNvPr id="4" name="图片 3">
-            <a:extLst>
-              <a:ext uri="{FF2B5EF4-FFF2-40B4-BE49-F238E27FC236}">
-                <a16:creationId xmlns:a16="http://schemas.microsoft.com/office/drawing/2014/main" id="{7149751B-51A7-4D21-A19E-05BC0843ED9F}"/>
-              </a:ext>
-            </a:extLst>
-          </p:cNvPr>
-          <p:cNvPicPr/>
-          <p:nvPr/>
-        </p:nvPicPr>
-        <p:blipFill>
-          <a:blip r:embed="rId2">
-            <a:extLst>
-              <a:ext uri="{28A0092B-C50C-407E-A947-70E740481C1C}">
-                <a14:useLocalDpi xmlns:a14="http://schemas.microsoft.com/office/drawing/2010/main" val="0"/>
-              </a:ext>
-            </a:extLst>
-          </a:blip>
-          <a:srcRect/>
-          <a:stretch>
-            <a:fillRect/>
-          </a:stretch>
-        </p:blipFill>
-        <p:spPr bwMode="auto">
-          <a:xfrm>
-            <a:off x="4308564" y="905303"/>
-            <a:ext cx="5936447" cy="5439514"/>
-          </a:xfrm>
-          <a:prstGeom prst="rect">
-            <a:avLst/>
-          </a:prstGeom>
-          <a:noFill/>
-          <a:ln>
-            <a:noFill/>
-          </a:ln>
-        </p:spPr>
-      </p:pic>
-      <p:sp>
-        <p:nvSpPr>
-          <p:cNvPr id="5" name="文本框 4">
-            <a:extLst>
-              <a:ext uri="{FF2B5EF4-FFF2-40B4-BE49-F238E27FC236}">
-                <a16:creationId xmlns:a16="http://schemas.microsoft.com/office/drawing/2014/main" id="{76470C62-A7B9-4936-A0FA-0C8BAD234527}"/>
-              </a:ext>
-            </a:extLst>
-          </p:cNvPr>
-          <p:cNvSpPr txBox="1"/>
-          <p:nvPr/>
-        </p:nvSpPr>
-        <p:spPr>
-          <a:xfrm>
-            <a:off x="556181" y="452487"/>
-            <a:ext cx="4336330" cy="646331"/>
-          </a:xfrm>
-          <a:prstGeom prst="rect">
-            <a:avLst/>
-          </a:prstGeom>
-          <a:noFill/>
-        </p:spPr>
-        <p:txBody>
-          <a:bodyPr wrap="square" rtlCol="0">
-            <a:spAutoFit/>
-          </a:bodyPr>
-          <a:lstStyle/>
-          <a:p>
-            <a:r>
-              <a:rPr lang="zh-CN" altLang="en-US" sz="3600" b="1" dirty="0"/>
-              <a:t>状态图</a:t>
-            </a:r>
-            <a:endParaRPr lang="zh-CN" altLang="en-US" b="1" dirty="0"/>
-          </a:p>
-        </p:txBody>
-      </p:sp>
-    </p:spTree>
-    <p:extLst>
-      <p:ext uri="{BB962C8B-B14F-4D97-AF65-F5344CB8AC3E}">
-        <p14:creationId xmlns:p14="http://schemas.microsoft.com/office/powerpoint/2010/main" val="3139613117"/>
-      </p:ext>
-    </p:extLst>
-  </p:cSld>
-  <p:clrMapOvr>
-    <a:masterClrMapping/>
-  </p:clrMapOvr>
-  <mc:AlternateContent xmlns:mc="http://schemas.openxmlformats.org/markup-compatibility/2006" xmlns:p14="http://schemas.microsoft.com/office/powerpoint/2010/main">
-    <mc:Choice Requires="p14">
-      <p:transition spd="slow" p14:dur="800">
-        <p:circle/>
-      </p:transition>
-    </mc:Choice>
-    <mc:Fallback xmlns="">
-      <p:transition spd="slow">
-        <p:circle/>
-      </p:transition>
-    </mc:Fallback>
-  </mc:AlternateContent>
-</p:sld>
-</file>
-
-<file path=ppt/slides/slide22.xml><?xml version="1.0" encoding="utf-8"?>
-<p:sld xmlns:a="http://schemas.openxmlformats.org/drawingml/2006/main" xmlns:r="http://schemas.openxmlformats.org/officeDocument/2006/relationships" xmlns:p="http://schemas.openxmlformats.org/presentationml/2006/main">
-  <p:cSld>
-    <p:spTree>
-      <p:nvGrpSpPr>
-        <p:cNvPr id="1" name=""/>
-        <p:cNvGrpSpPr/>
-        <p:nvPr/>
-      </p:nvGrpSpPr>
-      <p:grpSpPr>
-        <a:xfrm>
-          <a:off x="0" y="0"/>
-          <a:ext cx="0" cy="0"/>
-          <a:chOff x="0" y="0"/>
-          <a:chExt cx="0" cy="0"/>
-        </a:xfrm>
-      </p:grpSpPr>
-      <p:sp>
-        <p:nvSpPr>
-          <p:cNvPr id="5" name="文本框 4">
-            <a:extLst>
-              <a:ext uri="{FF2B5EF4-FFF2-40B4-BE49-F238E27FC236}">
-                <a16:creationId xmlns:a16="http://schemas.microsoft.com/office/drawing/2014/main" id="{09D6B03B-5695-4BF4-B434-3035D8F190D6}"/>
-              </a:ext>
-            </a:extLst>
-          </p:cNvPr>
-          <p:cNvSpPr txBox="1"/>
-          <p:nvPr/>
-        </p:nvSpPr>
-        <p:spPr>
-          <a:xfrm>
-            <a:off x="581133" y="571783"/>
-            <a:ext cx="6099142" cy="646331"/>
-          </a:xfrm>
-          <a:prstGeom prst="rect">
-            <a:avLst/>
-          </a:prstGeom>
-          <a:noFill/>
-        </p:spPr>
-        <p:txBody>
-          <a:bodyPr wrap="square">
-            <a:spAutoFit/>
-          </a:bodyPr>
-          <a:lstStyle/>
-          <a:p>
-            <a:r>
-              <a:rPr lang="zh-CN" altLang="en-US" sz="3600" b="1" dirty="0">
-                <a:solidFill>
-                  <a:schemeClr val="tx1">
-                    <a:lumMod val="85000"/>
-                    <a:lumOff val="15000"/>
-                  </a:schemeClr>
-                </a:solidFill>
-                <a:latin typeface="Noto Sans S Chinese Regular" panose="020B0500000000000000" pitchFamily="34" charset="-122"/>
-                <a:ea typeface="Noto Sans S Chinese Regular" panose="020B0500000000000000" pitchFamily="34" charset="-122"/>
-              </a:rPr>
-              <a:t>会议记录</a:t>
-            </a:r>
-            <a:endParaRPr lang="zh-CN" altLang="en-US" sz="3600" dirty="0"/>
-          </a:p>
-        </p:txBody>
-      </p:sp>
-      <p:pic>
-        <p:nvPicPr>
-          <p:cNvPr id="3" name="图片 2">
-            <a:extLst>
-              <a:ext uri="{FF2B5EF4-FFF2-40B4-BE49-F238E27FC236}">
-                <a16:creationId xmlns:a16="http://schemas.microsoft.com/office/drawing/2014/main" id="{F2DC1514-DE56-4058-9021-746170A1C05A}"/>
-              </a:ext>
-            </a:extLst>
-          </p:cNvPr>
-          <p:cNvPicPr>
-            <a:picLocks noChangeAspect="1"/>
-          </p:cNvPicPr>
-          <p:nvPr/>
-        </p:nvPicPr>
-        <p:blipFill>
-          <a:blip r:embed="rId2">
-            <a:extLst>
-              <a:ext uri="{28A0092B-C50C-407E-A947-70E740481C1C}">
-                <a14:useLocalDpi xmlns:a14="http://schemas.microsoft.com/office/drawing/2010/main" val="0"/>
-              </a:ext>
-            </a:extLst>
-          </a:blip>
-          <a:stretch>
-            <a:fillRect/>
-          </a:stretch>
-        </p:blipFill>
-        <p:spPr>
-          <a:xfrm>
-            <a:off x="7078537" y="373115"/>
-            <a:ext cx="5113463" cy="6111770"/>
-          </a:xfrm>
-          <a:prstGeom prst="rect">
-            <a:avLst/>
-          </a:prstGeom>
-        </p:spPr>
-      </p:pic>
-      <p:pic>
-        <p:nvPicPr>
-          <p:cNvPr id="7" name="图片 6">
-            <a:extLst>
-              <a:ext uri="{FF2B5EF4-FFF2-40B4-BE49-F238E27FC236}">
-                <a16:creationId xmlns:a16="http://schemas.microsoft.com/office/drawing/2014/main" id="{F3F2DE9C-0FD4-4B24-82A4-CDFF2F05326A}"/>
-              </a:ext>
-            </a:extLst>
-          </p:cNvPr>
-          <p:cNvPicPr>
-            <a:picLocks noChangeAspect="1"/>
-          </p:cNvPicPr>
-          <p:nvPr/>
-        </p:nvPicPr>
-        <p:blipFill>
-          <a:blip r:embed="rId3">
-            <a:extLst>
-              <a:ext uri="{28A0092B-C50C-407E-A947-70E740481C1C}">
-                <a14:useLocalDpi xmlns:a14="http://schemas.microsoft.com/office/drawing/2010/main" val="0"/>
-              </a:ext>
-            </a:extLst>
-          </a:blip>
-          <a:stretch>
-            <a:fillRect/>
-          </a:stretch>
-        </p:blipFill>
-        <p:spPr>
-          <a:xfrm>
-            <a:off x="6841751" y="373115"/>
-            <a:ext cx="5197290" cy="6149873"/>
-          </a:xfrm>
-          <a:prstGeom prst="rect">
-            <a:avLst/>
-          </a:prstGeom>
-        </p:spPr>
-      </p:pic>
-      <p:pic>
-        <p:nvPicPr>
-          <p:cNvPr id="9" name="图片 8">
-            <a:extLst>
-              <a:ext uri="{FF2B5EF4-FFF2-40B4-BE49-F238E27FC236}">
-                <a16:creationId xmlns:a16="http://schemas.microsoft.com/office/drawing/2014/main" id="{1EF7707A-92E5-462B-AB1D-D0291EAA7C72}"/>
-              </a:ext>
-            </a:extLst>
-          </p:cNvPr>
-          <p:cNvPicPr>
-            <a:picLocks noChangeAspect="1"/>
-          </p:cNvPicPr>
-          <p:nvPr/>
-        </p:nvPicPr>
-        <p:blipFill>
-          <a:blip r:embed="rId4">
-            <a:extLst>
-              <a:ext uri="{28A0092B-C50C-407E-A947-70E740481C1C}">
-                <a14:useLocalDpi xmlns:a14="http://schemas.microsoft.com/office/drawing/2010/main" val="0"/>
-              </a:ext>
-            </a:extLst>
-          </a:blip>
-          <a:stretch>
-            <a:fillRect/>
-          </a:stretch>
-        </p:blipFill>
-        <p:spPr>
-          <a:xfrm>
-            <a:off x="2514819" y="335012"/>
-            <a:ext cx="5197290" cy="6111770"/>
-          </a:xfrm>
-          <a:prstGeom prst="rect">
-            <a:avLst/>
-          </a:prstGeom>
-        </p:spPr>
-      </p:pic>
-      <p:pic>
-        <p:nvPicPr>
-          <p:cNvPr id="11" name="图片 10">
-            <a:extLst>
-              <a:ext uri="{FF2B5EF4-FFF2-40B4-BE49-F238E27FC236}">
-                <a16:creationId xmlns:a16="http://schemas.microsoft.com/office/drawing/2014/main" id="{C5569CA6-D44D-464C-AF83-A47A952A2D43}"/>
-              </a:ext>
-            </a:extLst>
-          </p:cNvPr>
-          <p:cNvPicPr>
-            <a:picLocks noChangeAspect="1"/>
-          </p:cNvPicPr>
-          <p:nvPr/>
-        </p:nvPicPr>
-        <p:blipFill>
-          <a:blip r:embed="rId5">
-            <a:extLst>
-              <a:ext uri="{28A0092B-C50C-407E-A947-70E740481C1C}">
-                <a14:useLocalDpi xmlns:a14="http://schemas.microsoft.com/office/drawing/2010/main" val="0"/>
-              </a:ext>
-            </a:extLst>
-          </a:blip>
-          <a:stretch>
-            <a:fillRect/>
-          </a:stretch>
-        </p:blipFill>
-        <p:spPr>
-          <a:xfrm>
-            <a:off x="6910337" y="449322"/>
-            <a:ext cx="5128704" cy="6073666"/>
-          </a:xfrm>
-          <a:prstGeom prst="rect">
-            <a:avLst/>
-          </a:prstGeom>
-        </p:spPr>
-      </p:pic>
-    </p:spTree>
-    <p:extLst>
-      <p:ext uri="{BB962C8B-B14F-4D97-AF65-F5344CB8AC3E}">
-        <p14:creationId xmlns:p14="http://schemas.microsoft.com/office/powerpoint/2010/main" val="628349601"/>
-      </p:ext>
-    </p:extLst>
-  </p:cSld>
-  <p:clrMapOvr>
-    <a:masterClrMapping/>
-  </p:clrMapOvr>
-  <p:transition spd="med">
-    <p:pull/>
-  </p:transition>
-  <p:timing>
-    <p:tnLst>
-      <p:par>
-        <p:cTn id="1" dur="indefinite" restart="never" nodeType="tmRoot">
-          <p:childTnLst>
-            <p:seq concurrent="1" nextAc="seek">
-              <p:cTn id="2" dur="indefinite" nodeType="mainSeq">
-                <p:childTnLst>
-                  <p:par>
-                    <p:cTn id="3" fill="hold">
-                      <p:stCondLst>
-                        <p:cond delay="indefinite"/>
-                      </p:stCondLst>
-                      <p:childTnLst>
-                        <p:par>
-                          <p:cTn id="4" fill="hold">
-                            <p:stCondLst>
-                              <p:cond delay="0"/>
-                            </p:stCondLst>
-                            <p:childTnLst>
-                              <p:par>
-                                <p:cTn id="5" presetID="10" presetClass="entr" presetSubtype="0" fill="hold" nodeType="clickEffect">
-                                  <p:stCondLst>
-                                    <p:cond delay="0"/>
-                                  </p:stCondLst>
-                                  <p:childTnLst>
-                                    <p:set>
-                                      <p:cBhvr>
-                                        <p:cTn id="6" dur="1" fill="hold">
-                                          <p:stCondLst>
-                                            <p:cond delay="0"/>
-                                          </p:stCondLst>
-                                        </p:cTn>
-                                        <p:tgtEl>
-                                          <p:spTgt spid="3"/>
-                                        </p:tgtEl>
-                                        <p:attrNameLst>
-                                          <p:attrName>style.visibility</p:attrName>
-                                        </p:attrNameLst>
-                                      </p:cBhvr>
-                                      <p:to>
-                                        <p:strVal val="visible"/>
-                                      </p:to>
-                                    </p:set>
-                                    <p:animEffect transition="in" filter="fade">
-                                      <p:cBhvr>
-                                        <p:cTn id="7" dur="500"/>
-                                        <p:tgtEl>
-                                          <p:spTgt spid="3"/>
-                                        </p:tgtEl>
-                                      </p:cBhvr>
-                                    </p:animEffect>
-                                  </p:childTnLst>
-                                </p:cTn>
-                              </p:par>
-                            </p:childTnLst>
-                          </p:cTn>
-                        </p:par>
-                      </p:childTnLst>
-                    </p:cTn>
-                  </p:par>
-                  <p:par>
-                    <p:cTn id="8" fill="hold">
-                      <p:stCondLst>
-                        <p:cond delay="indefinite"/>
-                      </p:stCondLst>
-                      <p:childTnLst>
-                        <p:par>
-                          <p:cTn id="9" fill="hold">
-                            <p:stCondLst>
-                              <p:cond delay="0"/>
-                            </p:stCondLst>
-                            <p:childTnLst>
-                              <p:par>
-                                <p:cTn id="10" presetID="10" presetClass="entr" presetSubtype="0" fill="hold" nodeType="clickEffect">
-                                  <p:stCondLst>
-                                    <p:cond delay="0"/>
-                                  </p:stCondLst>
-                                  <p:childTnLst>
-                                    <p:set>
-                                      <p:cBhvr>
-                                        <p:cTn id="11" dur="1" fill="hold">
-                                          <p:stCondLst>
-                                            <p:cond delay="0"/>
-                                          </p:stCondLst>
-                                        </p:cTn>
-                                        <p:tgtEl>
-                                          <p:spTgt spid="7"/>
-                                        </p:tgtEl>
-                                        <p:attrNameLst>
-                                          <p:attrName>style.visibility</p:attrName>
-                                        </p:attrNameLst>
-                                      </p:cBhvr>
-                                      <p:to>
-                                        <p:strVal val="visible"/>
-                                      </p:to>
-                                    </p:set>
-                                    <p:animEffect transition="in" filter="fade">
-                                      <p:cBhvr>
-                                        <p:cTn id="12" dur="500"/>
-                                        <p:tgtEl>
-                                          <p:spTgt spid="7"/>
-                                        </p:tgtEl>
-                                      </p:cBhvr>
-                                    </p:animEffect>
-                                  </p:childTnLst>
-                                </p:cTn>
-                              </p:par>
-                            </p:childTnLst>
-                          </p:cTn>
-                        </p:par>
-                      </p:childTnLst>
-                    </p:cTn>
-                  </p:par>
-                  <p:par>
-                    <p:cTn id="13" fill="hold">
-                      <p:stCondLst>
-                        <p:cond delay="indefinite"/>
-                      </p:stCondLst>
-                      <p:childTnLst>
-                        <p:par>
-                          <p:cTn id="14" fill="hold">
-                            <p:stCondLst>
-                              <p:cond delay="0"/>
-                            </p:stCondLst>
-                            <p:childTnLst>
-                              <p:par>
-                                <p:cTn id="15" presetID="2" presetClass="entr" presetSubtype="4" fill="hold" nodeType="clickEffect">
-                                  <p:stCondLst>
-                                    <p:cond delay="0"/>
-                                  </p:stCondLst>
-                                  <p:childTnLst>
-                                    <p:set>
-                                      <p:cBhvr>
-                                        <p:cTn id="16" dur="1" fill="hold">
-                                          <p:stCondLst>
-                                            <p:cond delay="0"/>
-                                          </p:stCondLst>
-                                        </p:cTn>
-                                        <p:tgtEl>
-                                          <p:spTgt spid="9"/>
-                                        </p:tgtEl>
-                                        <p:attrNameLst>
-                                          <p:attrName>style.visibility</p:attrName>
-                                        </p:attrNameLst>
-                                      </p:cBhvr>
-                                      <p:to>
-                                        <p:strVal val="visible"/>
-                                      </p:to>
-                                    </p:set>
-                                    <p:anim calcmode="lin" valueType="num">
-                                      <p:cBhvr additive="base">
-                                        <p:cTn id="17" dur="500" fill="hold"/>
-                                        <p:tgtEl>
-                                          <p:spTgt spid="9"/>
-                                        </p:tgtEl>
-                                        <p:attrNameLst>
-                                          <p:attrName>ppt_x</p:attrName>
-                                        </p:attrNameLst>
-                                      </p:cBhvr>
-                                      <p:tavLst>
-                                        <p:tav tm="0">
-                                          <p:val>
-                                            <p:strVal val="#ppt_x"/>
-                                          </p:val>
-                                        </p:tav>
-                                        <p:tav tm="100000">
-                                          <p:val>
-                                            <p:strVal val="#ppt_x"/>
-                                          </p:val>
-                                        </p:tav>
-                                      </p:tavLst>
-                                    </p:anim>
-                                    <p:anim calcmode="lin" valueType="num">
-                                      <p:cBhvr additive="base">
-                                        <p:cTn id="18" dur="500" fill="hold"/>
-                                        <p:tgtEl>
-                                          <p:spTgt spid="9"/>
-                                        </p:tgtEl>
-                                        <p:attrNameLst>
-                                          <p:attrName>ppt_y</p:attrName>
-                                        </p:attrNameLst>
-                                      </p:cBhvr>
-                                      <p:tavLst>
-                                        <p:tav tm="0">
-                                          <p:val>
-                                            <p:strVal val="1+#ppt_h/2"/>
-                                          </p:val>
-                                        </p:tav>
-                                        <p:tav tm="100000">
-                                          <p:val>
-                                            <p:strVal val="#ppt_y"/>
-                                          </p:val>
-                                        </p:tav>
-                                      </p:tavLst>
-                                    </p:anim>
-                                  </p:childTnLst>
-                                </p:cTn>
-                              </p:par>
-                            </p:childTnLst>
-                          </p:cTn>
-                        </p:par>
-                      </p:childTnLst>
-                    </p:cTn>
-                  </p:par>
-                  <p:par>
-                    <p:cTn id="19" fill="hold">
-                      <p:stCondLst>
-                        <p:cond delay="indefinite"/>
-                      </p:stCondLst>
-                      <p:childTnLst>
-                        <p:par>
-                          <p:cTn id="20" fill="hold">
-                            <p:stCondLst>
-                              <p:cond delay="0"/>
-                            </p:stCondLst>
-                            <p:childTnLst>
-                              <p:par>
-                                <p:cTn id="21" presetID="2" presetClass="entr" presetSubtype="4" fill="hold" nodeType="clickEffect">
-                                  <p:stCondLst>
-                                    <p:cond delay="0"/>
-                                  </p:stCondLst>
-                                  <p:childTnLst>
-                                    <p:set>
-                                      <p:cBhvr>
-                                        <p:cTn id="22" dur="1" fill="hold">
-                                          <p:stCondLst>
-                                            <p:cond delay="0"/>
-                                          </p:stCondLst>
-                                        </p:cTn>
-                                        <p:tgtEl>
-                                          <p:spTgt spid="11"/>
-                                        </p:tgtEl>
-                                        <p:attrNameLst>
-                                          <p:attrName>style.visibility</p:attrName>
-                                        </p:attrNameLst>
-                                      </p:cBhvr>
-                                      <p:to>
-                                        <p:strVal val="visible"/>
-                                      </p:to>
-                                    </p:set>
-                                    <p:anim calcmode="lin" valueType="num">
-                                      <p:cBhvr additive="base">
-                                        <p:cTn id="23" dur="500" fill="hold"/>
-                                        <p:tgtEl>
-                                          <p:spTgt spid="11"/>
-                                        </p:tgtEl>
-                                        <p:attrNameLst>
-                                          <p:attrName>ppt_x</p:attrName>
-                                        </p:attrNameLst>
-                                      </p:cBhvr>
-                                      <p:tavLst>
-                                        <p:tav tm="0">
-                                          <p:val>
-                                            <p:strVal val="#ppt_x"/>
-                                          </p:val>
-                                        </p:tav>
-                                        <p:tav tm="100000">
-                                          <p:val>
-                                            <p:strVal val="#ppt_x"/>
-                                          </p:val>
-                                        </p:tav>
-                                      </p:tavLst>
-                                    </p:anim>
-                                    <p:anim calcmode="lin" valueType="num">
-                                      <p:cBhvr additive="base">
-                                        <p:cTn id="24" dur="500" fill="hold"/>
-                                        <p:tgtEl>
-                                          <p:spTgt spid="11"/>
-                                        </p:tgtEl>
-                                        <p:attrNameLst>
-                                          <p:attrName>ppt_y</p:attrName>
-                                        </p:attrNameLst>
-                                      </p:cBhvr>
-                                      <p:tavLst>
-                                        <p:tav tm="0">
-                                          <p:val>
-                                            <p:strVal val="1+#ppt_h/2"/>
-                                          </p:val>
-                                        </p:tav>
-                                        <p:tav tm="100000">
-                                          <p:val>
-                                            <p:strVal val="#ppt_y"/>
-                                          </p:val>
-                                        </p:tav>
-                                      </p:tavLst>
-                                    </p:anim>
-                                  </p:childTnLst>
-                                </p:cTn>
-                              </p:par>
-                            </p:childTnLst>
-                          </p:cTn>
-                        </p:par>
-                      </p:childTnLst>
-                    </p:cTn>
-                  </p:par>
-                </p:childTnLst>
-              </p:cTn>
-              <p:prevCondLst>
-                <p:cond evt="onPrev" delay="0">
-                  <p:tgtEl>
-                    <p:sldTgt/>
-                  </p:tgtEl>
-                </p:cond>
-              </p:prevCondLst>
-              <p:nextCondLst>
-                <p:cond evt="onNext" delay="0">
-                  <p:tgtEl>
-                    <p:sldTgt/>
-                  </p:tgtEl>
-                </p:cond>
-              </p:nextCondLst>
-            </p:seq>
-          </p:childTnLst>
-        </p:cTn>
-      </p:par>
-    </p:tnLst>
-  </p:timing>
-</p:sld>
-</file>
-
-<file path=ppt/slides/slide23.xml><?xml version="1.0" encoding="utf-8"?>
-<p:sld xmlns:a="http://schemas.openxmlformats.org/drawingml/2006/main" xmlns:r="http://schemas.openxmlformats.org/officeDocument/2006/relationships" xmlns:p="http://schemas.openxmlformats.org/presentationml/2006/main">
-  <p:cSld>
-    <p:spTree>
-      <p:nvGrpSpPr>
-        <p:cNvPr id="1" name=""/>
-        <p:cNvGrpSpPr/>
-        <p:nvPr/>
-      </p:nvGrpSpPr>
-      <p:grpSpPr>
-        <a:xfrm>
-          <a:off x="0" y="0"/>
-          <a:ext cx="0" cy="0"/>
-          <a:chOff x="0" y="0"/>
-          <a:chExt cx="0" cy="0"/>
-        </a:xfrm>
-      </p:grpSpPr>
-      <p:sp>
-        <p:nvSpPr>
-          <p:cNvPr id="3" name="文本框 2">
-            <a:extLst>
-              <a:ext uri="{FF2B5EF4-FFF2-40B4-BE49-F238E27FC236}">
-                <a16:creationId xmlns:a16="http://schemas.microsoft.com/office/drawing/2014/main" id="{1E756619-0E2A-449A-B97E-23AC45042DAD}"/>
-              </a:ext>
-            </a:extLst>
-          </p:cNvPr>
-          <p:cNvSpPr txBox="1"/>
-          <p:nvPr/>
-        </p:nvSpPr>
-        <p:spPr>
-          <a:xfrm>
-            <a:off x="306972" y="612282"/>
-            <a:ext cx="6099142" cy="646331"/>
-          </a:xfrm>
-          <a:prstGeom prst="rect">
-            <a:avLst/>
-          </a:prstGeom>
-          <a:noFill/>
-        </p:spPr>
-        <p:txBody>
-          <a:bodyPr wrap="square">
-            <a:spAutoFit/>
-          </a:bodyPr>
-          <a:lstStyle/>
-          <a:p>
-            <a:r>
-              <a:rPr lang="zh-CN" altLang="en-US" sz="3600" b="1" dirty="0">
-                <a:solidFill>
-                  <a:schemeClr val="tx1">
-                    <a:lumMod val="85000"/>
-                    <a:lumOff val="15000"/>
-                  </a:schemeClr>
-                </a:solidFill>
-                <a:latin typeface="Noto Sans S Chinese Regular" panose="020B0500000000000000" pitchFamily="34" charset="-122"/>
-                <a:ea typeface="Noto Sans S Chinese Regular" panose="020B0500000000000000" pitchFamily="34" charset="-122"/>
-              </a:rPr>
-              <a:t>项目配置管理</a:t>
-            </a:r>
-            <a:endParaRPr lang="zh-CN" altLang="en-US" sz="3600" dirty="0"/>
-          </a:p>
-        </p:txBody>
-      </p:sp>
-      <p:pic>
-        <p:nvPicPr>
-          <p:cNvPr id="4" name="图片 3">
-            <a:extLst>
-              <a:ext uri="{FF2B5EF4-FFF2-40B4-BE49-F238E27FC236}">
-                <a16:creationId xmlns:a16="http://schemas.microsoft.com/office/drawing/2014/main" id="{4F0B5CA4-F4A7-41A0-9871-3634FC2E671B}"/>
-              </a:ext>
-            </a:extLst>
-          </p:cNvPr>
-          <p:cNvPicPr>
-            <a:picLocks noChangeAspect="1"/>
-          </p:cNvPicPr>
-          <p:nvPr/>
-        </p:nvPicPr>
-        <p:blipFill>
-          <a:blip r:embed="rId2">
-            <a:extLst>
-              <a:ext uri="{28A0092B-C50C-407E-A947-70E740481C1C}">
-                <a14:useLocalDpi xmlns:a14="http://schemas.microsoft.com/office/drawing/2010/main" val="0"/>
-              </a:ext>
-            </a:extLst>
-          </a:blip>
-          <a:stretch>
-            <a:fillRect/>
-          </a:stretch>
-        </p:blipFill>
-        <p:spPr>
-          <a:xfrm>
-            <a:off x="3210883" y="239753"/>
-            <a:ext cx="9297206" cy="6378493"/>
-          </a:xfrm>
-          <a:prstGeom prst="rect">
-            <a:avLst/>
-          </a:prstGeom>
-        </p:spPr>
-      </p:pic>
-    </p:spTree>
-    <p:extLst>
-      <p:ext uri="{BB962C8B-B14F-4D97-AF65-F5344CB8AC3E}">
-        <p14:creationId xmlns:p14="http://schemas.microsoft.com/office/powerpoint/2010/main" val="2010383924"/>
-      </p:ext>
-    </p:extLst>
-  </p:cSld>
-  <p:clrMapOvr>
-    <a:masterClrMapping/>
-  </p:clrMapOvr>
-  <mc:AlternateContent xmlns:mc="http://schemas.openxmlformats.org/markup-compatibility/2006" xmlns:p14="http://schemas.microsoft.com/office/powerpoint/2010/main">
-    <mc:Choice Requires="p14">
-      <p:transition spd="slow" p14:dur="1600">
-        <p14:gallery dir="l"/>
-      </p:transition>
-    </mc:Choice>
-    <mc:Fallback xmlns="">
-      <p:transition spd="slow">
-        <p:fade/>
-      </p:transition>
-    </mc:Fallback>
-  </mc:AlternateContent>
-</p:sld>
-</file>
-
-<file path=ppt/slides/slide24.xml><?xml version="1.0" encoding="utf-8"?>
-<p:sld xmlns:a="http://schemas.openxmlformats.org/drawingml/2006/main" xmlns:r="http://schemas.openxmlformats.org/officeDocument/2006/relationships" xmlns:p="http://schemas.openxmlformats.org/presentationml/2006/main">
-  <p:cSld>
-    <p:spTree>
-      <p:nvGrpSpPr>
-        <p:cNvPr id="1" name=""/>
-        <p:cNvGrpSpPr/>
-        <p:nvPr/>
-      </p:nvGrpSpPr>
-      <p:grpSpPr>
-        <a:xfrm>
-          <a:off x="0" y="0"/>
-          <a:ext cx="0" cy="0"/>
-          <a:chOff x="0" y="0"/>
-          <a:chExt cx="0" cy="0"/>
-        </a:xfrm>
-      </p:grpSpPr>
-      <p:sp>
-        <p:nvSpPr>
-          <p:cNvPr id="5" name="文本框 4">
-            <a:extLst>
-              <a:ext uri="{FF2B5EF4-FFF2-40B4-BE49-F238E27FC236}">
-                <a16:creationId xmlns:a16="http://schemas.microsoft.com/office/drawing/2014/main" id="{46F2F982-D674-4BA9-8477-62EF70E455E6}"/>
-              </a:ext>
-            </a:extLst>
-          </p:cNvPr>
-          <p:cNvSpPr txBox="1"/>
-          <p:nvPr/>
-        </p:nvSpPr>
-        <p:spPr>
-          <a:xfrm>
-            <a:off x="556181" y="452487"/>
-            <a:ext cx="4336330" cy="646331"/>
-          </a:xfrm>
-          <a:prstGeom prst="rect">
-            <a:avLst/>
-          </a:prstGeom>
-          <a:noFill/>
-        </p:spPr>
-        <p:txBody>
-          <a:bodyPr wrap="square" rtlCol="0">
-            <a:spAutoFit/>
-          </a:bodyPr>
-          <a:lstStyle/>
-          <a:p>
-            <a:r>
-              <a:rPr lang="zh-CN" altLang="en-US" sz="3600" b="1" dirty="0"/>
-              <a:t>甘特图</a:t>
-            </a:r>
-            <a:endParaRPr lang="zh-CN" altLang="en-US" b="1" dirty="0"/>
-          </a:p>
-        </p:txBody>
-      </p:sp>
-      <p:pic>
-        <p:nvPicPr>
-          <p:cNvPr id="3" name="图片 2">
-            <a:extLst>
-              <a:ext uri="{FF2B5EF4-FFF2-40B4-BE49-F238E27FC236}">
-                <a16:creationId xmlns:a16="http://schemas.microsoft.com/office/drawing/2014/main" id="{31F29CCE-7D62-4716-82EB-52E32F30FA70}"/>
-              </a:ext>
-            </a:extLst>
-          </p:cNvPr>
-          <p:cNvPicPr>
-            <a:picLocks noChangeAspect="1"/>
-          </p:cNvPicPr>
-          <p:nvPr/>
-        </p:nvPicPr>
-        <p:blipFill>
-          <a:blip r:embed="rId3">
-            <a:extLst>
-              <a:ext uri="{28A0092B-C50C-407E-A947-70E740481C1C}">
-                <a14:useLocalDpi xmlns:a14="http://schemas.microsoft.com/office/drawing/2010/main" val="0"/>
-              </a:ext>
-            </a:extLst>
-          </a:blip>
-          <a:stretch>
-            <a:fillRect/>
-          </a:stretch>
-        </p:blipFill>
-        <p:spPr>
-          <a:xfrm>
-            <a:off x="556181" y="1422032"/>
-            <a:ext cx="11053342" cy="4004407"/>
-          </a:xfrm>
-          <a:prstGeom prst="rect">
-            <a:avLst/>
-          </a:prstGeom>
-        </p:spPr>
-      </p:pic>
-    </p:spTree>
-    <p:extLst>
-      <p:ext uri="{BB962C8B-B14F-4D97-AF65-F5344CB8AC3E}">
-        <p14:creationId xmlns:p14="http://schemas.microsoft.com/office/powerpoint/2010/main" val="3682945675"/>
-      </p:ext>
-    </p:extLst>
-  </p:cSld>
-  <p:clrMapOvr>
-    <a:masterClrMapping/>
-  </p:clrMapOvr>
-  <mc:AlternateContent xmlns:mc="http://schemas.openxmlformats.org/markup-compatibility/2006" xmlns:p14="http://schemas.microsoft.com/office/powerpoint/2010/main">
-    <mc:Choice Requires="p14">
-      <p:transition spd="slow" p14:dur="1600">
-        <p14:prism isInverted="1"/>
-      </p:transition>
-    </mc:Choice>
-    <mc:Fallback xmlns="">
-      <p:transition spd="slow">
-        <p:fade/>
-      </p:transition>
-    </mc:Fallback>
-  </mc:AlternateContent>
-</p:sld>
-</file>
-
-<file path=ppt/slides/slide25.xml><?xml version="1.0" encoding="utf-8"?>
 <p:sld xmlns:a="http://schemas.openxmlformats.org/drawingml/2006/main" xmlns:r="http://schemas.openxmlformats.org/officeDocument/2006/relationships" xmlns:p="http://schemas.openxmlformats.org/presentationml/2006/main">
   <p:cSld>
     <p:spTree>
@@ -13495,7 +12522,7 @@
 </p:sld>
 </file>
 
-<file path=ppt/slides/slide26.xml><?xml version="1.0" encoding="utf-8"?>
+<file path=ppt/slides/slide21.xml><?xml version="1.0" encoding="utf-8"?>
 <p:sld xmlns:a="http://schemas.openxmlformats.org/drawingml/2006/main" xmlns:r="http://schemas.openxmlformats.org/officeDocument/2006/relationships" xmlns:p="http://schemas.openxmlformats.org/presentationml/2006/main">
   <p:cSld>
     <p:spTree>
@@ -13776,7 +12803,7 @@
 </p:sld>
 </file>
 
-<file path=ppt/slides/slide27.xml><?xml version="1.0" encoding="utf-8"?>
+<file path=ppt/slides/slide22.xml><?xml version="1.0" encoding="utf-8"?>
 <p:sld xmlns:a="http://schemas.openxmlformats.org/drawingml/2006/main" xmlns:r="http://schemas.openxmlformats.org/officeDocument/2006/relationships" xmlns:p="http://schemas.openxmlformats.org/presentationml/2006/main">
   <p:cSld>
     <p:spTree>
@@ -13898,147 +12925,6 @@
       </p:sp>
       <p:sp>
         <p:nvSpPr>
-          <p:cNvPr id="4" name="文本框 3">
-            <a:extLst>
-              <a:ext uri="{FF2B5EF4-FFF2-40B4-BE49-F238E27FC236}">
-                <a16:creationId xmlns:a16="http://schemas.microsoft.com/office/drawing/2014/main" id="{5FD3EB94-EC3A-4413-A61A-65BDD2F3AA66}"/>
-              </a:ext>
-            </a:extLst>
-          </p:cNvPr>
-          <p:cNvSpPr txBox="1"/>
-          <p:nvPr/>
-        </p:nvSpPr>
-        <p:spPr>
-          <a:xfrm>
-            <a:off x="1121790" y="4058290"/>
-            <a:ext cx="9624767" cy="1200329"/>
-          </a:xfrm>
-          <a:prstGeom prst="rect">
-            <a:avLst/>
-          </a:prstGeom>
-          <a:noFill/>
-        </p:spPr>
-        <p:txBody>
-          <a:bodyPr wrap="square" rtlCol="0">
-            <a:spAutoFit/>
-          </a:bodyPr>
-          <a:lstStyle/>
-          <a:p>
-            <a:r>
-              <a:rPr lang="zh-CN" altLang="en-US" sz="2400" dirty="0"/>
-              <a:t>吴联想：</a:t>
-            </a:r>
-            <a:r>
-              <a:rPr lang="zh-CN" altLang="zh-CN" dirty="0"/>
-              <a:t>系统的综合要求</a:t>
-            </a:r>
-            <a:r>
-              <a:rPr lang="zh-CN" altLang="en-US" dirty="0"/>
-              <a:t>前四部分、</a:t>
-            </a:r>
-            <a:r>
-              <a:rPr lang="en-US" altLang="zh-CN" dirty="0"/>
-              <a:t>SRS</a:t>
-            </a:r>
-            <a:r>
-              <a:rPr lang="zh-CN" altLang="en-US" dirty="0"/>
-              <a:t>引言部分、</a:t>
-            </a:r>
-            <a:r>
-              <a:rPr lang="zh-CN" altLang="zh-CN" dirty="0"/>
-              <a:t>明确用户类别和用户代表</a:t>
-            </a:r>
-            <a:r>
-              <a:rPr lang="en-US" altLang="zh-CN" dirty="0"/>
-              <a:t> 80</a:t>
-            </a:r>
-            <a:r>
-              <a:rPr lang="zh-CN" altLang="en-US" dirty="0"/>
-              <a:t>分</a:t>
-            </a:r>
-            <a:endParaRPr lang="en-US" altLang="zh-CN" sz="2400" dirty="0"/>
-          </a:p>
-          <a:p>
-            <a:r>
-              <a:rPr lang="zh-CN" altLang="en-US" sz="2400" dirty="0"/>
-              <a:t>郑航舰：</a:t>
-            </a:r>
-            <a:r>
-              <a:rPr lang="zh-CN" altLang="en-US" dirty="0"/>
-              <a:t>系统的综合要求后四部分、</a:t>
-            </a:r>
-            <a:r>
-              <a:rPr lang="en-US" altLang="zh-CN" dirty="0"/>
-              <a:t>word</a:t>
-            </a:r>
-            <a:r>
-              <a:rPr lang="zh-CN" altLang="en-US"/>
-              <a:t>相关内容整合、</a:t>
-            </a:r>
-            <a:r>
-              <a:rPr lang="zh-CN" altLang="zh-CN"/>
-              <a:t>界面</a:t>
-            </a:r>
-            <a:r>
-              <a:rPr lang="zh-CN" altLang="zh-CN" dirty="0"/>
-              <a:t>原型</a:t>
-            </a:r>
-            <a:r>
-              <a:rPr lang="zh-CN" altLang="en-US" dirty="0"/>
-              <a:t>制作  </a:t>
-            </a:r>
-            <a:r>
-              <a:rPr lang="en-US" altLang="zh-CN" dirty="0"/>
-              <a:t>85</a:t>
-            </a:r>
-            <a:r>
-              <a:rPr lang="zh-CN" altLang="en-US" dirty="0"/>
-              <a:t>分</a:t>
-            </a:r>
-            <a:endParaRPr lang="en-US" altLang="zh-CN" sz="2400" dirty="0"/>
-          </a:p>
-          <a:p>
-            <a:r>
-              <a:rPr lang="zh-CN" altLang="en-US" sz="2400" dirty="0"/>
-              <a:t>王义博：</a:t>
-            </a:r>
-            <a:r>
-              <a:rPr lang="zh-CN" altLang="zh-CN" dirty="0"/>
-              <a:t>系统的数据要求</a:t>
-            </a:r>
-            <a:r>
-              <a:rPr lang="zh-CN" altLang="en-US" dirty="0"/>
-              <a:t>、</a:t>
-            </a:r>
-            <a:r>
-              <a:rPr lang="zh-CN" altLang="zh-CN" dirty="0"/>
-              <a:t>逻辑模型</a:t>
-            </a:r>
-            <a:r>
-              <a:rPr lang="zh-CN" altLang="en-US" dirty="0"/>
-              <a:t>、</a:t>
-            </a:r>
-            <a:r>
-              <a:rPr lang="en-US" altLang="zh-CN" dirty="0"/>
-              <a:t> PPT</a:t>
-            </a:r>
-            <a:r>
-              <a:rPr lang="zh-CN" altLang="zh-CN" dirty="0"/>
-              <a:t>制作</a:t>
-            </a:r>
-            <a:r>
-              <a:rPr lang="en-US" altLang="zh-CN" dirty="0"/>
-              <a:t>  88</a:t>
-            </a:r>
-            <a:r>
-              <a:rPr lang="zh-CN" altLang="en-US" dirty="0"/>
-              <a:t>分</a:t>
-            </a:r>
-          </a:p>
-        </p:txBody>
-      </p:sp>
-      <p:sp>
-        <p:nvSpPr>
           <p:cNvPr id="2" name="文本框 1">
             <a:extLst>
               <a:ext uri="{FF2B5EF4-FFF2-40B4-BE49-F238E27FC236}">
@@ -14078,12 +12964,550 @@
                 <a:ea typeface="Microsoft YaHei UI" panose="020B0503020204020204" pitchFamily="34" charset="-122"/>
                 <a:cs typeface="Times New Roman" panose="02020603050405020304" pitchFamily="18" charset="0"/>
               </a:rPr>
-              <a:t>组内成员说明自己在此次项目计划制定中担当的角色，然后小组内部互相匿名打分，取平均值。</a:t>
+              <a:t>组内成员说明自己在此次项目计划制定中担当的角色，然后小组内部互相匿名</a:t>
+            </a:r>
+            <a:r>
+              <a:rPr lang="zh-CN" altLang="en-US" sz="1800" dirty="0">
+                <a:effectLst/>
+                <a:ea typeface="Microsoft YaHei UI" panose="020B0503020204020204" pitchFamily="34" charset="-122"/>
+                <a:cs typeface="Times New Roman" panose="02020603050405020304" pitchFamily="18" charset="0"/>
+              </a:rPr>
+              <a:t>给各项任务</a:t>
+            </a:r>
+            <a:r>
+              <a:rPr lang="zh-CN" altLang="zh-CN" sz="1800" dirty="0">
+                <a:effectLst/>
+                <a:ea typeface="Microsoft YaHei UI" panose="020B0503020204020204" pitchFamily="34" charset="-122"/>
+                <a:cs typeface="Times New Roman" panose="02020603050405020304" pitchFamily="18" charset="0"/>
+              </a:rPr>
+              <a:t>打分，</a:t>
+            </a:r>
+            <a:r>
+              <a:rPr lang="zh-CN" altLang="en-US" sz="1800" dirty="0">
+                <a:effectLst/>
+                <a:ea typeface="Microsoft YaHei UI" panose="020B0503020204020204" pitchFamily="34" charset="-122"/>
+                <a:cs typeface="Times New Roman" panose="02020603050405020304" pitchFamily="18" charset="0"/>
+              </a:rPr>
+              <a:t>最终</a:t>
+            </a:r>
+            <a:r>
+              <a:rPr lang="zh-CN" altLang="zh-CN" sz="1800" dirty="0">
+                <a:effectLst/>
+                <a:ea typeface="Microsoft YaHei UI" panose="020B0503020204020204" pitchFamily="34" charset="-122"/>
+                <a:cs typeface="Times New Roman" panose="02020603050405020304" pitchFamily="18" charset="0"/>
+              </a:rPr>
+              <a:t>取平均值。</a:t>
             </a:r>
             <a:endParaRPr lang="zh-CN" altLang="en-US" dirty="0"/>
           </a:p>
         </p:txBody>
       </p:sp>
+      <p:graphicFrame>
+        <p:nvGraphicFramePr>
+          <p:cNvPr id="3" name="表格 4">
+            <a:extLst>
+              <a:ext uri="{FF2B5EF4-FFF2-40B4-BE49-F238E27FC236}">
+                <a16:creationId xmlns:a16="http://schemas.microsoft.com/office/drawing/2014/main" id="{8C24B5E7-D35B-4891-BA67-3C43ABF1241B}"/>
+              </a:ext>
+            </a:extLst>
+          </p:cNvPr>
+          <p:cNvGraphicFramePr>
+            <a:graphicFrameLocks noGrp="1"/>
+          </p:cNvGraphicFramePr>
+          <p:nvPr>
+            <p:extLst>
+              <p:ext uri="{D42A27DB-BD31-4B8C-83A1-F6EECF244321}">
+                <p14:modId xmlns:p14="http://schemas.microsoft.com/office/powerpoint/2010/main" val="2431588891"/>
+              </p:ext>
+            </p:extLst>
+          </p:nvPr>
+        </p:nvGraphicFramePr>
+        <p:xfrm>
+          <a:off x="959907" y="3496063"/>
+          <a:ext cx="10281310" cy="2291080"/>
+        </p:xfrm>
+        <a:graphic>
+          <a:graphicData uri="http://schemas.openxmlformats.org/drawingml/2006/table">
+            <a:tbl>
+              <a:tblPr firstRow="1" bandRow="1">
+                <a:tableStyleId>{5C22544A-7EE6-4342-B048-85BDC9FD1C3A}</a:tableStyleId>
+              </a:tblPr>
+              <a:tblGrid>
+                <a:gridCol w="1255392">
+                  <a:extLst>
+                    <a:ext uri="{9D8B030D-6E8A-4147-A177-3AD203B41FA5}">
+                      <a16:colId xmlns:a16="http://schemas.microsoft.com/office/drawing/2014/main" val="1831617522"/>
+                    </a:ext>
+                  </a:extLst>
+                </a:gridCol>
+                <a:gridCol w="3181160">
+                  <a:extLst>
+                    <a:ext uri="{9D8B030D-6E8A-4147-A177-3AD203B41FA5}">
+                      <a16:colId xmlns:a16="http://schemas.microsoft.com/office/drawing/2014/main" val="1004733872"/>
+                    </a:ext>
+                  </a:extLst>
+                </a:gridCol>
+                <a:gridCol w="2248525">
+                  <a:extLst>
+                    <a:ext uri="{9D8B030D-6E8A-4147-A177-3AD203B41FA5}">
+                      <a16:colId xmlns:a16="http://schemas.microsoft.com/office/drawing/2014/main" val="1071015987"/>
+                    </a:ext>
+                  </a:extLst>
+                </a:gridCol>
+                <a:gridCol w="2818769">
+                  <a:extLst>
+                    <a:ext uri="{9D8B030D-6E8A-4147-A177-3AD203B41FA5}">
+                      <a16:colId xmlns:a16="http://schemas.microsoft.com/office/drawing/2014/main" val="905062154"/>
+                    </a:ext>
+                  </a:extLst>
+                </a:gridCol>
+                <a:gridCol w="777464">
+                  <a:extLst>
+                    <a:ext uri="{9D8B030D-6E8A-4147-A177-3AD203B41FA5}">
+                      <a16:colId xmlns:a16="http://schemas.microsoft.com/office/drawing/2014/main" val="3126108067"/>
+                    </a:ext>
+                  </a:extLst>
+                </a:gridCol>
+              </a:tblGrid>
+              <a:tr h="370840">
+                <a:tc>
+                  <a:txBody>
+                    <a:bodyPr/>
+                    <a:lstStyle/>
+                    <a:p>
+                      <a:r>
+                        <a:rPr lang="zh-CN" altLang="en-US" dirty="0"/>
+                        <a:t>任务</a:t>
+                      </a:r>
+                    </a:p>
+                  </a:txBody>
+                  <a:tcPr/>
+                </a:tc>
+                <a:tc>
+                  <a:txBody>
+                    <a:bodyPr/>
+                    <a:lstStyle/>
+                    <a:p>
+                      <a:r>
+                        <a:rPr lang="en-US" altLang="zh-CN" dirty="0"/>
+                        <a:t>1</a:t>
+                      </a:r>
+                      <a:endParaRPr lang="zh-CN" altLang="en-US" dirty="0"/>
+                    </a:p>
+                  </a:txBody>
+                  <a:tcPr/>
+                </a:tc>
+                <a:tc>
+                  <a:txBody>
+                    <a:bodyPr/>
+                    <a:lstStyle/>
+                    <a:p>
+                      <a:r>
+                        <a:rPr lang="en-US" altLang="zh-CN" dirty="0"/>
+                        <a:t>2</a:t>
+                      </a:r>
+                      <a:endParaRPr lang="zh-CN" altLang="en-US" dirty="0"/>
+                    </a:p>
+                  </a:txBody>
+                  <a:tcPr/>
+                </a:tc>
+                <a:tc>
+                  <a:txBody>
+                    <a:bodyPr/>
+                    <a:lstStyle/>
+                    <a:p>
+                      <a:r>
+                        <a:rPr lang="en-US" altLang="zh-CN" dirty="0"/>
+                        <a:t>3</a:t>
+                      </a:r>
+                      <a:endParaRPr lang="zh-CN" altLang="en-US" dirty="0"/>
+                    </a:p>
+                  </a:txBody>
+                  <a:tcPr/>
+                </a:tc>
+                <a:tc>
+                  <a:txBody>
+                    <a:bodyPr/>
+                    <a:lstStyle/>
+                    <a:p>
+                      <a:r>
+                        <a:rPr lang="zh-CN" altLang="en-US" dirty="0"/>
+                        <a:t>最终</a:t>
+                      </a:r>
+                    </a:p>
+                  </a:txBody>
+                  <a:tcPr/>
+                </a:tc>
+                <a:extLst>
+                  <a:ext uri="{0D108BD9-81ED-4DB2-BD59-A6C34878D82A}">
+                    <a16:rowId xmlns:a16="http://schemas.microsoft.com/office/drawing/2014/main" val="1925321790"/>
+                  </a:ext>
+                </a:extLst>
+              </a:tr>
+              <a:tr h="370840">
+                <a:tc>
+                  <a:txBody>
+                    <a:bodyPr/>
+                    <a:lstStyle/>
+                    <a:p>
+                      <a:r>
+                        <a:rPr lang="zh-CN" altLang="en-US" dirty="0"/>
+                        <a:t>吴联想</a:t>
+                      </a:r>
+                    </a:p>
+                  </a:txBody>
+                  <a:tcPr/>
+                </a:tc>
+                <a:tc>
+                  <a:txBody>
+                    <a:bodyPr/>
+                    <a:lstStyle/>
+                    <a:p>
+                      <a:r>
+                        <a:rPr lang="zh-CN" altLang="zh-CN" dirty="0"/>
+                        <a:t>系统的综合要求</a:t>
+                      </a:r>
+                      <a:r>
+                        <a:rPr lang="zh-CN" altLang="en-US" dirty="0"/>
+                        <a:t>前四部分 </a:t>
+                      </a:r>
+                      <a:r>
+                        <a:rPr lang="en-US" altLang="zh-CN" dirty="0"/>
+                        <a:t>80</a:t>
+                      </a:r>
+                      <a:endParaRPr lang="zh-CN" altLang="en-US" dirty="0"/>
+                    </a:p>
+                  </a:txBody>
+                  <a:tcPr/>
+                </a:tc>
+                <a:tc>
+                  <a:txBody>
+                    <a:bodyPr/>
+                    <a:lstStyle/>
+                    <a:p>
+                      <a:r>
+                        <a:rPr lang="en-US" altLang="zh-CN" dirty="0"/>
+                        <a:t>SRS</a:t>
+                      </a:r>
+                      <a:r>
+                        <a:rPr lang="zh-CN" altLang="en-US" dirty="0"/>
+                        <a:t>引言部分</a:t>
+                      </a:r>
+                      <a:endParaRPr lang="en-US" altLang="zh-CN" dirty="0"/>
+                    </a:p>
+                    <a:p>
+                      <a:r>
+                        <a:rPr lang="en-US" altLang="zh-CN" dirty="0"/>
+                        <a:t>75</a:t>
+                      </a:r>
+                      <a:endParaRPr lang="zh-CN" altLang="en-US" dirty="0"/>
+                    </a:p>
+                  </a:txBody>
+                  <a:tcPr/>
+                </a:tc>
+                <a:tc>
+                  <a:txBody>
+                    <a:bodyPr/>
+                    <a:lstStyle/>
+                    <a:p>
+                      <a:r>
+                        <a:rPr lang="zh-CN" altLang="zh-CN" dirty="0"/>
+                        <a:t>明确用户类别和用户代表</a:t>
+                      </a:r>
+                      <a:r>
+                        <a:rPr lang="en-US" altLang="zh-CN" dirty="0"/>
+                        <a:t> </a:t>
+                      </a:r>
+                    </a:p>
+                    <a:p>
+                      <a:r>
+                        <a:rPr lang="en-US" altLang="zh-CN" dirty="0"/>
+                        <a:t>85</a:t>
+                      </a:r>
+                      <a:endParaRPr lang="zh-CN" altLang="en-US" dirty="0"/>
+                    </a:p>
+                  </a:txBody>
+                  <a:tcPr/>
+                </a:tc>
+                <a:tc>
+                  <a:txBody>
+                    <a:bodyPr/>
+                    <a:lstStyle/>
+                    <a:p>
+                      <a:r>
+                        <a:rPr lang="en-US" altLang="zh-CN" dirty="0"/>
+                        <a:t>80</a:t>
+                      </a:r>
+                      <a:endParaRPr lang="zh-CN" altLang="en-US" dirty="0"/>
+                    </a:p>
+                  </a:txBody>
+                  <a:tcPr/>
+                </a:tc>
+                <a:extLst>
+                  <a:ext uri="{0D108BD9-81ED-4DB2-BD59-A6C34878D82A}">
+                    <a16:rowId xmlns:a16="http://schemas.microsoft.com/office/drawing/2014/main" val="2428712632"/>
+                  </a:ext>
+                </a:extLst>
+              </a:tr>
+              <a:tr h="370840">
+                <a:tc>
+                  <a:txBody>
+                    <a:bodyPr/>
+                    <a:lstStyle/>
+                    <a:p>
+                      <a:r>
+                        <a:rPr lang="zh-CN" altLang="en-US" dirty="0"/>
+                        <a:t>郑航舰</a:t>
+                      </a:r>
+                    </a:p>
+                  </a:txBody>
+                  <a:tcPr/>
+                </a:tc>
+                <a:tc>
+                  <a:txBody>
+                    <a:bodyPr/>
+                    <a:lstStyle/>
+                    <a:p>
+                      <a:r>
+                        <a:rPr lang="zh-CN" altLang="en-US" dirty="0"/>
+                        <a:t>系统的综合要求后四部分</a:t>
+                      </a:r>
+                      <a:endParaRPr lang="en-US" altLang="zh-CN" dirty="0"/>
+                    </a:p>
+                    <a:p>
+                      <a:r>
+                        <a:rPr lang="en-US" altLang="zh-CN" dirty="0"/>
+                        <a:t>87</a:t>
+                      </a:r>
+                      <a:endParaRPr lang="zh-CN" altLang="en-US" dirty="0"/>
+                    </a:p>
+                  </a:txBody>
+                  <a:tcPr/>
+                </a:tc>
+                <a:tc>
+                  <a:txBody>
+                    <a:bodyPr/>
+                    <a:lstStyle/>
+                    <a:p>
+                      <a:r>
+                        <a:rPr lang="en-US" altLang="zh-CN" dirty="0"/>
+                        <a:t>word</a:t>
+                      </a:r>
+                      <a:r>
+                        <a:rPr lang="zh-CN" altLang="en-US" dirty="0"/>
+                        <a:t>相关内容整合</a:t>
+                      </a:r>
+                      <a:endParaRPr lang="en-US" altLang="zh-CN" dirty="0"/>
+                    </a:p>
+                    <a:p>
+                      <a:r>
+                        <a:rPr lang="en-US" altLang="zh-CN" dirty="0"/>
+                        <a:t>78</a:t>
+                      </a:r>
+                      <a:endParaRPr lang="zh-CN" altLang="en-US" dirty="0"/>
+                    </a:p>
+                  </a:txBody>
+                  <a:tcPr/>
+                </a:tc>
+                <a:tc>
+                  <a:txBody>
+                    <a:bodyPr/>
+                    <a:lstStyle/>
+                    <a:p>
+                      <a:r>
+                        <a:rPr lang="zh-CN" altLang="zh-CN" dirty="0"/>
+                        <a:t>原型</a:t>
+                      </a:r>
+                      <a:r>
+                        <a:rPr lang="zh-CN" altLang="en-US" dirty="0"/>
+                        <a:t>用户界面制作</a:t>
+                      </a:r>
+                      <a:endParaRPr lang="en-US" altLang="zh-CN" dirty="0"/>
+                    </a:p>
+                    <a:p>
+                      <a:r>
+                        <a:rPr lang="en-US" altLang="zh-CN" dirty="0"/>
+                        <a:t>90</a:t>
+                      </a:r>
+                      <a:endParaRPr lang="zh-CN" altLang="en-US" dirty="0"/>
+                    </a:p>
+                  </a:txBody>
+                  <a:tcPr/>
+                </a:tc>
+                <a:tc>
+                  <a:txBody>
+                    <a:bodyPr/>
+                    <a:lstStyle/>
+                    <a:p>
+                      <a:r>
+                        <a:rPr lang="en-US" altLang="zh-CN" dirty="0"/>
+                        <a:t>85</a:t>
+                      </a:r>
+                      <a:endParaRPr lang="zh-CN" altLang="en-US" dirty="0"/>
+                    </a:p>
+                  </a:txBody>
+                  <a:tcPr/>
+                </a:tc>
+                <a:extLst>
+                  <a:ext uri="{0D108BD9-81ED-4DB2-BD59-A6C34878D82A}">
+                    <a16:rowId xmlns:a16="http://schemas.microsoft.com/office/drawing/2014/main" val="2413075482"/>
+                  </a:ext>
+                </a:extLst>
+              </a:tr>
+              <a:tr h="370840">
+                <a:tc>
+                  <a:txBody>
+                    <a:bodyPr/>
+                    <a:lstStyle/>
+                    <a:p>
+                      <a:r>
+                        <a:rPr lang="zh-CN" altLang="en-US" dirty="0"/>
+                        <a:t>王义博</a:t>
+                      </a:r>
+                    </a:p>
+                  </a:txBody>
+                  <a:tcPr/>
+                </a:tc>
+                <a:tc>
+                  <a:txBody>
+                    <a:bodyPr/>
+                    <a:lstStyle/>
+                    <a:p>
+                      <a:pPr marL="0" marR="0" lvl="0" indent="0" algn="l" defTabSz="914400" rtl="0" eaLnBrk="1" fontAlgn="auto" latinLnBrk="0" hangingPunct="1">
+                        <a:lnSpc>
+                          <a:spcPct val="100000"/>
+                        </a:lnSpc>
+                        <a:spcBef>
+                          <a:spcPts val="0"/>
+                        </a:spcBef>
+                        <a:spcAft>
+                          <a:spcPts val="0"/>
+                        </a:spcAft>
+                        <a:buClrTx/>
+                        <a:buSzTx/>
+                        <a:buFontTx/>
+                        <a:buNone/>
+                        <a:tabLst/>
+                        <a:defRPr/>
+                      </a:pPr>
+                      <a:r>
+                        <a:rPr lang="zh-CN" altLang="zh-CN" dirty="0"/>
+                        <a:t>系统的数据要求</a:t>
+                      </a:r>
+                      <a:r>
+                        <a:rPr lang="zh-CN" altLang="en-US" dirty="0"/>
+                        <a:t>、</a:t>
+                      </a:r>
+                      <a:r>
+                        <a:rPr lang="zh-CN" altLang="zh-CN" dirty="0"/>
+                        <a:t>逻辑模型</a:t>
+                      </a:r>
+                      <a:endParaRPr lang="en-US" altLang="zh-CN" dirty="0"/>
+                    </a:p>
+                    <a:p>
+                      <a:r>
+                        <a:rPr lang="en-US" altLang="zh-CN" dirty="0"/>
+                        <a:t>88</a:t>
+                      </a:r>
+                      <a:endParaRPr lang="zh-CN" altLang="en-US" dirty="0"/>
+                    </a:p>
+                  </a:txBody>
+                  <a:tcPr/>
+                </a:tc>
+                <a:tc>
+                  <a:txBody>
+                    <a:bodyPr/>
+                    <a:lstStyle/>
+                    <a:p>
+                      <a:pPr marL="0" marR="0" lvl="0" indent="0" algn="l" defTabSz="914400" rtl="0" eaLnBrk="1" fontAlgn="auto" latinLnBrk="0" hangingPunct="1">
+                        <a:lnSpc>
+                          <a:spcPct val="100000"/>
+                        </a:lnSpc>
+                        <a:spcBef>
+                          <a:spcPts val="0"/>
+                        </a:spcBef>
+                        <a:spcAft>
+                          <a:spcPts val="0"/>
+                        </a:spcAft>
+                        <a:buClrTx/>
+                        <a:buSzTx/>
+                        <a:buFontTx/>
+                        <a:buNone/>
+                        <a:tabLst/>
+                        <a:defRPr/>
+                      </a:pPr>
+                      <a:r>
+                        <a:rPr lang="zh-CN" altLang="zh-CN" dirty="0"/>
+                        <a:t>原型</a:t>
+                      </a:r>
+                      <a:r>
+                        <a:rPr lang="zh-CN" altLang="en-US" dirty="0"/>
+                        <a:t>管理员界面制作</a:t>
+                      </a:r>
+                      <a:endParaRPr lang="en-US" altLang="zh-CN" dirty="0"/>
+                    </a:p>
+                    <a:p>
+                      <a:r>
+                        <a:rPr lang="en-US" altLang="zh-CN" dirty="0"/>
+                        <a:t>86</a:t>
+                      </a:r>
+                      <a:endParaRPr lang="zh-CN" altLang="en-US" dirty="0"/>
+                    </a:p>
+                  </a:txBody>
+                  <a:tcPr/>
+                </a:tc>
+                <a:tc>
+                  <a:txBody>
+                    <a:bodyPr/>
+                    <a:lstStyle/>
+                    <a:p>
+                      <a:r>
+                        <a:rPr lang="en-US" altLang="zh-CN" dirty="0"/>
+                        <a:t>PPT</a:t>
+                      </a:r>
+                      <a:r>
+                        <a:rPr lang="zh-CN" altLang="en-US" dirty="0"/>
+                        <a:t>制作</a:t>
+                      </a:r>
+                      <a:r>
+                        <a:rPr lang="en-US" altLang="zh-CN" dirty="0"/>
+                        <a:t> </a:t>
+                      </a:r>
+                    </a:p>
+                    <a:p>
+                      <a:r>
+                        <a:rPr lang="en-US" altLang="zh-CN" dirty="0"/>
+                        <a:t>80</a:t>
+                      </a:r>
+                      <a:endParaRPr lang="zh-CN" altLang="en-US" dirty="0"/>
+                    </a:p>
+                  </a:txBody>
+                  <a:tcPr/>
+                </a:tc>
+                <a:tc>
+                  <a:txBody>
+                    <a:bodyPr/>
+                    <a:lstStyle/>
+                    <a:p>
+                      <a:r>
+                        <a:rPr lang="en-US" altLang="zh-CN" dirty="0"/>
+                        <a:t>84</a:t>
+                      </a:r>
+                      <a:endParaRPr lang="zh-CN" altLang="en-US" dirty="0"/>
+                    </a:p>
+                  </a:txBody>
+                  <a:tcPr/>
+                </a:tc>
+                <a:extLst>
+                  <a:ext uri="{0D108BD9-81ED-4DB2-BD59-A6C34878D82A}">
+                    <a16:rowId xmlns:a16="http://schemas.microsoft.com/office/drawing/2014/main" val="2526630349"/>
+                  </a:ext>
+                </a:extLst>
+              </a:tr>
+            </a:tbl>
+          </a:graphicData>
+        </a:graphic>
+      </p:graphicFrame>
     </p:spTree>
     <p:extLst>
       <p:ext uri="{BB962C8B-B14F-4D97-AF65-F5344CB8AC3E}">
@@ -14109,7 +13533,7 @@
 </p:sld>
 </file>
 
-<file path=ppt/slides/slide28.xml><?xml version="1.0" encoding="utf-8"?>
+<file path=ppt/slides/slide23.xml><?xml version="1.0" encoding="utf-8"?>
 <p:sld xmlns:a="http://schemas.openxmlformats.org/drawingml/2006/main" xmlns:r="http://schemas.openxmlformats.org/officeDocument/2006/relationships" xmlns:p="http://schemas.openxmlformats.org/presentationml/2006/main">
   <p:cSld>
     <p:spTree>
@@ -16656,6 +16080,14 @@
               <a:rPr lang="zh-CN" altLang="en-US" dirty="0"/>
               <a:t>用户特点：本项目的主要使用用户为在校的大学生</a:t>
             </a:r>
+            <a:endParaRPr lang="en-US" altLang="zh-CN" dirty="0"/>
+          </a:p>
+          <a:p>
+            <a:r>
+              <a:rPr lang="zh-CN" altLang="en-US" dirty="0"/>
+              <a:t>用户代表：吴登钻、陈文宇、林安晨</a:t>
+            </a:r>
+            <a:endParaRPr lang="zh-CN" altLang="en-US" sz="2800" dirty="0"/>
           </a:p>
           <a:p>
             <a:endParaRPr lang="zh-CN" altLang="en-US" dirty="0"/>
@@ -18228,7 +17660,7 @@
                 <a:latin typeface="Noto Sans S Chinese Light" panose="020B0300000000000000" pitchFamily="34" charset="-122"/>
                 <a:ea typeface="Noto Sans S Chinese Light" panose="020B0300000000000000" pitchFamily="34" charset="-122"/>
               </a:rPr>
-              <a:t>产品描述</a:t>
+              <a:t>产品接口</a:t>
             </a:r>
             <a:endParaRPr lang="en-US" altLang="zh-CN" sz="3687" dirty="0">
               <a:solidFill>

--- a/需求规格说明.pptx
+++ b/需求规格说明.pptx
@@ -16087,6 +16087,13 @@
               <a:rPr lang="zh-CN" altLang="en-US" dirty="0"/>
               <a:t>用户代表：吴登钻、陈文宇、林安晨</a:t>
             </a:r>
+            <a:endParaRPr lang="en-US" altLang="zh-CN" dirty="0"/>
+          </a:p>
+          <a:p>
+            <a:r>
+              <a:rPr lang="zh-CN" altLang="en-US"/>
+              <a:t>管理员代表：王义博</a:t>
+            </a:r>
             <a:endParaRPr lang="zh-CN" altLang="en-US" sz="2800" dirty="0"/>
           </a:p>
           <a:p>

--- a/需求规格说明.pptx
+++ b/需求规格说明.pptx
@@ -5,7 +5,7 @@
     <p:sldMasterId id="2147483648" r:id="rId1"/>
   </p:sldMasterIdLst>
   <p:notesMasterIdLst>
-    <p:notesMasterId r:id="rId26"/>
+    <p:notesMasterId r:id="rId28"/>
   </p:notesMasterIdLst>
   <p:sldIdLst>
     <p:sldId id="258" r:id="rId2"/>
@@ -14,29 +14,31 @@
     <p:sldId id="482" r:id="rId5"/>
     <p:sldId id="1022" r:id="rId6"/>
     <p:sldId id="990" r:id="rId7"/>
-    <p:sldId id="1013" r:id="rId8"/>
-    <p:sldId id="1014" r:id="rId9"/>
-    <p:sldId id="323" r:id="rId10"/>
-    <p:sldId id="1025" r:id="rId11"/>
-    <p:sldId id="1026" r:id="rId12"/>
-    <p:sldId id="1016" r:id="rId13"/>
-    <p:sldId id="1027" r:id="rId14"/>
-    <p:sldId id="1028" r:id="rId15"/>
-    <p:sldId id="1019" r:id="rId16"/>
-    <p:sldId id="1024" r:id="rId17"/>
-    <p:sldId id="1018" r:id="rId18"/>
-    <p:sldId id="1008" r:id="rId19"/>
-    <p:sldId id="1002" r:id="rId20"/>
-    <p:sldId id="994" r:id="rId21"/>
-    <p:sldId id="325" r:id="rId22"/>
-    <p:sldId id="481" r:id="rId23"/>
-    <p:sldId id="995" r:id="rId24"/>
-    <p:sldId id="326" r:id="rId25"/>
+    <p:sldId id="1014" r:id="rId8"/>
+    <p:sldId id="1013" r:id="rId9"/>
+    <p:sldId id="1031" r:id="rId10"/>
+    <p:sldId id="1030" r:id="rId11"/>
+    <p:sldId id="323" r:id="rId12"/>
+    <p:sldId id="1025" r:id="rId13"/>
+    <p:sldId id="1026" r:id="rId14"/>
+    <p:sldId id="1016" r:id="rId15"/>
+    <p:sldId id="1032" r:id="rId16"/>
+    <p:sldId id="1028" r:id="rId17"/>
+    <p:sldId id="1019" r:id="rId18"/>
+    <p:sldId id="1024" r:id="rId19"/>
+    <p:sldId id="1018" r:id="rId20"/>
+    <p:sldId id="1008" r:id="rId21"/>
+    <p:sldId id="1002" r:id="rId22"/>
+    <p:sldId id="994" r:id="rId23"/>
+    <p:sldId id="325" r:id="rId24"/>
+    <p:sldId id="481" r:id="rId25"/>
+    <p:sldId id="995" r:id="rId26"/>
+    <p:sldId id="326" r:id="rId27"/>
   </p:sldIdLst>
   <p:sldSz cx="12192000" cy="6858000"/>
   <p:notesSz cx="6858000" cy="9144000"/>
   <p:custDataLst>
-    <p:tags r:id="rId27"/>
+    <p:tags r:id="rId29"/>
   </p:custDataLst>
   <p:defaultTextStyle>
     <a:defPPr>
@@ -640,7 +642,7 @@
             <a:fld id="{3849D3E0-124D-4DFF-AE99-4EA4CC201DB4}" type="slidenum">
               <a:rPr lang="zh-CN" altLang="en-US" smtClean="0"/>
               <a:pPr/>
-              <a:t>20</a:t>
+              <a:t>22</a:t>
             </a:fld>
             <a:endParaRPr lang="zh-CN" altLang="en-US"/>
           </a:p>
@@ -724,7 +726,7 @@
           <a:p>
             <a:fld id="{1C85B925-22C6-43BA-9A74-53F784B92F66}" type="slidenum">
               <a:rPr lang="zh-CN" altLang="en-US" smtClean="0"/>
-              <a:t>21</a:t>
+              <a:t>23</a:t>
             </a:fld>
             <a:endParaRPr lang="zh-CN" altLang="en-US"/>
           </a:p>
@@ -825,7 +827,7 @@
           <a:p>
             <a:fld id="{26AC16BF-CAEE-4604-890E-226F01BB8BA8}" type="slidenum">
               <a:rPr lang="en-IN" smtClean="0"/>
-              <a:t>22</a:t>
+              <a:t>24</a:t>
             </a:fld>
             <a:endParaRPr lang="en-IN" dirty="0"/>
           </a:p>
@@ -926,7 +928,7 @@
           <a:p>
             <a:fld id="{26AC16BF-CAEE-4604-890E-226F01BB8BA8}" type="slidenum">
               <a:rPr lang="en-IN" smtClean="0"/>
-              <a:t>23</a:t>
+              <a:t>25</a:t>
             </a:fld>
             <a:endParaRPr lang="en-IN" dirty="0"/>
           </a:p>
@@ -1010,7 +1012,7 @@
           <a:p>
             <a:fld id="{1C85B925-22C6-43BA-9A74-53F784B92F66}" type="slidenum">
               <a:rPr lang="zh-CN" altLang="en-US" smtClean="0"/>
-              <a:t>24</a:t>
+              <a:t>26</a:t>
             </a:fld>
             <a:endParaRPr lang="zh-CN" altLang="en-US"/>
           </a:p>
@@ -1449,7 +1451,7 @@
     </p:spTree>
     <p:extLst>
       <p:ext uri="{BB962C8B-B14F-4D97-AF65-F5344CB8AC3E}">
-        <p14:creationId xmlns:p14="http://schemas.microsoft.com/office/powerpoint/2010/main" val="3993706533"/>
+        <p14:creationId xmlns:p14="http://schemas.microsoft.com/office/powerpoint/2010/main" val="2555788766"/>
       </p:ext>
     </p:extLst>
   </p:cSld>
@@ -1538,7 +1540,7 @@
     </p:spTree>
     <p:extLst>
       <p:ext uri="{BB962C8B-B14F-4D97-AF65-F5344CB8AC3E}">
-        <p14:creationId xmlns:p14="http://schemas.microsoft.com/office/powerpoint/2010/main" val="2555788766"/>
+        <p14:creationId xmlns:p14="http://schemas.microsoft.com/office/powerpoint/2010/main" val="3993706533"/>
       </p:ext>
     </p:extLst>
   </p:cSld>
@@ -1613,7 +1615,7 @@
           <a:p>
             <a:fld id="{1C85B925-22C6-43BA-9A74-53F784B92F66}" type="slidenum">
               <a:rPr lang="zh-CN" altLang="en-US" smtClean="0"/>
-              <a:t>9</a:t>
+              <a:t>11</a:t>
             </a:fld>
             <a:endParaRPr lang="zh-CN" altLang="en-US"/>
           </a:p>
@@ -1697,7 +1699,7 @@
           <a:p>
             <a:fld id="{1C85B925-22C6-43BA-9A74-53F784B92F66}" type="slidenum">
               <a:rPr lang="zh-CN" altLang="en-US" smtClean="0"/>
-              <a:t>12</a:t>
+              <a:t>14</a:t>
             </a:fld>
             <a:endParaRPr lang="zh-CN" altLang="en-US"/>
           </a:p>
@@ -5953,6 +5955,1396 @@
 </file>
 
 <file path=ppt/slides/slide10.xml><?xml version="1.0" encoding="utf-8"?>
+<p:sld xmlns:a="http://schemas.openxmlformats.org/drawingml/2006/main" xmlns:r="http://schemas.openxmlformats.org/officeDocument/2006/relationships" xmlns:p="http://schemas.openxmlformats.org/presentationml/2006/main">
+  <p:cSld>
+    <p:spTree>
+      <p:nvGrpSpPr>
+        <p:cNvPr id="1" name=""/>
+        <p:cNvGrpSpPr/>
+        <p:nvPr/>
+      </p:nvGrpSpPr>
+      <p:grpSpPr>
+        <a:xfrm>
+          <a:off x="0" y="0"/>
+          <a:ext cx="0" cy="0"/>
+          <a:chOff x="0" y="0"/>
+          <a:chExt cx="0" cy="0"/>
+        </a:xfrm>
+      </p:grpSpPr>
+      <p:sp>
+        <p:nvSpPr>
+          <p:cNvPr id="2" name="文本框 1">
+            <a:extLst>
+              <a:ext uri="{FF2B5EF4-FFF2-40B4-BE49-F238E27FC236}">
+                <a16:creationId xmlns:a16="http://schemas.microsoft.com/office/drawing/2014/main" id="{213A5918-D59F-4E25-855D-93C79436FDDA}"/>
+              </a:ext>
+            </a:extLst>
+          </p:cNvPr>
+          <p:cNvSpPr txBox="1"/>
+          <p:nvPr/>
+        </p:nvSpPr>
+        <p:spPr>
+          <a:xfrm>
+            <a:off x="555346" y="496802"/>
+            <a:ext cx="3149388" cy="659732"/>
+          </a:xfrm>
+          <a:prstGeom prst="rect">
+            <a:avLst/>
+          </a:prstGeom>
+          <a:noFill/>
+        </p:spPr>
+        <p:txBody>
+          <a:bodyPr wrap="square" rtlCol="0">
+            <a:spAutoFit/>
+          </a:bodyPr>
+          <a:lstStyle/>
+          <a:p>
+            <a:pPr eaLnBrk="0" hangingPunct="0">
+              <a:defRPr/>
+            </a:pPr>
+            <a:r>
+              <a:rPr lang="zh-CN" altLang="en-US" sz="3687" dirty="0">
+                <a:solidFill>
+                  <a:schemeClr val="tx1">
+                    <a:lumMod val="85000"/>
+                    <a:lumOff val="15000"/>
+                  </a:schemeClr>
+                </a:solidFill>
+                <a:latin typeface="Noto Sans S Chinese Light" panose="020B0300000000000000" pitchFamily="34" charset="-122"/>
+                <a:ea typeface="Noto Sans S Chinese Light" panose="020B0300000000000000" pitchFamily="34" charset="-122"/>
+              </a:rPr>
+              <a:t>非功能需求</a:t>
+            </a:r>
+            <a:endParaRPr lang="en-US" altLang="zh-CN" sz="3687" dirty="0">
+              <a:solidFill>
+                <a:schemeClr val="tx1">
+                  <a:lumMod val="85000"/>
+                  <a:lumOff val="15000"/>
+                </a:schemeClr>
+              </a:solidFill>
+              <a:latin typeface="Noto Sans S Chinese Light" panose="020B0300000000000000" pitchFamily="34" charset="-122"/>
+              <a:ea typeface="Noto Sans S Chinese Light" panose="020B0300000000000000" pitchFamily="34" charset="-122"/>
+            </a:endParaRPr>
+          </a:p>
+        </p:txBody>
+      </p:sp>
+      <p:sp>
+        <p:nvSpPr>
+          <p:cNvPr id="4" name="文本框 3">
+            <a:extLst>
+              <a:ext uri="{FF2B5EF4-FFF2-40B4-BE49-F238E27FC236}">
+                <a16:creationId xmlns:a16="http://schemas.microsoft.com/office/drawing/2014/main" id="{3E3B002F-BF02-4E93-9ED4-3C7C5BF5F204}"/>
+              </a:ext>
+            </a:extLst>
+          </p:cNvPr>
+          <p:cNvSpPr txBox="1"/>
+          <p:nvPr/>
+        </p:nvSpPr>
+        <p:spPr>
+          <a:xfrm>
+            <a:off x="460053" y="1001432"/>
+            <a:ext cx="11271893" cy="5570756"/>
+          </a:xfrm>
+          <a:prstGeom prst="rect">
+            <a:avLst/>
+          </a:prstGeom>
+          <a:noFill/>
+        </p:spPr>
+        <p:txBody>
+          <a:bodyPr wrap="square">
+            <a:spAutoFit/>
+          </a:bodyPr>
+          <a:lstStyle/>
+          <a:p>
+            <a:pPr indent="266700" algn="just"/>
+            <a:r>
+              <a:rPr lang="zh-CN" altLang="zh-CN" sz="3200" b="1" kern="100" dirty="0">
+                <a:effectLst/>
+                <a:latin typeface="等线" panose="02010600030101010101" pitchFamily="2" charset="-122"/>
+                <a:ea typeface="楷体" panose="02010609060101010101" pitchFamily="49" charset="-122"/>
+                <a:cs typeface="Times New Roman" panose="02020603050405020304" pitchFamily="18" charset="0"/>
+              </a:rPr>
+              <a:t>可靠性</a:t>
+            </a:r>
+            <a:endParaRPr lang="zh-CN" altLang="zh-CN" b="1" kern="100" dirty="0">
+              <a:effectLst/>
+              <a:latin typeface="等线" panose="02010600030101010101" pitchFamily="2" charset="-122"/>
+              <a:ea typeface="等线" panose="02010600030101010101" pitchFamily="2" charset="-122"/>
+              <a:cs typeface="Times New Roman" panose="02020603050405020304" pitchFamily="18" charset="0"/>
+            </a:endParaRPr>
+          </a:p>
+          <a:p>
+            <a:pPr indent="266700" algn="just"/>
+            <a:r>
+              <a:rPr lang="en-US" altLang="zh-CN" sz="2800" kern="100" dirty="0">
+                <a:latin typeface="楷体" panose="02010609060101010101" pitchFamily="49" charset="-122"/>
+                <a:ea typeface="等线" panose="02010600030101010101" pitchFamily="2" charset="-122"/>
+                <a:cs typeface="Times New Roman" panose="02020603050405020304" pitchFamily="18" charset="0"/>
+              </a:rPr>
+              <a:t>       </a:t>
+            </a:r>
+            <a:r>
+              <a:rPr lang="zh-CN" altLang="zh-CN" sz="2800" kern="100" dirty="0">
+                <a:effectLst/>
+                <a:latin typeface="等线" panose="02010600030101010101" pitchFamily="2" charset="-122"/>
+                <a:ea typeface="仿宋" panose="02010609060101010101" pitchFamily="49" charset="-122"/>
+                <a:cs typeface="Times New Roman" panose="02020603050405020304" pitchFamily="18" charset="0"/>
+              </a:rPr>
+              <a:t>该系统使用时应当是可靠的，不会发生基本错误。</a:t>
+            </a:r>
+            <a:endParaRPr lang="zh-CN" altLang="zh-CN" sz="1600" kern="100" dirty="0">
+              <a:effectLst/>
+              <a:latin typeface="等线" panose="02010600030101010101" pitchFamily="2" charset="-122"/>
+              <a:ea typeface="等线" panose="02010600030101010101" pitchFamily="2" charset="-122"/>
+              <a:cs typeface="Times New Roman" panose="02020603050405020304" pitchFamily="18" charset="0"/>
+            </a:endParaRPr>
+          </a:p>
+          <a:p>
+            <a:pPr indent="266700" algn="just"/>
+            <a:r>
+              <a:rPr lang="zh-CN" altLang="zh-CN" sz="3200" b="1" kern="100" dirty="0">
+                <a:effectLst/>
+                <a:latin typeface="等线" panose="02010600030101010101" pitchFamily="2" charset="-122"/>
+                <a:ea typeface="楷体" panose="02010609060101010101" pitchFamily="49" charset="-122"/>
+                <a:cs typeface="Times New Roman" panose="02020603050405020304" pitchFamily="18" charset="0"/>
+              </a:rPr>
+              <a:t>可用性</a:t>
+            </a:r>
+            <a:endParaRPr lang="zh-CN" altLang="zh-CN" b="1" kern="100" dirty="0">
+              <a:effectLst/>
+              <a:latin typeface="等线" panose="02010600030101010101" pitchFamily="2" charset="-122"/>
+              <a:ea typeface="等线" panose="02010600030101010101" pitchFamily="2" charset="-122"/>
+              <a:cs typeface="Times New Roman" panose="02020603050405020304" pitchFamily="18" charset="0"/>
+            </a:endParaRPr>
+          </a:p>
+          <a:p>
+            <a:pPr indent="266700" algn="just"/>
+            <a:r>
+              <a:rPr lang="en-US" altLang="zh-CN" sz="2800" kern="100" dirty="0">
+                <a:latin typeface="楷体" panose="02010609060101010101" pitchFamily="49" charset="-122"/>
+                <a:ea typeface="等线" panose="02010600030101010101" pitchFamily="2" charset="-122"/>
+                <a:cs typeface="Times New Roman" panose="02020603050405020304" pitchFamily="18" charset="0"/>
+              </a:rPr>
+              <a:t>       </a:t>
+            </a:r>
+            <a:r>
+              <a:rPr lang="zh-CN" altLang="zh-CN" sz="2800" kern="100" dirty="0">
+                <a:effectLst/>
+                <a:latin typeface="等线" panose="02010600030101010101" pitchFamily="2" charset="-122"/>
+                <a:ea typeface="仿宋" panose="02010609060101010101" pitchFamily="49" charset="-122"/>
+                <a:cs typeface="Times New Roman" panose="02020603050405020304" pitchFamily="18" charset="0"/>
+              </a:rPr>
+              <a:t>该系统使用时应当是可用的，逻辑层面的设计合理，人的使</a:t>
+            </a:r>
+            <a:r>
+              <a:rPr lang="en-US" altLang="zh-CN" sz="2800" kern="100" dirty="0">
+                <a:effectLst/>
+                <a:latin typeface="等线" panose="02010600030101010101" pitchFamily="2" charset="-122"/>
+                <a:ea typeface="仿宋" panose="02010609060101010101" pitchFamily="49" charset="-122"/>
+                <a:cs typeface="Times New Roman" panose="02020603050405020304" pitchFamily="18" charset="0"/>
+              </a:rPr>
+              <a:t>    	</a:t>
+            </a:r>
+            <a:r>
+              <a:rPr lang="zh-CN" altLang="zh-CN" sz="2800" kern="100" dirty="0">
+                <a:effectLst/>
+                <a:latin typeface="等线" panose="02010600030101010101" pitchFamily="2" charset="-122"/>
+                <a:ea typeface="仿宋" panose="02010609060101010101" pitchFamily="49" charset="-122"/>
+                <a:cs typeface="Times New Roman" panose="02020603050405020304" pitchFamily="18" charset="0"/>
+              </a:rPr>
+              <a:t>用不会感到繁琐或重复。</a:t>
+            </a:r>
+            <a:endParaRPr lang="en-US" altLang="zh-CN" sz="1600" kern="100" dirty="0">
+              <a:latin typeface="等线" panose="02010600030101010101" pitchFamily="2" charset="-122"/>
+              <a:ea typeface="等线" panose="02010600030101010101" pitchFamily="2" charset="-122"/>
+              <a:cs typeface="Times New Roman" panose="02020603050405020304" pitchFamily="18" charset="0"/>
+            </a:endParaRPr>
+          </a:p>
+          <a:p>
+            <a:pPr indent="266700" algn="just"/>
+            <a:r>
+              <a:rPr lang="zh-CN" altLang="zh-CN" sz="3200" b="1" kern="100" dirty="0">
+                <a:effectLst/>
+                <a:latin typeface="等线" panose="02010600030101010101" pitchFamily="2" charset="-122"/>
+                <a:ea typeface="楷体" panose="02010609060101010101" pitchFamily="49" charset="-122"/>
+                <a:cs typeface="Times New Roman" panose="02020603050405020304" pitchFamily="18" charset="0"/>
+              </a:rPr>
+              <a:t>安全保密性</a:t>
+            </a:r>
+            <a:endParaRPr lang="zh-CN" altLang="zh-CN" b="1" kern="100" dirty="0">
+              <a:effectLst/>
+              <a:latin typeface="等线" panose="02010600030101010101" pitchFamily="2" charset="-122"/>
+              <a:ea typeface="等线" panose="02010600030101010101" pitchFamily="2" charset="-122"/>
+              <a:cs typeface="Times New Roman" panose="02020603050405020304" pitchFamily="18" charset="0"/>
+            </a:endParaRPr>
+          </a:p>
+          <a:p>
+            <a:pPr marL="266700" indent="266700" algn="just"/>
+            <a:r>
+              <a:rPr lang="en-US" altLang="zh-CN" sz="2800" kern="100" dirty="0">
+                <a:effectLst/>
+                <a:latin typeface="等线" panose="02010600030101010101" pitchFamily="2" charset="-122"/>
+                <a:ea typeface="仿宋" panose="02010609060101010101" pitchFamily="49" charset="-122"/>
+                <a:cs typeface="Times New Roman" panose="02020603050405020304" pitchFamily="18" charset="0"/>
+              </a:rPr>
+              <a:t>          </a:t>
+            </a:r>
+            <a:r>
+              <a:rPr lang="zh-CN" altLang="zh-CN" sz="2800" kern="100" dirty="0">
+                <a:effectLst/>
+                <a:latin typeface="等线" panose="02010600030101010101" pitchFamily="2" charset="-122"/>
+                <a:ea typeface="仿宋" panose="02010609060101010101" pitchFamily="49" charset="-122"/>
+                <a:cs typeface="Times New Roman" panose="02020603050405020304" pitchFamily="18" charset="0"/>
+              </a:rPr>
+              <a:t>密码技术可采用</a:t>
+            </a:r>
+            <a:r>
+              <a:rPr lang="zh-CN" altLang="en-US" sz="2800" kern="100" dirty="0">
+                <a:effectLst/>
+                <a:latin typeface="等线" panose="02010600030101010101" pitchFamily="2" charset="-122"/>
+                <a:ea typeface="仿宋" panose="02010609060101010101" pitchFamily="49" charset="-122"/>
+                <a:cs typeface="Times New Roman" panose="02020603050405020304" pitchFamily="18" charset="0"/>
+              </a:rPr>
+              <a:t>一定的加密技术</a:t>
+            </a:r>
+            <a:r>
+              <a:rPr lang="zh-CN" altLang="zh-CN" sz="2800" kern="100" dirty="0">
+                <a:effectLst/>
+                <a:latin typeface="等线" panose="02010600030101010101" pitchFamily="2" charset="-122"/>
+                <a:ea typeface="仿宋" panose="02010609060101010101" pitchFamily="49" charset="-122"/>
+                <a:cs typeface="Times New Roman" panose="02020603050405020304" pitchFamily="18" charset="0"/>
+              </a:rPr>
+              <a:t>，记录可追溯，重要删改部</a:t>
+            </a:r>
+            <a:r>
+              <a:rPr lang="en-US" altLang="zh-CN" sz="2800" kern="100" dirty="0">
+                <a:effectLst/>
+                <a:latin typeface="等线" panose="02010600030101010101" pitchFamily="2" charset="-122"/>
+                <a:ea typeface="仿宋" panose="02010609060101010101" pitchFamily="49" charset="-122"/>
+                <a:cs typeface="Times New Roman" panose="02020603050405020304" pitchFamily="18" charset="0"/>
+              </a:rPr>
+              <a:t>	</a:t>
+            </a:r>
+            <a:r>
+              <a:rPr lang="zh-CN" altLang="zh-CN" sz="2800" kern="100" dirty="0">
+                <a:effectLst/>
+                <a:latin typeface="等线" panose="02010600030101010101" pitchFamily="2" charset="-122"/>
+                <a:ea typeface="仿宋" panose="02010609060101010101" pitchFamily="49" charset="-122"/>
+                <a:cs typeface="Times New Roman" panose="02020603050405020304" pitchFamily="18" charset="0"/>
+              </a:rPr>
+              <a:t>分进行二次验证操作。</a:t>
+            </a:r>
+            <a:endParaRPr lang="zh-CN" altLang="zh-CN" sz="1600" kern="100" dirty="0">
+              <a:effectLst/>
+              <a:latin typeface="等线" panose="02010600030101010101" pitchFamily="2" charset="-122"/>
+              <a:ea typeface="等线" panose="02010600030101010101" pitchFamily="2" charset="-122"/>
+              <a:cs typeface="Times New Roman" panose="02020603050405020304" pitchFamily="18" charset="0"/>
+            </a:endParaRPr>
+          </a:p>
+          <a:p>
+            <a:pPr algn="just"/>
+            <a:r>
+              <a:rPr lang="en-US" altLang="zh-CN" sz="2800" kern="100" dirty="0">
+                <a:latin typeface="等线" panose="02010600030101010101" pitchFamily="2" charset="-122"/>
+                <a:ea typeface="楷体" panose="02010609060101010101" pitchFamily="49" charset="-122"/>
+                <a:cs typeface="Times New Roman" panose="02020603050405020304" pitchFamily="18" charset="0"/>
+              </a:rPr>
+              <a:t>   </a:t>
+            </a:r>
+            <a:r>
+              <a:rPr lang="zh-CN" altLang="zh-CN" sz="3200" b="1" kern="100" dirty="0">
+                <a:effectLst/>
+                <a:latin typeface="等线" panose="02010600030101010101" pitchFamily="2" charset="-122"/>
+                <a:ea typeface="楷体" panose="02010609060101010101" pitchFamily="49" charset="-122"/>
+                <a:cs typeface="Times New Roman" panose="02020603050405020304" pitchFamily="18" charset="0"/>
+              </a:rPr>
+              <a:t>可维护性</a:t>
+            </a:r>
+            <a:endParaRPr lang="zh-CN" altLang="zh-CN" sz="1600" b="1" kern="100" dirty="0">
+              <a:effectLst/>
+              <a:latin typeface="等线" panose="02010600030101010101" pitchFamily="2" charset="-122"/>
+              <a:ea typeface="等线" panose="02010600030101010101" pitchFamily="2" charset="-122"/>
+              <a:cs typeface="Times New Roman" panose="02020603050405020304" pitchFamily="18" charset="0"/>
+            </a:endParaRPr>
+          </a:p>
+          <a:p>
+            <a:pPr algn="just"/>
+            <a:r>
+              <a:rPr lang="en-US" altLang="zh-CN" sz="2800" kern="100" dirty="0">
+                <a:latin typeface="楷体" panose="02010609060101010101" pitchFamily="49" charset="-122"/>
+                <a:ea typeface="等线" panose="02010600030101010101" pitchFamily="2" charset="-122"/>
+                <a:cs typeface="Times New Roman" panose="02020603050405020304" pitchFamily="18" charset="0"/>
+              </a:rPr>
+              <a:t>        </a:t>
+            </a:r>
+            <a:r>
+              <a:rPr lang="zh-CN" altLang="zh-CN" sz="2800" kern="100" dirty="0">
+                <a:effectLst/>
+                <a:latin typeface="等线" panose="02010600030101010101" pitchFamily="2" charset="-122"/>
+                <a:ea typeface="仿宋" panose="02010609060101010101" pitchFamily="49" charset="-122"/>
+                <a:cs typeface="Times New Roman" panose="02020603050405020304" pitchFamily="18" charset="0"/>
+              </a:rPr>
+              <a:t>功能模块后期均可以根据具体需要进行维护。</a:t>
+            </a:r>
+            <a:endParaRPr lang="zh-CN" altLang="zh-CN" sz="1600" kern="100" dirty="0">
+              <a:effectLst/>
+              <a:latin typeface="等线" panose="02010600030101010101" pitchFamily="2" charset="-122"/>
+              <a:ea typeface="等线" panose="02010600030101010101" pitchFamily="2" charset="-122"/>
+              <a:cs typeface="Times New Roman" panose="02020603050405020304" pitchFamily="18" charset="0"/>
+            </a:endParaRPr>
+          </a:p>
+          <a:p>
+            <a:pPr algn="just"/>
+            <a:r>
+              <a:rPr lang="en-US" altLang="zh-CN" sz="2800" kern="100" dirty="0">
+                <a:effectLst/>
+                <a:latin typeface="等线" panose="02010600030101010101" pitchFamily="2" charset="-122"/>
+                <a:ea typeface="楷体" panose="02010609060101010101" pitchFamily="49" charset="-122"/>
+                <a:cs typeface="Times New Roman" panose="02020603050405020304" pitchFamily="18" charset="0"/>
+              </a:rPr>
+              <a:t>   </a:t>
+            </a:r>
+            <a:r>
+              <a:rPr lang="zh-CN" altLang="zh-CN" sz="3200" b="1" kern="100" dirty="0">
+                <a:effectLst/>
+                <a:latin typeface="等线" panose="02010600030101010101" pitchFamily="2" charset="-122"/>
+                <a:ea typeface="楷体" panose="02010609060101010101" pitchFamily="49" charset="-122"/>
+                <a:cs typeface="Times New Roman" panose="02020603050405020304" pitchFamily="18" charset="0"/>
+              </a:rPr>
+              <a:t>可移植性</a:t>
+            </a:r>
+            <a:endParaRPr lang="zh-CN" altLang="zh-CN" sz="1600" b="1" kern="100" dirty="0">
+              <a:effectLst/>
+              <a:latin typeface="等线" panose="02010600030101010101" pitchFamily="2" charset="-122"/>
+              <a:ea typeface="等线" panose="02010600030101010101" pitchFamily="2" charset="-122"/>
+              <a:cs typeface="Times New Roman" panose="02020603050405020304" pitchFamily="18" charset="0"/>
+            </a:endParaRPr>
+          </a:p>
+          <a:p>
+            <a:pPr indent="266700" algn="just"/>
+            <a:r>
+              <a:rPr lang="en-US" altLang="zh-CN" sz="2800" kern="100" dirty="0">
+                <a:effectLst/>
+                <a:latin typeface="等线" panose="02010600030101010101" pitchFamily="2" charset="-122"/>
+                <a:ea typeface="仿宋" panose="02010609060101010101" pitchFamily="49" charset="-122"/>
+                <a:cs typeface="Times New Roman" panose="02020603050405020304" pitchFamily="18" charset="0"/>
+              </a:rPr>
+              <a:t>            </a:t>
+            </a:r>
+            <a:r>
+              <a:rPr lang="zh-CN" altLang="zh-CN" sz="2800" kern="100" dirty="0">
+                <a:effectLst/>
+                <a:latin typeface="等线" panose="02010600030101010101" pitchFamily="2" charset="-122"/>
+                <a:ea typeface="仿宋" panose="02010609060101010101" pitchFamily="49" charset="-122"/>
+                <a:cs typeface="Times New Roman" panose="02020603050405020304" pitchFamily="18" charset="0"/>
+              </a:rPr>
+              <a:t>特定操作系统的使用</a:t>
+            </a:r>
+            <a:r>
+              <a:rPr lang="en-US" altLang="zh-CN" sz="2800" kern="100" dirty="0">
+                <a:effectLst/>
+                <a:latin typeface="等线" panose="02010600030101010101" pitchFamily="2" charset="-122"/>
+                <a:ea typeface="仿宋" panose="02010609060101010101" pitchFamily="49" charset="-122"/>
+                <a:cs typeface="Times New Roman" panose="02020603050405020304" pitchFamily="18" charset="0"/>
+              </a:rPr>
+              <a:t>:Win10</a:t>
+            </a:r>
+            <a:r>
+              <a:rPr lang="zh-CN" altLang="zh-CN" sz="2800" kern="100" dirty="0">
+                <a:effectLst/>
+                <a:latin typeface="等线" panose="02010600030101010101" pitchFamily="2" charset="-122"/>
+                <a:ea typeface="仿宋" panose="02010609060101010101" pitchFamily="49" charset="-122"/>
+                <a:cs typeface="Times New Roman" panose="02020603050405020304" pitchFamily="18" charset="0"/>
+              </a:rPr>
+              <a:t>、</a:t>
+            </a:r>
+            <a:r>
+              <a:rPr lang="en-US" altLang="zh-CN" sz="2800" kern="100" dirty="0">
+                <a:effectLst/>
+                <a:latin typeface="等线" panose="02010600030101010101" pitchFamily="2" charset="-122"/>
+                <a:ea typeface="仿宋" panose="02010609060101010101" pitchFamily="49" charset="-122"/>
+                <a:cs typeface="Times New Roman" panose="02020603050405020304" pitchFamily="18" charset="0"/>
+              </a:rPr>
+              <a:t>7</a:t>
+            </a:r>
+            <a:r>
+              <a:rPr lang="zh-CN" altLang="zh-CN" sz="2800" kern="100" dirty="0">
+                <a:effectLst/>
+                <a:latin typeface="等线" panose="02010600030101010101" pitchFamily="2" charset="-122"/>
+                <a:ea typeface="仿宋" panose="02010609060101010101" pitchFamily="49" charset="-122"/>
+                <a:cs typeface="Times New Roman" panose="02020603050405020304" pitchFamily="18" charset="0"/>
+              </a:rPr>
+              <a:t>，</a:t>
+            </a:r>
+            <a:r>
+              <a:rPr lang="en-US" altLang="zh-CN" sz="2800" kern="100" dirty="0">
+                <a:effectLst/>
+                <a:latin typeface="等线" panose="02010600030101010101" pitchFamily="2" charset="-122"/>
+                <a:ea typeface="仿宋" panose="02010609060101010101" pitchFamily="49" charset="-122"/>
+                <a:cs typeface="Times New Roman" panose="02020603050405020304" pitchFamily="18" charset="0"/>
+              </a:rPr>
+              <a:t>java</a:t>
+            </a:r>
+            <a:r>
+              <a:rPr lang="zh-CN" altLang="zh-CN" sz="2800" kern="100" dirty="0">
+                <a:effectLst/>
+                <a:latin typeface="等线" panose="02010600030101010101" pitchFamily="2" charset="-122"/>
+                <a:ea typeface="仿宋" panose="02010609060101010101" pitchFamily="49" charset="-122"/>
+                <a:cs typeface="Times New Roman" panose="02020603050405020304" pitchFamily="18" charset="0"/>
+              </a:rPr>
+              <a:t>的优点可实现跨平台。</a:t>
+            </a:r>
+            <a:endParaRPr lang="zh-CN" altLang="zh-CN" sz="1600" kern="100" dirty="0">
+              <a:effectLst/>
+              <a:latin typeface="等线" panose="02010600030101010101" pitchFamily="2" charset="-122"/>
+              <a:ea typeface="等线" panose="02010600030101010101" pitchFamily="2" charset="-122"/>
+              <a:cs typeface="Times New Roman" panose="02020603050405020304" pitchFamily="18" charset="0"/>
+            </a:endParaRPr>
+          </a:p>
+        </p:txBody>
+      </p:sp>
+    </p:spTree>
+    <p:extLst>
+      <p:ext uri="{BB962C8B-B14F-4D97-AF65-F5344CB8AC3E}">
+        <p14:creationId xmlns:p14="http://schemas.microsoft.com/office/powerpoint/2010/main" val="2327623094"/>
+      </p:ext>
+    </p:extLst>
+  </p:cSld>
+  <p:clrMapOvr>
+    <a:masterClrMapping/>
+  </p:clrMapOvr>
+</p:sld>
+</file>
+
+<file path=ppt/slides/slide11.xml><?xml version="1.0" encoding="utf-8"?>
+<p:sld xmlns:a="http://schemas.openxmlformats.org/drawingml/2006/main" xmlns:r="http://schemas.openxmlformats.org/officeDocument/2006/relationships" xmlns:p="http://schemas.openxmlformats.org/presentationml/2006/main">
+  <p:cSld>
+    <p:spTree>
+      <p:nvGrpSpPr>
+        <p:cNvPr id="1" name=""/>
+        <p:cNvGrpSpPr/>
+        <p:nvPr/>
+      </p:nvGrpSpPr>
+      <p:grpSpPr>
+        <a:xfrm>
+          <a:off x="0" y="0"/>
+          <a:ext cx="0" cy="0"/>
+          <a:chOff x="0" y="0"/>
+          <a:chExt cx="0" cy="0"/>
+        </a:xfrm>
+      </p:grpSpPr>
+      <p:sp>
+        <p:nvSpPr>
+          <p:cNvPr id="9" name="矩形 8">
+            <a:extLst>
+              <a:ext uri="{FF2B5EF4-FFF2-40B4-BE49-F238E27FC236}">
+                <a16:creationId xmlns:a16="http://schemas.microsoft.com/office/drawing/2014/main" id="{D25DF643-1448-4FE0-B3E8-30157E2DF971}"/>
+              </a:ext>
+            </a:extLst>
+          </p:cNvPr>
+          <p:cNvSpPr/>
+          <p:nvPr/>
+        </p:nvSpPr>
+        <p:spPr>
+          <a:xfrm>
+            <a:off x="0" y="0"/>
+            <a:ext cx="12192000" cy="6858000"/>
+          </a:xfrm>
+          <a:prstGeom prst="rect">
+            <a:avLst/>
+          </a:prstGeom>
+          <a:solidFill>
+            <a:srgbClr val="FDE6BD"/>
+          </a:solidFill>
+          <a:ln>
+            <a:noFill/>
+          </a:ln>
+        </p:spPr>
+        <p:style>
+          <a:lnRef idx="2">
+            <a:schemeClr val="accent1">
+              <a:shade val="50000"/>
+            </a:schemeClr>
+          </a:lnRef>
+          <a:fillRef idx="1">
+            <a:schemeClr val="accent1"/>
+          </a:fillRef>
+          <a:effectRef idx="0">
+            <a:schemeClr val="accent1"/>
+          </a:effectRef>
+          <a:fontRef idx="minor">
+            <a:schemeClr val="lt1"/>
+          </a:fontRef>
+        </p:style>
+        <p:txBody>
+          <a:bodyPr rtlCol="0" anchor="ctr"/>
+          <a:lstStyle/>
+          <a:p>
+            <a:pPr algn="ctr"/>
+            <a:endParaRPr lang="zh-CN" altLang="en-US"/>
+          </a:p>
+        </p:txBody>
+      </p:sp>
+      <p:sp>
+        <p:nvSpPr>
+          <p:cNvPr id="2" name="矩形 1">
+            <a:extLst>
+              <a:ext uri="{FF2B5EF4-FFF2-40B4-BE49-F238E27FC236}">
+                <a16:creationId xmlns:a16="http://schemas.microsoft.com/office/drawing/2014/main" id="{0D196905-CB7F-4474-BD1F-8044FBBFAEE7}"/>
+              </a:ext>
+            </a:extLst>
+          </p:cNvPr>
+          <p:cNvSpPr/>
+          <p:nvPr/>
+        </p:nvSpPr>
+        <p:spPr>
+          <a:xfrm>
+            <a:off x="5107709" y="323851"/>
+            <a:ext cx="6598516" cy="6289386"/>
+          </a:xfrm>
+          <a:prstGeom prst="rect">
+            <a:avLst/>
+          </a:prstGeom>
+          <a:solidFill>
+            <a:srgbClr val="F6F6F6"/>
+          </a:solidFill>
+          <a:ln>
+            <a:noFill/>
+          </a:ln>
+          <a:effectLst>
+            <a:innerShdw blurRad="114300">
+              <a:prstClr val="black"/>
+            </a:innerShdw>
+          </a:effectLst>
+        </p:spPr>
+        <p:style>
+          <a:lnRef idx="2">
+            <a:schemeClr val="accent1">
+              <a:shade val="50000"/>
+            </a:schemeClr>
+          </a:lnRef>
+          <a:fillRef idx="1">
+            <a:schemeClr val="accent1"/>
+          </a:fillRef>
+          <a:effectRef idx="0">
+            <a:schemeClr val="accent1"/>
+          </a:effectRef>
+          <a:fontRef idx="minor">
+            <a:schemeClr val="lt1"/>
+          </a:fontRef>
+        </p:style>
+        <p:txBody>
+          <a:bodyPr rtlCol="0" anchor="ctr"/>
+          <a:lstStyle/>
+          <a:p>
+            <a:pPr algn="ctr"/>
+            <a:endParaRPr lang="zh-CN" altLang="en-US"/>
+          </a:p>
+        </p:txBody>
+      </p:sp>
+      <p:sp>
+        <p:nvSpPr>
+          <p:cNvPr id="44" name="Freeform 169">
+            <a:extLst>
+              <a:ext uri="{FF2B5EF4-FFF2-40B4-BE49-F238E27FC236}">
+                <a16:creationId xmlns:a16="http://schemas.microsoft.com/office/drawing/2014/main" id="{AB00688E-1524-4021-8138-7664AE172649}"/>
+              </a:ext>
+            </a:extLst>
+          </p:cNvPr>
+          <p:cNvSpPr/>
+          <p:nvPr/>
+        </p:nvSpPr>
+        <p:spPr bwMode="auto">
+          <a:xfrm rot="5400000">
+            <a:off x="960925" y="1959576"/>
+            <a:ext cx="6307752" cy="3073465"/>
+          </a:xfrm>
+          <a:custGeom>
+            <a:avLst/>
+            <a:gdLst>
+              <a:gd name="T0" fmla="*/ 0 w 3595"/>
+              <a:gd name="T1" fmla="*/ 154 h 608"/>
+              <a:gd name="T2" fmla="*/ 542 w 3595"/>
+              <a:gd name="T3" fmla="*/ 27 h 608"/>
+              <a:gd name="T4" fmla="*/ 1075 w 3595"/>
+              <a:gd name="T5" fmla="*/ 96 h 608"/>
+              <a:gd name="T6" fmla="*/ 1385 w 3595"/>
+              <a:gd name="T7" fmla="*/ 16 h 608"/>
+              <a:gd name="T8" fmla="*/ 1846 w 3595"/>
+              <a:gd name="T9" fmla="*/ 88 h 608"/>
+              <a:gd name="T10" fmla="*/ 2418 w 3595"/>
+              <a:gd name="T11" fmla="*/ 29 h 608"/>
+              <a:gd name="T12" fmla="*/ 2860 w 3595"/>
+              <a:gd name="T13" fmla="*/ 83 h 608"/>
+              <a:gd name="T14" fmla="*/ 3578 w 3595"/>
+              <a:gd name="T15" fmla="*/ 116 h 608"/>
+              <a:gd name="T16" fmla="*/ 3595 w 3595"/>
+              <a:gd name="T17" fmla="*/ 608 h 608"/>
+              <a:gd name="T18" fmla="*/ 0 w 3595"/>
+              <a:gd name="T19" fmla="*/ 588 h 608"/>
+              <a:gd name="T20" fmla="*/ 0 w 3595"/>
+              <a:gd name="T21" fmla="*/ 154 h 608"/>
+            </a:gdLst>
+            <a:ahLst/>
+            <a:cxnLst>
+              <a:cxn ang="0">
+                <a:pos x="T0" y="T1"/>
+              </a:cxn>
+              <a:cxn ang="0">
+                <a:pos x="T2" y="T3"/>
+              </a:cxn>
+              <a:cxn ang="0">
+                <a:pos x="T4" y="T5"/>
+              </a:cxn>
+              <a:cxn ang="0">
+                <a:pos x="T6" y="T7"/>
+              </a:cxn>
+              <a:cxn ang="0">
+                <a:pos x="T8" y="T9"/>
+              </a:cxn>
+              <a:cxn ang="0">
+                <a:pos x="T10" y="T11"/>
+              </a:cxn>
+              <a:cxn ang="0">
+                <a:pos x="T12" y="T13"/>
+              </a:cxn>
+              <a:cxn ang="0">
+                <a:pos x="T14" y="T15"/>
+              </a:cxn>
+              <a:cxn ang="0">
+                <a:pos x="T16" y="T17"/>
+              </a:cxn>
+              <a:cxn ang="0">
+                <a:pos x="T18" y="T19"/>
+              </a:cxn>
+              <a:cxn ang="0">
+                <a:pos x="T20" y="T21"/>
+              </a:cxn>
+            </a:cxnLst>
+            <a:rect l="0" t="0" r="r" b="b"/>
+            <a:pathLst>
+              <a:path w="3595" h="608">
+                <a:moveTo>
+                  <a:pt x="0" y="154"/>
+                </a:moveTo>
+                <a:cubicBezTo>
+                  <a:pt x="160" y="52"/>
+                  <a:pt x="354" y="7"/>
+                  <a:pt x="542" y="27"/>
+                </a:cubicBezTo>
+                <a:cubicBezTo>
+                  <a:pt x="721" y="47"/>
+                  <a:pt x="897" y="124"/>
+                  <a:pt x="1075" y="96"/>
+                </a:cubicBezTo>
+                <a:cubicBezTo>
+                  <a:pt x="1181" y="80"/>
+                  <a:pt x="1279" y="27"/>
+                  <a:pt x="1385" y="16"/>
+                </a:cubicBezTo>
+                <a:cubicBezTo>
+                  <a:pt x="1540" y="0"/>
+                  <a:pt x="1690" y="74"/>
+                  <a:pt x="1846" y="88"/>
+                </a:cubicBezTo>
+                <a:cubicBezTo>
+                  <a:pt x="2037" y="105"/>
+                  <a:pt x="2226" y="30"/>
+                  <a:pt x="2418" y="29"/>
+                </a:cubicBezTo>
+                <a:cubicBezTo>
+                  <a:pt x="2566" y="28"/>
+                  <a:pt x="2712" y="71"/>
+                  <a:pt x="2860" y="83"/>
+                </a:cubicBezTo>
+                <a:cubicBezTo>
+                  <a:pt x="3100" y="102"/>
+                  <a:pt x="3349" y="40"/>
+                  <a:pt x="3578" y="116"/>
+                </a:cubicBezTo>
+                <a:cubicBezTo>
+                  <a:pt x="3595" y="608"/>
+                  <a:pt x="3595" y="608"/>
+                  <a:pt x="3595" y="608"/>
+                </a:cubicBezTo>
+                <a:cubicBezTo>
+                  <a:pt x="0" y="588"/>
+                  <a:pt x="0" y="588"/>
+                  <a:pt x="0" y="588"/>
+                </a:cubicBezTo>
+                <a:lnTo>
+                  <a:pt x="0" y="154"/>
+                </a:lnTo>
+                <a:close/>
+              </a:path>
+            </a:pathLst>
+          </a:custGeom>
+          <a:solidFill>
+            <a:srgbClr val="F4F4F4"/>
+          </a:solidFill>
+          <a:ln>
+            <a:noFill/>
+          </a:ln>
+          <a:effectLst>
+            <a:outerShdw blurRad="50800" dist="38100" dir="16200000" rotWithShape="0">
+              <a:prstClr val="black">
+                <a:alpha val="40000"/>
+              </a:prstClr>
+            </a:outerShdw>
+          </a:effectLst>
+        </p:spPr>
+        <p:txBody>
+          <a:bodyPr/>
+          <a:lstStyle/>
+          <a:p>
+            <a:pPr>
+              <a:defRPr/>
+            </a:pPr>
+            <a:endParaRPr lang="zh-CN" altLang="en-US" sz="2365">
+              <a:latin typeface="Noto Sans S Chinese Thin" panose="020B0200000000000000" pitchFamily="34" charset="-122"/>
+              <a:ea typeface="Noto Sans S Chinese Thin" panose="020B0200000000000000" pitchFamily="34" charset="-122"/>
+            </a:endParaRPr>
+          </a:p>
+        </p:txBody>
+      </p:sp>
+      <p:grpSp>
+        <p:nvGrpSpPr>
+          <p:cNvPr id="15" name="组合 14">
+            <a:extLst>
+              <a:ext uri="{FF2B5EF4-FFF2-40B4-BE49-F238E27FC236}">
+                <a16:creationId xmlns:a16="http://schemas.microsoft.com/office/drawing/2014/main" id="{9FEA297F-C026-4D43-BAC3-098131148F1F}"/>
+              </a:ext>
+            </a:extLst>
+          </p:cNvPr>
+          <p:cNvGrpSpPr/>
+          <p:nvPr/>
+        </p:nvGrpSpPr>
+        <p:grpSpPr>
+          <a:xfrm>
+            <a:off x="9690965" y="1827356"/>
+            <a:ext cx="1397454" cy="123825"/>
+            <a:chOff x="10086975" y="2133600"/>
+            <a:chExt cx="752475" cy="66675"/>
+          </a:xfrm>
+          <a:solidFill>
+            <a:srgbClr val="BE6B41"/>
+          </a:solidFill>
+        </p:grpSpPr>
+        <p:sp>
+          <p:nvSpPr>
+            <p:cNvPr id="13" name="椭圆 12">
+              <a:extLst>
+                <a:ext uri="{FF2B5EF4-FFF2-40B4-BE49-F238E27FC236}">
+                  <a16:creationId xmlns:a16="http://schemas.microsoft.com/office/drawing/2014/main" id="{5AE675F3-05A8-49C9-9231-9CDDFB3AA42C}"/>
+                </a:ext>
+              </a:extLst>
+            </p:cNvPr>
+            <p:cNvSpPr/>
+            <p:nvPr/>
+          </p:nvSpPr>
+          <p:spPr>
+            <a:xfrm>
+              <a:off x="10086975" y="2133600"/>
+              <a:ext cx="66675" cy="66675"/>
+            </a:xfrm>
+            <a:prstGeom prst="ellipse">
+              <a:avLst/>
+            </a:prstGeom>
+            <a:grpFill/>
+            <a:ln>
+              <a:solidFill>
+                <a:schemeClr val="bg1">
+                  <a:lumMod val="85000"/>
+                </a:schemeClr>
+              </a:solidFill>
+            </a:ln>
+          </p:spPr>
+          <p:style>
+            <a:lnRef idx="2">
+              <a:schemeClr val="accent1">
+                <a:shade val="50000"/>
+              </a:schemeClr>
+            </a:lnRef>
+            <a:fillRef idx="1">
+              <a:schemeClr val="accent1"/>
+            </a:fillRef>
+            <a:effectRef idx="0">
+              <a:schemeClr val="accent1"/>
+            </a:effectRef>
+            <a:fontRef idx="minor">
+              <a:schemeClr val="lt1"/>
+            </a:fontRef>
+          </p:style>
+          <p:txBody>
+            <a:bodyPr rtlCol="0" anchor="ctr"/>
+            <a:lstStyle/>
+            <a:p>
+              <a:pPr algn="ctr"/>
+              <a:endParaRPr lang="zh-CN" altLang="en-US"/>
+            </a:p>
+          </p:txBody>
+        </p:sp>
+        <p:sp>
+          <p:nvSpPr>
+            <p:cNvPr id="23" name="椭圆 22">
+              <a:extLst>
+                <a:ext uri="{FF2B5EF4-FFF2-40B4-BE49-F238E27FC236}">
+                  <a16:creationId xmlns:a16="http://schemas.microsoft.com/office/drawing/2014/main" id="{F63797CE-5E20-4251-8384-08E1A888AF0E}"/>
+                </a:ext>
+              </a:extLst>
+            </p:cNvPr>
+            <p:cNvSpPr/>
+            <p:nvPr/>
+          </p:nvSpPr>
+          <p:spPr>
+            <a:xfrm>
+              <a:off x="10220325" y="2133600"/>
+              <a:ext cx="66675" cy="66675"/>
+            </a:xfrm>
+            <a:prstGeom prst="ellipse">
+              <a:avLst/>
+            </a:prstGeom>
+            <a:grpFill/>
+            <a:ln>
+              <a:solidFill>
+                <a:schemeClr val="bg1">
+                  <a:lumMod val="85000"/>
+                </a:schemeClr>
+              </a:solidFill>
+            </a:ln>
+          </p:spPr>
+          <p:style>
+            <a:lnRef idx="2">
+              <a:schemeClr val="accent1">
+                <a:shade val="50000"/>
+              </a:schemeClr>
+            </a:lnRef>
+            <a:fillRef idx="1">
+              <a:schemeClr val="accent1"/>
+            </a:fillRef>
+            <a:effectRef idx="0">
+              <a:schemeClr val="accent1"/>
+            </a:effectRef>
+            <a:fontRef idx="minor">
+              <a:schemeClr val="lt1"/>
+            </a:fontRef>
+          </p:style>
+          <p:txBody>
+            <a:bodyPr rtlCol="0" anchor="ctr"/>
+            <a:lstStyle/>
+            <a:p>
+              <a:pPr algn="ctr"/>
+              <a:endParaRPr lang="zh-CN" altLang="en-US"/>
+            </a:p>
+          </p:txBody>
+        </p:sp>
+        <p:sp>
+          <p:nvSpPr>
+            <p:cNvPr id="24" name="椭圆 23">
+              <a:extLst>
+                <a:ext uri="{FF2B5EF4-FFF2-40B4-BE49-F238E27FC236}">
+                  <a16:creationId xmlns:a16="http://schemas.microsoft.com/office/drawing/2014/main" id="{055EF271-119F-46B8-AD49-135277FE2503}"/>
+                </a:ext>
+              </a:extLst>
+            </p:cNvPr>
+            <p:cNvSpPr/>
+            <p:nvPr/>
+          </p:nvSpPr>
+          <p:spPr>
+            <a:xfrm>
+              <a:off x="10372725" y="2133600"/>
+              <a:ext cx="66675" cy="66675"/>
+            </a:xfrm>
+            <a:prstGeom prst="ellipse">
+              <a:avLst/>
+            </a:prstGeom>
+            <a:grpFill/>
+            <a:ln>
+              <a:solidFill>
+                <a:schemeClr val="bg1">
+                  <a:lumMod val="85000"/>
+                </a:schemeClr>
+              </a:solidFill>
+            </a:ln>
+          </p:spPr>
+          <p:style>
+            <a:lnRef idx="2">
+              <a:schemeClr val="accent1">
+                <a:shade val="50000"/>
+              </a:schemeClr>
+            </a:lnRef>
+            <a:fillRef idx="1">
+              <a:schemeClr val="accent1"/>
+            </a:fillRef>
+            <a:effectRef idx="0">
+              <a:schemeClr val="accent1"/>
+            </a:effectRef>
+            <a:fontRef idx="minor">
+              <a:schemeClr val="lt1"/>
+            </a:fontRef>
+          </p:style>
+          <p:txBody>
+            <a:bodyPr rtlCol="0" anchor="ctr"/>
+            <a:lstStyle/>
+            <a:p>
+              <a:pPr algn="ctr"/>
+              <a:endParaRPr lang="zh-CN" altLang="en-US"/>
+            </a:p>
+          </p:txBody>
+        </p:sp>
+        <p:sp>
+          <p:nvSpPr>
+            <p:cNvPr id="25" name="椭圆 24">
+              <a:extLst>
+                <a:ext uri="{FF2B5EF4-FFF2-40B4-BE49-F238E27FC236}">
+                  <a16:creationId xmlns:a16="http://schemas.microsoft.com/office/drawing/2014/main" id="{61A3AE1E-4484-4478-BBBB-EE631F86DF1E}"/>
+                </a:ext>
+              </a:extLst>
+            </p:cNvPr>
+            <p:cNvSpPr/>
+            <p:nvPr/>
+          </p:nvSpPr>
+          <p:spPr>
+            <a:xfrm>
+              <a:off x="10506075" y="2133600"/>
+              <a:ext cx="66675" cy="66675"/>
+            </a:xfrm>
+            <a:prstGeom prst="ellipse">
+              <a:avLst/>
+            </a:prstGeom>
+            <a:grpFill/>
+            <a:ln>
+              <a:solidFill>
+                <a:schemeClr val="bg1">
+                  <a:lumMod val="85000"/>
+                </a:schemeClr>
+              </a:solidFill>
+            </a:ln>
+          </p:spPr>
+          <p:style>
+            <a:lnRef idx="2">
+              <a:schemeClr val="accent1">
+                <a:shade val="50000"/>
+              </a:schemeClr>
+            </a:lnRef>
+            <a:fillRef idx="1">
+              <a:schemeClr val="accent1"/>
+            </a:fillRef>
+            <a:effectRef idx="0">
+              <a:schemeClr val="accent1"/>
+            </a:effectRef>
+            <a:fontRef idx="minor">
+              <a:schemeClr val="lt1"/>
+            </a:fontRef>
+          </p:style>
+          <p:txBody>
+            <a:bodyPr rtlCol="0" anchor="ctr"/>
+            <a:lstStyle/>
+            <a:p>
+              <a:pPr algn="ctr"/>
+              <a:endParaRPr lang="zh-CN" altLang="en-US"/>
+            </a:p>
+          </p:txBody>
+        </p:sp>
+        <p:sp>
+          <p:nvSpPr>
+            <p:cNvPr id="26" name="椭圆 25">
+              <a:extLst>
+                <a:ext uri="{FF2B5EF4-FFF2-40B4-BE49-F238E27FC236}">
+                  <a16:creationId xmlns:a16="http://schemas.microsoft.com/office/drawing/2014/main" id="{07C5155A-34BF-48BC-AF23-92D724046535}"/>
+                </a:ext>
+              </a:extLst>
+            </p:cNvPr>
+            <p:cNvSpPr/>
+            <p:nvPr/>
+          </p:nvSpPr>
+          <p:spPr>
+            <a:xfrm>
+              <a:off x="10639425" y="2133600"/>
+              <a:ext cx="66675" cy="66675"/>
+            </a:xfrm>
+            <a:prstGeom prst="ellipse">
+              <a:avLst/>
+            </a:prstGeom>
+            <a:grpFill/>
+            <a:ln>
+              <a:solidFill>
+                <a:schemeClr val="bg1">
+                  <a:lumMod val="85000"/>
+                </a:schemeClr>
+              </a:solidFill>
+            </a:ln>
+          </p:spPr>
+          <p:style>
+            <a:lnRef idx="2">
+              <a:schemeClr val="accent1">
+                <a:shade val="50000"/>
+              </a:schemeClr>
+            </a:lnRef>
+            <a:fillRef idx="1">
+              <a:schemeClr val="accent1"/>
+            </a:fillRef>
+            <a:effectRef idx="0">
+              <a:schemeClr val="accent1"/>
+            </a:effectRef>
+            <a:fontRef idx="minor">
+              <a:schemeClr val="lt1"/>
+            </a:fontRef>
+          </p:style>
+          <p:txBody>
+            <a:bodyPr rtlCol="0" anchor="ctr"/>
+            <a:lstStyle/>
+            <a:p>
+              <a:pPr algn="ctr"/>
+              <a:endParaRPr lang="zh-CN" altLang="en-US"/>
+            </a:p>
+          </p:txBody>
+        </p:sp>
+        <p:sp>
+          <p:nvSpPr>
+            <p:cNvPr id="27" name="椭圆 26">
+              <a:extLst>
+                <a:ext uri="{FF2B5EF4-FFF2-40B4-BE49-F238E27FC236}">
+                  <a16:creationId xmlns:a16="http://schemas.microsoft.com/office/drawing/2014/main" id="{B7B08889-9717-4470-A2BB-5F71CE18B95B}"/>
+                </a:ext>
+              </a:extLst>
+            </p:cNvPr>
+            <p:cNvSpPr/>
+            <p:nvPr/>
+          </p:nvSpPr>
+          <p:spPr>
+            <a:xfrm>
+              <a:off x="10772775" y="2133600"/>
+              <a:ext cx="66675" cy="66675"/>
+            </a:xfrm>
+            <a:prstGeom prst="ellipse">
+              <a:avLst/>
+            </a:prstGeom>
+            <a:grpFill/>
+            <a:ln>
+              <a:solidFill>
+                <a:schemeClr val="bg1">
+                  <a:lumMod val="85000"/>
+                </a:schemeClr>
+              </a:solidFill>
+            </a:ln>
+          </p:spPr>
+          <p:style>
+            <a:lnRef idx="2">
+              <a:schemeClr val="accent1">
+                <a:shade val="50000"/>
+              </a:schemeClr>
+            </a:lnRef>
+            <a:fillRef idx="1">
+              <a:schemeClr val="accent1"/>
+            </a:fillRef>
+            <a:effectRef idx="0">
+              <a:schemeClr val="accent1"/>
+            </a:effectRef>
+            <a:fontRef idx="minor">
+              <a:schemeClr val="lt1"/>
+            </a:fontRef>
+          </p:style>
+          <p:txBody>
+            <a:bodyPr rtlCol="0" anchor="ctr"/>
+            <a:lstStyle/>
+            <a:p>
+              <a:pPr algn="ctr"/>
+              <a:endParaRPr lang="zh-CN" altLang="en-US"/>
+            </a:p>
+          </p:txBody>
+        </p:sp>
+      </p:grpSp>
+      <p:pic>
+        <p:nvPicPr>
+          <p:cNvPr id="4" name="图片 3">
+            <a:extLst>
+              <a:ext uri="{FF2B5EF4-FFF2-40B4-BE49-F238E27FC236}">
+                <a16:creationId xmlns:a16="http://schemas.microsoft.com/office/drawing/2014/main" id="{97388D58-6222-4F45-97AB-510377E80D4C}"/>
+              </a:ext>
+            </a:extLst>
+          </p:cNvPr>
+          <p:cNvPicPr>
+            <a:picLocks noChangeAspect="1"/>
+          </p:cNvPicPr>
+          <p:nvPr/>
+        </p:nvPicPr>
+        <p:blipFill>
+          <a:blip r:embed="rId3">
+            <a:extLst>
+              <a:ext uri="{28A0092B-C50C-407E-A947-70E740481C1C}">
+                <a14:useLocalDpi xmlns:a14="http://schemas.microsoft.com/office/drawing/2010/main" val="0"/>
+              </a:ext>
+            </a:extLst>
+          </a:blip>
+          <a:stretch>
+            <a:fillRect/>
+          </a:stretch>
+        </p:blipFill>
+        <p:spPr>
+          <a:xfrm>
+            <a:off x="0" y="-7613"/>
+            <a:ext cx="5135418" cy="6865613"/>
+          </a:xfrm>
+          <a:prstGeom prst="rect">
+            <a:avLst/>
+          </a:prstGeom>
+        </p:spPr>
+      </p:pic>
+      <p:grpSp>
+        <p:nvGrpSpPr>
+          <p:cNvPr id="42" name="组合 41">
+            <a:extLst>
+              <a:ext uri="{FF2B5EF4-FFF2-40B4-BE49-F238E27FC236}">
+                <a16:creationId xmlns:a16="http://schemas.microsoft.com/office/drawing/2014/main" id="{4203D8E2-B0CB-4ACF-85C4-AE943A93F846}"/>
+              </a:ext>
+            </a:extLst>
+          </p:cNvPr>
+          <p:cNvGrpSpPr/>
+          <p:nvPr/>
+        </p:nvGrpSpPr>
+        <p:grpSpPr>
+          <a:xfrm>
+            <a:off x="4679060" y="3085493"/>
+            <a:ext cx="1029018" cy="941557"/>
+            <a:chOff x="4882256" y="2069497"/>
+            <a:chExt cx="513617" cy="469963"/>
+          </a:xfrm>
+        </p:grpSpPr>
+        <p:sp>
+          <p:nvSpPr>
+            <p:cNvPr id="43" name="淘宝网Chenying0907出品 20">
+              <a:extLst>
+                <a:ext uri="{FF2B5EF4-FFF2-40B4-BE49-F238E27FC236}">
+                  <a16:creationId xmlns:a16="http://schemas.microsoft.com/office/drawing/2014/main" id="{57FD8D2C-5D0D-47EA-9294-E0183D2D5E37}"/>
+                </a:ext>
+              </a:extLst>
+            </p:cNvPr>
+            <p:cNvSpPr/>
+            <p:nvPr/>
+          </p:nvSpPr>
+          <p:spPr bwMode="auto">
+            <a:xfrm rot="5400000" flipV="1">
+              <a:off x="4883851" y="2067902"/>
+              <a:ext cx="469963" cy="473154"/>
+            </a:xfrm>
+            <a:prstGeom prst="ellipse">
+              <a:avLst/>
+            </a:prstGeom>
+            <a:solidFill>
+              <a:srgbClr val="BE6B41"/>
+            </a:solidFill>
+            <a:ln w="57150">
+              <a:solidFill>
+                <a:schemeClr val="bg1"/>
+              </a:solidFill>
+            </a:ln>
+            <a:effectLst>
+              <a:outerShdw blurRad="279400" dist="190500" dir="8100000" algn="tr" rotWithShape="0">
+                <a:prstClr val="black">
+                  <a:alpha val="40000"/>
+                </a:prstClr>
+              </a:outerShdw>
+            </a:effectLst>
+          </p:spPr>
+          <p:style>
+            <a:lnRef idx="2">
+              <a:schemeClr val="accent1">
+                <a:shade val="50000"/>
+              </a:schemeClr>
+            </a:lnRef>
+            <a:fillRef idx="1">
+              <a:schemeClr val="accent1"/>
+            </a:fillRef>
+            <a:effectRef idx="0">
+              <a:schemeClr val="accent1"/>
+            </a:effectRef>
+            <a:fontRef idx="minor">
+              <a:schemeClr val="lt1"/>
+            </a:fontRef>
+          </p:style>
+          <p:txBody>
+            <a:bodyPr anchor="ctr"/>
+            <a:lstStyle/>
+            <a:p>
+              <a:pPr algn="ctr"/>
+              <a:endParaRPr lang="zh-CN" altLang="en-US" sz="4400">
+                <a:solidFill>
+                  <a:schemeClr val="bg1"/>
+                </a:solidFill>
+                <a:latin typeface="Noto Sans S Chinese Thin" panose="020B0200000000000000" pitchFamily="34" charset="-122"/>
+                <a:ea typeface="Noto Sans S Chinese Thin" panose="020B0200000000000000" pitchFamily="34" charset="-122"/>
+              </a:endParaRPr>
+            </a:p>
+          </p:txBody>
+        </p:sp>
+        <p:sp>
+          <p:nvSpPr>
+            <p:cNvPr id="45" name="文本框 44">
+              <a:extLst>
+                <a:ext uri="{FF2B5EF4-FFF2-40B4-BE49-F238E27FC236}">
+                  <a16:creationId xmlns:a16="http://schemas.microsoft.com/office/drawing/2014/main" id="{5EB1A022-B07C-4BAA-966D-8CAFE1ABAE4B}"/>
+                </a:ext>
+              </a:extLst>
+            </p:cNvPr>
+            <p:cNvSpPr txBox="1"/>
+            <p:nvPr/>
+          </p:nvSpPr>
+          <p:spPr>
+            <a:xfrm>
+              <a:off x="4921577" y="2111477"/>
+              <a:ext cx="474296" cy="384054"/>
+            </a:xfrm>
+            <a:prstGeom prst="rect">
+              <a:avLst/>
+            </a:prstGeom>
+            <a:noFill/>
+          </p:spPr>
+          <p:txBody>
+            <a:bodyPr wrap="square" rtlCol="0">
+              <a:spAutoFit/>
+            </a:bodyPr>
+            <a:lstStyle/>
+            <a:p>
+              <a:r>
+                <a:rPr lang="en-US" altLang="zh-CN" sz="4400" b="1" dirty="0">
+                  <a:solidFill>
+                    <a:schemeClr val="bg1"/>
+                  </a:solidFill>
+                  <a:latin typeface="Noto Sans S Chinese Thin" panose="020B0200000000000000" pitchFamily="34" charset="-122"/>
+                  <a:ea typeface="Noto Sans S Chinese Thin" panose="020B0200000000000000" pitchFamily="34" charset="-122"/>
+                  <a:sym typeface="+mn-ea"/>
+                </a:rPr>
+                <a:t>02</a:t>
+              </a:r>
+              <a:endParaRPr lang="zh-CN" altLang="en-US" sz="4400" b="1" dirty="0">
+                <a:solidFill>
+                  <a:schemeClr val="bg1"/>
+                </a:solidFill>
+                <a:latin typeface="Noto Sans S Chinese Thin" panose="020B0200000000000000" pitchFamily="34" charset="-122"/>
+                <a:ea typeface="Noto Sans S Chinese Thin" panose="020B0200000000000000" pitchFamily="34" charset="-122"/>
+                <a:sym typeface="+mn-ea"/>
+              </a:endParaRPr>
+            </a:p>
+          </p:txBody>
+        </p:sp>
+      </p:grpSp>
+      <p:sp>
+        <p:nvSpPr>
+          <p:cNvPr id="46" name="文本框 45">
+            <a:extLst>
+              <a:ext uri="{FF2B5EF4-FFF2-40B4-BE49-F238E27FC236}">
+                <a16:creationId xmlns:a16="http://schemas.microsoft.com/office/drawing/2014/main" id="{3D810986-73A6-46CA-999E-966FAE63EDB4}"/>
+              </a:ext>
+            </a:extLst>
+          </p:cNvPr>
+          <p:cNvSpPr txBox="1"/>
+          <p:nvPr/>
+        </p:nvSpPr>
+        <p:spPr>
+          <a:xfrm>
+            <a:off x="5922590" y="2895297"/>
+            <a:ext cx="4670529" cy="707886"/>
+          </a:xfrm>
+          <a:prstGeom prst="rect">
+            <a:avLst/>
+          </a:prstGeom>
+          <a:noFill/>
+        </p:spPr>
+        <p:txBody>
+          <a:bodyPr wrap="square" rtlCol="0">
+            <a:spAutoFit/>
+          </a:bodyPr>
+          <a:lstStyle/>
+          <a:p>
+            <a:pPr algn="ctr"/>
+            <a:r>
+              <a:rPr lang="zh-CN" altLang="en-US" sz="4000" b="1" dirty="0">
+                <a:solidFill>
+                  <a:schemeClr val="tx1">
+                    <a:lumMod val="85000"/>
+                    <a:lumOff val="15000"/>
+                  </a:schemeClr>
+                </a:solidFill>
+                <a:latin typeface="Noto Sans S Chinese Regular" panose="020B0500000000000000" pitchFamily="34" charset="-122"/>
+                <a:ea typeface="Noto Sans S Chinese Regular" panose="020B0500000000000000" pitchFamily="34" charset="-122"/>
+              </a:rPr>
+              <a:t>界面原型</a:t>
+            </a:r>
+          </a:p>
+        </p:txBody>
+      </p:sp>
+      <p:cxnSp>
+        <p:nvCxnSpPr>
+          <p:cNvPr id="48" name="直接连接符 47">
+            <a:extLst>
+              <a:ext uri="{FF2B5EF4-FFF2-40B4-BE49-F238E27FC236}">
+                <a16:creationId xmlns:a16="http://schemas.microsoft.com/office/drawing/2014/main" id="{00CF0DFE-DDAE-4C63-A9B8-3AAC129482B0}"/>
+              </a:ext>
+            </a:extLst>
+          </p:cNvPr>
+          <p:cNvCxnSpPr>
+            <a:cxnSpLocks/>
+          </p:cNvCxnSpPr>
+          <p:nvPr/>
+        </p:nvCxnSpPr>
+        <p:spPr>
+          <a:xfrm>
+            <a:off x="6237451" y="4132834"/>
+            <a:ext cx="3969434" cy="0"/>
+          </a:xfrm>
+          <a:prstGeom prst="line">
+            <a:avLst/>
+          </a:prstGeom>
+          <a:ln>
+            <a:solidFill>
+              <a:schemeClr val="bg1">
+                <a:lumMod val="75000"/>
+              </a:schemeClr>
+            </a:solidFill>
+          </a:ln>
+        </p:spPr>
+        <p:style>
+          <a:lnRef idx="1">
+            <a:schemeClr val="accent1"/>
+          </a:lnRef>
+          <a:fillRef idx="0">
+            <a:schemeClr val="accent1"/>
+          </a:fillRef>
+          <a:effectRef idx="0">
+            <a:schemeClr val="accent1"/>
+          </a:effectRef>
+          <a:fontRef idx="minor">
+            <a:schemeClr val="tx1"/>
+          </a:fontRef>
+        </p:style>
+      </p:cxnSp>
+    </p:spTree>
+    <p:extLst>
+      <p:ext uri="{BB962C8B-B14F-4D97-AF65-F5344CB8AC3E}">
+        <p14:creationId xmlns:p14="http://schemas.microsoft.com/office/powerpoint/2010/main" val="2150304923"/>
+      </p:ext>
+    </p:extLst>
+  </p:cSld>
+  <p:clrMapOvr>
+    <a:masterClrMapping/>
+  </p:clrMapOvr>
+  <mc:AlternateContent xmlns:mc="http://schemas.openxmlformats.org/markup-compatibility/2006" xmlns:p15="http://schemas.microsoft.com/office/powerpoint/2012/main">
+    <mc:Choice Requires="p15">
+      <p:transition xmlns:p14="http://schemas.microsoft.com/office/powerpoint/2010/main" spd="slow" p14:dur="1250">
+        <p15:prstTrans prst="pageCurlDouble"/>
+      </p:transition>
+    </mc:Choice>
+    <mc:Fallback xmlns="">
+      <p:transition spd="slow">
+        <p:fade/>
+      </p:transition>
+    </mc:Fallback>
+  </mc:AlternateContent>
+</p:sld>
+</file>
+
+<file path=ppt/slides/slide12.xml><?xml version="1.0" encoding="utf-8"?>
 <p:sld xmlns:a="http://schemas.openxmlformats.org/drawingml/2006/main" xmlns:r="http://schemas.openxmlformats.org/officeDocument/2006/relationships" xmlns:p="http://schemas.openxmlformats.org/presentationml/2006/main">
   <p:cSld>
     <p:spTree>
@@ -6687,7 +8079,7 @@
 </p:sld>
 </file>
 
-<file path=ppt/slides/slide11.xml><?xml version="1.0" encoding="utf-8"?>
+<file path=ppt/slides/slide13.xml><?xml version="1.0" encoding="utf-8"?>
 <p:sld xmlns:a="http://schemas.openxmlformats.org/drawingml/2006/main" xmlns:r="http://schemas.openxmlformats.org/officeDocument/2006/relationships" xmlns:p="http://schemas.openxmlformats.org/presentationml/2006/main">
   <p:cSld>
     <p:spTree>
@@ -6822,13 +8214,13 @@
   <p:clrMapOvr>
     <a:masterClrMapping/>
   </p:clrMapOvr>
-  <mc:AlternateContent xmlns:mc="http://schemas.openxmlformats.org/markup-compatibility/2006">
-    <mc:Choice xmlns:p159="http://schemas.microsoft.com/office/powerpoint/2015/09/main" Requires="p159">
+  <mc:AlternateContent xmlns:mc="http://schemas.openxmlformats.org/markup-compatibility/2006" xmlns:p159="http://schemas.microsoft.com/office/powerpoint/2015/09/main">
+    <mc:Choice Requires="p159">
       <p:transition xmlns:p14="http://schemas.microsoft.com/office/powerpoint/2010/main" spd="slow" p14:dur="2000">
         <p159:morph option="byObject"/>
       </p:transition>
     </mc:Choice>
-    <mc:Fallback>
+    <mc:Fallback xmlns="">
       <p:transition spd="slow">
         <p:fade/>
       </p:transition>
@@ -7026,7 +8418,7 @@
 </p:sld>
 </file>
 
-<file path=ppt/slides/slide12.xml><?xml version="1.0" encoding="utf-8"?>
+<file path=ppt/slides/slide14.xml><?xml version="1.0" encoding="utf-8"?>
 <p:sld xmlns:a="http://schemas.openxmlformats.org/drawingml/2006/main" xmlns:r="http://schemas.openxmlformats.org/officeDocument/2006/relationships" xmlns:p="http://schemas.openxmlformats.org/presentationml/2006/main">
   <p:cSld>
     <p:spTree>
@@ -7954,7 +9346,7 @@
 </p:sld>
 </file>
 
-<file path=ppt/slides/slide13.xml><?xml version="1.0" encoding="utf-8"?>
+<file path=ppt/slides/slide15.xml><?xml version="1.0" encoding="utf-8"?>
 <p:sld xmlns:a="http://schemas.openxmlformats.org/drawingml/2006/main" xmlns:r="http://schemas.openxmlformats.org/officeDocument/2006/relationships" xmlns:p="http://schemas.openxmlformats.org/presentationml/2006/main">
   <p:cSld>
     <p:spTree>
@@ -7976,7 +9368,7 @@
           <p:cNvPr id="4" name="文本框 3">
             <a:extLst>
               <a:ext uri="{FF2B5EF4-FFF2-40B4-BE49-F238E27FC236}">
-                <a16:creationId xmlns:a16="http://schemas.microsoft.com/office/drawing/2014/main" id="{792F9259-4AED-40B2-B1E8-2F46E76FC3AC}"/>
+                <a16:creationId xmlns:a16="http://schemas.microsoft.com/office/drawing/2014/main" id="{1F5C8AD8-356F-42DC-B2A4-DCEDB1284F1D}"/>
               </a:ext>
             </a:extLst>
           </p:cNvPr>
@@ -8012,7 +9404,7 @@
           <p:cNvPr id="6" name="图片 5">
             <a:extLst>
               <a:ext uri="{FF2B5EF4-FFF2-40B4-BE49-F238E27FC236}">
-                <a16:creationId xmlns:a16="http://schemas.microsoft.com/office/drawing/2014/main" id="{34B2DD73-1D60-4411-AA2D-BB31D8B86F9A}"/>
+                <a16:creationId xmlns:a16="http://schemas.microsoft.com/office/drawing/2014/main" id="{2154FB27-99E2-497C-9559-6F412FE0753F}"/>
               </a:ext>
             </a:extLst>
           </p:cNvPr>
@@ -8046,29 +9438,17 @@
     </p:spTree>
     <p:extLst>
       <p:ext uri="{BB962C8B-B14F-4D97-AF65-F5344CB8AC3E}">
-        <p14:creationId xmlns:p14="http://schemas.microsoft.com/office/powerpoint/2010/main" val="4185025116"/>
+        <p14:creationId xmlns:p14="http://schemas.microsoft.com/office/powerpoint/2010/main" val="4197079665"/>
       </p:ext>
     </p:extLst>
   </p:cSld>
   <p:clrMapOvr>
     <a:masterClrMapping/>
   </p:clrMapOvr>
-  <mc:AlternateContent xmlns:mc="http://schemas.openxmlformats.org/markup-compatibility/2006">
-    <mc:Choice xmlns:p159="http://schemas.microsoft.com/office/powerpoint/2015/09/main" Requires="p159">
-      <p:transition xmlns:p14="http://schemas.microsoft.com/office/powerpoint/2010/main" spd="slow" p14:dur="2000">
-        <p159:morph option="byObject"/>
-      </p:transition>
-    </mc:Choice>
-    <mc:Fallback>
-      <p:transition spd="slow">
-        <p:fade/>
-      </p:transition>
-    </mc:Fallback>
-  </mc:AlternateContent>
 </p:sld>
 </file>
 
-<file path=ppt/slides/slide14.xml><?xml version="1.0" encoding="utf-8"?>
+<file path=ppt/slides/slide16.xml><?xml version="1.0" encoding="utf-8"?>
 <p:sld xmlns:a="http://schemas.openxmlformats.org/drawingml/2006/main" xmlns:r="http://schemas.openxmlformats.org/officeDocument/2006/relationships" xmlns:p="http://schemas.openxmlformats.org/presentationml/2006/main">
   <p:cSld>
     <p:spTree>
@@ -8167,13 +9547,13 @@
   <p:clrMapOvr>
     <a:masterClrMapping/>
   </p:clrMapOvr>
-  <mc:AlternateContent xmlns:mc="http://schemas.openxmlformats.org/markup-compatibility/2006">
-    <mc:Choice xmlns:p159="http://schemas.microsoft.com/office/powerpoint/2015/09/main" Requires="p159">
+  <mc:AlternateContent xmlns:mc="http://schemas.openxmlformats.org/markup-compatibility/2006" xmlns:p159="http://schemas.microsoft.com/office/powerpoint/2015/09/main">
+    <mc:Choice Requires="p159">
       <p:transition xmlns:p14="http://schemas.microsoft.com/office/powerpoint/2010/main" spd="slow" p14:dur="2000">
         <p159:morph option="byObject"/>
       </p:transition>
     </mc:Choice>
-    <mc:Fallback>
+    <mc:Fallback xmlns="">
       <p:transition spd="slow">
         <p:fade/>
       </p:transition>
@@ -8182,7 +9562,7 @@
 </p:sld>
 </file>
 
-<file path=ppt/slides/slide15.xml><?xml version="1.0" encoding="utf-8"?>
+<file path=ppt/slides/slide17.xml><?xml version="1.0" encoding="utf-8"?>
 <p:sld xmlns:a="http://schemas.openxmlformats.org/drawingml/2006/main" xmlns:r="http://schemas.openxmlformats.org/officeDocument/2006/relationships" xmlns:p="http://schemas.openxmlformats.org/presentationml/2006/main">
   <p:cSld>
     <p:spTree>
@@ -8298,7 +9678,7 @@
 </p:sld>
 </file>
 
-<file path=ppt/slides/slide16.xml><?xml version="1.0" encoding="utf-8"?>
+<file path=ppt/slides/slide18.xml><?xml version="1.0" encoding="utf-8"?>
 <p:sld xmlns:a="http://schemas.openxmlformats.org/drawingml/2006/main" xmlns:r="http://schemas.openxmlformats.org/officeDocument/2006/relationships" xmlns:p="http://schemas.openxmlformats.org/presentationml/2006/main">
   <p:cSld>
     <p:spTree>
@@ -8403,7 +9783,7 @@
 </p:sld>
 </file>
 
-<file path=ppt/slides/slide17.xml><?xml version="1.0" encoding="utf-8"?>
+<file path=ppt/slides/slide19.xml><?xml version="1.0" encoding="utf-8"?>
 <p:sld xmlns:a="http://schemas.openxmlformats.org/drawingml/2006/main" xmlns:r="http://schemas.openxmlformats.org/officeDocument/2006/relationships" xmlns:p="http://schemas.openxmlformats.org/presentationml/2006/main">
   <p:cSld>
     <p:spTree>
@@ -9309,279 +10689,6 @@
   <p:transition spd="slow">
     <p:cover/>
   </p:transition>
-</p:sld>
-</file>
-
-<file path=ppt/slides/slide18.xml><?xml version="1.0" encoding="utf-8"?>
-<p:sld xmlns:a="http://schemas.openxmlformats.org/drawingml/2006/main" xmlns:r="http://schemas.openxmlformats.org/officeDocument/2006/relationships" xmlns:p="http://schemas.openxmlformats.org/presentationml/2006/main">
-  <p:cSld>
-    <p:spTree>
-      <p:nvGrpSpPr>
-        <p:cNvPr id="1" name=""/>
-        <p:cNvGrpSpPr/>
-        <p:nvPr/>
-      </p:nvGrpSpPr>
-      <p:grpSpPr>
-        <a:xfrm>
-          <a:off x="0" y="0"/>
-          <a:ext cx="0" cy="0"/>
-          <a:chOff x="0" y="0"/>
-          <a:chExt cx="0" cy="0"/>
-        </a:xfrm>
-      </p:grpSpPr>
-      <p:pic>
-        <p:nvPicPr>
-          <p:cNvPr id="4" name="图片 3">
-            <a:extLst>
-              <a:ext uri="{FF2B5EF4-FFF2-40B4-BE49-F238E27FC236}">
-                <a16:creationId xmlns:a16="http://schemas.microsoft.com/office/drawing/2014/main" id="{6D10AFEB-A694-488A-9B0C-8B2870F3EA97}"/>
-              </a:ext>
-            </a:extLst>
-          </p:cNvPr>
-          <p:cNvPicPr>
-            <a:picLocks noChangeAspect="1"/>
-          </p:cNvPicPr>
-          <p:nvPr/>
-        </p:nvPicPr>
-        <p:blipFill>
-          <a:blip r:embed="rId2">
-            <a:extLst>
-              <a:ext uri="{28A0092B-C50C-407E-A947-70E740481C1C}">
-                <a14:useLocalDpi xmlns:a14="http://schemas.microsoft.com/office/drawing/2010/main" val="0"/>
-              </a:ext>
-            </a:extLst>
-          </a:blip>
-          <a:stretch>
-            <a:fillRect/>
-          </a:stretch>
-        </p:blipFill>
-        <p:spPr>
-          <a:xfrm>
-            <a:off x="437074" y="495046"/>
-            <a:ext cx="5303980" cy="5867908"/>
-          </a:xfrm>
-          <a:prstGeom prst="rect">
-            <a:avLst/>
-          </a:prstGeom>
-        </p:spPr>
-      </p:pic>
-      <p:pic>
-        <p:nvPicPr>
-          <p:cNvPr id="8" name="图片 7">
-            <a:extLst>
-              <a:ext uri="{FF2B5EF4-FFF2-40B4-BE49-F238E27FC236}">
-                <a16:creationId xmlns:a16="http://schemas.microsoft.com/office/drawing/2014/main" id="{9ABAF1CE-16B0-4DF8-9B90-36DA51855AE8}"/>
-              </a:ext>
-            </a:extLst>
-          </p:cNvPr>
-          <p:cNvPicPr>
-            <a:picLocks noChangeAspect="1"/>
-          </p:cNvPicPr>
-          <p:nvPr/>
-        </p:nvPicPr>
-        <p:blipFill>
-          <a:blip r:embed="rId3">
-            <a:extLst>
-              <a:ext uri="{28A0092B-C50C-407E-A947-70E740481C1C}">
-                <a14:useLocalDpi xmlns:a14="http://schemas.microsoft.com/office/drawing/2010/main" val="0"/>
-              </a:ext>
-            </a:extLst>
-          </a:blip>
-          <a:stretch>
-            <a:fillRect/>
-          </a:stretch>
-        </p:blipFill>
-        <p:spPr>
-          <a:xfrm>
-            <a:off x="5741054" y="719855"/>
-            <a:ext cx="5227773" cy="5418290"/>
-          </a:xfrm>
-          <a:prstGeom prst="rect">
-            <a:avLst/>
-          </a:prstGeom>
-        </p:spPr>
-      </p:pic>
-      <p:sp>
-        <p:nvSpPr>
-          <p:cNvPr id="5" name="文本框 4">
-            <a:extLst>
-              <a:ext uri="{FF2B5EF4-FFF2-40B4-BE49-F238E27FC236}">
-                <a16:creationId xmlns:a16="http://schemas.microsoft.com/office/drawing/2014/main" id="{09D6B03B-5695-4BF4-B434-3035D8F190D6}"/>
-              </a:ext>
-            </a:extLst>
-          </p:cNvPr>
-          <p:cNvSpPr txBox="1"/>
-          <p:nvPr/>
-        </p:nvSpPr>
-        <p:spPr>
-          <a:xfrm>
-            <a:off x="581133" y="571783"/>
-            <a:ext cx="6099142" cy="646331"/>
-          </a:xfrm>
-          <a:prstGeom prst="rect">
-            <a:avLst/>
-          </a:prstGeom>
-          <a:noFill/>
-        </p:spPr>
-        <p:txBody>
-          <a:bodyPr wrap="square">
-            <a:spAutoFit/>
-          </a:bodyPr>
-          <a:lstStyle/>
-          <a:p>
-            <a:r>
-              <a:rPr lang="zh-CN" altLang="en-US" sz="3600" b="1" dirty="0">
-                <a:solidFill>
-                  <a:schemeClr val="tx1">
-                    <a:lumMod val="85000"/>
-                    <a:lumOff val="15000"/>
-                  </a:schemeClr>
-                </a:solidFill>
-                <a:latin typeface="Noto Sans S Chinese Regular" panose="020B0500000000000000" pitchFamily="34" charset="-122"/>
-                <a:ea typeface="Noto Sans S Chinese Regular" panose="020B0500000000000000" pitchFamily="34" charset="-122"/>
-              </a:rPr>
-              <a:t>会议记录</a:t>
-            </a:r>
-            <a:endParaRPr lang="zh-CN" altLang="en-US" sz="3600" dirty="0"/>
-          </a:p>
-        </p:txBody>
-      </p:sp>
-    </p:spTree>
-    <p:extLst>
-      <p:ext uri="{BB962C8B-B14F-4D97-AF65-F5344CB8AC3E}">
-        <p14:creationId xmlns:p14="http://schemas.microsoft.com/office/powerpoint/2010/main" val="628349601"/>
-      </p:ext>
-    </p:extLst>
-  </p:cSld>
-  <p:clrMapOvr>
-    <a:masterClrMapping/>
-  </p:clrMapOvr>
-  <p:transition spd="med">
-    <p:pull/>
-  </p:transition>
-</p:sld>
-</file>
-
-<file path=ppt/slides/slide19.xml><?xml version="1.0" encoding="utf-8"?>
-<p:sld xmlns:a="http://schemas.openxmlformats.org/drawingml/2006/main" xmlns:r="http://schemas.openxmlformats.org/officeDocument/2006/relationships" xmlns:p="http://schemas.openxmlformats.org/presentationml/2006/main">
-  <p:cSld>
-    <p:spTree>
-      <p:nvGrpSpPr>
-        <p:cNvPr id="1" name=""/>
-        <p:cNvGrpSpPr/>
-        <p:nvPr/>
-      </p:nvGrpSpPr>
-      <p:grpSpPr>
-        <a:xfrm>
-          <a:off x="0" y="0"/>
-          <a:ext cx="0" cy="0"/>
-          <a:chOff x="0" y="0"/>
-          <a:chExt cx="0" cy="0"/>
-        </a:xfrm>
-      </p:grpSpPr>
-      <p:sp>
-        <p:nvSpPr>
-          <p:cNvPr id="3" name="文本框 2">
-            <a:extLst>
-              <a:ext uri="{FF2B5EF4-FFF2-40B4-BE49-F238E27FC236}">
-                <a16:creationId xmlns:a16="http://schemas.microsoft.com/office/drawing/2014/main" id="{1E756619-0E2A-449A-B97E-23AC45042DAD}"/>
-              </a:ext>
-            </a:extLst>
-          </p:cNvPr>
-          <p:cNvSpPr txBox="1"/>
-          <p:nvPr/>
-        </p:nvSpPr>
-        <p:spPr>
-          <a:xfrm>
-            <a:off x="306972" y="612282"/>
-            <a:ext cx="6099142" cy="646331"/>
-          </a:xfrm>
-          <a:prstGeom prst="rect">
-            <a:avLst/>
-          </a:prstGeom>
-          <a:noFill/>
-        </p:spPr>
-        <p:txBody>
-          <a:bodyPr wrap="square">
-            <a:spAutoFit/>
-          </a:bodyPr>
-          <a:lstStyle/>
-          <a:p>
-            <a:r>
-              <a:rPr lang="zh-CN" altLang="en-US" sz="3600" b="1" dirty="0">
-                <a:solidFill>
-                  <a:schemeClr val="tx1">
-                    <a:lumMod val="85000"/>
-                    <a:lumOff val="15000"/>
-                  </a:schemeClr>
-                </a:solidFill>
-                <a:latin typeface="Noto Sans S Chinese Regular" panose="020B0500000000000000" pitchFamily="34" charset="-122"/>
-                <a:ea typeface="Noto Sans S Chinese Regular" panose="020B0500000000000000" pitchFamily="34" charset="-122"/>
-              </a:rPr>
-              <a:t>项目配置管理</a:t>
-            </a:r>
-            <a:endParaRPr lang="zh-CN" altLang="en-US" sz="3600" dirty="0"/>
-          </a:p>
-        </p:txBody>
-      </p:sp>
-      <p:pic>
-        <p:nvPicPr>
-          <p:cNvPr id="5" name="图片 4">
-            <a:extLst>
-              <a:ext uri="{FF2B5EF4-FFF2-40B4-BE49-F238E27FC236}">
-                <a16:creationId xmlns:a16="http://schemas.microsoft.com/office/drawing/2014/main" id="{1C414758-8083-4023-B6E6-A6AF05FF66F6}"/>
-              </a:ext>
-            </a:extLst>
-          </p:cNvPr>
-          <p:cNvPicPr>
-            <a:picLocks noChangeAspect="1"/>
-          </p:cNvPicPr>
-          <p:nvPr/>
-        </p:nvPicPr>
-        <p:blipFill>
-          <a:blip r:embed="rId2">
-            <a:extLst>
-              <a:ext uri="{28A0092B-C50C-407E-A947-70E740481C1C}">
-                <a14:useLocalDpi xmlns:a14="http://schemas.microsoft.com/office/drawing/2010/main" val="0"/>
-              </a:ext>
-            </a:extLst>
-          </a:blip>
-          <a:stretch>
-            <a:fillRect/>
-          </a:stretch>
-        </p:blipFill>
-        <p:spPr>
-          <a:xfrm>
-            <a:off x="3408839" y="646552"/>
-            <a:ext cx="8175715" cy="5599166"/>
-          </a:xfrm>
-          <a:prstGeom prst="rect">
-            <a:avLst/>
-          </a:prstGeom>
-        </p:spPr>
-      </p:pic>
-    </p:spTree>
-    <p:extLst>
-      <p:ext uri="{BB962C8B-B14F-4D97-AF65-F5344CB8AC3E}">
-        <p14:creationId xmlns:p14="http://schemas.microsoft.com/office/powerpoint/2010/main" val="2010383924"/>
-      </p:ext>
-    </p:extLst>
-  </p:cSld>
-  <p:clrMapOvr>
-    <a:masterClrMapping/>
-  </p:clrMapOvr>
-  <mc:AlternateContent xmlns:mc="http://schemas.openxmlformats.org/markup-compatibility/2006" xmlns:p14="http://schemas.microsoft.com/office/powerpoint/2010/main">
-    <mc:Choice Requires="p14">
-      <p:transition spd="slow" p14:dur="1600">
-        <p14:gallery dir="l"/>
-      </p:transition>
-    </mc:Choice>
-    <mc:Fallback xmlns="">
-      <p:transition spd="slow">
-        <p:fade/>
-      </p:transition>
-    </mc:Fallback>
-  </mc:AlternateContent>
 </p:sld>
 </file>
 
@@ -11059,6 +12166,279 @@
           <a:chExt cx="0" cy="0"/>
         </a:xfrm>
       </p:grpSpPr>
+      <p:pic>
+        <p:nvPicPr>
+          <p:cNvPr id="4" name="图片 3">
+            <a:extLst>
+              <a:ext uri="{FF2B5EF4-FFF2-40B4-BE49-F238E27FC236}">
+                <a16:creationId xmlns:a16="http://schemas.microsoft.com/office/drawing/2014/main" id="{6D10AFEB-A694-488A-9B0C-8B2870F3EA97}"/>
+              </a:ext>
+            </a:extLst>
+          </p:cNvPr>
+          <p:cNvPicPr>
+            <a:picLocks noChangeAspect="1"/>
+          </p:cNvPicPr>
+          <p:nvPr/>
+        </p:nvPicPr>
+        <p:blipFill>
+          <a:blip r:embed="rId2">
+            <a:extLst>
+              <a:ext uri="{28A0092B-C50C-407E-A947-70E740481C1C}">
+                <a14:useLocalDpi xmlns:a14="http://schemas.microsoft.com/office/drawing/2010/main" val="0"/>
+              </a:ext>
+            </a:extLst>
+          </a:blip>
+          <a:stretch>
+            <a:fillRect/>
+          </a:stretch>
+        </p:blipFill>
+        <p:spPr>
+          <a:xfrm>
+            <a:off x="437074" y="495046"/>
+            <a:ext cx="5303980" cy="5867908"/>
+          </a:xfrm>
+          <a:prstGeom prst="rect">
+            <a:avLst/>
+          </a:prstGeom>
+        </p:spPr>
+      </p:pic>
+      <p:pic>
+        <p:nvPicPr>
+          <p:cNvPr id="8" name="图片 7">
+            <a:extLst>
+              <a:ext uri="{FF2B5EF4-FFF2-40B4-BE49-F238E27FC236}">
+                <a16:creationId xmlns:a16="http://schemas.microsoft.com/office/drawing/2014/main" id="{9ABAF1CE-16B0-4DF8-9B90-36DA51855AE8}"/>
+              </a:ext>
+            </a:extLst>
+          </p:cNvPr>
+          <p:cNvPicPr>
+            <a:picLocks noChangeAspect="1"/>
+          </p:cNvPicPr>
+          <p:nvPr/>
+        </p:nvPicPr>
+        <p:blipFill>
+          <a:blip r:embed="rId3">
+            <a:extLst>
+              <a:ext uri="{28A0092B-C50C-407E-A947-70E740481C1C}">
+                <a14:useLocalDpi xmlns:a14="http://schemas.microsoft.com/office/drawing/2010/main" val="0"/>
+              </a:ext>
+            </a:extLst>
+          </a:blip>
+          <a:stretch>
+            <a:fillRect/>
+          </a:stretch>
+        </p:blipFill>
+        <p:spPr>
+          <a:xfrm>
+            <a:off x="5741054" y="719855"/>
+            <a:ext cx="5227773" cy="5418290"/>
+          </a:xfrm>
+          <a:prstGeom prst="rect">
+            <a:avLst/>
+          </a:prstGeom>
+        </p:spPr>
+      </p:pic>
+      <p:sp>
+        <p:nvSpPr>
+          <p:cNvPr id="5" name="文本框 4">
+            <a:extLst>
+              <a:ext uri="{FF2B5EF4-FFF2-40B4-BE49-F238E27FC236}">
+                <a16:creationId xmlns:a16="http://schemas.microsoft.com/office/drawing/2014/main" id="{09D6B03B-5695-4BF4-B434-3035D8F190D6}"/>
+              </a:ext>
+            </a:extLst>
+          </p:cNvPr>
+          <p:cNvSpPr txBox="1"/>
+          <p:nvPr/>
+        </p:nvSpPr>
+        <p:spPr>
+          <a:xfrm>
+            <a:off x="581133" y="571783"/>
+            <a:ext cx="6099142" cy="646331"/>
+          </a:xfrm>
+          <a:prstGeom prst="rect">
+            <a:avLst/>
+          </a:prstGeom>
+          <a:noFill/>
+        </p:spPr>
+        <p:txBody>
+          <a:bodyPr wrap="square">
+            <a:spAutoFit/>
+          </a:bodyPr>
+          <a:lstStyle/>
+          <a:p>
+            <a:r>
+              <a:rPr lang="zh-CN" altLang="en-US" sz="3600" b="1" dirty="0">
+                <a:solidFill>
+                  <a:schemeClr val="tx1">
+                    <a:lumMod val="85000"/>
+                    <a:lumOff val="15000"/>
+                  </a:schemeClr>
+                </a:solidFill>
+                <a:latin typeface="Noto Sans S Chinese Regular" panose="020B0500000000000000" pitchFamily="34" charset="-122"/>
+                <a:ea typeface="Noto Sans S Chinese Regular" panose="020B0500000000000000" pitchFamily="34" charset="-122"/>
+              </a:rPr>
+              <a:t>会议记录</a:t>
+            </a:r>
+            <a:endParaRPr lang="zh-CN" altLang="en-US" sz="3600" dirty="0"/>
+          </a:p>
+        </p:txBody>
+      </p:sp>
+    </p:spTree>
+    <p:extLst>
+      <p:ext uri="{BB962C8B-B14F-4D97-AF65-F5344CB8AC3E}">
+        <p14:creationId xmlns:p14="http://schemas.microsoft.com/office/powerpoint/2010/main" val="628349601"/>
+      </p:ext>
+    </p:extLst>
+  </p:cSld>
+  <p:clrMapOvr>
+    <a:masterClrMapping/>
+  </p:clrMapOvr>
+  <p:transition spd="med">
+    <p:pull/>
+  </p:transition>
+</p:sld>
+</file>
+
+<file path=ppt/slides/slide21.xml><?xml version="1.0" encoding="utf-8"?>
+<p:sld xmlns:a="http://schemas.openxmlformats.org/drawingml/2006/main" xmlns:r="http://schemas.openxmlformats.org/officeDocument/2006/relationships" xmlns:p="http://schemas.openxmlformats.org/presentationml/2006/main">
+  <p:cSld>
+    <p:spTree>
+      <p:nvGrpSpPr>
+        <p:cNvPr id="1" name=""/>
+        <p:cNvGrpSpPr/>
+        <p:nvPr/>
+      </p:nvGrpSpPr>
+      <p:grpSpPr>
+        <a:xfrm>
+          <a:off x="0" y="0"/>
+          <a:ext cx="0" cy="0"/>
+          <a:chOff x="0" y="0"/>
+          <a:chExt cx="0" cy="0"/>
+        </a:xfrm>
+      </p:grpSpPr>
+      <p:sp>
+        <p:nvSpPr>
+          <p:cNvPr id="3" name="文本框 2">
+            <a:extLst>
+              <a:ext uri="{FF2B5EF4-FFF2-40B4-BE49-F238E27FC236}">
+                <a16:creationId xmlns:a16="http://schemas.microsoft.com/office/drawing/2014/main" id="{1E756619-0E2A-449A-B97E-23AC45042DAD}"/>
+              </a:ext>
+            </a:extLst>
+          </p:cNvPr>
+          <p:cNvSpPr txBox="1"/>
+          <p:nvPr/>
+        </p:nvSpPr>
+        <p:spPr>
+          <a:xfrm>
+            <a:off x="306972" y="612282"/>
+            <a:ext cx="6099142" cy="646331"/>
+          </a:xfrm>
+          <a:prstGeom prst="rect">
+            <a:avLst/>
+          </a:prstGeom>
+          <a:noFill/>
+        </p:spPr>
+        <p:txBody>
+          <a:bodyPr wrap="square">
+            <a:spAutoFit/>
+          </a:bodyPr>
+          <a:lstStyle/>
+          <a:p>
+            <a:r>
+              <a:rPr lang="zh-CN" altLang="en-US" sz="3600" b="1" dirty="0">
+                <a:solidFill>
+                  <a:schemeClr val="tx1">
+                    <a:lumMod val="85000"/>
+                    <a:lumOff val="15000"/>
+                  </a:schemeClr>
+                </a:solidFill>
+                <a:latin typeface="Noto Sans S Chinese Regular" panose="020B0500000000000000" pitchFamily="34" charset="-122"/>
+                <a:ea typeface="Noto Sans S Chinese Regular" panose="020B0500000000000000" pitchFamily="34" charset="-122"/>
+              </a:rPr>
+              <a:t>项目配置管理</a:t>
+            </a:r>
+            <a:endParaRPr lang="zh-CN" altLang="en-US" sz="3600" dirty="0"/>
+          </a:p>
+        </p:txBody>
+      </p:sp>
+      <p:pic>
+        <p:nvPicPr>
+          <p:cNvPr id="5" name="图片 4">
+            <a:extLst>
+              <a:ext uri="{FF2B5EF4-FFF2-40B4-BE49-F238E27FC236}">
+                <a16:creationId xmlns:a16="http://schemas.microsoft.com/office/drawing/2014/main" id="{1C414758-8083-4023-B6E6-A6AF05FF66F6}"/>
+              </a:ext>
+            </a:extLst>
+          </p:cNvPr>
+          <p:cNvPicPr>
+            <a:picLocks noChangeAspect="1"/>
+          </p:cNvPicPr>
+          <p:nvPr/>
+        </p:nvPicPr>
+        <p:blipFill>
+          <a:blip r:embed="rId2">
+            <a:extLst>
+              <a:ext uri="{28A0092B-C50C-407E-A947-70E740481C1C}">
+                <a14:useLocalDpi xmlns:a14="http://schemas.microsoft.com/office/drawing/2010/main" val="0"/>
+              </a:ext>
+            </a:extLst>
+          </a:blip>
+          <a:stretch>
+            <a:fillRect/>
+          </a:stretch>
+        </p:blipFill>
+        <p:spPr>
+          <a:xfrm>
+            <a:off x="3408839" y="646552"/>
+            <a:ext cx="8175715" cy="5599166"/>
+          </a:xfrm>
+          <a:prstGeom prst="rect">
+            <a:avLst/>
+          </a:prstGeom>
+        </p:spPr>
+      </p:pic>
+    </p:spTree>
+    <p:extLst>
+      <p:ext uri="{BB962C8B-B14F-4D97-AF65-F5344CB8AC3E}">
+        <p14:creationId xmlns:p14="http://schemas.microsoft.com/office/powerpoint/2010/main" val="2010383924"/>
+      </p:ext>
+    </p:extLst>
+  </p:cSld>
+  <p:clrMapOvr>
+    <a:masterClrMapping/>
+  </p:clrMapOvr>
+  <mc:AlternateContent xmlns:mc="http://schemas.openxmlformats.org/markup-compatibility/2006" xmlns:p14="http://schemas.microsoft.com/office/powerpoint/2010/main">
+    <mc:Choice Requires="p14">
+      <p:transition spd="slow" p14:dur="1600">
+        <p14:gallery dir="l"/>
+      </p:transition>
+    </mc:Choice>
+    <mc:Fallback xmlns="">
+      <p:transition spd="slow">
+        <p:fade/>
+      </p:transition>
+    </mc:Fallback>
+  </mc:AlternateContent>
+</p:sld>
+</file>
+
+<file path=ppt/slides/slide22.xml><?xml version="1.0" encoding="utf-8"?>
+<p:sld xmlns:a="http://schemas.openxmlformats.org/drawingml/2006/main" xmlns:r="http://schemas.openxmlformats.org/officeDocument/2006/relationships" xmlns:p="http://schemas.openxmlformats.org/presentationml/2006/main">
+  <p:cSld>
+    <p:spTree>
+      <p:nvGrpSpPr>
+        <p:cNvPr id="1" name=""/>
+        <p:cNvGrpSpPr/>
+        <p:nvPr/>
+      </p:nvGrpSpPr>
+      <p:grpSpPr>
+        <a:xfrm>
+          <a:off x="0" y="0"/>
+          <a:ext cx="0" cy="0"/>
+          <a:chOff x="0" y="0"/>
+          <a:chExt cx="0" cy="0"/>
+        </a:xfrm>
+      </p:grpSpPr>
       <p:sp>
         <p:nvSpPr>
           <p:cNvPr id="5" name="文本框 4">
@@ -11156,7 +12536,7 @@
 </p:sld>
 </file>
 
-<file path=ppt/slides/slide21.xml><?xml version="1.0" encoding="utf-8"?>
+<file path=ppt/slides/slide23.xml><?xml version="1.0" encoding="utf-8"?>
 <p:sld xmlns:a="http://schemas.openxmlformats.org/drawingml/2006/main" xmlns:r="http://schemas.openxmlformats.org/officeDocument/2006/relationships" xmlns:p="http://schemas.openxmlformats.org/presentationml/2006/main">
   <p:cSld>
     <p:spTree>
@@ -12084,7 +13464,7 @@
 </p:sld>
 </file>
 
-<file path=ppt/slides/slide22.xml><?xml version="1.0" encoding="utf-8"?>
+<file path=ppt/slides/slide24.xml><?xml version="1.0" encoding="utf-8"?>
 <p:sld xmlns:a="http://schemas.openxmlformats.org/drawingml/2006/main" xmlns:r="http://schemas.openxmlformats.org/officeDocument/2006/relationships" xmlns:p="http://schemas.openxmlformats.org/presentationml/2006/main">
   <p:cSld>
     <p:spTree>
@@ -12365,7 +13745,7 @@
 </p:sld>
 </file>
 
-<file path=ppt/slides/slide23.xml><?xml version="1.0" encoding="utf-8"?>
+<file path=ppt/slides/slide25.xml><?xml version="1.0" encoding="utf-8"?>
 <p:sld xmlns:a="http://schemas.openxmlformats.org/drawingml/2006/main" xmlns:r="http://schemas.openxmlformats.org/officeDocument/2006/relationships" xmlns:p="http://schemas.openxmlformats.org/presentationml/2006/main">
   <p:cSld>
     <p:spTree>
@@ -13095,7 +14475,7 @@
 </p:sld>
 </file>
 
-<file path=ppt/slides/slide24.xml><?xml version="1.0" encoding="utf-8"?>
+<file path=ppt/slides/slide26.xml><?xml version="1.0" encoding="utf-8"?>
 <p:sld xmlns:a="http://schemas.openxmlformats.org/drawingml/2006/main" xmlns:r="http://schemas.openxmlformats.org/officeDocument/2006/relationships" xmlns:p="http://schemas.openxmlformats.org/presentationml/2006/main">
   <p:cSld>
     <p:spTree>
@@ -18885,7 +20265,7 @@
                 <a:latin typeface="Noto Sans S Chinese Light" panose="020B0300000000000000" pitchFamily="34" charset="-122"/>
                 <a:ea typeface="Noto Sans S Chinese Light" panose="020B0300000000000000" pitchFamily="34" charset="-122"/>
               </a:rPr>
-              <a:t>产品功能</a:t>
+              <a:t>产品描述</a:t>
             </a:r>
             <a:endParaRPr lang="en-US" altLang="zh-CN" sz="3687" dirty="0">
               <a:solidFill>
@@ -18900,40 +20280,524 @@
           </a:p>
         </p:txBody>
       </p:sp>
-      <p:pic>
-        <p:nvPicPr>
-          <p:cNvPr id="3" name="图片 2">
+      <p:sp>
+        <p:nvSpPr>
+          <p:cNvPr id="4" name="文本框 3">
             <a:extLst>
               <a:ext uri="{FF2B5EF4-FFF2-40B4-BE49-F238E27FC236}">
-                <a16:creationId xmlns:a16="http://schemas.microsoft.com/office/drawing/2014/main" id="{EB644737-0BFC-4C92-9EFC-1CE178A8E944}"/>
+                <a16:creationId xmlns:a16="http://schemas.microsoft.com/office/drawing/2014/main" id="{3C4653B4-3989-43F0-BC43-CC3A9FEBDB68}"/>
               </a:ext>
             </a:extLst>
           </p:cNvPr>
-          <p:cNvPicPr>
-            <a:picLocks noChangeAspect="1"/>
-          </p:cNvPicPr>
+          <p:cNvSpPr txBox="1"/>
           <p:nvPr/>
-        </p:nvPicPr>
-        <p:blipFill>
-          <a:blip r:embed="rId4"/>
-          <a:stretch>
-            <a:fillRect/>
-          </a:stretch>
-        </p:blipFill>
+        </p:nvSpPr>
         <p:spPr>
           <a:xfrm>
-            <a:off x="2810464" y="902679"/>
-            <a:ext cx="6320775" cy="5458519"/>
+            <a:off x="1035698" y="1464906"/>
+            <a:ext cx="8070979" cy="369332"/>
           </a:xfrm>
           <a:prstGeom prst="rect">
             <a:avLst/>
           </a:prstGeom>
+          <a:noFill/>
         </p:spPr>
-      </p:pic>
+        <p:txBody>
+          <a:bodyPr wrap="square" rtlCol="0">
+            <a:spAutoFit/>
+          </a:bodyPr>
+          <a:lstStyle/>
+          <a:p>
+            <a:r>
+              <a:rPr lang="zh-CN" altLang="en-US" b="1" dirty="0">
+                <a:latin typeface="仿宋" panose="02010609060101010101" pitchFamily="49" charset="-122"/>
+                <a:ea typeface="仿宋" panose="02010609060101010101" pitchFamily="49" charset="-122"/>
+              </a:rPr>
+              <a:t>用户特点</a:t>
+            </a:r>
+            <a:r>
+              <a:rPr lang="zh-CN" altLang="en-US" dirty="0">
+                <a:latin typeface="仿宋" panose="02010609060101010101" pitchFamily="49" charset="-122"/>
+                <a:ea typeface="仿宋" panose="02010609060101010101" pitchFamily="49" charset="-122"/>
+              </a:rPr>
+              <a:t>：本项目的主要使用用户为在校的</a:t>
+            </a:r>
+            <a:r>
+              <a:rPr lang="zh-CN" altLang="en-US" b="1" dirty="0">
+                <a:latin typeface="仿宋" panose="02010609060101010101" pitchFamily="49" charset="-122"/>
+                <a:ea typeface="仿宋" panose="02010609060101010101" pitchFamily="49" charset="-122"/>
+              </a:rPr>
+              <a:t>大学生</a:t>
+            </a:r>
+          </a:p>
+        </p:txBody>
+      </p:sp>
+      <p:sp>
+        <p:nvSpPr>
+          <p:cNvPr id="14" name="文本框 13">
+            <a:extLst>
+              <a:ext uri="{FF2B5EF4-FFF2-40B4-BE49-F238E27FC236}">
+                <a16:creationId xmlns:a16="http://schemas.microsoft.com/office/drawing/2014/main" id="{F5F32611-8D63-42F1-A4CD-E1184C7232C2}"/>
+              </a:ext>
+            </a:extLst>
+          </p:cNvPr>
+          <p:cNvSpPr txBox="1"/>
+          <p:nvPr/>
+        </p:nvSpPr>
+        <p:spPr>
+          <a:xfrm>
+            <a:off x="1035698" y="2027853"/>
+            <a:ext cx="8070979" cy="2308324"/>
+          </a:xfrm>
+          <a:prstGeom prst="rect">
+            <a:avLst/>
+          </a:prstGeom>
+          <a:noFill/>
+        </p:spPr>
+        <p:txBody>
+          <a:bodyPr wrap="square" rtlCol="0">
+            <a:spAutoFit/>
+          </a:bodyPr>
+          <a:lstStyle/>
+          <a:p>
+            <a:r>
+              <a:rPr lang="zh-CN" altLang="en-US" b="1" dirty="0">
+                <a:latin typeface="仿宋" panose="02010609060101010101" pitchFamily="49" charset="-122"/>
+                <a:ea typeface="仿宋" panose="02010609060101010101" pitchFamily="49" charset="-122"/>
+              </a:rPr>
+              <a:t>    约束</a:t>
+            </a:r>
+            <a:r>
+              <a:rPr lang="zh-CN" altLang="en-US" dirty="0">
+                <a:latin typeface="仿宋" panose="02010609060101010101" pitchFamily="49" charset="-122"/>
+                <a:ea typeface="仿宋" panose="02010609060101010101" pitchFamily="49" charset="-122"/>
+              </a:rPr>
+              <a:t>：</a:t>
+            </a:r>
+            <a:r>
+              <a:rPr lang="en-US" altLang="zh-CN" dirty="0">
+                <a:latin typeface="仿宋" panose="02010609060101010101" pitchFamily="49" charset="-122"/>
+                <a:ea typeface="仿宋" panose="02010609060101010101" pitchFamily="49" charset="-122"/>
+              </a:rPr>
+              <a:t>1.</a:t>
+            </a:r>
+            <a:r>
+              <a:rPr lang="zh-CN" altLang="en-US" dirty="0">
+                <a:latin typeface="仿宋" panose="02010609060101010101" pitchFamily="49" charset="-122"/>
+                <a:ea typeface="仿宋" panose="02010609060101010101" pitchFamily="49" charset="-122"/>
+              </a:rPr>
+              <a:t>系统用户必须为</a:t>
+            </a:r>
+            <a:r>
+              <a:rPr lang="zh-CN" altLang="en-US" b="1" dirty="0">
+                <a:latin typeface="仿宋" panose="02010609060101010101" pitchFamily="49" charset="-122"/>
+                <a:ea typeface="仿宋" panose="02010609060101010101" pitchFamily="49" charset="-122"/>
+              </a:rPr>
+              <a:t>城院实际学生</a:t>
+            </a:r>
+            <a:r>
+              <a:rPr lang="zh-CN" altLang="en-US" dirty="0">
+                <a:latin typeface="仿宋" panose="02010609060101010101" pitchFamily="49" charset="-122"/>
+                <a:ea typeface="仿宋" panose="02010609060101010101" pitchFamily="49" charset="-122"/>
+              </a:rPr>
+              <a:t>（通过邮箱认证）；</a:t>
+            </a:r>
+          </a:p>
+          <a:p>
+            <a:r>
+              <a:rPr lang="zh-CN" altLang="en-US" dirty="0">
+                <a:latin typeface="仿宋" panose="02010609060101010101" pitchFamily="49" charset="-122"/>
+                <a:ea typeface="仿宋" panose="02010609060101010101" pitchFamily="49" charset="-122"/>
+              </a:rPr>
+              <a:t>          </a:t>
+            </a:r>
+            <a:r>
+              <a:rPr lang="en-US" altLang="zh-CN" dirty="0">
+                <a:latin typeface="仿宋" panose="02010609060101010101" pitchFamily="49" charset="-122"/>
+                <a:ea typeface="仿宋" panose="02010609060101010101" pitchFamily="49" charset="-122"/>
+              </a:rPr>
+              <a:t>2.</a:t>
+            </a:r>
+            <a:r>
+              <a:rPr lang="zh-CN" altLang="en-US" dirty="0">
+                <a:latin typeface="仿宋" panose="02010609060101010101" pitchFamily="49" charset="-122"/>
+                <a:ea typeface="仿宋" panose="02010609060101010101" pitchFamily="49" charset="-122"/>
+              </a:rPr>
+              <a:t>小组成员在项目开发的过程中要遵循相关的</a:t>
+            </a:r>
+            <a:r>
+              <a:rPr lang="zh-CN" altLang="en-US" b="1" dirty="0">
+                <a:latin typeface="仿宋" panose="02010609060101010101" pitchFamily="49" charset="-122"/>
+                <a:ea typeface="仿宋" panose="02010609060101010101" pitchFamily="49" charset="-122"/>
+              </a:rPr>
+              <a:t>法律法规</a:t>
+            </a:r>
+            <a:r>
+              <a:rPr lang="zh-CN" altLang="en-US" dirty="0">
+                <a:latin typeface="仿宋" panose="02010609060101010101" pitchFamily="49" charset="-122"/>
+                <a:ea typeface="仿宋" panose="02010609060101010101" pitchFamily="49" charset="-122"/>
+              </a:rPr>
+              <a:t>；</a:t>
+            </a:r>
+          </a:p>
+          <a:p>
+            <a:r>
+              <a:rPr lang="zh-CN" altLang="en-US" dirty="0">
+                <a:latin typeface="仿宋" panose="02010609060101010101" pitchFamily="49" charset="-122"/>
+                <a:ea typeface="仿宋" panose="02010609060101010101" pitchFamily="49" charset="-122"/>
+              </a:rPr>
+              <a:t>          </a:t>
+            </a:r>
+            <a:r>
+              <a:rPr lang="en-US" altLang="zh-CN" dirty="0">
+                <a:latin typeface="仿宋" panose="02010609060101010101" pitchFamily="49" charset="-122"/>
+                <a:ea typeface="仿宋" panose="02010609060101010101" pitchFamily="49" charset="-122"/>
+              </a:rPr>
+              <a:t>3.</a:t>
+            </a:r>
+            <a:r>
+              <a:rPr lang="zh-CN" altLang="en-US" dirty="0">
+                <a:latin typeface="仿宋" panose="02010609060101010101" pitchFamily="49" charset="-122"/>
+                <a:ea typeface="仿宋" panose="02010609060101010101" pitchFamily="49" charset="-122"/>
+              </a:rPr>
+              <a:t>本系统网站与数据库前、后端交互，于此我们首选</a:t>
+            </a:r>
+            <a:r>
+              <a:rPr lang="en-US" altLang="zh-CN" dirty="0">
+                <a:latin typeface="仿宋" panose="02010609060101010101" pitchFamily="49" charset="-122"/>
+                <a:ea typeface="仿宋" panose="02010609060101010101" pitchFamily="49" charset="-122"/>
+              </a:rPr>
+              <a:t>Vue</a:t>
+            </a:r>
+            <a:r>
+              <a:rPr lang="zh-CN" altLang="en-US" dirty="0">
+                <a:latin typeface="仿宋" panose="02010609060101010101" pitchFamily="49" charset="-122"/>
+                <a:ea typeface="仿宋" panose="02010609060101010101" pitchFamily="49" charset="-122"/>
+              </a:rPr>
+              <a:t>、 </a:t>
+            </a:r>
+            <a:r>
+              <a:rPr lang="en-US" altLang="zh-CN" dirty="0">
+                <a:latin typeface="仿宋" panose="02010609060101010101" pitchFamily="49" charset="-122"/>
+                <a:ea typeface="仿宋" panose="02010609060101010101" pitchFamily="49" charset="-122"/>
+              </a:rPr>
+              <a:t>	 	    springboot</a:t>
+            </a:r>
+            <a:r>
+              <a:rPr lang="zh-CN" altLang="en-US" dirty="0">
+                <a:latin typeface="仿宋" panose="02010609060101010101" pitchFamily="49" charset="-122"/>
+                <a:ea typeface="仿宋" panose="02010609060101010101" pitchFamily="49" charset="-122"/>
+              </a:rPr>
+              <a:t>、</a:t>
+            </a:r>
+            <a:r>
+              <a:rPr lang="en-US" altLang="zh-CN" dirty="0">
+                <a:latin typeface="仿宋" panose="02010609060101010101" pitchFamily="49" charset="-122"/>
+                <a:ea typeface="仿宋" panose="02010609060101010101" pitchFamily="49" charset="-122"/>
+              </a:rPr>
+              <a:t>PHP</a:t>
+            </a:r>
+            <a:r>
+              <a:rPr lang="zh-CN" altLang="en-US" dirty="0">
+                <a:latin typeface="仿宋" panose="02010609060101010101" pitchFamily="49" charset="-122"/>
+                <a:ea typeface="仿宋" panose="02010609060101010101" pitchFamily="49" charset="-122"/>
+              </a:rPr>
+              <a:t>、</a:t>
+            </a:r>
+            <a:r>
+              <a:rPr lang="en-US" altLang="zh-CN" dirty="0">
+                <a:latin typeface="仿宋" panose="02010609060101010101" pitchFamily="49" charset="-122"/>
+                <a:ea typeface="仿宋" panose="02010609060101010101" pitchFamily="49" charset="-122"/>
+              </a:rPr>
+              <a:t>HBuilder</a:t>
+            </a:r>
+            <a:r>
+              <a:rPr lang="zh-CN" altLang="en-US" dirty="0">
+                <a:latin typeface="仿宋" panose="02010609060101010101" pitchFamily="49" charset="-122"/>
+                <a:ea typeface="仿宋" panose="02010609060101010101" pitchFamily="49" charset="-122"/>
+              </a:rPr>
+              <a:t>等工具开发网站；</a:t>
+            </a:r>
+          </a:p>
+          <a:p>
+            <a:r>
+              <a:rPr lang="zh-CN" altLang="en-US" dirty="0">
+                <a:latin typeface="仿宋" panose="02010609060101010101" pitchFamily="49" charset="-122"/>
+                <a:ea typeface="仿宋" panose="02010609060101010101" pitchFamily="49" charset="-122"/>
+              </a:rPr>
+              <a:t>          </a:t>
+            </a:r>
+            <a:r>
+              <a:rPr lang="en-US" altLang="zh-CN" dirty="0">
+                <a:latin typeface="仿宋" panose="02010609060101010101" pitchFamily="49" charset="-122"/>
+                <a:ea typeface="仿宋" panose="02010609060101010101" pitchFamily="49" charset="-122"/>
+              </a:rPr>
+              <a:t>4.</a:t>
+            </a:r>
+            <a:r>
+              <a:rPr lang="zh-CN" altLang="en-US" dirty="0">
+                <a:latin typeface="仿宋" panose="02010609060101010101" pitchFamily="49" charset="-122"/>
+                <a:ea typeface="仿宋" panose="02010609060101010101" pitchFamily="49" charset="-122"/>
+              </a:rPr>
+              <a:t>要严格保护用户的隐私，同时对用户的帖子内容管理员要进行严</a:t>
+            </a:r>
+            <a:r>
+              <a:rPr lang="en-US" altLang="zh-CN" dirty="0">
+                <a:latin typeface="仿宋" panose="02010609060101010101" pitchFamily="49" charset="-122"/>
+                <a:ea typeface="仿宋" panose="02010609060101010101" pitchFamily="49" charset="-122"/>
+              </a:rPr>
+              <a:t>	    </a:t>
+            </a:r>
+            <a:r>
+              <a:rPr lang="zh-CN" altLang="en-US" dirty="0">
+                <a:latin typeface="仿宋" panose="02010609060101010101" pitchFamily="49" charset="-122"/>
+                <a:ea typeface="仿宋" panose="02010609060101010101" pitchFamily="49" charset="-122"/>
+              </a:rPr>
+              <a:t>格的</a:t>
+            </a:r>
+            <a:r>
+              <a:rPr lang="zh-CN" altLang="en-US" b="1" dirty="0">
+                <a:latin typeface="仿宋" panose="02010609060101010101" pitchFamily="49" charset="-122"/>
+                <a:ea typeface="仿宋" panose="02010609060101010101" pitchFamily="49" charset="-122"/>
+              </a:rPr>
+              <a:t>审查</a:t>
+            </a:r>
+            <a:r>
+              <a:rPr lang="zh-CN" altLang="en-US" dirty="0">
+                <a:latin typeface="仿宋" panose="02010609060101010101" pitchFamily="49" charset="-122"/>
+                <a:ea typeface="仿宋" panose="02010609060101010101" pitchFamily="49" charset="-122"/>
+              </a:rPr>
+              <a:t>，如有不当的发帖行为管理员有权利对用户进行封禁和</a:t>
+            </a:r>
+            <a:r>
+              <a:rPr lang="en-US" altLang="zh-CN" dirty="0">
+                <a:latin typeface="仿宋" panose="02010609060101010101" pitchFamily="49" charset="-122"/>
+                <a:ea typeface="仿宋" panose="02010609060101010101" pitchFamily="49" charset="-122"/>
+              </a:rPr>
+              <a:t>	    </a:t>
+            </a:r>
+            <a:r>
+              <a:rPr lang="zh-CN" altLang="en-US" dirty="0">
+                <a:latin typeface="仿宋" panose="02010609060101010101" pitchFamily="49" charset="-122"/>
+                <a:ea typeface="仿宋" panose="02010609060101010101" pitchFamily="49" charset="-122"/>
+              </a:rPr>
+              <a:t>禁言处理。</a:t>
+            </a:r>
+          </a:p>
+          <a:p>
+            <a:endParaRPr lang="zh-CN" altLang="en-US" dirty="0">
+              <a:latin typeface="仿宋" panose="02010609060101010101" pitchFamily="49" charset="-122"/>
+              <a:ea typeface="仿宋" panose="02010609060101010101" pitchFamily="49" charset="-122"/>
+            </a:endParaRPr>
+          </a:p>
+        </p:txBody>
+      </p:sp>
+      <p:sp>
+        <p:nvSpPr>
+          <p:cNvPr id="15" name="文本框 14">
+            <a:extLst>
+              <a:ext uri="{FF2B5EF4-FFF2-40B4-BE49-F238E27FC236}">
+                <a16:creationId xmlns:a16="http://schemas.microsoft.com/office/drawing/2014/main" id="{E018AAC6-A096-4F8C-872D-F7E6E3F11843}"/>
+              </a:ext>
+            </a:extLst>
+          </p:cNvPr>
+          <p:cNvSpPr txBox="1"/>
+          <p:nvPr/>
+        </p:nvSpPr>
+        <p:spPr>
+          <a:xfrm>
+            <a:off x="226712" y="4068077"/>
+            <a:ext cx="8070979" cy="1200329"/>
+          </a:xfrm>
+          <a:prstGeom prst="rect">
+            <a:avLst/>
+          </a:prstGeom>
+          <a:noFill/>
+        </p:spPr>
+        <p:txBody>
+          <a:bodyPr wrap="square" rtlCol="0">
+            <a:spAutoFit/>
+          </a:bodyPr>
+          <a:lstStyle/>
+          <a:p>
+            <a:r>
+              <a:rPr lang="zh-CN" altLang="en-US" b="1" dirty="0">
+                <a:latin typeface="仿宋" panose="02010609060101010101" pitchFamily="49" charset="-122"/>
+                <a:ea typeface="仿宋" panose="02010609060101010101" pitchFamily="49" charset="-122"/>
+              </a:rPr>
+              <a:t>假设和依赖关系</a:t>
+            </a:r>
+            <a:r>
+              <a:rPr lang="zh-CN" altLang="en-US" dirty="0">
+                <a:latin typeface="仿宋" panose="02010609060101010101" pitchFamily="49" charset="-122"/>
+                <a:ea typeface="仿宋" panose="02010609060101010101" pitchFamily="49" charset="-122"/>
+              </a:rPr>
+              <a:t>：本项目是一个网站，前端可能需要用到一些比较新的</a:t>
+            </a:r>
+            <a:r>
+              <a:rPr lang="en-US" altLang="zh-CN" dirty="0">
+                <a:latin typeface="仿宋" panose="02010609060101010101" pitchFamily="49" charset="-122"/>
+                <a:ea typeface="仿宋" panose="02010609060101010101" pitchFamily="49" charset="-122"/>
+              </a:rPr>
+              <a:t>html</a:t>
+            </a:r>
+            <a:r>
+              <a:rPr lang="zh-CN" altLang="en-US" dirty="0">
+                <a:latin typeface="仿宋" panose="02010609060101010101" pitchFamily="49" charset="-122"/>
+                <a:ea typeface="仿宋" panose="02010609060101010101" pitchFamily="49" charset="-122"/>
+              </a:rPr>
+              <a:t>技</a:t>
+            </a:r>
+            <a:r>
+              <a:rPr lang="en-US" altLang="zh-CN" dirty="0">
+                <a:latin typeface="仿宋" panose="02010609060101010101" pitchFamily="49" charset="-122"/>
+                <a:ea typeface="仿宋" panose="02010609060101010101" pitchFamily="49" charset="-122"/>
+              </a:rPr>
+              <a:t>		</a:t>
+            </a:r>
+            <a:r>
+              <a:rPr lang="zh-CN" altLang="en-US" dirty="0">
+                <a:latin typeface="仿宋" panose="02010609060101010101" pitchFamily="49" charset="-122"/>
+                <a:ea typeface="仿宋" panose="02010609060101010101" pitchFamily="49" charset="-122"/>
+              </a:rPr>
+              <a:t>术，在过老版本的浏览器中可能显示不出来，所以可能对用</a:t>
+            </a:r>
+            <a:r>
+              <a:rPr lang="en-US" altLang="zh-CN" dirty="0">
+                <a:latin typeface="仿宋" panose="02010609060101010101" pitchFamily="49" charset="-122"/>
+                <a:ea typeface="仿宋" panose="02010609060101010101" pitchFamily="49" charset="-122"/>
+              </a:rPr>
+              <a:t>		</a:t>
+            </a:r>
+            <a:r>
+              <a:rPr lang="zh-CN" altLang="en-US" dirty="0">
+                <a:latin typeface="仿宋" panose="02010609060101010101" pitchFamily="49" charset="-122"/>
+                <a:ea typeface="仿宋" panose="02010609060101010101" pitchFamily="49" charset="-122"/>
+              </a:rPr>
+              <a:t>户的浏览器</a:t>
+            </a:r>
+            <a:r>
+              <a:rPr lang="zh-CN" altLang="en-US" b="1" dirty="0">
+                <a:latin typeface="仿宋" panose="02010609060101010101" pitchFamily="49" charset="-122"/>
+                <a:ea typeface="仿宋" panose="02010609060101010101" pitchFamily="49" charset="-122"/>
+              </a:rPr>
+              <a:t>内核版本</a:t>
+            </a:r>
+            <a:r>
+              <a:rPr lang="zh-CN" altLang="en-US" dirty="0">
+                <a:latin typeface="仿宋" panose="02010609060101010101" pitchFamily="49" charset="-122"/>
+                <a:ea typeface="仿宋" panose="02010609060101010101" pitchFamily="49" charset="-122"/>
+              </a:rPr>
+              <a:t>有一定的要求，不过我们会尽量让主流</a:t>
+            </a:r>
+            <a:r>
+              <a:rPr lang="en-US" altLang="zh-CN" dirty="0">
+                <a:latin typeface="仿宋" panose="02010609060101010101" pitchFamily="49" charset="-122"/>
+                <a:ea typeface="仿宋" panose="02010609060101010101" pitchFamily="49" charset="-122"/>
+              </a:rPr>
+              <a:t>		</a:t>
+            </a:r>
+            <a:r>
+              <a:rPr lang="zh-CN" altLang="en-US" dirty="0">
+                <a:latin typeface="仿宋" panose="02010609060101010101" pitchFamily="49" charset="-122"/>
+                <a:ea typeface="仿宋" panose="02010609060101010101" pitchFamily="49" charset="-122"/>
+              </a:rPr>
+              <a:t>的浏览器内核可以运行我们的网站。</a:t>
+            </a:r>
+          </a:p>
+        </p:txBody>
+      </p:sp>
+      <p:sp>
+        <p:nvSpPr>
+          <p:cNvPr id="16" name="文本框 15">
+            <a:extLst>
+              <a:ext uri="{FF2B5EF4-FFF2-40B4-BE49-F238E27FC236}">
+                <a16:creationId xmlns:a16="http://schemas.microsoft.com/office/drawing/2014/main" id="{618843F1-DB6B-40AA-A63C-A5F4A372174B}"/>
+              </a:ext>
+            </a:extLst>
+          </p:cNvPr>
+          <p:cNvSpPr txBox="1"/>
+          <p:nvPr/>
+        </p:nvSpPr>
+        <p:spPr>
+          <a:xfrm>
+            <a:off x="226711" y="5374433"/>
+            <a:ext cx="8070979" cy="923330"/>
+          </a:xfrm>
+          <a:prstGeom prst="rect">
+            <a:avLst/>
+          </a:prstGeom>
+          <a:noFill/>
+        </p:spPr>
+        <p:txBody>
+          <a:bodyPr wrap="square" rtlCol="0">
+            <a:spAutoFit/>
+          </a:bodyPr>
+          <a:lstStyle/>
+          <a:p>
+            <a:r>
+              <a:rPr lang="zh-CN" altLang="en-US" b="1" dirty="0">
+                <a:latin typeface="仿宋" panose="02010609060101010101" pitchFamily="49" charset="-122"/>
+                <a:ea typeface="仿宋" panose="02010609060101010101" pitchFamily="49" charset="-122"/>
+              </a:rPr>
+              <a:t>      需求分配</a:t>
+            </a:r>
+            <a:r>
+              <a:rPr lang="zh-CN" altLang="en-US" dirty="0">
+                <a:latin typeface="仿宋" panose="02010609060101010101" pitchFamily="49" charset="-122"/>
+                <a:ea typeface="仿宋" panose="02010609060101010101" pitchFamily="49" charset="-122"/>
+              </a:rPr>
+              <a:t>：系统的基本需求是用户可以</a:t>
+            </a:r>
+            <a:r>
+              <a:rPr lang="zh-CN" altLang="en-US" b="1" dirty="0">
+                <a:latin typeface="仿宋" panose="02010609060101010101" pitchFamily="49" charset="-122"/>
+                <a:ea typeface="仿宋" panose="02010609060101010101" pitchFamily="49" charset="-122"/>
+              </a:rPr>
+              <a:t>发表白贴和浏览表白贴</a:t>
+            </a:r>
+            <a:r>
+              <a:rPr lang="zh-CN" altLang="en-US" dirty="0">
+                <a:latin typeface="仿宋" panose="02010609060101010101" pitchFamily="49" charset="-122"/>
+                <a:ea typeface="仿宋" panose="02010609060101010101" pitchFamily="49" charset="-122"/>
+              </a:rPr>
+              <a:t>，在后续</a:t>
+            </a:r>
+            <a:r>
+              <a:rPr lang="en-US" altLang="zh-CN" dirty="0">
+                <a:latin typeface="仿宋" panose="02010609060101010101" pitchFamily="49" charset="-122"/>
+                <a:ea typeface="仿宋" panose="02010609060101010101" pitchFamily="49" charset="-122"/>
+              </a:rPr>
+              <a:t>		</a:t>
+            </a:r>
+            <a:r>
+              <a:rPr lang="zh-CN" altLang="en-US" dirty="0">
+                <a:latin typeface="仿宋" panose="02010609060101010101" pitchFamily="49" charset="-122"/>
+                <a:ea typeface="仿宋" panose="02010609060101010101" pitchFamily="49" charset="-122"/>
+              </a:rPr>
+              <a:t>版本我们可能会加入更多的表白贴样式供用户选择，同时进</a:t>
+            </a:r>
+            <a:r>
+              <a:rPr lang="en-US" altLang="zh-CN" dirty="0">
+                <a:latin typeface="仿宋" panose="02010609060101010101" pitchFamily="49" charset="-122"/>
+                <a:ea typeface="仿宋" panose="02010609060101010101" pitchFamily="49" charset="-122"/>
+              </a:rPr>
+              <a:t>		</a:t>
+            </a:r>
+            <a:r>
+              <a:rPr lang="zh-CN" altLang="en-US" dirty="0">
+                <a:latin typeface="仿宋" panose="02010609060101010101" pitchFamily="49" charset="-122"/>
+                <a:ea typeface="仿宋" panose="02010609060101010101" pitchFamily="49" charset="-122"/>
+              </a:rPr>
+              <a:t>一步加强页面的观赏性</a:t>
+            </a:r>
+          </a:p>
+        </p:txBody>
+      </p:sp>
     </p:spTree>
     <p:extLst>
       <p:ext uri="{BB962C8B-B14F-4D97-AF65-F5344CB8AC3E}">
-        <p14:creationId xmlns:p14="http://schemas.microsoft.com/office/powerpoint/2010/main" val="2223797339"/>
+        <p14:creationId xmlns:p14="http://schemas.microsoft.com/office/powerpoint/2010/main" val="769166576"/>
       </p:ext>
     </p:extLst>
   </p:cSld>
@@ -20225,7 +22089,7 @@
                 <a:latin typeface="Noto Sans S Chinese Light" panose="020B0300000000000000" pitchFamily="34" charset="-122"/>
                 <a:ea typeface="Noto Sans S Chinese Light" panose="020B0300000000000000" pitchFamily="34" charset="-122"/>
               </a:rPr>
-              <a:t>产品描述</a:t>
+              <a:t>产品功能</a:t>
             </a:r>
             <a:endParaRPr lang="en-US" altLang="zh-CN" sz="3687" dirty="0">
               <a:solidFill>
@@ -20240,524 +22104,40 @@
           </a:p>
         </p:txBody>
       </p:sp>
-      <p:sp>
-        <p:nvSpPr>
-          <p:cNvPr id="4" name="文本框 3">
+      <p:pic>
+        <p:nvPicPr>
+          <p:cNvPr id="3" name="图片 2">
             <a:extLst>
               <a:ext uri="{FF2B5EF4-FFF2-40B4-BE49-F238E27FC236}">
-                <a16:creationId xmlns:a16="http://schemas.microsoft.com/office/drawing/2014/main" id="{3C4653B4-3989-43F0-BC43-CC3A9FEBDB68}"/>
+                <a16:creationId xmlns:a16="http://schemas.microsoft.com/office/drawing/2014/main" id="{EB644737-0BFC-4C92-9EFC-1CE178A8E944}"/>
               </a:ext>
             </a:extLst>
           </p:cNvPr>
-          <p:cNvSpPr txBox="1"/>
+          <p:cNvPicPr>
+            <a:picLocks noChangeAspect="1"/>
+          </p:cNvPicPr>
           <p:nvPr/>
-        </p:nvSpPr>
+        </p:nvPicPr>
+        <p:blipFill>
+          <a:blip r:embed="rId4"/>
+          <a:stretch>
+            <a:fillRect/>
+          </a:stretch>
+        </p:blipFill>
         <p:spPr>
           <a:xfrm>
-            <a:off x="1035698" y="1464906"/>
-            <a:ext cx="8070979" cy="369332"/>
+            <a:off x="2810464" y="902679"/>
+            <a:ext cx="6320775" cy="5458519"/>
           </a:xfrm>
           <a:prstGeom prst="rect">
             <a:avLst/>
           </a:prstGeom>
-          <a:noFill/>
         </p:spPr>
-        <p:txBody>
-          <a:bodyPr wrap="square" rtlCol="0">
-            <a:spAutoFit/>
-          </a:bodyPr>
-          <a:lstStyle/>
-          <a:p>
-            <a:r>
-              <a:rPr lang="zh-CN" altLang="en-US" b="1" dirty="0">
-                <a:latin typeface="仿宋" panose="02010609060101010101" pitchFamily="49" charset="-122"/>
-                <a:ea typeface="仿宋" panose="02010609060101010101" pitchFamily="49" charset="-122"/>
-              </a:rPr>
-              <a:t>用户特点</a:t>
-            </a:r>
-            <a:r>
-              <a:rPr lang="zh-CN" altLang="en-US" dirty="0">
-                <a:latin typeface="仿宋" panose="02010609060101010101" pitchFamily="49" charset="-122"/>
-                <a:ea typeface="仿宋" panose="02010609060101010101" pitchFamily="49" charset="-122"/>
-              </a:rPr>
-              <a:t>：本项目的主要使用用户为在校的</a:t>
-            </a:r>
-            <a:r>
-              <a:rPr lang="zh-CN" altLang="en-US" b="1" dirty="0">
-                <a:latin typeface="仿宋" panose="02010609060101010101" pitchFamily="49" charset="-122"/>
-                <a:ea typeface="仿宋" panose="02010609060101010101" pitchFamily="49" charset="-122"/>
-              </a:rPr>
-              <a:t>大学生</a:t>
-            </a:r>
-          </a:p>
-        </p:txBody>
-      </p:sp>
-      <p:sp>
-        <p:nvSpPr>
-          <p:cNvPr id="14" name="文本框 13">
-            <a:extLst>
-              <a:ext uri="{FF2B5EF4-FFF2-40B4-BE49-F238E27FC236}">
-                <a16:creationId xmlns:a16="http://schemas.microsoft.com/office/drawing/2014/main" id="{F5F32611-8D63-42F1-A4CD-E1184C7232C2}"/>
-              </a:ext>
-            </a:extLst>
-          </p:cNvPr>
-          <p:cNvSpPr txBox="1"/>
-          <p:nvPr/>
-        </p:nvSpPr>
-        <p:spPr>
-          <a:xfrm>
-            <a:off x="1035698" y="2027853"/>
-            <a:ext cx="8070979" cy="2308324"/>
-          </a:xfrm>
-          <a:prstGeom prst="rect">
-            <a:avLst/>
-          </a:prstGeom>
-          <a:noFill/>
-        </p:spPr>
-        <p:txBody>
-          <a:bodyPr wrap="square" rtlCol="0">
-            <a:spAutoFit/>
-          </a:bodyPr>
-          <a:lstStyle/>
-          <a:p>
-            <a:r>
-              <a:rPr lang="zh-CN" altLang="en-US" b="1" dirty="0">
-                <a:latin typeface="仿宋" panose="02010609060101010101" pitchFamily="49" charset="-122"/>
-                <a:ea typeface="仿宋" panose="02010609060101010101" pitchFamily="49" charset="-122"/>
-              </a:rPr>
-              <a:t>    约束</a:t>
-            </a:r>
-            <a:r>
-              <a:rPr lang="zh-CN" altLang="en-US" dirty="0">
-                <a:latin typeface="仿宋" panose="02010609060101010101" pitchFamily="49" charset="-122"/>
-                <a:ea typeface="仿宋" panose="02010609060101010101" pitchFamily="49" charset="-122"/>
-              </a:rPr>
-              <a:t>：</a:t>
-            </a:r>
-            <a:r>
-              <a:rPr lang="en-US" altLang="zh-CN" dirty="0">
-                <a:latin typeface="仿宋" panose="02010609060101010101" pitchFamily="49" charset="-122"/>
-                <a:ea typeface="仿宋" panose="02010609060101010101" pitchFamily="49" charset="-122"/>
-              </a:rPr>
-              <a:t>1.</a:t>
-            </a:r>
-            <a:r>
-              <a:rPr lang="zh-CN" altLang="en-US" dirty="0">
-                <a:latin typeface="仿宋" panose="02010609060101010101" pitchFamily="49" charset="-122"/>
-                <a:ea typeface="仿宋" panose="02010609060101010101" pitchFamily="49" charset="-122"/>
-              </a:rPr>
-              <a:t>系统用户必须为</a:t>
-            </a:r>
-            <a:r>
-              <a:rPr lang="zh-CN" altLang="en-US" b="1" dirty="0">
-                <a:latin typeface="仿宋" panose="02010609060101010101" pitchFamily="49" charset="-122"/>
-                <a:ea typeface="仿宋" panose="02010609060101010101" pitchFamily="49" charset="-122"/>
-              </a:rPr>
-              <a:t>城院实际学生</a:t>
-            </a:r>
-            <a:r>
-              <a:rPr lang="zh-CN" altLang="en-US" dirty="0">
-                <a:latin typeface="仿宋" panose="02010609060101010101" pitchFamily="49" charset="-122"/>
-                <a:ea typeface="仿宋" panose="02010609060101010101" pitchFamily="49" charset="-122"/>
-              </a:rPr>
-              <a:t>（通过邮箱认证）；</a:t>
-            </a:r>
-          </a:p>
-          <a:p>
-            <a:r>
-              <a:rPr lang="zh-CN" altLang="en-US" dirty="0">
-                <a:latin typeface="仿宋" panose="02010609060101010101" pitchFamily="49" charset="-122"/>
-                <a:ea typeface="仿宋" panose="02010609060101010101" pitchFamily="49" charset="-122"/>
-              </a:rPr>
-              <a:t>          </a:t>
-            </a:r>
-            <a:r>
-              <a:rPr lang="en-US" altLang="zh-CN" dirty="0">
-                <a:latin typeface="仿宋" panose="02010609060101010101" pitchFamily="49" charset="-122"/>
-                <a:ea typeface="仿宋" panose="02010609060101010101" pitchFamily="49" charset="-122"/>
-              </a:rPr>
-              <a:t>2.</a:t>
-            </a:r>
-            <a:r>
-              <a:rPr lang="zh-CN" altLang="en-US" dirty="0">
-                <a:latin typeface="仿宋" panose="02010609060101010101" pitchFamily="49" charset="-122"/>
-                <a:ea typeface="仿宋" panose="02010609060101010101" pitchFamily="49" charset="-122"/>
-              </a:rPr>
-              <a:t>小组成员在项目开发的过程中要遵循相关的</a:t>
-            </a:r>
-            <a:r>
-              <a:rPr lang="zh-CN" altLang="en-US" b="1" dirty="0">
-                <a:latin typeface="仿宋" panose="02010609060101010101" pitchFamily="49" charset="-122"/>
-                <a:ea typeface="仿宋" panose="02010609060101010101" pitchFamily="49" charset="-122"/>
-              </a:rPr>
-              <a:t>法律法规</a:t>
-            </a:r>
-            <a:r>
-              <a:rPr lang="zh-CN" altLang="en-US" dirty="0">
-                <a:latin typeface="仿宋" panose="02010609060101010101" pitchFamily="49" charset="-122"/>
-                <a:ea typeface="仿宋" panose="02010609060101010101" pitchFamily="49" charset="-122"/>
-              </a:rPr>
-              <a:t>；</a:t>
-            </a:r>
-          </a:p>
-          <a:p>
-            <a:r>
-              <a:rPr lang="zh-CN" altLang="en-US" dirty="0">
-                <a:latin typeface="仿宋" panose="02010609060101010101" pitchFamily="49" charset="-122"/>
-                <a:ea typeface="仿宋" panose="02010609060101010101" pitchFamily="49" charset="-122"/>
-              </a:rPr>
-              <a:t>          </a:t>
-            </a:r>
-            <a:r>
-              <a:rPr lang="en-US" altLang="zh-CN" dirty="0">
-                <a:latin typeface="仿宋" panose="02010609060101010101" pitchFamily="49" charset="-122"/>
-                <a:ea typeface="仿宋" panose="02010609060101010101" pitchFamily="49" charset="-122"/>
-              </a:rPr>
-              <a:t>3.</a:t>
-            </a:r>
-            <a:r>
-              <a:rPr lang="zh-CN" altLang="en-US" dirty="0">
-                <a:latin typeface="仿宋" panose="02010609060101010101" pitchFamily="49" charset="-122"/>
-                <a:ea typeface="仿宋" panose="02010609060101010101" pitchFamily="49" charset="-122"/>
-              </a:rPr>
-              <a:t>本系统网站与数据库前、后端交互，于此我们首选</a:t>
-            </a:r>
-            <a:r>
-              <a:rPr lang="en-US" altLang="zh-CN" dirty="0">
-                <a:latin typeface="仿宋" panose="02010609060101010101" pitchFamily="49" charset="-122"/>
-                <a:ea typeface="仿宋" panose="02010609060101010101" pitchFamily="49" charset="-122"/>
-              </a:rPr>
-              <a:t>Vue</a:t>
-            </a:r>
-            <a:r>
-              <a:rPr lang="zh-CN" altLang="en-US" dirty="0">
-                <a:latin typeface="仿宋" panose="02010609060101010101" pitchFamily="49" charset="-122"/>
-                <a:ea typeface="仿宋" panose="02010609060101010101" pitchFamily="49" charset="-122"/>
-              </a:rPr>
-              <a:t>、 </a:t>
-            </a:r>
-            <a:r>
-              <a:rPr lang="en-US" altLang="zh-CN" dirty="0">
-                <a:latin typeface="仿宋" panose="02010609060101010101" pitchFamily="49" charset="-122"/>
-                <a:ea typeface="仿宋" panose="02010609060101010101" pitchFamily="49" charset="-122"/>
-              </a:rPr>
-              <a:t>	 	    springboot</a:t>
-            </a:r>
-            <a:r>
-              <a:rPr lang="zh-CN" altLang="en-US" dirty="0">
-                <a:latin typeface="仿宋" panose="02010609060101010101" pitchFamily="49" charset="-122"/>
-                <a:ea typeface="仿宋" panose="02010609060101010101" pitchFamily="49" charset="-122"/>
-              </a:rPr>
-              <a:t>、</a:t>
-            </a:r>
-            <a:r>
-              <a:rPr lang="en-US" altLang="zh-CN" dirty="0">
-                <a:latin typeface="仿宋" panose="02010609060101010101" pitchFamily="49" charset="-122"/>
-                <a:ea typeface="仿宋" panose="02010609060101010101" pitchFamily="49" charset="-122"/>
-              </a:rPr>
-              <a:t>PHP</a:t>
-            </a:r>
-            <a:r>
-              <a:rPr lang="zh-CN" altLang="en-US" dirty="0">
-                <a:latin typeface="仿宋" panose="02010609060101010101" pitchFamily="49" charset="-122"/>
-                <a:ea typeface="仿宋" panose="02010609060101010101" pitchFamily="49" charset="-122"/>
-              </a:rPr>
-              <a:t>、</a:t>
-            </a:r>
-            <a:r>
-              <a:rPr lang="en-US" altLang="zh-CN" dirty="0">
-                <a:latin typeface="仿宋" panose="02010609060101010101" pitchFamily="49" charset="-122"/>
-                <a:ea typeface="仿宋" panose="02010609060101010101" pitchFamily="49" charset="-122"/>
-              </a:rPr>
-              <a:t>HBuilder</a:t>
-            </a:r>
-            <a:r>
-              <a:rPr lang="zh-CN" altLang="en-US" dirty="0">
-                <a:latin typeface="仿宋" panose="02010609060101010101" pitchFamily="49" charset="-122"/>
-                <a:ea typeface="仿宋" panose="02010609060101010101" pitchFamily="49" charset="-122"/>
-              </a:rPr>
-              <a:t>等工具开发网站；</a:t>
-            </a:r>
-          </a:p>
-          <a:p>
-            <a:r>
-              <a:rPr lang="zh-CN" altLang="en-US" dirty="0">
-                <a:latin typeface="仿宋" panose="02010609060101010101" pitchFamily="49" charset="-122"/>
-                <a:ea typeface="仿宋" panose="02010609060101010101" pitchFamily="49" charset="-122"/>
-              </a:rPr>
-              <a:t>          </a:t>
-            </a:r>
-            <a:r>
-              <a:rPr lang="en-US" altLang="zh-CN" dirty="0">
-                <a:latin typeface="仿宋" panose="02010609060101010101" pitchFamily="49" charset="-122"/>
-                <a:ea typeface="仿宋" panose="02010609060101010101" pitchFamily="49" charset="-122"/>
-              </a:rPr>
-              <a:t>4.</a:t>
-            </a:r>
-            <a:r>
-              <a:rPr lang="zh-CN" altLang="en-US" dirty="0">
-                <a:latin typeface="仿宋" panose="02010609060101010101" pitchFamily="49" charset="-122"/>
-                <a:ea typeface="仿宋" panose="02010609060101010101" pitchFamily="49" charset="-122"/>
-              </a:rPr>
-              <a:t>要严格保护用户的隐私，同时对用户的帖子内容管理员要进行严</a:t>
-            </a:r>
-            <a:r>
-              <a:rPr lang="en-US" altLang="zh-CN" dirty="0">
-                <a:latin typeface="仿宋" panose="02010609060101010101" pitchFamily="49" charset="-122"/>
-                <a:ea typeface="仿宋" panose="02010609060101010101" pitchFamily="49" charset="-122"/>
-              </a:rPr>
-              <a:t>	    </a:t>
-            </a:r>
-            <a:r>
-              <a:rPr lang="zh-CN" altLang="en-US" dirty="0">
-                <a:latin typeface="仿宋" panose="02010609060101010101" pitchFamily="49" charset="-122"/>
-                <a:ea typeface="仿宋" panose="02010609060101010101" pitchFamily="49" charset="-122"/>
-              </a:rPr>
-              <a:t>格的</a:t>
-            </a:r>
-            <a:r>
-              <a:rPr lang="zh-CN" altLang="en-US" b="1" dirty="0">
-                <a:latin typeface="仿宋" panose="02010609060101010101" pitchFamily="49" charset="-122"/>
-                <a:ea typeface="仿宋" panose="02010609060101010101" pitchFamily="49" charset="-122"/>
-              </a:rPr>
-              <a:t>审查</a:t>
-            </a:r>
-            <a:r>
-              <a:rPr lang="zh-CN" altLang="en-US" dirty="0">
-                <a:latin typeface="仿宋" panose="02010609060101010101" pitchFamily="49" charset="-122"/>
-                <a:ea typeface="仿宋" panose="02010609060101010101" pitchFamily="49" charset="-122"/>
-              </a:rPr>
-              <a:t>，如有不当的发帖行为管理员有权利对用户进行封禁和</a:t>
-            </a:r>
-            <a:r>
-              <a:rPr lang="en-US" altLang="zh-CN" dirty="0">
-                <a:latin typeface="仿宋" panose="02010609060101010101" pitchFamily="49" charset="-122"/>
-                <a:ea typeface="仿宋" panose="02010609060101010101" pitchFamily="49" charset="-122"/>
-              </a:rPr>
-              <a:t>	    </a:t>
-            </a:r>
-            <a:r>
-              <a:rPr lang="zh-CN" altLang="en-US" dirty="0">
-                <a:latin typeface="仿宋" panose="02010609060101010101" pitchFamily="49" charset="-122"/>
-                <a:ea typeface="仿宋" panose="02010609060101010101" pitchFamily="49" charset="-122"/>
-              </a:rPr>
-              <a:t>禁言处理。</a:t>
-            </a:r>
-          </a:p>
-          <a:p>
-            <a:endParaRPr lang="zh-CN" altLang="en-US" dirty="0">
-              <a:latin typeface="仿宋" panose="02010609060101010101" pitchFamily="49" charset="-122"/>
-              <a:ea typeface="仿宋" panose="02010609060101010101" pitchFamily="49" charset="-122"/>
-            </a:endParaRPr>
-          </a:p>
-        </p:txBody>
-      </p:sp>
-      <p:sp>
-        <p:nvSpPr>
-          <p:cNvPr id="15" name="文本框 14">
-            <a:extLst>
-              <a:ext uri="{FF2B5EF4-FFF2-40B4-BE49-F238E27FC236}">
-                <a16:creationId xmlns:a16="http://schemas.microsoft.com/office/drawing/2014/main" id="{E018AAC6-A096-4F8C-872D-F7E6E3F11843}"/>
-              </a:ext>
-            </a:extLst>
-          </p:cNvPr>
-          <p:cNvSpPr txBox="1"/>
-          <p:nvPr/>
-        </p:nvSpPr>
-        <p:spPr>
-          <a:xfrm>
-            <a:off x="226712" y="4068077"/>
-            <a:ext cx="8070979" cy="1200329"/>
-          </a:xfrm>
-          <a:prstGeom prst="rect">
-            <a:avLst/>
-          </a:prstGeom>
-          <a:noFill/>
-        </p:spPr>
-        <p:txBody>
-          <a:bodyPr wrap="square" rtlCol="0">
-            <a:spAutoFit/>
-          </a:bodyPr>
-          <a:lstStyle/>
-          <a:p>
-            <a:r>
-              <a:rPr lang="zh-CN" altLang="en-US" b="1" dirty="0">
-                <a:latin typeface="仿宋" panose="02010609060101010101" pitchFamily="49" charset="-122"/>
-                <a:ea typeface="仿宋" panose="02010609060101010101" pitchFamily="49" charset="-122"/>
-              </a:rPr>
-              <a:t>假设和依赖关系</a:t>
-            </a:r>
-            <a:r>
-              <a:rPr lang="zh-CN" altLang="en-US" dirty="0">
-                <a:latin typeface="仿宋" panose="02010609060101010101" pitchFamily="49" charset="-122"/>
-                <a:ea typeface="仿宋" panose="02010609060101010101" pitchFamily="49" charset="-122"/>
-              </a:rPr>
-              <a:t>：本项目是一个网站，前端可能需要用到一些比较新的</a:t>
-            </a:r>
-            <a:r>
-              <a:rPr lang="en-US" altLang="zh-CN" dirty="0">
-                <a:latin typeface="仿宋" panose="02010609060101010101" pitchFamily="49" charset="-122"/>
-                <a:ea typeface="仿宋" panose="02010609060101010101" pitchFamily="49" charset="-122"/>
-              </a:rPr>
-              <a:t>html</a:t>
-            </a:r>
-            <a:r>
-              <a:rPr lang="zh-CN" altLang="en-US" dirty="0">
-                <a:latin typeface="仿宋" panose="02010609060101010101" pitchFamily="49" charset="-122"/>
-                <a:ea typeface="仿宋" panose="02010609060101010101" pitchFamily="49" charset="-122"/>
-              </a:rPr>
-              <a:t>技</a:t>
-            </a:r>
-            <a:r>
-              <a:rPr lang="en-US" altLang="zh-CN" dirty="0">
-                <a:latin typeface="仿宋" panose="02010609060101010101" pitchFamily="49" charset="-122"/>
-                <a:ea typeface="仿宋" panose="02010609060101010101" pitchFamily="49" charset="-122"/>
-              </a:rPr>
-              <a:t>		</a:t>
-            </a:r>
-            <a:r>
-              <a:rPr lang="zh-CN" altLang="en-US" dirty="0">
-                <a:latin typeface="仿宋" panose="02010609060101010101" pitchFamily="49" charset="-122"/>
-                <a:ea typeface="仿宋" panose="02010609060101010101" pitchFamily="49" charset="-122"/>
-              </a:rPr>
-              <a:t>术，在过老版本的浏览器中可能显示不出来，所以可能对用</a:t>
-            </a:r>
-            <a:r>
-              <a:rPr lang="en-US" altLang="zh-CN" dirty="0">
-                <a:latin typeface="仿宋" panose="02010609060101010101" pitchFamily="49" charset="-122"/>
-                <a:ea typeface="仿宋" panose="02010609060101010101" pitchFamily="49" charset="-122"/>
-              </a:rPr>
-              <a:t>		</a:t>
-            </a:r>
-            <a:r>
-              <a:rPr lang="zh-CN" altLang="en-US" dirty="0">
-                <a:latin typeface="仿宋" panose="02010609060101010101" pitchFamily="49" charset="-122"/>
-                <a:ea typeface="仿宋" panose="02010609060101010101" pitchFamily="49" charset="-122"/>
-              </a:rPr>
-              <a:t>户的浏览器</a:t>
-            </a:r>
-            <a:r>
-              <a:rPr lang="zh-CN" altLang="en-US" b="1" dirty="0">
-                <a:latin typeface="仿宋" panose="02010609060101010101" pitchFamily="49" charset="-122"/>
-                <a:ea typeface="仿宋" panose="02010609060101010101" pitchFamily="49" charset="-122"/>
-              </a:rPr>
-              <a:t>内核版本</a:t>
-            </a:r>
-            <a:r>
-              <a:rPr lang="zh-CN" altLang="en-US" dirty="0">
-                <a:latin typeface="仿宋" panose="02010609060101010101" pitchFamily="49" charset="-122"/>
-                <a:ea typeface="仿宋" panose="02010609060101010101" pitchFamily="49" charset="-122"/>
-              </a:rPr>
-              <a:t>有一定的要求，不过我们会尽量让主流</a:t>
-            </a:r>
-            <a:r>
-              <a:rPr lang="en-US" altLang="zh-CN" dirty="0">
-                <a:latin typeface="仿宋" panose="02010609060101010101" pitchFamily="49" charset="-122"/>
-                <a:ea typeface="仿宋" panose="02010609060101010101" pitchFamily="49" charset="-122"/>
-              </a:rPr>
-              <a:t>		</a:t>
-            </a:r>
-            <a:r>
-              <a:rPr lang="zh-CN" altLang="en-US" dirty="0">
-                <a:latin typeface="仿宋" panose="02010609060101010101" pitchFamily="49" charset="-122"/>
-                <a:ea typeface="仿宋" panose="02010609060101010101" pitchFamily="49" charset="-122"/>
-              </a:rPr>
-              <a:t>的浏览器内核可以运行我们的网站。</a:t>
-            </a:r>
-          </a:p>
-        </p:txBody>
-      </p:sp>
-      <p:sp>
-        <p:nvSpPr>
-          <p:cNvPr id="16" name="文本框 15">
-            <a:extLst>
-              <a:ext uri="{FF2B5EF4-FFF2-40B4-BE49-F238E27FC236}">
-                <a16:creationId xmlns:a16="http://schemas.microsoft.com/office/drawing/2014/main" id="{618843F1-DB6B-40AA-A63C-A5F4A372174B}"/>
-              </a:ext>
-            </a:extLst>
-          </p:cNvPr>
-          <p:cNvSpPr txBox="1"/>
-          <p:nvPr/>
-        </p:nvSpPr>
-        <p:spPr>
-          <a:xfrm>
-            <a:off x="226711" y="5374433"/>
-            <a:ext cx="8070979" cy="923330"/>
-          </a:xfrm>
-          <a:prstGeom prst="rect">
-            <a:avLst/>
-          </a:prstGeom>
-          <a:noFill/>
-        </p:spPr>
-        <p:txBody>
-          <a:bodyPr wrap="square" rtlCol="0">
-            <a:spAutoFit/>
-          </a:bodyPr>
-          <a:lstStyle/>
-          <a:p>
-            <a:r>
-              <a:rPr lang="zh-CN" altLang="en-US" b="1" dirty="0">
-                <a:latin typeface="仿宋" panose="02010609060101010101" pitchFamily="49" charset="-122"/>
-                <a:ea typeface="仿宋" panose="02010609060101010101" pitchFamily="49" charset="-122"/>
-              </a:rPr>
-              <a:t>      需求分配</a:t>
-            </a:r>
-            <a:r>
-              <a:rPr lang="zh-CN" altLang="en-US" dirty="0">
-                <a:latin typeface="仿宋" panose="02010609060101010101" pitchFamily="49" charset="-122"/>
-                <a:ea typeface="仿宋" panose="02010609060101010101" pitchFamily="49" charset="-122"/>
-              </a:rPr>
-              <a:t>：系统的基本需求是用户可以</a:t>
-            </a:r>
-            <a:r>
-              <a:rPr lang="zh-CN" altLang="en-US" b="1" dirty="0">
-                <a:latin typeface="仿宋" panose="02010609060101010101" pitchFamily="49" charset="-122"/>
-                <a:ea typeface="仿宋" panose="02010609060101010101" pitchFamily="49" charset="-122"/>
-              </a:rPr>
-              <a:t>发表白贴和浏览表白贴</a:t>
-            </a:r>
-            <a:r>
-              <a:rPr lang="zh-CN" altLang="en-US" dirty="0">
-                <a:latin typeface="仿宋" panose="02010609060101010101" pitchFamily="49" charset="-122"/>
-                <a:ea typeface="仿宋" panose="02010609060101010101" pitchFamily="49" charset="-122"/>
-              </a:rPr>
-              <a:t>，在后续</a:t>
-            </a:r>
-            <a:r>
-              <a:rPr lang="en-US" altLang="zh-CN" dirty="0">
-                <a:latin typeface="仿宋" panose="02010609060101010101" pitchFamily="49" charset="-122"/>
-                <a:ea typeface="仿宋" panose="02010609060101010101" pitchFamily="49" charset="-122"/>
-              </a:rPr>
-              <a:t>		</a:t>
-            </a:r>
-            <a:r>
-              <a:rPr lang="zh-CN" altLang="en-US" dirty="0">
-                <a:latin typeface="仿宋" panose="02010609060101010101" pitchFamily="49" charset="-122"/>
-                <a:ea typeface="仿宋" panose="02010609060101010101" pitchFamily="49" charset="-122"/>
-              </a:rPr>
-              <a:t>版本我们可能会加入更多的表白贴样式供用户选择，同时进</a:t>
-            </a:r>
-            <a:r>
-              <a:rPr lang="en-US" altLang="zh-CN" dirty="0">
-                <a:latin typeface="仿宋" panose="02010609060101010101" pitchFamily="49" charset="-122"/>
-                <a:ea typeface="仿宋" panose="02010609060101010101" pitchFamily="49" charset="-122"/>
-              </a:rPr>
-              <a:t>		</a:t>
-            </a:r>
-            <a:r>
-              <a:rPr lang="zh-CN" altLang="en-US" dirty="0">
-                <a:latin typeface="仿宋" panose="02010609060101010101" pitchFamily="49" charset="-122"/>
-                <a:ea typeface="仿宋" panose="02010609060101010101" pitchFamily="49" charset="-122"/>
-              </a:rPr>
-              <a:t>一步加强页面的观赏性</a:t>
-            </a:r>
-          </a:p>
-        </p:txBody>
-      </p:sp>
+      </p:pic>
     </p:spTree>
     <p:extLst>
       <p:ext uri="{BB962C8B-B14F-4D97-AF65-F5344CB8AC3E}">
-        <p14:creationId xmlns:p14="http://schemas.microsoft.com/office/powerpoint/2010/main" val="769166576"/>
+        <p14:creationId xmlns:p14="http://schemas.microsoft.com/office/powerpoint/2010/main" val="2223797339"/>
       </p:ext>
     </p:extLst>
   </p:cSld>
@@ -20798,632 +22178,67 @@
       </p:grpSpPr>
       <p:sp>
         <p:nvSpPr>
-          <p:cNvPr id="9" name="矩形 8">
+          <p:cNvPr id="2" name="文本框 1">
             <a:extLst>
               <a:ext uri="{FF2B5EF4-FFF2-40B4-BE49-F238E27FC236}">
-                <a16:creationId xmlns:a16="http://schemas.microsoft.com/office/drawing/2014/main" id="{D25DF643-1448-4FE0-B3E8-30157E2DF971}"/>
+                <a16:creationId xmlns:a16="http://schemas.microsoft.com/office/drawing/2014/main" id="{CE29DA4A-D434-4DCC-924A-991912B5019F}"/>
               </a:ext>
             </a:extLst>
           </p:cNvPr>
-          <p:cNvSpPr/>
+          <p:cNvSpPr txBox="1"/>
           <p:nvPr/>
         </p:nvSpPr>
         <p:spPr>
           <a:xfrm>
-            <a:off x="0" y="0"/>
-            <a:ext cx="12192000" cy="6858000"/>
+            <a:off x="555346" y="496802"/>
+            <a:ext cx="3149388" cy="659732"/>
           </a:xfrm>
           <a:prstGeom prst="rect">
             <a:avLst/>
           </a:prstGeom>
-          <a:solidFill>
-            <a:srgbClr val="FDE6BD"/>
-          </a:solidFill>
-          <a:ln>
-            <a:noFill/>
-          </a:ln>
+          <a:noFill/>
         </p:spPr>
-        <p:style>
-          <a:lnRef idx="2">
-            <a:schemeClr val="accent1">
-              <a:shade val="50000"/>
-            </a:schemeClr>
-          </a:lnRef>
-          <a:fillRef idx="1">
-            <a:schemeClr val="accent1"/>
-          </a:fillRef>
-          <a:effectRef idx="0">
-            <a:schemeClr val="accent1"/>
-          </a:effectRef>
-          <a:fontRef idx="minor">
-            <a:schemeClr val="lt1"/>
-          </a:fontRef>
-        </p:style>
         <p:txBody>
-          <a:bodyPr rtlCol="0" anchor="ctr"/>
+          <a:bodyPr wrap="square" rtlCol="0">
+            <a:spAutoFit/>
+          </a:bodyPr>
           <a:lstStyle/>
           <a:p>
-            <a:pPr algn="ctr"/>
-            <a:endParaRPr lang="zh-CN" altLang="en-US"/>
+            <a:pPr eaLnBrk="0" hangingPunct="0">
+              <a:defRPr/>
+            </a:pPr>
+            <a:r>
+              <a:rPr lang="zh-CN" altLang="en-US" sz="3687" dirty="0">
+                <a:solidFill>
+                  <a:schemeClr val="tx1">
+                    <a:lumMod val="85000"/>
+                    <a:lumOff val="15000"/>
+                  </a:schemeClr>
+                </a:solidFill>
+                <a:latin typeface="Noto Sans S Chinese Light" panose="020B0300000000000000" pitchFamily="34" charset="-122"/>
+                <a:ea typeface="Noto Sans S Chinese Light" panose="020B0300000000000000" pitchFamily="34" charset="-122"/>
+              </a:rPr>
+              <a:t>功能需求</a:t>
+            </a:r>
+            <a:endParaRPr lang="en-US" altLang="zh-CN" sz="3687" dirty="0">
+              <a:solidFill>
+                <a:schemeClr val="tx1">
+                  <a:lumMod val="85000"/>
+                  <a:lumOff val="15000"/>
+                </a:schemeClr>
+              </a:solidFill>
+              <a:latin typeface="Noto Sans S Chinese Light" panose="020B0300000000000000" pitchFamily="34" charset="-122"/>
+              <a:ea typeface="Noto Sans S Chinese Light" panose="020B0300000000000000" pitchFamily="34" charset="-122"/>
+            </a:endParaRPr>
           </a:p>
         </p:txBody>
       </p:sp>
-      <p:sp>
-        <p:nvSpPr>
-          <p:cNvPr id="2" name="矩形 1">
+      <p:pic>
+        <p:nvPicPr>
+          <p:cNvPr id="3" name="图片 2">
             <a:extLst>
               <a:ext uri="{FF2B5EF4-FFF2-40B4-BE49-F238E27FC236}">
-                <a16:creationId xmlns:a16="http://schemas.microsoft.com/office/drawing/2014/main" id="{0D196905-CB7F-4474-BD1F-8044FBBFAEE7}"/>
-              </a:ext>
-            </a:extLst>
-          </p:cNvPr>
-          <p:cNvSpPr/>
-          <p:nvPr/>
-        </p:nvSpPr>
-        <p:spPr>
-          <a:xfrm>
-            <a:off x="5107709" y="323851"/>
-            <a:ext cx="6598516" cy="6289386"/>
-          </a:xfrm>
-          <a:prstGeom prst="rect">
-            <a:avLst/>
-          </a:prstGeom>
-          <a:solidFill>
-            <a:srgbClr val="F6F6F6"/>
-          </a:solidFill>
-          <a:ln>
-            <a:noFill/>
-          </a:ln>
-          <a:effectLst>
-            <a:innerShdw blurRad="114300">
-              <a:prstClr val="black"/>
-            </a:innerShdw>
-          </a:effectLst>
-        </p:spPr>
-        <p:style>
-          <a:lnRef idx="2">
-            <a:schemeClr val="accent1">
-              <a:shade val="50000"/>
-            </a:schemeClr>
-          </a:lnRef>
-          <a:fillRef idx="1">
-            <a:schemeClr val="accent1"/>
-          </a:fillRef>
-          <a:effectRef idx="0">
-            <a:schemeClr val="accent1"/>
-          </a:effectRef>
-          <a:fontRef idx="minor">
-            <a:schemeClr val="lt1"/>
-          </a:fontRef>
-        </p:style>
-        <p:txBody>
-          <a:bodyPr rtlCol="0" anchor="ctr"/>
-          <a:lstStyle/>
-          <a:p>
-            <a:pPr algn="ctr"/>
-            <a:endParaRPr lang="zh-CN" altLang="en-US"/>
-          </a:p>
-        </p:txBody>
-      </p:sp>
-      <p:sp>
-        <p:nvSpPr>
-          <p:cNvPr id="44" name="Freeform 169">
-            <a:extLst>
-              <a:ext uri="{FF2B5EF4-FFF2-40B4-BE49-F238E27FC236}">
-                <a16:creationId xmlns:a16="http://schemas.microsoft.com/office/drawing/2014/main" id="{AB00688E-1524-4021-8138-7664AE172649}"/>
-              </a:ext>
-            </a:extLst>
-          </p:cNvPr>
-          <p:cNvSpPr/>
-          <p:nvPr/>
-        </p:nvSpPr>
-        <p:spPr bwMode="auto">
-          <a:xfrm rot="5400000">
-            <a:off x="960925" y="1959576"/>
-            <a:ext cx="6307752" cy="3073465"/>
-          </a:xfrm>
-          <a:custGeom>
-            <a:avLst/>
-            <a:gdLst>
-              <a:gd name="T0" fmla="*/ 0 w 3595"/>
-              <a:gd name="T1" fmla="*/ 154 h 608"/>
-              <a:gd name="T2" fmla="*/ 542 w 3595"/>
-              <a:gd name="T3" fmla="*/ 27 h 608"/>
-              <a:gd name="T4" fmla="*/ 1075 w 3595"/>
-              <a:gd name="T5" fmla="*/ 96 h 608"/>
-              <a:gd name="T6" fmla="*/ 1385 w 3595"/>
-              <a:gd name="T7" fmla="*/ 16 h 608"/>
-              <a:gd name="T8" fmla="*/ 1846 w 3595"/>
-              <a:gd name="T9" fmla="*/ 88 h 608"/>
-              <a:gd name="T10" fmla="*/ 2418 w 3595"/>
-              <a:gd name="T11" fmla="*/ 29 h 608"/>
-              <a:gd name="T12" fmla="*/ 2860 w 3595"/>
-              <a:gd name="T13" fmla="*/ 83 h 608"/>
-              <a:gd name="T14" fmla="*/ 3578 w 3595"/>
-              <a:gd name="T15" fmla="*/ 116 h 608"/>
-              <a:gd name="T16" fmla="*/ 3595 w 3595"/>
-              <a:gd name="T17" fmla="*/ 608 h 608"/>
-              <a:gd name="T18" fmla="*/ 0 w 3595"/>
-              <a:gd name="T19" fmla="*/ 588 h 608"/>
-              <a:gd name="T20" fmla="*/ 0 w 3595"/>
-              <a:gd name="T21" fmla="*/ 154 h 608"/>
-            </a:gdLst>
-            <a:ahLst/>
-            <a:cxnLst>
-              <a:cxn ang="0">
-                <a:pos x="T0" y="T1"/>
-              </a:cxn>
-              <a:cxn ang="0">
-                <a:pos x="T2" y="T3"/>
-              </a:cxn>
-              <a:cxn ang="0">
-                <a:pos x="T4" y="T5"/>
-              </a:cxn>
-              <a:cxn ang="0">
-                <a:pos x="T6" y="T7"/>
-              </a:cxn>
-              <a:cxn ang="0">
-                <a:pos x="T8" y="T9"/>
-              </a:cxn>
-              <a:cxn ang="0">
-                <a:pos x="T10" y="T11"/>
-              </a:cxn>
-              <a:cxn ang="0">
-                <a:pos x="T12" y="T13"/>
-              </a:cxn>
-              <a:cxn ang="0">
-                <a:pos x="T14" y="T15"/>
-              </a:cxn>
-              <a:cxn ang="0">
-                <a:pos x="T16" y="T17"/>
-              </a:cxn>
-              <a:cxn ang="0">
-                <a:pos x="T18" y="T19"/>
-              </a:cxn>
-              <a:cxn ang="0">
-                <a:pos x="T20" y="T21"/>
-              </a:cxn>
-            </a:cxnLst>
-            <a:rect l="0" t="0" r="r" b="b"/>
-            <a:pathLst>
-              <a:path w="3595" h="608">
-                <a:moveTo>
-                  <a:pt x="0" y="154"/>
-                </a:moveTo>
-                <a:cubicBezTo>
-                  <a:pt x="160" y="52"/>
-                  <a:pt x="354" y="7"/>
-                  <a:pt x="542" y="27"/>
-                </a:cubicBezTo>
-                <a:cubicBezTo>
-                  <a:pt x="721" y="47"/>
-                  <a:pt x="897" y="124"/>
-                  <a:pt x="1075" y="96"/>
-                </a:cubicBezTo>
-                <a:cubicBezTo>
-                  <a:pt x="1181" y="80"/>
-                  <a:pt x="1279" y="27"/>
-                  <a:pt x="1385" y="16"/>
-                </a:cubicBezTo>
-                <a:cubicBezTo>
-                  <a:pt x="1540" y="0"/>
-                  <a:pt x="1690" y="74"/>
-                  <a:pt x="1846" y="88"/>
-                </a:cubicBezTo>
-                <a:cubicBezTo>
-                  <a:pt x="2037" y="105"/>
-                  <a:pt x="2226" y="30"/>
-                  <a:pt x="2418" y="29"/>
-                </a:cubicBezTo>
-                <a:cubicBezTo>
-                  <a:pt x="2566" y="28"/>
-                  <a:pt x="2712" y="71"/>
-                  <a:pt x="2860" y="83"/>
-                </a:cubicBezTo>
-                <a:cubicBezTo>
-                  <a:pt x="3100" y="102"/>
-                  <a:pt x="3349" y="40"/>
-                  <a:pt x="3578" y="116"/>
-                </a:cubicBezTo>
-                <a:cubicBezTo>
-                  <a:pt x="3595" y="608"/>
-                  <a:pt x="3595" y="608"/>
-                  <a:pt x="3595" y="608"/>
-                </a:cubicBezTo>
-                <a:cubicBezTo>
-                  <a:pt x="0" y="588"/>
-                  <a:pt x="0" y="588"/>
-                  <a:pt x="0" y="588"/>
-                </a:cubicBezTo>
-                <a:lnTo>
-                  <a:pt x="0" y="154"/>
-                </a:lnTo>
-                <a:close/>
-              </a:path>
-            </a:pathLst>
-          </a:custGeom>
-          <a:solidFill>
-            <a:srgbClr val="F4F4F4"/>
-          </a:solidFill>
-          <a:ln>
-            <a:noFill/>
-          </a:ln>
-          <a:effectLst>
-            <a:outerShdw blurRad="50800" dist="38100" dir="16200000" rotWithShape="0">
-              <a:prstClr val="black">
-                <a:alpha val="40000"/>
-              </a:prstClr>
-            </a:outerShdw>
-          </a:effectLst>
-        </p:spPr>
-        <p:txBody>
-          <a:bodyPr/>
-          <a:lstStyle/>
-          <a:p>
-            <a:pPr>
-              <a:defRPr/>
-            </a:pPr>
-            <a:endParaRPr lang="zh-CN" altLang="en-US" sz="2365">
-              <a:latin typeface="Noto Sans S Chinese Thin" panose="020B0200000000000000" pitchFamily="34" charset="-122"/>
-              <a:ea typeface="Noto Sans S Chinese Thin" panose="020B0200000000000000" pitchFamily="34" charset="-122"/>
-            </a:endParaRPr>
-          </a:p>
-        </p:txBody>
-      </p:sp>
-      <p:grpSp>
-        <p:nvGrpSpPr>
-          <p:cNvPr id="15" name="组合 14">
-            <a:extLst>
-              <a:ext uri="{FF2B5EF4-FFF2-40B4-BE49-F238E27FC236}">
-                <a16:creationId xmlns:a16="http://schemas.microsoft.com/office/drawing/2014/main" id="{9FEA297F-C026-4D43-BAC3-098131148F1F}"/>
-              </a:ext>
-            </a:extLst>
-          </p:cNvPr>
-          <p:cNvGrpSpPr/>
-          <p:nvPr/>
-        </p:nvGrpSpPr>
-        <p:grpSpPr>
-          <a:xfrm>
-            <a:off x="9690965" y="1827356"/>
-            <a:ext cx="1397454" cy="123825"/>
-            <a:chOff x="10086975" y="2133600"/>
-            <a:chExt cx="752475" cy="66675"/>
-          </a:xfrm>
-          <a:solidFill>
-            <a:srgbClr val="BE6B41"/>
-          </a:solidFill>
-        </p:grpSpPr>
-        <p:sp>
-          <p:nvSpPr>
-            <p:cNvPr id="13" name="椭圆 12">
-              <a:extLst>
-                <a:ext uri="{FF2B5EF4-FFF2-40B4-BE49-F238E27FC236}">
-                  <a16:creationId xmlns:a16="http://schemas.microsoft.com/office/drawing/2014/main" id="{5AE675F3-05A8-49C9-9231-9CDDFB3AA42C}"/>
-                </a:ext>
-              </a:extLst>
-            </p:cNvPr>
-            <p:cNvSpPr/>
-            <p:nvPr/>
-          </p:nvSpPr>
-          <p:spPr>
-            <a:xfrm>
-              <a:off x="10086975" y="2133600"/>
-              <a:ext cx="66675" cy="66675"/>
-            </a:xfrm>
-            <a:prstGeom prst="ellipse">
-              <a:avLst/>
-            </a:prstGeom>
-            <a:grpFill/>
-            <a:ln>
-              <a:solidFill>
-                <a:schemeClr val="bg1">
-                  <a:lumMod val="85000"/>
-                </a:schemeClr>
-              </a:solidFill>
-            </a:ln>
-          </p:spPr>
-          <p:style>
-            <a:lnRef idx="2">
-              <a:schemeClr val="accent1">
-                <a:shade val="50000"/>
-              </a:schemeClr>
-            </a:lnRef>
-            <a:fillRef idx="1">
-              <a:schemeClr val="accent1"/>
-            </a:fillRef>
-            <a:effectRef idx="0">
-              <a:schemeClr val="accent1"/>
-            </a:effectRef>
-            <a:fontRef idx="minor">
-              <a:schemeClr val="lt1"/>
-            </a:fontRef>
-          </p:style>
-          <p:txBody>
-            <a:bodyPr rtlCol="0" anchor="ctr"/>
-            <a:lstStyle/>
-            <a:p>
-              <a:pPr algn="ctr"/>
-              <a:endParaRPr lang="zh-CN" altLang="en-US"/>
-            </a:p>
-          </p:txBody>
-        </p:sp>
-        <p:sp>
-          <p:nvSpPr>
-            <p:cNvPr id="23" name="椭圆 22">
-              <a:extLst>
-                <a:ext uri="{FF2B5EF4-FFF2-40B4-BE49-F238E27FC236}">
-                  <a16:creationId xmlns:a16="http://schemas.microsoft.com/office/drawing/2014/main" id="{F63797CE-5E20-4251-8384-08E1A888AF0E}"/>
-                </a:ext>
-              </a:extLst>
-            </p:cNvPr>
-            <p:cNvSpPr/>
-            <p:nvPr/>
-          </p:nvSpPr>
-          <p:spPr>
-            <a:xfrm>
-              <a:off x="10220325" y="2133600"/>
-              <a:ext cx="66675" cy="66675"/>
-            </a:xfrm>
-            <a:prstGeom prst="ellipse">
-              <a:avLst/>
-            </a:prstGeom>
-            <a:grpFill/>
-            <a:ln>
-              <a:solidFill>
-                <a:schemeClr val="bg1">
-                  <a:lumMod val="85000"/>
-                </a:schemeClr>
-              </a:solidFill>
-            </a:ln>
-          </p:spPr>
-          <p:style>
-            <a:lnRef idx="2">
-              <a:schemeClr val="accent1">
-                <a:shade val="50000"/>
-              </a:schemeClr>
-            </a:lnRef>
-            <a:fillRef idx="1">
-              <a:schemeClr val="accent1"/>
-            </a:fillRef>
-            <a:effectRef idx="0">
-              <a:schemeClr val="accent1"/>
-            </a:effectRef>
-            <a:fontRef idx="minor">
-              <a:schemeClr val="lt1"/>
-            </a:fontRef>
-          </p:style>
-          <p:txBody>
-            <a:bodyPr rtlCol="0" anchor="ctr"/>
-            <a:lstStyle/>
-            <a:p>
-              <a:pPr algn="ctr"/>
-              <a:endParaRPr lang="zh-CN" altLang="en-US"/>
-            </a:p>
-          </p:txBody>
-        </p:sp>
-        <p:sp>
-          <p:nvSpPr>
-            <p:cNvPr id="24" name="椭圆 23">
-              <a:extLst>
-                <a:ext uri="{FF2B5EF4-FFF2-40B4-BE49-F238E27FC236}">
-                  <a16:creationId xmlns:a16="http://schemas.microsoft.com/office/drawing/2014/main" id="{055EF271-119F-46B8-AD49-135277FE2503}"/>
-                </a:ext>
-              </a:extLst>
-            </p:cNvPr>
-            <p:cNvSpPr/>
-            <p:nvPr/>
-          </p:nvSpPr>
-          <p:spPr>
-            <a:xfrm>
-              <a:off x="10372725" y="2133600"/>
-              <a:ext cx="66675" cy="66675"/>
-            </a:xfrm>
-            <a:prstGeom prst="ellipse">
-              <a:avLst/>
-            </a:prstGeom>
-            <a:grpFill/>
-            <a:ln>
-              <a:solidFill>
-                <a:schemeClr val="bg1">
-                  <a:lumMod val="85000"/>
-                </a:schemeClr>
-              </a:solidFill>
-            </a:ln>
-          </p:spPr>
-          <p:style>
-            <a:lnRef idx="2">
-              <a:schemeClr val="accent1">
-                <a:shade val="50000"/>
-              </a:schemeClr>
-            </a:lnRef>
-            <a:fillRef idx="1">
-              <a:schemeClr val="accent1"/>
-            </a:fillRef>
-            <a:effectRef idx="0">
-              <a:schemeClr val="accent1"/>
-            </a:effectRef>
-            <a:fontRef idx="minor">
-              <a:schemeClr val="lt1"/>
-            </a:fontRef>
-          </p:style>
-          <p:txBody>
-            <a:bodyPr rtlCol="0" anchor="ctr"/>
-            <a:lstStyle/>
-            <a:p>
-              <a:pPr algn="ctr"/>
-              <a:endParaRPr lang="zh-CN" altLang="en-US"/>
-            </a:p>
-          </p:txBody>
-        </p:sp>
-        <p:sp>
-          <p:nvSpPr>
-            <p:cNvPr id="25" name="椭圆 24">
-              <a:extLst>
-                <a:ext uri="{FF2B5EF4-FFF2-40B4-BE49-F238E27FC236}">
-                  <a16:creationId xmlns:a16="http://schemas.microsoft.com/office/drawing/2014/main" id="{61A3AE1E-4484-4478-BBBB-EE631F86DF1E}"/>
-                </a:ext>
-              </a:extLst>
-            </p:cNvPr>
-            <p:cNvSpPr/>
-            <p:nvPr/>
-          </p:nvSpPr>
-          <p:spPr>
-            <a:xfrm>
-              <a:off x="10506075" y="2133600"/>
-              <a:ext cx="66675" cy="66675"/>
-            </a:xfrm>
-            <a:prstGeom prst="ellipse">
-              <a:avLst/>
-            </a:prstGeom>
-            <a:grpFill/>
-            <a:ln>
-              <a:solidFill>
-                <a:schemeClr val="bg1">
-                  <a:lumMod val="85000"/>
-                </a:schemeClr>
-              </a:solidFill>
-            </a:ln>
-          </p:spPr>
-          <p:style>
-            <a:lnRef idx="2">
-              <a:schemeClr val="accent1">
-                <a:shade val="50000"/>
-              </a:schemeClr>
-            </a:lnRef>
-            <a:fillRef idx="1">
-              <a:schemeClr val="accent1"/>
-            </a:fillRef>
-            <a:effectRef idx="0">
-              <a:schemeClr val="accent1"/>
-            </a:effectRef>
-            <a:fontRef idx="minor">
-              <a:schemeClr val="lt1"/>
-            </a:fontRef>
-          </p:style>
-          <p:txBody>
-            <a:bodyPr rtlCol="0" anchor="ctr"/>
-            <a:lstStyle/>
-            <a:p>
-              <a:pPr algn="ctr"/>
-              <a:endParaRPr lang="zh-CN" altLang="en-US"/>
-            </a:p>
-          </p:txBody>
-        </p:sp>
-        <p:sp>
-          <p:nvSpPr>
-            <p:cNvPr id="26" name="椭圆 25">
-              <a:extLst>
-                <a:ext uri="{FF2B5EF4-FFF2-40B4-BE49-F238E27FC236}">
-                  <a16:creationId xmlns:a16="http://schemas.microsoft.com/office/drawing/2014/main" id="{07C5155A-34BF-48BC-AF23-92D724046535}"/>
-                </a:ext>
-              </a:extLst>
-            </p:cNvPr>
-            <p:cNvSpPr/>
-            <p:nvPr/>
-          </p:nvSpPr>
-          <p:spPr>
-            <a:xfrm>
-              <a:off x="10639425" y="2133600"/>
-              <a:ext cx="66675" cy="66675"/>
-            </a:xfrm>
-            <a:prstGeom prst="ellipse">
-              <a:avLst/>
-            </a:prstGeom>
-            <a:grpFill/>
-            <a:ln>
-              <a:solidFill>
-                <a:schemeClr val="bg1">
-                  <a:lumMod val="85000"/>
-                </a:schemeClr>
-              </a:solidFill>
-            </a:ln>
-          </p:spPr>
-          <p:style>
-            <a:lnRef idx="2">
-              <a:schemeClr val="accent1">
-                <a:shade val="50000"/>
-              </a:schemeClr>
-            </a:lnRef>
-            <a:fillRef idx="1">
-              <a:schemeClr val="accent1"/>
-            </a:fillRef>
-            <a:effectRef idx="0">
-              <a:schemeClr val="accent1"/>
-            </a:effectRef>
-            <a:fontRef idx="minor">
-              <a:schemeClr val="lt1"/>
-            </a:fontRef>
-          </p:style>
-          <p:txBody>
-            <a:bodyPr rtlCol="0" anchor="ctr"/>
-            <a:lstStyle/>
-            <a:p>
-              <a:pPr algn="ctr"/>
-              <a:endParaRPr lang="zh-CN" altLang="en-US"/>
-            </a:p>
-          </p:txBody>
-        </p:sp>
-        <p:sp>
-          <p:nvSpPr>
-            <p:cNvPr id="27" name="椭圆 26">
-              <a:extLst>
-                <a:ext uri="{FF2B5EF4-FFF2-40B4-BE49-F238E27FC236}">
-                  <a16:creationId xmlns:a16="http://schemas.microsoft.com/office/drawing/2014/main" id="{B7B08889-9717-4470-A2BB-5F71CE18B95B}"/>
-                </a:ext>
-              </a:extLst>
-            </p:cNvPr>
-            <p:cNvSpPr/>
-            <p:nvPr/>
-          </p:nvSpPr>
-          <p:spPr>
-            <a:xfrm>
-              <a:off x="10772775" y="2133600"/>
-              <a:ext cx="66675" cy="66675"/>
-            </a:xfrm>
-            <a:prstGeom prst="ellipse">
-              <a:avLst/>
-            </a:prstGeom>
-            <a:grpFill/>
-            <a:ln>
-              <a:solidFill>
-                <a:schemeClr val="bg1">
-                  <a:lumMod val="85000"/>
-                </a:schemeClr>
-              </a:solidFill>
-            </a:ln>
-          </p:spPr>
-          <p:style>
-            <a:lnRef idx="2">
-              <a:schemeClr val="accent1">
-                <a:shade val="50000"/>
-              </a:schemeClr>
-            </a:lnRef>
-            <a:fillRef idx="1">
-              <a:schemeClr val="accent1"/>
-            </a:fillRef>
-            <a:effectRef idx="0">
-              <a:schemeClr val="accent1"/>
-            </a:effectRef>
-            <a:fontRef idx="minor">
-              <a:schemeClr val="lt1"/>
-            </a:fontRef>
-          </p:style>
-          <p:txBody>
-            <a:bodyPr rtlCol="0" anchor="ctr"/>
-            <a:lstStyle/>
-            <a:p>
-              <a:pPr algn="ctr"/>
-              <a:endParaRPr lang="zh-CN" altLang="en-US"/>
-            </a:p>
-          </p:txBody>
-        </p:sp>
-      </p:grpSp>
-      <p:pic>
-        <p:nvPicPr>
-          <p:cNvPr id="4" name="图片 3">
-            <a:extLst>
-              <a:ext uri="{FF2B5EF4-FFF2-40B4-BE49-F238E27FC236}">
-                <a16:creationId xmlns:a16="http://schemas.microsoft.com/office/drawing/2014/main" id="{97388D58-6222-4F45-97AB-510377E80D4C}"/>
+                <a16:creationId xmlns:a16="http://schemas.microsoft.com/office/drawing/2014/main" id="{142DD0E4-9D61-4C0B-9C9C-8B5295F461F1}"/>
               </a:ext>
             </a:extLst>
           </p:cNvPr>
@@ -21433,7 +22248,7 @@
           <p:nvPr/>
         </p:nvPicPr>
         <p:blipFill>
-          <a:blip r:embed="rId3">
+          <a:blip r:embed="rId2">
             <a:extLst>
               <a:ext uri="{28A0092B-C50C-407E-A947-70E740481C1C}">
                 <a14:useLocalDpi xmlns:a14="http://schemas.microsoft.com/office/drawing/2010/main" val="0"/>
@@ -21446,264 +22261,24 @@
         </p:blipFill>
         <p:spPr>
           <a:xfrm>
-            <a:off x="0" y="-7613"/>
-            <a:ext cx="5135418" cy="6865613"/>
+            <a:off x="164497" y="1098818"/>
+            <a:ext cx="11863005" cy="4828941"/>
           </a:xfrm>
           <a:prstGeom prst="rect">
             <a:avLst/>
           </a:prstGeom>
         </p:spPr>
       </p:pic>
-      <p:grpSp>
-        <p:nvGrpSpPr>
-          <p:cNvPr id="42" name="组合 41">
-            <a:extLst>
-              <a:ext uri="{FF2B5EF4-FFF2-40B4-BE49-F238E27FC236}">
-                <a16:creationId xmlns:a16="http://schemas.microsoft.com/office/drawing/2014/main" id="{4203D8E2-B0CB-4ACF-85C4-AE943A93F846}"/>
-              </a:ext>
-            </a:extLst>
-          </p:cNvPr>
-          <p:cNvGrpSpPr/>
-          <p:nvPr/>
-        </p:nvGrpSpPr>
-        <p:grpSpPr>
-          <a:xfrm>
-            <a:off x="4679060" y="3085493"/>
-            <a:ext cx="1029018" cy="941557"/>
-            <a:chOff x="4882256" y="2069497"/>
-            <a:chExt cx="513617" cy="469963"/>
-          </a:xfrm>
-        </p:grpSpPr>
-        <p:sp>
-          <p:nvSpPr>
-            <p:cNvPr id="43" name="淘宝网Chenying0907出品 20">
-              <a:extLst>
-                <a:ext uri="{FF2B5EF4-FFF2-40B4-BE49-F238E27FC236}">
-                  <a16:creationId xmlns:a16="http://schemas.microsoft.com/office/drawing/2014/main" id="{57FD8D2C-5D0D-47EA-9294-E0183D2D5E37}"/>
-                </a:ext>
-              </a:extLst>
-            </p:cNvPr>
-            <p:cNvSpPr/>
-            <p:nvPr/>
-          </p:nvSpPr>
-          <p:spPr bwMode="auto">
-            <a:xfrm rot="5400000" flipV="1">
-              <a:off x="4883851" y="2067902"/>
-              <a:ext cx="469963" cy="473154"/>
-            </a:xfrm>
-            <a:prstGeom prst="ellipse">
-              <a:avLst/>
-            </a:prstGeom>
-            <a:solidFill>
-              <a:srgbClr val="BE6B41"/>
-            </a:solidFill>
-            <a:ln w="57150">
-              <a:solidFill>
-                <a:schemeClr val="bg1"/>
-              </a:solidFill>
-            </a:ln>
-            <a:effectLst>
-              <a:outerShdw blurRad="279400" dist="190500" dir="8100000" algn="tr" rotWithShape="0">
-                <a:prstClr val="black">
-                  <a:alpha val="40000"/>
-                </a:prstClr>
-              </a:outerShdw>
-            </a:effectLst>
-          </p:spPr>
-          <p:style>
-            <a:lnRef idx="2">
-              <a:schemeClr val="accent1">
-                <a:shade val="50000"/>
-              </a:schemeClr>
-            </a:lnRef>
-            <a:fillRef idx="1">
-              <a:schemeClr val="accent1"/>
-            </a:fillRef>
-            <a:effectRef idx="0">
-              <a:schemeClr val="accent1"/>
-            </a:effectRef>
-            <a:fontRef idx="minor">
-              <a:schemeClr val="lt1"/>
-            </a:fontRef>
-          </p:style>
-          <p:txBody>
-            <a:bodyPr anchor="ctr"/>
-            <a:lstStyle/>
-            <a:p>
-              <a:pPr algn="ctr"/>
-              <a:endParaRPr lang="zh-CN" altLang="en-US" sz="4400">
-                <a:solidFill>
-                  <a:schemeClr val="bg1"/>
-                </a:solidFill>
-                <a:latin typeface="Noto Sans S Chinese Thin" panose="020B0200000000000000" pitchFamily="34" charset="-122"/>
-                <a:ea typeface="Noto Sans S Chinese Thin" panose="020B0200000000000000" pitchFamily="34" charset="-122"/>
-              </a:endParaRPr>
-            </a:p>
-          </p:txBody>
-        </p:sp>
-        <p:sp>
-          <p:nvSpPr>
-            <p:cNvPr id="45" name="文本框 44">
-              <a:extLst>
-                <a:ext uri="{FF2B5EF4-FFF2-40B4-BE49-F238E27FC236}">
-                  <a16:creationId xmlns:a16="http://schemas.microsoft.com/office/drawing/2014/main" id="{5EB1A022-B07C-4BAA-966D-8CAFE1ABAE4B}"/>
-                </a:ext>
-              </a:extLst>
-            </p:cNvPr>
-            <p:cNvSpPr txBox="1"/>
-            <p:nvPr/>
-          </p:nvSpPr>
-          <p:spPr>
-            <a:xfrm>
-              <a:off x="4921577" y="2111477"/>
-              <a:ext cx="474296" cy="384054"/>
-            </a:xfrm>
-            <a:prstGeom prst="rect">
-              <a:avLst/>
-            </a:prstGeom>
-            <a:noFill/>
-          </p:spPr>
-          <p:txBody>
-            <a:bodyPr wrap="square" rtlCol="0">
-              <a:spAutoFit/>
-            </a:bodyPr>
-            <a:lstStyle/>
-            <a:p>
-              <a:r>
-                <a:rPr lang="en-US" altLang="zh-CN" sz="4400" b="1" dirty="0">
-                  <a:solidFill>
-                    <a:schemeClr val="bg1"/>
-                  </a:solidFill>
-                  <a:latin typeface="Noto Sans S Chinese Thin" panose="020B0200000000000000" pitchFamily="34" charset="-122"/>
-                  <a:ea typeface="Noto Sans S Chinese Thin" panose="020B0200000000000000" pitchFamily="34" charset="-122"/>
-                  <a:sym typeface="+mn-ea"/>
-                </a:rPr>
-                <a:t>02</a:t>
-              </a:r>
-              <a:endParaRPr lang="zh-CN" altLang="en-US" sz="4400" b="1" dirty="0">
-                <a:solidFill>
-                  <a:schemeClr val="bg1"/>
-                </a:solidFill>
-                <a:latin typeface="Noto Sans S Chinese Thin" panose="020B0200000000000000" pitchFamily="34" charset="-122"/>
-                <a:ea typeface="Noto Sans S Chinese Thin" panose="020B0200000000000000" pitchFamily="34" charset="-122"/>
-                <a:sym typeface="+mn-ea"/>
-              </a:endParaRPr>
-            </a:p>
-          </p:txBody>
-        </p:sp>
-      </p:grpSp>
-      <p:sp>
-        <p:nvSpPr>
-          <p:cNvPr id="46" name="文本框 45">
-            <a:extLst>
-              <a:ext uri="{FF2B5EF4-FFF2-40B4-BE49-F238E27FC236}">
-                <a16:creationId xmlns:a16="http://schemas.microsoft.com/office/drawing/2014/main" id="{3D810986-73A6-46CA-999E-966FAE63EDB4}"/>
-              </a:ext>
-            </a:extLst>
-          </p:cNvPr>
-          <p:cNvSpPr txBox="1"/>
-          <p:nvPr/>
-        </p:nvSpPr>
-        <p:spPr>
-          <a:xfrm>
-            <a:off x="5922590" y="2895297"/>
-            <a:ext cx="4670529" cy="707886"/>
-          </a:xfrm>
-          <a:prstGeom prst="rect">
-            <a:avLst/>
-          </a:prstGeom>
-          <a:noFill/>
-        </p:spPr>
-        <p:txBody>
-          <a:bodyPr wrap="square" rtlCol="0">
-            <a:spAutoFit/>
-          </a:bodyPr>
-          <a:lstStyle/>
-          <a:p>
-            <a:pPr algn="ctr"/>
-            <a:r>
-              <a:rPr lang="zh-CN" altLang="en-US" sz="4000" b="1" dirty="0">
-                <a:solidFill>
-                  <a:schemeClr val="tx1">
-                    <a:lumMod val="85000"/>
-                    <a:lumOff val="15000"/>
-                  </a:schemeClr>
-                </a:solidFill>
-                <a:latin typeface="Noto Sans S Chinese Regular" panose="020B0500000000000000" pitchFamily="34" charset="-122"/>
-                <a:ea typeface="Noto Sans S Chinese Regular" panose="020B0500000000000000" pitchFamily="34" charset="-122"/>
-              </a:rPr>
-              <a:t>界面原型</a:t>
-            </a:r>
-          </a:p>
-        </p:txBody>
-      </p:sp>
-      <p:cxnSp>
-        <p:nvCxnSpPr>
-          <p:cNvPr id="48" name="直接连接符 47">
-            <a:extLst>
-              <a:ext uri="{FF2B5EF4-FFF2-40B4-BE49-F238E27FC236}">
-                <a16:creationId xmlns:a16="http://schemas.microsoft.com/office/drawing/2014/main" id="{00CF0DFE-DDAE-4C63-A9B8-3AAC129482B0}"/>
-              </a:ext>
-            </a:extLst>
-          </p:cNvPr>
-          <p:cNvCxnSpPr>
-            <a:cxnSpLocks/>
-          </p:cNvCxnSpPr>
-          <p:nvPr/>
-        </p:nvCxnSpPr>
-        <p:spPr>
-          <a:xfrm>
-            <a:off x="6237451" y="4132834"/>
-            <a:ext cx="3969434" cy="0"/>
-          </a:xfrm>
-          <a:prstGeom prst="line">
-            <a:avLst/>
-          </a:prstGeom>
-          <a:ln>
-            <a:solidFill>
-              <a:schemeClr val="bg1">
-                <a:lumMod val="75000"/>
-              </a:schemeClr>
-            </a:solidFill>
-          </a:ln>
-        </p:spPr>
-        <p:style>
-          <a:lnRef idx="1">
-            <a:schemeClr val="accent1"/>
-          </a:lnRef>
-          <a:fillRef idx="0">
-            <a:schemeClr val="accent1"/>
-          </a:fillRef>
-          <a:effectRef idx="0">
-            <a:schemeClr val="accent1"/>
-          </a:effectRef>
-          <a:fontRef idx="minor">
-            <a:schemeClr val="tx1"/>
-          </a:fontRef>
-        </p:style>
-      </p:cxnSp>
     </p:spTree>
     <p:extLst>
       <p:ext uri="{BB962C8B-B14F-4D97-AF65-F5344CB8AC3E}">
-        <p14:creationId xmlns:p14="http://schemas.microsoft.com/office/powerpoint/2010/main" val="2150304923"/>
+        <p14:creationId xmlns:p14="http://schemas.microsoft.com/office/powerpoint/2010/main" val="524790316"/>
       </p:ext>
     </p:extLst>
   </p:cSld>
   <p:clrMapOvr>
     <a:masterClrMapping/>
   </p:clrMapOvr>
-  <mc:AlternateContent xmlns:mc="http://schemas.openxmlformats.org/markup-compatibility/2006" xmlns:p15="http://schemas.microsoft.com/office/powerpoint/2012/main">
-    <mc:Choice Requires="p15">
-      <p:transition xmlns:p14="http://schemas.microsoft.com/office/powerpoint/2010/main" spd="slow" p14:dur="1250">
-        <p15:prstTrans prst="pageCurlDouble"/>
-      </p:transition>
-    </mc:Choice>
-    <mc:Fallback xmlns="">
-      <p:transition spd="slow">
-        <p:fade/>
-      </p:transition>
-    </mc:Fallback>
-  </mc:AlternateContent>
 </p:sld>
 </file>
 
